--- a/Assets/Class/Sound/PPT Data/Sound Example.pptx
+++ b/Assets/Class/Sound/PPT Data/Sound Example.pptx
@@ -2,24 +2,23 @@
 <file path=ppt/presentation.xml><?xml version="1.0" encoding="utf-8"?>
 <p:presentation xmlns:a="http://schemas.openxmlformats.org/drawingml/2006/main" xmlns:r="http://schemas.openxmlformats.org/officeDocument/2006/relationships" xmlns:p="http://schemas.openxmlformats.org/presentationml/2006/main" xmlns:p14="http://schemas.microsoft.com/office/powerpoint/2010/main" saveSubsetFonts="1" firstSlideNum="0">
   <p:sldMasterIdLst>
-    <p:sldMasterId id="2147486269" r:id="rId12"/>
+    <p:sldMasterId id="2147486270" r:id="rId12"/>
   </p:sldMasterIdLst>
   <p:notesMasterIdLst>
     <p:notesMasterId r:id="rId14"/>
   </p:notesMasterIdLst>
   <p:sldIdLst>
     <p:sldId id="287" r:id="rId16"/>
-    <p:sldId id="300" r:id="rId17"/>
-    <p:sldId id="304" r:id="rId18"/>
-    <p:sldId id="301" r:id="rId19"/>
-    <p:sldId id="302" r:id="rId20"/>
-    <p:sldId id="305" r:id="rId21"/>
-    <p:sldId id="306" r:id="rId22"/>
-    <p:sldId id="307" r:id="rId23"/>
-    <p:sldId id="308" r:id="rId24"/>
-    <p:sldId id="309" r:id="rId25"/>
-    <p:sldId id="310" r:id="rId26"/>
-    <p:sldId id="311" r:id="rId27"/>
+    <p:sldId id="300" r:id="rId18"/>
+    <p:sldId id="304" r:id="rId20"/>
+    <p:sldId id="301" r:id="rId22"/>
+    <p:sldId id="302" r:id="rId24"/>
+    <p:sldId id="305" r:id="rId26"/>
+    <p:sldId id="307" r:id="rId28"/>
+    <p:sldId id="308" r:id="rId30"/>
+    <p:sldId id="309" r:id="rId32"/>
+    <p:sldId id="310" r:id="rId34"/>
+    <p:sldId id="311" r:id="rId36"/>
   </p:sldIdLst>
   <p:sldSz cx="12192000" cy="6858000"/>
   <p:notesSz cx="6858000" cy="9144000"/>
@@ -904,148 +903,6 @@
 </p:notes>
 </file>
 
-<file path=ppt/notesSlides/notesSlide12.xml><?xml version="1.0" encoding="utf-8"?>
-<p:notes xmlns:a="http://schemas.openxmlformats.org/drawingml/2006/main" xmlns:r="http://schemas.openxmlformats.org/officeDocument/2006/relationships" xmlns:p="http://schemas.openxmlformats.org/presentationml/2006/main">
-  <p:cSld>
-    <p:spTree>
-      <p:nvGrpSpPr>
-        <p:cNvPr id="1" name=""/>
-        <p:cNvGrpSpPr/>
-        <p:nvPr/>
-      </p:nvGrpSpPr>
-      <p:grpSpPr>
-        <a:xfrm>
-          <a:off x="0" y="0"/>
-          <a:ext cx="0" cy="0"/>
-          <a:chOff x="0" y="0"/>
-          <a:chExt cx="0" cy="0"/>
-        </a:xfrm>
-      </p:grpSpPr>
-      <p:sp>
-        <p:nvSpPr>
-          <p:cNvPr id="2" name="슬라이드 이미지 개체 틀 3"/>
-          <p:cNvSpPr>
-            <a:spLocks noChangeAspect="1"/>
-          </p:cNvSpPr>
-          <p:nvPr>
-            <p:ph type="sldImg" idx="2"/>
-          </p:nvPr>
-        </p:nvSpPr>
-        <p:spPr>
-          <a:xfrm rot="0">
-            <a:off x="685800" y="1143000"/>
-            <a:ext cx="5491480" cy="3091180"/>
-          </a:xfrm>
-          <a:prstGeom prst="rect"/>
-          <a:noFill/>
-          <a:ln w="12700" cap="flat" cmpd="sng">
-            <a:solidFill>
-              <a:srgbClr val="000000">
-                <a:alpha val="100000"/>
-              </a:srgbClr>
-            </a:solidFill>
-            <a:prstDash val="solid"/>
-          </a:ln>
-        </p:spPr>
-        <p:txBody>
-          <a:bodyPr wrap="square" lIns="91440" tIns="45720" rIns="91440" bIns="45720" numCol="1" vert="horz" anchor="ctr">
-            <a:noAutofit/>
-          </a:bodyPr>
-          <a:lstStyle/>
-          <a:p>
-            <a:pPr marL="0" indent="0" latinLnBrk="0">
-              <a:buFontTx/>
-              <a:buNone/>
-            </a:pPr>
-          </a:p>
-        </p:txBody>
-      </p:sp>
-      <p:sp>
-        <p:nvSpPr>
-          <p:cNvPr id="3" name="슬라이드 노트 개체 틀 4"/>
-          <p:cNvSpPr txBox="1">
-            <a:spLocks/>
-          </p:cNvSpPr>
-          <p:nvPr>
-            <p:ph type="body" idx="3"/>
-          </p:nvPr>
-        </p:nvSpPr>
-        <p:spPr>
-          <a:xfrm rot="0">
-            <a:off x="685800" y="4400550"/>
-            <a:ext cx="5491480" cy="3605530"/>
-          </a:xfrm>
-          <a:prstGeom prst="rect"/>
-        </p:spPr>
-        <p:txBody>
-          <a:bodyPr wrap="square" lIns="91440" tIns="45720" rIns="91440" bIns="45720" numCol="1" vert="horz" anchor="t">
-            <a:noAutofit/>
-          </a:bodyPr>
-          <a:lstStyle/>
-          <a:p>
-            <a:pPr marL="0" indent="0" latinLnBrk="0">
-              <a:buFontTx/>
-              <a:buNone/>
-            </a:pPr>
-          </a:p>
-        </p:txBody>
-      </p:sp>
-      <p:sp>
-        <p:nvSpPr>
-          <p:cNvPr id="4" name="슬라이드 번호 개체 틀 6"/>
-          <p:cNvSpPr txBox="1">
-            <a:spLocks/>
-          </p:cNvSpPr>
-          <p:nvPr>
-            <p:ph type="sldNum" idx="5"/>
-          </p:nvPr>
-        </p:nvSpPr>
-        <p:spPr>
-          <a:xfrm rot="0">
-            <a:off x="3884930" y="8685530"/>
-            <a:ext cx="2976880" cy="463550"/>
-          </a:xfrm>
-          <a:prstGeom prst="rect"/>
-        </p:spPr>
-        <p:txBody>
-          <a:bodyPr wrap="square" lIns="91440" tIns="45720" rIns="91440" bIns="45720" numCol="1" vert="horz" anchor="b">
-            <a:noAutofit/>
-          </a:bodyPr>
-          <a:lstStyle>
-            <a:lvl1pPr marL="0" indent="0" algn="r" latinLnBrk="0">
-              <a:buFontTx/>
-              <a:buNone/>
-              <a:defRPr lang="en-GB" altLang="en-US" sz="1200"/>
-            </a:lvl1pPr>
-          </a:lstStyle>
-          <a:p>
-            <a:pPr marL="0" indent="0" latinLnBrk="0">
-              <a:buFontTx/>
-              <a:buNone/>
-            </a:pPr>
-            <a:fld id="{B9320F77-B9A0-41C5-862A-B4B631284C64}" type="slidenum">
-              <a:rPr lang="ko-KR" altLang="en-US"/>
-              <a:t>‹#›</a:t>
-            </a:fld>
-          </a:p>
-        </p:txBody>
-      </p:sp>
-    </p:spTree>
-  </p:cSld>
-  <p:clrMapOvr>
-    <a:masterClrMapping/>
-  </p:clrMapOvr>
-  <mc:AlternateContent xmlns:mc="http://schemas.openxmlformats.org/markup-compatibility/2006">
-    <mc:Choice xmlns:p14="http://schemas.microsoft.com/office/powerpoint/2010/main" Requires="p14">
-      <p:transition spd="slow" p14:dur="0"/>
-    </mc:Choice>
-    <mc:Fallback>
-      <p:transition spd="slow"/>
-    </mc:Fallback>
-  </mc:AlternateContent>
-</p:notes>
-</file>
-
 <file path=ppt/notesSlides/notesSlide2.xml><?xml version="1.0" encoding="utf-8"?>
 <p:notes xmlns:a="http://schemas.openxmlformats.org/drawingml/2006/main" xmlns:r="http://schemas.openxmlformats.org/officeDocument/2006/relationships" xmlns:p="http://schemas.openxmlformats.org/presentationml/2006/main">
   <p:cSld>
@@ -1928,7 +1785,7 @@
         <p:spPr>
           <a:xfrm rot="0">
             <a:off x="685800" y="1143000"/>
-            <a:ext cx="5490845" cy="3090545"/>
+            <a:ext cx="5491480" cy="3091180"/>
           </a:xfrm>
           <a:prstGeom prst="rect"/>
           <a:noFill/>
@@ -1967,7 +1824,7 @@
         <p:spPr>
           <a:xfrm rot="0">
             <a:off x="685800" y="4400550"/>
-            <a:ext cx="5490845" cy="3604895"/>
+            <a:ext cx="5491480" cy="3605530"/>
           </a:xfrm>
           <a:prstGeom prst="rect"/>
         </p:spPr>
@@ -1997,7 +1854,7 @@
         <p:spPr>
           <a:xfrm rot="0">
             <a:off x="3884930" y="8685530"/>
-            <a:ext cx="2976245" cy="462915"/>
+            <a:ext cx="2976880" cy="463550"/>
           </a:xfrm>
           <a:prstGeom prst="rect"/>
         </p:spPr>
@@ -7972,598 +7829,6 @@
         <p:spPr>
           <a:xfrm rot="0">
             <a:off x="4787900" y="354965"/>
-            <a:ext cx="2617470" cy="478155"/>
-          </a:xfrm>
-          <a:prstGeom prst="rect"/>
-          <a:noFill/>
-          <a:ln w="0">
-            <a:noFill/>
-            <a:prstDash/>
-          </a:ln>
-        </p:spPr>
-        <p:txBody>
-          <a:bodyPr wrap="square" lIns="89535" tIns="46355" rIns="89535" bIns="46355" numCol="1" vert="horz" anchor="t">
-            <a:spAutoFit/>
-          </a:bodyPr>
-          <a:lstStyle/>
-          <a:p>
-            <a:pPr marL="0" indent="0" algn="l" latinLnBrk="0">
-              <a:buFontTx/>
-              <a:buNone/>
-            </a:pPr>
-            <a:r>
-              <a:rPr lang="ko-KR" altLang="en-US" sz="2500" b="1">
-                <a:solidFill>
-                  <a:schemeClr val="tx1"/>
-                </a:solidFill>
-                <a:latin typeface="나눔바른고딕" charset="0"/>
-                <a:ea typeface="나눔바른고딕" charset="0"/>
-              </a:rPr>
-              <a:t>여덟</a:t>
-            </a:r>
-            <a:r>
-              <a:rPr lang="ko-KR" altLang="en-US" sz="2500" b="1">
-                <a:solidFill>
-                  <a:schemeClr val="tx1"/>
-                </a:solidFill>
-                <a:latin typeface="나눔바른고딕" charset="0"/>
-                <a:ea typeface="나눔바른고딕" charset="0"/>
-              </a:rPr>
-              <a:t> 번째 튜토리얼</a:t>
-            </a:r>
-            <a:endParaRPr lang="ko-KR" altLang="en-US" sz="2500" b="1">
-              <a:solidFill>
-                <a:schemeClr val="tx1"/>
-              </a:solidFill>
-              <a:latin typeface="나눔바른고딕" charset="0"/>
-              <a:ea typeface="나눔바른고딕" charset="0"/>
-            </a:endParaRPr>
-          </a:p>
-        </p:txBody>
-      </p:sp>
-      <p:sp>
-        <p:nvSpPr>
-          <p:cNvPr id="1216" name="Rect 0"/>
-          <p:cNvSpPr txBox="1">
-            <a:spLocks/>
-          </p:cNvSpPr>
-          <p:nvPr/>
-        </p:nvSpPr>
-        <p:spPr>
-          <a:xfrm rot="0">
-            <a:off x="1163320" y="4771390"/>
-            <a:ext cx="4205605" cy="1477645"/>
-          </a:xfrm>
-          <a:prstGeom prst="rect"/>
-          <a:noFill/>
-          <a:ln w="0">
-            <a:noFill/>
-            <a:prstDash/>
-          </a:ln>
-        </p:spPr>
-        <p:txBody>
-          <a:bodyPr wrap="square" lIns="89535" tIns="46355" rIns="89535" bIns="46355" numCol="1" vert="horz" anchor="t">
-            <a:spAutoFit/>
-          </a:bodyPr>
-          <a:lstStyle/>
-          <a:p>
-            <a:pPr marL="0" indent="0" rtl="0" algn="l" defTabSz="914400" eaLnBrk="1" latinLnBrk="0" hangingPunct="1">
-              <a:buFontTx/>
-              <a:buNone/>
-            </a:pPr>
-            <a:r>
-              <a:rPr sz="1800" b="1">
-                <a:solidFill>
-                  <a:srgbClr val="0611F2"/>
-                </a:solidFill>
-                <a:latin typeface="맑은 고딕" charset="0"/>
-                <a:ea typeface="맑은 고딕" charset="0"/>
-              </a:rPr>
-              <a:t>21</a:t>
-            </a:r>
-            <a:r>
-              <a:rPr sz="1800" b="1">
-                <a:solidFill>
-                  <a:srgbClr val="0611F2"/>
-                </a:solidFill>
-                <a:latin typeface="맑은 고딕" charset="0"/>
-                <a:ea typeface="맑은 고딕" charset="0"/>
-              </a:rPr>
-              <a:t>.</a:t>
-            </a:r>
-            <a:r>
-              <a:rPr sz="1800">
-                <a:latin typeface="맑은 고딕" charset="0"/>
-                <a:ea typeface="맑은 고딕" charset="0"/>
-              </a:rPr>
-              <a:t> </a:t>
-            </a:r>
-            <a:r>
-              <a:rPr lang="ko-KR" sz="1800">
-                <a:latin typeface="맑은 고딕" charset="0"/>
-                <a:ea typeface="맑은 고딕" charset="0"/>
-              </a:rPr>
-              <a:t>이제 버튼의 앵커를 화면 좌측 상단으로 고정합니다.</a:t>
-            </a:r>
-            <a:endParaRPr lang="ko-KR" altLang="en-US" sz="1800">
-              <a:latin typeface="맑은 고딕" charset="0"/>
-              <a:ea typeface="맑은 고딕" charset="0"/>
-            </a:endParaRPr>
-          </a:p>
-          <a:p>
-            <a:pPr marL="0" indent="0" rtl="0" algn="l" defTabSz="914400" eaLnBrk="1" latinLnBrk="0" hangingPunct="1">
-              <a:buFontTx/>
-              <a:buNone/>
-            </a:pPr>
-            <a:endParaRPr lang="ko-KR" altLang="en-US" sz="1800">
-              <a:latin typeface="맑은 고딕" charset="0"/>
-              <a:ea typeface="맑은 고딕" charset="0"/>
-            </a:endParaRPr>
-          </a:p>
-          <a:p>
-            <a:pPr marL="0" indent="0" rtl="0" algn="l" defTabSz="914400" eaLnBrk="1" latinLnBrk="0" hangingPunct="1">
-              <a:buFontTx/>
-              <a:buNone/>
-            </a:pPr>
-            <a:r>
-              <a:rPr lang="ko-KR" sz="1800">
-                <a:latin typeface="맑은 고딕" charset="0"/>
-                <a:ea typeface="맑은 고딕" charset="0"/>
-              </a:rPr>
-              <a:t>그런 다음 각각의 버튼의 위치를 설정합니다.</a:t>
-            </a:r>
-            <a:endParaRPr lang="ko-KR" altLang="en-US" sz="1800">
-              <a:latin typeface="맑은 고딕" charset="0"/>
-              <a:ea typeface="맑은 고딕" charset="0"/>
-            </a:endParaRPr>
-          </a:p>
-        </p:txBody>
-      </p:sp>
-      <p:sp>
-        <p:nvSpPr>
-          <p:cNvPr id="1223" name="Rect 0"/>
-          <p:cNvSpPr txBox="1">
-            <a:spLocks/>
-          </p:cNvSpPr>
-          <p:nvPr/>
-        </p:nvSpPr>
-        <p:spPr>
-          <a:xfrm rot="0">
-            <a:off x="6845935" y="5050790"/>
-            <a:ext cx="4136390" cy="1200785"/>
-          </a:xfrm>
-          <a:prstGeom prst="rect"/>
-          <a:noFill/>
-          <a:ln w="0">
-            <a:noFill/>
-            <a:prstDash/>
-          </a:ln>
-        </p:spPr>
-        <p:txBody>
-          <a:bodyPr wrap="square" lIns="89535" tIns="46355" rIns="89535" bIns="46355" numCol="1" vert="horz" anchor="t">
-            <a:spAutoFit/>
-          </a:bodyPr>
-          <a:lstStyle/>
-          <a:p>
-            <a:pPr marL="0" indent="0" rtl="0" algn="l" defTabSz="914400" eaLnBrk="1" latinLnBrk="0" hangingPunct="1">
-              <a:buFontTx/>
-              <a:buNone/>
-            </a:pPr>
-            <a:r>
-              <a:rPr sz="1800" b="1">
-                <a:solidFill>
-                  <a:srgbClr val="0611F2"/>
-                </a:solidFill>
-                <a:latin typeface="맑은 고딕" charset="0"/>
-                <a:ea typeface="맑은 고딕" charset="0"/>
-              </a:rPr>
-              <a:t>2</a:t>
-            </a:r>
-            <a:r>
-              <a:rPr lang="ko-KR" sz="1800" b="1">
-                <a:solidFill>
-                  <a:srgbClr val="0611F2"/>
-                </a:solidFill>
-                <a:latin typeface="맑은 고딕" charset="0"/>
-                <a:ea typeface="맑은 고딕" charset="0"/>
-              </a:rPr>
-              <a:t>2</a:t>
-            </a:r>
-            <a:r>
-              <a:rPr sz="1800" b="1">
-                <a:solidFill>
-                  <a:srgbClr val="0611F2"/>
-                </a:solidFill>
-                <a:latin typeface="맑은 고딕" charset="0"/>
-                <a:ea typeface="맑은 고딕" charset="0"/>
-              </a:rPr>
-              <a:t>.</a:t>
-            </a:r>
-            <a:r>
-              <a:rPr sz="1800">
-                <a:latin typeface="맑은 고딕" charset="0"/>
-                <a:ea typeface="맑은 고딕" charset="0"/>
-              </a:rPr>
-              <a:t> </a:t>
-            </a:r>
-            <a:r>
-              <a:rPr lang="ko-KR" sz="1800">
-                <a:latin typeface="맑은 고딕" charset="0"/>
-                <a:ea typeface="맑은 고딕" charset="0"/>
-              </a:rPr>
-              <a:t>이제 Project 폴더에서 Texture에 Explosion과 Magic 그리고 Siren 이미지를 각각의 버튼 이미지에 넣어줍니다.</a:t>
-            </a:r>
-            <a:endParaRPr lang="ko-KR" altLang="en-US" sz="1800">
-              <a:latin typeface="맑은 고딕" charset="0"/>
-              <a:ea typeface="맑은 고딕" charset="0"/>
-            </a:endParaRPr>
-          </a:p>
-        </p:txBody>
-      </p:sp>
-      <p:pic>
-        <p:nvPicPr>
-          <p:cNvPr id="1224" name="그림 20" descr="C:/Users/Admin1/AppData/Roaming/PolarisOffice/ETemp/21308_17260880/fImage121582445724.png"/>
-          <p:cNvPicPr>
-            <a:picLocks noChangeAspect="1"/>
-          </p:cNvPicPr>
-          <p:nvPr/>
-        </p:nvPicPr>
-        <p:blipFill rotWithShape="1">
-          <a:blip r:embed="rId2" cstate="print">
-            <a:extLst>
-              <a:ext uri="{28A0092B-C50C-407E-A947-70E740481C1C}">
-                <a14:useLocalDpi xmlns:a14="http://schemas.microsoft.com/office/drawing/2010/main" val="0"/>
-              </a:ext>
-            </a:extLst>
-          </a:blip>
-          <a:stretch>
-            <a:fillRect/>
-          </a:stretch>
-        </p:blipFill>
-        <p:spPr>
-          <a:xfrm rot="0">
-            <a:off x="1172210" y="1266190"/>
-            <a:ext cx="4198620" cy="1061720"/>
-          </a:xfrm>
-          <a:prstGeom prst="roundRect"/>
-          <a:solidFill>
-            <a:srgbClr val="EDEDED"/>
-          </a:solidFill>
-        </p:spPr>
-      </p:pic>
-      <p:pic>
-        <p:nvPicPr>
-          <p:cNvPr id="1225" name="그림 21" descr="C:/Users/Admin1/AppData/Roaming/PolarisOffice/ETemp/21308_17260880/fImage123662451478.png"/>
-          <p:cNvPicPr>
-            <a:picLocks noChangeAspect="1"/>
-          </p:cNvPicPr>
-          <p:nvPr/>
-        </p:nvPicPr>
-        <p:blipFill rotWithShape="1">
-          <a:blip r:embed="rId3" cstate="print">
-            <a:extLst>
-              <a:ext uri="{28A0092B-C50C-407E-A947-70E740481C1C}">
-                <a14:useLocalDpi xmlns:a14="http://schemas.microsoft.com/office/drawing/2010/main" val="0"/>
-              </a:ext>
-            </a:extLst>
-          </a:blip>
-          <a:stretch>
-            <a:fillRect/>
-          </a:stretch>
-        </p:blipFill>
-        <p:spPr>
-          <a:xfrm rot="0">
-            <a:off x="1160780" y="2453005"/>
-            <a:ext cx="4193540" cy="1056005"/>
-          </a:xfrm>
-          <a:prstGeom prst="roundRect"/>
-          <a:solidFill>
-            <a:srgbClr val="EDEDED"/>
-          </a:solidFill>
-        </p:spPr>
-      </p:pic>
-      <p:pic>
-        <p:nvPicPr>
-          <p:cNvPr id="1226" name="그림 22" descr="C:/Users/Admin1/AppData/Roaming/PolarisOffice/ETemp/21308_17260880/fImage146852469358.png"/>
-          <p:cNvPicPr>
-            <a:picLocks noChangeAspect="1"/>
-          </p:cNvPicPr>
-          <p:nvPr/>
-        </p:nvPicPr>
-        <p:blipFill rotWithShape="1">
-          <a:blip r:embed="rId4" cstate="print">
-            <a:extLst>
-              <a:ext uri="{28A0092B-C50C-407E-A947-70E740481C1C}">
-                <a14:useLocalDpi xmlns:a14="http://schemas.microsoft.com/office/drawing/2010/main" val="0"/>
-              </a:ext>
-            </a:extLst>
-          </a:blip>
-          <a:stretch>
-            <a:fillRect/>
-          </a:stretch>
-        </p:blipFill>
-        <p:spPr>
-          <a:xfrm rot="0">
-            <a:off x="1172210" y="3616325"/>
-            <a:ext cx="4190365" cy="1047115"/>
-          </a:xfrm>
-          <a:prstGeom prst="roundRect"/>
-          <a:solidFill>
-            <a:srgbClr val="EDEDED"/>
-          </a:solidFill>
-        </p:spPr>
-      </p:pic>
-      <p:pic>
-        <p:nvPicPr>
-          <p:cNvPr id="1227" name="그림 29" descr="C:/Users/Admin1/AppData/Roaming/PolarisOffice/ETemp/21308_17260880/fImage274952476962.png"/>
-          <p:cNvPicPr>
-            <a:picLocks noChangeAspect="1"/>
-          </p:cNvPicPr>
-          <p:nvPr/>
-        </p:nvPicPr>
-        <p:blipFill rotWithShape="1">
-          <a:blip r:embed="rId5" cstate="print">
-            <a:extLst>
-              <a:ext uri="{28A0092B-C50C-407E-A947-70E740481C1C}">
-                <a14:useLocalDpi xmlns:a14="http://schemas.microsoft.com/office/drawing/2010/main" val="0"/>
-              </a:ext>
-            </a:extLst>
-          </a:blip>
-          <a:stretch>
-            <a:fillRect/>
-          </a:stretch>
-        </p:blipFill>
-        <p:spPr>
-          <a:xfrm rot="0">
-            <a:off x="6837680" y="1263650"/>
-            <a:ext cx="4136390" cy="815340"/>
-          </a:xfrm>
-          <a:prstGeom prst="roundRect"/>
-          <a:solidFill>
-            <a:srgbClr val="EDEDED"/>
-          </a:solidFill>
-        </p:spPr>
-      </p:pic>
-      <p:pic>
-        <p:nvPicPr>
-          <p:cNvPr id="1228" name="그림 32" descr="C:/Users/Admin1/AppData/Roaming/PolarisOffice/ETemp/21308_17260880/fImage168742484464.png"/>
-          <p:cNvPicPr>
-            <a:picLocks noChangeAspect="1"/>
-          </p:cNvPicPr>
-          <p:nvPr/>
-        </p:nvPicPr>
-        <p:blipFill rotWithShape="1">
-          <a:blip r:embed="rId6" cstate="print">
-            <a:extLst>
-              <a:ext uri="{28A0092B-C50C-407E-A947-70E740481C1C}">
-                <a14:useLocalDpi xmlns:a14="http://schemas.microsoft.com/office/drawing/2010/main" val="0"/>
-              </a:ext>
-            </a:extLst>
-          </a:blip>
-          <a:stretch>
-            <a:fillRect/>
-          </a:stretch>
-        </p:blipFill>
-        <p:spPr>
-          <a:xfrm rot="0">
-            <a:off x="6830060" y="2231390"/>
-            <a:ext cx="1974215" cy="1369060"/>
-          </a:xfrm>
-          <a:prstGeom prst="roundRect"/>
-          <a:solidFill>
-            <a:srgbClr val="EDEDED"/>
-          </a:solidFill>
-        </p:spPr>
-      </p:pic>
-      <p:pic>
-        <p:nvPicPr>
-          <p:cNvPr id="1229" name="그림 35" descr="C:/Users/Admin1/AppData/Roaming/PolarisOffice/ETemp/21308_17260880/fImage168452495705.png"/>
-          <p:cNvPicPr>
-            <a:picLocks noChangeAspect="1"/>
-          </p:cNvPicPr>
-          <p:nvPr/>
-        </p:nvPicPr>
-        <p:blipFill rotWithShape="1">
-          <a:blip r:embed="rId7" cstate="print">
-            <a:extLst>
-              <a:ext uri="{28A0092B-C50C-407E-A947-70E740481C1C}">
-                <a14:useLocalDpi xmlns:a14="http://schemas.microsoft.com/office/drawing/2010/main" val="0"/>
-              </a:ext>
-            </a:extLst>
-          </a:blip>
-          <a:stretch>
-            <a:fillRect/>
-          </a:stretch>
-        </p:blipFill>
-        <p:spPr>
-          <a:xfrm rot="0">
-            <a:off x="9003030" y="2218690"/>
-            <a:ext cx="1971040" cy="1398270"/>
-          </a:xfrm>
-          <a:prstGeom prst="roundRect"/>
-          <a:solidFill>
-            <a:srgbClr val="EDEDED"/>
-          </a:solidFill>
-        </p:spPr>
-      </p:pic>
-      <p:pic>
-        <p:nvPicPr>
-          <p:cNvPr id="1230" name="그림 39" descr="C:/Users/Admin1/AppData/Roaming/PolarisOffice/ETemp/21308_17260880/fImage167032518145.png"/>
-          <p:cNvPicPr>
-            <a:picLocks noChangeAspect="1"/>
-          </p:cNvPicPr>
-          <p:nvPr/>
-        </p:nvPicPr>
-        <p:blipFill rotWithShape="1">
-          <a:blip r:embed="rId8" cstate="print">
-            <a:extLst>
-              <a:ext uri="{28A0092B-C50C-407E-A947-70E740481C1C}">
-                <a14:useLocalDpi xmlns:a14="http://schemas.microsoft.com/office/drawing/2010/main" val="0"/>
-              </a:ext>
-            </a:extLst>
-          </a:blip>
-          <a:stretch>
-            <a:fillRect/>
-          </a:stretch>
-        </p:blipFill>
-        <p:spPr>
-          <a:xfrm rot="0">
-            <a:off x="6846570" y="3757930"/>
-            <a:ext cx="4152265" cy="1155700"/>
-          </a:xfrm>
-          <a:prstGeom prst="roundRect"/>
-          <a:solidFill>
-            <a:srgbClr val="EDEDED"/>
-          </a:solidFill>
-        </p:spPr>
-      </p:pic>
-      <p:cxnSp>
-        <p:nvCxnSpPr>
-          <p:cNvPr id="1231" name="도형 42"/>
-          <p:cNvCxnSpPr/>
-          <p:nvPr/>
-        </p:nvCxnSpPr>
-        <p:spPr>
-          <a:xfrm rot="0">
-            <a:off x="8496300" y="1903730"/>
-            <a:ext cx="2431415" cy="1068705"/>
-          </a:xfrm>
-          <a:prstGeom prst="straightConnector1"/>
-          <a:ln w="6350" cap="flat" cmpd="sng">
-            <a:prstDash/>
-            <a:tailEnd type="triangle" w="med" len="med"/>
-          </a:ln>
-        </p:spPr>
-        <p:style>
-          <a:lnRef idx="1">
-            <a:schemeClr val="accent1"/>
-          </a:lnRef>
-          <a:fillRef idx="0">
-            <a:schemeClr val="accent1"/>
-          </a:fillRef>
-          <a:effectRef idx="0">
-            <a:schemeClr val="accent1"/>
-          </a:effectRef>
-          <a:fontRef idx="minor">
-            <a:schemeClr val="tx1"/>
-          </a:fontRef>
-        </p:style>
-      </p:cxnSp>
-      <p:cxnSp>
-        <p:nvCxnSpPr>
-          <p:cNvPr id="1232" name="도형 43"/>
-          <p:cNvCxnSpPr/>
-          <p:nvPr/>
-        </p:nvCxnSpPr>
-        <p:spPr>
-          <a:xfrm rot="0">
-            <a:off x="8601075" y="1900555"/>
-            <a:ext cx="148590" cy="1062990"/>
-          </a:xfrm>
-          <a:prstGeom prst="straightConnector1"/>
-          <a:ln w="6350" cap="flat" cmpd="sng">
-            <a:prstDash/>
-            <a:tailEnd type="triangle" w="med" len="med"/>
-          </a:ln>
-        </p:spPr>
-        <p:style>
-          <a:lnRef idx="1">
-            <a:schemeClr val="accent1"/>
-          </a:lnRef>
-          <a:fillRef idx="0">
-            <a:schemeClr val="accent1"/>
-          </a:fillRef>
-          <a:effectRef idx="0">
-            <a:schemeClr val="accent1"/>
-          </a:effectRef>
-          <a:fontRef idx="minor">
-            <a:schemeClr val="tx1"/>
-          </a:fontRef>
-        </p:style>
-      </p:cxnSp>
-      <p:cxnSp>
-        <p:nvCxnSpPr>
-          <p:cNvPr id="1233" name="도형 44"/>
-          <p:cNvCxnSpPr/>
-          <p:nvPr/>
-        </p:nvCxnSpPr>
-        <p:spPr>
-          <a:xfrm rot="0">
-            <a:off x="10763250" y="1909445"/>
-            <a:ext cx="113665" cy="2472690"/>
-          </a:xfrm>
-          <a:prstGeom prst="straightConnector1"/>
-          <a:ln w="6350" cap="flat" cmpd="sng">
-            <a:prstDash/>
-            <a:tailEnd type="triangle" w="med" len="med"/>
-          </a:ln>
-        </p:spPr>
-        <p:style>
-          <a:lnRef idx="1">
-            <a:schemeClr val="accent1"/>
-          </a:lnRef>
-          <a:fillRef idx="0">
-            <a:schemeClr val="accent1"/>
-          </a:fillRef>
-          <a:effectRef idx="0">
-            <a:schemeClr val="accent1"/>
-          </a:effectRef>
-          <a:fontRef idx="minor">
-            <a:schemeClr val="tx1"/>
-          </a:fontRef>
-        </p:style>
-      </p:cxnSp>
-    </p:spTree>
-  </p:cSld>
-  <p:clrMapOvr>
-    <a:masterClrMapping/>
-  </p:clrMapOvr>
-  <mc:AlternateContent xmlns:mc="http://schemas.openxmlformats.org/markup-compatibility/2006">
-    <mc:Choice xmlns:p14="http://schemas.microsoft.com/office/powerpoint/2010/main" Requires="p14">
-      <p:transition spd="slow" p14:dur="2000"/>
-    </mc:Choice>
-    <mc:Fallback>
-      <p:transition spd="slow"/>
-    </mc:Fallback>
-  </mc:AlternateContent>
-  <p:timing>
-    <p:tnLst>
-      <p:par>
-        <p:cTn id="1" dur="indefinite" restart="never" nodeType="tmRoot"/>
-      </p:par>
-    </p:tnLst>
-  </p:timing>
-</p:sld>
-</file>
-
-<file path=ppt/slides/slide11.xml><?xml version="1.0" encoding="utf-8"?>
-<p:sld xmlns:a="http://schemas.openxmlformats.org/drawingml/2006/main" xmlns:r="http://schemas.openxmlformats.org/officeDocument/2006/relationships" xmlns:p="http://schemas.openxmlformats.org/presentationml/2006/main">
-  <p:cSld>
-    <p:spTree>
-      <p:nvGrpSpPr>
-        <p:cNvPr id="1" name=""/>
-        <p:cNvGrpSpPr/>
-        <p:nvPr/>
-      </p:nvGrpSpPr>
-      <p:grpSpPr>
-        <a:xfrm>
-          <a:off x="0" y="0"/>
-          <a:ext cx="0" cy="0"/>
-          <a:chOff x="0" y="0"/>
-          <a:chExt cx="0" cy="0"/>
-        </a:xfrm>
-      </p:grpSpPr>
-      <p:sp>
-        <p:nvSpPr>
-          <p:cNvPr id="1031" name="Rect 0"/>
-          <p:cNvSpPr txBox="1">
-            <a:spLocks/>
-          </p:cNvSpPr>
-          <p:nvPr/>
-        </p:nvSpPr>
-        <p:spPr>
-          <a:xfrm rot="0">
-            <a:off x="4787900" y="354965"/>
             <a:ext cx="2620010" cy="478155"/>
           </a:xfrm>
           <a:prstGeom prst="rect"/>
@@ -9070,7 +8335,7 @@
 </p:sld>
 </file>
 
-<file path=ppt/slides/slide12.xml><?xml version="1.0" encoding="utf-8"?>
+<file path=ppt/slides/slide11.xml><?xml version="1.0" encoding="utf-8"?>
 <p:sld xmlns:a="http://schemas.openxmlformats.org/drawingml/2006/main" xmlns:r="http://schemas.openxmlformats.org/officeDocument/2006/relationships" xmlns:p="http://schemas.openxmlformats.org/presentationml/2006/main">
   <p:cSld>
     <p:spTree>
@@ -12569,7 +11834,7 @@
         <p:spPr>
           <a:xfrm rot="0">
             <a:off x="1303020" y="2522855"/>
-            <a:ext cx="4042410" cy="1754505"/>
+            <a:ext cx="4051300" cy="1754505"/>
           </a:xfrm>
           <a:prstGeom prst="rect"/>
           <a:noFill/>
@@ -12579,7 +11844,7 @@
           </a:ln>
         </p:spPr>
         <p:txBody>
-          <a:bodyPr wrap="square" lIns="89535" tIns="46355" rIns="89535" bIns="46355" vert="horz" anchor="t">
+          <a:bodyPr wrap="square" lIns="89535" tIns="46355" rIns="89535" bIns="46355" numCol="1" vert="horz" anchor="t">
             <a:spAutoFit/>
           </a:bodyPr>
           <a:lstStyle/>
@@ -12668,7 +11933,7 @@
       </p:sp>
       <p:pic>
         <p:nvPicPr>
-          <p:cNvPr id="1213" name="그림 57"/>
+          <p:cNvPr id="1213" name="Picture "/>
           <p:cNvPicPr>
             <a:picLocks noChangeAspect="1"/>
           </p:cNvPicPr>
@@ -12697,7 +11962,7 @@
       </p:pic>
       <p:pic>
         <p:nvPicPr>
-          <p:cNvPr id="1214" name="그림 60"/>
+          <p:cNvPr id="1214" name="Picture "/>
           <p:cNvPicPr>
             <a:picLocks noChangeAspect="1"/>
           </p:cNvPicPr>
@@ -12726,17 +11991,17 @@
       </p:pic>
       <p:pic>
         <p:nvPicPr>
-          <p:cNvPr id="1215" name="그림 67"/>
+          <p:cNvPr id="1215" name="Picture " descr="C:/Users/Admin1/AppData/Roaming/PolarisOffice/ETemp/21308_17260880/fImage2004242491.png"/>
           <p:cNvPicPr>
             <a:picLocks noChangeAspect="1"/>
           </p:cNvPicPr>
           <p:nvPr/>
         </p:nvPicPr>
         <p:blipFill rotWithShape="1">
-          <a:blip r:embed="rId4" cstate="print">
+          <a:blip r:embed="rId4" cstate="hqprint">
             <a:extLst>
               <a:ext uri="{28A0092B-C50C-407E-A947-70E740481C1C}">
-                <a14:useLocalDpi xmlns:a14="http://schemas.microsoft.com/office/drawing/2010/main" val="0"/>
+                <a14:useLocalDpi xmlns:a14="http://schemas.microsoft.com/office/drawing/2010/main"/>
               </a:ext>
             </a:extLst>
           </a:blip>
@@ -12746,8 +12011,8 @@
         </p:blipFill>
         <p:spPr>
           <a:xfrm rot="0">
-            <a:off x="1301750" y="4425950"/>
-            <a:ext cx="4043680" cy="800735"/>
+            <a:off x="1296670" y="4425950"/>
+            <a:ext cx="4049395" cy="801370"/>
           </a:xfrm>
           <a:prstGeom prst="rect"/>
           <a:noFill/>
@@ -12755,7 +12020,7 @@
       </p:pic>
       <p:sp>
         <p:nvSpPr>
-          <p:cNvPr id="1216" name="텍스트 상자 68"/>
+          <p:cNvPr id="1216" name="Rect 0"/>
           <p:cNvSpPr txBox="1">
             <a:spLocks/>
           </p:cNvSpPr>
@@ -12764,7 +12029,7 @@
         <p:spPr>
           <a:xfrm rot="0">
             <a:off x="1299210" y="5377815"/>
-            <a:ext cx="4371340" cy="923925"/>
+            <a:ext cx="4204970" cy="923925"/>
           </a:xfrm>
           <a:prstGeom prst="rect"/>
           <a:noFill/>
@@ -12858,7 +12123,7 @@
 </file>
 
 <file path=ppt/slides/slide8.xml><?xml version="1.0" encoding="utf-8"?>
-<p:sld xmlns:a="http://schemas.openxmlformats.org/drawingml/2006/main" xmlns:r="http://schemas.openxmlformats.org/officeDocument/2006/relationships" xmlns:p="http://schemas.openxmlformats.org/presentationml/2006/main" xmlns:p14="http://schemas.microsoft.com/office/powerpoint/2010/main">
+<p:sld xmlns:a="http://schemas.openxmlformats.org/drawingml/2006/main" xmlns:r="http://schemas.openxmlformats.org/officeDocument/2006/relationships" xmlns:p="http://schemas.openxmlformats.org/presentationml/2006/main">
   <p:cSld>
     <p:spTree>
       <p:nvGrpSpPr>
@@ -12885,7 +12150,7 @@
         <p:spPr>
           <a:xfrm rot="0">
             <a:off x="4787900" y="354965"/>
-            <a:ext cx="2616835" cy="478155"/>
+            <a:ext cx="2617470" cy="478155"/>
           </a:xfrm>
           <a:prstGeom prst="rect"/>
           <a:noFill/>
@@ -12912,7 +12177,7 @@
                 <a:latin typeface="나눔바른고딕" charset="0"/>
                 <a:ea typeface="나눔바른고딕" charset="0"/>
               </a:rPr>
-              <a:t>여섯</a:t>
+              <a:t>일곱</a:t>
             </a:r>
             <a:r>
               <a:rPr lang="ko-KR" altLang="en-US" sz="2500" b="1">
@@ -12936,7 +12201,7 @@
       </p:sp>
       <p:sp>
         <p:nvSpPr>
-          <p:cNvPr id="1194" name="Rect 0"/>
+          <p:cNvPr id="1216" name="Rect 0"/>
           <p:cNvSpPr txBox="1">
             <a:spLocks/>
           </p:cNvSpPr>
@@ -12944,8 +12209,8 @@
         </p:nvSpPr>
         <p:spPr>
           <a:xfrm rot="0">
-            <a:off x="6805295" y="4004310"/>
-            <a:ext cx="4350385" cy="2308225"/>
+            <a:off x="1212850" y="2642870"/>
+            <a:ext cx="4147820" cy="1477645"/>
           </a:xfrm>
           <a:prstGeom prst="rect"/>
           <a:noFill/>
@@ -12982,7 +12247,7 @@
                 <a:latin typeface="맑은 고딕" charset="0"/>
                 <a:ea typeface="맑은 고딕" charset="0"/>
               </a:rPr>
-              <a:t>7</a:t>
+              <a:t>8</a:t>
             </a:r>
             <a:r>
               <a:rPr sz="1800" b="1">
@@ -13006,7 +12271,7 @@
                 <a:latin typeface="맑은 고딕" charset="0"/>
                 <a:ea typeface="맑은 고딕" charset="0"/>
               </a:rPr>
-              <a:t>그런 다음 SoundCall( ) 함수를 생성하고 매개변수로 string 변수를 설정합니다.</a:t>
+              <a:t>그다음 Project 폴더에서 Texture에 Noodle 스프라이트 이미지를 선택합니다.</a:t>
             </a:r>
             <a:endParaRPr lang="ko-KR" altLang="en-US" sz="1800">
               <a:latin typeface="맑은 고딕" charset="0"/>
@@ -13033,7 +12298,7 @@
                 <a:latin typeface="맑은 고딕" charset="0"/>
                 <a:ea typeface="맑은 고딕" charset="0"/>
               </a:rPr>
-              <a:t>그리고 조건문을 통해 해당 string 변수의 이름이 일치하면 원하는 오디오 클립을 오디오 소스에 넣고 소리를 호출할 수 있도록 설정합니다.</a:t>
+              <a:t>그리고 Handle 오브젝트에 넣어줍니다.</a:t>
             </a:r>
             <a:endParaRPr lang="ko-KR" altLang="en-US" sz="1800">
               <a:latin typeface="맑은 고딕" charset="0"/>
@@ -13042,117 +12307,9 @@
           </a:p>
         </p:txBody>
       </p:sp>
-      <p:sp>
-        <p:nvSpPr>
-          <p:cNvPr id="1198" name="Rect 0"/>
-          <p:cNvSpPr txBox="1">
-            <a:spLocks/>
-          </p:cNvSpPr>
-          <p:nvPr/>
-        </p:nvSpPr>
-        <p:spPr>
-          <a:xfrm rot="0">
-            <a:off x="1303020" y="2522855"/>
-            <a:ext cx="4051300" cy="1754505"/>
-          </a:xfrm>
-          <a:prstGeom prst="rect"/>
-          <a:noFill/>
-          <a:ln w="0">
-            <a:noFill/>
-            <a:prstDash/>
-          </a:ln>
-        </p:spPr>
-        <p:txBody>
-          <a:bodyPr wrap="square" lIns="89535" tIns="46355" rIns="89535" bIns="46355" numCol="1" vert="horz" anchor="t">
-            <a:spAutoFit/>
-          </a:bodyPr>
-          <a:lstStyle/>
-          <a:p>
-            <a:pPr marL="0" indent="0" rtl="0" algn="l" defTabSz="914400" eaLnBrk="1" latinLnBrk="0" hangingPunct="1">
-              <a:buFontTx/>
-              <a:buNone/>
-            </a:pPr>
-            <a:r>
-              <a:rPr sz="1800" b="1">
-                <a:solidFill>
-                  <a:srgbClr val="0611F2"/>
-                </a:solidFill>
-                <a:latin typeface="맑은 고딕" charset="0"/>
-                <a:ea typeface="맑은 고딕" charset="0"/>
-              </a:rPr>
-              <a:t>1</a:t>
-            </a:r>
-            <a:r>
-              <a:rPr lang="ko-KR" sz="1800" b="1">
-                <a:solidFill>
-                  <a:srgbClr val="0611F2"/>
-                </a:solidFill>
-                <a:latin typeface="맑은 고딕" charset="0"/>
-                <a:ea typeface="맑은 고딕" charset="0"/>
-              </a:rPr>
-              <a:t>6</a:t>
-            </a:r>
-            <a:r>
-              <a:rPr sz="1800" b="1">
-                <a:solidFill>
-                  <a:srgbClr val="0611F2"/>
-                </a:solidFill>
-                <a:latin typeface="맑은 고딕" charset="0"/>
-                <a:ea typeface="맑은 고딕" charset="0"/>
-              </a:rPr>
-              <a:t>.</a:t>
-            </a:r>
-            <a:r>
-              <a:rPr sz="1800">
-                <a:latin typeface="맑은 고딕" charset="0"/>
-                <a:ea typeface="맑은 고딕" charset="0"/>
-              </a:rPr>
-              <a:t> </a:t>
-            </a:r>
-            <a:r>
-              <a:rPr lang="ko-KR" sz="1800">
-                <a:latin typeface="맑은 고딕" charset="0"/>
-                <a:ea typeface="맑은 고딕" charset="0"/>
-              </a:rPr>
-              <a:t>그다음 SoundManager 스크립트에서 AudioSource 컴포넌트를 가져옵니다.</a:t>
-            </a:r>
-            <a:endParaRPr lang="ko-KR" altLang="en-US" sz="1800">
-              <a:latin typeface="맑은 고딕" charset="0"/>
-              <a:ea typeface="맑은 고딕" charset="0"/>
-            </a:endParaRPr>
-          </a:p>
-          <a:p>
-            <a:pPr marL="0" indent="0" rtl="0" algn="l" defTabSz="914400" eaLnBrk="1" latinLnBrk="0" hangingPunct="1">
-              <a:buFontTx/>
-              <a:buNone/>
-            </a:pPr>
-            <a:endParaRPr lang="ko-KR" altLang="en-US" sz="1800">
-              <a:latin typeface="맑은 고딕" charset="0"/>
-              <a:ea typeface="맑은 고딕" charset="0"/>
-            </a:endParaRPr>
-          </a:p>
-          <a:p>
-            <a:pPr marL="0" indent="0" rtl="0" algn="l" defTabSz="914400" eaLnBrk="1" latinLnBrk="0" hangingPunct="1">
-              <a:buFontTx/>
-              <a:buNone/>
-            </a:pPr>
-            <a:r>
-              <a:rPr lang="ko-KR" sz="1800">
-                <a:latin typeface="맑은 고딕" charset="0"/>
-                <a:ea typeface="맑은 고딕" charset="0"/>
-              </a:rPr>
-              <a:t>그리고 여러 개의 사운드를 저장하기 위해 AudioClip을 배열로 설정합니다.</a:t>
-            </a:r>
-            <a:endParaRPr lang="ko-KR" altLang="en-US" sz="1800">
-              <a:latin typeface="맑은 고딕" charset="0"/>
-              <a:ea typeface="맑은 고딕" charset="0"/>
-            </a:endParaRPr>
-          </a:p>
-        </p:txBody>
-      </p:sp>
       <p:pic>
         <p:nvPicPr>
-          <p:cNvPr id="1213" name="Picture "/>
+          <p:cNvPr id="1217" name="그림 1" descr="C:/Users/Admin1/AppData/Roaming/PolarisOffice/ETemp/21308_17260880/fImage775422341.png"/>
           <p:cNvPicPr>
             <a:picLocks noChangeAspect="1"/>
           </p:cNvPicPr>
@@ -13172,16 +12329,18 @@
         </p:blipFill>
         <p:spPr>
           <a:xfrm rot="0">
-            <a:off x="1301750" y="1265555"/>
-            <a:ext cx="4043680" cy="1158240"/>
-          </a:xfrm>
-          <a:prstGeom prst="rect"/>
-          <a:noFill/>
+            <a:off x="1213485" y="1271905"/>
+            <a:ext cx="1294130" cy="1207135"/>
+          </a:xfrm>
+          <a:prstGeom prst="roundRect"/>
+          <a:solidFill>
+            <a:srgbClr val="EDEDED"/>
+          </a:solidFill>
         </p:spPr>
       </p:pic>
       <p:pic>
         <p:nvPicPr>
-          <p:cNvPr id="1214" name="Picture "/>
+          <p:cNvPr id="1218" name="그림 4" descr="C:/Users/Admin1/AppData/Roaming/PolarisOffice/ETemp/21308_17260880/fImage276392248467.png"/>
           <p:cNvPicPr>
             <a:picLocks noChangeAspect="1"/>
           </p:cNvPicPr>
@@ -13201,26 +12360,28 @@
         </p:blipFill>
         <p:spPr>
           <a:xfrm rot="0">
-            <a:off x="6803390" y="1270000"/>
-            <a:ext cx="4352290" cy="2498090"/>
-          </a:xfrm>
-          <a:prstGeom prst="rect"/>
-          <a:noFill/>
+            <a:off x="2648585" y="1271905"/>
+            <a:ext cx="2710180" cy="1216025"/>
+          </a:xfrm>
+          <a:prstGeom prst="roundRect"/>
+          <a:solidFill>
+            <a:srgbClr val="EDEDED"/>
+          </a:solidFill>
         </p:spPr>
       </p:pic>
       <p:pic>
         <p:nvPicPr>
-          <p:cNvPr id="1215" name="Picture " descr="C:/Users/Admin1/AppData/Roaming/PolarisOffice/ETemp/21308_17260880/fImage2004242491.png"/>
+          <p:cNvPr id="1219" name="그림 7" descr="C:/Users/Admin1/AppData/Roaming/PolarisOffice/ETemp/21308_17260880/fImage75182256334.png"/>
           <p:cNvPicPr>
             <a:picLocks noChangeAspect="1"/>
           </p:cNvPicPr>
           <p:nvPr/>
         </p:nvPicPr>
         <p:blipFill rotWithShape="1">
-          <a:blip r:embed="rId4" cstate="hqprint">
+          <a:blip r:embed="rId4" cstate="print">
             <a:extLst>
               <a:ext uri="{28A0092B-C50C-407E-A947-70E740481C1C}">
-                <a14:useLocalDpi xmlns:a14="http://schemas.microsoft.com/office/drawing/2010/main"/>
+                <a14:useLocalDpi xmlns:a14="http://schemas.microsoft.com/office/drawing/2010/main" val="0"/>
               </a:ext>
             </a:extLst>
           </a:blip>
@@ -13230,16 +12391,18 @@
         </p:blipFill>
         <p:spPr>
           <a:xfrm rot="0">
-            <a:off x="1296670" y="4425950"/>
-            <a:ext cx="4049395" cy="801370"/>
-          </a:xfrm>
-          <a:prstGeom prst="rect"/>
-          <a:noFill/>
+            <a:off x="1211580" y="4239260"/>
+            <a:ext cx="4137025" cy="906780"/>
+          </a:xfrm>
+          <a:prstGeom prst="roundRect"/>
+          <a:solidFill>
+            <a:srgbClr val="EDEDED"/>
+          </a:solidFill>
         </p:spPr>
       </p:pic>
       <p:sp>
         <p:nvSpPr>
-          <p:cNvPr id="1216" name="Rect 0"/>
+          <p:cNvPr id="1220" name="텍스트 상자 10"/>
           <p:cNvSpPr txBox="1">
             <a:spLocks/>
           </p:cNvSpPr>
@@ -13247,8 +12410,8 @@
         </p:nvSpPr>
         <p:spPr>
           <a:xfrm rot="0">
-            <a:off x="1299210" y="5377815"/>
-            <a:ext cx="4204970" cy="923925"/>
+            <a:off x="1216025" y="5248910"/>
+            <a:ext cx="4132580" cy="923925"/>
           </a:xfrm>
           <a:prstGeom prst="rect"/>
           <a:noFill/>
@@ -13285,7 +12448,7 @@
                 <a:latin typeface="맑은 고딕" charset="0"/>
                 <a:ea typeface="맑은 고딕" charset="0"/>
               </a:rPr>
-              <a:t>7</a:t>
+              <a:t>9</a:t>
             </a:r>
             <a:r>
               <a:rPr sz="1800" b="1">
@@ -13309,7 +12472,195 @@
                 <a:latin typeface="맑은 고딕" charset="0"/>
                 <a:ea typeface="맑은 고딕" charset="0"/>
               </a:rPr>
-              <a:t>이제 VolumeControl( ) 함수를 생성하고 매개변수에 float 변수로 오디오 소스의 볼륨 값으로 설정합니다.</a:t>
+              <a:t>이제</a:t>
+            </a:r>
+            <a:r>
+              <a:rPr lang="ko-KR" sz="1800">
+                <a:latin typeface="맑은 고딕" charset="0"/>
+                <a:ea typeface="맑은 고딕" charset="0"/>
+              </a:rPr>
+              <a:t> </a:t>
+            </a:r>
+            <a:r>
+              <a:rPr lang="ko-KR" sz="1800">
+                <a:latin typeface="맑은 고딕" charset="0"/>
+                <a:ea typeface="맑은 고딕" charset="0"/>
+              </a:rPr>
+              <a:t>Volume 오브젝트의 </a:t>
+            </a:r>
+            <a:r>
+              <a:rPr lang="ko-KR" sz="1800">
+                <a:latin typeface="맑은 고딕" charset="0"/>
+                <a:ea typeface="맑은 고딕" charset="0"/>
+              </a:rPr>
+              <a:t>On Value Changed에 </a:t>
+            </a:r>
+            <a:r>
+              <a:rPr lang="ko-KR" sz="1800">
+                <a:latin typeface="맑은 고딕" charset="0"/>
+                <a:ea typeface="맑은 고딕" charset="0"/>
+              </a:rPr>
+              <a:t>VolumeControl( ) 함수를 설정합니다. </a:t>
+            </a:r>
+            <a:endParaRPr lang="ko-KR" altLang="en-US" sz="1800">
+              <a:latin typeface="맑은 고딕" charset="0"/>
+              <a:ea typeface="맑은 고딕" charset="0"/>
+            </a:endParaRPr>
+          </a:p>
+        </p:txBody>
+      </p:sp>
+      <p:pic>
+        <p:nvPicPr>
+          <p:cNvPr id="1221" name="그림 13" descr="C:/Users/Admin1/AppData/Roaming/PolarisOffice/ETemp/21308_17260880/fImage74492296500.png"/>
+          <p:cNvPicPr>
+            <a:picLocks noChangeAspect="1"/>
+          </p:cNvPicPr>
+          <p:nvPr/>
+        </p:nvPicPr>
+        <p:blipFill rotWithShape="1">
+          <a:blip r:embed="rId5" cstate="print">
+            <a:extLst>
+              <a:ext uri="{28A0092B-C50C-407E-A947-70E740481C1C}">
+                <a14:useLocalDpi xmlns:a14="http://schemas.microsoft.com/office/drawing/2010/main" val="0"/>
+              </a:ext>
+            </a:extLst>
+          </a:blip>
+          <a:stretch>
+            <a:fillRect/>
+          </a:stretch>
+        </p:blipFill>
+        <p:spPr>
+          <a:xfrm rot="0">
+            <a:off x="6849745" y="1671955"/>
+            <a:ext cx="1239520" cy="1878330"/>
+          </a:xfrm>
+          <a:prstGeom prst="roundRect"/>
+          <a:solidFill>
+            <a:srgbClr val="EDEDED"/>
+          </a:solidFill>
+        </p:spPr>
+      </p:pic>
+      <p:pic>
+        <p:nvPicPr>
+          <p:cNvPr id="1222" name="그림 16" descr="C:/Users/Admin1/AppData/Roaming/PolarisOffice/ETemp/21308_17260880/fImage191382309169.png"/>
+          <p:cNvPicPr>
+            <a:picLocks noChangeAspect="1"/>
+          </p:cNvPicPr>
+          <p:nvPr/>
+        </p:nvPicPr>
+        <p:blipFill rotWithShape="1">
+          <a:blip r:embed="rId6" cstate="print">
+            <a:extLst>
+              <a:ext uri="{28A0092B-C50C-407E-A947-70E740481C1C}">
+                <a14:useLocalDpi xmlns:a14="http://schemas.microsoft.com/office/drawing/2010/main" val="0"/>
+              </a:ext>
+            </a:extLst>
+          </a:blip>
+          <a:stretch>
+            <a:fillRect/>
+          </a:stretch>
+        </p:blipFill>
+        <p:spPr>
+          <a:xfrm rot="0">
+            <a:off x="8313420" y="1271905"/>
+            <a:ext cx="2668905" cy="2752090"/>
+          </a:xfrm>
+          <a:prstGeom prst="roundRect"/>
+          <a:solidFill>
+            <a:srgbClr val="EDEDED"/>
+          </a:solidFill>
+        </p:spPr>
+      </p:pic>
+      <p:sp>
+        <p:nvSpPr>
+          <p:cNvPr id="1223" name="텍스트 상자 19"/>
+          <p:cNvSpPr txBox="1">
+            <a:spLocks/>
+          </p:cNvSpPr>
+          <p:nvPr/>
+        </p:nvSpPr>
+        <p:spPr>
+          <a:xfrm rot="0">
+            <a:off x="6837680" y="4119880"/>
+            <a:ext cx="4147820" cy="2031365"/>
+          </a:xfrm>
+          <a:prstGeom prst="rect"/>
+          <a:noFill/>
+          <a:ln w="0">
+            <a:noFill/>
+            <a:prstDash/>
+          </a:ln>
+        </p:spPr>
+        <p:txBody>
+          <a:bodyPr wrap="square" lIns="89535" tIns="46355" rIns="89535" bIns="46355" numCol="1" vert="horz" anchor="t">
+            <a:spAutoFit/>
+          </a:bodyPr>
+          <a:lstStyle/>
+          <a:p>
+            <a:pPr marL="0" indent="0" rtl="0" algn="l" defTabSz="914400" eaLnBrk="1" latinLnBrk="0" hangingPunct="1">
+              <a:buFontTx/>
+              <a:buNone/>
+            </a:pPr>
+            <a:r>
+              <a:rPr sz="1800" b="1">
+                <a:solidFill>
+                  <a:srgbClr val="0611F2"/>
+                </a:solidFill>
+                <a:latin typeface="맑은 고딕" charset="0"/>
+                <a:ea typeface="맑은 고딕" charset="0"/>
+              </a:rPr>
+              <a:t>20</a:t>
+            </a:r>
+            <a:r>
+              <a:rPr sz="1800" b="1">
+                <a:solidFill>
+                  <a:srgbClr val="0611F2"/>
+                </a:solidFill>
+                <a:latin typeface="맑은 고딕" charset="0"/>
+                <a:ea typeface="맑은 고딕" charset="0"/>
+              </a:rPr>
+              <a:t>.</a:t>
+            </a:r>
+            <a:r>
+              <a:rPr sz="1800">
+                <a:latin typeface="맑은 고딕" charset="0"/>
+                <a:ea typeface="맑은 고딕" charset="0"/>
+              </a:rPr>
+              <a:t> </a:t>
+            </a:r>
+            <a:r>
+              <a:rPr lang="ko-KR" sz="1800">
+                <a:latin typeface="맑은 고딕" charset="0"/>
+                <a:ea typeface="맑은 고딕" charset="0"/>
+              </a:rPr>
+              <a:t>그런 다음 UI에 Button 오브젝트 3개 생성합니다.</a:t>
+            </a:r>
+            <a:endParaRPr lang="ko-KR" altLang="en-US" sz="1800">
+              <a:latin typeface="맑은 고딕" charset="0"/>
+              <a:ea typeface="맑은 고딕" charset="0"/>
+            </a:endParaRPr>
+          </a:p>
+          <a:p>
+            <a:pPr marL="0" indent="0" rtl="0" algn="l" defTabSz="914400" eaLnBrk="1" latinLnBrk="0" hangingPunct="1">
+              <a:buFontTx/>
+              <a:buNone/>
+            </a:pPr>
+            <a:endParaRPr lang="ko-KR" altLang="en-US" sz="1800">
+              <a:latin typeface="맑은 고딕" charset="0"/>
+              <a:ea typeface="맑은 고딕" charset="0"/>
+            </a:endParaRPr>
+          </a:p>
+          <a:p>
+            <a:pPr marL="0" indent="0" rtl="0" algn="l" defTabSz="914400" eaLnBrk="1" latinLnBrk="0" hangingPunct="1">
+              <a:buFontTx/>
+              <a:buNone/>
+            </a:pPr>
+            <a:r>
+              <a:rPr lang="ko-KR" sz="1800">
+                <a:latin typeface="맑은 고딕" charset="0"/>
+                <a:ea typeface="맑은 고딕" charset="0"/>
+              </a:rPr>
+              <a:t>그다음으로 Siren Button과 Explosion Button 그리고 Magic Button으로 각각의 Button 오브젝트의 이름을 정의합니다. </a:t>
             </a:r>
             <a:endParaRPr lang="ko-KR" altLang="en-US" sz="1800">
               <a:latin typeface="맑은 고딕" charset="0"/>
@@ -13396,7 +12747,7 @@
                 <a:latin typeface="나눔바른고딕" charset="0"/>
                 <a:ea typeface="나눔바른고딕" charset="0"/>
               </a:rPr>
-              <a:t>일곱</a:t>
+              <a:t>여덟</a:t>
             </a:r>
             <a:r>
               <a:rPr lang="ko-KR" altLang="en-US" sz="2500" b="1">
@@ -13428,8 +12779,8 @@
         </p:nvSpPr>
         <p:spPr>
           <a:xfrm rot="0">
-            <a:off x="1212850" y="2642870"/>
-            <a:ext cx="4147820" cy="1477645"/>
+            <a:off x="1163320" y="4771390"/>
+            <a:ext cx="4205605" cy="1477645"/>
           </a:xfrm>
           <a:prstGeom prst="rect"/>
           <a:noFill/>
@@ -13456,7 +12807,105 @@
                 <a:latin typeface="맑은 고딕" charset="0"/>
                 <a:ea typeface="맑은 고딕" charset="0"/>
               </a:rPr>
-              <a:t>1</a:t>
+              <a:t>21</a:t>
+            </a:r>
+            <a:r>
+              <a:rPr sz="1800" b="1">
+                <a:solidFill>
+                  <a:srgbClr val="0611F2"/>
+                </a:solidFill>
+                <a:latin typeface="맑은 고딕" charset="0"/>
+                <a:ea typeface="맑은 고딕" charset="0"/>
+              </a:rPr>
+              <a:t>.</a:t>
+            </a:r>
+            <a:r>
+              <a:rPr sz="1800">
+                <a:latin typeface="맑은 고딕" charset="0"/>
+                <a:ea typeface="맑은 고딕" charset="0"/>
+              </a:rPr>
+              <a:t> </a:t>
+            </a:r>
+            <a:r>
+              <a:rPr lang="ko-KR" sz="1800">
+                <a:latin typeface="맑은 고딕" charset="0"/>
+                <a:ea typeface="맑은 고딕" charset="0"/>
+              </a:rPr>
+              <a:t>이제 버튼의 앵커를 화면 좌측 상단으로 고정합니다.</a:t>
+            </a:r>
+            <a:endParaRPr lang="ko-KR" altLang="en-US" sz="1800">
+              <a:latin typeface="맑은 고딕" charset="0"/>
+              <a:ea typeface="맑은 고딕" charset="0"/>
+            </a:endParaRPr>
+          </a:p>
+          <a:p>
+            <a:pPr marL="0" indent="0" rtl="0" algn="l" defTabSz="914400" eaLnBrk="1" latinLnBrk="0" hangingPunct="1">
+              <a:buFontTx/>
+              <a:buNone/>
+            </a:pPr>
+            <a:endParaRPr lang="ko-KR" altLang="en-US" sz="1800">
+              <a:latin typeface="맑은 고딕" charset="0"/>
+              <a:ea typeface="맑은 고딕" charset="0"/>
+            </a:endParaRPr>
+          </a:p>
+          <a:p>
+            <a:pPr marL="0" indent="0" rtl="0" algn="l" defTabSz="914400" eaLnBrk="1" latinLnBrk="0" hangingPunct="1">
+              <a:buFontTx/>
+              <a:buNone/>
+            </a:pPr>
+            <a:r>
+              <a:rPr lang="ko-KR" sz="1800">
+                <a:latin typeface="맑은 고딕" charset="0"/>
+                <a:ea typeface="맑은 고딕" charset="0"/>
+              </a:rPr>
+              <a:t>그런 다음 각각의 버튼의 위치를 설정합니다.</a:t>
+            </a:r>
+            <a:endParaRPr lang="ko-KR" altLang="en-US" sz="1800">
+              <a:latin typeface="맑은 고딕" charset="0"/>
+              <a:ea typeface="맑은 고딕" charset="0"/>
+            </a:endParaRPr>
+          </a:p>
+        </p:txBody>
+      </p:sp>
+      <p:sp>
+        <p:nvSpPr>
+          <p:cNvPr id="1223" name="Rect 0"/>
+          <p:cNvSpPr txBox="1">
+            <a:spLocks/>
+          </p:cNvSpPr>
+          <p:nvPr/>
+        </p:nvSpPr>
+        <p:spPr>
+          <a:xfrm rot="0">
+            <a:off x="6845935" y="5050790"/>
+            <a:ext cx="4136390" cy="1200785"/>
+          </a:xfrm>
+          <a:prstGeom prst="rect"/>
+          <a:noFill/>
+          <a:ln w="0">
+            <a:noFill/>
+            <a:prstDash/>
+          </a:ln>
+        </p:spPr>
+        <p:txBody>
+          <a:bodyPr wrap="square" lIns="89535" tIns="46355" rIns="89535" bIns="46355" numCol="1" vert="horz" anchor="t">
+            <a:spAutoFit/>
+          </a:bodyPr>
+          <a:lstStyle/>
+          <a:p>
+            <a:pPr marL="0" indent="0" rtl="0" algn="l" defTabSz="914400" eaLnBrk="1" latinLnBrk="0" hangingPunct="1">
+              <a:buFontTx/>
+              <a:buNone/>
+            </a:pPr>
+            <a:r>
+              <a:rPr sz="1800" b="1">
+                <a:solidFill>
+                  <a:srgbClr val="0611F2"/>
+                </a:solidFill>
+                <a:latin typeface="맑은 고딕" charset="0"/>
+                <a:ea typeface="맑은 고딕" charset="0"/>
+              </a:rPr>
+              <a:t>2</a:t>
             </a:r>
             <a:r>
               <a:rPr lang="ko-KR" sz="1800" b="1">
@@ -13466,7 +12915,7 @@
                 <a:latin typeface="맑은 고딕" charset="0"/>
                 <a:ea typeface="맑은 고딕" charset="0"/>
               </a:rPr>
-              <a:t>8</a:t>
+              <a:t>2</a:t>
             </a:r>
             <a:r>
               <a:rPr sz="1800" b="1">
@@ -13490,45 +12939,18 @@
                 <a:latin typeface="맑은 고딕" charset="0"/>
                 <a:ea typeface="맑은 고딕" charset="0"/>
               </a:rPr>
-              <a:t>그다음 Project 폴더에서 Texture에 Noodle 스프라이트 이미지를 선택합니다.</a:t>
+              <a:t>이제 Project 폴더에서 Texture에 Explosion과 Magic 그리고 Siren 이미지를 각각의 버튼 이미지에 넣어줍니다.</a:t>
             </a:r>
             <a:endParaRPr lang="ko-KR" altLang="en-US" sz="1800">
               <a:latin typeface="맑은 고딕" charset="0"/>
               <a:ea typeface="맑은 고딕" charset="0"/>
             </a:endParaRPr>
           </a:p>
-          <a:p>
-            <a:pPr marL="0" indent="0" rtl="0" algn="l" defTabSz="914400" eaLnBrk="1" latinLnBrk="0" hangingPunct="1">
-              <a:buFontTx/>
-              <a:buNone/>
-            </a:pPr>
-            <a:endParaRPr lang="ko-KR" altLang="en-US" sz="1800">
-              <a:latin typeface="맑은 고딕" charset="0"/>
-              <a:ea typeface="맑은 고딕" charset="0"/>
-            </a:endParaRPr>
-          </a:p>
-          <a:p>
-            <a:pPr marL="0" indent="0" rtl="0" algn="l" defTabSz="914400" eaLnBrk="1" latinLnBrk="0" hangingPunct="1">
-              <a:buFontTx/>
-              <a:buNone/>
-            </a:pPr>
-            <a:r>
-              <a:rPr lang="ko-KR" sz="1800">
-                <a:latin typeface="맑은 고딕" charset="0"/>
-                <a:ea typeface="맑은 고딕" charset="0"/>
-              </a:rPr>
-              <a:t>그리고 Handle 오브젝트에 넣어줍니다.</a:t>
-            </a:r>
-            <a:endParaRPr lang="ko-KR" altLang="en-US" sz="1800">
-              <a:latin typeface="맑은 고딕" charset="0"/>
-              <a:ea typeface="맑은 고딕" charset="0"/>
-            </a:endParaRPr>
-          </a:p>
         </p:txBody>
       </p:sp>
       <p:pic>
         <p:nvPicPr>
-          <p:cNvPr id="1217" name="그림 1" descr="C:/Users/Admin1/AppData/Roaming/PolarisOffice/ETemp/21308_17260880/fImage775422341.png"/>
+          <p:cNvPr id="1224" name="그림 20" descr="C:/Users/Admin1/AppData/Roaming/PolarisOffice/ETemp/21308_17260880/fImage121582445724.png"/>
           <p:cNvPicPr>
             <a:picLocks noChangeAspect="1"/>
           </p:cNvPicPr>
@@ -13548,8 +12970,8 @@
         </p:blipFill>
         <p:spPr>
           <a:xfrm rot="0">
-            <a:off x="1213485" y="1271905"/>
-            <a:ext cx="1294130" cy="1207135"/>
+            <a:off x="1172210" y="1266190"/>
+            <a:ext cx="4198620" cy="1061720"/>
           </a:xfrm>
           <a:prstGeom prst="roundRect"/>
           <a:solidFill>
@@ -13559,7 +12981,7 @@
       </p:pic>
       <p:pic>
         <p:nvPicPr>
-          <p:cNvPr id="1218" name="그림 4" descr="C:/Users/Admin1/AppData/Roaming/PolarisOffice/ETemp/21308_17260880/fImage276392248467.png"/>
+          <p:cNvPr id="1225" name="그림 21" descr="C:/Users/Admin1/AppData/Roaming/PolarisOffice/ETemp/21308_17260880/fImage123662451478.png"/>
           <p:cNvPicPr>
             <a:picLocks noChangeAspect="1"/>
           </p:cNvPicPr>
@@ -13579,8 +13001,8 @@
         </p:blipFill>
         <p:spPr>
           <a:xfrm rot="0">
-            <a:off x="2648585" y="1271905"/>
-            <a:ext cx="2710180" cy="1216025"/>
+            <a:off x="1160780" y="2453005"/>
+            <a:ext cx="4193540" cy="1056005"/>
           </a:xfrm>
           <a:prstGeom prst="roundRect"/>
           <a:solidFill>
@@ -13590,7 +13012,7 @@
       </p:pic>
       <p:pic>
         <p:nvPicPr>
-          <p:cNvPr id="1219" name="그림 7" descr="C:/Users/Admin1/AppData/Roaming/PolarisOffice/ETemp/21308_17260880/fImage75182256334.png"/>
+          <p:cNvPr id="1226" name="그림 22" descr="C:/Users/Admin1/AppData/Roaming/PolarisOffice/ETemp/21308_17260880/fImage146852469358.png"/>
           <p:cNvPicPr>
             <a:picLocks noChangeAspect="1"/>
           </p:cNvPicPr>
@@ -13610,8 +13032,8 @@
         </p:blipFill>
         <p:spPr>
           <a:xfrm rot="0">
-            <a:off x="1211580" y="4239260"/>
-            <a:ext cx="4137025" cy="906780"/>
+            <a:off x="1172210" y="3616325"/>
+            <a:ext cx="4190365" cy="1047115"/>
           </a:xfrm>
           <a:prstGeom prst="roundRect"/>
           <a:solidFill>
@@ -13619,118 +13041,9 @@
           </a:solidFill>
         </p:spPr>
       </p:pic>
-      <p:sp>
-        <p:nvSpPr>
-          <p:cNvPr id="1220" name="텍스트 상자 10"/>
-          <p:cNvSpPr txBox="1">
-            <a:spLocks/>
-          </p:cNvSpPr>
-          <p:nvPr/>
-        </p:nvSpPr>
-        <p:spPr>
-          <a:xfrm rot="0">
-            <a:off x="1216025" y="5248910"/>
-            <a:ext cx="4132580" cy="923925"/>
-          </a:xfrm>
-          <a:prstGeom prst="rect"/>
-          <a:noFill/>
-          <a:ln w="0">
-            <a:noFill/>
-            <a:prstDash/>
-          </a:ln>
-        </p:spPr>
-        <p:txBody>
-          <a:bodyPr wrap="square" lIns="89535" tIns="46355" rIns="89535" bIns="46355" numCol="1" vert="horz" anchor="t">
-            <a:spAutoFit/>
-          </a:bodyPr>
-          <a:lstStyle/>
-          <a:p>
-            <a:pPr marL="0" indent="0" rtl="0" algn="l" defTabSz="914400" eaLnBrk="1" latinLnBrk="0" hangingPunct="1">
-              <a:buFontTx/>
-              <a:buNone/>
-            </a:pPr>
-            <a:r>
-              <a:rPr sz="1800" b="1">
-                <a:solidFill>
-                  <a:srgbClr val="0611F2"/>
-                </a:solidFill>
-                <a:latin typeface="맑은 고딕" charset="0"/>
-                <a:ea typeface="맑은 고딕" charset="0"/>
-              </a:rPr>
-              <a:t>1</a:t>
-            </a:r>
-            <a:r>
-              <a:rPr lang="ko-KR" sz="1800" b="1">
-                <a:solidFill>
-                  <a:srgbClr val="0611F2"/>
-                </a:solidFill>
-                <a:latin typeface="맑은 고딕" charset="0"/>
-                <a:ea typeface="맑은 고딕" charset="0"/>
-              </a:rPr>
-              <a:t>9</a:t>
-            </a:r>
-            <a:r>
-              <a:rPr sz="1800" b="1">
-                <a:solidFill>
-                  <a:srgbClr val="0611F2"/>
-                </a:solidFill>
-                <a:latin typeface="맑은 고딕" charset="0"/>
-                <a:ea typeface="맑은 고딕" charset="0"/>
-              </a:rPr>
-              <a:t>.</a:t>
-            </a:r>
-            <a:r>
-              <a:rPr sz="1800">
-                <a:latin typeface="맑은 고딕" charset="0"/>
-                <a:ea typeface="맑은 고딕" charset="0"/>
-              </a:rPr>
-              <a:t> </a:t>
-            </a:r>
-            <a:r>
-              <a:rPr lang="ko-KR" sz="1800">
-                <a:latin typeface="맑은 고딕" charset="0"/>
-                <a:ea typeface="맑은 고딕" charset="0"/>
-              </a:rPr>
-              <a:t>이제</a:t>
-            </a:r>
-            <a:r>
-              <a:rPr lang="ko-KR" sz="1800">
-                <a:latin typeface="맑은 고딕" charset="0"/>
-                <a:ea typeface="맑은 고딕" charset="0"/>
-              </a:rPr>
-              <a:t> </a:t>
-            </a:r>
-            <a:r>
-              <a:rPr lang="ko-KR" sz="1800">
-                <a:latin typeface="맑은 고딕" charset="0"/>
-                <a:ea typeface="맑은 고딕" charset="0"/>
-              </a:rPr>
-              <a:t>Volume 오브젝트의 </a:t>
-            </a:r>
-            <a:r>
-              <a:rPr lang="ko-KR" sz="1800">
-                <a:latin typeface="맑은 고딕" charset="0"/>
-                <a:ea typeface="맑은 고딕" charset="0"/>
-              </a:rPr>
-              <a:t>On Value Changed에 </a:t>
-            </a:r>
-            <a:r>
-              <a:rPr lang="ko-KR" sz="1800">
-                <a:latin typeface="맑은 고딕" charset="0"/>
-                <a:ea typeface="맑은 고딕" charset="0"/>
-              </a:rPr>
-              <a:t>VolumeControl( ) 함수를 설정합니다. </a:t>
-            </a:r>
-            <a:endParaRPr lang="ko-KR" altLang="en-US" sz="1800">
-              <a:latin typeface="맑은 고딕" charset="0"/>
-              <a:ea typeface="맑은 고딕" charset="0"/>
-            </a:endParaRPr>
-          </a:p>
-        </p:txBody>
-      </p:sp>
       <p:pic>
         <p:nvPicPr>
-          <p:cNvPr id="1221" name="그림 13" descr="C:/Users/Admin1/AppData/Roaming/PolarisOffice/ETemp/21308_17260880/fImage74492296500.png"/>
+          <p:cNvPr id="1227" name="그림 29" descr="C:/Users/Admin1/AppData/Roaming/PolarisOffice/ETemp/21308_17260880/fImage274952476962.png"/>
           <p:cNvPicPr>
             <a:picLocks noChangeAspect="1"/>
           </p:cNvPicPr>
@@ -13750,8 +13063,8 @@
         </p:blipFill>
         <p:spPr>
           <a:xfrm rot="0">
-            <a:off x="6849745" y="1671955"/>
-            <a:ext cx="1239520" cy="1878330"/>
+            <a:off x="6837680" y="1263650"/>
+            <a:ext cx="4136390" cy="815340"/>
           </a:xfrm>
           <a:prstGeom prst="roundRect"/>
           <a:solidFill>
@@ -13761,7 +13074,7 @@
       </p:pic>
       <p:pic>
         <p:nvPicPr>
-          <p:cNvPr id="1222" name="그림 16" descr="C:/Users/Admin1/AppData/Roaming/PolarisOffice/ETemp/21308_17260880/fImage191382309169.png"/>
+          <p:cNvPr id="1228" name="그림 32" descr="C:/Users/Admin1/AppData/Roaming/PolarisOffice/ETemp/21308_17260880/fImage168742484464.png"/>
           <p:cNvPicPr>
             <a:picLocks noChangeAspect="1"/>
           </p:cNvPicPr>
@@ -13781,8 +13094,8 @@
         </p:blipFill>
         <p:spPr>
           <a:xfrm rot="0">
-            <a:off x="8313420" y="1271905"/>
-            <a:ext cx="2668905" cy="2752090"/>
+            <a:off x="6830060" y="2231390"/>
+            <a:ext cx="1974215" cy="1369060"/>
           </a:xfrm>
           <a:prstGeom prst="roundRect"/>
           <a:solidFill>
@@ -13790,104 +13103,164 @@
           </a:solidFill>
         </p:spPr>
       </p:pic>
-      <p:sp>
-        <p:nvSpPr>
-          <p:cNvPr id="1223" name="텍스트 상자 19"/>
-          <p:cNvSpPr txBox="1">
-            <a:spLocks/>
-          </p:cNvSpPr>
+      <p:pic>
+        <p:nvPicPr>
+          <p:cNvPr id="1229" name="그림 35" descr="C:/Users/Admin1/AppData/Roaming/PolarisOffice/ETemp/21308_17260880/fImage168452495705.png"/>
+          <p:cNvPicPr>
+            <a:picLocks noChangeAspect="1"/>
+          </p:cNvPicPr>
           <p:nvPr/>
-        </p:nvSpPr>
-        <p:spPr>
-          <a:xfrm rot="0">
-            <a:off x="6837680" y="4119880"/>
-            <a:ext cx="4147820" cy="2031365"/>
-          </a:xfrm>
-          <a:prstGeom prst="rect"/>
-          <a:noFill/>
-          <a:ln w="0">
-            <a:noFill/>
+        </p:nvPicPr>
+        <p:blipFill rotWithShape="1">
+          <a:blip r:embed="rId7" cstate="print">
+            <a:extLst>
+              <a:ext uri="{28A0092B-C50C-407E-A947-70E740481C1C}">
+                <a14:useLocalDpi xmlns:a14="http://schemas.microsoft.com/office/drawing/2010/main" val="0"/>
+              </a:ext>
+            </a:extLst>
+          </a:blip>
+          <a:stretch>
+            <a:fillRect/>
+          </a:stretch>
+        </p:blipFill>
+        <p:spPr>
+          <a:xfrm rot="0">
+            <a:off x="9003030" y="2218690"/>
+            <a:ext cx="1971040" cy="1398270"/>
+          </a:xfrm>
+          <a:prstGeom prst="roundRect"/>
+          <a:solidFill>
+            <a:srgbClr val="EDEDED"/>
+          </a:solidFill>
+        </p:spPr>
+      </p:pic>
+      <p:pic>
+        <p:nvPicPr>
+          <p:cNvPr id="1230" name="그림 39" descr="C:/Users/Admin1/AppData/Roaming/PolarisOffice/ETemp/21308_17260880/fImage167032518145.png"/>
+          <p:cNvPicPr>
+            <a:picLocks noChangeAspect="1"/>
+          </p:cNvPicPr>
+          <p:nvPr/>
+        </p:nvPicPr>
+        <p:blipFill rotWithShape="1">
+          <a:blip r:embed="rId8" cstate="print">
+            <a:extLst>
+              <a:ext uri="{28A0092B-C50C-407E-A947-70E740481C1C}">
+                <a14:useLocalDpi xmlns:a14="http://schemas.microsoft.com/office/drawing/2010/main" val="0"/>
+              </a:ext>
+            </a:extLst>
+          </a:blip>
+          <a:stretch>
+            <a:fillRect/>
+          </a:stretch>
+        </p:blipFill>
+        <p:spPr>
+          <a:xfrm rot="0">
+            <a:off x="6846570" y="3757930"/>
+            <a:ext cx="4152265" cy="1155700"/>
+          </a:xfrm>
+          <a:prstGeom prst="roundRect"/>
+          <a:solidFill>
+            <a:srgbClr val="EDEDED"/>
+          </a:solidFill>
+        </p:spPr>
+      </p:pic>
+      <p:cxnSp>
+        <p:nvCxnSpPr>
+          <p:cNvPr id="1231" name="도형 42"/>
+          <p:cNvCxnSpPr/>
+          <p:nvPr/>
+        </p:nvCxnSpPr>
+        <p:spPr>
+          <a:xfrm rot="0">
+            <a:off x="8496300" y="1903730"/>
+            <a:ext cx="2431415" cy="1068705"/>
+          </a:xfrm>
+          <a:prstGeom prst="straightConnector1"/>
+          <a:ln w="6350" cap="flat" cmpd="sng">
             <a:prstDash/>
+            <a:tailEnd type="triangle" w="med" len="med"/>
           </a:ln>
         </p:spPr>
-        <p:txBody>
-          <a:bodyPr wrap="square" lIns="89535" tIns="46355" rIns="89535" bIns="46355" numCol="1" vert="horz" anchor="t">
-            <a:spAutoFit/>
-          </a:bodyPr>
-          <a:lstStyle/>
-          <a:p>
-            <a:pPr marL="0" indent="0" rtl="0" algn="l" defTabSz="914400" eaLnBrk="1" latinLnBrk="0" hangingPunct="1">
-              <a:buFontTx/>
-              <a:buNone/>
-            </a:pPr>
-            <a:r>
-              <a:rPr sz="1800" b="1">
-                <a:solidFill>
-                  <a:srgbClr val="0611F2"/>
-                </a:solidFill>
-                <a:latin typeface="맑은 고딕" charset="0"/>
-                <a:ea typeface="맑은 고딕" charset="0"/>
-              </a:rPr>
-              <a:t>20</a:t>
-            </a:r>
-            <a:r>
-              <a:rPr sz="1800" b="1">
-                <a:solidFill>
-                  <a:srgbClr val="0611F2"/>
-                </a:solidFill>
-                <a:latin typeface="맑은 고딕" charset="0"/>
-                <a:ea typeface="맑은 고딕" charset="0"/>
-              </a:rPr>
-              <a:t>.</a:t>
-            </a:r>
-            <a:r>
-              <a:rPr sz="1800">
-                <a:latin typeface="맑은 고딕" charset="0"/>
-                <a:ea typeface="맑은 고딕" charset="0"/>
-              </a:rPr>
-              <a:t> </a:t>
-            </a:r>
-            <a:r>
-              <a:rPr lang="ko-KR" sz="1800">
-                <a:latin typeface="맑은 고딕" charset="0"/>
-                <a:ea typeface="맑은 고딕" charset="0"/>
-              </a:rPr>
-              <a:t>그런 다음 UI에 Button 오브젝트 3개 생성합니다.</a:t>
-            </a:r>
-            <a:endParaRPr lang="ko-KR" altLang="en-US" sz="1800">
-              <a:latin typeface="맑은 고딕" charset="0"/>
-              <a:ea typeface="맑은 고딕" charset="0"/>
-            </a:endParaRPr>
-          </a:p>
-          <a:p>
-            <a:pPr marL="0" indent="0" rtl="0" algn="l" defTabSz="914400" eaLnBrk="1" latinLnBrk="0" hangingPunct="1">
-              <a:buFontTx/>
-              <a:buNone/>
-            </a:pPr>
-            <a:endParaRPr lang="ko-KR" altLang="en-US" sz="1800">
-              <a:latin typeface="맑은 고딕" charset="0"/>
-              <a:ea typeface="맑은 고딕" charset="0"/>
-            </a:endParaRPr>
-          </a:p>
-          <a:p>
-            <a:pPr marL="0" indent="0" rtl="0" algn="l" defTabSz="914400" eaLnBrk="1" latinLnBrk="0" hangingPunct="1">
-              <a:buFontTx/>
-              <a:buNone/>
-            </a:pPr>
-            <a:r>
-              <a:rPr lang="ko-KR" sz="1800">
-                <a:latin typeface="맑은 고딕" charset="0"/>
-                <a:ea typeface="맑은 고딕" charset="0"/>
-              </a:rPr>
-              <a:t>그다음으로 Siren Button과 Explosion Button 그리고 Magic Button으로 각각의 Button 오브젝트의 이름을 정의합니다. </a:t>
-            </a:r>
-            <a:endParaRPr lang="ko-KR" altLang="en-US" sz="1800">
-              <a:latin typeface="맑은 고딕" charset="0"/>
-              <a:ea typeface="맑은 고딕" charset="0"/>
-            </a:endParaRPr>
-          </a:p>
-        </p:txBody>
-      </p:sp>
+        <p:style>
+          <a:lnRef idx="1">
+            <a:schemeClr val="accent1"/>
+          </a:lnRef>
+          <a:fillRef idx="0">
+            <a:schemeClr val="accent1"/>
+          </a:fillRef>
+          <a:effectRef idx="0">
+            <a:schemeClr val="accent1"/>
+          </a:effectRef>
+          <a:fontRef idx="minor">
+            <a:schemeClr val="tx1"/>
+          </a:fontRef>
+        </p:style>
+      </p:cxnSp>
+      <p:cxnSp>
+        <p:nvCxnSpPr>
+          <p:cNvPr id="1232" name="도형 43"/>
+          <p:cNvCxnSpPr/>
+          <p:nvPr/>
+        </p:nvCxnSpPr>
+        <p:spPr>
+          <a:xfrm rot="0">
+            <a:off x="8601075" y="1900555"/>
+            <a:ext cx="148590" cy="1062990"/>
+          </a:xfrm>
+          <a:prstGeom prst="straightConnector1"/>
+          <a:ln w="6350" cap="flat" cmpd="sng">
+            <a:prstDash/>
+            <a:tailEnd type="triangle" w="med" len="med"/>
+          </a:ln>
+        </p:spPr>
+        <p:style>
+          <a:lnRef idx="1">
+            <a:schemeClr val="accent1"/>
+          </a:lnRef>
+          <a:fillRef idx="0">
+            <a:schemeClr val="accent1"/>
+          </a:fillRef>
+          <a:effectRef idx="0">
+            <a:schemeClr val="accent1"/>
+          </a:effectRef>
+          <a:fontRef idx="minor">
+            <a:schemeClr val="tx1"/>
+          </a:fontRef>
+        </p:style>
+      </p:cxnSp>
+      <p:cxnSp>
+        <p:nvCxnSpPr>
+          <p:cNvPr id="1233" name="도형 44"/>
+          <p:cNvCxnSpPr/>
+          <p:nvPr/>
+        </p:nvCxnSpPr>
+        <p:spPr>
+          <a:xfrm rot="0">
+            <a:off x="10763250" y="1909445"/>
+            <a:ext cx="113665" cy="2472690"/>
+          </a:xfrm>
+          <a:prstGeom prst="straightConnector1"/>
+          <a:ln w="6350" cap="flat" cmpd="sng">
+            <a:prstDash/>
+            <a:tailEnd type="triangle" w="med" len="med"/>
+          </a:ln>
+        </p:spPr>
+        <p:style>
+          <a:lnRef idx="1">
+            <a:schemeClr val="accent1"/>
+          </a:lnRef>
+          <a:fillRef idx="0">
+            <a:schemeClr val="accent1"/>
+          </a:fillRef>
+          <a:effectRef idx="0">
+            <a:schemeClr val="accent1"/>
+          </a:effectRef>
+          <a:fontRef idx="minor">
+            <a:schemeClr val="tx1"/>
+          </a:fontRef>
+        </p:style>
+      </p:cxnSp>
     </p:spTree>
   </p:cSld>
   <p:clrMapOvr>

--- a/Assets/Class/Sound/PPT Data/Sound Example.pptx
+++ b/Assets/Class/Sound/PPT Data/Sound Example.pptx
@@ -2,23 +2,23 @@
 <file path=ppt/presentation.xml><?xml version="1.0" encoding="utf-8"?>
 <p:presentation xmlns:a="http://schemas.openxmlformats.org/drawingml/2006/main" xmlns:r="http://schemas.openxmlformats.org/officeDocument/2006/relationships" xmlns:p="http://schemas.openxmlformats.org/presentationml/2006/main" xmlns:p14="http://schemas.microsoft.com/office/powerpoint/2010/main" saveSubsetFonts="1" firstSlideNum="0">
   <p:sldMasterIdLst>
-    <p:sldMasterId id="2147486270" r:id="rId12"/>
+    <p:sldMasterId id="2147486290" r:id="rId12"/>
   </p:sldMasterIdLst>
   <p:notesMasterIdLst>
     <p:notesMasterId r:id="rId14"/>
   </p:notesMasterIdLst>
   <p:sldIdLst>
     <p:sldId id="287" r:id="rId16"/>
-    <p:sldId id="300" r:id="rId18"/>
-    <p:sldId id="304" r:id="rId20"/>
-    <p:sldId id="301" r:id="rId22"/>
-    <p:sldId id="302" r:id="rId24"/>
-    <p:sldId id="305" r:id="rId26"/>
-    <p:sldId id="307" r:id="rId28"/>
-    <p:sldId id="308" r:id="rId30"/>
-    <p:sldId id="309" r:id="rId32"/>
-    <p:sldId id="310" r:id="rId34"/>
-    <p:sldId id="311" r:id="rId36"/>
+    <p:sldId id="300" r:id="rId17"/>
+    <p:sldId id="304" r:id="rId19"/>
+    <p:sldId id="301" r:id="rId21"/>
+    <p:sldId id="302" r:id="rId22"/>
+    <p:sldId id="305" r:id="rId23"/>
+    <p:sldId id="307" r:id="rId24"/>
+    <p:sldId id="308" r:id="rId25"/>
+    <p:sldId id="309" r:id="rId27"/>
+    <p:sldId id="310" r:id="rId28"/>
+    <p:sldId id="311" r:id="rId29"/>
   </p:sldIdLst>
   <p:sldSz cx="12192000" cy="6858000"/>
   <p:notesSz cx="6858000" cy="9144000"/>
@@ -6951,8 +6951,8 @@
         </p:nvSpPr>
         <p:spPr>
           <a:xfrm rot="0">
-            <a:off x="4943475" y="346075"/>
-            <a:ext cx="2306320" cy="478790"/>
+            <a:off x="4843145" y="363220"/>
+            <a:ext cx="2595245" cy="478155"/>
           </a:xfrm>
           <a:prstGeom prst="rect"/>
           <a:noFill/>
@@ -7802,7 +7802,7 @@
 </file>
 
 <file path=ppt/slides/slide10.xml><?xml version="1.0" encoding="utf-8"?>
-<p:sld xmlns:a="http://schemas.openxmlformats.org/drawingml/2006/main" xmlns:r="http://schemas.openxmlformats.org/officeDocument/2006/relationships" xmlns:p="http://schemas.openxmlformats.org/presentationml/2006/main">
+<p:sld xmlns:a="http://schemas.openxmlformats.org/drawingml/2006/main" xmlns:r="http://schemas.openxmlformats.org/officeDocument/2006/relationships" xmlns:p="http://schemas.openxmlformats.org/presentationml/2006/main" xmlns:p14="http://schemas.microsoft.com/office/powerpoint/2010/main">
   <p:cSld>
     <p:spTree>
       <p:nvGrpSpPr>
@@ -7828,8 +7828,8 @@
         </p:nvSpPr>
         <p:spPr>
           <a:xfrm rot="0">
-            <a:off x="4787900" y="354965"/>
-            <a:ext cx="2620010" cy="478155"/>
+            <a:off x="4730750" y="346075"/>
+            <a:ext cx="2924175" cy="478155"/>
           </a:xfrm>
           <a:prstGeom prst="rect"/>
           <a:noFill/>
@@ -7856,17 +7856,7 @@
                 <a:latin typeface="나눔바른고딕" charset="0"/>
                 <a:ea typeface="나눔바른고딕" charset="0"/>
               </a:rPr>
-              <a:t>아홉</a:t>
-            </a:r>
-            <a:r>
-              <a:rPr lang="ko-KR" altLang="en-US" sz="2500" b="1">
-                <a:solidFill>
-                  <a:schemeClr val="tx1"/>
-                </a:solidFill>
-                <a:latin typeface="나눔바른고딕" charset="0"/>
-                <a:ea typeface="나눔바른고딕" charset="0"/>
-              </a:rPr>
-              <a:t> 번째 튜토리얼</a:t>
+              <a:t>아홉 번째 튜토리얼</a:t>
             </a:r>
             <a:endParaRPr lang="ko-KR" altLang="en-US" sz="2500" b="1">
               <a:solidFill>
@@ -8096,7 +8086,7 @@
       </p:sp>
       <p:pic>
         <p:nvPicPr>
-          <p:cNvPr id="1232" name="그림 46" descr="C:/Users/Admin1/AppData/Roaming/PolarisOffice/ETemp/21308_17260880/fImage30172693281.png"/>
+          <p:cNvPr id="1232" name="그림 46"/>
           <p:cNvPicPr>
             <a:picLocks noChangeAspect="1"/>
           </p:cNvPicPr>
@@ -8127,7 +8117,7 @@
       </p:pic>
       <p:pic>
         <p:nvPicPr>
-          <p:cNvPr id="1233" name="그림 49" descr="C:/Users/Admin1/AppData/Roaming/PolarisOffice/ETemp/21308_17260880/fImage55662706827.png"/>
+          <p:cNvPr id="1233" name="그림 49"/>
           <p:cNvPicPr>
             <a:picLocks noChangeAspect="1"/>
           </p:cNvPicPr>
@@ -8158,7 +8148,7 @@
       </p:pic>
       <p:pic>
         <p:nvPicPr>
-          <p:cNvPr id="1234" name="그림 52" descr="C:/Users/Admin1/AppData/Roaming/PolarisOffice/ETemp/21308_17260880/fImage74762719961.png"/>
+          <p:cNvPr id="1234" name="그림 52"/>
           <p:cNvPicPr>
             <a:picLocks noChangeAspect="1"/>
           </p:cNvPicPr>
@@ -8221,7 +8211,7 @@
       </p:cxnSp>
       <p:pic>
         <p:nvPicPr>
-          <p:cNvPr id="1236" name="그림 56" descr="C:/Users/Admin1/AppData/Roaming/PolarisOffice/ETemp/21308_17260880/fImage7035273491.png"/>
+          <p:cNvPr id="1236" name="그림 56"/>
           <p:cNvPicPr>
             <a:picLocks noChangeAspect="1"/>
           </p:cNvPicPr>
@@ -8252,7 +8242,7 @@
       </p:pic>
       <p:pic>
         <p:nvPicPr>
-          <p:cNvPr id="1237" name="그림 57" descr="C:/Users/Admin1/AppData/Roaming/PolarisOffice/ETemp/21308_17260880/fImage71522742995.png"/>
+          <p:cNvPr id="1237" name="그림 57"/>
           <p:cNvPicPr>
             <a:picLocks noChangeAspect="1"/>
           </p:cNvPicPr>
@@ -8283,7 +8273,7 @@
       </p:pic>
       <p:pic>
         <p:nvPicPr>
-          <p:cNvPr id="1238" name="그림 58" descr="C:/Users/Admin1/AppData/Roaming/PolarisOffice/ETemp/21308_17260880/fImage69422751942.png"/>
+          <p:cNvPr id="1238" name="그림 58"/>
           <p:cNvPicPr>
             <a:picLocks noChangeAspect="1"/>
           </p:cNvPicPr>
@@ -8336,7 +8326,7 @@
 </file>
 
 <file path=ppt/slides/slide11.xml><?xml version="1.0" encoding="utf-8"?>
-<p:sld xmlns:a="http://schemas.openxmlformats.org/drawingml/2006/main" xmlns:r="http://schemas.openxmlformats.org/officeDocument/2006/relationships" xmlns:p="http://schemas.openxmlformats.org/presentationml/2006/main">
+<p:sld xmlns:a="http://schemas.openxmlformats.org/drawingml/2006/main" xmlns:r="http://schemas.openxmlformats.org/officeDocument/2006/relationships" xmlns:p="http://schemas.openxmlformats.org/presentationml/2006/main" xmlns:p14="http://schemas.microsoft.com/office/powerpoint/2010/main">
   <p:cSld>
     <p:spTree>
       <p:nvGrpSpPr>
@@ -8362,8 +8352,8 @@
         </p:nvSpPr>
         <p:spPr>
           <a:xfrm rot="0">
-            <a:off x="4940300" y="354965"/>
-            <a:ext cx="2318385" cy="478155"/>
+            <a:off x="4819015" y="346075"/>
+            <a:ext cx="2861945" cy="478155"/>
           </a:xfrm>
           <a:prstGeom prst="rect"/>
           <a:noFill/>
@@ -8390,17 +8380,7 @@
                 <a:latin typeface="나눔바른고딕" charset="0"/>
                 <a:ea typeface="나눔바른고딕" charset="0"/>
               </a:rPr>
-              <a:t>열</a:t>
-            </a:r>
-            <a:r>
-              <a:rPr lang="ko-KR" altLang="en-US" sz="2500" b="1">
-                <a:solidFill>
-                  <a:schemeClr val="tx1"/>
-                </a:solidFill>
-                <a:latin typeface="나눔바른고딕" charset="0"/>
-                <a:ea typeface="나눔바른고딕" charset="0"/>
-              </a:rPr>
-              <a:t> 번째 튜토리얼</a:t>
+              <a:t>열 번째 튜토리얼</a:t>
             </a:r>
             <a:endParaRPr lang="ko-KR" altLang="en-US" sz="2500" b="1">
               <a:solidFill>
@@ -8495,7 +8475,7 @@
       </p:sp>
       <p:pic>
         <p:nvPicPr>
-          <p:cNvPr id="1239" name="그림 65" descr="C:/Users/Admin1/AppData/Roaming/PolarisOffice/ETemp/21308_17260880/fImage46702894827.png"/>
+          <p:cNvPr id="1239" name="그림 65"/>
           <p:cNvPicPr>
             <a:picLocks noChangeAspect="1"/>
           </p:cNvPicPr>
@@ -8526,7 +8506,7 @@
       </p:pic>
       <p:pic>
         <p:nvPicPr>
-          <p:cNvPr id="1240" name="그림 66" descr="C:/Users/Admin1/AppData/Roaming/PolarisOffice/ETemp/21308_17260880/fImage20092905436.png"/>
+          <p:cNvPr id="1240" name="그림 66"/>
           <p:cNvPicPr>
             <a:picLocks noChangeAspect="1"/>
           </p:cNvPicPr>
@@ -8699,7 +8679,7 @@
       </p:sp>
       <p:pic>
         <p:nvPicPr>
-          <p:cNvPr id="1245" name="그림 79" descr="C:/Users/Admin1/AppData/Roaming/PolarisOffice/ETemp/21308_17260880/fImage53592952391.png"/>
+          <p:cNvPr id="1245" name="그림 79"/>
           <p:cNvPicPr>
             <a:picLocks noChangeAspect="1"/>
           </p:cNvPicPr>
@@ -8836,7 +8816,7 @@
       </p:sp>
       <p:pic>
         <p:nvPicPr>
-          <p:cNvPr id="1247" name="그림 83" descr="C:/Users/Admin1/AppData/Roaming/PolarisOffice/ETemp/21308_17260880/fImage70672974604.png"/>
+          <p:cNvPr id="1247" name="그림 83"/>
           <p:cNvPicPr>
             <a:picLocks noChangeAspect="1"/>
           </p:cNvPicPr>
@@ -8913,8 +8893,8 @@
         </p:nvSpPr>
         <p:spPr>
           <a:xfrm rot="0">
-            <a:off x="4943475" y="346075"/>
-            <a:ext cx="2306955" cy="478155"/>
+            <a:off x="4865370" y="346075"/>
+            <a:ext cx="2460625" cy="478155"/>
           </a:xfrm>
           <a:prstGeom prst="rect"/>
           <a:noFill/>
@@ -8941,17 +8921,7 @@
                 <a:latin typeface="나눔바른고딕" charset="0"/>
                 <a:ea typeface="나눔바른고딕" charset="0"/>
               </a:rPr>
-              <a:t>두</a:t>
-            </a:r>
-            <a:r>
-              <a:rPr lang="ko-KR" altLang="en-US" sz="2500" b="1">
-                <a:solidFill>
-                  <a:schemeClr val="tx1"/>
-                </a:solidFill>
-                <a:latin typeface="나눔바른고딕" charset="0"/>
-                <a:ea typeface="나눔바른고딕" charset="0"/>
-              </a:rPr>
-              <a:t> 번째 튜토리얼</a:t>
+              <a:t>두 번째 튜토리얼</a:t>
             </a:r>
             <a:endParaRPr lang="ko-KR" altLang="en-US" sz="2500" b="1">
               <a:solidFill>
@@ -9981,8 +9951,8 @@
         </p:nvSpPr>
         <p:spPr>
           <a:xfrm rot="0">
-            <a:off x="4943475" y="346075"/>
-            <a:ext cx="2306955" cy="478155"/>
+            <a:off x="4779010" y="354965"/>
+            <a:ext cx="2642235" cy="478155"/>
           </a:xfrm>
           <a:prstGeom prst="rect"/>
           <a:noFill/>
@@ -10009,17 +9979,7 @@
                 <a:latin typeface="나눔바른고딕" charset="0"/>
                 <a:ea typeface="나눔바른고딕" charset="0"/>
               </a:rPr>
-              <a:t>세</a:t>
-            </a:r>
-            <a:r>
-              <a:rPr lang="ko-KR" altLang="en-US" sz="2500" b="1">
-                <a:solidFill>
-                  <a:schemeClr val="tx1"/>
-                </a:solidFill>
-                <a:latin typeface="나눔바른고딕" charset="0"/>
-                <a:ea typeface="나눔바른고딕" charset="0"/>
-              </a:rPr>
-              <a:t> 번째 튜토리얼</a:t>
+              <a:t>세 번째 튜토리얼</a:t>
             </a:r>
             <a:endParaRPr lang="ko-KR" altLang="en-US" sz="2500" b="1">
               <a:solidFill>
@@ -10452,8 +10412,8 @@
         </p:nvSpPr>
         <p:spPr>
           <a:xfrm rot="0">
-            <a:off x="4943475" y="346075"/>
-            <a:ext cx="2306955" cy="478155"/>
+            <a:off x="4813935" y="354965"/>
+            <a:ext cx="2893060" cy="478155"/>
           </a:xfrm>
           <a:prstGeom prst="rect"/>
           <a:noFill/>
@@ -10480,17 +10440,7 @@
                 <a:latin typeface="나눔바른고딕" charset="0"/>
                 <a:ea typeface="나눔바른고딕" charset="0"/>
               </a:rPr>
-              <a:t>네</a:t>
-            </a:r>
-            <a:r>
-              <a:rPr lang="ko-KR" altLang="en-US" sz="2500" b="1">
-                <a:solidFill>
-                  <a:schemeClr val="tx1"/>
-                </a:solidFill>
-                <a:latin typeface="나눔바른고딕" charset="0"/>
-                <a:ea typeface="나눔바른고딕" charset="0"/>
-              </a:rPr>
-              <a:t> 번째 튜토리얼</a:t>
+              <a:t>네 번째 튜토리얼</a:t>
             </a:r>
             <a:endParaRPr lang="ko-KR" altLang="en-US" sz="2500" b="1">
               <a:solidFill>
@@ -11070,8 +11020,8 @@
         </p:nvSpPr>
         <p:spPr>
           <a:xfrm rot="0">
-            <a:off x="4787900" y="354965"/>
-            <a:ext cx="2616835" cy="478155"/>
+            <a:off x="4675505" y="346075"/>
+            <a:ext cx="3091815" cy="478155"/>
           </a:xfrm>
           <a:prstGeom prst="rect"/>
           <a:noFill/>
@@ -11098,17 +11048,7 @@
                 <a:latin typeface="나눔바른고딕" charset="0"/>
                 <a:ea typeface="나눔바른고딕" charset="0"/>
               </a:rPr>
-              <a:t>다섯</a:t>
-            </a:r>
-            <a:r>
-              <a:rPr lang="ko-KR" altLang="en-US" sz="2500" b="1">
-                <a:solidFill>
-                  <a:schemeClr val="tx1"/>
-                </a:solidFill>
-                <a:latin typeface="나눔바른고딕" charset="0"/>
-                <a:ea typeface="나눔바른고딕" charset="0"/>
-              </a:rPr>
-              <a:t> 번째 튜토리얼</a:t>
+              <a:t>다섯 번째 튜토리얼</a:t>
             </a:r>
             <a:endParaRPr lang="ko-KR" altLang="en-US" sz="2500" b="1">
               <a:solidFill>
@@ -11665,8 +11605,8 @@
         </p:nvSpPr>
         <p:spPr>
           <a:xfrm rot="0">
-            <a:off x="4787900" y="354965"/>
-            <a:ext cx="2616835" cy="478155"/>
+            <a:off x="4727575" y="354965"/>
+            <a:ext cx="2996565" cy="478155"/>
           </a:xfrm>
           <a:prstGeom prst="rect"/>
           <a:noFill/>
@@ -11693,17 +11633,7 @@
                 <a:latin typeface="나눔바른고딕" charset="0"/>
                 <a:ea typeface="나눔바른고딕" charset="0"/>
               </a:rPr>
-              <a:t>여섯</a:t>
-            </a:r>
-            <a:r>
-              <a:rPr lang="ko-KR" altLang="en-US" sz="2500" b="1">
-                <a:solidFill>
-                  <a:schemeClr val="tx1"/>
-                </a:solidFill>
-                <a:latin typeface="나눔바른고딕" charset="0"/>
-                <a:ea typeface="나눔바른고딕" charset="0"/>
-              </a:rPr>
-              <a:t> 번째 튜토리얼</a:t>
+              <a:t>여섯 번째 튜토리얼</a:t>
             </a:r>
             <a:endParaRPr lang="ko-KR" altLang="en-US" sz="2500" b="1">
               <a:solidFill>
@@ -11991,7 +11921,7 @@
       </p:pic>
       <p:pic>
         <p:nvPicPr>
-          <p:cNvPr id="1215" name="Picture " descr="C:/Users/Admin1/AppData/Roaming/PolarisOffice/ETemp/21308_17260880/fImage2004242491.png"/>
+          <p:cNvPr id="1215" name="Picture "/>
           <p:cNvPicPr>
             <a:picLocks noChangeAspect="1"/>
           </p:cNvPicPr>
@@ -12123,7 +12053,7 @@
 </file>
 
 <file path=ppt/slides/slide8.xml><?xml version="1.0" encoding="utf-8"?>
-<p:sld xmlns:a="http://schemas.openxmlformats.org/drawingml/2006/main" xmlns:r="http://schemas.openxmlformats.org/officeDocument/2006/relationships" xmlns:p="http://schemas.openxmlformats.org/presentationml/2006/main">
+<p:sld xmlns:a="http://schemas.openxmlformats.org/drawingml/2006/main" xmlns:r="http://schemas.openxmlformats.org/officeDocument/2006/relationships" xmlns:p="http://schemas.openxmlformats.org/presentationml/2006/main" xmlns:p14="http://schemas.microsoft.com/office/powerpoint/2010/main">
   <p:cSld>
     <p:spTree>
       <p:nvGrpSpPr>
@@ -12149,8 +12079,8 @@
         </p:nvSpPr>
         <p:spPr>
           <a:xfrm rot="0">
-            <a:off x="4787900" y="354965"/>
-            <a:ext cx="2617470" cy="478155"/>
+            <a:off x="4580255" y="363855"/>
+            <a:ext cx="3031490" cy="478155"/>
           </a:xfrm>
           <a:prstGeom prst="rect"/>
           <a:noFill/>
@@ -12177,17 +12107,7 @@
                 <a:latin typeface="나눔바른고딕" charset="0"/>
                 <a:ea typeface="나눔바른고딕" charset="0"/>
               </a:rPr>
-              <a:t>일곱</a:t>
-            </a:r>
-            <a:r>
-              <a:rPr lang="ko-KR" altLang="en-US" sz="2500" b="1">
-                <a:solidFill>
-                  <a:schemeClr val="tx1"/>
-                </a:solidFill>
-                <a:latin typeface="나눔바른고딕" charset="0"/>
-                <a:ea typeface="나눔바른고딕" charset="0"/>
-              </a:rPr>
-              <a:t> 번째 튜토리얼</a:t>
+              <a:t>일곱 번째 튜토리얼</a:t>
             </a:r>
             <a:endParaRPr lang="ko-KR" altLang="en-US" sz="2500" b="1">
               <a:solidFill>
@@ -12309,7 +12229,7 @@
       </p:sp>
       <p:pic>
         <p:nvPicPr>
-          <p:cNvPr id="1217" name="그림 1" descr="C:/Users/Admin1/AppData/Roaming/PolarisOffice/ETemp/21308_17260880/fImage775422341.png"/>
+          <p:cNvPr id="1217" name="그림 1"/>
           <p:cNvPicPr>
             <a:picLocks noChangeAspect="1"/>
           </p:cNvPicPr>
@@ -12340,7 +12260,7 @@
       </p:pic>
       <p:pic>
         <p:nvPicPr>
-          <p:cNvPr id="1218" name="그림 4" descr="C:/Users/Admin1/AppData/Roaming/PolarisOffice/ETemp/21308_17260880/fImage276392248467.png"/>
+          <p:cNvPr id="1218" name="그림 4"/>
           <p:cNvPicPr>
             <a:picLocks noChangeAspect="1"/>
           </p:cNvPicPr>
@@ -12371,7 +12291,7 @@
       </p:pic>
       <p:pic>
         <p:nvPicPr>
-          <p:cNvPr id="1219" name="그림 7" descr="C:/Users/Admin1/AppData/Roaming/PolarisOffice/ETemp/21308_17260880/fImage75182256334.png"/>
+          <p:cNvPr id="1219" name="그림 7"/>
           <p:cNvPicPr>
             <a:picLocks noChangeAspect="1"/>
           </p:cNvPicPr>
@@ -12511,7 +12431,7 @@
       </p:sp>
       <p:pic>
         <p:nvPicPr>
-          <p:cNvPr id="1221" name="그림 13" descr="C:/Users/Admin1/AppData/Roaming/PolarisOffice/ETemp/21308_17260880/fImage74492296500.png"/>
+          <p:cNvPr id="1221" name="그림 13"/>
           <p:cNvPicPr>
             <a:picLocks noChangeAspect="1"/>
           </p:cNvPicPr>
@@ -12542,7 +12462,7 @@
       </p:pic>
       <p:pic>
         <p:nvPicPr>
-          <p:cNvPr id="1222" name="그림 16" descr="C:/Users/Admin1/AppData/Roaming/PolarisOffice/ETemp/21308_17260880/fImage191382309169.png"/>
+          <p:cNvPr id="1222" name="그림 16"/>
           <p:cNvPicPr>
             <a:picLocks noChangeAspect="1"/>
           </p:cNvPicPr>
@@ -12693,7 +12613,7 @@
 </file>
 
 <file path=ppt/slides/slide9.xml><?xml version="1.0" encoding="utf-8"?>
-<p:sld xmlns:a="http://schemas.openxmlformats.org/drawingml/2006/main" xmlns:r="http://schemas.openxmlformats.org/officeDocument/2006/relationships" xmlns:p="http://schemas.openxmlformats.org/presentationml/2006/main">
+<p:sld xmlns:a="http://schemas.openxmlformats.org/drawingml/2006/main" xmlns:r="http://schemas.openxmlformats.org/officeDocument/2006/relationships" xmlns:p="http://schemas.openxmlformats.org/presentationml/2006/main" xmlns:p14="http://schemas.microsoft.com/office/powerpoint/2010/main">
   <p:cSld>
     <p:spTree>
       <p:nvGrpSpPr>
@@ -12719,8 +12639,8 @@
         </p:nvSpPr>
         <p:spPr>
           <a:xfrm rot="0">
-            <a:off x="4787900" y="354965"/>
-            <a:ext cx="2617470" cy="478155"/>
+            <a:off x="4675505" y="354965"/>
+            <a:ext cx="3074670" cy="478155"/>
           </a:xfrm>
           <a:prstGeom prst="rect"/>
           <a:noFill/>
@@ -12747,17 +12667,7 @@
                 <a:latin typeface="나눔바른고딕" charset="0"/>
                 <a:ea typeface="나눔바른고딕" charset="0"/>
               </a:rPr>
-              <a:t>여덟</a:t>
-            </a:r>
-            <a:r>
-              <a:rPr lang="ko-KR" altLang="en-US" sz="2500" b="1">
-                <a:solidFill>
-                  <a:schemeClr val="tx1"/>
-                </a:solidFill>
-                <a:latin typeface="나눔바른고딕" charset="0"/>
-                <a:ea typeface="나눔바른고딕" charset="0"/>
-              </a:rPr>
-              <a:t> 번째 튜토리얼</a:t>
+              <a:t>여덟 번째 튜토리얼</a:t>
             </a:r>
             <a:endParaRPr lang="ko-KR" altLang="en-US" sz="2500" b="1">
               <a:solidFill>
@@ -12950,7 +12860,7 @@
       </p:sp>
       <p:pic>
         <p:nvPicPr>
-          <p:cNvPr id="1224" name="그림 20" descr="C:/Users/Admin1/AppData/Roaming/PolarisOffice/ETemp/21308_17260880/fImage121582445724.png"/>
+          <p:cNvPr id="1224" name="그림 20"/>
           <p:cNvPicPr>
             <a:picLocks noChangeAspect="1"/>
           </p:cNvPicPr>
@@ -12981,7 +12891,7 @@
       </p:pic>
       <p:pic>
         <p:nvPicPr>
-          <p:cNvPr id="1225" name="그림 21" descr="C:/Users/Admin1/AppData/Roaming/PolarisOffice/ETemp/21308_17260880/fImage123662451478.png"/>
+          <p:cNvPr id="1225" name="그림 21"/>
           <p:cNvPicPr>
             <a:picLocks noChangeAspect="1"/>
           </p:cNvPicPr>
@@ -13012,7 +12922,7 @@
       </p:pic>
       <p:pic>
         <p:nvPicPr>
-          <p:cNvPr id="1226" name="그림 22" descr="C:/Users/Admin1/AppData/Roaming/PolarisOffice/ETemp/21308_17260880/fImage146852469358.png"/>
+          <p:cNvPr id="1226" name="그림 22"/>
           <p:cNvPicPr>
             <a:picLocks noChangeAspect="1"/>
           </p:cNvPicPr>
@@ -13043,7 +12953,7 @@
       </p:pic>
       <p:pic>
         <p:nvPicPr>
-          <p:cNvPr id="1227" name="그림 29" descr="C:/Users/Admin1/AppData/Roaming/PolarisOffice/ETemp/21308_17260880/fImage274952476962.png"/>
+          <p:cNvPr id="1227" name="그림 29"/>
           <p:cNvPicPr>
             <a:picLocks noChangeAspect="1"/>
           </p:cNvPicPr>
@@ -13074,7 +12984,7 @@
       </p:pic>
       <p:pic>
         <p:nvPicPr>
-          <p:cNvPr id="1228" name="그림 32" descr="C:/Users/Admin1/AppData/Roaming/PolarisOffice/ETemp/21308_17260880/fImage168742484464.png"/>
+          <p:cNvPr id="1228" name="그림 32"/>
           <p:cNvPicPr>
             <a:picLocks noChangeAspect="1"/>
           </p:cNvPicPr>
@@ -13105,7 +13015,7 @@
       </p:pic>
       <p:pic>
         <p:nvPicPr>
-          <p:cNvPr id="1229" name="그림 35" descr="C:/Users/Admin1/AppData/Roaming/PolarisOffice/ETemp/21308_17260880/fImage168452495705.png"/>
+          <p:cNvPr id="1229" name="그림 35"/>
           <p:cNvPicPr>
             <a:picLocks noChangeAspect="1"/>
           </p:cNvPicPr>
@@ -13136,7 +13046,7 @@
       </p:pic>
       <p:pic>
         <p:nvPicPr>
-          <p:cNvPr id="1230" name="그림 39" descr="C:/Users/Admin1/AppData/Roaming/PolarisOffice/ETemp/21308_17260880/fImage167032518145.png"/>
+          <p:cNvPr id="1230" name="그림 39"/>
           <p:cNvPicPr>
             <a:picLocks noChangeAspect="1"/>
           </p:cNvPicPr>

--- a/Assets/Class/Sound/PPT Data/Sound Example.pptx
+++ b/Assets/Class/Sound/PPT Data/Sound Example.pptx
@@ -2,7 +2,7 @@
 <file path=ppt/presentation.xml><?xml version="1.0" encoding="utf-8"?>
 <p:presentation xmlns:a="http://schemas.openxmlformats.org/drawingml/2006/main" xmlns:r="http://schemas.openxmlformats.org/officeDocument/2006/relationships" xmlns:p="http://schemas.openxmlformats.org/presentationml/2006/main" xmlns:p14="http://schemas.microsoft.com/office/powerpoint/2010/main" saveSubsetFonts="1" firstSlideNum="0">
   <p:sldMasterIdLst>
-    <p:sldMasterId id="2147486290" r:id="rId12"/>
+    <p:sldMasterId id="2147486294" r:id="rId12"/>
   </p:sldMasterIdLst>
   <p:notesMasterIdLst>
     <p:notesMasterId r:id="rId14"/>
@@ -10,15 +10,16 @@
   <p:sldIdLst>
     <p:sldId id="287" r:id="rId16"/>
     <p:sldId id="300" r:id="rId17"/>
+    <p:sldId id="312" r:id="rId18"/>
     <p:sldId id="304" r:id="rId19"/>
-    <p:sldId id="301" r:id="rId21"/>
-    <p:sldId id="302" r:id="rId22"/>
-    <p:sldId id="305" r:id="rId23"/>
-    <p:sldId id="307" r:id="rId24"/>
-    <p:sldId id="308" r:id="rId25"/>
-    <p:sldId id="309" r:id="rId27"/>
-    <p:sldId id="310" r:id="rId28"/>
-    <p:sldId id="311" r:id="rId29"/>
+    <p:sldId id="301" r:id="rId20"/>
+    <p:sldId id="302" r:id="rId21"/>
+    <p:sldId id="305" r:id="rId22"/>
+    <p:sldId id="307" r:id="rId23"/>
+    <p:sldId id="308" r:id="rId24"/>
+    <p:sldId id="309" r:id="rId25"/>
+    <p:sldId id="310" r:id="rId26"/>
+    <p:sldId id="311" r:id="rId27"/>
   </p:sldIdLst>
   <p:sldSz cx="12192000" cy="6858000"/>
   <p:notesSz cx="6858000" cy="9144000"/>
@@ -903,6 +904,148 @@
 </p:notes>
 </file>
 
+<file path=ppt/notesSlides/notesSlide12.xml><?xml version="1.0" encoding="utf-8"?>
+<p:notes xmlns:a="http://schemas.openxmlformats.org/drawingml/2006/main" xmlns:r="http://schemas.openxmlformats.org/officeDocument/2006/relationships" xmlns:p="http://schemas.openxmlformats.org/presentationml/2006/main">
+  <p:cSld>
+    <p:spTree>
+      <p:nvGrpSpPr>
+        <p:cNvPr id="1" name=""/>
+        <p:cNvGrpSpPr/>
+        <p:nvPr/>
+      </p:nvGrpSpPr>
+      <p:grpSpPr>
+        <a:xfrm>
+          <a:off x="0" y="0"/>
+          <a:ext cx="0" cy="0"/>
+          <a:chOff x="0" y="0"/>
+          <a:chExt cx="0" cy="0"/>
+        </a:xfrm>
+      </p:grpSpPr>
+      <p:sp>
+        <p:nvSpPr>
+          <p:cNvPr id="2" name="슬라이드 이미지 개체 틀 3"/>
+          <p:cNvSpPr>
+            <a:spLocks noChangeAspect="1"/>
+          </p:cNvSpPr>
+          <p:nvPr>
+            <p:ph type="sldImg" idx="2"/>
+          </p:nvPr>
+        </p:nvSpPr>
+        <p:spPr>
+          <a:xfrm rot="0">
+            <a:off x="685800" y="1143000"/>
+            <a:ext cx="5491480" cy="3091180"/>
+          </a:xfrm>
+          <a:prstGeom prst="rect"/>
+          <a:noFill/>
+          <a:ln w="12700" cap="flat" cmpd="sng">
+            <a:solidFill>
+              <a:srgbClr val="000000">
+                <a:alpha val="100000"/>
+              </a:srgbClr>
+            </a:solidFill>
+            <a:prstDash val="solid"/>
+          </a:ln>
+        </p:spPr>
+        <p:txBody>
+          <a:bodyPr wrap="square" lIns="91440" tIns="45720" rIns="91440" bIns="45720" numCol="1" vert="horz" anchor="ctr">
+            <a:noAutofit/>
+          </a:bodyPr>
+          <a:lstStyle/>
+          <a:p>
+            <a:pPr marL="0" indent="0" latinLnBrk="0">
+              <a:buFontTx/>
+              <a:buNone/>
+            </a:pPr>
+          </a:p>
+        </p:txBody>
+      </p:sp>
+      <p:sp>
+        <p:nvSpPr>
+          <p:cNvPr id="3" name="슬라이드 노트 개체 틀 4"/>
+          <p:cNvSpPr txBox="1">
+            <a:spLocks/>
+          </p:cNvSpPr>
+          <p:nvPr>
+            <p:ph type="body" idx="3"/>
+          </p:nvPr>
+        </p:nvSpPr>
+        <p:spPr>
+          <a:xfrm rot="0">
+            <a:off x="685800" y="4400550"/>
+            <a:ext cx="5491480" cy="3605530"/>
+          </a:xfrm>
+          <a:prstGeom prst="rect"/>
+        </p:spPr>
+        <p:txBody>
+          <a:bodyPr wrap="square" lIns="91440" tIns="45720" rIns="91440" bIns="45720" numCol="1" vert="horz" anchor="t">
+            <a:noAutofit/>
+          </a:bodyPr>
+          <a:lstStyle/>
+          <a:p>
+            <a:pPr marL="0" indent="0" latinLnBrk="0">
+              <a:buFontTx/>
+              <a:buNone/>
+            </a:pPr>
+          </a:p>
+        </p:txBody>
+      </p:sp>
+      <p:sp>
+        <p:nvSpPr>
+          <p:cNvPr id="4" name="슬라이드 번호 개체 틀 6"/>
+          <p:cNvSpPr txBox="1">
+            <a:spLocks/>
+          </p:cNvSpPr>
+          <p:nvPr>
+            <p:ph type="sldNum" idx="5"/>
+          </p:nvPr>
+        </p:nvSpPr>
+        <p:spPr>
+          <a:xfrm rot="0">
+            <a:off x="3884930" y="8685530"/>
+            <a:ext cx="2976880" cy="463550"/>
+          </a:xfrm>
+          <a:prstGeom prst="rect"/>
+        </p:spPr>
+        <p:txBody>
+          <a:bodyPr wrap="square" lIns="91440" tIns="45720" rIns="91440" bIns="45720" numCol="1" vert="horz" anchor="b">
+            <a:noAutofit/>
+          </a:bodyPr>
+          <a:lstStyle>
+            <a:lvl1pPr marL="0" indent="0" algn="r" latinLnBrk="0">
+              <a:buFontTx/>
+              <a:buNone/>
+              <a:defRPr lang="en-GB" altLang="en-US" sz="1200"/>
+            </a:lvl1pPr>
+          </a:lstStyle>
+          <a:p>
+            <a:pPr marL="0" indent="0" latinLnBrk="0">
+              <a:buFontTx/>
+              <a:buNone/>
+            </a:pPr>
+            <a:fld id="{B9320F77-B9A0-41C5-862A-B4B631284C64}" type="slidenum">
+              <a:rPr lang="ko-KR" altLang="en-US"/>
+              <a:t>‹#›</a:t>
+            </a:fld>
+          </a:p>
+        </p:txBody>
+      </p:sp>
+    </p:spTree>
+  </p:cSld>
+  <p:clrMapOvr>
+    <a:masterClrMapping/>
+  </p:clrMapOvr>
+  <mc:AlternateContent xmlns:mc="http://schemas.openxmlformats.org/markup-compatibility/2006">
+    <mc:Choice xmlns:p14="http://schemas.microsoft.com/office/powerpoint/2010/main" Requires="p14">
+      <p:transition spd="slow" p14:dur="0"/>
+    </mc:Choice>
+    <mc:Fallback>
+      <p:transition spd="slow"/>
+    </mc:Fallback>
+  </mc:AlternateContent>
+</p:notes>
+</file>
+
 <file path=ppt/notesSlides/notesSlide2.xml><?xml version="1.0" encoding="utf-8"?>
 <p:notes xmlns:a="http://schemas.openxmlformats.org/drawingml/2006/main" xmlns:r="http://schemas.openxmlformats.org/officeDocument/2006/relationships" xmlns:p="http://schemas.openxmlformats.org/presentationml/2006/main">
   <p:cSld>
@@ -1217,7 +1360,7 @@
         <p:spPr>
           <a:xfrm rot="0">
             <a:off x="685800" y="1143000"/>
-            <a:ext cx="5489575" cy="3089275"/>
+            <a:ext cx="5490210" cy="3089910"/>
           </a:xfrm>
           <a:prstGeom prst="rect"/>
           <a:noFill/>
@@ -1256,7 +1399,7 @@
         <p:spPr>
           <a:xfrm rot="0">
             <a:off x="685800" y="4400550"/>
-            <a:ext cx="5489575" cy="3603625"/>
+            <a:ext cx="5490210" cy="3604260"/>
           </a:xfrm>
           <a:prstGeom prst="rect"/>
         </p:spPr>
@@ -1286,7 +1429,7 @@
         <p:spPr>
           <a:xfrm rot="0">
             <a:off x="3884930" y="8685530"/>
-            <a:ext cx="2974975" cy="461645"/>
+            <a:ext cx="2975610" cy="462280"/>
           </a:xfrm>
           <a:prstGeom prst="rect"/>
         </p:spPr>
@@ -1359,7 +1502,7 @@
         <p:spPr>
           <a:xfrm rot="0">
             <a:off x="685800" y="1143000"/>
-            <a:ext cx="5490210" cy="3089910"/>
+            <a:ext cx="5489575" cy="3089275"/>
           </a:xfrm>
           <a:prstGeom prst="rect"/>
           <a:noFill/>
@@ -1398,7 +1541,7 @@
         <p:spPr>
           <a:xfrm rot="0">
             <a:off x="685800" y="4400550"/>
-            <a:ext cx="5490210" cy="3604260"/>
+            <a:ext cx="5489575" cy="3603625"/>
           </a:xfrm>
           <a:prstGeom prst="rect"/>
         </p:spPr>
@@ -1428,7 +1571,7 @@
         <p:spPr>
           <a:xfrm rot="0">
             <a:off x="3884930" y="8685530"/>
-            <a:ext cx="2975610" cy="462280"/>
+            <a:ext cx="2974975" cy="461645"/>
           </a:xfrm>
           <a:prstGeom prst="rect"/>
         </p:spPr>
@@ -1501,7 +1644,7 @@
         <p:spPr>
           <a:xfrm rot="0">
             <a:off x="685800" y="1143000"/>
-            <a:ext cx="5490845" cy="3090545"/>
+            <a:ext cx="5490210" cy="3089910"/>
           </a:xfrm>
           <a:prstGeom prst="rect"/>
           <a:noFill/>
@@ -1540,7 +1683,7 @@
         <p:spPr>
           <a:xfrm rot="0">
             <a:off x="685800" y="4400550"/>
-            <a:ext cx="5490845" cy="3604895"/>
+            <a:ext cx="5490210" cy="3604260"/>
           </a:xfrm>
           <a:prstGeom prst="rect"/>
         </p:spPr>
@@ -1570,7 +1713,7 @@
         <p:spPr>
           <a:xfrm rot="0">
             <a:off x="3884930" y="8685530"/>
-            <a:ext cx="2976245" cy="462915"/>
+            <a:ext cx="2975610" cy="462280"/>
           </a:xfrm>
           <a:prstGeom prst="rect"/>
         </p:spPr>
@@ -1785,7 +1928,7 @@
         <p:spPr>
           <a:xfrm rot="0">
             <a:off x="685800" y="1143000"/>
-            <a:ext cx="5491480" cy="3091180"/>
+            <a:ext cx="5490845" cy="3090545"/>
           </a:xfrm>
           <a:prstGeom prst="rect"/>
           <a:noFill/>
@@ -1824,7 +1967,7 @@
         <p:spPr>
           <a:xfrm rot="0">
             <a:off x="685800" y="4400550"/>
-            <a:ext cx="5491480" cy="3605530"/>
+            <a:ext cx="5490845" cy="3604895"/>
           </a:xfrm>
           <a:prstGeom prst="rect"/>
         </p:spPr>
@@ -1854,7 +1997,7 @@
         <p:spPr>
           <a:xfrm rot="0">
             <a:off x="3884930" y="8685530"/>
-            <a:ext cx="2976880" cy="463550"/>
+            <a:ext cx="2976245" cy="462915"/>
           </a:xfrm>
           <a:prstGeom prst="rect"/>
         </p:spPr>
@@ -6951,8 +7094,8 @@
         </p:nvSpPr>
         <p:spPr>
           <a:xfrm rot="0">
-            <a:off x="4843145" y="363220"/>
-            <a:ext cx="2595245" cy="478155"/>
+            <a:off x="4801870" y="363220"/>
+            <a:ext cx="2580640" cy="478155"/>
           </a:xfrm>
           <a:prstGeom prst="rect"/>
           <a:noFill/>
@@ -6967,7 +7110,7 @@
           </a:bodyPr>
           <a:lstStyle/>
           <a:p>
-            <a:pPr marL="0" indent="0" algn="l" latinLnBrk="0">
+            <a:pPr marL="0" indent="0" algn="ctr" latinLnBrk="0">
               <a:buFontTx/>
               <a:buNone/>
             </a:pPr>
@@ -6979,47 +7122,7 @@
                 <a:latin typeface="나눔바른고딕" charset="0"/>
                 <a:ea typeface="나눔바른고딕" charset="0"/>
               </a:rPr>
-              <a:t>첫</a:t>
-            </a:r>
-            <a:r>
-              <a:rPr lang="ko-KR" altLang="en-US" sz="2500" b="1">
-                <a:solidFill>
-                  <a:schemeClr val="tx1"/>
-                </a:solidFill>
-                <a:latin typeface="나눔바른고딕" charset="0"/>
-                <a:ea typeface="나눔바른고딕" charset="0"/>
-              </a:rPr>
-              <a:t> </a:t>
-            </a:r>
-            <a:r>
-              <a:rPr lang="ko-KR" altLang="en-US" sz="2500" b="1">
-                <a:solidFill>
-                  <a:schemeClr val="tx1"/>
-                </a:solidFill>
-                <a:latin typeface="나눔바른고딕" charset="0"/>
-                <a:ea typeface="나눔바른고딕" charset="0"/>
-              </a:rPr>
-              <a:t>번째</a:t>
-            </a:r>
-            <a:r>
-              <a:rPr lang="ko-KR" altLang="en-US" sz="2500" b="1">
-                <a:solidFill>
-                  <a:schemeClr val="tx1"/>
-                </a:solidFill>
-                <a:latin typeface="나눔바른고딕" charset="0"/>
-                <a:ea typeface="나눔바른고딕" charset="0"/>
-              </a:rPr>
-              <a:t> </a:t>
-            </a:r>
-            <a:r>
-              <a:rPr lang="ko-KR" altLang="en-US" sz="2500" b="1">
-                <a:solidFill>
-                  <a:schemeClr val="tx1"/>
-                </a:solidFill>
-                <a:latin typeface="나눔바른고딕" charset="0"/>
-                <a:ea typeface="나눔바른고딕" charset="0"/>
-              </a:rPr>
-              <a:t>튜토리얼</a:t>
+              <a:t>첫 번째 튜토리얼</a:t>
             </a:r>
             <a:endParaRPr lang="ko-KR" altLang="en-US" sz="2500" b="1">
               <a:solidFill>
@@ -7040,9 +7143,9 @@
           <p:nvPr/>
         </p:nvSpPr>
         <p:spPr>
-          <a:xfrm>
-            <a:off x="1075690" y="3094990"/>
-            <a:ext cx="4302125" cy="647065"/>
+          <a:xfrm rot="0">
+            <a:off x="1230630" y="5496560"/>
+            <a:ext cx="4131945" cy="647065"/>
           </a:xfrm>
           <a:prstGeom prst="rect"/>
           <a:noFill/>
@@ -7090,7 +7193,21 @@
                 <a:latin typeface="맑은 고딕" charset="0"/>
                 <a:ea typeface="맑은 고딕" charset="0"/>
               </a:rPr>
-              <a:t> 번째로 </a:t>
+              <a:t> </a:t>
+            </a:r>
+            <a:r>
+              <a:rPr lang="ko-KR" sz="1800">
+                <a:latin typeface="맑은 고딕" charset="0"/>
+                <a:ea typeface="맑은 고딕" charset="0"/>
+              </a:rPr>
+              <a:t>번째로</a:t>
+            </a:r>
+            <a:r>
+              <a:rPr lang="ko-KR" sz="1800">
+                <a:latin typeface="맑은 고딕" charset="0"/>
+                <a:ea typeface="맑은 고딕" charset="0"/>
+              </a:rPr>
+              <a:t> </a:t>
             </a:r>
             <a:r>
               <a:rPr sz="1800">
@@ -7106,93 +7223,6 @@
           </a:p>
         </p:txBody>
       </p:sp>
-      <p:pic>
-        <p:nvPicPr>
-          <p:cNvPr id="1165" name="그림 58"/>
-          <p:cNvPicPr>
-            <a:picLocks noChangeAspect="1"/>
-          </p:cNvPicPr>
-          <p:nvPr/>
-        </p:nvPicPr>
-        <p:blipFill rotWithShape="1">
-          <a:blip r:embed="rId37" cstate="hqprint">
-            <a:extLst>
-              <a:ext uri="{28A0092B-C50C-407E-A947-70E740481C1C}">
-                <a14:useLocalDpi xmlns:a14="http://schemas.microsoft.com/office/drawing/2010/main"/>
-              </a:ext>
-            </a:extLst>
-          </a:blip>
-          <a:stretch>
-            <a:fillRect/>
-          </a:stretch>
-        </p:blipFill>
-        <p:spPr>
-          <a:xfrm rot="0">
-            <a:off x="1083945" y="1288415"/>
-            <a:ext cx="1802765" cy="1675130"/>
-          </a:xfrm>
-          <a:prstGeom prst="rect"/>
-          <a:noFill/>
-        </p:spPr>
-      </p:pic>
-      <p:pic>
-        <p:nvPicPr>
-          <p:cNvPr id="1166" name="그림 59"/>
-          <p:cNvPicPr>
-            <a:picLocks noChangeAspect="1"/>
-          </p:cNvPicPr>
-          <p:nvPr/>
-        </p:nvPicPr>
-        <p:blipFill rotWithShape="1">
-          <a:blip r:embed="rId38" cstate="hqprint">
-            <a:extLst>
-              <a:ext uri="{28A0092B-C50C-407E-A947-70E740481C1C}">
-                <a14:useLocalDpi xmlns:a14="http://schemas.microsoft.com/office/drawing/2010/main"/>
-              </a:ext>
-            </a:extLst>
-          </a:blip>
-          <a:stretch>
-            <a:fillRect/>
-          </a:stretch>
-        </p:blipFill>
-        <p:spPr>
-          <a:xfrm rot="0">
-            <a:off x="3090545" y="2089785"/>
-            <a:ext cx="520065" cy="349250"/>
-          </a:xfrm>
-          <a:prstGeom prst="rect"/>
-          <a:noFill/>
-        </p:spPr>
-      </p:pic>
-      <p:pic>
-        <p:nvPicPr>
-          <p:cNvPr id="1167" name="그림 60"/>
-          <p:cNvPicPr>
-            <a:picLocks noChangeAspect="1"/>
-          </p:cNvPicPr>
-          <p:nvPr/>
-        </p:nvPicPr>
-        <p:blipFill rotWithShape="1">
-          <a:blip r:embed="rId39" cstate="hqprint">
-            <a:extLst>
-              <a:ext uri="{28A0092B-C50C-407E-A947-70E740481C1C}">
-                <a14:useLocalDpi xmlns:a14="http://schemas.microsoft.com/office/drawing/2010/main"/>
-              </a:ext>
-            </a:extLst>
-          </a:blip>
-          <a:stretch>
-            <a:fillRect/>
-          </a:stretch>
-        </p:blipFill>
-        <p:spPr>
-          <a:xfrm rot="0">
-            <a:off x="3808095" y="1282700"/>
-            <a:ext cx="1569085" cy="1680845"/>
-          </a:xfrm>
-          <a:prstGeom prst="rect"/>
-          <a:noFill/>
-        </p:spPr>
-      </p:pic>
       <p:sp>
         <p:nvSpPr>
           <p:cNvPr id="1170" name="도형 64"/>
@@ -7203,8 +7233,8 @@
         </p:nvSpPr>
         <p:spPr>
           <a:xfrm rot="0">
-            <a:off x="3011805" y="4204335"/>
-            <a:ext cx="361950" cy="280670"/>
+            <a:off x="8656320" y="1785620"/>
+            <a:ext cx="362585" cy="281305"/>
           </a:xfrm>
           <a:prstGeom prst="notchedRightArrow"/>
           <a:scene3d>
@@ -7261,8 +7291,8 @@
         </p:nvSpPr>
         <p:spPr>
           <a:xfrm rot="0">
-            <a:off x="1082040" y="4939030"/>
-            <a:ext cx="4295140" cy="1200785"/>
+            <a:off x="6734810" y="2578100"/>
+            <a:ext cx="4222750" cy="1200785"/>
           </a:xfrm>
           <a:prstGeom prst="rect"/>
           <a:noFill/>
@@ -7303,175 +7333,7 @@
                 <a:latin typeface="맑은 고딕" charset="0"/>
                 <a:ea typeface="맑은 고딕" charset="0"/>
               </a:rPr>
-              <a:t>고</a:t>
-            </a:r>
-            <a:r>
-              <a:rPr lang="ko-KR" sz="1800">
-                <a:latin typeface="맑은 고딕" charset="0"/>
-                <a:ea typeface="맑은 고딕" charset="0"/>
-              </a:rPr>
-              <a:t> </a:t>
-            </a:r>
-            <a:r>
-              <a:rPr lang="ko-KR" sz="1800">
-                <a:latin typeface="맑은 고딕" charset="0"/>
-                <a:ea typeface="맑은 고딕" charset="0"/>
-              </a:rPr>
-              <a:t>Character라는</a:t>
-            </a:r>
-            <a:r>
-              <a:rPr lang="ko-KR" sz="1800">
-                <a:latin typeface="맑은 고딕" charset="0"/>
-                <a:ea typeface="맑은 고딕" charset="0"/>
-              </a:rPr>
-              <a:t> </a:t>
-            </a:r>
-            <a:r>
-              <a:rPr lang="ko-KR" sz="1800">
-                <a:latin typeface="맑은 고딕" charset="0"/>
-                <a:ea typeface="맑은 고딕" charset="0"/>
-              </a:rPr>
-              <a:t>이름으로</a:t>
-            </a:r>
-            <a:r>
-              <a:rPr lang="ko-KR" sz="1800">
-                <a:latin typeface="맑은 고딕" charset="0"/>
-                <a:ea typeface="맑은 고딕" charset="0"/>
-              </a:rPr>
-              <a:t> </a:t>
-            </a:r>
-            <a:r>
-              <a:rPr lang="ko-KR" sz="1800">
-                <a:latin typeface="맑은 고딕" charset="0"/>
-                <a:ea typeface="맑은 고딕" charset="0"/>
-              </a:rPr>
-              <a:t>변경한</a:t>
-            </a:r>
-            <a:r>
-              <a:rPr lang="ko-KR" sz="1800">
-                <a:latin typeface="맑은 고딕" charset="0"/>
-                <a:ea typeface="맑은 고딕" charset="0"/>
-              </a:rPr>
-              <a:t> </a:t>
-            </a:r>
-            <a:r>
-              <a:rPr lang="ko-KR" sz="1800">
-                <a:latin typeface="맑은 고딕" charset="0"/>
-                <a:ea typeface="맑은 고딕" charset="0"/>
-              </a:rPr>
-              <a:t>다음</a:t>
-            </a:r>
-            <a:r>
-              <a:rPr lang="ko-KR" sz="1800">
-                <a:latin typeface="맑은 고딕" charset="0"/>
-                <a:ea typeface="맑은 고딕" charset="0"/>
-              </a:rPr>
-              <a:t> </a:t>
-            </a:r>
-            <a:r>
-              <a:rPr lang="ko-KR" sz="1800">
-                <a:latin typeface="맑은 고딕" charset="0"/>
-                <a:ea typeface="맑은 고딕" charset="0"/>
-              </a:rPr>
-              <a:t>Main</a:t>
-            </a:r>
-            <a:r>
-              <a:rPr lang="ko-KR" sz="1800">
-                <a:latin typeface="맑은 고딕" charset="0"/>
-                <a:ea typeface="맑은 고딕" charset="0"/>
-              </a:rPr>
-              <a:t> </a:t>
-            </a:r>
-            <a:r>
-              <a:rPr lang="ko-KR" sz="1800">
-                <a:latin typeface="맑은 고딕" charset="0"/>
-                <a:ea typeface="맑은 고딕" charset="0"/>
-              </a:rPr>
-              <a:t>Camera</a:t>
-            </a:r>
-            <a:r>
-              <a:rPr lang="ko-KR" sz="1800">
-                <a:latin typeface="맑은 고딕" charset="0"/>
-                <a:ea typeface="맑은 고딕" charset="0"/>
-              </a:rPr>
-              <a:t> </a:t>
-            </a:r>
-            <a:r>
-              <a:rPr lang="ko-KR" sz="1800">
-                <a:latin typeface="맑은 고딕" charset="0"/>
-                <a:ea typeface="맑은 고딕" charset="0"/>
-              </a:rPr>
-              <a:t>오브젝트를</a:t>
-            </a:r>
-            <a:r>
-              <a:rPr lang="ko-KR" sz="1800">
-                <a:latin typeface="맑은 고딕" charset="0"/>
-                <a:ea typeface="맑은 고딕" charset="0"/>
-              </a:rPr>
-              <a:t> </a:t>
-            </a:r>
-            <a:r>
-              <a:rPr lang="ko-KR" sz="1800">
-                <a:latin typeface="맑은 고딕" charset="0"/>
-                <a:ea typeface="맑은 고딕" charset="0"/>
-              </a:rPr>
-              <a:t>Character</a:t>
-            </a:r>
-            <a:r>
-              <a:rPr lang="ko-KR" sz="1800">
-                <a:latin typeface="맑은 고딕" charset="0"/>
-                <a:ea typeface="맑은 고딕" charset="0"/>
-              </a:rPr>
-              <a:t> </a:t>
-            </a:r>
-            <a:r>
-              <a:rPr lang="ko-KR" sz="1800">
-                <a:latin typeface="맑은 고딕" charset="0"/>
-                <a:ea typeface="맑은 고딕" charset="0"/>
-              </a:rPr>
-              <a:t>오브젝트의</a:t>
-            </a:r>
-            <a:r>
-              <a:rPr lang="ko-KR" sz="1800">
-                <a:latin typeface="맑은 고딕" charset="0"/>
-                <a:ea typeface="맑은 고딕" charset="0"/>
-              </a:rPr>
-              <a:t> </a:t>
-            </a:r>
-            <a:r>
-              <a:rPr lang="ko-KR" sz="1800">
-                <a:latin typeface="맑은 고딕" charset="0"/>
-                <a:ea typeface="맑은 고딕" charset="0"/>
-              </a:rPr>
-              <a:t>하위</a:t>
-            </a:r>
-            <a:r>
-              <a:rPr lang="ko-KR" sz="1800">
-                <a:latin typeface="맑은 고딕" charset="0"/>
-                <a:ea typeface="맑은 고딕" charset="0"/>
-              </a:rPr>
-              <a:t> </a:t>
-            </a:r>
-            <a:r>
-              <a:rPr lang="ko-KR" sz="1800">
-                <a:latin typeface="맑은 고딕" charset="0"/>
-                <a:ea typeface="맑은 고딕" charset="0"/>
-              </a:rPr>
-              <a:t>오브젝트로</a:t>
-            </a:r>
-            <a:r>
-              <a:rPr lang="ko-KR" sz="1800">
-                <a:latin typeface="맑은 고딕" charset="0"/>
-                <a:ea typeface="맑은 고딕" charset="0"/>
-              </a:rPr>
-              <a:t> </a:t>
-            </a:r>
-            <a:r>
-              <a:rPr lang="ko-KR" sz="1800">
-                <a:latin typeface="맑은 고딕" charset="0"/>
-                <a:ea typeface="맑은 고딕" charset="0"/>
-              </a:rPr>
-              <a:t>넣어줍니다.</a:t>
+              <a:t>고 Character라는 이름으로 변경한 다음 Main Camera 오브젝트를 Character 오브젝트의 하위 오브젝트로 넣어줍니다.</a:t>
             </a:r>
             <a:endParaRPr lang="ko-KR" altLang="en-US" sz="1800">
               <a:latin typeface="맑은 고딕" charset="0"/>
@@ -7490,8 +7352,8 @@
         </p:nvSpPr>
         <p:spPr>
           <a:xfrm rot="0">
-            <a:off x="6823710" y="3009265"/>
-            <a:ext cx="4283075" cy="647065"/>
+            <a:off x="6816725" y="5494655"/>
+            <a:ext cx="4152900" cy="647065"/>
           </a:xfrm>
           <a:prstGeom prst="rect"/>
           <a:noFill/>
@@ -7541,98 +7403,109 @@
           </a:p>
         </p:txBody>
       </p:sp>
-      <p:sp>
-        <p:nvSpPr>
-          <p:cNvPr id="1183" name="텍스트 상자 26"/>
-          <p:cNvSpPr txBox="1">
-            <a:spLocks/>
-          </p:cNvSpPr>
-          <p:nvPr/>
-        </p:nvSpPr>
-        <p:spPr>
-          <a:xfrm rot="0">
-            <a:off x="6833235" y="5496560"/>
-            <a:ext cx="4265295" cy="647065"/>
-          </a:xfrm>
-          <a:prstGeom prst="rect"/>
-          <a:noFill/>
-          <a:ln w="0">
-            <a:noFill/>
-            <a:prstDash/>
-          </a:ln>
-        </p:spPr>
-        <p:txBody>
-          <a:bodyPr wrap="square" lIns="89535" tIns="46355" rIns="89535" bIns="46355" numCol="1" vert="horz" anchor="t">
-            <a:spAutoFit/>
-          </a:bodyPr>
-          <a:lstStyle/>
-          <a:p>
-            <a:pPr marL="0" indent="0" rtl="0" algn="l" defTabSz="914400" eaLnBrk="1" latinLnBrk="0" hangingPunct="1">
-              <a:buFontTx/>
-              <a:buNone/>
-            </a:pPr>
-            <a:r>
-              <a:rPr sz="1800" b="1">
-                <a:solidFill>
-                  <a:srgbClr val="0611F2"/>
-                </a:solidFill>
-                <a:latin typeface="맑은 고딕" charset="0"/>
-                <a:ea typeface="맑은 고딕" charset="0"/>
-              </a:rPr>
-              <a:t>4.</a:t>
-            </a:r>
-            <a:r>
-              <a:rPr sz="1800">
-                <a:latin typeface="맑은 고딕" charset="0"/>
-                <a:ea typeface="맑은 고딕" charset="0"/>
-              </a:rPr>
-              <a:t> 그</a:t>
-            </a:r>
-            <a:r>
-              <a:rPr lang="ko-KR" sz="1800">
-                <a:latin typeface="맑은 고딕" charset="0"/>
-                <a:ea typeface="맑은 고딕" charset="0"/>
-              </a:rPr>
-              <a:t>다음으로</a:t>
-            </a:r>
-            <a:r>
-              <a:rPr lang="ko-KR" sz="1800">
-                <a:latin typeface="맑은 고딕" charset="0"/>
-                <a:ea typeface="맑은 고딕" charset="0"/>
-              </a:rPr>
-              <a:t> Character 오브젝트에</a:t>
-            </a:r>
-            <a:r>
-              <a:rPr lang="ko-KR" sz="1800">
-                <a:latin typeface="맑은 고딕" charset="0"/>
-                <a:ea typeface="맑은 고딕" charset="0"/>
-              </a:rPr>
-              <a:t> </a:t>
-            </a:r>
-            <a:r>
-              <a:rPr lang="ko-KR" sz="1800">
-                <a:latin typeface="맑은 고딕" charset="0"/>
-                <a:ea typeface="맑은 고딕" charset="0"/>
-              </a:rPr>
-              <a:t>Character Controller를 추가합니다.</a:t>
-            </a:r>
-            <a:endParaRPr lang="ko-KR" altLang="en-US" sz="1800">
-              <a:latin typeface="맑은 고딕" charset="0"/>
-              <a:ea typeface="맑은 고딕" charset="0"/>
-            </a:endParaRPr>
-          </a:p>
-        </p:txBody>
-      </p:sp>
       <p:pic>
         <p:nvPicPr>
-          <p:cNvPr id="1193" name="그림 1"/>
+          <p:cNvPr id="1193" name="그림 1" descr="C:/Users/Admin1/AppData/Roaming/PolarisOffice/ETemp/19172_13682776/fImage450719741.png"/>
           <p:cNvPicPr>
             <a:picLocks noChangeAspect="1"/>
           </p:cNvPicPr>
           <p:nvPr/>
         </p:nvPicPr>
         <p:blipFill rotWithShape="1">
-          <a:blip r:embed="rId52" cstate="print">
+          <a:blip r:embed="rId52" cstate="hqprint">
+            <a:extLst>
+              <a:ext uri="{28A0092B-C50C-407E-A947-70E740481C1C}">
+                <a14:useLocalDpi xmlns:a14="http://schemas.microsoft.com/office/drawing/2010/main"/>
+              </a:ext>
+            </a:extLst>
+          </a:blip>
+          <a:stretch>
+            <a:fillRect/>
+          </a:stretch>
+        </p:blipFill>
+        <p:spPr>
+          <a:xfrm rot="0">
+            <a:off x="9163685" y="1405255"/>
+            <a:ext cx="1793875" cy="1057275"/>
+          </a:xfrm>
+          <a:prstGeom prst="roundRect"/>
+          <a:solidFill>
+            <a:srgbClr val="EDEDED"/>
+          </a:solidFill>
+        </p:spPr>
+      </p:pic>
+      <p:pic>
+        <p:nvPicPr>
+          <p:cNvPr id="1194" name="그림 2" descr="C:/Users/Admin1/AppData/Roaming/PolarisOffice/ETemp/19172_13682776/fImage44751988467.png"/>
+          <p:cNvPicPr>
+            <a:picLocks noChangeAspect="1"/>
+          </p:cNvPicPr>
+          <p:nvPr/>
+        </p:nvPicPr>
+        <p:blipFill rotWithShape="1">
+          <a:blip r:embed="rId53" cstate="hqprint">
+            <a:extLst>
+              <a:ext uri="{28A0092B-C50C-407E-A947-70E740481C1C}">
+                <a14:useLocalDpi xmlns:a14="http://schemas.microsoft.com/office/drawing/2010/main"/>
+              </a:ext>
+            </a:extLst>
+          </a:blip>
+          <a:stretch>
+            <a:fillRect/>
+          </a:stretch>
+        </p:blipFill>
+        <p:spPr>
+          <a:xfrm rot="0">
+            <a:off x="6736080" y="1413510"/>
+            <a:ext cx="1744345" cy="1040130"/>
+          </a:xfrm>
+          <a:prstGeom prst="roundRect"/>
+          <a:solidFill>
+            <a:srgbClr val="EDEDED"/>
+          </a:solidFill>
+        </p:spPr>
+      </p:pic>
+      <p:pic>
+        <p:nvPicPr>
+          <p:cNvPr id="1198" name="그림 48" descr="C:/Users/Admin1/AppData/Roaming/PolarisOffice/ETemp/19172_13682776/fImage145732189169.png"/>
+          <p:cNvPicPr>
+            <a:picLocks noChangeAspect="1"/>
+          </p:cNvPicPr>
+          <p:nvPr/>
+        </p:nvPicPr>
+        <p:blipFill rotWithShape="1">
+          <a:blip r:embed="rId56" cstate="hqprint">
+            <a:extLst>
+              <a:ext uri="{28A0092B-C50C-407E-A947-70E740481C1C}">
+                <a14:useLocalDpi xmlns:a14="http://schemas.microsoft.com/office/drawing/2010/main"/>
+              </a:ext>
+            </a:extLst>
+          </a:blip>
+          <a:stretch>
+            <a:fillRect/>
+          </a:stretch>
+        </p:blipFill>
+        <p:spPr>
+          <a:xfrm rot="0">
+            <a:off x="6808470" y="3882390"/>
+            <a:ext cx="4149090" cy="1524635"/>
+          </a:xfrm>
+          <a:prstGeom prst="roundRect"/>
+          <a:solidFill>
+            <a:srgbClr val="EDEDED"/>
+          </a:solidFill>
+        </p:spPr>
+      </p:pic>
+      <p:pic>
+        <p:nvPicPr>
+          <p:cNvPr id="1199" name="그림 3" descr="C:/Users/Admin1/AppData/Roaming/PolarisOffice/ETemp/19172_13682776/fImage1826219141.png"/>
+          <p:cNvPicPr>
+            <a:picLocks noChangeAspect="1"/>
+          </p:cNvPicPr>
+          <p:nvPr/>
+        </p:nvPicPr>
+        <p:blipFill rotWithShape="1">
+          <a:blip r:embed="rId57" cstate="print">
             <a:extLst>
               <a:ext uri="{28A0092B-C50C-407E-A947-70E740481C1C}">
                 <a14:useLocalDpi xmlns:a14="http://schemas.microsoft.com/office/drawing/2010/main" val="0"/>
@@ -7645,8 +7518,8 @@
         </p:blipFill>
         <p:spPr>
           <a:xfrm rot="0">
-            <a:off x="3585845" y="3823970"/>
-            <a:ext cx="1793240" cy="1056640"/>
+            <a:off x="1230630" y="1396365"/>
+            <a:ext cx="2685415" cy="3924300"/>
           </a:xfrm>
           <a:prstGeom prst="roundRect"/>
           <a:solidFill>
@@ -7656,14 +7529,14 @@
       </p:pic>
       <p:pic>
         <p:nvPicPr>
-          <p:cNvPr id="1194" name="그림 2"/>
+          <p:cNvPr id="1200" name="그림 6" descr="C:/Users/Admin1/AppData/Roaming/PolarisOffice/ETemp/19172_13682776/fImage44511928467.png"/>
           <p:cNvPicPr>
             <a:picLocks noChangeAspect="1"/>
           </p:cNvPicPr>
           <p:nvPr/>
         </p:nvPicPr>
         <p:blipFill rotWithShape="1">
-          <a:blip r:embed="rId53" cstate="print">
+          <a:blip r:embed="rId58" cstate="print">
             <a:extLst>
               <a:ext uri="{28A0092B-C50C-407E-A947-70E740481C1C}">
                 <a14:useLocalDpi xmlns:a14="http://schemas.microsoft.com/office/drawing/2010/main" val="0"/>
@@ -7676,101 +7549,8 @@
         </p:blipFill>
         <p:spPr>
           <a:xfrm rot="0">
-            <a:off x="1075055" y="3832225"/>
-            <a:ext cx="1743710" cy="1039495"/>
-          </a:xfrm>
-          <a:prstGeom prst="roundRect"/>
-          <a:solidFill>
-            <a:srgbClr val="EDEDED"/>
-          </a:solidFill>
-        </p:spPr>
-      </p:pic>
-      <p:pic>
-        <p:nvPicPr>
-          <p:cNvPr id="1196" name="그림 10"/>
-          <p:cNvPicPr>
-            <a:picLocks noChangeAspect="1"/>
-          </p:cNvPicPr>
-          <p:nvPr/>
-        </p:nvPicPr>
-        <p:blipFill rotWithShape="1">
-          <a:blip r:embed="rId54" cstate="print">
-            <a:extLst>
-              <a:ext uri="{28A0092B-C50C-407E-A947-70E740481C1C}">
-                <a14:useLocalDpi xmlns:a14="http://schemas.microsoft.com/office/drawing/2010/main" val="0"/>
-              </a:ext>
-            </a:extLst>
-          </a:blip>
-          <a:stretch>
-            <a:fillRect/>
-          </a:stretch>
-        </p:blipFill>
-        <p:spPr>
-          <a:xfrm rot="0">
-            <a:off x="8288020" y="3898900"/>
-            <a:ext cx="2810510" cy="1488440"/>
-          </a:xfrm>
-          <a:prstGeom prst="roundRect"/>
-          <a:solidFill>
-            <a:srgbClr val="EDEDED"/>
-          </a:solidFill>
-        </p:spPr>
-      </p:pic>
-      <p:pic>
-        <p:nvPicPr>
-          <p:cNvPr id="1197" name="그림 16"/>
-          <p:cNvPicPr>
-            <a:picLocks noChangeAspect="1"/>
-          </p:cNvPicPr>
-          <p:nvPr/>
-        </p:nvPicPr>
-        <p:blipFill rotWithShape="1">
-          <a:blip r:embed="rId55" cstate="print">
-            <a:extLst>
-              <a:ext uri="{28A0092B-C50C-407E-A947-70E740481C1C}">
-                <a14:useLocalDpi xmlns:a14="http://schemas.microsoft.com/office/drawing/2010/main" val="0"/>
-              </a:ext>
-            </a:extLst>
-          </a:blip>
-          <a:stretch>
-            <a:fillRect/>
-          </a:stretch>
-        </p:blipFill>
-        <p:spPr>
-          <a:xfrm rot="0">
-            <a:off x="6824980" y="4239895"/>
-            <a:ext cx="1256030" cy="823595"/>
-          </a:xfrm>
-          <a:prstGeom prst="roundRect"/>
-          <a:solidFill>
-            <a:srgbClr val="EDEDED"/>
-          </a:solidFill>
-        </p:spPr>
-      </p:pic>
-      <p:pic>
-        <p:nvPicPr>
-          <p:cNvPr id="1198" name="그림 48"/>
-          <p:cNvPicPr>
-            <a:picLocks noChangeAspect="1"/>
-          </p:cNvPicPr>
-          <p:nvPr/>
-        </p:nvPicPr>
-        <p:blipFill rotWithShape="1">
-          <a:blip r:embed="rId56" cstate="print">
-            <a:extLst>
-              <a:ext uri="{28A0092B-C50C-407E-A947-70E740481C1C}">
-                <a14:useLocalDpi xmlns:a14="http://schemas.microsoft.com/office/drawing/2010/main" val="0"/>
-              </a:ext>
-            </a:extLst>
-          </a:blip>
-          <a:stretch>
-            <a:fillRect/>
-          </a:stretch>
-        </p:blipFill>
-        <p:spPr>
-          <a:xfrm rot="0">
-            <a:off x="6851015" y="1291590"/>
-            <a:ext cx="4241165" cy="1629410"/>
+            <a:off x="4098290" y="2343785"/>
+            <a:ext cx="1488440" cy="2037715"/>
           </a:xfrm>
           <a:prstGeom prst="roundRect"/>
           <a:solidFill>
@@ -7827,9 +7607,9 @@
           <p:nvPr/>
         </p:nvSpPr>
         <p:spPr>
-          <a:xfrm rot="0">
-            <a:off x="4730750" y="346075"/>
-            <a:ext cx="2924175" cy="478155"/>
+          <a:xfrm>
+            <a:off x="4675505" y="354965"/>
+            <a:ext cx="3075305" cy="478155"/>
           </a:xfrm>
           <a:prstGeom prst="rect"/>
           <a:noFill/>
@@ -7856,7 +7636,17 @@
                 <a:latin typeface="나눔바른고딕" charset="0"/>
                 <a:ea typeface="나눔바른고딕" charset="0"/>
               </a:rPr>
-              <a:t>아홉 번째 튜토리얼</a:t>
+              <a:t>아홉</a:t>
+            </a:r>
+            <a:r>
+              <a:rPr lang="ko-KR" altLang="en-US" sz="2500" b="1">
+                <a:solidFill>
+                  <a:schemeClr val="tx1"/>
+                </a:solidFill>
+                <a:latin typeface="나눔바른고딕" charset="0"/>
+                <a:ea typeface="나눔바른고딕" charset="0"/>
+              </a:rPr>
+              <a:t> 번째 튜토리얼</a:t>
             </a:r>
             <a:endParaRPr lang="ko-KR" altLang="en-US" sz="2500" b="1">
               <a:solidFill>
@@ -7878,8 +7668,8 @@
         </p:nvSpPr>
         <p:spPr>
           <a:xfrm rot="0">
-            <a:off x="1163320" y="3914140"/>
-            <a:ext cx="4218940" cy="2031365"/>
+            <a:off x="1163320" y="4771390"/>
+            <a:ext cx="4205605" cy="1477645"/>
           </a:xfrm>
           <a:prstGeom prst="rect"/>
           <a:noFill/>
@@ -7906,17 +7696,7 @@
                 <a:latin typeface="맑은 고딕" charset="0"/>
                 <a:ea typeface="맑은 고딕" charset="0"/>
               </a:rPr>
-              <a:t>2</a:t>
-            </a:r>
-            <a:r>
-              <a:rPr lang="ko-KR" sz="1800" b="1">
-                <a:solidFill>
-                  <a:srgbClr val="0611F2"/>
-                </a:solidFill>
-                <a:latin typeface="맑은 고딕" charset="0"/>
-                <a:ea typeface="맑은 고딕" charset="0"/>
-              </a:rPr>
-              <a:t>3</a:t>
+              <a:t>21</a:t>
             </a:r>
             <a:r>
               <a:rPr sz="1800" b="1">
@@ -7940,7 +7720,7 @@
                 <a:latin typeface="맑은 고딕" charset="0"/>
                 <a:ea typeface="맑은 고딕" charset="0"/>
               </a:rPr>
-              <a:t>그다음으로 Siren Button과 Explosion Button 그리고 Magic 버튼의 On Click( ) 함수를 생성합니다.</a:t>
+              <a:t>이제 버튼의 앵커를 화면 좌측 상단으로 고정합니다.</a:t>
             </a:r>
             <a:endParaRPr lang="ko-KR" altLang="en-US" sz="1800">
               <a:latin typeface="맑은 고딕" charset="0"/>
@@ -7967,7 +7747,7 @@
                 <a:latin typeface="맑은 고딕" charset="0"/>
                 <a:ea typeface="맑은 고딕" charset="0"/>
               </a:rPr>
-              <a:t>그런 다음 각각의 버튼에 있는 On Click( ) 함수에 Sound Manager 오브젝트를 넣어줍니다.</a:t>
+              <a:t>그런 다음 각각의 버튼의 위치를 설정합니다.</a:t>
             </a:r>
             <a:endParaRPr lang="ko-KR" altLang="en-US" sz="1800">
               <a:latin typeface="맑은 고딕" charset="0"/>
@@ -7986,8 +7766,8 @@
         </p:nvSpPr>
         <p:spPr>
           <a:xfrm rot="0">
-            <a:off x="6845935" y="4469765"/>
-            <a:ext cx="4136390" cy="1477645"/>
+            <a:off x="6845935" y="5050790"/>
+            <a:ext cx="4136390" cy="1200785"/>
           </a:xfrm>
           <a:prstGeom prst="rect"/>
           <a:noFill/>
@@ -8024,7 +7804,7 @@
                 <a:latin typeface="맑은 고딕" charset="0"/>
                 <a:ea typeface="맑은 고딕" charset="0"/>
               </a:rPr>
-              <a:t>4</a:t>
+              <a:t>2</a:t>
             </a:r>
             <a:r>
               <a:rPr sz="1800" b="1">
@@ -8048,45 +7828,18 @@
                 <a:latin typeface="맑은 고딕" charset="0"/>
                 <a:ea typeface="맑은 고딕" charset="0"/>
               </a:rPr>
-              <a:t>이제 SoundManager 스크립트에 있는 SoundCall( ) 함수를 선택합니다.</a:t>
+              <a:t>이제 Project 폴더에서 Texture에 Explosion과 Magic 그리고 Siren 이미지를 각각의 버튼 이미지에 넣어줍니다.</a:t>
             </a:r>
             <a:endParaRPr lang="ko-KR" altLang="en-US" sz="1800">
               <a:latin typeface="맑은 고딕" charset="0"/>
               <a:ea typeface="맑은 고딕" charset="0"/>
             </a:endParaRPr>
           </a:p>
-          <a:p>
-            <a:pPr marL="0" indent="0" rtl="0" algn="l" defTabSz="914400" eaLnBrk="1" latinLnBrk="0" hangingPunct="1">
-              <a:buFontTx/>
-              <a:buNone/>
-            </a:pPr>
-            <a:endParaRPr lang="ko-KR" altLang="en-US" sz="1800">
-              <a:latin typeface="맑은 고딕" charset="0"/>
-              <a:ea typeface="맑은 고딕" charset="0"/>
-            </a:endParaRPr>
-          </a:p>
-          <a:p>
-            <a:pPr marL="0" indent="0" rtl="0" algn="l" defTabSz="914400" eaLnBrk="1" latinLnBrk="0" hangingPunct="1">
-              <a:buFontTx/>
-              <a:buNone/>
-            </a:pPr>
-            <a:r>
-              <a:rPr lang="ko-KR" sz="1800">
-                <a:latin typeface="맑은 고딕" charset="0"/>
-                <a:ea typeface="맑은 고딕" charset="0"/>
-              </a:rPr>
-              <a:t>그다음 각각의 버튼에 원하는 소리의 이름을 정의합니다.</a:t>
-            </a:r>
-            <a:endParaRPr lang="ko-KR" altLang="en-US" sz="1800">
-              <a:latin typeface="맑은 고딕" charset="0"/>
-              <a:ea typeface="맑은 고딕" charset="0"/>
-            </a:endParaRPr>
-          </a:p>
         </p:txBody>
       </p:sp>
       <p:pic>
         <p:nvPicPr>
-          <p:cNvPr id="1232" name="그림 46"/>
+          <p:cNvPr id="1224" name="그림 20"/>
           <p:cNvPicPr>
             <a:picLocks noChangeAspect="1"/>
           </p:cNvPicPr>
@@ -8106,8 +7859,8 @@
         </p:blipFill>
         <p:spPr>
           <a:xfrm rot="0">
-            <a:off x="2552700" y="1266825"/>
-            <a:ext cx="2820035" cy="1134110"/>
+            <a:off x="1172210" y="1266190"/>
+            <a:ext cx="4198620" cy="1061720"/>
           </a:xfrm>
           <a:prstGeom prst="roundRect"/>
           <a:solidFill>
@@ -8117,7 +7870,7 @@
       </p:pic>
       <p:pic>
         <p:nvPicPr>
-          <p:cNvPr id="1233" name="그림 49"/>
+          <p:cNvPr id="1225" name="그림 21"/>
           <p:cNvPicPr>
             <a:picLocks noChangeAspect="1"/>
           </p:cNvPicPr>
@@ -8137,8 +7890,8 @@
         </p:blipFill>
         <p:spPr>
           <a:xfrm rot="0">
-            <a:off x="2552700" y="2619375"/>
-            <a:ext cx="2810510" cy="1096010"/>
+            <a:off x="1160780" y="2453005"/>
+            <a:ext cx="4193540" cy="1056005"/>
           </a:xfrm>
           <a:prstGeom prst="roundRect"/>
           <a:solidFill>
@@ -8148,7 +7901,7 @@
       </p:pic>
       <p:pic>
         <p:nvPicPr>
-          <p:cNvPr id="1234" name="그림 52"/>
+          <p:cNvPr id="1226" name="그림 22"/>
           <p:cNvPicPr>
             <a:picLocks noChangeAspect="1"/>
           </p:cNvPicPr>
@@ -8168,8 +7921,8 @@
         </p:blipFill>
         <p:spPr>
           <a:xfrm rot="0">
-            <a:off x="1152525" y="1276350"/>
-            <a:ext cx="1219835" cy="2439035"/>
+            <a:off x="1172210" y="3616325"/>
+            <a:ext cx="4190365" cy="1047115"/>
           </a:xfrm>
           <a:prstGeom prst="roundRect"/>
           <a:solidFill>
@@ -8177,41 +7930,9 @@
           </a:solidFill>
         </p:spPr>
       </p:pic>
-      <p:cxnSp>
-        <p:nvCxnSpPr>
-          <p:cNvPr id="1235" name="도형 55"/>
-          <p:cNvCxnSpPr/>
-          <p:nvPr/>
-        </p:nvCxnSpPr>
-        <p:spPr>
-          <a:xfrm rot="0">
-            <a:off x="2219325" y="2257425"/>
-            <a:ext cx="1124585" cy="1019810"/>
-          </a:xfrm>
-          <a:prstGeom prst="straightConnector1"/>
-          <a:ln w="6350" cap="flat" cmpd="sng">
-            <a:prstDash/>
-            <a:tailEnd type="triangle" w="med" len="med"/>
-          </a:ln>
-        </p:spPr>
-        <p:style>
-          <a:lnRef idx="1">
-            <a:schemeClr val="accent1"/>
-          </a:lnRef>
-          <a:fillRef idx="0">
-            <a:schemeClr val="accent1"/>
-          </a:fillRef>
-          <a:effectRef idx="0">
-            <a:schemeClr val="accent1"/>
-          </a:effectRef>
-          <a:fontRef idx="minor">
-            <a:schemeClr val="tx1"/>
-          </a:fontRef>
-        </p:style>
-      </p:cxnSp>
       <p:pic>
         <p:nvPicPr>
-          <p:cNvPr id="1236" name="그림 56"/>
+          <p:cNvPr id="1227" name="그림 29"/>
           <p:cNvPicPr>
             <a:picLocks noChangeAspect="1"/>
           </p:cNvPicPr>
@@ -8231,8 +7952,8 @@
         </p:blipFill>
         <p:spPr>
           <a:xfrm rot="0">
-            <a:off x="6862445" y="3352800"/>
-            <a:ext cx="4120515" cy="991235"/>
+            <a:off x="6837680" y="1263650"/>
+            <a:ext cx="4136390" cy="815340"/>
           </a:xfrm>
           <a:prstGeom prst="roundRect"/>
           <a:solidFill>
@@ -8242,7 +7963,7 @@
       </p:pic>
       <p:pic>
         <p:nvPicPr>
-          <p:cNvPr id="1237" name="그림 57"/>
+          <p:cNvPr id="1228" name="그림 32"/>
           <p:cNvPicPr>
             <a:picLocks noChangeAspect="1"/>
           </p:cNvPicPr>
@@ -8262,8 +7983,8 @@
         </p:blipFill>
         <p:spPr>
           <a:xfrm rot="0">
-            <a:off x="6862445" y="2280920"/>
-            <a:ext cx="4120515" cy="981710"/>
+            <a:off x="6830060" y="2231390"/>
+            <a:ext cx="1974215" cy="1369060"/>
           </a:xfrm>
           <a:prstGeom prst="roundRect"/>
           <a:solidFill>
@@ -8273,7 +7994,7 @@
       </p:pic>
       <p:pic>
         <p:nvPicPr>
-          <p:cNvPr id="1238" name="그림 58"/>
+          <p:cNvPr id="1229" name="그림 35"/>
           <p:cNvPicPr>
             <a:picLocks noChangeAspect="1"/>
           </p:cNvPicPr>
@@ -8293,8 +8014,8 @@
         </p:blipFill>
         <p:spPr>
           <a:xfrm rot="0">
-            <a:off x="6852920" y="1242695"/>
-            <a:ext cx="4120515" cy="962660"/>
+            <a:off x="9003030" y="2218690"/>
+            <a:ext cx="1971040" cy="1398270"/>
           </a:xfrm>
           <a:prstGeom prst="roundRect"/>
           <a:solidFill>
@@ -8302,6 +8023,133 @@
           </a:solidFill>
         </p:spPr>
       </p:pic>
+      <p:pic>
+        <p:nvPicPr>
+          <p:cNvPr id="1230" name="그림 39"/>
+          <p:cNvPicPr>
+            <a:picLocks noChangeAspect="1"/>
+          </p:cNvPicPr>
+          <p:nvPr/>
+        </p:nvPicPr>
+        <p:blipFill rotWithShape="1">
+          <a:blip r:embed="rId8" cstate="print">
+            <a:extLst>
+              <a:ext uri="{28A0092B-C50C-407E-A947-70E740481C1C}">
+                <a14:useLocalDpi xmlns:a14="http://schemas.microsoft.com/office/drawing/2010/main" val="0"/>
+              </a:ext>
+            </a:extLst>
+          </a:blip>
+          <a:stretch>
+            <a:fillRect/>
+          </a:stretch>
+        </p:blipFill>
+        <p:spPr>
+          <a:xfrm rot="0">
+            <a:off x="6846570" y="3757930"/>
+            <a:ext cx="4152265" cy="1155700"/>
+          </a:xfrm>
+          <a:prstGeom prst="roundRect"/>
+          <a:solidFill>
+            <a:srgbClr val="EDEDED"/>
+          </a:solidFill>
+        </p:spPr>
+      </p:pic>
+      <p:cxnSp>
+        <p:nvCxnSpPr>
+          <p:cNvPr id="1231" name="도형 42"/>
+          <p:cNvCxnSpPr/>
+          <p:nvPr/>
+        </p:nvCxnSpPr>
+        <p:spPr>
+          <a:xfrm rot="0">
+            <a:off x="8496300" y="1903730"/>
+            <a:ext cx="2431415" cy="1068705"/>
+          </a:xfrm>
+          <a:prstGeom prst="straightConnector1"/>
+          <a:ln w="6350" cap="flat" cmpd="sng">
+            <a:prstDash/>
+            <a:tailEnd type="triangle" w="med" len="med"/>
+          </a:ln>
+        </p:spPr>
+        <p:style>
+          <a:lnRef idx="1">
+            <a:schemeClr val="accent1"/>
+          </a:lnRef>
+          <a:fillRef idx="0">
+            <a:schemeClr val="accent1"/>
+          </a:fillRef>
+          <a:effectRef idx="0">
+            <a:schemeClr val="accent1"/>
+          </a:effectRef>
+          <a:fontRef idx="minor">
+            <a:schemeClr val="tx1"/>
+          </a:fontRef>
+        </p:style>
+      </p:cxnSp>
+      <p:cxnSp>
+        <p:nvCxnSpPr>
+          <p:cNvPr id="1232" name="도형 43"/>
+          <p:cNvCxnSpPr/>
+          <p:nvPr/>
+        </p:nvCxnSpPr>
+        <p:spPr>
+          <a:xfrm rot="0">
+            <a:off x="8601075" y="1900555"/>
+            <a:ext cx="148590" cy="1062990"/>
+          </a:xfrm>
+          <a:prstGeom prst="straightConnector1"/>
+          <a:ln w="6350" cap="flat" cmpd="sng">
+            <a:prstDash/>
+            <a:tailEnd type="triangle" w="med" len="med"/>
+          </a:ln>
+        </p:spPr>
+        <p:style>
+          <a:lnRef idx="1">
+            <a:schemeClr val="accent1"/>
+          </a:lnRef>
+          <a:fillRef idx="0">
+            <a:schemeClr val="accent1"/>
+          </a:fillRef>
+          <a:effectRef idx="0">
+            <a:schemeClr val="accent1"/>
+          </a:effectRef>
+          <a:fontRef idx="minor">
+            <a:schemeClr val="tx1"/>
+          </a:fontRef>
+        </p:style>
+      </p:cxnSp>
+      <p:cxnSp>
+        <p:nvCxnSpPr>
+          <p:cNvPr id="1233" name="도형 44"/>
+          <p:cNvCxnSpPr/>
+          <p:nvPr/>
+        </p:nvCxnSpPr>
+        <p:spPr>
+          <a:xfrm rot="0">
+            <a:off x="10763250" y="1909445"/>
+            <a:ext cx="113665" cy="2472690"/>
+          </a:xfrm>
+          <a:prstGeom prst="straightConnector1"/>
+          <a:ln w="6350" cap="flat" cmpd="sng">
+            <a:prstDash/>
+            <a:tailEnd type="triangle" w="med" len="med"/>
+          </a:ln>
+        </p:spPr>
+        <p:style>
+          <a:lnRef idx="1">
+            <a:schemeClr val="accent1"/>
+          </a:lnRef>
+          <a:fillRef idx="0">
+            <a:schemeClr val="accent1"/>
+          </a:fillRef>
+          <a:effectRef idx="0">
+            <a:schemeClr val="accent1"/>
+          </a:effectRef>
+          <a:fontRef idx="minor">
+            <a:schemeClr val="tx1"/>
+          </a:fontRef>
+        </p:style>
+      </p:cxnSp>
     </p:spTree>
   </p:cSld>
   <p:clrMapOvr>
@@ -8351,9 +8199,9 @@
           <p:nvPr/>
         </p:nvSpPr>
         <p:spPr>
-          <a:xfrm rot="0">
-            <a:off x="4819015" y="346075"/>
-            <a:ext cx="2861945" cy="478155"/>
+          <a:xfrm>
+            <a:off x="4730750" y="346075"/>
+            <a:ext cx="2924810" cy="478155"/>
           </a:xfrm>
           <a:prstGeom prst="rect"/>
           <a:noFill/>
@@ -8380,7 +8228,561 @@
                 <a:latin typeface="나눔바른고딕" charset="0"/>
                 <a:ea typeface="나눔바른고딕" charset="0"/>
               </a:rPr>
-              <a:t>열 번째 튜토리얼</a:t>
+              <a:t>열</a:t>
+            </a:r>
+            <a:r>
+              <a:rPr lang="ko-KR" altLang="en-US" sz="2500" b="1">
+                <a:solidFill>
+                  <a:schemeClr val="tx1"/>
+                </a:solidFill>
+                <a:latin typeface="나눔바른고딕" charset="0"/>
+                <a:ea typeface="나눔바른고딕" charset="0"/>
+              </a:rPr>
+              <a:t> 번째 튜토리얼</a:t>
+            </a:r>
+            <a:endParaRPr lang="ko-KR" altLang="en-US" sz="2500" b="1">
+              <a:solidFill>
+                <a:schemeClr val="tx1"/>
+              </a:solidFill>
+              <a:latin typeface="나눔바른고딕" charset="0"/>
+              <a:ea typeface="나눔바른고딕" charset="0"/>
+            </a:endParaRPr>
+          </a:p>
+        </p:txBody>
+      </p:sp>
+      <p:sp>
+        <p:nvSpPr>
+          <p:cNvPr id="1216" name="Rect 0"/>
+          <p:cNvSpPr txBox="1">
+            <a:spLocks/>
+          </p:cNvSpPr>
+          <p:nvPr/>
+        </p:nvSpPr>
+        <p:spPr>
+          <a:xfrm rot="0">
+            <a:off x="1163320" y="3914140"/>
+            <a:ext cx="4218940" cy="2031365"/>
+          </a:xfrm>
+          <a:prstGeom prst="rect"/>
+          <a:noFill/>
+          <a:ln w="0">
+            <a:noFill/>
+            <a:prstDash/>
+          </a:ln>
+        </p:spPr>
+        <p:txBody>
+          <a:bodyPr wrap="square" lIns="89535" tIns="46355" rIns="89535" bIns="46355" numCol="1" vert="horz" anchor="t">
+            <a:spAutoFit/>
+          </a:bodyPr>
+          <a:lstStyle/>
+          <a:p>
+            <a:pPr marL="0" indent="0" rtl="0" algn="l" defTabSz="914400" eaLnBrk="1" latinLnBrk="0" hangingPunct="1">
+              <a:buFontTx/>
+              <a:buNone/>
+            </a:pPr>
+            <a:r>
+              <a:rPr sz="1800" b="1">
+                <a:solidFill>
+                  <a:srgbClr val="0611F2"/>
+                </a:solidFill>
+                <a:latin typeface="맑은 고딕" charset="0"/>
+                <a:ea typeface="맑은 고딕" charset="0"/>
+              </a:rPr>
+              <a:t>2</a:t>
+            </a:r>
+            <a:r>
+              <a:rPr lang="ko-KR" sz="1800" b="1">
+                <a:solidFill>
+                  <a:srgbClr val="0611F2"/>
+                </a:solidFill>
+                <a:latin typeface="맑은 고딕" charset="0"/>
+                <a:ea typeface="맑은 고딕" charset="0"/>
+              </a:rPr>
+              <a:t>3</a:t>
+            </a:r>
+            <a:r>
+              <a:rPr sz="1800" b="1">
+                <a:solidFill>
+                  <a:srgbClr val="0611F2"/>
+                </a:solidFill>
+                <a:latin typeface="맑은 고딕" charset="0"/>
+                <a:ea typeface="맑은 고딕" charset="0"/>
+              </a:rPr>
+              <a:t>.</a:t>
+            </a:r>
+            <a:r>
+              <a:rPr sz="1800">
+                <a:latin typeface="맑은 고딕" charset="0"/>
+                <a:ea typeface="맑은 고딕" charset="0"/>
+              </a:rPr>
+              <a:t> </a:t>
+            </a:r>
+            <a:r>
+              <a:rPr lang="ko-KR" sz="1800">
+                <a:latin typeface="맑은 고딕" charset="0"/>
+                <a:ea typeface="맑은 고딕" charset="0"/>
+              </a:rPr>
+              <a:t>그다음으로 Siren Button과 Explosion Button 그리고 Magic 버튼의 On Click( ) 함수를 생성합니다.</a:t>
+            </a:r>
+            <a:endParaRPr lang="ko-KR" altLang="en-US" sz="1800">
+              <a:latin typeface="맑은 고딕" charset="0"/>
+              <a:ea typeface="맑은 고딕" charset="0"/>
+            </a:endParaRPr>
+          </a:p>
+          <a:p>
+            <a:pPr marL="0" indent="0" rtl="0" algn="l" defTabSz="914400" eaLnBrk="1" latinLnBrk="0" hangingPunct="1">
+              <a:buFontTx/>
+              <a:buNone/>
+            </a:pPr>
+            <a:endParaRPr lang="ko-KR" altLang="en-US" sz="1800">
+              <a:latin typeface="맑은 고딕" charset="0"/>
+              <a:ea typeface="맑은 고딕" charset="0"/>
+            </a:endParaRPr>
+          </a:p>
+          <a:p>
+            <a:pPr marL="0" indent="0" rtl="0" algn="l" defTabSz="914400" eaLnBrk="1" latinLnBrk="0" hangingPunct="1">
+              <a:buFontTx/>
+              <a:buNone/>
+            </a:pPr>
+            <a:r>
+              <a:rPr lang="ko-KR" sz="1800">
+                <a:latin typeface="맑은 고딕" charset="0"/>
+                <a:ea typeface="맑은 고딕" charset="0"/>
+              </a:rPr>
+              <a:t>그런 다음 각각의 버튼에 있는 On Click( ) 함수에 Sound Manager 오브젝트를 넣어줍니다.</a:t>
+            </a:r>
+            <a:endParaRPr lang="ko-KR" altLang="en-US" sz="1800">
+              <a:latin typeface="맑은 고딕" charset="0"/>
+              <a:ea typeface="맑은 고딕" charset="0"/>
+            </a:endParaRPr>
+          </a:p>
+        </p:txBody>
+      </p:sp>
+      <p:sp>
+        <p:nvSpPr>
+          <p:cNvPr id="1223" name="Rect 0"/>
+          <p:cNvSpPr txBox="1">
+            <a:spLocks/>
+          </p:cNvSpPr>
+          <p:nvPr/>
+        </p:nvSpPr>
+        <p:spPr>
+          <a:xfrm rot="0">
+            <a:off x="6845935" y="4469765"/>
+            <a:ext cx="4136390" cy="1477645"/>
+          </a:xfrm>
+          <a:prstGeom prst="rect"/>
+          <a:noFill/>
+          <a:ln w="0">
+            <a:noFill/>
+            <a:prstDash/>
+          </a:ln>
+        </p:spPr>
+        <p:txBody>
+          <a:bodyPr wrap="square" lIns="89535" tIns="46355" rIns="89535" bIns="46355" numCol="1" vert="horz" anchor="t">
+            <a:spAutoFit/>
+          </a:bodyPr>
+          <a:lstStyle/>
+          <a:p>
+            <a:pPr marL="0" indent="0" rtl="0" algn="l" defTabSz="914400" eaLnBrk="1" latinLnBrk="0" hangingPunct="1">
+              <a:buFontTx/>
+              <a:buNone/>
+            </a:pPr>
+            <a:r>
+              <a:rPr sz="1800" b="1">
+                <a:solidFill>
+                  <a:srgbClr val="0611F2"/>
+                </a:solidFill>
+                <a:latin typeface="맑은 고딕" charset="0"/>
+                <a:ea typeface="맑은 고딕" charset="0"/>
+              </a:rPr>
+              <a:t>2</a:t>
+            </a:r>
+            <a:r>
+              <a:rPr lang="ko-KR" sz="1800" b="1">
+                <a:solidFill>
+                  <a:srgbClr val="0611F2"/>
+                </a:solidFill>
+                <a:latin typeface="맑은 고딕" charset="0"/>
+                <a:ea typeface="맑은 고딕" charset="0"/>
+              </a:rPr>
+              <a:t>4</a:t>
+            </a:r>
+            <a:r>
+              <a:rPr sz="1800" b="1">
+                <a:solidFill>
+                  <a:srgbClr val="0611F2"/>
+                </a:solidFill>
+                <a:latin typeface="맑은 고딕" charset="0"/>
+                <a:ea typeface="맑은 고딕" charset="0"/>
+              </a:rPr>
+              <a:t>.</a:t>
+            </a:r>
+            <a:r>
+              <a:rPr sz="1800">
+                <a:latin typeface="맑은 고딕" charset="0"/>
+                <a:ea typeface="맑은 고딕" charset="0"/>
+              </a:rPr>
+              <a:t> </a:t>
+            </a:r>
+            <a:r>
+              <a:rPr lang="ko-KR" sz="1800">
+                <a:latin typeface="맑은 고딕" charset="0"/>
+                <a:ea typeface="맑은 고딕" charset="0"/>
+              </a:rPr>
+              <a:t>이제 SoundManager 스크립트에 있는 SoundCall( ) 함수를 선택합니다.</a:t>
+            </a:r>
+            <a:endParaRPr lang="ko-KR" altLang="en-US" sz="1800">
+              <a:latin typeface="맑은 고딕" charset="0"/>
+              <a:ea typeface="맑은 고딕" charset="0"/>
+            </a:endParaRPr>
+          </a:p>
+          <a:p>
+            <a:pPr marL="0" indent="0" rtl="0" algn="l" defTabSz="914400" eaLnBrk="1" latinLnBrk="0" hangingPunct="1">
+              <a:buFontTx/>
+              <a:buNone/>
+            </a:pPr>
+            <a:endParaRPr lang="ko-KR" altLang="en-US" sz="1800">
+              <a:latin typeface="맑은 고딕" charset="0"/>
+              <a:ea typeface="맑은 고딕" charset="0"/>
+            </a:endParaRPr>
+          </a:p>
+          <a:p>
+            <a:pPr marL="0" indent="0" rtl="0" algn="l" defTabSz="914400" eaLnBrk="1" latinLnBrk="0" hangingPunct="1">
+              <a:buFontTx/>
+              <a:buNone/>
+            </a:pPr>
+            <a:r>
+              <a:rPr lang="ko-KR" sz="1800">
+                <a:latin typeface="맑은 고딕" charset="0"/>
+                <a:ea typeface="맑은 고딕" charset="0"/>
+              </a:rPr>
+              <a:t>그다음 각각의 버튼에 원하는 소리의 이름을 정의합니다.</a:t>
+            </a:r>
+            <a:endParaRPr lang="ko-KR" altLang="en-US" sz="1800">
+              <a:latin typeface="맑은 고딕" charset="0"/>
+              <a:ea typeface="맑은 고딕" charset="0"/>
+            </a:endParaRPr>
+          </a:p>
+        </p:txBody>
+      </p:sp>
+      <p:pic>
+        <p:nvPicPr>
+          <p:cNvPr id="1232" name="그림 46"/>
+          <p:cNvPicPr>
+            <a:picLocks noChangeAspect="1"/>
+          </p:cNvPicPr>
+          <p:nvPr/>
+        </p:nvPicPr>
+        <p:blipFill rotWithShape="1">
+          <a:blip r:embed="rId2" cstate="print">
+            <a:extLst>
+              <a:ext uri="{28A0092B-C50C-407E-A947-70E740481C1C}">
+                <a14:useLocalDpi xmlns:a14="http://schemas.microsoft.com/office/drawing/2010/main" val="0"/>
+              </a:ext>
+            </a:extLst>
+          </a:blip>
+          <a:stretch>
+            <a:fillRect/>
+          </a:stretch>
+        </p:blipFill>
+        <p:spPr>
+          <a:xfrm rot="0">
+            <a:off x="2552700" y="1266825"/>
+            <a:ext cx="2820035" cy="1134110"/>
+          </a:xfrm>
+          <a:prstGeom prst="roundRect"/>
+          <a:solidFill>
+            <a:srgbClr val="EDEDED"/>
+          </a:solidFill>
+        </p:spPr>
+      </p:pic>
+      <p:pic>
+        <p:nvPicPr>
+          <p:cNvPr id="1233" name="그림 49"/>
+          <p:cNvPicPr>
+            <a:picLocks noChangeAspect="1"/>
+          </p:cNvPicPr>
+          <p:nvPr/>
+        </p:nvPicPr>
+        <p:blipFill rotWithShape="1">
+          <a:blip r:embed="rId3" cstate="print">
+            <a:extLst>
+              <a:ext uri="{28A0092B-C50C-407E-A947-70E740481C1C}">
+                <a14:useLocalDpi xmlns:a14="http://schemas.microsoft.com/office/drawing/2010/main" val="0"/>
+              </a:ext>
+            </a:extLst>
+          </a:blip>
+          <a:stretch>
+            <a:fillRect/>
+          </a:stretch>
+        </p:blipFill>
+        <p:spPr>
+          <a:xfrm rot="0">
+            <a:off x="2552700" y="2619375"/>
+            <a:ext cx="2810510" cy="1096010"/>
+          </a:xfrm>
+          <a:prstGeom prst="roundRect"/>
+          <a:solidFill>
+            <a:srgbClr val="EDEDED"/>
+          </a:solidFill>
+        </p:spPr>
+      </p:pic>
+      <p:pic>
+        <p:nvPicPr>
+          <p:cNvPr id="1234" name="그림 52"/>
+          <p:cNvPicPr>
+            <a:picLocks noChangeAspect="1"/>
+          </p:cNvPicPr>
+          <p:nvPr/>
+        </p:nvPicPr>
+        <p:blipFill rotWithShape="1">
+          <a:blip r:embed="rId4" cstate="print">
+            <a:extLst>
+              <a:ext uri="{28A0092B-C50C-407E-A947-70E740481C1C}">
+                <a14:useLocalDpi xmlns:a14="http://schemas.microsoft.com/office/drawing/2010/main" val="0"/>
+              </a:ext>
+            </a:extLst>
+          </a:blip>
+          <a:stretch>
+            <a:fillRect/>
+          </a:stretch>
+        </p:blipFill>
+        <p:spPr>
+          <a:xfrm rot="0">
+            <a:off x="1152525" y="1276350"/>
+            <a:ext cx="1219835" cy="2439035"/>
+          </a:xfrm>
+          <a:prstGeom prst="roundRect"/>
+          <a:solidFill>
+            <a:srgbClr val="EDEDED"/>
+          </a:solidFill>
+        </p:spPr>
+      </p:pic>
+      <p:cxnSp>
+        <p:nvCxnSpPr>
+          <p:cNvPr id="1235" name="도형 55"/>
+          <p:cNvCxnSpPr/>
+          <p:nvPr/>
+        </p:nvCxnSpPr>
+        <p:spPr>
+          <a:xfrm rot="0">
+            <a:off x="2219325" y="2257425"/>
+            <a:ext cx="1124585" cy="1019810"/>
+          </a:xfrm>
+          <a:prstGeom prst="straightConnector1"/>
+          <a:ln w="6350" cap="flat" cmpd="sng">
+            <a:prstDash/>
+            <a:tailEnd type="triangle" w="med" len="med"/>
+          </a:ln>
+        </p:spPr>
+        <p:style>
+          <a:lnRef idx="1">
+            <a:schemeClr val="accent1"/>
+          </a:lnRef>
+          <a:fillRef idx="0">
+            <a:schemeClr val="accent1"/>
+          </a:fillRef>
+          <a:effectRef idx="0">
+            <a:schemeClr val="accent1"/>
+          </a:effectRef>
+          <a:fontRef idx="minor">
+            <a:schemeClr val="tx1"/>
+          </a:fontRef>
+        </p:style>
+      </p:cxnSp>
+      <p:pic>
+        <p:nvPicPr>
+          <p:cNvPr id="1236" name="그림 56"/>
+          <p:cNvPicPr>
+            <a:picLocks noChangeAspect="1"/>
+          </p:cNvPicPr>
+          <p:nvPr/>
+        </p:nvPicPr>
+        <p:blipFill rotWithShape="1">
+          <a:blip r:embed="rId5" cstate="print">
+            <a:extLst>
+              <a:ext uri="{28A0092B-C50C-407E-A947-70E740481C1C}">
+                <a14:useLocalDpi xmlns:a14="http://schemas.microsoft.com/office/drawing/2010/main" val="0"/>
+              </a:ext>
+            </a:extLst>
+          </a:blip>
+          <a:stretch>
+            <a:fillRect/>
+          </a:stretch>
+        </p:blipFill>
+        <p:spPr>
+          <a:xfrm rot="0">
+            <a:off x="6862445" y="3352800"/>
+            <a:ext cx="4120515" cy="991235"/>
+          </a:xfrm>
+          <a:prstGeom prst="roundRect"/>
+          <a:solidFill>
+            <a:srgbClr val="EDEDED"/>
+          </a:solidFill>
+        </p:spPr>
+      </p:pic>
+      <p:pic>
+        <p:nvPicPr>
+          <p:cNvPr id="1237" name="그림 57"/>
+          <p:cNvPicPr>
+            <a:picLocks noChangeAspect="1"/>
+          </p:cNvPicPr>
+          <p:nvPr/>
+        </p:nvPicPr>
+        <p:blipFill rotWithShape="1">
+          <a:blip r:embed="rId6" cstate="print">
+            <a:extLst>
+              <a:ext uri="{28A0092B-C50C-407E-A947-70E740481C1C}">
+                <a14:useLocalDpi xmlns:a14="http://schemas.microsoft.com/office/drawing/2010/main" val="0"/>
+              </a:ext>
+            </a:extLst>
+          </a:blip>
+          <a:stretch>
+            <a:fillRect/>
+          </a:stretch>
+        </p:blipFill>
+        <p:spPr>
+          <a:xfrm rot="0">
+            <a:off x="6862445" y="2280920"/>
+            <a:ext cx="4120515" cy="981710"/>
+          </a:xfrm>
+          <a:prstGeom prst="roundRect"/>
+          <a:solidFill>
+            <a:srgbClr val="EDEDED"/>
+          </a:solidFill>
+        </p:spPr>
+      </p:pic>
+      <p:pic>
+        <p:nvPicPr>
+          <p:cNvPr id="1238" name="그림 58"/>
+          <p:cNvPicPr>
+            <a:picLocks noChangeAspect="1"/>
+          </p:cNvPicPr>
+          <p:nvPr/>
+        </p:nvPicPr>
+        <p:blipFill rotWithShape="1">
+          <a:blip r:embed="rId7" cstate="print">
+            <a:extLst>
+              <a:ext uri="{28A0092B-C50C-407E-A947-70E740481C1C}">
+                <a14:useLocalDpi xmlns:a14="http://schemas.microsoft.com/office/drawing/2010/main" val="0"/>
+              </a:ext>
+            </a:extLst>
+          </a:blip>
+          <a:stretch>
+            <a:fillRect/>
+          </a:stretch>
+        </p:blipFill>
+        <p:spPr>
+          <a:xfrm rot="0">
+            <a:off x="6852920" y="1242695"/>
+            <a:ext cx="4120515" cy="962660"/>
+          </a:xfrm>
+          <a:prstGeom prst="roundRect"/>
+          <a:solidFill>
+            <a:srgbClr val="EDEDED"/>
+          </a:solidFill>
+        </p:spPr>
+      </p:pic>
+    </p:spTree>
+  </p:cSld>
+  <p:clrMapOvr>
+    <a:masterClrMapping/>
+  </p:clrMapOvr>
+  <mc:AlternateContent xmlns:mc="http://schemas.openxmlformats.org/markup-compatibility/2006">
+    <mc:Choice xmlns:p14="http://schemas.microsoft.com/office/powerpoint/2010/main" Requires="p14">
+      <p:transition spd="slow" p14:dur="2000"/>
+    </mc:Choice>
+    <mc:Fallback>
+      <p:transition spd="slow"/>
+    </mc:Fallback>
+  </mc:AlternateContent>
+  <p:timing>
+    <p:tnLst>
+      <p:par>
+        <p:cTn id="1" dur="indefinite" restart="never" nodeType="tmRoot"/>
+      </p:par>
+    </p:tnLst>
+  </p:timing>
+</p:sld>
+</file>
+
+<file path=ppt/slides/slide12.xml><?xml version="1.0" encoding="utf-8"?>
+<p:sld xmlns:a="http://schemas.openxmlformats.org/drawingml/2006/main" xmlns:r="http://schemas.openxmlformats.org/officeDocument/2006/relationships" xmlns:p="http://schemas.openxmlformats.org/presentationml/2006/main" xmlns:p14="http://schemas.microsoft.com/office/powerpoint/2010/main">
+  <p:cSld>
+    <p:spTree>
+      <p:nvGrpSpPr>
+        <p:cNvPr id="1" name=""/>
+        <p:cNvGrpSpPr/>
+        <p:nvPr/>
+      </p:nvGrpSpPr>
+      <p:grpSpPr>
+        <a:xfrm>
+          <a:off x="0" y="0"/>
+          <a:ext cx="0" cy="0"/>
+          <a:chOff x="0" y="0"/>
+          <a:chExt cx="0" cy="0"/>
+        </a:xfrm>
+      </p:grpSpPr>
+      <p:sp>
+        <p:nvSpPr>
+          <p:cNvPr id="1031" name="Rect 0"/>
+          <p:cNvSpPr txBox="1">
+            <a:spLocks/>
+          </p:cNvSpPr>
+          <p:nvPr/>
+        </p:nvSpPr>
+        <p:spPr>
+          <a:xfrm>
+            <a:off x="4819015" y="346075"/>
+            <a:ext cx="2862580" cy="478155"/>
+          </a:xfrm>
+          <a:prstGeom prst="rect"/>
+          <a:noFill/>
+          <a:ln w="0">
+            <a:noFill/>
+            <a:prstDash/>
+          </a:ln>
+        </p:spPr>
+        <p:txBody>
+          <a:bodyPr wrap="square" lIns="89535" tIns="46355" rIns="89535" bIns="46355" numCol="1" vert="horz" anchor="t">
+            <a:spAutoFit/>
+          </a:bodyPr>
+          <a:lstStyle/>
+          <a:p>
+            <a:pPr marL="0" indent="0" algn="l" latinLnBrk="0">
+              <a:buFontTx/>
+              <a:buNone/>
+            </a:pPr>
+            <a:r>
+              <a:rPr lang="ko-KR" altLang="en-US" sz="2500" b="1">
+                <a:solidFill>
+                  <a:schemeClr val="tx1"/>
+                </a:solidFill>
+                <a:latin typeface="나눔바른고딕" charset="0"/>
+                <a:ea typeface="나눔바른고딕" charset="0"/>
+              </a:rPr>
+              <a:t>열</a:t>
+            </a:r>
+            <a:r>
+              <a:rPr lang="ko-KR" altLang="en-US" sz="2500" b="1">
+                <a:solidFill>
+                  <a:schemeClr val="tx1"/>
+                </a:solidFill>
+                <a:latin typeface="나눔바른고딕" charset="0"/>
+                <a:ea typeface="나눔바른고딕" charset="0"/>
+              </a:rPr>
+              <a:t>한</a:t>
+            </a:r>
+            <a:r>
+              <a:rPr lang="ko-KR" altLang="en-US" sz="2500" b="1">
+                <a:solidFill>
+                  <a:schemeClr val="tx1"/>
+                </a:solidFill>
+                <a:latin typeface="나눔바른고딕" charset="0"/>
+                <a:ea typeface="나눔바른고딕" charset="0"/>
+              </a:rPr>
+              <a:t> 번째 튜토리얼</a:t>
             </a:r>
             <a:endParaRPr lang="ko-KR" altLang="en-US" sz="2500" b="1">
               <a:solidFill>
@@ -8893,8 +9295,8 @@
         </p:nvSpPr>
         <p:spPr>
           <a:xfrm rot="0">
-            <a:off x="4865370" y="346075"/>
-            <a:ext cx="2460625" cy="478155"/>
+            <a:off x="4805045" y="387350"/>
+            <a:ext cx="2585720" cy="478155"/>
           </a:xfrm>
           <a:prstGeom prst="rect"/>
           <a:noFill/>
@@ -8909,7 +9311,7 @@
           </a:bodyPr>
           <a:lstStyle/>
           <a:p>
-            <a:pPr marL="0" indent="0" algn="l" latinLnBrk="0">
+            <a:pPr marL="0" indent="0" algn="ctr" latinLnBrk="0">
               <a:buFontTx/>
               <a:buNone/>
             </a:pPr>
@@ -8943,8 +9345,8 @@
         </p:nvSpPr>
         <p:spPr>
           <a:xfrm rot="0">
-            <a:off x="1336040" y="3265170"/>
-            <a:ext cx="4010660" cy="923925"/>
+            <a:off x="1222375" y="5501640"/>
+            <a:ext cx="4133215" cy="647065"/>
           </a:xfrm>
           <a:prstGeom prst="rect"/>
           <a:noFill/>
@@ -8971,7 +9373,17 @@
                 <a:latin typeface="맑은 고딕" charset="0"/>
                 <a:ea typeface="맑은 고딕" charset="0"/>
               </a:rPr>
-              <a:t>5.</a:t>
+              <a:t>4</a:t>
+            </a:r>
+            <a:r>
+              <a:rPr sz="1800" b="1">
+                <a:solidFill>
+                  <a:srgbClr val="0611F2"/>
+                </a:solidFill>
+                <a:latin typeface="맑은 고딕" charset="0"/>
+                <a:ea typeface="맑은 고딕" charset="0"/>
+              </a:rPr>
+              <a:t>.</a:t>
             </a:r>
             <a:r>
               <a:rPr sz="1800">
@@ -8985,35 +9397,7 @@
                 <a:latin typeface="맑은 고딕" charset="0"/>
                 <a:ea typeface="맑은 고딕" charset="0"/>
               </a:rPr>
-              <a:t>고 3D Object에 </a:t>
-            </a:r>
-            <a:r>
-              <a:rPr lang="ko-KR" sz="1800">
-                <a:latin typeface="맑은 고딕" charset="0"/>
-                <a:ea typeface="맑은 고딕" charset="0"/>
-              </a:rPr>
-              <a:t>Cube</a:t>
-            </a:r>
-            <a:r>
-              <a:rPr lang="ko-KR" sz="1800">
-                <a:latin typeface="맑은 고딕" charset="0"/>
-                <a:ea typeface="맑은 고딕" charset="0"/>
-              </a:rPr>
-              <a:t> 선택하고 이름을 </a:t>
-            </a:r>
-            <a:r>
-              <a:rPr lang="ko-KR" sz="1800">
-                <a:latin typeface="맑은 고딕" charset="0"/>
-                <a:ea typeface="맑은 고딕" charset="0"/>
-              </a:rPr>
-              <a:t>Sound Box</a:t>
-            </a:r>
-            <a:r>
-              <a:rPr lang="ko-KR" sz="1800">
-                <a:latin typeface="맑은 고딕" charset="0"/>
-                <a:ea typeface="맑은 고딕" charset="0"/>
-              </a:rPr>
-              <a:t>로 정의합니다. </a:t>
+              <a:t>고 3D Object에 Cube 선택하고 이름을 Sound Box로 정의합니다. </a:t>
             </a:r>
             <a:endParaRPr lang="ko-KR" altLang="en-US" sz="1800">
               <a:latin typeface="맑은 고딕" charset="0"/>
@@ -9024,7 +9408,7 @@
       </p:sp>
       <p:sp>
         <p:nvSpPr>
-          <p:cNvPr id="1197" name="텍스트 상자 27"/>
+          <p:cNvPr id="1202" name="텍스트 상자 33"/>
           <p:cNvSpPr txBox="1">
             <a:spLocks/>
           </p:cNvSpPr>
@@ -9032,8 +9416,8 @@
         </p:nvSpPr>
         <p:spPr>
           <a:xfrm rot="0">
-            <a:off x="1339850" y="5225415"/>
-            <a:ext cx="4010660" cy="923925"/>
+            <a:off x="6823710" y="5228590"/>
+            <a:ext cx="4194810" cy="924560"/>
           </a:xfrm>
           <a:prstGeom prst="rect"/>
           <a:noFill/>
@@ -9060,7 +9444,7 @@
                 <a:latin typeface="맑은 고딕" charset="0"/>
                 <a:ea typeface="맑은 고딕" charset="0"/>
               </a:rPr>
-              <a:t>6.</a:t>
+              <a:t>8.</a:t>
             </a:r>
             <a:r>
               <a:rPr sz="1800">
@@ -9074,28 +9458,7 @@
                 <a:latin typeface="맑은 고딕" charset="0"/>
                 <a:ea typeface="맑은 고딕" charset="0"/>
               </a:rPr>
-              <a:t>이제 Project 폴더에서 Texture에 </a:t>
-            </a:r>
-            <a:r>
-              <a:rPr lang="ko-KR" sz="1800">
-                <a:latin typeface="맑은 고딕" charset="0"/>
-                <a:ea typeface="맑은 고딕" charset="0"/>
-              </a:rPr>
-              <a:t>Diffuse </a:t>
-            </a:r>
-            <a:r>
-              <a:rPr lang="ko-KR" sz="1800">
-                <a:latin typeface="맑은 고딕" charset="0"/>
-                <a:ea typeface="맑은 고딕" charset="0"/>
-              </a:rPr>
-              <a:t>텍스처를 선택하</a:t>
-            </a:r>
-            <a:r>
-              <a:rPr lang="ko-KR" sz="1800">
-                <a:latin typeface="맑은 고딕" charset="0"/>
-                <a:ea typeface="맑은 고딕" charset="0"/>
-              </a:rPr>
-              <a:t>고 Sound Box에 넣어줍니다.</a:t>
+              <a:t>그런 다음 Project 폴더에서 Sound에 Powerful 사운드를 선택하고 Sound Box에 넣어줍니다.</a:t>
             </a:r>
             <a:endParaRPr lang="ko-KR" altLang="en-US" sz="1800">
               <a:latin typeface="맑은 고딕" charset="0"/>
@@ -9104,235 +9467,9 @@
           </a:p>
         </p:txBody>
       </p:sp>
-      <p:sp>
-        <p:nvSpPr>
-          <p:cNvPr id="1199" name="텍스트 상자 30"/>
-          <p:cNvSpPr txBox="1">
-            <a:spLocks/>
-          </p:cNvSpPr>
-          <p:nvPr/>
-        </p:nvSpPr>
-        <p:spPr>
-          <a:xfrm rot="0">
-            <a:off x="6823075" y="2863850"/>
-            <a:ext cx="4199890" cy="647065"/>
-          </a:xfrm>
-          <a:prstGeom prst="rect"/>
-          <a:noFill/>
-          <a:ln w="0">
-            <a:noFill/>
-            <a:prstDash/>
-          </a:ln>
-        </p:spPr>
-        <p:txBody>
-          <a:bodyPr wrap="square" lIns="89535" tIns="46355" rIns="89535" bIns="46355" numCol="1" vert="horz" anchor="t">
-            <a:spAutoFit/>
-          </a:bodyPr>
-          <a:lstStyle/>
-          <a:p>
-            <a:pPr marL="0" indent="0" rtl="0" algn="l" defTabSz="914400" eaLnBrk="1" latinLnBrk="0" hangingPunct="1">
-              <a:buFontTx/>
-              <a:buNone/>
-            </a:pPr>
-            <a:r>
-              <a:rPr lang="ko-KR" sz="1800" b="1">
-                <a:solidFill>
-                  <a:srgbClr val="0611F2"/>
-                </a:solidFill>
-                <a:latin typeface="맑은 고딕" charset="0"/>
-                <a:ea typeface="맑은 고딕" charset="0"/>
-              </a:rPr>
-              <a:t>7</a:t>
-            </a:r>
-            <a:r>
-              <a:rPr sz="1800" b="1">
-                <a:solidFill>
-                  <a:srgbClr val="0611F2"/>
-                </a:solidFill>
-                <a:latin typeface="맑은 고딕" charset="0"/>
-                <a:ea typeface="맑은 고딕" charset="0"/>
-              </a:rPr>
-              <a:t>.</a:t>
-            </a:r>
-            <a:r>
-              <a:rPr sz="1800">
-                <a:latin typeface="맑은 고딕" charset="0"/>
-                <a:ea typeface="맑은 고딕" charset="0"/>
-              </a:rPr>
-              <a:t> </a:t>
-            </a:r>
-            <a:r>
-              <a:rPr lang="ko-KR" sz="1800">
-                <a:latin typeface="맑은 고딕" charset="0"/>
-                <a:ea typeface="맑은 고딕" charset="0"/>
-              </a:rPr>
-              <a:t>그다음으로 </a:t>
-            </a:r>
-            <a:r>
-              <a:rPr lang="ko-KR" sz="1800">
-                <a:latin typeface="맑은 고딕" charset="0"/>
-                <a:ea typeface="맑은 고딕" charset="0"/>
-              </a:rPr>
-              <a:t>Sound Box 오브젝트</a:t>
-            </a:r>
-            <a:r>
-              <a:rPr lang="ko-KR" sz="1800">
-                <a:latin typeface="맑은 고딕" charset="0"/>
-                <a:ea typeface="맑은 고딕" charset="0"/>
-              </a:rPr>
-              <a:t>에</a:t>
-            </a:r>
-            <a:r>
-              <a:rPr lang="ko-KR" sz="1800">
-                <a:latin typeface="맑은 고딕" charset="0"/>
-                <a:ea typeface="맑은 고딕" charset="0"/>
-              </a:rPr>
-              <a:t> Audio Source 컴포넌트를 추가합니다.</a:t>
-            </a:r>
-            <a:endParaRPr lang="ko-KR" altLang="en-US" sz="1800">
-              <a:latin typeface="맑은 고딕" charset="0"/>
-              <a:ea typeface="맑은 고딕" charset="0"/>
-            </a:endParaRPr>
-          </a:p>
-        </p:txBody>
-      </p:sp>
-      <p:sp>
-        <p:nvSpPr>
-          <p:cNvPr id="1202" name="텍스트 상자 33"/>
-          <p:cNvSpPr txBox="1">
-            <a:spLocks/>
-          </p:cNvSpPr>
-          <p:nvPr/>
-        </p:nvSpPr>
-        <p:spPr>
-          <a:xfrm rot="0">
-            <a:off x="6823710" y="5228590"/>
-            <a:ext cx="4194175" cy="923925"/>
-          </a:xfrm>
-          <a:prstGeom prst="rect"/>
-          <a:noFill/>
-          <a:ln w="0">
-            <a:noFill/>
-            <a:prstDash/>
-          </a:ln>
-        </p:spPr>
-        <p:txBody>
-          <a:bodyPr wrap="square" lIns="89535" tIns="46355" rIns="89535" bIns="46355" numCol="1" vert="horz" anchor="t">
-            <a:spAutoFit/>
-          </a:bodyPr>
-          <a:lstStyle/>
-          <a:p>
-            <a:pPr marL="0" indent="0" rtl="0" algn="l" defTabSz="914400" eaLnBrk="1" latinLnBrk="0" hangingPunct="1">
-              <a:buFontTx/>
-              <a:buNone/>
-            </a:pPr>
-            <a:r>
-              <a:rPr sz="1800" b="1">
-                <a:solidFill>
-                  <a:srgbClr val="0611F2"/>
-                </a:solidFill>
-                <a:latin typeface="맑은 고딕" charset="0"/>
-                <a:ea typeface="맑은 고딕" charset="0"/>
-              </a:rPr>
-              <a:t>8.</a:t>
-            </a:r>
-            <a:r>
-              <a:rPr sz="1800">
-                <a:latin typeface="맑은 고딕" charset="0"/>
-                <a:ea typeface="맑은 고딕" charset="0"/>
-              </a:rPr>
-              <a:t> </a:t>
-            </a:r>
-            <a:r>
-              <a:rPr lang="ko-KR" sz="1800">
-                <a:latin typeface="맑은 고딕" charset="0"/>
-                <a:ea typeface="맑은 고딕" charset="0"/>
-              </a:rPr>
-              <a:t>그런 다음</a:t>
-            </a:r>
-            <a:r>
-              <a:rPr lang="ko-KR" sz="1800">
-                <a:latin typeface="맑은 고딕" charset="0"/>
-                <a:ea typeface="맑은 고딕" charset="0"/>
-              </a:rPr>
-              <a:t> Project 폴더에서 </a:t>
-            </a:r>
-            <a:r>
-              <a:rPr lang="ko-KR" sz="1800">
-                <a:latin typeface="맑은 고딕" charset="0"/>
-                <a:ea typeface="맑은 고딕" charset="0"/>
-              </a:rPr>
-              <a:t>Sound</a:t>
-            </a:r>
-            <a:r>
-              <a:rPr lang="ko-KR" sz="1800">
-                <a:latin typeface="맑은 고딕" charset="0"/>
-                <a:ea typeface="맑은 고딕" charset="0"/>
-              </a:rPr>
-              <a:t>에 </a:t>
-            </a:r>
-            <a:r>
-              <a:rPr lang="ko-KR" sz="1800">
-                <a:latin typeface="맑은 고딕" charset="0"/>
-                <a:ea typeface="맑은 고딕" charset="0"/>
-              </a:rPr>
-              <a:t>Powerful 사운드</a:t>
-            </a:r>
-            <a:r>
-              <a:rPr lang="ko-KR" sz="1800">
-                <a:latin typeface="맑은 고딕" charset="0"/>
-                <a:ea typeface="맑은 고딕" charset="0"/>
-              </a:rPr>
-              <a:t>를 선택하</a:t>
-            </a:r>
-            <a:r>
-              <a:rPr lang="ko-KR" sz="1800">
-                <a:latin typeface="맑은 고딕" charset="0"/>
-                <a:ea typeface="맑은 고딕" charset="0"/>
-              </a:rPr>
-              <a:t>고 Sound Box에 넣어줍니다.</a:t>
-            </a:r>
-            <a:endParaRPr lang="ko-KR" altLang="en-US" sz="1800">
-              <a:latin typeface="맑은 고딕" charset="0"/>
-              <a:ea typeface="맑은 고딕" charset="0"/>
-            </a:endParaRPr>
-          </a:p>
-        </p:txBody>
-      </p:sp>
       <p:pic>
         <p:nvPicPr>
-          <p:cNvPr id="1204" name="그림 19"/>
-          <p:cNvPicPr>
-            <a:picLocks noChangeAspect="1"/>
-          </p:cNvPicPr>
-          <p:nvPr/>
-        </p:nvPicPr>
-        <p:blipFill rotWithShape="1">
-          <a:blip r:embed="rId13" cstate="print">
-            <a:extLst>
-              <a:ext uri="{28A0092B-C50C-407E-A947-70E740481C1C}">
-                <a14:useLocalDpi xmlns:a14="http://schemas.microsoft.com/office/drawing/2010/main" val="0"/>
-              </a:ext>
-            </a:extLst>
-          </a:blip>
-          <a:stretch>
-            <a:fillRect/>
-          </a:stretch>
-        </p:blipFill>
-        <p:spPr>
-          <a:xfrm rot="0">
-            <a:off x="4137025" y="1703705"/>
-            <a:ext cx="1219835" cy="965200"/>
-          </a:xfrm>
-          <a:prstGeom prst="roundRect"/>
-          <a:solidFill>
-            <a:srgbClr val="EDEDED"/>
-          </a:solidFill>
-        </p:spPr>
-      </p:pic>
-      <p:pic>
-        <p:nvPicPr>
-          <p:cNvPr id="1205" name="그림 20"/>
+          <p:cNvPr id="1205" name="그림 20" descr="C:/Users/Admin1/AppData/Roaming/PolarisOffice/ETemp/19172_13682776/fImage161052209961.png"/>
           <p:cNvPicPr>
             <a:picLocks noChangeAspect="1"/>
           </p:cNvPicPr>
@@ -9352,8 +9489,8 @@
         </p:blipFill>
         <p:spPr>
           <a:xfrm rot="0">
-            <a:off x="1346835" y="1234440"/>
-            <a:ext cx="2444750" cy="1925320"/>
+            <a:off x="1230630" y="1346835"/>
+            <a:ext cx="2602230" cy="3899535"/>
           </a:xfrm>
           <a:prstGeom prst="roundRect"/>
           <a:solidFill>
@@ -9363,14 +9500,14 @@
       </p:pic>
       <p:pic>
         <p:nvPicPr>
-          <p:cNvPr id="1207" name="그림 26"/>
+          <p:cNvPr id="1214" name="그림 12" descr="C:/Users/Admin1/AppData/Roaming/PolarisOffice/ETemp/19172_13682776/fImage51932846334.png"/>
           <p:cNvPicPr>
             <a:picLocks noChangeAspect="1"/>
           </p:cNvPicPr>
           <p:nvPr/>
         </p:nvPicPr>
         <p:blipFill rotWithShape="1">
-          <a:blip r:embed="rId15" cstate="print">
+          <a:blip r:embed="rId22" cstate="print">
             <a:extLst>
               <a:ext uri="{28A0092B-C50C-407E-A947-70E740481C1C}">
                 <a14:useLocalDpi xmlns:a14="http://schemas.microsoft.com/office/drawing/2010/main" val="0"/>
@@ -9383,8 +9520,8 @@
         </p:blipFill>
         <p:spPr>
           <a:xfrm rot="0">
-            <a:off x="1334135" y="4321175"/>
-            <a:ext cx="1219835" cy="786765"/>
+            <a:off x="3949065" y="2252980"/>
+            <a:ext cx="1405255" cy="2087245"/>
           </a:xfrm>
           <a:prstGeom prst="roundRect"/>
           <a:solidFill>
@@ -9392,193 +9529,6 @@
           </a:solidFill>
         </p:spPr>
       </p:pic>
-      <p:pic>
-        <p:nvPicPr>
-          <p:cNvPr id="1210" name="그림 34"/>
-          <p:cNvPicPr>
-            <a:picLocks noChangeAspect="1"/>
-          </p:cNvPicPr>
-          <p:nvPr/>
-        </p:nvPicPr>
-        <p:blipFill rotWithShape="1">
-          <a:blip r:embed="rId16" cstate="print">
-            <a:extLst>
-              <a:ext uri="{28A0092B-C50C-407E-A947-70E740481C1C}">
-                <a14:useLocalDpi xmlns:a14="http://schemas.microsoft.com/office/drawing/2010/main" val="0"/>
-              </a:ext>
-            </a:extLst>
-          </a:blip>
-          <a:stretch>
-            <a:fillRect/>
-          </a:stretch>
-        </p:blipFill>
-        <p:spPr>
-          <a:xfrm rot="0">
-            <a:off x="8334375" y="1232535"/>
-            <a:ext cx="2673985" cy="1487805"/>
-          </a:xfrm>
-          <a:prstGeom prst="roundRect"/>
-          <a:solidFill>
-            <a:srgbClr val="EDEDED"/>
-          </a:solidFill>
-        </p:spPr>
-      </p:pic>
-      <p:pic>
-        <p:nvPicPr>
-          <p:cNvPr id="1211" name="그림 37"/>
-          <p:cNvPicPr>
-            <a:picLocks noChangeAspect="1"/>
-          </p:cNvPicPr>
-          <p:nvPr/>
-        </p:nvPicPr>
-        <p:blipFill rotWithShape="1">
-          <a:blip r:embed="rId17" cstate="print">
-            <a:extLst>
-              <a:ext uri="{28A0092B-C50C-407E-A947-70E740481C1C}">
-                <a14:useLocalDpi xmlns:a14="http://schemas.microsoft.com/office/drawing/2010/main" val="0"/>
-              </a:ext>
-            </a:extLst>
-          </a:blip>
-          <a:stretch>
-            <a:fillRect/>
-          </a:stretch>
-        </p:blipFill>
-        <p:spPr>
-          <a:xfrm rot="0">
-            <a:off x="6826250" y="1459230"/>
-            <a:ext cx="1216025" cy="890905"/>
-          </a:xfrm>
-          <a:prstGeom prst="roundRect"/>
-          <a:solidFill>
-            <a:srgbClr val="EDEDED"/>
-          </a:solidFill>
-        </p:spPr>
-      </p:pic>
-      <p:pic>
-        <p:nvPicPr>
-          <p:cNvPr id="1212" name="그림 44"/>
-          <p:cNvPicPr>
-            <a:picLocks noChangeAspect="1"/>
-          </p:cNvPicPr>
-          <p:nvPr/>
-        </p:nvPicPr>
-        <p:blipFill rotWithShape="1">
-          <a:blip r:embed="rId18" cstate="print">
-            <a:extLst>
-              <a:ext uri="{28A0092B-C50C-407E-A947-70E740481C1C}">
-                <a14:useLocalDpi xmlns:a14="http://schemas.microsoft.com/office/drawing/2010/main" val="0"/>
-              </a:ext>
-            </a:extLst>
-          </a:blip>
-          <a:stretch>
-            <a:fillRect/>
-          </a:stretch>
-        </p:blipFill>
-        <p:spPr>
-          <a:xfrm rot="0">
-            <a:off x="6830060" y="3957955"/>
-            <a:ext cx="1203325" cy="878840"/>
-          </a:xfrm>
-          <a:prstGeom prst="roundRect"/>
-          <a:solidFill>
-            <a:srgbClr val="EDEDED"/>
-          </a:solidFill>
-        </p:spPr>
-      </p:pic>
-      <p:pic>
-        <p:nvPicPr>
-          <p:cNvPr id="1213" name="그림 45"/>
-          <p:cNvPicPr>
-            <a:picLocks noChangeAspect="1"/>
-          </p:cNvPicPr>
-          <p:nvPr/>
-        </p:nvPicPr>
-        <p:blipFill rotWithShape="1">
-          <a:blip r:embed="rId19" cstate="print">
-            <a:extLst>
-              <a:ext uri="{28A0092B-C50C-407E-A947-70E740481C1C}">
-                <a14:useLocalDpi xmlns:a14="http://schemas.microsoft.com/office/drawing/2010/main" val="0"/>
-              </a:ext>
-            </a:extLst>
-          </a:blip>
-          <a:stretch>
-            <a:fillRect/>
-          </a:stretch>
-        </p:blipFill>
-        <p:spPr>
-          <a:xfrm rot="0">
-            <a:off x="8255000" y="3714750"/>
-            <a:ext cx="2762885" cy="1386840"/>
-          </a:xfrm>
-          <a:prstGeom prst="roundRect"/>
-          <a:solidFill>
-            <a:srgbClr val="EDEDED"/>
-          </a:solidFill>
-        </p:spPr>
-      </p:pic>
-      <p:pic>
-        <p:nvPicPr>
-          <p:cNvPr id="1214" name="그림 38"/>
-          <p:cNvPicPr>
-            <a:picLocks noChangeAspect="1"/>
-          </p:cNvPicPr>
-          <p:nvPr/>
-        </p:nvPicPr>
-        <p:blipFill rotWithShape="1">
-          <a:blip r:embed="rId21" cstate="print">
-            <a:extLst>
-              <a:ext uri="{28A0092B-C50C-407E-A947-70E740481C1C}">
-                <a14:useLocalDpi xmlns:a14="http://schemas.microsoft.com/office/drawing/2010/main" val="0"/>
-              </a:ext>
-            </a:extLst>
-          </a:blip>
-          <a:stretch>
-            <a:fillRect/>
-          </a:stretch>
-        </p:blipFill>
-        <p:spPr>
-          <a:xfrm rot="0">
-            <a:off x="2794000" y="4319905"/>
-            <a:ext cx="2551430" cy="782955"/>
-          </a:xfrm>
-          <a:prstGeom prst="roundRect"/>
-          <a:solidFill>
-            <a:srgbClr val="EDEDED"/>
-          </a:solidFill>
-        </p:spPr>
-      </p:pic>
-      <p:cxnSp>
-        <p:nvCxnSpPr>
-          <p:cNvPr id="1208" name="도형 27"/>
-          <p:cNvCxnSpPr/>
-          <p:nvPr/>
-        </p:nvCxnSpPr>
-        <p:spPr>
-          <a:xfrm rot="0" flipH="1">
-            <a:off x="2265045" y="4737100"/>
-            <a:ext cx="612140" cy="248920"/>
-          </a:xfrm>
-          <a:prstGeom prst="straightConnector1"/>
-          <a:ln w="6350" cap="flat" cmpd="sng">
-            <a:prstDash/>
-            <a:tailEnd type="triangle" w="med" len="med"/>
-          </a:ln>
-        </p:spPr>
-        <p:style>
-          <a:lnRef idx="1">
-            <a:schemeClr val="accent1"/>
-          </a:lnRef>
-          <a:fillRef idx="0">
-            <a:schemeClr val="accent1"/>
-          </a:fillRef>
-          <a:effectRef idx="0">
-            <a:schemeClr val="accent1"/>
-          </a:effectRef>
-          <a:fontRef idx="minor">
-            <a:schemeClr val="tx1"/>
-          </a:fontRef>
-        </p:style>
-      </p:cxnSp>
     </p:spTree>
   </p:cSld>
   <p:clrMapOvr>
@@ -9603,7 +9553,7 @@
 </file>
 
 <file path=ppt/slides/slide3.xml><?xml version="1.0" encoding="utf-8"?>
-<p:sld xmlns:a="http://schemas.openxmlformats.org/drawingml/2006/main" xmlns:r="http://schemas.openxmlformats.org/officeDocument/2006/relationships" xmlns:p="http://schemas.openxmlformats.org/presentationml/2006/main" xmlns:p14="http://schemas.microsoft.com/office/powerpoint/2010/main">
+<p:sld xmlns:a="http://schemas.openxmlformats.org/drawingml/2006/main" xmlns:r="http://schemas.openxmlformats.org/officeDocument/2006/relationships" xmlns:p="http://schemas.openxmlformats.org/presentationml/2006/main">
   <p:cSld>
     <p:spTree>
       <p:nvGrpSpPr>
@@ -9621,7 +9571,7 @@
       </p:grpSpPr>
       <p:sp>
         <p:nvSpPr>
-          <p:cNvPr id="2" name="텍스트 상자 57"/>
+          <p:cNvPr id="1031" name="Rect 0"/>
           <p:cNvSpPr txBox="1">
             <a:spLocks/>
           </p:cNvSpPr>
@@ -9629,8 +9579,8 @@
         </p:nvSpPr>
         <p:spPr>
           <a:xfrm rot="0">
-            <a:off x="4676140" y="346710"/>
-            <a:ext cx="2817495" cy="554990"/>
+            <a:off x="4805045" y="387350"/>
+            <a:ext cx="2585720" cy="478155"/>
           </a:xfrm>
           <a:prstGeom prst="rect"/>
           <a:noFill/>
@@ -9645,33 +9595,43 @@
           </a:bodyPr>
           <a:lstStyle/>
           <a:p>
-            <a:pPr marL="0" indent="0" rtl="0" algn="l" defTabSz="914400" eaLnBrk="1" latinLnBrk="0" hangingPunct="1">
-              <a:buFontTx/>
-              <a:buNone/>
-            </a:pPr>
-            <a:r>
-              <a:rPr lang="ko-KR" sz="3000" b="1">
+            <a:pPr marL="0" indent="0" algn="ctr" latinLnBrk="0">
+              <a:buFontTx/>
+              <a:buNone/>
+            </a:pPr>
+            <a:r>
+              <a:rPr lang="ko-KR" altLang="en-US" sz="2500" b="1">
                 <a:solidFill>
                   <a:schemeClr val="tx1"/>
                 </a:solidFill>
-                <a:latin typeface="맑은 고딕" charset="0"/>
-                <a:ea typeface="맑은 고딕" charset="0"/>
-              </a:rPr>
-              <a:t>Audio Listener</a:t>
-            </a:r>
-            <a:endParaRPr lang="ko-KR" altLang="en-US" sz="3000" b="1">
+                <a:latin typeface="나눔바른고딕" charset="0"/>
+                <a:ea typeface="나눔바른고딕" charset="0"/>
+              </a:rPr>
+              <a:t>세 </a:t>
+            </a:r>
+            <a:r>
+              <a:rPr lang="ko-KR" altLang="en-US" sz="2500" b="1">
+                <a:solidFill>
+                  <a:schemeClr val="tx1"/>
+                </a:solidFill>
+                <a:latin typeface="나눔바른고딕" charset="0"/>
+                <a:ea typeface="나눔바른고딕" charset="0"/>
+              </a:rPr>
+              <a:t> 번째 튜토리얼</a:t>
+            </a:r>
+            <a:endParaRPr lang="ko-KR" altLang="en-US" sz="2500" b="1">
               <a:solidFill>
                 <a:schemeClr val="tx1"/>
               </a:solidFill>
-              <a:latin typeface="맑은 고딕" charset="0"/>
-              <a:ea typeface="맑은 고딕" charset="0"/>
+              <a:latin typeface="나눔바른고딕" charset="0"/>
+              <a:ea typeface="나눔바른고딕" charset="0"/>
             </a:endParaRPr>
           </a:p>
         </p:txBody>
       </p:sp>
       <p:sp>
         <p:nvSpPr>
-          <p:cNvPr id="3" name="텍스트 상자 38"/>
+          <p:cNvPr id="1197" name="Rect 0"/>
           <p:cNvSpPr txBox="1">
             <a:spLocks/>
           </p:cNvSpPr>
@@ -9679,8 +9639,8 @@
         </p:nvSpPr>
         <p:spPr>
           <a:xfrm rot="0">
-            <a:off x="7233285" y="4172585"/>
-            <a:ext cx="4041775" cy="1754505"/>
+            <a:off x="1348105" y="5158740"/>
+            <a:ext cx="4011295" cy="924560"/>
           </a:xfrm>
           <a:prstGeom prst="rect"/>
           <a:noFill/>
@@ -9700,49 +9660,39 @@
               <a:buNone/>
             </a:pPr>
             <a:r>
+              <a:rPr sz="1800" b="1">
+                <a:solidFill>
+                  <a:srgbClr val="0611F2"/>
+                </a:solidFill>
+                <a:latin typeface="맑은 고딕" charset="0"/>
+                <a:ea typeface="맑은 고딕" charset="0"/>
+              </a:rPr>
+              <a:t>6.</a:t>
+            </a:r>
+            <a:r>
+              <a:rPr sz="1800">
+                <a:latin typeface="맑은 고딕" charset="0"/>
+                <a:ea typeface="맑은 고딕" charset="0"/>
+              </a:rPr>
+              <a:t> </a:t>
+            </a:r>
+            <a:r>
               <a:rPr lang="ko-KR" sz="1800">
                 <a:latin typeface="맑은 고딕" charset="0"/>
                 <a:ea typeface="맑은 고딕" charset="0"/>
               </a:rPr>
-              <a:t>사운드 시스템의 경우 어떤 파동이나 관찰자의 상대 속도에 따라 진동수와 파동이 바뀌게 됩니다.</a:t>
+              <a:t>이제 Project 폴더에서 Texture에 Diffuse 텍스처를 선택하고 Sound Box에 넣어줍니다.</a:t>
             </a:r>
             <a:endParaRPr lang="ko-KR" altLang="en-US" sz="1800">
               <a:latin typeface="맑은 고딕" charset="0"/>
               <a:ea typeface="맑은 고딕" charset="0"/>
             </a:endParaRPr>
           </a:p>
-          <a:p>
-            <a:pPr marL="0" indent="0" rtl="0" algn="l" defTabSz="914400" eaLnBrk="1" latinLnBrk="0" hangingPunct="1">
-              <a:buFontTx/>
-              <a:buNone/>
-            </a:pPr>
-            <a:endParaRPr lang="ko-KR" altLang="en-US" sz="1800">
-              <a:latin typeface="맑은 고딕" charset="0"/>
-              <a:ea typeface="맑은 고딕" charset="0"/>
-            </a:endParaRPr>
-          </a:p>
-          <a:p>
-            <a:pPr marL="0" indent="0" rtl="0" algn="l" defTabSz="914400" eaLnBrk="1" latinLnBrk="0" hangingPunct="1">
-              <a:buFontTx/>
-              <a:buNone/>
-            </a:pPr>
-            <a:r>
-              <a:rPr lang="ko-KR" sz="1800">
-                <a:latin typeface="맑은 고딕" charset="0"/>
-                <a:ea typeface="맑은 고딕" charset="0"/>
-              </a:rPr>
-              <a:t>그리고 오디오 리스너는 게임 공간 안에서 하나만 존재해야 합니다.</a:t>
-            </a:r>
-            <a:endParaRPr lang="ko-KR" altLang="en-US" sz="1800">
-              <a:latin typeface="맑은 고딕" charset="0"/>
-              <a:ea typeface="맑은 고딕" charset="0"/>
-            </a:endParaRPr>
-          </a:p>
-        </p:txBody>
-      </p:sp>
-      <p:sp>
-        <p:nvSpPr>
-          <p:cNvPr id="5" name="텍스트 상자 40"/>
+        </p:txBody>
+      </p:sp>
+      <p:sp>
+        <p:nvSpPr>
+          <p:cNvPr id="1199" name="Rect 0"/>
           <p:cNvSpPr txBox="1">
             <a:spLocks/>
           </p:cNvSpPr>
@@ -9750,8 +9700,8 @@
         </p:nvSpPr>
         <p:spPr>
           <a:xfrm rot="0">
-            <a:off x="1203960" y="3890645"/>
-            <a:ext cx="4151630" cy="2031365"/>
+            <a:off x="6823075" y="2863850"/>
+            <a:ext cx="4200525" cy="647700"/>
           </a:xfrm>
           <a:prstGeom prst="rect"/>
           <a:noFill/>
@@ -9761,7 +9711,7 @@
           </a:ln>
         </p:spPr>
         <p:txBody>
-          <a:bodyPr wrap="square" lIns="89535" tIns="46355" rIns="89535" bIns="46355" vert="horz" anchor="t">
+          <a:bodyPr wrap="square" lIns="89535" tIns="46355" rIns="89535" bIns="46355" numCol="1" vert="horz" anchor="t">
             <a:spAutoFit/>
           </a:bodyPr>
           <a:lstStyle/>
@@ -9771,84 +9721,210 @@
               <a:buNone/>
             </a:pPr>
             <a:r>
+              <a:rPr lang="ko-KR" sz="1800" b="1">
+                <a:solidFill>
+                  <a:srgbClr val="0611F2"/>
+                </a:solidFill>
+                <a:latin typeface="맑은 고딕" charset="0"/>
+                <a:ea typeface="맑은 고딕" charset="0"/>
+              </a:rPr>
+              <a:t>7</a:t>
+            </a:r>
+            <a:r>
+              <a:rPr sz="1800" b="1">
+                <a:solidFill>
+                  <a:srgbClr val="0611F2"/>
+                </a:solidFill>
+                <a:latin typeface="맑은 고딕" charset="0"/>
+                <a:ea typeface="맑은 고딕" charset="0"/>
+              </a:rPr>
+              <a:t>.</a:t>
+            </a:r>
+            <a:r>
               <a:rPr sz="1800">
                 <a:latin typeface="맑은 고딕" charset="0"/>
                 <a:ea typeface="맑은 고딕" charset="0"/>
               </a:rPr>
-              <a:t>사운드 시스템은 소리가 발생하는 오디오 소스와 소리를 듣는 오디오 리스너로 구성되어 있습니다.</a:t>
+              <a:t> </a:t>
+            </a:r>
+            <a:r>
+              <a:rPr lang="ko-KR" sz="1800">
+                <a:latin typeface="맑은 고딕" charset="0"/>
+                <a:ea typeface="맑은 고딕" charset="0"/>
+              </a:rPr>
+              <a:t>그다음으로 Sound Box 오브젝트에 Audio Source 컴포넌트를 추가합니다.</a:t>
             </a:r>
             <a:endParaRPr lang="ko-KR" altLang="en-US" sz="1800">
               <a:latin typeface="맑은 고딕" charset="0"/>
               <a:ea typeface="맑은 고딕" charset="0"/>
             </a:endParaRPr>
           </a:p>
+        </p:txBody>
+      </p:sp>
+      <p:sp>
+        <p:nvSpPr>
+          <p:cNvPr id="1202" name="Rect 0"/>
+          <p:cNvSpPr txBox="1">
+            <a:spLocks/>
+          </p:cNvSpPr>
+          <p:nvPr/>
+        </p:nvSpPr>
+        <p:spPr>
+          <a:xfrm rot="0">
+            <a:off x="6831965" y="5161915"/>
+            <a:ext cx="4194810" cy="924560"/>
+          </a:xfrm>
+          <a:prstGeom prst="rect"/>
+          <a:noFill/>
+          <a:ln w="0">
+            <a:noFill/>
+            <a:prstDash/>
+          </a:ln>
+        </p:spPr>
+        <p:txBody>
+          <a:bodyPr wrap="square" lIns="89535" tIns="46355" rIns="89535" bIns="46355" numCol="1" vert="horz" anchor="t">
+            <a:spAutoFit/>
+          </a:bodyPr>
+          <a:lstStyle/>
           <a:p>
             <a:pPr marL="0" indent="0" rtl="0" algn="l" defTabSz="914400" eaLnBrk="1" latinLnBrk="0" hangingPunct="1">
               <a:buFontTx/>
               <a:buNone/>
             </a:pPr>
+            <a:r>
+              <a:rPr sz="1800" b="1">
+                <a:solidFill>
+                  <a:srgbClr val="0611F2"/>
+                </a:solidFill>
+                <a:latin typeface="맑은 고딕" charset="0"/>
+                <a:ea typeface="맑은 고딕" charset="0"/>
+              </a:rPr>
+              <a:t>8.</a:t>
+            </a:r>
+            <a:r>
+              <a:rPr sz="1800">
+                <a:latin typeface="맑은 고딕" charset="0"/>
+                <a:ea typeface="맑은 고딕" charset="0"/>
+              </a:rPr>
+              <a:t> </a:t>
+            </a:r>
+            <a:r>
+              <a:rPr lang="ko-KR" sz="1800">
+                <a:latin typeface="맑은 고딕" charset="0"/>
+                <a:ea typeface="맑은 고딕" charset="0"/>
+              </a:rPr>
+              <a:t>그런 다음 Project 폴더에서 Sound에 Powerful 사운드를 선택하고 Sound Box에 넣어줍니다.</a:t>
+            </a:r>
             <a:endParaRPr lang="ko-KR" altLang="en-US" sz="1800">
               <a:latin typeface="맑은 고딕" charset="0"/>
               <a:ea typeface="맑은 고딕" charset="0"/>
             </a:endParaRPr>
           </a:p>
-          <a:p>
-            <a:pPr marL="0" indent="0" rtl="0" algn="l" defTabSz="914400" eaLnBrk="1" latinLnBrk="0" hangingPunct="1">
-              <a:buFontTx/>
-              <a:buNone/>
-            </a:pPr>
-            <a:r>
-              <a:rPr sz="1800">
-                <a:latin typeface="맑은 고딕" charset="0"/>
-                <a:ea typeface="맑은 고딕" charset="0"/>
-              </a:rPr>
-              <a:t>오디오 소스</a:t>
-            </a:r>
-            <a:r>
-              <a:rPr lang="ko-KR" sz="1800">
-                <a:latin typeface="맑은 고딕" charset="0"/>
-                <a:ea typeface="맑은 고딕" charset="0"/>
-              </a:rPr>
-              <a:t>나</a:t>
-            </a:r>
-            <a:r>
-              <a:rPr sz="1800">
-                <a:latin typeface="맑은 고딕" charset="0"/>
-                <a:ea typeface="맑은 고딕" charset="0"/>
-              </a:rPr>
-              <a:t> 오디오 리스너가 이동하면 거리에 따라 소리의 크기나 방향이 </a:t>
-            </a:r>
-            <a:r>
-              <a:rPr sz="1800">
-                <a:latin typeface="맑은 고딕" charset="0"/>
-                <a:ea typeface="맑은 고딕" charset="0"/>
-              </a:rPr>
-              <a:t>달라집니</a:t>
-            </a:r>
-            <a:r>
-              <a:rPr lang="ko-KR" sz="1800">
-                <a:latin typeface="맑은 고딕" charset="0"/>
-                <a:ea typeface="맑은 고딕" charset="0"/>
-              </a:rPr>
-              <a:t>다.</a:t>
-            </a:r>
-            <a:endParaRPr lang="ko-KR" altLang="en-US" sz="1800">
-              <a:latin typeface="맑은 고딕" charset="0"/>
-              <a:ea typeface="맑은 고딕" charset="0"/>
-            </a:endParaRPr>
-          </a:p>
         </p:txBody>
       </p:sp>
       <p:pic>
         <p:nvPicPr>
-          <p:cNvPr id="6" name="그림 66"/>
+          <p:cNvPr id="1210" name="Picture " descr="C:/Users/Admin1/AppData/Roaming/PolarisOffice/ETemp/19172_13682776/fImage48562109358.png"/>
           <p:cNvPicPr>
             <a:picLocks noChangeAspect="1"/>
           </p:cNvPicPr>
           <p:nvPr/>
         </p:nvPicPr>
         <p:blipFill rotWithShape="1">
-          <a:blip r:embed="rId13" cstate="print">
+          <a:blip r:embed="rId2" cstate="hqprint">
+            <a:extLst>
+              <a:ext uri="{28A0092B-C50C-407E-A947-70E740481C1C}">
+                <a14:useLocalDpi xmlns:a14="http://schemas.microsoft.com/office/drawing/2010/main"/>
+              </a:ext>
+            </a:extLst>
+          </a:blip>
+          <a:stretch>
+            <a:fillRect/>
+          </a:stretch>
+        </p:blipFill>
+        <p:spPr>
+          <a:xfrm rot="0">
+            <a:off x="8334375" y="1304925"/>
+            <a:ext cx="2674620" cy="1416050"/>
+          </a:xfrm>
+          <a:prstGeom prst="roundRect"/>
+          <a:solidFill>
+            <a:srgbClr val="EDEDED"/>
+          </a:solidFill>
+        </p:spPr>
+      </p:pic>
+      <p:pic>
+        <p:nvPicPr>
+          <p:cNvPr id="1213" name="Picture " descr="C:/Users/Admin1/AppData/Roaming/PolarisOffice/ETemp/19172_13682776/fImage81242175705.png"/>
+          <p:cNvPicPr>
+            <a:picLocks noChangeAspect="1"/>
+          </p:cNvPicPr>
+          <p:nvPr/>
+        </p:nvPicPr>
+        <p:blipFill rotWithShape="1">
+          <a:blip r:embed="rId3" cstate="hqprint">
+            <a:extLst>
+              <a:ext uri="{28A0092B-C50C-407E-A947-70E740481C1C}">
+                <a14:useLocalDpi xmlns:a14="http://schemas.microsoft.com/office/drawing/2010/main"/>
+              </a:ext>
+            </a:extLst>
+          </a:blip>
+          <a:stretch>
+            <a:fillRect/>
+          </a:stretch>
+        </p:blipFill>
+        <p:spPr>
+          <a:xfrm rot="0">
+            <a:off x="8346440" y="3691255"/>
+            <a:ext cx="2680335" cy="1303020"/>
+          </a:xfrm>
+          <a:prstGeom prst="roundRect"/>
+          <a:solidFill>
+            <a:srgbClr val="EDEDED"/>
+          </a:solidFill>
+        </p:spPr>
+      </p:pic>
+      <p:pic>
+        <p:nvPicPr>
+          <p:cNvPr id="1214" name="Picture " descr="C:/Users/Admin1/AppData/Roaming/PolarisOffice/ETemp/19172_13682776/fImage2758820941.png"/>
+          <p:cNvPicPr>
+            <a:picLocks noChangeAspect="1"/>
+          </p:cNvPicPr>
+          <p:nvPr/>
+        </p:nvPicPr>
+        <p:blipFill rotWithShape="1">
+          <a:blip r:embed="rId4" cstate="hqprint">
+            <a:extLst>
+              <a:ext uri="{28A0092B-C50C-407E-A947-70E740481C1C}">
+                <a14:useLocalDpi xmlns:a14="http://schemas.microsoft.com/office/drawing/2010/main"/>
+              </a:ext>
+            </a:extLst>
+          </a:blip>
+          <a:stretch>
+            <a:fillRect/>
+          </a:stretch>
+        </p:blipFill>
+        <p:spPr>
+          <a:xfrm rot="0">
+            <a:off x="2910205" y="3787140"/>
+            <a:ext cx="2552065" cy="1201420"/>
+          </a:xfrm>
+          <a:prstGeom prst="roundRect"/>
+          <a:solidFill>
+            <a:srgbClr val="EDEDED"/>
+          </a:solidFill>
+        </p:spPr>
+      </p:pic>
+      <p:pic>
+        <p:nvPicPr>
+          <p:cNvPr id="1215" name="그림 15" descr="C:/Users/Admin1/AppData/Roaming/PolarisOffice/ETemp/19172_13682776/fImage51932856500.png"/>
+          <p:cNvPicPr>
+            <a:picLocks noChangeAspect="1"/>
+          </p:cNvPicPr>
+          <p:nvPr/>
+        </p:nvPicPr>
+        <p:blipFill rotWithShape="1">
+          <a:blip r:embed="rId5" cstate="print">
             <a:extLst>
               <a:ext uri="{28A0092B-C50C-407E-A947-70E740481C1C}">
                 <a14:useLocalDpi xmlns:a14="http://schemas.microsoft.com/office/drawing/2010/main" val="0"/>
@@ -9861,8 +9937,8 @@
         </p:blipFill>
         <p:spPr>
           <a:xfrm rot="0">
-            <a:off x="1195705" y="1238250"/>
-            <a:ext cx="4170680" cy="2466340"/>
+            <a:off x="6825615" y="1296670"/>
+            <a:ext cx="1405255" cy="1414145"/>
           </a:xfrm>
           <a:prstGeom prst="roundRect"/>
           <a:solidFill>
@@ -9872,14 +9948,14 @@
       </p:pic>
       <p:pic>
         <p:nvPicPr>
-          <p:cNvPr id="7" name="그림 35"/>
+          <p:cNvPr id="1216" name="그림 16" descr="C:/Users/Admin1/AppData/Roaming/PolarisOffice/ETemp/19172_13682776/fImage51932869169.png"/>
           <p:cNvPicPr>
             <a:picLocks noChangeAspect="1"/>
           </p:cNvPicPr>
           <p:nvPr/>
         </p:nvPicPr>
         <p:blipFill rotWithShape="1">
-          <a:blip r:embed="rId14" cstate="print">
+          <a:blip r:embed="rId6" cstate="print">
             <a:extLst>
               <a:ext uri="{28A0092B-C50C-407E-A947-70E740481C1C}">
                 <a14:useLocalDpi xmlns:a14="http://schemas.microsoft.com/office/drawing/2010/main" val="0"/>
@@ -9892,8 +9968,8 @@
         </p:blipFill>
         <p:spPr>
           <a:xfrm rot="0">
-            <a:off x="7232015" y="1229995"/>
-            <a:ext cx="4043045" cy="2753360"/>
+            <a:off x="6822440" y="3683635"/>
+            <a:ext cx="1405255" cy="1302385"/>
           </a:xfrm>
           <a:prstGeom prst="roundRect"/>
           <a:solidFill>
@@ -9901,6 +9977,69 @@
           </a:solidFill>
         </p:spPr>
       </p:pic>
+      <p:pic>
+        <p:nvPicPr>
+          <p:cNvPr id="1217" name="그림 17" descr="C:/Users/Admin1/AppData/Roaming/PolarisOffice/ETemp/19172_13682776/fImage51932875724.png"/>
+          <p:cNvPicPr>
+            <a:picLocks noChangeAspect="1"/>
+          </p:cNvPicPr>
+          <p:nvPr/>
+        </p:nvPicPr>
+        <p:blipFill rotWithShape="1">
+          <a:blip r:embed="rId7" cstate="print">
+            <a:extLst>
+              <a:ext uri="{28A0092B-C50C-407E-A947-70E740481C1C}">
+                <a14:useLocalDpi xmlns:a14="http://schemas.microsoft.com/office/drawing/2010/main" val="0"/>
+              </a:ext>
+            </a:extLst>
+          </a:blip>
+          <a:stretch>
+            <a:fillRect/>
+          </a:stretch>
+        </p:blipFill>
+        <p:spPr>
+          <a:xfrm rot="0">
+            <a:off x="1349375" y="3787775"/>
+            <a:ext cx="1405255" cy="1210310"/>
+          </a:xfrm>
+          <a:prstGeom prst="roundRect"/>
+          <a:solidFill>
+            <a:srgbClr val="EDEDED"/>
+          </a:solidFill>
+        </p:spPr>
+      </p:pic>
+      <p:cxnSp>
+        <p:nvCxnSpPr>
+          <p:cNvPr id="1208" name="Rect 0"/>
+          <p:cNvCxnSpPr/>
+          <p:nvPr/>
+        </p:nvCxnSpPr>
+        <p:spPr>
+          <a:xfrm rot="0" flipH="1">
+            <a:off x="2402840" y="4430395"/>
+            <a:ext cx="582295" cy="408305"/>
+          </a:xfrm>
+          <a:prstGeom prst="straightConnector1"/>
+          <a:ln w="6350" cap="flat" cmpd="sng">
+            <a:prstDash/>
+            <a:tailEnd type="triangle" w="med" len="med"/>
+          </a:ln>
+        </p:spPr>
+        <p:style>
+          <a:lnRef idx="1">
+            <a:schemeClr val="accent1"/>
+          </a:lnRef>
+          <a:fillRef idx="0">
+            <a:schemeClr val="accent1"/>
+          </a:fillRef>
+          <a:effectRef idx="0">
+            <a:schemeClr val="accent1"/>
+          </a:effectRef>
+          <a:fontRef idx="minor">
+            <a:schemeClr val="tx1"/>
+          </a:fontRef>
+        </p:style>
+      </p:cxnSp>
     </p:spTree>
   </p:cSld>
   <p:clrMapOvr>
@@ -9943,7 +10082,7 @@
       </p:grpSpPr>
       <p:sp>
         <p:nvSpPr>
-          <p:cNvPr id="1031" name="Rect 0"/>
+          <p:cNvPr id="2" name="텍스트 상자 57"/>
           <p:cNvSpPr txBox="1">
             <a:spLocks/>
           </p:cNvSpPr>
@@ -9951,8 +10090,8 @@
         </p:nvSpPr>
         <p:spPr>
           <a:xfrm rot="0">
-            <a:off x="4779010" y="354965"/>
-            <a:ext cx="2642235" cy="478155"/>
+            <a:off x="4676140" y="346710"/>
+            <a:ext cx="2817495" cy="554990"/>
           </a:xfrm>
           <a:prstGeom prst="rect"/>
           <a:noFill/>
@@ -9967,43 +10106,213 @@
           </a:bodyPr>
           <a:lstStyle/>
           <a:p>
-            <a:pPr marL="0" indent="0" algn="l" latinLnBrk="0">
-              <a:buFontTx/>
-              <a:buNone/>
-            </a:pPr>
-            <a:r>
-              <a:rPr lang="ko-KR" altLang="en-US" sz="2500" b="1">
+            <a:pPr marL="0" indent="0" rtl="0" algn="l" defTabSz="914400" eaLnBrk="1" latinLnBrk="0" hangingPunct="1">
+              <a:buFontTx/>
+              <a:buNone/>
+            </a:pPr>
+            <a:r>
+              <a:rPr lang="ko-KR" sz="3000" b="1">
                 <a:solidFill>
                   <a:schemeClr val="tx1"/>
                 </a:solidFill>
-                <a:latin typeface="나눔바른고딕" charset="0"/>
-                <a:ea typeface="나눔바른고딕" charset="0"/>
-              </a:rPr>
-              <a:t>세 번째 튜토리얼</a:t>
-            </a:r>
-            <a:endParaRPr lang="ko-KR" altLang="en-US" sz="2500" b="1">
+                <a:latin typeface="맑은 고딕" charset="0"/>
+                <a:ea typeface="맑은 고딕" charset="0"/>
+              </a:rPr>
+              <a:t>Audio Listener</a:t>
+            </a:r>
+            <a:endParaRPr lang="ko-KR" altLang="en-US" sz="3000" b="1">
               <a:solidFill>
                 <a:schemeClr val="tx1"/>
               </a:solidFill>
-              <a:latin typeface="나눔바른고딕" charset="0"/>
-              <a:ea typeface="나눔바른고딕" charset="0"/>
+              <a:latin typeface="맑은 고딕" charset="0"/>
+              <a:ea typeface="맑은 고딕" charset="0"/>
+            </a:endParaRPr>
+          </a:p>
+        </p:txBody>
+      </p:sp>
+      <p:sp>
+        <p:nvSpPr>
+          <p:cNvPr id="3" name="텍스트 상자 38"/>
+          <p:cNvSpPr txBox="1">
+            <a:spLocks/>
+          </p:cNvSpPr>
+          <p:nvPr/>
+        </p:nvSpPr>
+        <p:spPr>
+          <a:xfrm rot="0">
+            <a:off x="7233285" y="4172585"/>
+            <a:ext cx="4041775" cy="1754505"/>
+          </a:xfrm>
+          <a:prstGeom prst="rect"/>
+          <a:noFill/>
+          <a:ln w="0">
+            <a:noFill/>
+            <a:prstDash/>
+          </a:ln>
+        </p:spPr>
+        <p:txBody>
+          <a:bodyPr wrap="square" lIns="89535" tIns="46355" rIns="89535" bIns="46355" numCol="1" vert="horz" anchor="t">
+            <a:spAutoFit/>
+          </a:bodyPr>
+          <a:lstStyle/>
+          <a:p>
+            <a:pPr marL="0" indent="0" rtl="0" algn="l" defTabSz="914400" eaLnBrk="1" latinLnBrk="0" hangingPunct="1">
+              <a:buFontTx/>
+              <a:buNone/>
+            </a:pPr>
+            <a:r>
+              <a:rPr lang="ko-KR" sz="1800">
+                <a:latin typeface="맑은 고딕" charset="0"/>
+                <a:ea typeface="맑은 고딕" charset="0"/>
+              </a:rPr>
+              <a:t>사운드 시스템의 경우 어떤 파동이나 관찰자의 상대 속도에 따라 진동수와 파동이 바뀌게 됩니다.</a:t>
+            </a:r>
+            <a:endParaRPr lang="ko-KR" altLang="en-US" sz="1800">
+              <a:latin typeface="맑은 고딕" charset="0"/>
+              <a:ea typeface="맑은 고딕" charset="0"/>
+            </a:endParaRPr>
+          </a:p>
+          <a:p>
+            <a:pPr marL="0" indent="0" rtl="0" algn="l" defTabSz="914400" eaLnBrk="1" latinLnBrk="0" hangingPunct="1">
+              <a:buFontTx/>
+              <a:buNone/>
+            </a:pPr>
+            <a:endParaRPr lang="ko-KR" altLang="en-US" sz="1800">
+              <a:latin typeface="맑은 고딕" charset="0"/>
+              <a:ea typeface="맑은 고딕" charset="0"/>
+            </a:endParaRPr>
+          </a:p>
+          <a:p>
+            <a:pPr marL="0" indent="0" rtl="0" algn="l" defTabSz="914400" eaLnBrk="1" latinLnBrk="0" hangingPunct="1">
+              <a:buFontTx/>
+              <a:buNone/>
+            </a:pPr>
+            <a:r>
+              <a:rPr lang="ko-KR" sz="1800">
+                <a:latin typeface="맑은 고딕" charset="0"/>
+                <a:ea typeface="맑은 고딕" charset="0"/>
+              </a:rPr>
+              <a:t>그리고 오디오 리스너는 게임 공간 안에서 하나만 존재해야 합니다.</a:t>
+            </a:r>
+            <a:endParaRPr lang="ko-KR" altLang="en-US" sz="1800">
+              <a:latin typeface="맑은 고딕" charset="0"/>
+              <a:ea typeface="맑은 고딕" charset="0"/>
+            </a:endParaRPr>
+          </a:p>
+        </p:txBody>
+      </p:sp>
+      <p:sp>
+        <p:nvSpPr>
+          <p:cNvPr id="5" name="텍스트 상자 40"/>
+          <p:cNvSpPr txBox="1">
+            <a:spLocks/>
+          </p:cNvSpPr>
+          <p:nvPr/>
+        </p:nvSpPr>
+        <p:spPr>
+          <a:xfrm rot="0">
+            <a:off x="1203960" y="3890645"/>
+            <a:ext cx="4151630" cy="2031365"/>
+          </a:xfrm>
+          <a:prstGeom prst="rect"/>
+          <a:noFill/>
+          <a:ln w="0">
+            <a:noFill/>
+            <a:prstDash/>
+          </a:ln>
+        </p:spPr>
+        <p:txBody>
+          <a:bodyPr wrap="square" lIns="89535" tIns="46355" rIns="89535" bIns="46355" vert="horz" anchor="t">
+            <a:spAutoFit/>
+          </a:bodyPr>
+          <a:lstStyle/>
+          <a:p>
+            <a:pPr marL="0" indent="0" rtl="0" algn="l" defTabSz="914400" eaLnBrk="1" latinLnBrk="0" hangingPunct="1">
+              <a:buFontTx/>
+              <a:buNone/>
+            </a:pPr>
+            <a:r>
+              <a:rPr sz="1800">
+                <a:latin typeface="맑은 고딕" charset="0"/>
+                <a:ea typeface="맑은 고딕" charset="0"/>
+              </a:rPr>
+              <a:t>사운드 시스템은 소리가 발생하는 오디오 소스와 소리를 듣는 오디오 리스너로 구성되어 있습니다.</a:t>
+            </a:r>
+            <a:endParaRPr lang="ko-KR" altLang="en-US" sz="1800">
+              <a:latin typeface="맑은 고딕" charset="0"/>
+              <a:ea typeface="맑은 고딕" charset="0"/>
+            </a:endParaRPr>
+          </a:p>
+          <a:p>
+            <a:pPr marL="0" indent="0" rtl="0" algn="l" defTabSz="914400" eaLnBrk="1" latinLnBrk="0" hangingPunct="1">
+              <a:buFontTx/>
+              <a:buNone/>
+            </a:pPr>
+            <a:endParaRPr lang="ko-KR" altLang="en-US" sz="1800">
+              <a:latin typeface="맑은 고딕" charset="0"/>
+              <a:ea typeface="맑은 고딕" charset="0"/>
+            </a:endParaRPr>
+          </a:p>
+          <a:p>
+            <a:pPr marL="0" indent="0" rtl="0" algn="l" defTabSz="914400" eaLnBrk="1" latinLnBrk="0" hangingPunct="1">
+              <a:buFontTx/>
+              <a:buNone/>
+            </a:pPr>
+            <a:r>
+              <a:rPr sz="1800">
+                <a:latin typeface="맑은 고딕" charset="0"/>
+                <a:ea typeface="맑은 고딕" charset="0"/>
+              </a:rPr>
+              <a:t>오디오 소스</a:t>
+            </a:r>
+            <a:r>
+              <a:rPr lang="ko-KR" sz="1800">
+                <a:latin typeface="맑은 고딕" charset="0"/>
+                <a:ea typeface="맑은 고딕" charset="0"/>
+              </a:rPr>
+              <a:t>나</a:t>
+            </a:r>
+            <a:r>
+              <a:rPr sz="1800">
+                <a:latin typeface="맑은 고딕" charset="0"/>
+                <a:ea typeface="맑은 고딕" charset="0"/>
+              </a:rPr>
+              <a:t> 오디오 리스너가 이동하면 거리에 따라 소리의 크기나 방향이 </a:t>
+            </a:r>
+            <a:r>
+              <a:rPr sz="1800">
+                <a:latin typeface="맑은 고딕" charset="0"/>
+                <a:ea typeface="맑은 고딕" charset="0"/>
+              </a:rPr>
+              <a:t>달라집니</a:t>
+            </a:r>
+            <a:r>
+              <a:rPr lang="ko-KR" sz="1800">
+                <a:latin typeface="맑은 고딕" charset="0"/>
+                <a:ea typeface="맑은 고딕" charset="0"/>
+              </a:rPr>
+              <a:t>다.</a:t>
+            </a:r>
+            <a:endParaRPr lang="ko-KR" altLang="en-US" sz="1800">
+              <a:latin typeface="맑은 고딕" charset="0"/>
+              <a:ea typeface="맑은 고딕" charset="0"/>
             </a:endParaRPr>
           </a:p>
         </p:txBody>
       </p:sp>
       <p:pic>
         <p:nvPicPr>
-          <p:cNvPr id="1193" name="그림 41"/>
+          <p:cNvPr id="6" name="그림 66"/>
           <p:cNvPicPr>
             <a:picLocks noChangeAspect="1"/>
           </p:cNvPicPr>
           <p:nvPr/>
         </p:nvPicPr>
         <p:blipFill rotWithShape="1">
-          <a:blip r:embed="rId11" cstate="hqprint">
+          <a:blip r:embed="rId13" cstate="print">
             <a:extLst>
               <a:ext uri="{28A0092B-C50C-407E-A947-70E740481C1C}">
-                <a14:useLocalDpi xmlns:a14="http://schemas.microsoft.com/office/drawing/2010/main"/>
+                <a14:useLocalDpi xmlns:a14="http://schemas.microsoft.com/office/drawing/2010/main" val="0"/>
               </a:ext>
             </a:extLst>
           </a:blip>
@@ -10013,8 +10322,8 @@
         </p:blipFill>
         <p:spPr>
           <a:xfrm rot="0">
-            <a:off x="1350645" y="1254760"/>
-            <a:ext cx="2322195" cy="2756535"/>
+            <a:off x="1195705" y="1238250"/>
+            <a:ext cx="4170680" cy="2466340"/>
           </a:xfrm>
           <a:prstGeom prst="roundRect"/>
           <a:solidFill>
@@ -10022,223 +10331,9 @@
           </a:solidFill>
         </p:spPr>
       </p:pic>
-      <p:sp>
-        <p:nvSpPr>
-          <p:cNvPr id="1194" name="텍스트 상자 44"/>
-          <p:cNvSpPr txBox="1">
-            <a:spLocks/>
-          </p:cNvSpPr>
-          <p:nvPr/>
-        </p:nvSpPr>
-        <p:spPr>
-          <a:xfrm rot="0">
-            <a:off x="1352550" y="4194175"/>
-            <a:ext cx="3968115" cy="2031365"/>
-          </a:xfrm>
-          <a:prstGeom prst="rect"/>
-          <a:noFill/>
-          <a:ln w="0">
-            <a:noFill/>
-            <a:prstDash/>
-          </a:ln>
-        </p:spPr>
-        <p:txBody>
-          <a:bodyPr wrap="square" lIns="89535" tIns="46355" rIns="89535" bIns="46355" numCol="1" vert="horz" anchor="t">
-            <a:spAutoFit/>
-          </a:bodyPr>
-          <a:lstStyle/>
-          <a:p>
-            <a:pPr marL="0" indent="0" rtl="0" algn="l" defTabSz="914400" eaLnBrk="1" latinLnBrk="0" hangingPunct="1">
-              <a:buFontTx/>
-              <a:buNone/>
-            </a:pPr>
-            <a:r>
-              <a:rPr lang="ko-KR" sz="1800" b="1">
-                <a:solidFill>
-                  <a:srgbClr val="0611F2"/>
-                </a:solidFill>
-                <a:latin typeface="맑은 고딕" charset="0"/>
-                <a:ea typeface="맑은 고딕" charset="0"/>
-              </a:rPr>
-              <a:t>9</a:t>
-            </a:r>
-            <a:r>
-              <a:rPr sz="1800" b="1">
-                <a:solidFill>
-                  <a:srgbClr val="0611F2"/>
-                </a:solidFill>
-                <a:latin typeface="맑은 고딕" charset="0"/>
-                <a:ea typeface="맑은 고딕" charset="0"/>
-              </a:rPr>
-              <a:t>.</a:t>
-            </a:r>
-            <a:r>
-              <a:rPr sz="1800">
-                <a:latin typeface="맑은 고딕" charset="0"/>
-                <a:ea typeface="맑은 고딕" charset="0"/>
-              </a:rPr>
-              <a:t> 이</a:t>
-            </a:r>
-            <a:r>
-              <a:rPr lang="ko-KR" sz="1800">
-                <a:latin typeface="맑은 고딕" charset="0"/>
-                <a:ea typeface="맑은 고딕" charset="0"/>
-              </a:rPr>
-              <a:t>제 빈 게임 오브젝트를 생성한 다음 </a:t>
-            </a:r>
-            <a:r>
-              <a:rPr lang="ko-KR" sz="1800">
-                <a:latin typeface="맑은 고딕" charset="0"/>
-                <a:ea typeface="맑은 고딕" charset="0"/>
-              </a:rPr>
-              <a:t>Sound Manager</a:t>
-            </a:r>
-            <a:r>
-              <a:rPr lang="ko-KR" sz="1800">
-                <a:latin typeface="맑은 고딕" charset="0"/>
-                <a:ea typeface="맑은 고딕" charset="0"/>
-              </a:rPr>
-              <a:t>로 이름을 정의합니다.</a:t>
-            </a:r>
-            <a:endParaRPr lang="ko-KR" altLang="en-US" sz="1800">
-              <a:latin typeface="맑은 고딕" charset="0"/>
-              <a:ea typeface="맑은 고딕" charset="0"/>
-            </a:endParaRPr>
-          </a:p>
-          <a:p>
-            <a:pPr marL="0" indent="0" rtl="0" algn="l" defTabSz="914400" eaLnBrk="1" latinLnBrk="0" hangingPunct="1">
-              <a:buFontTx/>
-              <a:buNone/>
-            </a:pPr>
-            <a:endParaRPr lang="ko-KR" altLang="en-US" sz="1800">
-              <a:latin typeface="맑은 고딕" charset="0"/>
-              <a:ea typeface="맑은 고딕" charset="0"/>
-            </a:endParaRPr>
-          </a:p>
-          <a:p>
-            <a:pPr marL="0" indent="0" rtl="0" algn="l" defTabSz="914400" eaLnBrk="1" latinLnBrk="0" hangingPunct="1">
-              <a:buFontTx/>
-              <a:buNone/>
-            </a:pPr>
-            <a:r>
-              <a:rPr lang="ko-KR" sz="1800">
-                <a:latin typeface="맑은 고딕" charset="0"/>
-                <a:ea typeface="맑은 고딕" charset="0"/>
-              </a:rPr>
-              <a:t>그리고 SoundManager 스크립트를 생성하고 SoundManager 오브젝트에 넣어줍니다.</a:t>
-            </a:r>
-            <a:endParaRPr lang="ko-KR" altLang="en-US" sz="1800">
-              <a:latin typeface="맑은 고딕" charset="0"/>
-              <a:ea typeface="맑은 고딕" charset="0"/>
-            </a:endParaRPr>
-          </a:p>
-        </p:txBody>
-      </p:sp>
-      <p:sp>
-        <p:nvSpPr>
-          <p:cNvPr id="1197" name="텍스트 상자 51"/>
-          <p:cNvSpPr txBox="1">
-            <a:spLocks/>
-          </p:cNvSpPr>
-          <p:nvPr/>
-        </p:nvSpPr>
-        <p:spPr>
-          <a:xfrm rot="0">
-            <a:off x="6810375" y="5293360"/>
-            <a:ext cx="4271010" cy="923925"/>
-          </a:xfrm>
-          <a:prstGeom prst="rect"/>
-          <a:noFill/>
-          <a:ln w="0">
-            <a:noFill/>
-            <a:prstDash/>
-          </a:ln>
-        </p:spPr>
-        <p:txBody>
-          <a:bodyPr wrap="square" lIns="89535" tIns="46355" rIns="89535" bIns="46355" numCol="1" vert="horz" anchor="t">
-            <a:spAutoFit/>
-          </a:bodyPr>
-          <a:lstStyle/>
-          <a:p>
-            <a:pPr marL="0" indent="0" rtl="0" algn="l" defTabSz="914400" eaLnBrk="1" latinLnBrk="0" hangingPunct="1">
-              <a:buFontTx/>
-              <a:buNone/>
-            </a:pPr>
-            <a:r>
-              <a:rPr lang="ko-KR" sz="1800" b="1">
-                <a:solidFill>
-                  <a:srgbClr val="0611F2"/>
-                </a:solidFill>
-                <a:latin typeface="맑은 고딕" charset="0"/>
-                <a:ea typeface="맑은 고딕" charset="0"/>
-              </a:rPr>
-              <a:t>1</a:t>
-            </a:r>
-            <a:r>
-              <a:rPr lang="ko-KR" sz="1800" b="1">
-                <a:solidFill>
-                  <a:srgbClr val="0611F2"/>
-                </a:solidFill>
-                <a:latin typeface="맑은 고딕" charset="0"/>
-                <a:ea typeface="맑은 고딕" charset="0"/>
-              </a:rPr>
-              <a:t>0</a:t>
-            </a:r>
-            <a:r>
-              <a:rPr sz="1800" b="1">
-                <a:solidFill>
-                  <a:srgbClr val="0611F2"/>
-                </a:solidFill>
-                <a:latin typeface="맑은 고딕" charset="0"/>
-                <a:ea typeface="맑은 고딕" charset="0"/>
-              </a:rPr>
-              <a:t>.</a:t>
-            </a:r>
-            <a:r>
-              <a:rPr sz="1800">
-                <a:latin typeface="맑은 고딕" charset="0"/>
-                <a:ea typeface="맑은 고딕" charset="0"/>
-              </a:rPr>
-              <a:t> </a:t>
-            </a:r>
-            <a:r>
-              <a:rPr lang="ko-KR" sz="1800">
-                <a:latin typeface="맑은 고딕" charset="0"/>
-                <a:ea typeface="맑은 고딕" charset="0"/>
-              </a:rPr>
-              <a:t>그다음으로 </a:t>
-            </a:r>
-            <a:r>
-              <a:rPr lang="ko-KR" sz="1800">
-                <a:latin typeface="맑은 고딕" charset="0"/>
-                <a:ea typeface="맑은 고딕" charset="0"/>
-              </a:rPr>
-              <a:t>Character 오브젝트</a:t>
-            </a:r>
-            <a:r>
-              <a:rPr lang="ko-KR" sz="1800">
-                <a:latin typeface="맑은 고딕" charset="0"/>
-                <a:ea typeface="맑은 고딕" charset="0"/>
-              </a:rPr>
-              <a:t>에서 </a:t>
-            </a:r>
-            <a:r>
-              <a:rPr lang="ko-KR" sz="1800">
-                <a:latin typeface="맑은 고딕" charset="0"/>
-                <a:ea typeface="맑은 고딕" charset="0"/>
-              </a:rPr>
-              <a:t>Capsule Collider 컴포넌트를 삭제합니다.</a:t>
-            </a:r>
-            <a:endParaRPr lang="ko-KR" altLang="en-US" sz="1800">
-              <a:latin typeface="맑은 고딕" charset="0"/>
-              <a:ea typeface="맑은 고딕" charset="0"/>
-            </a:endParaRPr>
-          </a:p>
-        </p:txBody>
-      </p:sp>
       <p:pic>
         <p:nvPicPr>
-          <p:cNvPr id="1198" name="그림 51"/>
+          <p:cNvPr id="7" name="그림 35"/>
           <p:cNvPicPr>
             <a:picLocks noChangeAspect="1"/>
           </p:cNvPicPr>
@@ -10258,8 +10353,8 @@
         </p:blipFill>
         <p:spPr>
           <a:xfrm rot="0">
-            <a:off x="3989705" y="1396365"/>
-            <a:ext cx="1340485" cy="1238885"/>
+            <a:off x="7232015" y="1229995"/>
+            <a:ext cx="4043045" cy="2753360"/>
           </a:xfrm>
           <a:prstGeom prst="roundRect"/>
           <a:solidFill>
@@ -10267,101 +10362,6 @@
           </a:solidFill>
         </p:spPr>
       </p:pic>
-      <p:pic>
-        <p:nvPicPr>
-          <p:cNvPr id="1199" name="그림 57"/>
-          <p:cNvPicPr>
-            <a:picLocks noChangeAspect="1"/>
-          </p:cNvPicPr>
-          <p:nvPr/>
-        </p:nvPicPr>
-        <p:blipFill rotWithShape="1">
-          <a:blip r:embed="rId15" cstate="print">
-            <a:extLst>
-              <a:ext uri="{28A0092B-C50C-407E-A947-70E740481C1C}">
-                <a14:useLocalDpi xmlns:a14="http://schemas.microsoft.com/office/drawing/2010/main" val="0"/>
-              </a:ext>
-            </a:extLst>
-          </a:blip>
-          <a:stretch>
-            <a:fillRect/>
-          </a:stretch>
-        </p:blipFill>
-        <p:spPr>
-          <a:xfrm rot="0">
-            <a:off x="6805295" y="1256030"/>
-            <a:ext cx="4276090" cy="3898265"/>
-          </a:xfrm>
-          <a:prstGeom prst="rect"/>
-          <a:noFill/>
-        </p:spPr>
-      </p:pic>
-      <p:pic>
-        <p:nvPicPr>
-          <p:cNvPr id="1200" name="그림 62"/>
-          <p:cNvPicPr>
-            <a:picLocks noChangeAspect="1"/>
-          </p:cNvPicPr>
-          <p:nvPr/>
-        </p:nvPicPr>
-        <p:blipFill rotWithShape="1">
-          <a:blip r:embed="rId16" cstate="print">
-            <a:extLst>
-              <a:ext uri="{28A0092B-C50C-407E-A947-70E740481C1C}">
-                <a14:useLocalDpi xmlns:a14="http://schemas.microsoft.com/office/drawing/2010/main" val="0"/>
-              </a:ext>
-            </a:extLst>
-          </a:blip>
-          <a:stretch>
-            <a:fillRect/>
-          </a:stretch>
-        </p:blipFill>
-        <p:spPr>
-          <a:xfrm rot="0">
-            <a:off x="4243705" y="3098800"/>
-            <a:ext cx="828040" cy="915035"/>
-          </a:xfrm>
-          <a:prstGeom prst="roundRect"/>
-          <a:solidFill>
-            <a:srgbClr val="EDEDED"/>
-          </a:solidFill>
-        </p:spPr>
-      </p:pic>
-      <p:cxnSp>
-        <p:nvCxnSpPr>
-          <p:cNvPr id="1201" name="도형 65"/>
-          <p:cNvCxnSpPr>
-            <a:stCxn id="1200" idx="0"/>
-            <a:endCxn id="1198" idx="2"/>
-          </p:cNvCxnSpPr>
-          <p:nvPr/>
-        </p:nvCxnSpPr>
-        <p:spPr>
-          <a:xfrm rot="0" flipV="1">
-            <a:off x="4657090" y="2634615"/>
-            <a:ext cx="3175" cy="464820"/>
-          </a:xfrm>
-          <a:prstGeom prst="straightConnector1"/>
-          <a:ln w="6350" cap="flat" cmpd="sng">
-            <a:prstDash/>
-            <a:tailEnd type="triangle" w="med" len="med"/>
-          </a:ln>
-        </p:spPr>
-        <p:style>
-          <a:lnRef idx="1">
-            <a:schemeClr val="accent1"/>
-          </a:lnRef>
-          <a:fillRef idx="0">
-            <a:schemeClr val="accent1"/>
-          </a:fillRef>
-          <a:effectRef idx="0">
-            <a:schemeClr val="accent1"/>
-          </a:effectRef>
-          <a:fontRef idx="minor">
-            <a:schemeClr val="tx1"/>
-          </a:fontRef>
-        </p:style>
-      </p:cxnSp>
     </p:spTree>
   </p:cSld>
   <p:clrMapOvr>
@@ -10411,9 +10411,9 @@
           <p:nvPr/>
         </p:nvSpPr>
         <p:spPr>
-          <a:xfrm rot="0">
-            <a:off x="4813935" y="354965"/>
-            <a:ext cx="2893060" cy="478155"/>
+          <a:xfrm>
+            <a:off x="4779010" y="354965"/>
+            <a:ext cx="2642870" cy="478155"/>
           </a:xfrm>
           <a:prstGeom prst="rect"/>
           <a:noFill/>
@@ -10440,7 +10440,17 @@
                 <a:latin typeface="나눔바른고딕" charset="0"/>
                 <a:ea typeface="나눔바른고딕" charset="0"/>
               </a:rPr>
-              <a:t>네 번째 튜토리얼</a:t>
+              <a:t>네</a:t>
+            </a:r>
+            <a:r>
+              <a:rPr lang="ko-KR" altLang="en-US" sz="2500" b="1">
+                <a:solidFill>
+                  <a:schemeClr val="tx1"/>
+                </a:solidFill>
+                <a:latin typeface="나눔바른고딕" charset="0"/>
+                <a:ea typeface="나눔바른고딕" charset="0"/>
+              </a:rPr>
+              <a:t> 번째 튜토리얼</a:t>
             </a:r>
             <a:endParaRPr lang="ko-KR" altLang="en-US" sz="2500" b="1">
               <a:solidFill>
@@ -10452,268 +10462,9 @@
           </a:p>
         </p:txBody>
       </p:sp>
-      <p:sp>
-        <p:nvSpPr>
-          <p:cNvPr id="1194" name="텍스트 상자 88"/>
-          <p:cNvSpPr txBox="1">
-            <a:spLocks/>
-          </p:cNvSpPr>
-          <p:nvPr/>
-        </p:nvSpPr>
-        <p:spPr>
-          <a:xfrm rot="0">
-            <a:off x="6890385" y="4819015"/>
-            <a:ext cx="4124960" cy="1477645"/>
-          </a:xfrm>
-          <a:prstGeom prst="rect"/>
-          <a:noFill/>
-          <a:ln w="0">
-            <a:noFill/>
-            <a:prstDash/>
-          </a:ln>
-        </p:spPr>
-        <p:txBody>
-          <a:bodyPr wrap="square" lIns="89535" tIns="46355" rIns="89535" bIns="46355" numCol="1" vert="horz" anchor="t">
-            <a:spAutoFit/>
-          </a:bodyPr>
-          <a:lstStyle/>
-          <a:p>
-            <a:pPr marL="0" indent="0" rtl="0" algn="l" defTabSz="914400" eaLnBrk="1" latinLnBrk="0" hangingPunct="1">
-              <a:buFontTx/>
-              <a:buNone/>
-            </a:pPr>
-            <a:r>
-              <a:rPr sz="1800" b="1">
-                <a:solidFill>
-                  <a:srgbClr val="0611F2"/>
-                </a:solidFill>
-                <a:latin typeface="맑은 고딕" charset="0"/>
-                <a:ea typeface="맑은 고딕" charset="0"/>
-              </a:rPr>
-              <a:t>1</a:t>
-            </a:r>
-            <a:r>
-              <a:rPr lang="ko-KR" sz="1800" b="1">
-                <a:solidFill>
-                  <a:srgbClr val="0611F2"/>
-                </a:solidFill>
-                <a:latin typeface="맑은 고딕" charset="0"/>
-                <a:ea typeface="맑은 고딕" charset="0"/>
-              </a:rPr>
-              <a:t>3</a:t>
-            </a:r>
-            <a:r>
-              <a:rPr sz="1800" b="1">
-                <a:solidFill>
-                  <a:srgbClr val="0611F2"/>
-                </a:solidFill>
-                <a:latin typeface="맑은 고딕" charset="0"/>
-                <a:ea typeface="맑은 고딕" charset="0"/>
-              </a:rPr>
-              <a:t>.</a:t>
-            </a:r>
-            <a:r>
-              <a:rPr sz="1800">
-                <a:latin typeface="맑은 고딕" charset="0"/>
-                <a:ea typeface="맑은 고딕" charset="0"/>
-              </a:rPr>
-              <a:t> </a:t>
-            </a:r>
-            <a:r>
-              <a:rPr lang="ko-KR" sz="1800">
-                <a:latin typeface="맑은 고딕" charset="0"/>
-                <a:ea typeface="맑은 고딕" charset="0"/>
-              </a:rPr>
-              <a:t>그다음</a:t>
-            </a:r>
-            <a:r>
-              <a:rPr lang="ko-KR" sz="1800">
-                <a:latin typeface="맑은 고딕" charset="0"/>
-                <a:ea typeface="맑은 고딕" charset="0"/>
-              </a:rPr>
-              <a:t>으로</a:t>
-            </a:r>
-            <a:r>
-              <a:rPr lang="ko-KR" sz="1800">
-                <a:latin typeface="맑은 고딕" charset="0"/>
-                <a:ea typeface="맑은 고딕" charset="0"/>
-              </a:rPr>
-              <a:t> </a:t>
-            </a:r>
-            <a:r>
-              <a:rPr lang="ko-KR" sz="1800">
-                <a:latin typeface="맑은 고딕" charset="0"/>
-                <a:ea typeface="맑은 고딕" charset="0"/>
-              </a:rPr>
-              <a:t>UI를 선택하고 Slider를 생성합니다.</a:t>
-            </a:r>
-            <a:endParaRPr lang="ko-KR" altLang="en-US" sz="1800">
-              <a:latin typeface="맑은 고딕" charset="0"/>
-              <a:ea typeface="맑은 고딕" charset="0"/>
-            </a:endParaRPr>
-          </a:p>
-          <a:p>
-            <a:pPr marL="0" indent="0" rtl="0" algn="l" defTabSz="914400" eaLnBrk="1" latinLnBrk="0" hangingPunct="1">
-              <a:buFontTx/>
-              <a:buNone/>
-            </a:pPr>
-            <a:endParaRPr lang="ko-KR" altLang="en-US" sz="1800">
-              <a:latin typeface="맑은 고딕" charset="0"/>
-              <a:ea typeface="맑은 고딕" charset="0"/>
-            </a:endParaRPr>
-          </a:p>
-          <a:p>
-            <a:pPr marL="0" indent="0" rtl="0" algn="l" defTabSz="914400" eaLnBrk="1" latinLnBrk="0" hangingPunct="1">
-              <a:buFontTx/>
-              <a:buNone/>
-            </a:pPr>
-            <a:r>
-              <a:rPr lang="ko-KR" sz="1800">
-                <a:latin typeface="맑은 고딕" charset="0"/>
-                <a:ea typeface="맑은 고딕" charset="0"/>
-              </a:rPr>
-              <a:t>그리고 Volume이라는 이름으로 정의합니다.</a:t>
-            </a:r>
-            <a:endParaRPr lang="ko-KR" altLang="en-US" sz="1800">
-              <a:latin typeface="맑은 고딕" charset="0"/>
-              <a:ea typeface="맑은 고딕" charset="0"/>
-            </a:endParaRPr>
-          </a:p>
-        </p:txBody>
-      </p:sp>
-      <p:sp>
-        <p:nvSpPr>
-          <p:cNvPr id="1195" name="텍스트 상자 1"/>
-          <p:cNvSpPr txBox="1">
-            <a:spLocks/>
-          </p:cNvSpPr>
-          <p:nvPr/>
-        </p:nvSpPr>
-        <p:spPr>
-          <a:xfrm rot="0">
-            <a:off x="1303020" y="2498090"/>
-            <a:ext cx="4067810" cy="923925"/>
-          </a:xfrm>
-          <a:prstGeom prst="rect"/>
-          <a:noFill/>
-          <a:ln w="0">
-            <a:noFill/>
-            <a:prstDash/>
-          </a:ln>
-        </p:spPr>
-        <p:txBody>
-          <a:bodyPr wrap="square" lIns="89535" tIns="46355" rIns="89535" bIns="46355" numCol="1" vert="horz" anchor="t">
-            <a:spAutoFit/>
-          </a:bodyPr>
-          <a:lstStyle/>
-          <a:p>
-            <a:pPr marL="0" indent="0" rtl="0" algn="l" defTabSz="914400" eaLnBrk="1" latinLnBrk="0" hangingPunct="1">
-              <a:buFontTx/>
-              <a:buNone/>
-            </a:pPr>
-            <a:r>
-              <a:rPr lang="ko-KR" sz="1800" b="1">
-                <a:solidFill>
-                  <a:srgbClr val="0611F2"/>
-                </a:solidFill>
-                <a:latin typeface="맑은 고딕" charset="0"/>
-                <a:ea typeface="맑은 고딕" charset="0"/>
-              </a:rPr>
-              <a:t>11</a:t>
-            </a:r>
-            <a:r>
-              <a:rPr sz="1800" b="1">
-                <a:solidFill>
-                  <a:srgbClr val="0611F2"/>
-                </a:solidFill>
-                <a:latin typeface="맑은 고딕" charset="0"/>
-                <a:ea typeface="맑은 고딕" charset="0"/>
-              </a:rPr>
-              <a:t>.</a:t>
-            </a:r>
-            <a:r>
-              <a:rPr sz="1800">
-                <a:latin typeface="맑은 고딕" charset="0"/>
-                <a:ea typeface="맑은 고딕" charset="0"/>
-              </a:rPr>
-              <a:t> </a:t>
-            </a:r>
-            <a:r>
-              <a:rPr lang="ko-KR" sz="1800">
-                <a:latin typeface="맑은 고딕" charset="0"/>
-                <a:ea typeface="맑은 고딕" charset="0"/>
-              </a:rPr>
-              <a:t>그</a:t>
-            </a:r>
-            <a:r>
-              <a:rPr lang="ko-KR" sz="1800">
-                <a:latin typeface="맑은 고딕" charset="0"/>
-                <a:ea typeface="맑은 고딕" charset="0"/>
-              </a:rPr>
-              <a:t>런 다음</a:t>
-            </a:r>
-            <a:r>
-              <a:rPr lang="ko-KR" sz="1800">
-                <a:latin typeface="맑은 고딕" charset="0"/>
-                <a:ea typeface="맑은 고딕" charset="0"/>
-              </a:rPr>
-              <a:t> Sound </a:t>
-            </a:r>
-            <a:r>
-              <a:rPr lang="ko-KR" sz="1800">
-                <a:latin typeface="맑은 고딕" charset="0"/>
-                <a:ea typeface="맑은 고딕" charset="0"/>
-              </a:rPr>
-              <a:t>Manager</a:t>
-            </a:r>
-            <a:r>
-              <a:rPr lang="ko-KR" sz="1800">
-                <a:latin typeface="맑은 고딕" charset="0"/>
-                <a:ea typeface="맑은 고딕" charset="0"/>
-              </a:rPr>
-              <a:t> 오브젝트에 Audio Source 컴포넌트를 추가합니다.</a:t>
-            </a:r>
-            <a:endParaRPr lang="ko-KR" altLang="en-US" sz="1800">
-              <a:latin typeface="맑은 고딕" charset="0"/>
-              <a:ea typeface="맑은 고딕" charset="0"/>
-            </a:endParaRPr>
-          </a:p>
-        </p:txBody>
-      </p:sp>
       <p:pic>
         <p:nvPicPr>
-          <p:cNvPr id="1196" name="그림 2"/>
-          <p:cNvPicPr>
-            <a:picLocks noChangeAspect="1"/>
-          </p:cNvPicPr>
-          <p:nvPr/>
-        </p:nvPicPr>
-        <p:blipFill rotWithShape="1">
-          <a:blip r:embed="rId10" cstate="hqprint">
-            <a:extLst>
-              <a:ext uri="{28A0092B-C50C-407E-A947-70E740481C1C}">
-                <a14:useLocalDpi xmlns:a14="http://schemas.microsoft.com/office/drawing/2010/main"/>
-              </a:ext>
-            </a:extLst>
-          </a:blip>
-          <a:stretch>
-            <a:fillRect/>
-          </a:stretch>
-        </p:blipFill>
-        <p:spPr>
-          <a:xfrm rot="0">
-            <a:off x="2814320" y="1149350"/>
-            <a:ext cx="2548255" cy="1228725"/>
-          </a:xfrm>
-          <a:prstGeom prst="roundRect"/>
-          <a:solidFill>
-            <a:srgbClr val="EDEDED"/>
-          </a:solidFill>
-        </p:spPr>
-      </p:pic>
-      <p:pic>
-        <p:nvPicPr>
-          <p:cNvPr id="1197" name="그림 4"/>
+          <p:cNvPr id="1193" name="그림 41"/>
           <p:cNvPicPr>
             <a:picLocks noChangeAspect="1"/>
           </p:cNvPicPr>
@@ -10733,8 +10484,8 @@
         </p:blipFill>
         <p:spPr>
           <a:xfrm rot="0">
-            <a:off x="1304925" y="1288415"/>
-            <a:ext cx="1341120" cy="973455"/>
+            <a:off x="1350645" y="1254760"/>
+            <a:ext cx="2322195" cy="2756535"/>
           </a:xfrm>
           <a:prstGeom prst="roundRect"/>
           <a:solidFill>
@@ -10744,7 +10495,7 @@
       </p:pic>
       <p:sp>
         <p:nvSpPr>
-          <p:cNvPr id="1198" name="텍스트 상자 5"/>
+          <p:cNvPr id="1194" name="텍스트 상자 44"/>
           <p:cNvSpPr txBox="1">
             <a:spLocks/>
           </p:cNvSpPr>
@@ -10752,8 +10503,8 @@
         </p:nvSpPr>
         <p:spPr>
           <a:xfrm rot="0">
-            <a:off x="1303020" y="5370830"/>
-            <a:ext cx="4055110" cy="923925"/>
+            <a:off x="1352550" y="4194175"/>
+            <a:ext cx="3968115" cy="2031365"/>
           </a:xfrm>
           <a:prstGeom prst="rect"/>
           <a:noFill/>
@@ -10763,7 +10514,7 @@
           </a:ln>
         </p:spPr>
         <p:txBody>
-          <a:bodyPr wrap="square" lIns="89535" tIns="46355" rIns="89535" bIns="46355" vert="horz" anchor="t">
+          <a:bodyPr wrap="square" lIns="89535" tIns="46355" rIns="89535" bIns="46355" numCol="1" vert="horz" anchor="t">
             <a:spAutoFit/>
           </a:bodyPr>
           <a:lstStyle/>
@@ -10772,6 +10523,16 @@
               <a:buFontTx/>
               <a:buNone/>
             </a:pPr>
+            <a:r>
+              <a:rPr lang="ko-KR" sz="1800" b="1">
+                <a:solidFill>
+                  <a:srgbClr val="0611F2"/>
+                </a:solidFill>
+                <a:latin typeface="맑은 고딕" charset="0"/>
+                <a:ea typeface="맑은 고딕" charset="0"/>
+              </a:rPr>
+              <a:t>9</a:t>
+            </a:r>
             <a:r>
               <a:rPr sz="1800" b="1">
                 <a:solidFill>
@@ -10780,7 +10541,119 @@
                 <a:latin typeface="맑은 고딕" charset="0"/>
                 <a:ea typeface="맑은 고딕" charset="0"/>
               </a:rPr>
-              <a:t>12</a:t>
+              <a:t>.</a:t>
+            </a:r>
+            <a:r>
+              <a:rPr sz="1800">
+                <a:latin typeface="맑은 고딕" charset="0"/>
+                <a:ea typeface="맑은 고딕" charset="0"/>
+              </a:rPr>
+              <a:t> 이</a:t>
+            </a:r>
+            <a:r>
+              <a:rPr lang="ko-KR" sz="1800">
+                <a:latin typeface="맑은 고딕" charset="0"/>
+                <a:ea typeface="맑은 고딕" charset="0"/>
+              </a:rPr>
+              <a:t>제 빈 게임 오브젝트를 생성한 다음 </a:t>
+            </a:r>
+            <a:r>
+              <a:rPr lang="ko-KR" sz="1800">
+                <a:latin typeface="맑은 고딕" charset="0"/>
+                <a:ea typeface="맑은 고딕" charset="0"/>
+              </a:rPr>
+              <a:t>Sound Manager</a:t>
+            </a:r>
+            <a:r>
+              <a:rPr lang="ko-KR" sz="1800">
+                <a:latin typeface="맑은 고딕" charset="0"/>
+                <a:ea typeface="맑은 고딕" charset="0"/>
+              </a:rPr>
+              <a:t>로 이름을 정의합니다.</a:t>
+            </a:r>
+            <a:endParaRPr lang="ko-KR" altLang="en-US" sz="1800">
+              <a:latin typeface="맑은 고딕" charset="0"/>
+              <a:ea typeface="맑은 고딕" charset="0"/>
+            </a:endParaRPr>
+          </a:p>
+          <a:p>
+            <a:pPr marL="0" indent="0" rtl="0" algn="l" defTabSz="914400" eaLnBrk="1" latinLnBrk="0" hangingPunct="1">
+              <a:buFontTx/>
+              <a:buNone/>
+            </a:pPr>
+            <a:endParaRPr lang="ko-KR" altLang="en-US" sz="1800">
+              <a:latin typeface="맑은 고딕" charset="0"/>
+              <a:ea typeface="맑은 고딕" charset="0"/>
+            </a:endParaRPr>
+          </a:p>
+          <a:p>
+            <a:pPr marL="0" indent="0" rtl="0" algn="l" defTabSz="914400" eaLnBrk="1" latinLnBrk="0" hangingPunct="1">
+              <a:buFontTx/>
+              <a:buNone/>
+            </a:pPr>
+            <a:r>
+              <a:rPr lang="ko-KR" sz="1800">
+                <a:latin typeface="맑은 고딕" charset="0"/>
+                <a:ea typeface="맑은 고딕" charset="0"/>
+              </a:rPr>
+              <a:t>그리고 SoundManager 스크립트를 생성하고 SoundManager 오브젝트에 넣어줍니다.</a:t>
+            </a:r>
+            <a:endParaRPr lang="ko-KR" altLang="en-US" sz="1800">
+              <a:latin typeface="맑은 고딕" charset="0"/>
+              <a:ea typeface="맑은 고딕" charset="0"/>
+            </a:endParaRPr>
+          </a:p>
+        </p:txBody>
+      </p:sp>
+      <p:sp>
+        <p:nvSpPr>
+          <p:cNvPr id="1197" name="텍스트 상자 51"/>
+          <p:cNvSpPr txBox="1">
+            <a:spLocks/>
+          </p:cNvSpPr>
+          <p:nvPr/>
+        </p:nvSpPr>
+        <p:spPr>
+          <a:xfrm rot="0">
+            <a:off x="6810375" y="5293360"/>
+            <a:ext cx="4271010" cy="923925"/>
+          </a:xfrm>
+          <a:prstGeom prst="rect"/>
+          <a:noFill/>
+          <a:ln w="0">
+            <a:noFill/>
+            <a:prstDash/>
+          </a:ln>
+        </p:spPr>
+        <p:txBody>
+          <a:bodyPr wrap="square" lIns="89535" tIns="46355" rIns="89535" bIns="46355" numCol="1" vert="horz" anchor="t">
+            <a:spAutoFit/>
+          </a:bodyPr>
+          <a:lstStyle/>
+          <a:p>
+            <a:pPr marL="0" indent="0" rtl="0" algn="l" defTabSz="914400" eaLnBrk="1" latinLnBrk="0" hangingPunct="1">
+              <a:buFontTx/>
+              <a:buNone/>
+            </a:pPr>
+            <a:r>
+              <a:rPr lang="ko-KR" sz="1800" b="1">
+                <a:solidFill>
+                  <a:srgbClr val="0611F2"/>
+                </a:solidFill>
+                <a:latin typeface="맑은 고딕" charset="0"/>
+                <a:ea typeface="맑은 고딕" charset="0"/>
+              </a:rPr>
+              <a:t>1</a:t>
+            </a:r>
+            <a:r>
+              <a:rPr lang="ko-KR" sz="1800" b="1">
+                <a:solidFill>
+                  <a:srgbClr val="0611F2"/>
+                </a:solidFill>
+                <a:latin typeface="맑은 고딕" charset="0"/>
+                <a:ea typeface="맑은 고딕" charset="0"/>
+              </a:rPr>
+              <a:t>0</a:t>
             </a:r>
             <a:r>
               <a:rPr sz="1800" b="1">
@@ -10800,46 +10673,32 @@
               <a:t> </a:t>
             </a:r>
             <a:r>
-              <a:rPr sz="1800">
-                <a:latin typeface="맑은 고딕" charset="0"/>
-                <a:ea typeface="맑은 고딕" charset="0"/>
-              </a:rPr>
-              <a:t>이</a:t>
-            </a:r>
-            <a:r>
               <a:rPr lang="ko-KR" sz="1800">
                 <a:latin typeface="맑은 고딕" charset="0"/>
                 <a:ea typeface="맑은 고딕" charset="0"/>
               </a:rPr>
-              <a:t>제</a:t>
-            </a:r>
-            <a:r>
-              <a:rPr sz="1800">
-                <a:latin typeface="맑은 고딕" charset="0"/>
-                <a:ea typeface="맑은 고딕" charset="0"/>
-              </a:rPr>
-              <a:t> </a:t>
+              <a:t>그다음으로 </a:t>
             </a:r>
             <a:r>
               <a:rPr lang="ko-KR" sz="1800">
                 <a:latin typeface="맑은 고딕" charset="0"/>
                 <a:ea typeface="맑은 고딕" charset="0"/>
               </a:rPr>
-              <a:t>Sound Box오브젝트에 있는 Audio Source 컴포넌트에 Spatial Blend를 </a:t>
-            </a:r>
-            <a:r>
-              <a:rPr sz="1800">
-                <a:latin typeface="맑은 고딕" charset="0"/>
-                <a:ea typeface="맑은 고딕" charset="0"/>
-              </a:rPr>
-              <a:t>1</a:t>
+              <a:t>Character 오브젝트</a:t>
             </a:r>
             <a:r>
               <a:rPr lang="ko-KR" sz="1800">
                 <a:latin typeface="맑은 고딕" charset="0"/>
                 <a:ea typeface="맑은 고딕" charset="0"/>
               </a:rPr>
-              <a:t>로 설정합니다.</a:t>
+              <a:t>에서 </a:t>
+            </a:r>
+            <a:r>
+              <a:rPr lang="ko-KR" sz="1800">
+                <a:latin typeface="맑은 고딕" charset="0"/>
+                <a:ea typeface="맑은 고딕" charset="0"/>
+              </a:rPr>
+              <a:t>Capsule Collider 컴포넌트를 삭제합니다.</a:t>
             </a:r>
             <a:endParaRPr lang="ko-KR" altLang="en-US" sz="1800">
               <a:latin typeface="맑은 고딕" charset="0"/>
@@ -10850,69 +10709,7 @@
       </p:sp>
       <p:pic>
         <p:nvPicPr>
-          <p:cNvPr id="1201" name="그림 11"/>
-          <p:cNvPicPr>
-            <a:picLocks noChangeAspect="1"/>
-          </p:cNvPicPr>
-          <p:nvPr/>
-        </p:nvPicPr>
-        <p:blipFill rotWithShape="1">
-          <a:blip r:embed="rId12" cstate="print">
-            <a:extLst>
-              <a:ext uri="{28A0092B-C50C-407E-A947-70E740481C1C}">
-                <a14:useLocalDpi xmlns:a14="http://schemas.microsoft.com/office/drawing/2010/main" val="0"/>
-              </a:ext>
-            </a:extLst>
-          </a:blip>
-          <a:stretch>
-            <a:fillRect/>
-          </a:stretch>
-        </p:blipFill>
-        <p:spPr>
-          <a:xfrm rot="0">
-            <a:off x="6891655" y="1147445"/>
-            <a:ext cx="2495550" cy="3486150"/>
-          </a:xfrm>
-          <a:prstGeom prst="roundRect"/>
-          <a:solidFill>
-            <a:srgbClr val="EDEDED"/>
-          </a:solidFill>
-        </p:spPr>
-      </p:pic>
-      <p:pic>
-        <p:nvPicPr>
-          <p:cNvPr id="1203" name="그림 19"/>
-          <p:cNvPicPr>
-            <a:picLocks noChangeAspect="1"/>
-          </p:cNvPicPr>
-          <p:nvPr/>
-        </p:nvPicPr>
-        <p:blipFill rotWithShape="1">
-          <a:blip r:embed="rId13" cstate="print">
-            <a:extLst>
-              <a:ext uri="{28A0092B-C50C-407E-A947-70E740481C1C}">
-                <a14:useLocalDpi xmlns:a14="http://schemas.microsoft.com/office/drawing/2010/main" val="0"/>
-              </a:ext>
-            </a:extLst>
-          </a:blip>
-          <a:stretch>
-            <a:fillRect/>
-          </a:stretch>
-        </p:blipFill>
-        <p:spPr>
-          <a:xfrm rot="0">
-            <a:off x="1291590" y="3854450"/>
-            <a:ext cx="1340485" cy="1106170"/>
-          </a:xfrm>
-          <a:prstGeom prst="roundRect"/>
-          <a:solidFill>
-            <a:srgbClr val="EDEDED"/>
-          </a:solidFill>
-        </p:spPr>
-      </p:pic>
-      <p:pic>
-        <p:nvPicPr>
-          <p:cNvPr id="1204" name="그림 24"/>
+          <p:cNvPr id="1198" name="그림 51"/>
           <p:cNvPicPr>
             <a:picLocks noChangeAspect="1"/>
           </p:cNvPicPr>
@@ -10932,16 +10729,18 @@
         </p:blipFill>
         <p:spPr>
           <a:xfrm rot="0">
-            <a:off x="2814320" y="3559175"/>
-            <a:ext cx="2538095" cy="1706245"/>
-          </a:xfrm>
-          <a:prstGeom prst="rect"/>
-          <a:noFill/>
+            <a:off x="3989705" y="1396365"/>
+            <a:ext cx="1340485" cy="1238885"/>
+          </a:xfrm>
+          <a:prstGeom prst="roundRect"/>
+          <a:solidFill>
+            <a:srgbClr val="EDEDED"/>
+          </a:solidFill>
         </p:spPr>
       </p:pic>
       <p:pic>
         <p:nvPicPr>
-          <p:cNvPr id="1205" name="그림 29"/>
+          <p:cNvPr id="1199" name="그림 57"/>
           <p:cNvPicPr>
             <a:picLocks noChangeAspect="1"/>
           </p:cNvPicPr>
@@ -10961,8 +10760,37 @@
         </p:blipFill>
         <p:spPr>
           <a:xfrm rot="0">
-            <a:off x="9655175" y="2018030"/>
-            <a:ext cx="1360805" cy="1878965"/>
+            <a:off x="6805295" y="1256030"/>
+            <a:ext cx="4276090" cy="3898265"/>
+          </a:xfrm>
+          <a:prstGeom prst="rect"/>
+          <a:noFill/>
+        </p:spPr>
+      </p:pic>
+      <p:pic>
+        <p:nvPicPr>
+          <p:cNvPr id="1200" name="그림 62"/>
+          <p:cNvPicPr>
+            <a:picLocks noChangeAspect="1"/>
+          </p:cNvPicPr>
+          <p:nvPr/>
+        </p:nvPicPr>
+        <p:blipFill rotWithShape="1">
+          <a:blip r:embed="rId16" cstate="print">
+            <a:extLst>
+              <a:ext uri="{28A0092B-C50C-407E-A947-70E740481C1C}">
+                <a14:useLocalDpi xmlns:a14="http://schemas.microsoft.com/office/drawing/2010/main" val="0"/>
+              </a:ext>
+            </a:extLst>
+          </a:blip>
+          <a:stretch>
+            <a:fillRect/>
+          </a:stretch>
+        </p:blipFill>
+        <p:spPr>
+          <a:xfrm rot="0">
+            <a:off x="4243705" y="3098800"/>
+            <a:ext cx="828040" cy="915035"/>
           </a:xfrm>
           <a:prstGeom prst="roundRect"/>
           <a:solidFill>
@@ -10970,6 +10798,41 @@
           </a:solidFill>
         </p:spPr>
       </p:pic>
+      <p:cxnSp>
+        <p:nvCxnSpPr>
+          <p:cNvPr id="1201" name="도형 65"/>
+          <p:cNvCxnSpPr>
+            <a:stCxn id="1200" idx="0"/>
+            <a:endCxn id="1198" idx="2"/>
+          </p:cNvCxnSpPr>
+          <p:nvPr/>
+        </p:nvCxnSpPr>
+        <p:spPr>
+          <a:xfrm rot="0" flipV="1">
+            <a:off x="4657090" y="2634615"/>
+            <a:ext cx="3175" cy="464820"/>
+          </a:xfrm>
+          <a:prstGeom prst="straightConnector1"/>
+          <a:ln w="6350" cap="flat" cmpd="sng">
+            <a:prstDash/>
+            <a:tailEnd type="triangle" w="med" len="med"/>
+          </a:ln>
+        </p:spPr>
+        <p:style>
+          <a:lnRef idx="1">
+            <a:schemeClr val="accent1"/>
+          </a:lnRef>
+          <a:fillRef idx="0">
+            <a:schemeClr val="accent1"/>
+          </a:fillRef>
+          <a:effectRef idx="0">
+            <a:schemeClr val="accent1"/>
+          </a:effectRef>
+          <a:fontRef idx="minor">
+            <a:schemeClr val="tx1"/>
+          </a:fontRef>
+        </p:style>
+      </p:cxnSp>
     </p:spTree>
   </p:cSld>
   <p:clrMapOvr>
@@ -11019,9 +10882,9 @@
           <p:nvPr/>
         </p:nvSpPr>
         <p:spPr>
-          <a:xfrm rot="0">
-            <a:off x="4675505" y="346075"/>
-            <a:ext cx="3091815" cy="478155"/>
+          <a:xfrm>
+            <a:off x="4813935" y="354965"/>
+            <a:ext cx="2893695" cy="478155"/>
           </a:xfrm>
           <a:prstGeom prst="rect"/>
           <a:noFill/>
@@ -11048,7 +10911,17 @@
                 <a:latin typeface="나눔바른고딕" charset="0"/>
                 <a:ea typeface="나눔바른고딕" charset="0"/>
               </a:rPr>
-              <a:t>다섯 번째 튜토리얼</a:t>
+              <a:t>다섯</a:t>
+            </a:r>
+            <a:r>
+              <a:rPr lang="ko-KR" altLang="en-US" sz="2500" b="1">
+                <a:solidFill>
+                  <a:schemeClr val="tx1"/>
+                </a:solidFill>
+                <a:latin typeface="나눔바른고딕" charset="0"/>
+                <a:ea typeface="나눔바른고딕" charset="0"/>
+              </a:rPr>
+              <a:t> 번째 튜토리얼</a:t>
             </a:r>
             <a:endParaRPr lang="ko-KR" altLang="en-US" sz="2500" b="1">
               <a:solidFill>
@@ -11062,7 +10935,7 @@
       </p:sp>
       <p:sp>
         <p:nvSpPr>
-          <p:cNvPr id="1194" name="Rect 0"/>
+          <p:cNvPr id="1194" name="텍스트 상자 88"/>
           <p:cNvSpPr txBox="1">
             <a:spLocks/>
           </p:cNvSpPr>
@@ -11070,8 +10943,8 @@
         </p:nvSpPr>
         <p:spPr>
           <a:xfrm rot="0">
-            <a:off x="6805295" y="4544060"/>
-            <a:ext cx="4189095" cy="1754505"/>
+            <a:off x="6890385" y="4819015"/>
+            <a:ext cx="4124960" cy="1477645"/>
           </a:xfrm>
           <a:prstGeom prst="rect"/>
           <a:noFill/>
@@ -11108,7 +10981,7 @@
                 <a:latin typeface="맑은 고딕" charset="0"/>
                 <a:ea typeface="맑은 고딕" charset="0"/>
               </a:rPr>
-              <a:t>5</a:t>
+              <a:t>3</a:t>
             </a:r>
             <a:r>
               <a:rPr sz="1800" b="1">
@@ -11132,42 +11005,28 @@
                 <a:latin typeface="맑은 고딕" charset="0"/>
                 <a:ea typeface="맑은 고딕" charset="0"/>
               </a:rPr>
-              <a:t>이제 Project 폴더에서 </a:t>
+              <a:t>그다음</a:t>
             </a:r>
             <a:r>
               <a:rPr lang="ko-KR" sz="1800">
                 <a:latin typeface="맑은 고딕" charset="0"/>
                 <a:ea typeface="맑은 고딕" charset="0"/>
               </a:rPr>
-              <a:t>Sound</a:t>
+              <a:t>으로</a:t>
             </a:r>
             <a:r>
               <a:rPr lang="ko-KR" sz="1800">
                 <a:latin typeface="맑은 고딕" charset="0"/>
                 <a:ea typeface="맑은 고딕" charset="0"/>
               </a:rPr>
-              <a:t>에 </a:t>
+              <a:t> </a:t>
             </a:r>
             <a:r>
               <a:rPr lang="ko-KR" sz="1800">
                 <a:latin typeface="맑은 고딕" charset="0"/>
                 <a:ea typeface="맑은 고딕" charset="0"/>
               </a:rPr>
-              <a:t>Explosion과 Magic 그리고 Siren 사운드</a:t>
-            </a:r>
-            <a:r>
-              <a:rPr lang="ko-KR" sz="1800">
-                <a:latin typeface="맑은 고딕" charset="0"/>
-                <a:ea typeface="맑은 고딕" charset="0"/>
-              </a:rPr>
-              <a:t>를 선택</a:t>
-            </a:r>
-            <a:r>
-              <a:rPr lang="ko-KR" sz="1800">
-                <a:latin typeface="맑은 고딕" charset="0"/>
-                <a:ea typeface="맑은 고딕" charset="0"/>
-              </a:rPr>
-              <a:t>합니다.</a:t>
+              <a:t>UI를 선택하고 Slider를 생성합니다.</a:t>
             </a:r>
             <a:endParaRPr lang="ko-KR" altLang="en-US" sz="1800">
               <a:latin typeface="맑은 고딕" charset="0"/>
@@ -11194,28 +11053,7 @@
                 <a:latin typeface="맑은 고딕" charset="0"/>
                 <a:ea typeface="맑은 고딕" charset="0"/>
               </a:rPr>
-              <a:t>그리고</a:t>
-            </a:r>
-            <a:r>
-              <a:rPr lang="ko-KR" sz="1800">
-                <a:latin typeface="맑은 고딕" charset="0"/>
-                <a:ea typeface="맑은 고딕" charset="0"/>
-              </a:rPr>
-              <a:t> Sound</a:t>
-            </a:r>
-            <a:r>
-              <a:rPr lang="ko-KR" sz="1800">
-                <a:latin typeface="맑은 고딕" charset="0"/>
-                <a:ea typeface="맑은 고딕" charset="0"/>
-              </a:rPr>
-              <a:t> Manager 오브젝트의 배열에 순서대로 넣어줍니다</a:t>
-            </a:r>
-            <a:r>
-              <a:rPr lang="ko-KR" sz="1800">
-                <a:latin typeface="맑은 고딕" charset="0"/>
-                <a:ea typeface="맑은 고딕" charset="0"/>
-              </a:rPr>
-              <a:t>.</a:t>
+              <a:t>그리고 Volume이라는 이름으로 정의합니다.</a:t>
             </a:r>
             <a:endParaRPr lang="ko-KR" altLang="en-US" sz="1800">
               <a:latin typeface="맑은 고딕" charset="0"/>
@@ -11226,7 +11064,7 @@
       </p:sp>
       <p:sp>
         <p:nvSpPr>
-          <p:cNvPr id="1198" name="Rect 0"/>
+          <p:cNvPr id="1195" name="텍스트 상자 1"/>
           <p:cNvSpPr txBox="1">
             <a:spLocks/>
           </p:cNvSpPr>
@@ -11234,8 +11072,8 @@
         </p:nvSpPr>
         <p:spPr>
           <a:xfrm rot="0">
-            <a:off x="1303020" y="5370830"/>
-            <a:ext cx="4055110" cy="923925"/>
+            <a:off x="1303020" y="2498090"/>
+            <a:ext cx="4067810" cy="923925"/>
           </a:xfrm>
           <a:prstGeom prst="rect"/>
           <a:noFill/>
@@ -11245,7 +11083,7 @@
           </a:ln>
         </p:spPr>
         <p:txBody>
-          <a:bodyPr wrap="square" lIns="89535" tIns="46355" rIns="89535" bIns="46355" vert="horz" anchor="t">
+          <a:bodyPr wrap="square" lIns="89535" tIns="46355" rIns="89535" bIns="46355" numCol="1" vert="horz" anchor="t">
             <a:spAutoFit/>
           </a:bodyPr>
           <a:lstStyle/>
@@ -11254,6 +11092,16 @@
               <a:buFontTx/>
               <a:buNone/>
             </a:pPr>
+            <a:r>
+              <a:rPr lang="ko-KR" sz="1800" b="1">
+                <a:solidFill>
+                  <a:srgbClr val="0611F2"/>
+                </a:solidFill>
+                <a:latin typeface="맑은 고딕" charset="0"/>
+                <a:ea typeface="맑은 고딕" charset="0"/>
+              </a:rPr>
+              <a:t>11</a:t>
+            </a:r>
             <a:r>
               <a:rPr sz="1800" b="1">
                 <a:solidFill>
@@ -11262,26 +11110,6 @@
                 <a:latin typeface="맑은 고딕" charset="0"/>
                 <a:ea typeface="맑은 고딕" charset="0"/>
               </a:rPr>
-              <a:t>1</a:t>
-            </a:r>
-            <a:r>
-              <a:rPr lang="ko-KR" sz="1800" b="1">
-                <a:solidFill>
-                  <a:srgbClr val="0611F2"/>
-                </a:solidFill>
-                <a:latin typeface="맑은 고딕" charset="0"/>
-                <a:ea typeface="맑은 고딕" charset="0"/>
-              </a:rPr>
-              <a:t>4</a:t>
-            </a:r>
-            <a:r>
-              <a:rPr sz="1800" b="1">
-                <a:solidFill>
-                  <a:srgbClr val="0611F2"/>
-                </a:solidFill>
-                <a:latin typeface="맑은 고딕" charset="0"/>
-                <a:ea typeface="맑은 고딕" charset="0"/>
-              </a:rPr>
               <a:t>.</a:t>
             </a:r>
             <a:r>
@@ -11296,7 +11124,35 @@
                 <a:latin typeface="맑은 고딕" charset="0"/>
                 <a:ea typeface="맑은 고딕" charset="0"/>
               </a:rPr>
-              <a:t>그런 다음 Volume 오브젝트의 On Value Changed에 Sound Manager를 선택하여 넣어줍니다.</a:t>
+              <a:t>그</a:t>
+            </a:r>
+            <a:r>
+              <a:rPr lang="ko-KR" sz="1800">
+                <a:latin typeface="맑은 고딕" charset="0"/>
+                <a:ea typeface="맑은 고딕" charset="0"/>
+              </a:rPr>
+              <a:t>런 다음</a:t>
+            </a:r>
+            <a:r>
+              <a:rPr lang="ko-KR" sz="1800">
+                <a:latin typeface="맑은 고딕" charset="0"/>
+                <a:ea typeface="맑은 고딕" charset="0"/>
+              </a:rPr>
+              <a:t> Sound </a:t>
+            </a:r>
+            <a:r>
+              <a:rPr lang="ko-KR" sz="1800">
+                <a:latin typeface="맑은 고딕" charset="0"/>
+                <a:ea typeface="맑은 고딕" charset="0"/>
+              </a:rPr>
+              <a:t>Manager</a:t>
+            </a:r>
+            <a:r>
+              <a:rPr lang="ko-KR" sz="1800">
+                <a:latin typeface="맑은 고딕" charset="0"/>
+                <a:ea typeface="맑은 고딕" charset="0"/>
+              </a:rPr>
+              <a:t> 오브젝트에 Audio Source 컴포넌트를 추가합니다.</a:t>
             </a:r>
             <a:endParaRPr lang="ko-KR" altLang="en-US" sz="1800">
               <a:latin typeface="맑은 고딕" charset="0"/>
@@ -11307,14 +11163,182 @@
       </p:sp>
       <p:pic>
         <p:nvPicPr>
-          <p:cNvPr id="1206" name="그림 41"/>
+          <p:cNvPr id="1196" name="그림 2"/>
           <p:cNvPicPr>
             <a:picLocks noChangeAspect="1"/>
           </p:cNvPicPr>
           <p:nvPr/>
         </p:nvPicPr>
         <p:blipFill rotWithShape="1">
-          <a:blip r:embed="rId2" cstate="print">
+          <a:blip r:embed="rId10" cstate="hqprint">
+            <a:extLst>
+              <a:ext uri="{28A0092B-C50C-407E-A947-70E740481C1C}">
+                <a14:useLocalDpi xmlns:a14="http://schemas.microsoft.com/office/drawing/2010/main"/>
+              </a:ext>
+            </a:extLst>
+          </a:blip>
+          <a:stretch>
+            <a:fillRect/>
+          </a:stretch>
+        </p:blipFill>
+        <p:spPr>
+          <a:xfrm rot="0">
+            <a:off x="2814320" y="1149350"/>
+            <a:ext cx="2548255" cy="1228725"/>
+          </a:xfrm>
+          <a:prstGeom prst="roundRect"/>
+          <a:solidFill>
+            <a:srgbClr val="EDEDED"/>
+          </a:solidFill>
+        </p:spPr>
+      </p:pic>
+      <p:pic>
+        <p:nvPicPr>
+          <p:cNvPr id="1197" name="그림 4"/>
+          <p:cNvPicPr>
+            <a:picLocks noChangeAspect="1"/>
+          </p:cNvPicPr>
+          <p:nvPr/>
+        </p:nvPicPr>
+        <p:blipFill rotWithShape="1">
+          <a:blip r:embed="rId11" cstate="hqprint">
+            <a:extLst>
+              <a:ext uri="{28A0092B-C50C-407E-A947-70E740481C1C}">
+                <a14:useLocalDpi xmlns:a14="http://schemas.microsoft.com/office/drawing/2010/main"/>
+              </a:ext>
+            </a:extLst>
+          </a:blip>
+          <a:stretch>
+            <a:fillRect/>
+          </a:stretch>
+        </p:blipFill>
+        <p:spPr>
+          <a:xfrm rot="0">
+            <a:off x="1304925" y="1288415"/>
+            <a:ext cx="1341120" cy="973455"/>
+          </a:xfrm>
+          <a:prstGeom prst="roundRect"/>
+          <a:solidFill>
+            <a:srgbClr val="EDEDED"/>
+          </a:solidFill>
+        </p:spPr>
+      </p:pic>
+      <p:sp>
+        <p:nvSpPr>
+          <p:cNvPr id="1198" name="텍스트 상자 5"/>
+          <p:cNvSpPr txBox="1">
+            <a:spLocks/>
+          </p:cNvSpPr>
+          <p:nvPr/>
+        </p:nvSpPr>
+        <p:spPr>
+          <a:xfrm rot="0">
+            <a:off x="1303020" y="5370830"/>
+            <a:ext cx="4055110" cy="923925"/>
+          </a:xfrm>
+          <a:prstGeom prst="rect"/>
+          <a:noFill/>
+          <a:ln w="0">
+            <a:noFill/>
+            <a:prstDash/>
+          </a:ln>
+        </p:spPr>
+        <p:txBody>
+          <a:bodyPr wrap="square" lIns="89535" tIns="46355" rIns="89535" bIns="46355" vert="horz" anchor="t">
+            <a:spAutoFit/>
+          </a:bodyPr>
+          <a:lstStyle/>
+          <a:p>
+            <a:pPr marL="0" indent="0" rtl="0" algn="l" defTabSz="914400" eaLnBrk="1" latinLnBrk="0" hangingPunct="1">
+              <a:buFontTx/>
+              <a:buNone/>
+            </a:pPr>
+            <a:r>
+              <a:rPr sz="1800" b="1">
+                <a:solidFill>
+                  <a:srgbClr val="0611F2"/>
+                </a:solidFill>
+                <a:latin typeface="맑은 고딕" charset="0"/>
+                <a:ea typeface="맑은 고딕" charset="0"/>
+              </a:rPr>
+              <a:t>12</a:t>
+            </a:r>
+            <a:r>
+              <a:rPr sz="1800" b="1">
+                <a:solidFill>
+                  <a:srgbClr val="0611F2"/>
+                </a:solidFill>
+                <a:latin typeface="맑은 고딕" charset="0"/>
+                <a:ea typeface="맑은 고딕" charset="0"/>
+              </a:rPr>
+              <a:t>.</a:t>
+            </a:r>
+            <a:r>
+              <a:rPr sz="1800">
+                <a:latin typeface="맑은 고딕" charset="0"/>
+                <a:ea typeface="맑은 고딕" charset="0"/>
+              </a:rPr>
+              <a:t> </a:t>
+            </a:r>
+            <a:r>
+              <a:rPr sz="1800">
+                <a:latin typeface="맑은 고딕" charset="0"/>
+                <a:ea typeface="맑은 고딕" charset="0"/>
+              </a:rPr>
+              <a:t>이</a:t>
+            </a:r>
+            <a:r>
+              <a:rPr lang="ko-KR" sz="1800">
+                <a:latin typeface="맑은 고딕" charset="0"/>
+                <a:ea typeface="맑은 고딕" charset="0"/>
+              </a:rPr>
+              <a:t>제</a:t>
+            </a:r>
+            <a:r>
+              <a:rPr sz="1800">
+                <a:latin typeface="맑은 고딕" charset="0"/>
+                <a:ea typeface="맑은 고딕" charset="0"/>
+              </a:rPr>
+              <a:t> </a:t>
+            </a:r>
+            <a:r>
+              <a:rPr lang="ko-KR" sz="1800">
+                <a:latin typeface="맑은 고딕" charset="0"/>
+                <a:ea typeface="맑은 고딕" charset="0"/>
+              </a:rPr>
+              <a:t>Sound Box오브젝트에 있는 Audio Source 컴포넌트에 Spatial Blend를 </a:t>
+            </a:r>
+            <a:r>
+              <a:rPr sz="1800">
+                <a:latin typeface="맑은 고딕" charset="0"/>
+                <a:ea typeface="맑은 고딕" charset="0"/>
+              </a:rPr>
+              <a:t>1</a:t>
+            </a:r>
+            <a:r>
+              <a:rPr lang="ko-KR" sz="1800">
+                <a:latin typeface="맑은 고딕" charset="0"/>
+                <a:ea typeface="맑은 고딕" charset="0"/>
+              </a:rPr>
+              <a:t>로 설정합니다.</a:t>
+            </a:r>
+            <a:endParaRPr lang="ko-KR" altLang="en-US" sz="1800">
+              <a:latin typeface="맑은 고딕" charset="0"/>
+              <a:ea typeface="맑은 고딕" charset="0"/>
+            </a:endParaRPr>
+          </a:p>
+        </p:txBody>
+      </p:sp>
+      <p:pic>
+        <p:nvPicPr>
+          <p:cNvPr id="1201" name="그림 11"/>
+          <p:cNvPicPr>
+            <a:picLocks noChangeAspect="1"/>
+          </p:cNvPicPr>
+          <p:nvPr/>
+        </p:nvPicPr>
+        <p:blipFill rotWithShape="1">
+          <a:blip r:embed="rId12" cstate="print">
             <a:extLst>
               <a:ext uri="{28A0092B-C50C-407E-A947-70E740481C1C}">
                 <a14:useLocalDpi xmlns:a14="http://schemas.microsoft.com/office/drawing/2010/main" val="0"/>
@@ -11327,23 +11351,25 @@
         </p:blipFill>
         <p:spPr>
           <a:xfrm rot="0">
-            <a:off x="1305560" y="1259205"/>
-            <a:ext cx="2600325" cy="3931285"/>
-          </a:xfrm>
-          <a:prstGeom prst="rect"/>
-          <a:noFill/>
+            <a:off x="6891655" y="1147445"/>
+            <a:ext cx="2495550" cy="3486150"/>
+          </a:xfrm>
+          <a:prstGeom prst="roundRect"/>
+          <a:solidFill>
+            <a:srgbClr val="EDEDED"/>
+          </a:solidFill>
         </p:spPr>
       </p:pic>
       <p:pic>
         <p:nvPicPr>
-          <p:cNvPr id="1207" name="그림 45"/>
+          <p:cNvPr id="1203" name="그림 19"/>
           <p:cNvPicPr>
             <a:picLocks noChangeAspect="1"/>
           </p:cNvPicPr>
           <p:nvPr/>
         </p:nvPicPr>
         <p:blipFill rotWithShape="1">
-          <a:blip r:embed="rId3" cstate="print">
+          <a:blip r:embed="rId13" cstate="print">
             <a:extLst>
               <a:ext uri="{28A0092B-C50C-407E-A947-70E740481C1C}">
                 <a14:useLocalDpi xmlns:a14="http://schemas.microsoft.com/office/drawing/2010/main" val="0"/>
@@ -11356,8 +11382,8 @@
         </p:blipFill>
         <p:spPr>
           <a:xfrm rot="0">
-            <a:off x="4106545" y="2211070"/>
-            <a:ext cx="1248410" cy="1779270"/>
+            <a:off x="1291590" y="3854450"/>
+            <a:ext cx="1340485" cy="1106170"/>
           </a:xfrm>
           <a:prstGeom prst="roundRect"/>
           <a:solidFill>
@@ -11367,14 +11393,14 @@
       </p:pic>
       <p:pic>
         <p:nvPicPr>
-          <p:cNvPr id="1208" name="그림 48"/>
+          <p:cNvPr id="1204" name="그림 24"/>
           <p:cNvPicPr>
             <a:picLocks noChangeAspect="1"/>
           </p:cNvPicPr>
           <p:nvPr/>
         </p:nvPicPr>
         <p:blipFill rotWithShape="1">
-          <a:blip r:embed="rId4" cstate="print">
+          <a:blip r:embed="rId14" cstate="print">
             <a:extLst>
               <a:ext uri="{28A0092B-C50C-407E-A947-70E740481C1C}">
                 <a14:useLocalDpi xmlns:a14="http://schemas.microsoft.com/office/drawing/2010/main" val="0"/>
@@ -11387,25 +11413,23 @@
         </p:blipFill>
         <p:spPr>
           <a:xfrm rot="0">
-            <a:off x="6815455" y="1256030"/>
-            <a:ext cx="4202430" cy="2025015"/>
-          </a:xfrm>
-          <a:prstGeom prst="roundRect"/>
-          <a:solidFill>
-            <a:srgbClr val="EDEDED"/>
-          </a:solidFill>
+            <a:off x="2814320" y="3559175"/>
+            <a:ext cx="2538095" cy="1706245"/>
+          </a:xfrm>
+          <a:prstGeom prst="rect"/>
+          <a:noFill/>
         </p:spPr>
       </p:pic>
       <p:pic>
         <p:nvPicPr>
-          <p:cNvPr id="1209" name="그림 51"/>
+          <p:cNvPr id="1205" name="그림 29"/>
           <p:cNvPicPr>
             <a:picLocks noChangeAspect="1"/>
           </p:cNvPicPr>
           <p:nvPr/>
         </p:nvPicPr>
         <p:blipFill rotWithShape="1">
-          <a:blip r:embed="rId5" cstate="print">
+          <a:blip r:embed="rId15" cstate="print">
             <a:extLst>
               <a:ext uri="{28A0092B-C50C-407E-A947-70E740481C1C}">
                 <a14:useLocalDpi xmlns:a14="http://schemas.microsoft.com/office/drawing/2010/main" val="0"/>
@@ -11418,8 +11442,8 @@
         </p:blipFill>
         <p:spPr>
           <a:xfrm rot="0">
-            <a:off x="6803390" y="3544570"/>
-            <a:ext cx="4203700" cy="996315"/>
+            <a:off x="9655175" y="2018030"/>
+            <a:ext cx="1360805" cy="1878965"/>
           </a:xfrm>
           <a:prstGeom prst="roundRect"/>
           <a:solidFill>
@@ -11427,134 +11451,6 @@
           </a:solidFill>
         </p:spPr>
       </p:pic>
-      <p:cxnSp>
-        <p:nvCxnSpPr>
-          <p:cNvPr id="1210" name="도형 54"/>
-          <p:cNvCxnSpPr/>
-          <p:nvPr/>
-        </p:nvCxnSpPr>
-        <p:spPr>
-          <a:xfrm rot="0" flipV="1">
-            <a:off x="7853045" y="3079750"/>
-            <a:ext cx="2974340" cy="699135"/>
-          </a:xfrm>
-          <a:prstGeom prst="straightConnector1"/>
-          <a:ln w="6350" cap="flat" cmpd="sng">
-            <a:prstDash/>
-            <a:tailEnd type="triangle" w="med" len="med"/>
-          </a:ln>
-        </p:spPr>
-        <p:style>
-          <a:lnRef idx="1">
-            <a:schemeClr val="accent1"/>
-          </a:lnRef>
-          <a:fillRef idx="0">
-            <a:schemeClr val="accent1"/>
-          </a:fillRef>
-          <a:effectRef idx="0">
-            <a:schemeClr val="accent1"/>
-          </a:effectRef>
-          <a:fontRef idx="minor">
-            <a:schemeClr val="tx1"/>
-          </a:fontRef>
-        </p:style>
-      </p:cxnSp>
-      <p:cxnSp>
-        <p:nvCxnSpPr>
-          <p:cNvPr id="1211" name="도형 55"/>
-          <p:cNvCxnSpPr/>
-          <p:nvPr/>
-        </p:nvCxnSpPr>
-        <p:spPr>
-          <a:xfrm rot="0" flipV="1">
-            <a:off x="10815955" y="2962910"/>
-            <a:ext cx="11430" cy="805180"/>
-          </a:xfrm>
-          <a:prstGeom prst="straightConnector1"/>
-          <a:ln w="6350" cap="flat" cmpd="sng">
-            <a:prstDash/>
-            <a:tailEnd type="triangle" w="med" len="med"/>
-          </a:ln>
-        </p:spPr>
-        <p:style>
-          <a:lnRef idx="1">
-            <a:schemeClr val="accent1"/>
-          </a:lnRef>
-          <a:fillRef idx="0">
-            <a:schemeClr val="accent1"/>
-          </a:fillRef>
-          <a:effectRef idx="0">
-            <a:schemeClr val="accent1"/>
-          </a:effectRef>
-          <a:fontRef idx="minor">
-            <a:schemeClr val="tx1"/>
-          </a:fontRef>
-        </p:style>
-      </p:cxnSp>
-      <p:cxnSp>
-        <p:nvCxnSpPr>
-          <p:cNvPr id="1212" name="도형 56"/>
-          <p:cNvCxnSpPr/>
-          <p:nvPr/>
-        </p:nvCxnSpPr>
-        <p:spPr>
-          <a:xfrm rot="0" flipV="1">
-            <a:off x="8858250" y="3227070"/>
-            <a:ext cx="1958975" cy="562610"/>
-          </a:xfrm>
-          <a:prstGeom prst="straightConnector1"/>
-          <a:ln w="6350" cap="flat" cmpd="sng">
-            <a:prstDash/>
-            <a:tailEnd type="triangle" w="med" len="med"/>
-          </a:ln>
-        </p:spPr>
-        <p:style>
-          <a:lnRef idx="1">
-            <a:schemeClr val="accent1"/>
-          </a:lnRef>
-          <a:fillRef idx="0">
-            <a:schemeClr val="accent1"/>
-          </a:fillRef>
-          <a:effectRef idx="0">
-            <a:schemeClr val="accent1"/>
-          </a:effectRef>
-          <a:fontRef idx="minor">
-            <a:schemeClr val="tx1"/>
-          </a:fontRef>
-        </p:style>
-      </p:cxnSp>
-      <p:cxnSp>
-        <p:nvCxnSpPr>
-          <p:cNvPr id="1213" name="도형 11"/>
-          <p:cNvCxnSpPr/>
-          <p:nvPr/>
-        </p:nvCxnSpPr>
-        <p:spPr>
-          <a:xfrm rot="0" flipH="1">
-            <a:off x="2112645" y="3184525"/>
-            <a:ext cx="2133600" cy="1709420"/>
-          </a:xfrm>
-          <a:prstGeom prst="straightConnector1"/>
-          <a:ln w="6350" cap="flat" cmpd="sng">
-            <a:prstDash/>
-            <a:tailEnd type="triangle" w="med" len="med"/>
-          </a:ln>
-        </p:spPr>
-        <p:style>
-          <a:lnRef idx="1">
-            <a:schemeClr val="accent1"/>
-          </a:lnRef>
-          <a:fillRef idx="0">
-            <a:schemeClr val="accent1"/>
-          </a:fillRef>
-          <a:effectRef idx="0">
-            <a:schemeClr val="accent1"/>
-          </a:effectRef>
-          <a:fontRef idx="minor">
-            <a:schemeClr val="tx1"/>
-          </a:fontRef>
-        </p:style>
-      </p:cxnSp>
     </p:spTree>
   </p:cSld>
   <p:clrMapOvr>
@@ -11604,9 +11500,9 @@
           <p:nvPr/>
         </p:nvSpPr>
         <p:spPr>
-          <a:xfrm rot="0">
-            <a:off x="4727575" y="354965"/>
-            <a:ext cx="2996565" cy="478155"/>
+          <a:xfrm>
+            <a:off x="4675505" y="346075"/>
+            <a:ext cx="3092450" cy="478155"/>
           </a:xfrm>
           <a:prstGeom prst="rect"/>
           <a:noFill/>
@@ -11633,7 +11529,17 @@
                 <a:latin typeface="나눔바른고딕" charset="0"/>
                 <a:ea typeface="나눔바른고딕" charset="0"/>
               </a:rPr>
-              <a:t>여섯 번째 튜토리얼</a:t>
+              <a:t>여섯</a:t>
+            </a:r>
+            <a:r>
+              <a:rPr lang="ko-KR" altLang="en-US" sz="2500" b="1">
+                <a:solidFill>
+                  <a:schemeClr val="tx1"/>
+                </a:solidFill>
+                <a:latin typeface="나눔바른고딕" charset="0"/>
+                <a:ea typeface="나눔바른고딕" charset="0"/>
+              </a:rPr>
+              <a:t> 번째 튜토리얼</a:t>
             </a:r>
             <a:endParaRPr lang="ko-KR" altLang="en-US" sz="2500" b="1">
               <a:solidFill>
@@ -11655,8 +11561,8 @@
         </p:nvSpPr>
         <p:spPr>
           <a:xfrm rot="0">
-            <a:off x="6805295" y="4004310"/>
-            <a:ext cx="4350385" cy="2308225"/>
+            <a:off x="6805295" y="4544060"/>
+            <a:ext cx="4189095" cy="1754505"/>
           </a:xfrm>
           <a:prstGeom prst="rect"/>
           <a:noFill/>
@@ -11693,7 +11599,7 @@
                 <a:latin typeface="맑은 고딕" charset="0"/>
                 <a:ea typeface="맑은 고딕" charset="0"/>
               </a:rPr>
-              <a:t>7</a:t>
+              <a:t>5</a:t>
             </a:r>
             <a:r>
               <a:rPr sz="1800" b="1">
@@ -11717,7 +11623,42 @@
                 <a:latin typeface="맑은 고딕" charset="0"/>
                 <a:ea typeface="맑은 고딕" charset="0"/>
               </a:rPr>
-              <a:t>그런 다음 SoundCall( ) 함수를 생성하고 매개변수로 string 변수를 설정합니다.</a:t>
+              <a:t>이제 Project 폴더에서 </a:t>
+            </a:r>
+            <a:r>
+              <a:rPr lang="ko-KR" sz="1800">
+                <a:latin typeface="맑은 고딕" charset="0"/>
+                <a:ea typeface="맑은 고딕" charset="0"/>
+              </a:rPr>
+              <a:t>Sound</a:t>
+            </a:r>
+            <a:r>
+              <a:rPr lang="ko-KR" sz="1800">
+                <a:latin typeface="맑은 고딕" charset="0"/>
+                <a:ea typeface="맑은 고딕" charset="0"/>
+              </a:rPr>
+              <a:t>에 </a:t>
+            </a:r>
+            <a:r>
+              <a:rPr lang="ko-KR" sz="1800">
+                <a:latin typeface="맑은 고딕" charset="0"/>
+                <a:ea typeface="맑은 고딕" charset="0"/>
+              </a:rPr>
+              <a:t>Explosion과 Magic 그리고 Siren 사운드</a:t>
+            </a:r>
+            <a:r>
+              <a:rPr lang="ko-KR" sz="1800">
+                <a:latin typeface="맑은 고딕" charset="0"/>
+                <a:ea typeface="맑은 고딕" charset="0"/>
+              </a:rPr>
+              <a:t>를 선택</a:t>
+            </a:r>
+            <a:r>
+              <a:rPr lang="ko-KR" sz="1800">
+                <a:latin typeface="맑은 고딕" charset="0"/>
+                <a:ea typeface="맑은 고딕" charset="0"/>
+              </a:rPr>
+              <a:t>합니다.</a:t>
             </a:r>
             <a:endParaRPr lang="ko-KR" altLang="en-US" sz="1800">
               <a:latin typeface="맑은 고딕" charset="0"/>
@@ -11744,7 +11685,28 @@
                 <a:latin typeface="맑은 고딕" charset="0"/>
                 <a:ea typeface="맑은 고딕" charset="0"/>
               </a:rPr>
-              <a:t>그리고 조건문을 통해 해당 string 변수의 이름이 일치하면 원하는 오디오 클립을 오디오 소스에 넣고 소리를 호출할 수 있도록 설정합니다.</a:t>
+              <a:t>그리고</a:t>
+            </a:r>
+            <a:r>
+              <a:rPr lang="ko-KR" sz="1800">
+                <a:latin typeface="맑은 고딕" charset="0"/>
+                <a:ea typeface="맑은 고딕" charset="0"/>
+              </a:rPr>
+              <a:t> Sound</a:t>
+            </a:r>
+            <a:r>
+              <a:rPr lang="ko-KR" sz="1800">
+                <a:latin typeface="맑은 고딕" charset="0"/>
+                <a:ea typeface="맑은 고딕" charset="0"/>
+              </a:rPr>
+              <a:t> Manager 오브젝트의 배열에 순서대로 넣어줍니다</a:t>
+            </a:r>
+            <a:r>
+              <a:rPr lang="ko-KR" sz="1800">
+                <a:latin typeface="맑은 고딕" charset="0"/>
+                <a:ea typeface="맑은 고딕" charset="0"/>
+              </a:rPr>
+              <a:t>.</a:t>
             </a:r>
             <a:endParaRPr lang="ko-KR" altLang="en-US" sz="1800">
               <a:latin typeface="맑은 고딕" charset="0"/>
@@ -11763,8 +11725,8 @@
         </p:nvSpPr>
         <p:spPr>
           <a:xfrm rot="0">
-            <a:off x="1303020" y="2522855"/>
-            <a:ext cx="4051300" cy="1754505"/>
+            <a:off x="1303020" y="5370830"/>
+            <a:ext cx="4055110" cy="923925"/>
           </a:xfrm>
           <a:prstGeom prst="rect"/>
           <a:noFill/>
@@ -11774,7 +11736,7 @@
           </a:ln>
         </p:spPr>
         <p:txBody>
-          <a:bodyPr wrap="square" lIns="89535" tIns="46355" rIns="89535" bIns="46355" numCol="1" vert="horz" anchor="t">
+          <a:bodyPr wrap="square" lIns="89535" tIns="46355" rIns="89535" bIns="46355" vert="horz" anchor="t">
             <a:spAutoFit/>
           </a:bodyPr>
           <a:lstStyle/>
@@ -11801,7 +11763,7 @@
                 <a:latin typeface="맑은 고딕" charset="0"/>
                 <a:ea typeface="맑은 고딕" charset="0"/>
               </a:rPr>
-              <a:t>6</a:t>
+              <a:t>4</a:t>
             </a:r>
             <a:r>
               <a:rPr sz="1800" b="1">
@@ -11825,45 +11787,18 @@
                 <a:latin typeface="맑은 고딕" charset="0"/>
                 <a:ea typeface="맑은 고딕" charset="0"/>
               </a:rPr>
-              <a:t>그다음 SoundManager 스크립트에서 AudioSource 컴포넌트를 가져옵니다.</a:t>
+              <a:t>그런 다음 Volume 오브젝트의 On Value Changed에 Sound Manager를 선택하여 넣어줍니다.</a:t>
             </a:r>
             <a:endParaRPr lang="ko-KR" altLang="en-US" sz="1800">
               <a:latin typeface="맑은 고딕" charset="0"/>
               <a:ea typeface="맑은 고딕" charset="0"/>
             </a:endParaRPr>
           </a:p>
-          <a:p>
-            <a:pPr marL="0" indent="0" rtl="0" algn="l" defTabSz="914400" eaLnBrk="1" latinLnBrk="0" hangingPunct="1">
-              <a:buFontTx/>
-              <a:buNone/>
-            </a:pPr>
-            <a:endParaRPr lang="ko-KR" altLang="en-US" sz="1800">
-              <a:latin typeface="맑은 고딕" charset="0"/>
-              <a:ea typeface="맑은 고딕" charset="0"/>
-            </a:endParaRPr>
-          </a:p>
-          <a:p>
-            <a:pPr marL="0" indent="0" rtl="0" algn="l" defTabSz="914400" eaLnBrk="1" latinLnBrk="0" hangingPunct="1">
-              <a:buFontTx/>
-              <a:buNone/>
-            </a:pPr>
-            <a:r>
-              <a:rPr lang="ko-KR" sz="1800">
-                <a:latin typeface="맑은 고딕" charset="0"/>
-                <a:ea typeface="맑은 고딕" charset="0"/>
-              </a:rPr>
-              <a:t>그리고 여러 개의 사운드를 저장하기 위해 AudioClip을 배열로 설정합니다.</a:t>
-            </a:r>
-            <a:endParaRPr lang="ko-KR" altLang="en-US" sz="1800">
-              <a:latin typeface="맑은 고딕" charset="0"/>
-              <a:ea typeface="맑은 고딕" charset="0"/>
-            </a:endParaRPr>
-          </a:p>
         </p:txBody>
       </p:sp>
       <p:pic>
         <p:nvPicPr>
-          <p:cNvPr id="1213" name="Picture "/>
+          <p:cNvPr id="1206" name="그림 41"/>
           <p:cNvPicPr>
             <a:picLocks noChangeAspect="1"/>
           </p:cNvPicPr>
@@ -11883,8 +11818,8 @@
         </p:blipFill>
         <p:spPr>
           <a:xfrm rot="0">
-            <a:off x="1301750" y="1265555"/>
-            <a:ext cx="4043680" cy="1158240"/>
+            <a:off x="1305560" y="1259205"/>
+            <a:ext cx="2600325" cy="3931285"/>
           </a:xfrm>
           <a:prstGeom prst="rect"/>
           <a:noFill/>
@@ -11892,7 +11827,7 @@
       </p:pic>
       <p:pic>
         <p:nvPicPr>
-          <p:cNvPr id="1214" name="Picture "/>
+          <p:cNvPr id="1207" name="그림 45"/>
           <p:cNvPicPr>
             <a:picLocks noChangeAspect="1"/>
           </p:cNvPicPr>
@@ -11912,26 +11847,28 @@
         </p:blipFill>
         <p:spPr>
           <a:xfrm rot="0">
-            <a:off x="6803390" y="1270000"/>
-            <a:ext cx="4352290" cy="2498090"/>
-          </a:xfrm>
-          <a:prstGeom prst="rect"/>
-          <a:noFill/>
+            <a:off x="4106545" y="2211070"/>
+            <a:ext cx="1248410" cy="1779270"/>
+          </a:xfrm>
+          <a:prstGeom prst="roundRect"/>
+          <a:solidFill>
+            <a:srgbClr val="EDEDED"/>
+          </a:solidFill>
         </p:spPr>
       </p:pic>
       <p:pic>
         <p:nvPicPr>
-          <p:cNvPr id="1215" name="Picture "/>
+          <p:cNvPr id="1208" name="그림 48"/>
           <p:cNvPicPr>
             <a:picLocks noChangeAspect="1"/>
           </p:cNvPicPr>
           <p:nvPr/>
         </p:nvPicPr>
         <p:blipFill rotWithShape="1">
-          <a:blip r:embed="rId4" cstate="hqprint">
+          <a:blip r:embed="rId4" cstate="print">
             <a:extLst>
               <a:ext uri="{28A0092B-C50C-407E-A947-70E740481C1C}">
-                <a14:useLocalDpi xmlns:a14="http://schemas.microsoft.com/office/drawing/2010/main"/>
+                <a14:useLocalDpi xmlns:a14="http://schemas.microsoft.com/office/drawing/2010/main" val="0"/>
               </a:ext>
             </a:extLst>
           </a:blip>
@@ -11941,94 +11878,174 @@
         </p:blipFill>
         <p:spPr>
           <a:xfrm rot="0">
-            <a:off x="1296670" y="4425950"/>
-            <a:ext cx="4049395" cy="801370"/>
-          </a:xfrm>
-          <a:prstGeom prst="rect"/>
-          <a:noFill/>
+            <a:off x="6815455" y="1256030"/>
+            <a:ext cx="4202430" cy="2025015"/>
+          </a:xfrm>
+          <a:prstGeom prst="roundRect"/>
+          <a:solidFill>
+            <a:srgbClr val="EDEDED"/>
+          </a:solidFill>
         </p:spPr>
       </p:pic>
-      <p:sp>
-        <p:nvSpPr>
-          <p:cNvPr id="1216" name="Rect 0"/>
-          <p:cNvSpPr txBox="1">
-            <a:spLocks/>
-          </p:cNvSpPr>
+      <p:pic>
+        <p:nvPicPr>
+          <p:cNvPr id="1209" name="그림 51"/>
+          <p:cNvPicPr>
+            <a:picLocks noChangeAspect="1"/>
+          </p:cNvPicPr>
           <p:nvPr/>
-        </p:nvSpPr>
-        <p:spPr>
-          <a:xfrm rot="0">
-            <a:off x="1299210" y="5377815"/>
-            <a:ext cx="4204970" cy="923925"/>
-          </a:xfrm>
-          <a:prstGeom prst="rect"/>
-          <a:noFill/>
-          <a:ln w="0">
-            <a:noFill/>
+        </p:nvPicPr>
+        <p:blipFill rotWithShape="1">
+          <a:blip r:embed="rId5" cstate="print">
+            <a:extLst>
+              <a:ext uri="{28A0092B-C50C-407E-A947-70E740481C1C}">
+                <a14:useLocalDpi xmlns:a14="http://schemas.microsoft.com/office/drawing/2010/main" val="0"/>
+              </a:ext>
+            </a:extLst>
+          </a:blip>
+          <a:stretch>
+            <a:fillRect/>
+          </a:stretch>
+        </p:blipFill>
+        <p:spPr>
+          <a:xfrm rot="0">
+            <a:off x="6803390" y="3544570"/>
+            <a:ext cx="4203700" cy="996315"/>
+          </a:xfrm>
+          <a:prstGeom prst="roundRect"/>
+          <a:solidFill>
+            <a:srgbClr val="EDEDED"/>
+          </a:solidFill>
+        </p:spPr>
+      </p:pic>
+      <p:cxnSp>
+        <p:nvCxnSpPr>
+          <p:cNvPr id="1210" name="도형 54"/>
+          <p:cNvCxnSpPr/>
+          <p:nvPr/>
+        </p:nvCxnSpPr>
+        <p:spPr>
+          <a:xfrm rot="0" flipV="1">
+            <a:off x="7853045" y="3079750"/>
+            <a:ext cx="2974340" cy="699135"/>
+          </a:xfrm>
+          <a:prstGeom prst="straightConnector1"/>
+          <a:ln w="6350" cap="flat" cmpd="sng">
             <a:prstDash/>
+            <a:tailEnd type="triangle" w="med" len="med"/>
           </a:ln>
         </p:spPr>
-        <p:txBody>
-          <a:bodyPr wrap="square" lIns="89535" tIns="46355" rIns="89535" bIns="46355" numCol="1" vert="horz" anchor="t">
-            <a:spAutoFit/>
-          </a:bodyPr>
-          <a:lstStyle/>
-          <a:p>
-            <a:pPr marL="0" indent="0" rtl="0" algn="l" defTabSz="914400" eaLnBrk="1" latinLnBrk="0" hangingPunct="1">
-              <a:buFontTx/>
-              <a:buNone/>
-            </a:pPr>
-            <a:r>
-              <a:rPr sz="1800" b="1">
-                <a:solidFill>
-                  <a:srgbClr val="0611F2"/>
-                </a:solidFill>
-                <a:latin typeface="맑은 고딕" charset="0"/>
-                <a:ea typeface="맑은 고딕" charset="0"/>
-              </a:rPr>
-              <a:t>1</a:t>
-            </a:r>
-            <a:r>
-              <a:rPr lang="ko-KR" sz="1800" b="1">
-                <a:solidFill>
-                  <a:srgbClr val="0611F2"/>
-                </a:solidFill>
-                <a:latin typeface="맑은 고딕" charset="0"/>
-                <a:ea typeface="맑은 고딕" charset="0"/>
-              </a:rPr>
-              <a:t>7</a:t>
-            </a:r>
-            <a:r>
-              <a:rPr sz="1800" b="1">
-                <a:solidFill>
-                  <a:srgbClr val="0611F2"/>
-                </a:solidFill>
-                <a:latin typeface="맑은 고딕" charset="0"/>
-                <a:ea typeface="맑은 고딕" charset="0"/>
-              </a:rPr>
-              <a:t>.</a:t>
-            </a:r>
-            <a:r>
-              <a:rPr sz="1800">
-                <a:latin typeface="맑은 고딕" charset="0"/>
-                <a:ea typeface="맑은 고딕" charset="0"/>
-              </a:rPr>
-              <a:t> </a:t>
-            </a:r>
-            <a:r>
-              <a:rPr lang="ko-KR" sz="1800">
-                <a:latin typeface="맑은 고딕" charset="0"/>
-                <a:ea typeface="맑은 고딕" charset="0"/>
-              </a:rPr>
-              <a:t>이제 VolumeControl( ) 함수를 생성하고 매개변수에 float 변수로 오디오 소스의 볼륨 값으로 설정합니다.</a:t>
-            </a:r>
-            <a:endParaRPr lang="ko-KR" altLang="en-US" sz="1800">
-              <a:latin typeface="맑은 고딕" charset="0"/>
-              <a:ea typeface="맑은 고딕" charset="0"/>
-            </a:endParaRPr>
-          </a:p>
-        </p:txBody>
-      </p:sp>
+        <p:style>
+          <a:lnRef idx="1">
+            <a:schemeClr val="accent1"/>
+          </a:lnRef>
+          <a:fillRef idx="0">
+            <a:schemeClr val="accent1"/>
+          </a:fillRef>
+          <a:effectRef idx="0">
+            <a:schemeClr val="accent1"/>
+          </a:effectRef>
+          <a:fontRef idx="minor">
+            <a:schemeClr val="tx1"/>
+          </a:fontRef>
+        </p:style>
+      </p:cxnSp>
+      <p:cxnSp>
+        <p:nvCxnSpPr>
+          <p:cNvPr id="1211" name="도형 55"/>
+          <p:cNvCxnSpPr/>
+          <p:nvPr/>
+        </p:nvCxnSpPr>
+        <p:spPr>
+          <a:xfrm rot="0" flipV="1">
+            <a:off x="10815955" y="2962910"/>
+            <a:ext cx="11430" cy="805180"/>
+          </a:xfrm>
+          <a:prstGeom prst="straightConnector1"/>
+          <a:ln w="6350" cap="flat" cmpd="sng">
+            <a:prstDash/>
+            <a:tailEnd type="triangle" w="med" len="med"/>
+          </a:ln>
+        </p:spPr>
+        <p:style>
+          <a:lnRef idx="1">
+            <a:schemeClr val="accent1"/>
+          </a:lnRef>
+          <a:fillRef idx="0">
+            <a:schemeClr val="accent1"/>
+          </a:fillRef>
+          <a:effectRef idx="0">
+            <a:schemeClr val="accent1"/>
+          </a:effectRef>
+          <a:fontRef idx="minor">
+            <a:schemeClr val="tx1"/>
+          </a:fontRef>
+        </p:style>
+      </p:cxnSp>
+      <p:cxnSp>
+        <p:nvCxnSpPr>
+          <p:cNvPr id="1212" name="도형 56"/>
+          <p:cNvCxnSpPr/>
+          <p:nvPr/>
+        </p:nvCxnSpPr>
+        <p:spPr>
+          <a:xfrm rot="0" flipV="1">
+            <a:off x="8858250" y="3227070"/>
+            <a:ext cx="1958975" cy="562610"/>
+          </a:xfrm>
+          <a:prstGeom prst="straightConnector1"/>
+          <a:ln w="6350" cap="flat" cmpd="sng">
+            <a:prstDash/>
+            <a:tailEnd type="triangle" w="med" len="med"/>
+          </a:ln>
+        </p:spPr>
+        <p:style>
+          <a:lnRef idx="1">
+            <a:schemeClr val="accent1"/>
+          </a:lnRef>
+          <a:fillRef idx="0">
+            <a:schemeClr val="accent1"/>
+          </a:fillRef>
+          <a:effectRef idx="0">
+            <a:schemeClr val="accent1"/>
+          </a:effectRef>
+          <a:fontRef idx="minor">
+            <a:schemeClr val="tx1"/>
+          </a:fontRef>
+        </p:style>
+      </p:cxnSp>
+      <p:cxnSp>
+        <p:nvCxnSpPr>
+          <p:cNvPr id="1213" name="도형 11"/>
+          <p:cNvCxnSpPr/>
+          <p:nvPr/>
+        </p:nvCxnSpPr>
+        <p:spPr>
+          <a:xfrm rot="0" flipH="1">
+            <a:off x="2112645" y="3184525"/>
+            <a:ext cx="2133600" cy="1709420"/>
+          </a:xfrm>
+          <a:prstGeom prst="straightConnector1"/>
+          <a:ln w="6350" cap="flat" cmpd="sng">
+            <a:prstDash/>
+            <a:tailEnd type="triangle" w="med" len="med"/>
+          </a:ln>
+        </p:spPr>
+        <p:style>
+          <a:lnRef idx="1">
+            <a:schemeClr val="accent1"/>
+          </a:lnRef>
+          <a:fillRef idx="0">
+            <a:schemeClr val="accent1"/>
+          </a:fillRef>
+          <a:effectRef idx="0">
+            <a:schemeClr val="accent1"/>
+          </a:effectRef>
+          <a:fontRef idx="minor">
+            <a:schemeClr val="tx1"/>
+          </a:fontRef>
+        </p:style>
+      </p:cxnSp>
     </p:spTree>
   </p:cSld>
   <p:clrMapOvr>
@@ -12078,9 +12095,9 @@
           <p:nvPr/>
         </p:nvSpPr>
         <p:spPr>
-          <a:xfrm rot="0">
-            <a:off x="4580255" y="363855"/>
-            <a:ext cx="3031490" cy="478155"/>
+          <a:xfrm>
+            <a:off x="4727575" y="354965"/>
+            <a:ext cx="2997200" cy="478155"/>
           </a:xfrm>
           <a:prstGeom prst="rect"/>
           <a:noFill/>
@@ -12107,7 +12124,17 @@
                 <a:latin typeface="나눔바른고딕" charset="0"/>
                 <a:ea typeface="나눔바른고딕" charset="0"/>
               </a:rPr>
-              <a:t>일곱 번째 튜토리얼</a:t>
+              <a:t>일곱</a:t>
+            </a:r>
+            <a:r>
+              <a:rPr lang="ko-KR" altLang="en-US" sz="2500" b="1">
+                <a:solidFill>
+                  <a:schemeClr val="tx1"/>
+                </a:solidFill>
+                <a:latin typeface="나눔바른고딕" charset="0"/>
+                <a:ea typeface="나눔바른고딕" charset="0"/>
+              </a:rPr>
+              <a:t> 번째 튜토리얼</a:t>
             </a:r>
             <a:endParaRPr lang="ko-KR" altLang="en-US" sz="2500" b="1">
               <a:solidFill>
@@ -12121,7 +12148,7 @@
       </p:sp>
       <p:sp>
         <p:nvSpPr>
-          <p:cNvPr id="1216" name="Rect 0"/>
+          <p:cNvPr id="1194" name="Rect 0"/>
           <p:cNvSpPr txBox="1">
             <a:spLocks/>
           </p:cNvSpPr>
@@ -12129,8 +12156,8 @@
         </p:nvSpPr>
         <p:spPr>
           <a:xfrm rot="0">
-            <a:off x="1212850" y="2642870"/>
-            <a:ext cx="4147820" cy="1477645"/>
+            <a:off x="6805295" y="4004310"/>
+            <a:ext cx="4350385" cy="2308225"/>
           </a:xfrm>
           <a:prstGeom prst="rect"/>
           <a:noFill/>
@@ -12167,7 +12194,7 @@
                 <a:latin typeface="맑은 고딕" charset="0"/>
                 <a:ea typeface="맑은 고딕" charset="0"/>
               </a:rPr>
-              <a:t>8</a:t>
+              <a:t>7</a:t>
             </a:r>
             <a:r>
               <a:rPr sz="1800" b="1">
@@ -12191,7 +12218,7 @@
                 <a:latin typeface="맑은 고딕" charset="0"/>
                 <a:ea typeface="맑은 고딕" charset="0"/>
               </a:rPr>
-              <a:t>그다음 Project 폴더에서 Texture에 Noodle 스프라이트 이미지를 선택합니다.</a:t>
+              <a:t>그런 다음 SoundCall( ) 함수를 생성하고 매개변수로 string 변수를 설정합니다.</a:t>
             </a:r>
             <a:endParaRPr lang="ko-KR" altLang="en-US" sz="1800">
               <a:latin typeface="맑은 고딕" charset="0"/>
@@ -12218,7 +12245,7 @@
                 <a:latin typeface="맑은 고딕" charset="0"/>
                 <a:ea typeface="맑은 고딕" charset="0"/>
               </a:rPr>
-              <a:t>그리고 Handle 오브젝트에 넣어줍니다.</a:t>
+              <a:t>그리고 조건문을 통해 해당 string 변수의 이름이 일치하면 원하는 오디오 클립을 오디오 소스에 넣고 소리를 호출할 수 있도록 설정합니다.</a:t>
             </a:r>
             <a:endParaRPr lang="ko-KR" altLang="en-US" sz="1800">
               <a:latin typeface="맑은 고딕" charset="0"/>
@@ -12227,9 +12254,117 @@
           </a:p>
         </p:txBody>
       </p:sp>
+      <p:sp>
+        <p:nvSpPr>
+          <p:cNvPr id="1198" name="Rect 0"/>
+          <p:cNvSpPr txBox="1">
+            <a:spLocks/>
+          </p:cNvSpPr>
+          <p:nvPr/>
+        </p:nvSpPr>
+        <p:spPr>
+          <a:xfrm rot="0">
+            <a:off x="1303020" y="2522855"/>
+            <a:ext cx="4051300" cy="1754505"/>
+          </a:xfrm>
+          <a:prstGeom prst="rect"/>
+          <a:noFill/>
+          <a:ln w="0">
+            <a:noFill/>
+            <a:prstDash/>
+          </a:ln>
+        </p:spPr>
+        <p:txBody>
+          <a:bodyPr wrap="square" lIns="89535" tIns="46355" rIns="89535" bIns="46355" numCol="1" vert="horz" anchor="t">
+            <a:spAutoFit/>
+          </a:bodyPr>
+          <a:lstStyle/>
+          <a:p>
+            <a:pPr marL="0" indent="0" rtl="0" algn="l" defTabSz="914400" eaLnBrk="1" latinLnBrk="0" hangingPunct="1">
+              <a:buFontTx/>
+              <a:buNone/>
+            </a:pPr>
+            <a:r>
+              <a:rPr sz="1800" b="1">
+                <a:solidFill>
+                  <a:srgbClr val="0611F2"/>
+                </a:solidFill>
+                <a:latin typeface="맑은 고딕" charset="0"/>
+                <a:ea typeface="맑은 고딕" charset="0"/>
+              </a:rPr>
+              <a:t>1</a:t>
+            </a:r>
+            <a:r>
+              <a:rPr lang="ko-KR" sz="1800" b="1">
+                <a:solidFill>
+                  <a:srgbClr val="0611F2"/>
+                </a:solidFill>
+                <a:latin typeface="맑은 고딕" charset="0"/>
+                <a:ea typeface="맑은 고딕" charset="0"/>
+              </a:rPr>
+              <a:t>6</a:t>
+            </a:r>
+            <a:r>
+              <a:rPr sz="1800" b="1">
+                <a:solidFill>
+                  <a:srgbClr val="0611F2"/>
+                </a:solidFill>
+                <a:latin typeface="맑은 고딕" charset="0"/>
+                <a:ea typeface="맑은 고딕" charset="0"/>
+              </a:rPr>
+              <a:t>.</a:t>
+            </a:r>
+            <a:r>
+              <a:rPr sz="1800">
+                <a:latin typeface="맑은 고딕" charset="0"/>
+                <a:ea typeface="맑은 고딕" charset="0"/>
+              </a:rPr>
+              <a:t> </a:t>
+            </a:r>
+            <a:r>
+              <a:rPr lang="ko-KR" sz="1800">
+                <a:latin typeface="맑은 고딕" charset="0"/>
+                <a:ea typeface="맑은 고딕" charset="0"/>
+              </a:rPr>
+              <a:t>그다음 SoundManager 스크립트에서 AudioSource 컴포넌트를 가져옵니다.</a:t>
+            </a:r>
+            <a:endParaRPr lang="ko-KR" altLang="en-US" sz="1800">
+              <a:latin typeface="맑은 고딕" charset="0"/>
+              <a:ea typeface="맑은 고딕" charset="0"/>
+            </a:endParaRPr>
+          </a:p>
+          <a:p>
+            <a:pPr marL="0" indent="0" rtl="0" algn="l" defTabSz="914400" eaLnBrk="1" latinLnBrk="0" hangingPunct="1">
+              <a:buFontTx/>
+              <a:buNone/>
+            </a:pPr>
+            <a:endParaRPr lang="ko-KR" altLang="en-US" sz="1800">
+              <a:latin typeface="맑은 고딕" charset="0"/>
+              <a:ea typeface="맑은 고딕" charset="0"/>
+            </a:endParaRPr>
+          </a:p>
+          <a:p>
+            <a:pPr marL="0" indent="0" rtl="0" algn="l" defTabSz="914400" eaLnBrk="1" latinLnBrk="0" hangingPunct="1">
+              <a:buFontTx/>
+              <a:buNone/>
+            </a:pPr>
+            <a:r>
+              <a:rPr lang="ko-KR" sz="1800">
+                <a:latin typeface="맑은 고딕" charset="0"/>
+                <a:ea typeface="맑은 고딕" charset="0"/>
+              </a:rPr>
+              <a:t>그리고 여러 개의 사운드를 저장하기 위해 AudioClip을 배열로 설정합니다.</a:t>
+            </a:r>
+            <a:endParaRPr lang="ko-KR" altLang="en-US" sz="1800">
+              <a:latin typeface="맑은 고딕" charset="0"/>
+              <a:ea typeface="맑은 고딕" charset="0"/>
+            </a:endParaRPr>
+          </a:p>
+        </p:txBody>
+      </p:sp>
       <p:pic>
         <p:nvPicPr>
-          <p:cNvPr id="1217" name="그림 1"/>
+          <p:cNvPr id="1213" name="Picture "/>
           <p:cNvPicPr>
             <a:picLocks noChangeAspect="1"/>
           </p:cNvPicPr>
@@ -12249,18 +12384,16 @@
         </p:blipFill>
         <p:spPr>
           <a:xfrm rot="0">
-            <a:off x="1213485" y="1271905"/>
-            <a:ext cx="1294130" cy="1207135"/>
-          </a:xfrm>
-          <a:prstGeom prst="roundRect"/>
-          <a:solidFill>
-            <a:srgbClr val="EDEDED"/>
-          </a:solidFill>
+            <a:off x="1301750" y="1265555"/>
+            <a:ext cx="4043680" cy="1158240"/>
+          </a:xfrm>
+          <a:prstGeom prst="rect"/>
+          <a:noFill/>
         </p:spPr>
       </p:pic>
       <p:pic>
         <p:nvPicPr>
-          <p:cNvPr id="1218" name="그림 4"/>
+          <p:cNvPr id="1214" name="Picture "/>
           <p:cNvPicPr>
             <a:picLocks noChangeAspect="1"/>
           </p:cNvPicPr>
@@ -12280,28 +12413,26 @@
         </p:blipFill>
         <p:spPr>
           <a:xfrm rot="0">
-            <a:off x="2648585" y="1271905"/>
-            <a:ext cx="2710180" cy="1216025"/>
-          </a:xfrm>
-          <a:prstGeom prst="roundRect"/>
-          <a:solidFill>
-            <a:srgbClr val="EDEDED"/>
-          </a:solidFill>
+            <a:off x="6803390" y="1270000"/>
+            <a:ext cx="4352290" cy="2498090"/>
+          </a:xfrm>
+          <a:prstGeom prst="rect"/>
+          <a:noFill/>
         </p:spPr>
       </p:pic>
       <p:pic>
         <p:nvPicPr>
-          <p:cNvPr id="1219" name="그림 7"/>
+          <p:cNvPr id="1215" name="Picture "/>
           <p:cNvPicPr>
             <a:picLocks noChangeAspect="1"/>
           </p:cNvPicPr>
           <p:nvPr/>
         </p:nvPicPr>
         <p:blipFill rotWithShape="1">
-          <a:blip r:embed="rId4" cstate="print">
+          <a:blip r:embed="rId4" cstate="hqprint">
             <a:extLst>
               <a:ext uri="{28A0092B-C50C-407E-A947-70E740481C1C}">
-                <a14:useLocalDpi xmlns:a14="http://schemas.microsoft.com/office/drawing/2010/main" val="0"/>
+                <a14:useLocalDpi xmlns:a14="http://schemas.microsoft.com/office/drawing/2010/main"/>
               </a:ext>
             </a:extLst>
           </a:blip>
@@ -12311,18 +12442,16 @@
         </p:blipFill>
         <p:spPr>
           <a:xfrm rot="0">
-            <a:off x="1211580" y="4239260"/>
-            <a:ext cx="4137025" cy="906780"/>
-          </a:xfrm>
-          <a:prstGeom prst="roundRect"/>
-          <a:solidFill>
-            <a:srgbClr val="EDEDED"/>
-          </a:solidFill>
+            <a:off x="1296670" y="4425950"/>
+            <a:ext cx="4049395" cy="801370"/>
+          </a:xfrm>
+          <a:prstGeom prst="rect"/>
+          <a:noFill/>
         </p:spPr>
       </p:pic>
       <p:sp>
         <p:nvSpPr>
-          <p:cNvPr id="1220" name="텍스트 상자 10"/>
+          <p:cNvPr id="1216" name="Rect 0"/>
           <p:cNvSpPr txBox="1">
             <a:spLocks/>
           </p:cNvSpPr>
@@ -12330,8 +12459,8 @@
         </p:nvSpPr>
         <p:spPr>
           <a:xfrm rot="0">
-            <a:off x="1216025" y="5248910"/>
-            <a:ext cx="4132580" cy="923925"/>
+            <a:off x="1299210" y="5377815"/>
+            <a:ext cx="4204970" cy="923925"/>
           </a:xfrm>
           <a:prstGeom prst="rect"/>
           <a:noFill/>
@@ -12368,7 +12497,7 @@
                 <a:latin typeface="맑은 고딕" charset="0"/>
                 <a:ea typeface="맑은 고딕" charset="0"/>
               </a:rPr>
-              <a:t>9</a:t>
+              <a:t>7</a:t>
             </a:r>
             <a:r>
               <a:rPr sz="1800" b="1">
@@ -12392,195 +12521,7 @@
                 <a:latin typeface="맑은 고딕" charset="0"/>
                 <a:ea typeface="맑은 고딕" charset="0"/>
               </a:rPr>
-              <a:t>이제</a:t>
-            </a:r>
-            <a:r>
-              <a:rPr lang="ko-KR" sz="1800">
-                <a:latin typeface="맑은 고딕" charset="0"/>
-                <a:ea typeface="맑은 고딕" charset="0"/>
-              </a:rPr>
-              <a:t> </a:t>
-            </a:r>
-            <a:r>
-              <a:rPr lang="ko-KR" sz="1800">
-                <a:latin typeface="맑은 고딕" charset="0"/>
-                <a:ea typeface="맑은 고딕" charset="0"/>
-              </a:rPr>
-              <a:t>Volume 오브젝트의 </a:t>
-            </a:r>
-            <a:r>
-              <a:rPr lang="ko-KR" sz="1800">
-                <a:latin typeface="맑은 고딕" charset="0"/>
-                <a:ea typeface="맑은 고딕" charset="0"/>
-              </a:rPr>
-              <a:t>On Value Changed에 </a:t>
-            </a:r>
-            <a:r>
-              <a:rPr lang="ko-KR" sz="1800">
-                <a:latin typeface="맑은 고딕" charset="0"/>
-                <a:ea typeface="맑은 고딕" charset="0"/>
-              </a:rPr>
-              <a:t>VolumeControl( ) 함수를 설정합니다. </a:t>
-            </a:r>
-            <a:endParaRPr lang="ko-KR" altLang="en-US" sz="1800">
-              <a:latin typeface="맑은 고딕" charset="0"/>
-              <a:ea typeface="맑은 고딕" charset="0"/>
-            </a:endParaRPr>
-          </a:p>
-        </p:txBody>
-      </p:sp>
-      <p:pic>
-        <p:nvPicPr>
-          <p:cNvPr id="1221" name="그림 13"/>
-          <p:cNvPicPr>
-            <a:picLocks noChangeAspect="1"/>
-          </p:cNvPicPr>
-          <p:nvPr/>
-        </p:nvPicPr>
-        <p:blipFill rotWithShape="1">
-          <a:blip r:embed="rId5" cstate="print">
-            <a:extLst>
-              <a:ext uri="{28A0092B-C50C-407E-A947-70E740481C1C}">
-                <a14:useLocalDpi xmlns:a14="http://schemas.microsoft.com/office/drawing/2010/main" val="0"/>
-              </a:ext>
-            </a:extLst>
-          </a:blip>
-          <a:stretch>
-            <a:fillRect/>
-          </a:stretch>
-        </p:blipFill>
-        <p:spPr>
-          <a:xfrm rot="0">
-            <a:off x="6849745" y="1671955"/>
-            <a:ext cx="1239520" cy="1878330"/>
-          </a:xfrm>
-          <a:prstGeom prst="roundRect"/>
-          <a:solidFill>
-            <a:srgbClr val="EDEDED"/>
-          </a:solidFill>
-        </p:spPr>
-      </p:pic>
-      <p:pic>
-        <p:nvPicPr>
-          <p:cNvPr id="1222" name="그림 16"/>
-          <p:cNvPicPr>
-            <a:picLocks noChangeAspect="1"/>
-          </p:cNvPicPr>
-          <p:nvPr/>
-        </p:nvPicPr>
-        <p:blipFill rotWithShape="1">
-          <a:blip r:embed="rId6" cstate="print">
-            <a:extLst>
-              <a:ext uri="{28A0092B-C50C-407E-A947-70E740481C1C}">
-                <a14:useLocalDpi xmlns:a14="http://schemas.microsoft.com/office/drawing/2010/main" val="0"/>
-              </a:ext>
-            </a:extLst>
-          </a:blip>
-          <a:stretch>
-            <a:fillRect/>
-          </a:stretch>
-        </p:blipFill>
-        <p:spPr>
-          <a:xfrm rot="0">
-            <a:off x="8313420" y="1271905"/>
-            <a:ext cx="2668905" cy="2752090"/>
-          </a:xfrm>
-          <a:prstGeom prst="roundRect"/>
-          <a:solidFill>
-            <a:srgbClr val="EDEDED"/>
-          </a:solidFill>
-        </p:spPr>
-      </p:pic>
-      <p:sp>
-        <p:nvSpPr>
-          <p:cNvPr id="1223" name="텍스트 상자 19"/>
-          <p:cNvSpPr txBox="1">
-            <a:spLocks/>
-          </p:cNvSpPr>
-          <p:nvPr/>
-        </p:nvSpPr>
-        <p:spPr>
-          <a:xfrm rot="0">
-            <a:off x="6837680" y="4119880"/>
-            <a:ext cx="4147820" cy="2031365"/>
-          </a:xfrm>
-          <a:prstGeom prst="rect"/>
-          <a:noFill/>
-          <a:ln w="0">
-            <a:noFill/>
-            <a:prstDash/>
-          </a:ln>
-        </p:spPr>
-        <p:txBody>
-          <a:bodyPr wrap="square" lIns="89535" tIns="46355" rIns="89535" bIns="46355" numCol="1" vert="horz" anchor="t">
-            <a:spAutoFit/>
-          </a:bodyPr>
-          <a:lstStyle/>
-          <a:p>
-            <a:pPr marL="0" indent="0" rtl="0" algn="l" defTabSz="914400" eaLnBrk="1" latinLnBrk="0" hangingPunct="1">
-              <a:buFontTx/>
-              <a:buNone/>
-            </a:pPr>
-            <a:r>
-              <a:rPr sz="1800" b="1">
-                <a:solidFill>
-                  <a:srgbClr val="0611F2"/>
-                </a:solidFill>
-                <a:latin typeface="맑은 고딕" charset="0"/>
-                <a:ea typeface="맑은 고딕" charset="0"/>
-              </a:rPr>
-              <a:t>20</a:t>
-            </a:r>
-            <a:r>
-              <a:rPr sz="1800" b="1">
-                <a:solidFill>
-                  <a:srgbClr val="0611F2"/>
-                </a:solidFill>
-                <a:latin typeface="맑은 고딕" charset="0"/>
-                <a:ea typeface="맑은 고딕" charset="0"/>
-              </a:rPr>
-              <a:t>.</a:t>
-            </a:r>
-            <a:r>
-              <a:rPr sz="1800">
-                <a:latin typeface="맑은 고딕" charset="0"/>
-                <a:ea typeface="맑은 고딕" charset="0"/>
-              </a:rPr>
-              <a:t> </a:t>
-            </a:r>
-            <a:r>
-              <a:rPr lang="ko-KR" sz="1800">
-                <a:latin typeface="맑은 고딕" charset="0"/>
-                <a:ea typeface="맑은 고딕" charset="0"/>
-              </a:rPr>
-              <a:t>그런 다음 UI에 Button 오브젝트 3개 생성합니다.</a:t>
-            </a:r>
-            <a:endParaRPr lang="ko-KR" altLang="en-US" sz="1800">
-              <a:latin typeface="맑은 고딕" charset="0"/>
-              <a:ea typeface="맑은 고딕" charset="0"/>
-            </a:endParaRPr>
-          </a:p>
-          <a:p>
-            <a:pPr marL="0" indent="0" rtl="0" algn="l" defTabSz="914400" eaLnBrk="1" latinLnBrk="0" hangingPunct="1">
-              <a:buFontTx/>
-              <a:buNone/>
-            </a:pPr>
-            <a:endParaRPr lang="ko-KR" altLang="en-US" sz="1800">
-              <a:latin typeface="맑은 고딕" charset="0"/>
-              <a:ea typeface="맑은 고딕" charset="0"/>
-            </a:endParaRPr>
-          </a:p>
-          <a:p>
-            <a:pPr marL="0" indent="0" rtl="0" algn="l" defTabSz="914400" eaLnBrk="1" latinLnBrk="0" hangingPunct="1">
-              <a:buFontTx/>
-              <a:buNone/>
-            </a:pPr>
-            <a:r>
-              <a:rPr lang="ko-KR" sz="1800">
-                <a:latin typeface="맑은 고딕" charset="0"/>
-                <a:ea typeface="맑은 고딕" charset="0"/>
-              </a:rPr>
-              <a:t>그다음으로 Siren Button과 Explosion Button 그리고 Magic Button으로 각각의 Button 오브젝트의 이름을 정의합니다. </a:t>
+              <a:t>이제 VolumeControl( ) 함수를 생성하고 매개변수에 float 변수로 오디오 소스의 볼륨 값으로 설정합니다.</a:t>
             </a:r>
             <a:endParaRPr lang="ko-KR" altLang="en-US" sz="1800">
               <a:latin typeface="맑은 고딕" charset="0"/>
@@ -12638,9 +12579,9 @@
           <p:nvPr/>
         </p:nvSpPr>
         <p:spPr>
-          <a:xfrm rot="0">
-            <a:off x="4675505" y="354965"/>
-            <a:ext cx="3074670" cy="478155"/>
+          <a:xfrm>
+            <a:off x="4580255" y="363855"/>
+            <a:ext cx="3032125" cy="478155"/>
           </a:xfrm>
           <a:prstGeom prst="rect"/>
           <a:noFill/>
@@ -12667,7 +12608,17 @@
                 <a:latin typeface="나눔바른고딕" charset="0"/>
                 <a:ea typeface="나눔바른고딕" charset="0"/>
               </a:rPr>
-              <a:t>여덟 번째 튜토리얼</a:t>
+              <a:t>여덟</a:t>
+            </a:r>
+            <a:r>
+              <a:rPr lang="ko-KR" altLang="en-US" sz="2500" b="1">
+                <a:solidFill>
+                  <a:schemeClr val="tx1"/>
+                </a:solidFill>
+                <a:latin typeface="나눔바른고딕" charset="0"/>
+                <a:ea typeface="나눔바른고딕" charset="0"/>
+              </a:rPr>
+              <a:t> 번째 튜토리얼</a:t>
             </a:r>
             <a:endParaRPr lang="ko-KR" altLang="en-US" sz="2500" b="1">
               <a:solidFill>
@@ -12689,8 +12640,8 @@
         </p:nvSpPr>
         <p:spPr>
           <a:xfrm rot="0">
-            <a:off x="1163320" y="4771390"/>
-            <a:ext cx="4205605" cy="1477645"/>
+            <a:off x="1212850" y="2642870"/>
+            <a:ext cx="4147820" cy="1477645"/>
           </a:xfrm>
           <a:prstGeom prst="rect"/>
           <a:noFill/>
@@ -12717,7 +12668,17 @@
                 <a:latin typeface="맑은 고딕" charset="0"/>
                 <a:ea typeface="맑은 고딕" charset="0"/>
               </a:rPr>
-              <a:t>21</a:t>
+              <a:t>1</a:t>
+            </a:r>
+            <a:r>
+              <a:rPr lang="ko-KR" sz="1800" b="1">
+                <a:solidFill>
+                  <a:srgbClr val="0611F2"/>
+                </a:solidFill>
+                <a:latin typeface="맑은 고딕" charset="0"/>
+                <a:ea typeface="맑은 고딕" charset="0"/>
+              </a:rPr>
+              <a:t>8</a:t>
             </a:r>
             <a:r>
               <a:rPr sz="1800" b="1">
@@ -12741,7 +12702,7 @@
                 <a:latin typeface="맑은 고딕" charset="0"/>
                 <a:ea typeface="맑은 고딕" charset="0"/>
               </a:rPr>
-              <a:t>이제 버튼의 앵커를 화면 좌측 상단으로 고정합니다.</a:t>
+              <a:t>그다음 Project 폴더에서 Texture에 Noodle 스프라이트 이미지를 선택합니다.</a:t>
             </a:r>
             <a:endParaRPr lang="ko-KR" altLang="en-US" sz="1800">
               <a:latin typeface="맑은 고딕" charset="0"/>
@@ -12768,7 +12729,7 @@
                 <a:latin typeface="맑은 고딕" charset="0"/>
                 <a:ea typeface="맑은 고딕" charset="0"/>
               </a:rPr>
-              <a:t>그런 다음 각각의 버튼의 위치를 설정합니다.</a:t>
+              <a:t>그리고 Handle 오브젝트에 넣어줍니다.</a:t>
             </a:r>
             <a:endParaRPr lang="ko-KR" altLang="en-US" sz="1800">
               <a:latin typeface="맑은 고딕" charset="0"/>
@@ -12777,90 +12738,9 @@
           </a:p>
         </p:txBody>
       </p:sp>
-      <p:sp>
-        <p:nvSpPr>
-          <p:cNvPr id="1223" name="Rect 0"/>
-          <p:cNvSpPr txBox="1">
-            <a:spLocks/>
-          </p:cNvSpPr>
-          <p:nvPr/>
-        </p:nvSpPr>
-        <p:spPr>
-          <a:xfrm rot="0">
-            <a:off x="6845935" y="5050790"/>
-            <a:ext cx="4136390" cy="1200785"/>
-          </a:xfrm>
-          <a:prstGeom prst="rect"/>
-          <a:noFill/>
-          <a:ln w="0">
-            <a:noFill/>
-            <a:prstDash/>
-          </a:ln>
-        </p:spPr>
-        <p:txBody>
-          <a:bodyPr wrap="square" lIns="89535" tIns="46355" rIns="89535" bIns="46355" numCol="1" vert="horz" anchor="t">
-            <a:spAutoFit/>
-          </a:bodyPr>
-          <a:lstStyle/>
-          <a:p>
-            <a:pPr marL="0" indent="0" rtl="0" algn="l" defTabSz="914400" eaLnBrk="1" latinLnBrk="0" hangingPunct="1">
-              <a:buFontTx/>
-              <a:buNone/>
-            </a:pPr>
-            <a:r>
-              <a:rPr sz="1800" b="1">
-                <a:solidFill>
-                  <a:srgbClr val="0611F2"/>
-                </a:solidFill>
-                <a:latin typeface="맑은 고딕" charset="0"/>
-                <a:ea typeface="맑은 고딕" charset="0"/>
-              </a:rPr>
-              <a:t>2</a:t>
-            </a:r>
-            <a:r>
-              <a:rPr lang="ko-KR" sz="1800" b="1">
-                <a:solidFill>
-                  <a:srgbClr val="0611F2"/>
-                </a:solidFill>
-                <a:latin typeface="맑은 고딕" charset="0"/>
-                <a:ea typeface="맑은 고딕" charset="0"/>
-              </a:rPr>
-              <a:t>2</a:t>
-            </a:r>
-            <a:r>
-              <a:rPr sz="1800" b="1">
-                <a:solidFill>
-                  <a:srgbClr val="0611F2"/>
-                </a:solidFill>
-                <a:latin typeface="맑은 고딕" charset="0"/>
-                <a:ea typeface="맑은 고딕" charset="0"/>
-              </a:rPr>
-              <a:t>.</a:t>
-            </a:r>
-            <a:r>
-              <a:rPr sz="1800">
-                <a:latin typeface="맑은 고딕" charset="0"/>
-                <a:ea typeface="맑은 고딕" charset="0"/>
-              </a:rPr>
-              <a:t> </a:t>
-            </a:r>
-            <a:r>
-              <a:rPr lang="ko-KR" sz="1800">
-                <a:latin typeface="맑은 고딕" charset="0"/>
-                <a:ea typeface="맑은 고딕" charset="0"/>
-              </a:rPr>
-              <a:t>이제 Project 폴더에서 Texture에 Explosion과 Magic 그리고 Siren 이미지를 각각의 버튼 이미지에 넣어줍니다.</a:t>
-            </a:r>
-            <a:endParaRPr lang="ko-KR" altLang="en-US" sz="1800">
-              <a:latin typeface="맑은 고딕" charset="0"/>
-              <a:ea typeface="맑은 고딕" charset="0"/>
-            </a:endParaRPr>
-          </a:p>
-        </p:txBody>
-      </p:sp>
       <p:pic>
         <p:nvPicPr>
-          <p:cNvPr id="1224" name="그림 20"/>
+          <p:cNvPr id="1217" name="그림 1"/>
           <p:cNvPicPr>
             <a:picLocks noChangeAspect="1"/>
           </p:cNvPicPr>
@@ -12880,8 +12760,8 @@
         </p:blipFill>
         <p:spPr>
           <a:xfrm rot="0">
-            <a:off x="1172210" y="1266190"/>
-            <a:ext cx="4198620" cy="1061720"/>
+            <a:off x="1213485" y="1271905"/>
+            <a:ext cx="1294130" cy="1207135"/>
           </a:xfrm>
           <a:prstGeom prst="roundRect"/>
           <a:solidFill>
@@ -12891,7 +12771,7 @@
       </p:pic>
       <p:pic>
         <p:nvPicPr>
-          <p:cNvPr id="1225" name="그림 21"/>
+          <p:cNvPr id="1218" name="그림 4"/>
           <p:cNvPicPr>
             <a:picLocks noChangeAspect="1"/>
           </p:cNvPicPr>
@@ -12911,8 +12791,8 @@
         </p:blipFill>
         <p:spPr>
           <a:xfrm rot="0">
-            <a:off x="1160780" y="2453005"/>
-            <a:ext cx="4193540" cy="1056005"/>
+            <a:off x="2648585" y="1271905"/>
+            <a:ext cx="2710180" cy="1216025"/>
           </a:xfrm>
           <a:prstGeom prst="roundRect"/>
           <a:solidFill>
@@ -12922,7 +12802,7 @@
       </p:pic>
       <p:pic>
         <p:nvPicPr>
-          <p:cNvPr id="1226" name="그림 22"/>
+          <p:cNvPr id="1219" name="그림 7"/>
           <p:cNvPicPr>
             <a:picLocks noChangeAspect="1"/>
           </p:cNvPicPr>
@@ -12942,8 +12822,8 @@
         </p:blipFill>
         <p:spPr>
           <a:xfrm rot="0">
-            <a:off x="1172210" y="3616325"/>
-            <a:ext cx="4190365" cy="1047115"/>
+            <a:off x="1211580" y="4239260"/>
+            <a:ext cx="4137025" cy="906780"/>
           </a:xfrm>
           <a:prstGeom prst="roundRect"/>
           <a:solidFill>
@@ -12951,9 +12831,118 @@
           </a:solidFill>
         </p:spPr>
       </p:pic>
+      <p:sp>
+        <p:nvSpPr>
+          <p:cNvPr id="1220" name="텍스트 상자 10"/>
+          <p:cNvSpPr txBox="1">
+            <a:spLocks/>
+          </p:cNvSpPr>
+          <p:nvPr/>
+        </p:nvSpPr>
+        <p:spPr>
+          <a:xfrm rot="0">
+            <a:off x="1216025" y="5248910"/>
+            <a:ext cx="4132580" cy="923925"/>
+          </a:xfrm>
+          <a:prstGeom prst="rect"/>
+          <a:noFill/>
+          <a:ln w="0">
+            <a:noFill/>
+            <a:prstDash/>
+          </a:ln>
+        </p:spPr>
+        <p:txBody>
+          <a:bodyPr wrap="square" lIns="89535" tIns="46355" rIns="89535" bIns="46355" numCol="1" vert="horz" anchor="t">
+            <a:spAutoFit/>
+          </a:bodyPr>
+          <a:lstStyle/>
+          <a:p>
+            <a:pPr marL="0" indent="0" rtl="0" algn="l" defTabSz="914400" eaLnBrk="1" latinLnBrk="0" hangingPunct="1">
+              <a:buFontTx/>
+              <a:buNone/>
+            </a:pPr>
+            <a:r>
+              <a:rPr sz="1800" b="1">
+                <a:solidFill>
+                  <a:srgbClr val="0611F2"/>
+                </a:solidFill>
+                <a:latin typeface="맑은 고딕" charset="0"/>
+                <a:ea typeface="맑은 고딕" charset="0"/>
+              </a:rPr>
+              <a:t>1</a:t>
+            </a:r>
+            <a:r>
+              <a:rPr lang="ko-KR" sz="1800" b="1">
+                <a:solidFill>
+                  <a:srgbClr val="0611F2"/>
+                </a:solidFill>
+                <a:latin typeface="맑은 고딕" charset="0"/>
+                <a:ea typeface="맑은 고딕" charset="0"/>
+              </a:rPr>
+              <a:t>9</a:t>
+            </a:r>
+            <a:r>
+              <a:rPr sz="1800" b="1">
+                <a:solidFill>
+                  <a:srgbClr val="0611F2"/>
+                </a:solidFill>
+                <a:latin typeface="맑은 고딕" charset="0"/>
+                <a:ea typeface="맑은 고딕" charset="0"/>
+              </a:rPr>
+              <a:t>.</a:t>
+            </a:r>
+            <a:r>
+              <a:rPr sz="1800">
+                <a:latin typeface="맑은 고딕" charset="0"/>
+                <a:ea typeface="맑은 고딕" charset="0"/>
+              </a:rPr>
+              <a:t> </a:t>
+            </a:r>
+            <a:r>
+              <a:rPr lang="ko-KR" sz="1800">
+                <a:latin typeface="맑은 고딕" charset="0"/>
+                <a:ea typeface="맑은 고딕" charset="0"/>
+              </a:rPr>
+              <a:t>이제</a:t>
+            </a:r>
+            <a:r>
+              <a:rPr lang="ko-KR" sz="1800">
+                <a:latin typeface="맑은 고딕" charset="0"/>
+                <a:ea typeface="맑은 고딕" charset="0"/>
+              </a:rPr>
+              <a:t> </a:t>
+            </a:r>
+            <a:r>
+              <a:rPr lang="ko-KR" sz="1800">
+                <a:latin typeface="맑은 고딕" charset="0"/>
+                <a:ea typeface="맑은 고딕" charset="0"/>
+              </a:rPr>
+              <a:t>Volume 오브젝트의 </a:t>
+            </a:r>
+            <a:r>
+              <a:rPr lang="ko-KR" sz="1800">
+                <a:latin typeface="맑은 고딕" charset="0"/>
+                <a:ea typeface="맑은 고딕" charset="0"/>
+              </a:rPr>
+              <a:t>On Value Changed에 </a:t>
+            </a:r>
+            <a:r>
+              <a:rPr lang="ko-KR" sz="1800">
+                <a:latin typeface="맑은 고딕" charset="0"/>
+                <a:ea typeface="맑은 고딕" charset="0"/>
+              </a:rPr>
+              <a:t>VolumeControl( ) 함수를 설정합니다. </a:t>
+            </a:r>
+            <a:endParaRPr lang="ko-KR" altLang="en-US" sz="1800">
+              <a:latin typeface="맑은 고딕" charset="0"/>
+              <a:ea typeface="맑은 고딕" charset="0"/>
+            </a:endParaRPr>
+          </a:p>
+        </p:txBody>
+      </p:sp>
       <p:pic>
         <p:nvPicPr>
-          <p:cNvPr id="1227" name="그림 29"/>
+          <p:cNvPr id="1221" name="그림 13"/>
           <p:cNvPicPr>
             <a:picLocks noChangeAspect="1"/>
           </p:cNvPicPr>
@@ -12973,8 +12962,8 @@
         </p:blipFill>
         <p:spPr>
           <a:xfrm rot="0">
-            <a:off x="6837680" y="1263650"/>
-            <a:ext cx="4136390" cy="815340"/>
+            <a:off x="6849745" y="1671955"/>
+            <a:ext cx="1239520" cy="1878330"/>
           </a:xfrm>
           <a:prstGeom prst="roundRect"/>
           <a:solidFill>
@@ -12984,7 +12973,7 @@
       </p:pic>
       <p:pic>
         <p:nvPicPr>
-          <p:cNvPr id="1228" name="그림 32"/>
+          <p:cNvPr id="1222" name="그림 16"/>
           <p:cNvPicPr>
             <a:picLocks noChangeAspect="1"/>
           </p:cNvPicPr>
@@ -13004,8 +12993,8 @@
         </p:blipFill>
         <p:spPr>
           <a:xfrm rot="0">
-            <a:off x="6830060" y="2231390"/>
-            <a:ext cx="1974215" cy="1369060"/>
+            <a:off x="8313420" y="1271905"/>
+            <a:ext cx="2668905" cy="2752090"/>
           </a:xfrm>
           <a:prstGeom prst="roundRect"/>
           <a:solidFill>
@@ -13013,164 +13002,104 @@
           </a:solidFill>
         </p:spPr>
       </p:pic>
-      <p:pic>
-        <p:nvPicPr>
-          <p:cNvPr id="1229" name="그림 35"/>
-          <p:cNvPicPr>
-            <a:picLocks noChangeAspect="1"/>
-          </p:cNvPicPr>
+      <p:sp>
+        <p:nvSpPr>
+          <p:cNvPr id="1223" name="텍스트 상자 19"/>
+          <p:cNvSpPr txBox="1">
+            <a:spLocks/>
+          </p:cNvSpPr>
           <p:nvPr/>
-        </p:nvPicPr>
-        <p:blipFill rotWithShape="1">
-          <a:blip r:embed="rId7" cstate="print">
-            <a:extLst>
-              <a:ext uri="{28A0092B-C50C-407E-A947-70E740481C1C}">
-                <a14:useLocalDpi xmlns:a14="http://schemas.microsoft.com/office/drawing/2010/main" val="0"/>
-              </a:ext>
-            </a:extLst>
-          </a:blip>
-          <a:stretch>
-            <a:fillRect/>
-          </a:stretch>
-        </p:blipFill>
-        <p:spPr>
-          <a:xfrm rot="0">
-            <a:off x="9003030" y="2218690"/>
-            <a:ext cx="1971040" cy="1398270"/>
-          </a:xfrm>
-          <a:prstGeom prst="roundRect"/>
-          <a:solidFill>
-            <a:srgbClr val="EDEDED"/>
-          </a:solidFill>
-        </p:spPr>
-      </p:pic>
-      <p:pic>
-        <p:nvPicPr>
-          <p:cNvPr id="1230" name="그림 39"/>
-          <p:cNvPicPr>
-            <a:picLocks noChangeAspect="1"/>
-          </p:cNvPicPr>
-          <p:nvPr/>
-        </p:nvPicPr>
-        <p:blipFill rotWithShape="1">
-          <a:blip r:embed="rId8" cstate="print">
-            <a:extLst>
-              <a:ext uri="{28A0092B-C50C-407E-A947-70E740481C1C}">
-                <a14:useLocalDpi xmlns:a14="http://schemas.microsoft.com/office/drawing/2010/main" val="0"/>
-              </a:ext>
-            </a:extLst>
-          </a:blip>
-          <a:stretch>
-            <a:fillRect/>
-          </a:stretch>
-        </p:blipFill>
-        <p:spPr>
-          <a:xfrm rot="0">
-            <a:off x="6846570" y="3757930"/>
-            <a:ext cx="4152265" cy="1155700"/>
-          </a:xfrm>
-          <a:prstGeom prst="roundRect"/>
-          <a:solidFill>
-            <a:srgbClr val="EDEDED"/>
-          </a:solidFill>
-        </p:spPr>
-      </p:pic>
-      <p:cxnSp>
-        <p:nvCxnSpPr>
-          <p:cNvPr id="1231" name="도형 42"/>
-          <p:cNvCxnSpPr/>
-          <p:nvPr/>
-        </p:nvCxnSpPr>
-        <p:spPr>
-          <a:xfrm rot="0">
-            <a:off x="8496300" y="1903730"/>
-            <a:ext cx="2431415" cy="1068705"/>
-          </a:xfrm>
-          <a:prstGeom prst="straightConnector1"/>
-          <a:ln w="6350" cap="flat" cmpd="sng">
+        </p:nvSpPr>
+        <p:spPr>
+          <a:xfrm rot="0">
+            <a:off x="6837680" y="4119880"/>
+            <a:ext cx="4147820" cy="2031365"/>
+          </a:xfrm>
+          <a:prstGeom prst="rect"/>
+          <a:noFill/>
+          <a:ln w="0">
+            <a:noFill/>
             <a:prstDash/>
-            <a:tailEnd type="triangle" w="med" len="med"/>
           </a:ln>
         </p:spPr>
-        <p:style>
-          <a:lnRef idx="1">
-            <a:schemeClr val="accent1"/>
-          </a:lnRef>
-          <a:fillRef idx="0">
-            <a:schemeClr val="accent1"/>
-          </a:fillRef>
-          <a:effectRef idx="0">
-            <a:schemeClr val="accent1"/>
-          </a:effectRef>
-          <a:fontRef idx="minor">
-            <a:schemeClr val="tx1"/>
-          </a:fontRef>
-        </p:style>
-      </p:cxnSp>
-      <p:cxnSp>
-        <p:nvCxnSpPr>
-          <p:cNvPr id="1232" name="도형 43"/>
-          <p:cNvCxnSpPr/>
-          <p:nvPr/>
-        </p:nvCxnSpPr>
-        <p:spPr>
-          <a:xfrm rot="0">
-            <a:off x="8601075" y="1900555"/>
-            <a:ext cx="148590" cy="1062990"/>
-          </a:xfrm>
-          <a:prstGeom prst="straightConnector1"/>
-          <a:ln w="6350" cap="flat" cmpd="sng">
-            <a:prstDash/>
-            <a:tailEnd type="triangle" w="med" len="med"/>
-          </a:ln>
-        </p:spPr>
-        <p:style>
-          <a:lnRef idx="1">
-            <a:schemeClr val="accent1"/>
-          </a:lnRef>
-          <a:fillRef idx="0">
-            <a:schemeClr val="accent1"/>
-          </a:fillRef>
-          <a:effectRef idx="0">
-            <a:schemeClr val="accent1"/>
-          </a:effectRef>
-          <a:fontRef idx="minor">
-            <a:schemeClr val="tx1"/>
-          </a:fontRef>
-        </p:style>
-      </p:cxnSp>
-      <p:cxnSp>
-        <p:nvCxnSpPr>
-          <p:cNvPr id="1233" name="도형 44"/>
-          <p:cNvCxnSpPr/>
-          <p:nvPr/>
-        </p:nvCxnSpPr>
-        <p:spPr>
-          <a:xfrm rot="0">
-            <a:off x="10763250" y="1909445"/>
-            <a:ext cx="113665" cy="2472690"/>
-          </a:xfrm>
-          <a:prstGeom prst="straightConnector1"/>
-          <a:ln w="6350" cap="flat" cmpd="sng">
-            <a:prstDash/>
-            <a:tailEnd type="triangle" w="med" len="med"/>
-          </a:ln>
-        </p:spPr>
-        <p:style>
-          <a:lnRef idx="1">
-            <a:schemeClr val="accent1"/>
-          </a:lnRef>
-          <a:fillRef idx="0">
-            <a:schemeClr val="accent1"/>
-          </a:fillRef>
-          <a:effectRef idx="0">
-            <a:schemeClr val="accent1"/>
-          </a:effectRef>
-          <a:fontRef idx="minor">
-            <a:schemeClr val="tx1"/>
-          </a:fontRef>
-        </p:style>
-      </p:cxnSp>
+        <p:txBody>
+          <a:bodyPr wrap="square" lIns="89535" tIns="46355" rIns="89535" bIns="46355" numCol="1" vert="horz" anchor="t">
+            <a:spAutoFit/>
+          </a:bodyPr>
+          <a:lstStyle/>
+          <a:p>
+            <a:pPr marL="0" indent="0" rtl="0" algn="l" defTabSz="914400" eaLnBrk="1" latinLnBrk="0" hangingPunct="1">
+              <a:buFontTx/>
+              <a:buNone/>
+            </a:pPr>
+            <a:r>
+              <a:rPr sz="1800" b="1">
+                <a:solidFill>
+                  <a:srgbClr val="0611F2"/>
+                </a:solidFill>
+                <a:latin typeface="맑은 고딕" charset="0"/>
+                <a:ea typeface="맑은 고딕" charset="0"/>
+              </a:rPr>
+              <a:t>20</a:t>
+            </a:r>
+            <a:r>
+              <a:rPr sz="1800" b="1">
+                <a:solidFill>
+                  <a:srgbClr val="0611F2"/>
+                </a:solidFill>
+                <a:latin typeface="맑은 고딕" charset="0"/>
+                <a:ea typeface="맑은 고딕" charset="0"/>
+              </a:rPr>
+              <a:t>.</a:t>
+            </a:r>
+            <a:r>
+              <a:rPr sz="1800">
+                <a:latin typeface="맑은 고딕" charset="0"/>
+                <a:ea typeface="맑은 고딕" charset="0"/>
+              </a:rPr>
+              <a:t> </a:t>
+            </a:r>
+            <a:r>
+              <a:rPr lang="ko-KR" sz="1800">
+                <a:latin typeface="맑은 고딕" charset="0"/>
+                <a:ea typeface="맑은 고딕" charset="0"/>
+              </a:rPr>
+              <a:t>그런 다음 UI에 Button 오브젝트 3개 생성합니다.</a:t>
+            </a:r>
+            <a:endParaRPr lang="ko-KR" altLang="en-US" sz="1800">
+              <a:latin typeface="맑은 고딕" charset="0"/>
+              <a:ea typeface="맑은 고딕" charset="0"/>
+            </a:endParaRPr>
+          </a:p>
+          <a:p>
+            <a:pPr marL="0" indent="0" rtl="0" algn="l" defTabSz="914400" eaLnBrk="1" latinLnBrk="0" hangingPunct="1">
+              <a:buFontTx/>
+              <a:buNone/>
+            </a:pPr>
+            <a:endParaRPr lang="ko-KR" altLang="en-US" sz="1800">
+              <a:latin typeface="맑은 고딕" charset="0"/>
+              <a:ea typeface="맑은 고딕" charset="0"/>
+            </a:endParaRPr>
+          </a:p>
+          <a:p>
+            <a:pPr marL="0" indent="0" rtl="0" algn="l" defTabSz="914400" eaLnBrk="1" latinLnBrk="0" hangingPunct="1">
+              <a:buFontTx/>
+              <a:buNone/>
+            </a:pPr>
+            <a:r>
+              <a:rPr lang="ko-KR" sz="1800">
+                <a:latin typeface="맑은 고딕" charset="0"/>
+                <a:ea typeface="맑은 고딕" charset="0"/>
+              </a:rPr>
+              <a:t>그다음으로 Siren Button과 Explosion Button 그리고 Magic Button으로 각각의 Button 오브젝트의 이름을 정의합니다. </a:t>
+            </a:r>
+            <a:endParaRPr lang="ko-KR" altLang="en-US" sz="1800">
+              <a:latin typeface="맑은 고딕" charset="0"/>
+              <a:ea typeface="맑은 고딕" charset="0"/>
+            </a:endParaRPr>
+          </a:p>
+        </p:txBody>
+      </p:sp>
     </p:spTree>
   </p:cSld>
   <p:clrMapOvr>

--- a/Assets/Class/Sound/PPT Data/Sound Example.pptx
+++ b/Assets/Class/Sound/PPT Data/Sound Example.pptx
@@ -2,7 +2,7 @@
 <file path=ppt/presentation.xml><?xml version="1.0" encoding="utf-8"?>
 <p:presentation xmlns:a="http://schemas.openxmlformats.org/drawingml/2006/main" xmlns:r="http://schemas.openxmlformats.org/officeDocument/2006/relationships" xmlns:p="http://schemas.openxmlformats.org/presentationml/2006/main" xmlns:p14="http://schemas.microsoft.com/office/powerpoint/2010/main" saveSubsetFonts="1" firstSlideNum="0">
   <p:sldMasterIdLst>
-    <p:sldMasterId id="2147486294" r:id="rId12"/>
+    <p:sldMasterId id="2147486303" r:id="rId12"/>
   </p:sldMasterIdLst>
   <p:notesMasterIdLst>
     <p:notesMasterId r:id="rId14"/>
@@ -12,14 +12,14 @@
     <p:sldId id="300" r:id="rId17"/>
     <p:sldId id="312" r:id="rId18"/>
     <p:sldId id="304" r:id="rId19"/>
-    <p:sldId id="301" r:id="rId20"/>
-    <p:sldId id="302" r:id="rId21"/>
-    <p:sldId id="305" r:id="rId22"/>
-    <p:sldId id="307" r:id="rId23"/>
-    <p:sldId id="308" r:id="rId24"/>
-    <p:sldId id="309" r:id="rId25"/>
-    <p:sldId id="310" r:id="rId26"/>
-    <p:sldId id="311" r:id="rId27"/>
+    <p:sldId id="301" r:id="rId21"/>
+    <p:sldId id="302" r:id="rId23"/>
+    <p:sldId id="305" r:id="rId25"/>
+    <p:sldId id="307" r:id="rId27"/>
+    <p:sldId id="308" r:id="rId28"/>
+    <p:sldId id="309" r:id="rId30"/>
+    <p:sldId id="310" r:id="rId32"/>
+    <p:sldId id="311" r:id="rId34"/>
   </p:sldIdLst>
   <p:sldSz cx="12192000" cy="6858000"/>
   <p:notesSz cx="6858000" cy="9144000"/>
@@ -7144,8 +7144,8 @@
         </p:nvSpPr>
         <p:spPr>
           <a:xfrm rot="0">
-            <a:off x="1230630" y="5496560"/>
-            <a:ext cx="4131945" cy="647065"/>
+            <a:off x="1230630" y="4665345"/>
+            <a:ext cx="4132580" cy="1477645"/>
           </a:xfrm>
           <a:prstGeom prst="rect"/>
           <a:noFill/>
@@ -7200,21 +7200,41 @@
                 <a:latin typeface="맑은 고딕" charset="0"/>
                 <a:ea typeface="맑은 고딕" charset="0"/>
               </a:rPr>
-              <a:t>번째로</a:t>
-            </a:r>
+              <a:t>번째로 </a:t>
+            </a:r>
+            <a:r>
+              <a:rPr sz="1800">
+                <a:latin typeface="맑은 고딕" charset="0"/>
+                <a:ea typeface="맑은 고딕" charset="0"/>
+              </a:rPr>
+              <a:t>3D Object를 선택한 다음 Capsule 게임 오브젝트를 생성합니다.</a:t>
+            </a:r>
+            <a:endParaRPr lang="ko-KR" altLang="en-US" sz="1800">
+              <a:latin typeface="맑은 고딕" charset="0"/>
+              <a:ea typeface="맑은 고딕" charset="0"/>
+            </a:endParaRPr>
+          </a:p>
+          <a:p>
+            <a:pPr marL="0" indent="0" rtl="0" algn="l" defTabSz="914400" eaLnBrk="1" latinLnBrk="0" hangingPunct="1">
+              <a:buFontTx/>
+              <a:buNone/>
+            </a:pPr>
+            <a:endParaRPr lang="ko-KR" altLang="en-US" sz="1800">
+              <a:latin typeface="맑은 고딕" charset="0"/>
+              <a:ea typeface="맑은 고딕" charset="0"/>
+            </a:endParaRPr>
+          </a:p>
+          <a:p>
+            <a:pPr marL="0" indent="0" rtl="0" algn="l" defTabSz="914400" eaLnBrk="1" latinLnBrk="0" hangingPunct="1">
+              <a:buFontTx/>
+              <a:buNone/>
+            </a:pPr>
             <a:r>
               <a:rPr lang="ko-KR" sz="1800">
                 <a:latin typeface="맑은 고딕" charset="0"/>
                 <a:ea typeface="맑은 고딕" charset="0"/>
               </a:rPr>
-              <a:t> </a:t>
-            </a:r>
-            <a:r>
-              <a:rPr sz="1800">
-                <a:latin typeface="맑은 고딕" charset="0"/>
-                <a:ea typeface="맑은 고딕" charset="0"/>
-              </a:rPr>
-              <a:t>3D Object를 선택한 다음 Capsule 게임 오브젝트를 생성합니다.</a:t>
+              <a:t>그리고 Control스크립트를 생성한 다음 Character오브젝트에 넣어줍니다.</a:t>
             </a:r>
             <a:endParaRPr lang="ko-KR" altLang="en-US" sz="1800">
               <a:latin typeface="맑은 고딕" charset="0"/>
@@ -7292,7 +7312,7 @@
         <p:spPr>
           <a:xfrm rot="0">
             <a:off x="6734810" y="2578100"/>
-            <a:ext cx="4222750" cy="1200785"/>
+            <a:ext cx="4223385" cy="1201420"/>
           </a:xfrm>
           <a:prstGeom prst="rect"/>
           <a:noFill/>
@@ -7405,7 +7425,7 @@
       </p:sp>
       <p:pic>
         <p:nvPicPr>
-          <p:cNvPr id="1193" name="그림 1" descr="C:/Users/Admin1/AppData/Roaming/PolarisOffice/ETemp/19172_13682776/fImage450719741.png"/>
+          <p:cNvPr id="1193" name="그림 1"/>
           <p:cNvPicPr>
             <a:picLocks noChangeAspect="1"/>
           </p:cNvPicPr>
@@ -7436,7 +7456,7 @@
       </p:pic>
       <p:pic>
         <p:nvPicPr>
-          <p:cNvPr id="1194" name="그림 2" descr="C:/Users/Admin1/AppData/Roaming/PolarisOffice/ETemp/19172_13682776/fImage44751988467.png"/>
+          <p:cNvPr id="1194" name="그림 2"/>
           <p:cNvPicPr>
             <a:picLocks noChangeAspect="1"/>
           </p:cNvPicPr>
@@ -7467,7 +7487,7 @@
       </p:pic>
       <p:pic>
         <p:nvPicPr>
-          <p:cNvPr id="1198" name="그림 48" descr="C:/Users/Admin1/AppData/Roaming/PolarisOffice/ETemp/19172_13682776/fImage145732189169.png"/>
+          <p:cNvPr id="1198" name="그림 48" descr="C:/Users/Admin1/AppData/Roaming/PolarisOffice/ETemp/17016_18079352/fImage145732189169.png"/>
           <p:cNvPicPr>
             <a:picLocks noChangeAspect="1"/>
           </p:cNvPicPr>
@@ -7487,8 +7507,8 @@
         </p:blipFill>
         <p:spPr>
           <a:xfrm rot="0">
-            <a:off x="6808470" y="3882390"/>
-            <a:ext cx="4149090" cy="1524635"/>
+            <a:off x="6808470" y="3949065"/>
+            <a:ext cx="4149725" cy="1442085"/>
           </a:xfrm>
           <a:prstGeom prst="roundRect"/>
           <a:solidFill>
@@ -7498,17 +7518,17 @@
       </p:pic>
       <p:pic>
         <p:nvPicPr>
-          <p:cNvPr id="1199" name="그림 3" descr="C:/Users/Admin1/AppData/Roaming/PolarisOffice/ETemp/19172_13682776/fImage1826219141.png"/>
+          <p:cNvPr id="1199" name="그림 3" descr="C:/Users/Admin1/AppData/Roaming/PolarisOffice/ETemp/17016_18079352/fImage1826219141.png"/>
           <p:cNvPicPr>
             <a:picLocks noChangeAspect="1"/>
           </p:cNvPicPr>
           <p:nvPr/>
         </p:nvPicPr>
         <p:blipFill rotWithShape="1">
-          <a:blip r:embed="rId57" cstate="print">
+          <a:blip r:embed="rId57" cstate="hqprint">
             <a:extLst>
               <a:ext uri="{28A0092B-C50C-407E-A947-70E740481C1C}">
-                <a14:useLocalDpi xmlns:a14="http://schemas.microsoft.com/office/drawing/2010/main" val="0"/>
+                <a14:useLocalDpi xmlns:a14="http://schemas.microsoft.com/office/drawing/2010/main"/>
               </a:ext>
             </a:extLst>
           </a:blip>
@@ -7519,7 +7539,7 @@
         <p:spPr>
           <a:xfrm rot="0">
             <a:off x="1230630" y="1396365"/>
-            <a:ext cx="2685415" cy="3924300"/>
+            <a:ext cx="2660650" cy="3035300"/>
           </a:xfrm>
           <a:prstGeom prst="roundRect"/>
           <a:solidFill>
@@ -7529,17 +7549,17 @@
       </p:pic>
       <p:pic>
         <p:nvPicPr>
-          <p:cNvPr id="1200" name="그림 6" descr="C:/Users/Admin1/AppData/Roaming/PolarisOffice/ETemp/19172_13682776/fImage44511928467.png"/>
+          <p:cNvPr id="1200" name="그림 6" descr="C:/Users/Admin1/AppData/Roaming/PolarisOffice/ETemp/17016_18079352/fImage44511928467.png"/>
           <p:cNvPicPr>
             <a:picLocks noChangeAspect="1"/>
           </p:cNvPicPr>
           <p:nvPr/>
         </p:nvPicPr>
         <p:blipFill rotWithShape="1">
-          <a:blip r:embed="rId58" cstate="print">
+          <a:blip r:embed="rId58" cstate="hqprint">
             <a:extLst>
               <a:ext uri="{28A0092B-C50C-407E-A947-70E740481C1C}">
-                <a14:useLocalDpi xmlns:a14="http://schemas.microsoft.com/office/drawing/2010/main" val="0"/>
+                <a14:useLocalDpi xmlns:a14="http://schemas.microsoft.com/office/drawing/2010/main"/>
               </a:ext>
             </a:extLst>
           </a:blip>
@@ -7549,8 +7569,8 @@
         </p:blipFill>
         <p:spPr>
           <a:xfrm rot="0">
-            <a:off x="4098290" y="2343785"/>
-            <a:ext cx="1488440" cy="2037715"/>
+            <a:off x="4023360" y="1404620"/>
+            <a:ext cx="1330960" cy="1655445"/>
           </a:xfrm>
           <a:prstGeom prst="roundRect"/>
           <a:solidFill>
@@ -7558,6 +7578,72 @@
           </a:solidFill>
         </p:spPr>
       </p:pic>
+      <p:pic>
+        <p:nvPicPr>
+          <p:cNvPr id="1201" name="그림 19" descr="C:/Users/Admin1/AppData/Roaming/PolarisOffice/ETemp/17016_18079352/fImage20092905436.png"/>
+          <p:cNvPicPr>
+            <a:picLocks noChangeAspect="1"/>
+          </p:cNvPicPr>
+          <p:nvPr/>
+        </p:nvPicPr>
+        <p:blipFill rotWithShape="1">
+          <a:blip r:embed="rId59" cstate="hqprint">
+            <a:extLst>
+              <a:ext uri="{28A0092B-C50C-407E-A947-70E740481C1C}">
+                <a14:useLocalDpi xmlns:a14="http://schemas.microsoft.com/office/drawing/2010/main"/>
+              </a:ext>
+            </a:extLst>
+          </a:blip>
+          <a:stretch>
+            <a:fillRect/>
+          </a:stretch>
+        </p:blipFill>
+        <p:spPr>
+          <a:xfrm rot="0">
+            <a:off x="4323080" y="3615690"/>
+            <a:ext cx="723900" cy="815340"/>
+          </a:xfrm>
+          <a:prstGeom prst="roundRect"/>
+          <a:solidFill>
+            <a:srgbClr val="EDEDED"/>
+          </a:solidFill>
+        </p:spPr>
+      </p:pic>
+      <p:cxnSp>
+        <p:nvCxnSpPr>
+          <p:cNvPr id="1202" name="도형 22"/>
+          <p:cNvCxnSpPr>
+            <a:stCxn id="1201" idx="0"/>
+            <a:endCxn id="1200" idx="2"/>
+          </p:cNvCxnSpPr>
+          <p:nvPr/>
+        </p:nvCxnSpPr>
+        <p:spPr>
+          <a:xfrm rot="0" flipV="1">
+            <a:off x="4684395" y="3059430"/>
+            <a:ext cx="4445" cy="556895"/>
+          </a:xfrm>
+          <a:prstGeom prst="straightConnector1"/>
+          <a:ln w="6350" cap="flat" cmpd="sng">
+            <a:prstDash/>
+            <a:tailEnd type="triangle" w="med" len="med"/>
+          </a:ln>
+        </p:spPr>
+        <p:style>
+          <a:lnRef idx="1">
+            <a:schemeClr val="accent1"/>
+          </a:lnRef>
+          <a:fillRef idx="0">
+            <a:schemeClr val="accent1"/>
+          </a:fillRef>
+          <a:effectRef idx="0">
+            <a:schemeClr val="accent1"/>
+          </a:effectRef>
+          <a:fontRef idx="minor">
+            <a:schemeClr val="tx1"/>
+          </a:fontRef>
+        </p:style>
+      </p:cxnSp>
     </p:spTree>
   </p:cSld>
   <p:clrMapOvr>
@@ -8796,7 +8882,7 @@
       </p:sp>
       <p:sp>
         <p:nvSpPr>
-          <p:cNvPr id="1216" name="Rect 0"/>
+          <p:cNvPr id="1243" name="텍스트 상자 75"/>
           <p:cNvSpPr txBox="1">
             <a:spLocks/>
           </p:cNvSpPr>
@@ -8804,8 +8890,8 @@
         </p:nvSpPr>
         <p:spPr>
           <a:xfrm rot="0">
-            <a:off x="1405255" y="2339975"/>
-            <a:ext cx="3971290" cy="923925"/>
+            <a:off x="6845300" y="4281170"/>
+            <a:ext cx="4245610" cy="2031365"/>
           </a:xfrm>
           <a:prstGeom prst="rect"/>
           <a:noFill/>
@@ -8842,7 +8928,7 @@
                 <a:latin typeface="맑은 고딕" charset="0"/>
                 <a:ea typeface="맑은 고딕" charset="0"/>
               </a:rPr>
-              <a:t>5</a:t>
+              <a:t>7</a:t>
             </a:r>
             <a:r>
               <a:rPr sz="1800" b="1">
@@ -8866,28 +8952,55 @@
                 <a:latin typeface="맑은 고딕" charset="0"/>
                 <a:ea typeface="맑은 고딕" charset="0"/>
               </a:rPr>
-              <a:t>그리고 Control 스크립트를 생성한 다음 Character 오브젝트에 넣어줍니다. </a:t>
+              <a:t>마지막으로 키 입력을 했을 때 변화되는 정보를 일반 float 변수에 저장합니다. </a:t>
             </a:r>
             <a:endParaRPr lang="ko-KR" altLang="en-US" sz="1800">
               <a:latin typeface="맑은 고딕" charset="0"/>
               <a:ea typeface="맑은 고딕" charset="0"/>
             </a:endParaRPr>
           </a:p>
+          <a:p>
+            <a:pPr marL="0" indent="0" rtl="0" algn="l" defTabSz="914400" eaLnBrk="1" latinLnBrk="0" hangingPunct="1">
+              <a:buFontTx/>
+              <a:buNone/>
+            </a:pPr>
+            <a:endParaRPr lang="ko-KR" altLang="en-US" sz="1800">
+              <a:latin typeface="맑은 고딕" charset="0"/>
+              <a:ea typeface="맑은 고딕" charset="0"/>
+            </a:endParaRPr>
+          </a:p>
+          <a:p>
+            <a:pPr marL="0" indent="0" rtl="0" algn="l" defTabSz="914400" eaLnBrk="1" latinLnBrk="0" hangingPunct="1">
+              <a:buFontTx/>
+              <a:buNone/>
+            </a:pPr>
+            <a:r>
+              <a:rPr lang="ko-KR" sz="1800">
+                <a:latin typeface="맑은 고딕" charset="0"/>
+                <a:ea typeface="맑은 고딕" charset="0"/>
+              </a:rPr>
+              <a:t>최종적으로 CharacterController에 있는 Move 함수에 방향 정보와 속도를 설정합니다.</a:t>
+            </a:r>
+            <a:endParaRPr lang="ko-KR" altLang="en-US" sz="1800">
+              <a:latin typeface="맑은 고딕" charset="0"/>
+              <a:ea typeface="맑은 고딕" charset="0"/>
+            </a:endParaRPr>
+          </a:p>
         </p:txBody>
       </p:sp>
       <p:pic>
         <p:nvPicPr>
-          <p:cNvPr id="1239" name="그림 65"/>
+          <p:cNvPr id="1245" name="그림 79" descr="C:/Users/Admin1/AppData/Roaming/PolarisOffice/ETemp/17016_18079352/fImage53592952391.png"/>
           <p:cNvPicPr>
             <a:picLocks noChangeAspect="1"/>
           </p:cNvPicPr>
           <p:nvPr/>
         </p:nvPicPr>
         <p:blipFill rotWithShape="1">
-          <a:blip r:embed="rId2" cstate="print">
+          <a:blip r:embed="rId4" cstate="hqprint">
             <a:extLst>
               <a:ext uri="{28A0092B-C50C-407E-A947-70E740481C1C}">
-                <a14:useLocalDpi xmlns:a14="http://schemas.microsoft.com/office/drawing/2010/main" val="0"/>
+                <a14:useLocalDpi xmlns:a14="http://schemas.microsoft.com/office/drawing/2010/main"/>
               </a:ext>
             </a:extLst>
           </a:blip>
@@ -8897,28 +9010,134 @@
         </p:blipFill>
         <p:spPr>
           <a:xfrm rot="0">
-            <a:off x="1395095" y="1238250"/>
-            <a:ext cx="2653665" cy="1038860"/>
-          </a:xfrm>
-          <a:prstGeom prst="roundRect"/>
-          <a:solidFill>
-            <a:srgbClr val="EDEDED"/>
-          </a:solidFill>
+            <a:off x="1247140" y="1338580"/>
+            <a:ext cx="4108450" cy="2860040"/>
+          </a:xfrm>
+          <a:prstGeom prst="rect"/>
+          <a:noFill/>
         </p:spPr>
       </p:pic>
+      <p:sp>
+        <p:nvSpPr>
+          <p:cNvPr id="1246" name="텍스트 상자 82"/>
+          <p:cNvSpPr txBox="1">
+            <a:spLocks/>
+          </p:cNvSpPr>
+          <p:nvPr/>
+        </p:nvSpPr>
+        <p:spPr>
+          <a:xfrm rot="0">
+            <a:off x="1371600" y="4565015"/>
+            <a:ext cx="4004310" cy="1754505"/>
+          </a:xfrm>
+          <a:prstGeom prst="rect"/>
+          <a:noFill/>
+          <a:ln w="0">
+            <a:noFill/>
+            <a:prstDash/>
+          </a:ln>
+        </p:spPr>
+        <p:txBody>
+          <a:bodyPr wrap="square" lIns="89535" tIns="46355" rIns="89535" bIns="46355" numCol="1" vert="horz" anchor="t">
+            <a:spAutoFit/>
+          </a:bodyPr>
+          <a:lstStyle/>
+          <a:p>
+            <a:pPr marL="0" indent="0" rtl="0" algn="l" defTabSz="914400" eaLnBrk="1" latinLnBrk="0" hangingPunct="1">
+              <a:buFontTx/>
+              <a:buNone/>
+            </a:pPr>
+            <a:r>
+              <a:rPr sz="1800" b="1">
+                <a:solidFill>
+                  <a:srgbClr val="0611F2"/>
+                </a:solidFill>
+                <a:latin typeface="맑은 고딕" charset="0"/>
+                <a:ea typeface="맑은 고딕" charset="0"/>
+              </a:rPr>
+              <a:t>2</a:t>
+            </a:r>
+            <a:r>
+              <a:rPr lang="ko-KR" sz="1800" b="1">
+                <a:solidFill>
+                  <a:srgbClr val="0611F2"/>
+                </a:solidFill>
+                <a:latin typeface="맑은 고딕" charset="0"/>
+                <a:ea typeface="맑은 고딕" charset="0"/>
+              </a:rPr>
+              <a:t>6</a:t>
+            </a:r>
+            <a:r>
+              <a:rPr sz="1800" b="1">
+                <a:solidFill>
+                  <a:srgbClr val="0611F2"/>
+                </a:solidFill>
+                <a:latin typeface="맑은 고딕" charset="0"/>
+                <a:ea typeface="맑은 고딕" charset="0"/>
+              </a:rPr>
+              <a:t>.</a:t>
+            </a:r>
+            <a:r>
+              <a:rPr sz="1800">
+                <a:latin typeface="맑은 고딕" charset="0"/>
+                <a:ea typeface="맑은 고딕" charset="0"/>
+              </a:rPr>
+              <a:t> </a:t>
+            </a:r>
+            <a:r>
+              <a:rPr lang="ko-KR" sz="1800">
+                <a:latin typeface="맑은 고딕" charset="0"/>
+                <a:ea typeface="맑은 고딕" charset="0"/>
+              </a:rPr>
+              <a:t>그런 다음 속도를 지정할 float 변수와 CharacterController 변수를 선언합니다.</a:t>
+            </a:r>
+            <a:endParaRPr lang="ko-KR" altLang="en-US" sz="1800">
+              <a:latin typeface="맑은 고딕" charset="0"/>
+              <a:ea typeface="맑은 고딕" charset="0"/>
+            </a:endParaRPr>
+          </a:p>
+          <a:p>
+            <a:pPr marL="0" indent="0" rtl="0" algn="l" defTabSz="914400" eaLnBrk="1" latinLnBrk="0" hangingPunct="1">
+              <a:buFontTx/>
+              <a:buNone/>
+            </a:pPr>
+            <a:endParaRPr lang="ko-KR" altLang="en-US" sz="1800">
+              <a:latin typeface="맑은 고딕" charset="0"/>
+              <a:ea typeface="맑은 고딕" charset="0"/>
+            </a:endParaRPr>
+          </a:p>
+          <a:p>
+            <a:pPr marL="0" indent="0" rtl="0" algn="l" defTabSz="914400" eaLnBrk="1" latinLnBrk="0" hangingPunct="1">
+              <a:buFontTx/>
+              <a:buNone/>
+            </a:pPr>
+            <a:r>
+              <a:rPr lang="ko-KR" sz="1800">
+                <a:latin typeface="맑은 고딕" charset="0"/>
+                <a:ea typeface="맑은 고딕" charset="0"/>
+              </a:rPr>
+              <a:t>그다음 CharacterController 컴포넌트를 가져옵니다.</a:t>
+            </a:r>
+            <a:endParaRPr lang="ko-KR" altLang="en-US" sz="1800">
+              <a:latin typeface="맑은 고딕" charset="0"/>
+              <a:ea typeface="맑은 고딕" charset="0"/>
+            </a:endParaRPr>
+          </a:p>
+        </p:txBody>
+      </p:sp>
       <p:pic>
         <p:nvPicPr>
-          <p:cNvPr id="1240" name="그림 66"/>
+          <p:cNvPr id="1247" name="그림 83" descr="C:/Users/Admin1/AppData/Roaming/PolarisOffice/ETemp/17016_18079352/fImage70672974604.png"/>
           <p:cNvPicPr>
             <a:picLocks noChangeAspect="1"/>
           </p:cNvPicPr>
           <p:nvPr/>
         </p:nvPicPr>
         <p:blipFill rotWithShape="1">
-          <a:blip r:embed="rId3" cstate="print">
+          <a:blip r:embed="rId5" cstate="hqprint">
             <a:extLst>
               <a:ext uri="{28A0092B-C50C-407E-A947-70E740481C1C}">
-                <a14:useLocalDpi xmlns:a14="http://schemas.microsoft.com/office/drawing/2010/main" val="0"/>
+                <a14:useLocalDpi xmlns:a14="http://schemas.microsoft.com/office/drawing/2010/main"/>
               </a:ext>
             </a:extLst>
           </a:blip>
@@ -8928,318 +9147,8 @@
         </p:blipFill>
         <p:spPr>
           <a:xfrm rot="0">
-            <a:off x="4552950" y="1362075"/>
-            <a:ext cx="819785" cy="838835"/>
-          </a:xfrm>
-          <a:prstGeom prst="roundRect"/>
-          <a:solidFill>
-            <a:srgbClr val="EDEDED"/>
-          </a:solidFill>
-        </p:spPr>
-      </p:pic>
-      <p:cxnSp>
-        <p:nvCxnSpPr>
-          <p:cNvPr id="1241" name="도형 71"/>
-          <p:cNvCxnSpPr>
-            <a:stCxn id="1240" idx="1"/>
-          </p:cNvCxnSpPr>
-          <p:nvPr/>
-        </p:nvCxnSpPr>
-        <p:spPr>
-          <a:xfrm rot="0" flipH="1" flipV="1">
-            <a:off x="3295650" y="1514475"/>
-            <a:ext cx="1257935" cy="267335"/>
-          </a:xfrm>
-          <a:prstGeom prst="straightConnector1"/>
-          <a:ln w="6350" cap="flat" cmpd="sng">
-            <a:prstDash/>
-            <a:tailEnd type="triangle" w="med" len="med"/>
-          </a:ln>
-        </p:spPr>
-        <p:style>
-          <a:lnRef idx="1">
-            <a:schemeClr val="accent1"/>
-          </a:lnRef>
-          <a:fillRef idx="0">
-            <a:schemeClr val="accent1"/>
-          </a:fillRef>
-          <a:effectRef idx="0">
-            <a:schemeClr val="accent1"/>
-          </a:effectRef>
-          <a:fontRef idx="minor">
-            <a:schemeClr val="tx1"/>
-          </a:fontRef>
-        </p:style>
-      </p:cxnSp>
-      <p:sp>
-        <p:nvSpPr>
-          <p:cNvPr id="1243" name="텍스트 상자 75"/>
-          <p:cNvSpPr txBox="1">
-            <a:spLocks/>
-          </p:cNvSpPr>
-          <p:nvPr/>
-        </p:nvSpPr>
-        <p:spPr>
-          <a:xfrm rot="0">
-            <a:off x="6845300" y="4281170"/>
-            <a:ext cx="4245610" cy="2031365"/>
-          </a:xfrm>
-          <a:prstGeom prst="rect"/>
-          <a:noFill/>
-          <a:ln w="0">
-            <a:noFill/>
-            <a:prstDash/>
-          </a:ln>
-        </p:spPr>
-        <p:txBody>
-          <a:bodyPr wrap="square" lIns="89535" tIns="46355" rIns="89535" bIns="46355" numCol="1" vert="horz" anchor="t">
-            <a:spAutoFit/>
-          </a:bodyPr>
-          <a:lstStyle/>
-          <a:p>
-            <a:pPr marL="0" indent="0" rtl="0" algn="l" defTabSz="914400" eaLnBrk="1" latinLnBrk="0" hangingPunct="1">
-              <a:buFontTx/>
-              <a:buNone/>
-            </a:pPr>
-            <a:r>
-              <a:rPr sz="1800" b="1">
-                <a:solidFill>
-                  <a:srgbClr val="0611F2"/>
-                </a:solidFill>
-                <a:latin typeface="맑은 고딕" charset="0"/>
-                <a:ea typeface="맑은 고딕" charset="0"/>
-              </a:rPr>
-              <a:t>2</a:t>
-            </a:r>
-            <a:r>
-              <a:rPr lang="ko-KR" sz="1800" b="1">
-                <a:solidFill>
-                  <a:srgbClr val="0611F2"/>
-                </a:solidFill>
-                <a:latin typeface="맑은 고딕" charset="0"/>
-                <a:ea typeface="맑은 고딕" charset="0"/>
-              </a:rPr>
-              <a:t>7</a:t>
-            </a:r>
-            <a:r>
-              <a:rPr sz="1800" b="1">
-                <a:solidFill>
-                  <a:srgbClr val="0611F2"/>
-                </a:solidFill>
-                <a:latin typeface="맑은 고딕" charset="0"/>
-                <a:ea typeface="맑은 고딕" charset="0"/>
-              </a:rPr>
-              <a:t>.</a:t>
-            </a:r>
-            <a:r>
-              <a:rPr sz="1800">
-                <a:latin typeface="맑은 고딕" charset="0"/>
-                <a:ea typeface="맑은 고딕" charset="0"/>
-              </a:rPr>
-              <a:t> </a:t>
-            </a:r>
-            <a:r>
-              <a:rPr lang="ko-KR" sz="1800">
-                <a:latin typeface="맑은 고딕" charset="0"/>
-                <a:ea typeface="맑은 고딕" charset="0"/>
-              </a:rPr>
-              <a:t>마지막으로 키 입력을 했을 때 변화되는 정보를 일반 float 변수에 저장합니다. </a:t>
-            </a:r>
-            <a:endParaRPr lang="ko-KR" altLang="en-US" sz="1800">
-              <a:latin typeface="맑은 고딕" charset="0"/>
-              <a:ea typeface="맑은 고딕" charset="0"/>
-            </a:endParaRPr>
-          </a:p>
-          <a:p>
-            <a:pPr marL="0" indent="0" rtl="0" algn="l" defTabSz="914400" eaLnBrk="1" latinLnBrk="0" hangingPunct="1">
-              <a:buFontTx/>
-              <a:buNone/>
-            </a:pPr>
-            <a:endParaRPr lang="ko-KR" altLang="en-US" sz="1800">
-              <a:latin typeface="맑은 고딕" charset="0"/>
-              <a:ea typeface="맑은 고딕" charset="0"/>
-            </a:endParaRPr>
-          </a:p>
-          <a:p>
-            <a:pPr marL="0" indent="0" rtl="0" algn="l" defTabSz="914400" eaLnBrk="1" latinLnBrk="0" hangingPunct="1">
-              <a:buFontTx/>
-              <a:buNone/>
-            </a:pPr>
-            <a:r>
-              <a:rPr lang="ko-KR" sz="1800">
-                <a:latin typeface="맑은 고딕" charset="0"/>
-                <a:ea typeface="맑은 고딕" charset="0"/>
-              </a:rPr>
-              <a:t>최종적으로 CharacterController에 있는 Move 함수에 방향 정보와 속도를 설정합니다.</a:t>
-            </a:r>
-            <a:endParaRPr lang="ko-KR" altLang="en-US" sz="1800">
-              <a:latin typeface="맑은 고딕" charset="0"/>
-              <a:ea typeface="맑은 고딕" charset="0"/>
-            </a:endParaRPr>
-          </a:p>
-        </p:txBody>
-      </p:sp>
-      <p:pic>
-        <p:nvPicPr>
-          <p:cNvPr id="1245" name="그림 79"/>
-          <p:cNvPicPr>
-            <a:picLocks noChangeAspect="1"/>
-          </p:cNvPicPr>
-          <p:nvPr/>
-        </p:nvPicPr>
-        <p:blipFill rotWithShape="1">
-          <a:blip r:embed="rId4" cstate="print">
-            <a:extLst>
-              <a:ext uri="{28A0092B-C50C-407E-A947-70E740481C1C}">
-                <a14:useLocalDpi xmlns:a14="http://schemas.microsoft.com/office/drawing/2010/main" val="0"/>
-              </a:ext>
-            </a:extLst>
-          </a:blip>
-          <a:stretch>
-            <a:fillRect/>
-          </a:stretch>
-        </p:blipFill>
-        <p:spPr>
-          <a:xfrm rot="0">
-            <a:off x="1380490" y="3396615"/>
-            <a:ext cx="3982720" cy="1061720"/>
-          </a:xfrm>
-          <a:prstGeom prst="rect"/>
-          <a:noFill/>
-        </p:spPr>
-      </p:pic>
-      <p:sp>
-        <p:nvSpPr>
-          <p:cNvPr id="1246" name="텍스트 상자 82"/>
-          <p:cNvSpPr txBox="1">
-            <a:spLocks/>
-          </p:cNvSpPr>
-          <p:nvPr/>
-        </p:nvSpPr>
-        <p:spPr>
-          <a:xfrm rot="0">
-            <a:off x="1371600" y="4565015"/>
-            <a:ext cx="4004310" cy="1754505"/>
-          </a:xfrm>
-          <a:prstGeom prst="rect"/>
-          <a:noFill/>
-          <a:ln w="0">
-            <a:noFill/>
-            <a:prstDash/>
-          </a:ln>
-        </p:spPr>
-        <p:txBody>
-          <a:bodyPr wrap="square" lIns="89535" tIns="46355" rIns="89535" bIns="46355" numCol="1" vert="horz" anchor="t">
-            <a:spAutoFit/>
-          </a:bodyPr>
-          <a:lstStyle/>
-          <a:p>
-            <a:pPr marL="0" indent="0" rtl="0" algn="l" defTabSz="914400" eaLnBrk="1" latinLnBrk="0" hangingPunct="1">
-              <a:buFontTx/>
-              <a:buNone/>
-            </a:pPr>
-            <a:r>
-              <a:rPr sz="1800" b="1">
-                <a:solidFill>
-                  <a:srgbClr val="0611F2"/>
-                </a:solidFill>
-                <a:latin typeface="맑은 고딕" charset="0"/>
-                <a:ea typeface="맑은 고딕" charset="0"/>
-              </a:rPr>
-              <a:t>2</a:t>
-            </a:r>
-            <a:r>
-              <a:rPr lang="ko-KR" sz="1800" b="1">
-                <a:solidFill>
-                  <a:srgbClr val="0611F2"/>
-                </a:solidFill>
-                <a:latin typeface="맑은 고딕" charset="0"/>
-                <a:ea typeface="맑은 고딕" charset="0"/>
-              </a:rPr>
-              <a:t>6</a:t>
-            </a:r>
-            <a:r>
-              <a:rPr sz="1800" b="1">
-                <a:solidFill>
-                  <a:srgbClr val="0611F2"/>
-                </a:solidFill>
-                <a:latin typeface="맑은 고딕" charset="0"/>
-                <a:ea typeface="맑은 고딕" charset="0"/>
-              </a:rPr>
-              <a:t>.</a:t>
-            </a:r>
-            <a:r>
-              <a:rPr sz="1800">
-                <a:latin typeface="맑은 고딕" charset="0"/>
-                <a:ea typeface="맑은 고딕" charset="0"/>
-              </a:rPr>
-              <a:t> </a:t>
-            </a:r>
-            <a:r>
-              <a:rPr lang="ko-KR" sz="1800">
-                <a:latin typeface="맑은 고딕" charset="0"/>
-                <a:ea typeface="맑은 고딕" charset="0"/>
-              </a:rPr>
-              <a:t>그런 다음 속도를 지정할 float 변수와 CharacterController 변수를 선언합니다.</a:t>
-            </a:r>
-            <a:endParaRPr lang="ko-KR" altLang="en-US" sz="1800">
-              <a:latin typeface="맑은 고딕" charset="0"/>
-              <a:ea typeface="맑은 고딕" charset="0"/>
-            </a:endParaRPr>
-          </a:p>
-          <a:p>
-            <a:pPr marL="0" indent="0" rtl="0" algn="l" defTabSz="914400" eaLnBrk="1" latinLnBrk="0" hangingPunct="1">
-              <a:buFontTx/>
-              <a:buNone/>
-            </a:pPr>
-            <a:endParaRPr lang="ko-KR" altLang="en-US" sz="1800">
-              <a:latin typeface="맑은 고딕" charset="0"/>
-              <a:ea typeface="맑은 고딕" charset="0"/>
-            </a:endParaRPr>
-          </a:p>
-          <a:p>
-            <a:pPr marL="0" indent="0" rtl="0" algn="l" defTabSz="914400" eaLnBrk="1" latinLnBrk="0" hangingPunct="1">
-              <a:buFontTx/>
-              <a:buNone/>
-            </a:pPr>
-            <a:r>
-              <a:rPr lang="ko-KR" sz="1800">
-                <a:latin typeface="맑은 고딕" charset="0"/>
-                <a:ea typeface="맑은 고딕" charset="0"/>
-              </a:rPr>
-              <a:t>그다음 CharacterController 컴포넌트를 가져옵니다.</a:t>
-            </a:r>
-            <a:endParaRPr lang="ko-KR" altLang="en-US" sz="1800">
-              <a:latin typeface="맑은 고딕" charset="0"/>
-              <a:ea typeface="맑은 고딕" charset="0"/>
-            </a:endParaRPr>
-          </a:p>
-        </p:txBody>
-      </p:sp>
-      <p:pic>
-        <p:nvPicPr>
-          <p:cNvPr id="1247" name="그림 83"/>
-          <p:cNvPicPr>
-            <a:picLocks noChangeAspect="1"/>
-          </p:cNvPicPr>
-          <p:nvPr/>
-        </p:nvPicPr>
-        <p:blipFill rotWithShape="1">
-          <a:blip r:embed="rId5" cstate="print">
-            <a:extLst>
-              <a:ext uri="{28A0092B-C50C-407E-A947-70E740481C1C}">
-                <a14:useLocalDpi xmlns:a14="http://schemas.microsoft.com/office/drawing/2010/main" val="0"/>
-              </a:ext>
-            </a:extLst>
-          </a:blip>
-          <a:stretch>
-            <a:fillRect/>
-          </a:stretch>
-        </p:blipFill>
-        <p:spPr>
-          <a:xfrm rot="0">
-            <a:off x="6858000" y="1238250"/>
-            <a:ext cx="4232910" cy="2858135"/>
+            <a:off x="6858000" y="1338580"/>
+            <a:ext cx="4233545" cy="2758440"/>
           </a:xfrm>
           <a:prstGeom prst="rect"/>
           <a:noFill/>
@@ -9344,9 +9253,9 @@
           <p:nvPr/>
         </p:nvSpPr>
         <p:spPr>
-          <a:xfrm rot="0">
+          <a:xfrm>
             <a:off x="1222375" y="5501640"/>
-            <a:ext cx="4133215" cy="647065"/>
+            <a:ext cx="4133850" cy="647065"/>
           </a:xfrm>
           <a:prstGeom prst="rect"/>
           <a:noFill/>
@@ -9373,31 +9282,35 @@
                 <a:latin typeface="맑은 고딕" charset="0"/>
                 <a:ea typeface="맑은 고딕" charset="0"/>
               </a:rPr>
-              <a:t>4</a:t>
-            </a:r>
-            <a:r>
-              <a:rPr sz="1800" b="1">
-                <a:solidFill>
-                  <a:srgbClr val="0611F2"/>
-                </a:solidFill>
-                <a:latin typeface="맑은 고딕" charset="0"/>
-                <a:ea typeface="맑은 고딕" charset="0"/>
-              </a:rPr>
-              <a:t>.</a:t>
+              <a:t>4.</a:t>
             </a:r>
             <a:r>
               <a:rPr sz="1800">
                 <a:latin typeface="맑은 고딕" charset="0"/>
                 <a:ea typeface="맑은 고딕" charset="0"/>
               </a:rPr>
-              <a:t> 그리</a:t>
+              <a:t> 그</a:t>
+            </a:r>
+            <a:r>
+              <a:rPr sz="1800">
+                <a:latin typeface="맑은 고딕" charset="0"/>
+                <a:ea typeface="맑은 고딕" charset="0"/>
+              </a:rPr>
+              <a:t>다</a:t>
             </a:r>
             <a:r>
               <a:rPr lang="ko-KR" sz="1800">
                 <a:latin typeface="맑은 고딕" charset="0"/>
                 <a:ea typeface="맑은 고딕" charset="0"/>
               </a:rPr>
-              <a:t>고 3D Object에 Cube 선택하고 이름을 Sound Box로 정의합니다. </a:t>
+              <a:t>음</a:t>
+            </a:r>
+            <a:r>
+              <a:rPr lang="ko-KR" sz="1800">
+                <a:latin typeface="맑은 고딕" charset="0"/>
+                <a:ea typeface="맑은 고딕" charset="0"/>
+              </a:rPr>
+              <a:t> 3D Object에 Cube 선택하고 이름을 Sound Box로 정의합니다. </a:t>
             </a:r>
             <a:endParaRPr lang="ko-KR" altLang="en-US" sz="1800">
               <a:latin typeface="맑은 고딕" charset="0"/>
@@ -9417,7 +9330,7 @@
         <p:spPr>
           <a:xfrm rot="0">
             <a:off x="6823710" y="5228590"/>
-            <a:ext cx="4194810" cy="924560"/>
+            <a:ext cx="4158615" cy="923925"/>
           </a:xfrm>
           <a:prstGeom prst="rect"/>
           <a:noFill/>
@@ -9444,7 +9357,17 @@
                 <a:latin typeface="맑은 고딕" charset="0"/>
                 <a:ea typeface="맑은 고딕" charset="0"/>
               </a:rPr>
-              <a:t>8.</a:t>
+              <a:t>6</a:t>
+            </a:r>
+            <a:r>
+              <a:rPr sz="1800" b="1">
+                <a:solidFill>
+                  <a:srgbClr val="0611F2"/>
+                </a:solidFill>
+                <a:latin typeface="맑은 고딕" charset="0"/>
+                <a:ea typeface="맑은 고딕" charset="0"/>
+              </a:rPr>
+              <a:t>.</a:t>
             </a:r>
             <a:r>
               <a:rPr sz="1800">
@@ -9458,7 +9381,7 @@
                 <a:latin typeface="맑은 고딕" charset="0"/>
                 <a:ea typeface="맑은 고딕" charset="0"/>
               </a:rPr>
-              <a:t>그런 다음 Project 폴더에서 Sound에 Powerful 사운드를 선택하고 Sound Box에 넣어줍니다.</a:t>
+              <a:t>이제 Character 오브젝트를 선택하고 Character Controller 컴포넌트를 추가합니다.</a:t>
             </a:r>
             <a:endParaRPr lang="ko-KR" altLang="en-US" sz="1800">
               <a:latin typeface="맑은 고딕" charset="0"/>
@@ -9469,7 +9392,7 @@
       </p:sp>
       <p:pic>
         <p:nvPicPr>
-          <p:cNvPr id="1205" name="그림 20" descr="C:/Users/Admin1/AppData/Roaming/PolarisOffice/ETemp/19172_13682776/fImage161052209961.png"/>
+          <p:cNvPr id="1205" name="그림 20"/>
           <p:cNvPicPr>
             <a:picLocks noChangeAspect="1"/>
           </p:cNvPicPr>
@@ -9500,7 +9423,7 @@
       </p:pic>
       <p:pic>
         <p:nvPicPr>
-          <p:cNvPr id="1214" name="그림 12" descr="C:/Users/Admin1/AppData/Roaming/PolarisOffice/ETemp/19172_13682776/fImage51932846334.png"/>
+          <p:cNvPr id="1214" name="그림 12"/>
           <p:cNvPicPr>
             <a:picLocks noChangeAspect="1"/>
           </p:cNvPicPr>
@@ -9522,6 +9445,191 @@
           <a:xfrm rot="0">
             <a:off x="3949065" y="2252980"/>
             <a:ext cx="1405255" cy="2087245"/>
+          </a:xfrm>
+          <a:prstGeom prst="roundRect"/>
+          <a:solidFill>
+            <a:srgbClr val="EDEDED"/>
+          </a:solidFill>
+        </p:spPr>
+      </p:pic>
+      <p:pic>
+        <p:nvPicPr>
+          <p:cNvPr id="1215" name="그림 4" descr="C:/Users/Admin1/AppData/Roaming/PolarisOffice/ETemp/17016_18079352/fImage1163019541.png"/>
+          <p:cNvPicPr>
+            <a:picLocks noChangeAspect="1"/>
+          </p:cNvPicPr>
+          <p:nvPr/>
+        </p:nvPicPr>
+        <p:blipFill rotWithShape="1">
+          <a:blip r:embed="rId23" cstate="print">
+            <a:extLst>
+              <a:ext uri="{28A0092B-C50C-407E-A947-70E740481C1C}">
+                <a14:useLocalDpi xmlns:a14="http://schemas.microsoft.com/office/drawing/2010/main" val="0"/>
+              </a:ext>
+            </a:extLst>
+          </a:blip>
+          <a:stretch>
+            <a:fillRect/>
+          </a:stretch>
+        </p:blipFill>
+        <p:spPr>
+          <a:xfrm rot="0">
+            <a:off x="6824345" y="1346835"/>
+            <a:ext cx="4149725" cy="1488440"/>
+          </a:xfrm>
+          <a:prstGeom prst="roundRect"/>
+          <a:solidFill>
+            <a:srgbClr val="EDEDED"/>
+          </a:solidFill>
+        </p:spPr>
+      </p:pic>
+      <p:sp>
+        <p:nvSpPr>
+          <p:cNvPr id="1216" name="텍스트 상자 7"/>
+          <p:cNvSpPr txBox="1">
+            <a:spLocks/>
+          </p:cNvSpPr>
+          <p:nvPr/>
+        </p:nvSpPr>
+        <p:spPr>
+          <a:xfrm rot="0">
+            <a:off x="6820535" y="2939415"/>
+            <a:ext cx="4142105" cy="647065"/>
+          </a:xfrm>
+          <a:prstGeom prst="rect"/>
+          <a:noFill/>
+          <a:ln w="0">
+            <a:noFill/>
+            <a:prstDash/>
+          </a:ln>
+        </p:spPr>
+        <p:txBody>
+          <a:bodyPr wrap="square" lIns="89535" tIns="46355" rIns="89535" bIns="46355" numCol="1" vert="horz" anchor="t">
+            <a:spAutoFit/>
+          </a:bodyPr>
+          <a:lstStyle/>
+          <a:p>
+            <a:pPr marL="0" indent="0" rtl="0" algn="l" defTabSz="914400" eaLnBrk="1" latinLnBrk="0" hangingPunct="1">
+              <a:buFontTx/>
+              <a:buNone/>
+            </a:pPr>
+            <a:r>
+              <a:rPr sz="1800" b="1">
+                <a:solidFill>
+                  <a:srgbClr val="0611F2"/>
+                </a:solidFill>
+                <a:latin typeface="맑은 고딕" charset="0"/>
+                <a:ea typeface="맑은 고딕" charset="0"/>
+              </a:rPr>
+              <a:t>5</a:t>
+            </a:r>
+            <a:r>
+              <a:rPr sz="1800" b="1">
+                <a:solidFill>
+                  <a:srgbClr val="0611F2"/>
+                </a:solidFill>
+                <a:latin typeface="맑은 고딕" charset="0"/>
+                <a:ea typeface="맑은 고딕" charset="0"/>
+              </a:rPr>
+              <a:t>.</a:t>
+            </a:r>
+            <a:r>
+              <a:rPr sz="1800">
+                <a:latin typeface="맑은 고딕" charset="0"/>
+                <a:ea typeface="맑은 고딕" charset="0"/>
+              </a:rPr>
+              <a:t> </a:t>
+            </a:r>
+            <a:r>
+              <a:rPr lang="ko-KR" sz="1800">
+                <a:latin typeface="맑은 고딕" charset="0"/>
+                <a:ea typeface="맑은 고딕" charset="0"/>
+              </a:rPr>
+              <a:t>그</a:t>
+            </a:r>
+            <a:r>
+              <a:rPr lang="ko-KR" sz="1800">
+                <a:latin typeface="맑은 고딕" charset="0"/>
+                <a:ea typeface="맑은 고딕" charset="0"/>
+              </a:rPr>
+              <a:t>러고 나서</a:t>
+            </a:r>
+            <a:r>
+              <a:rPr lang="ko-KR" sz="1800">
+                <a:latin typeface="맑은 고딕" charset="0"/>
+                <a:ea typeface="맑은 고딕" charset="0"/>
+              </a:rPr>
+              <a:t> </a:t>
+            </a:r>
+            <a:r>
+              <a:rPr lang="ko-KR" sz="1800">
+                <a:latin typeface="맑은 고딕" charset="0"/>
+                <a:ea typeface="맑은 고딕" charset="0"/>
+              </a:rPr>
+              <a:t>Sound Box 오브젝트의 위치와 크기를 설정합니다.</a:t>
+            </a:r>
+            <a:endParaRPr lang="ko-KR" altLang="en-US" sz="1800">
+              <a:latin typeface="맑은 고딕" charset="0"/>
+              <a:ea typeface="맑은 고딕" charset="0"/>
+            </a:endParaRPr>
+          </a:p>
+        </p:txBody>
+      </p:sp>
+      <p:pic>
+        <p:nvPicPr>
+          <p:cNvPr id="1217" name="그림 8" descr="C:/Users/Admin1/AppData/Roaming/PolarisOffice/ETemp/17016_18079352/fImage52551978467.png"/>
+          <p:cNvPicPr>
+            <a:picLocks noChangeAspect="1"/>
+          </p:cNvPicPr>
+          <p:nvPr/>
+        </p:nvPicPr>
+        <p:blipFill rotWithShape="1">
+          <a:blip r:embed="rId24" cstate="print">
+            <a:extLst>
+              <a:ext uri="{28A0092B-C50C-407E-A947-70E740481C1C}">
+                <a14:useLocalDpi xmlns:a14="http://schemas.microsoft.com/office/drawing/2010/main" val="0"/>
+              </a:ext>
+            </a:extLst>
+          </a:blip>
+          <a:stretch>
+            <a:fillRect/>
+          </a:stretch>
+        </p:blipFill>
+        <p:spPr>
+          <a:xfrm rot="0">
+            <a:off x="6824980" y="3765550"/>
+            <a:ext cx="1305560" cy="1306195"/>
+          </a:xfrm>
+          <a:prstGeom prst="roundRect"/>
+          <a:solidFill>
+            <a:srgbClr val="EDEDED"/>
+          </a:solidFill>
+        </p:spPr>
+      </p:pic>
+      <p:pic>
+        <p:nvPicPr>
+          <p:cNvPr id="1218" name="그림 11" descr="C:/Users/Admin1/AppData/Roaming/PolarisOffice/ETemp/17016_18079352/fImage52371986334.png"/>
+          <p:cNvPicPr>
+            <a:picLocks noChangeAspect="1"/>
+          </p:cNvPicPr>
+          <p:nvPr/>
+        </p:nvPicPr>
+        <p:blipFill rotWithShape="1">
+          <a:blip r:embed="rId25" cstate="print">
+            <a:extLst>
+              <a:ext uri="{28A0092B-C50C-407E-A947-70E740481C1C}">
+                <a14:useLocalDpi xmlns:a14="http://schemas.microsoft.com/office/drawing/2010/main" val="0"/>
+              </a:ext>
+            </a:extLst>
+          </a:blip>
+          <a:stretch>
+            <a:fillRect/>
+          </a:stretch>
+        </p:blipFill>
+        <p:spPr>
+          <a:xfrm rot="0">
+            <a:off x="8246745" y="3768090"/>
+            <a:ext cx="2719070" cy="1303655"/>
           </a:xfrm>
           <a:prstGeom prst="roundRect"/>
           <a:solidFill>
@@ -9553,7 +9661,7 @@
 </file>
 
 <file path=ppt/slides/slide3.xml><?xml version="1.0" encoding="utf-8"?>
-<p:sld xmlns:a="http://schemas.openxmlformats.org/drawingml/2006/main" xmlns:r="http://schemas.openxmlformats.org/officeDocument/2006/relationships" xmlns:p="http://schemas.openxmlformats.org/presentationml/2006/main">
+<p:sld xmlns:a="http://schemas.openxmlformats.org/drawingml/2006/main" xmlns:r="http://schemas.openxmlformats.org/officeDocument/2006/relationships" xmlns:p="http://schemas.openxmlformats.org/presentationml/2006/main" xmlns:p14="http://schemas.microsoft.com/office/powerpoint/2010/main">
   <p:cSld>
     <p:spTree>
       <p:nvGrpSpPr>
@@ -9639,8 +9747,8 @@
         </p:nvSpPr>
         <p:spPr>
           <a:xfrm rot="0">
-            <a:off x="1348105" y="5158740"/>
-            <a:ext cx="4011295" cy="924560"/>
+            <a:off x="1230630" y="2581275"/>
+            <a:ext cx="4148455" cy="923925"/>
           </a:xfrm>
           <a:prstGeom prst="rect"/>
           <a:noFill/>
@@ -9667,7 +9775,17 @@
                 <a:latin typeface="맑은 고딕" charset="0"/>
                 <a:ea typeface="맑은 고딕" charset="0"/>
               </a:rPr>
-              <a:t>6.</a:t>
+              <a:t>7</a:t>
+            </a:r>
+            <a:r>
+              <a:rPr sz="1800" b="1">
+                <a:solidFill>
+                  <a:srgbClr val="0611F2"/>
+                </a:solidFill>
+                <a:latin typeface="맑은 고딕" charset="0"/>
+                <a:ea typeface="맑은 고딕" charset="0"/>
+              </a:rPr>
+              <a:t>.</a:t>
             </a:r>
             <a:r>
               <a:rPr sz="1800">
@@ -9681,7 +9799,42 @@
                 <a:latin typeface="맑은 고딕" charset="0"/>
                 <a:ea typeface="맑은 고딕" charset="0"/>
               </a:rPr>
-              <a:t>이제 Project 폴더에서 Texture에 Diffuse 텍스처를 선택하고 Sound Box에 넣어줍니다.</a:t>
+              <a:t>그리고</a:t>
+            </a:r>
+            <a:r>
+              <a:rPr lang="ko-KR" sz="1800">
+                <a:latin typeface="맑은 고딕" charset="0"/>
+                <a:ea typeface="맑은 고딕" charset="0"/>
+              </a:rPr>
+              <a:t> Project 폴더에서 Texture에 </a:t>
+            </a:r>
+            <a:r>
+              <a:rPr lang="ko-KR" sz="1800">
+                <a:latin typeface="맑은 고딕" charset="0"/>
+                <a:ea typeface="맑은 고딕" charset="0"/>
+              </a:rPr>
+              <a:t>Speaker </a:t>
+            </a:r>
+            <a:r>
+              <a:rPr lang="ko-KR" sz="1800">
+                <a:latin typeface="맑은 고딕" charset="0"/>
+                <a:ea typeface="맑은 고딕" charset="0"/>
+              </a:rPr>
+              <a:t>텍스처를 선택하고 Sound Box</a:t>
+            </a:r>
+            <a:r>
+              <a:rPr lang="ko-KR" sz="1800">
+                <a:latin typeface="맑은 고딕" charset="0"/>
+                <a:ea typeface="맑은 고딕" charset="0"/>
+              </a:rPr>
+              <a:t> 오브젝트</a:t>
+            </a:r>
+            <a:r>
+              <a:rPr lang="ko-KR" sz="1800">
+                <a:latin typeface="맑은 고딕" charset="0"/>
+                <a:ea typeface="맑은 고딕" charset="0"/>
+              </a:rPr>
+              <a:t>에 넣어줍니다.</a:t>
             </a:r>
             <a:endParaRPr lang="ko-KR" altLang="en-US" sz="1800">
               <a:latin typeface="맑은 고딕" charset="0"/>
@@ -9700,8 +9853,8 @@
         </p:nvSpPr>
         <p:spPr>
           <a:xfrm rot="0">
-            <a:off x="6823075" y="2863850"/>
-            <a:ext cx="4200525" cy="647700"/>
+            <a:off x="6806565" y="2863850"/>
+            <a:ext cx="4134485" cy="647065"/>
           </a:xfrm>
           <a:prstGeom prst="rect"/>
           <a:noFill/>
@@ -9728,7 +9881,7 @@
                 <a:latin typeface="맑은 고딕" charset="0"/>
                 <a:ea typeface="맑은 고딕" charset="0"/>
               </a:rPr>
-              <a:t>7</a:t>
+              <a:t>9</a:t>
             </a:r>
             <a:r>
               <a:rPr sz="1800" b="1">
@@ -9770,9 +9923,9 @@
           <p:nvPr/>
         </p:nvSpPr>
         <p:spPr>
-          <a:xfrm rot="0">
+          <a:xfrm>
             <a:off x="6831965" y="5161915"/>
-            <a:ext cx="4194810" cy="924560"/>
+            <a:ext cx="4195445" cy="923925"/>
           </a:xfrm>
           <a:prstGeom prst="rect"/>
           <a:noFill/>
@@ -9799,7 +9952,17 @@
                 <a:latin typeface="맑은 고딕" charset="0"/>
                 <a:ea typeface="맑은 고딕" charset="0"/>
               </a:rPr>
-              <a:t>8.</a:t>
+              <a:t>10</a:t>
+            </a:r>
+            <a:r>
+              <a:rPr sz="1800" b="1">
+                <a:solidFill>
+                  <a:srgbClr val="0611F2"/>
+                </a:solidFill>
+                <a:latin typeface="맑은 고딕" charset="0"/>
+                <a:ea typeface="맑은 고딕" charset="0"/>
+              </a:rPr>
+              <a:t>.</a:t>
             </a:r>
             <a:r>
               <a:rPr sz="1800">
@@ -9824,7 +9987,7 @@
       </p:sp>
       <p:pic>
         <p:nvPicPr>
-          <p:cNvPr id="1210" name="Picture " descr="C:/Users/Admin1/AppData/Roaming/PolarisOffice/ETemp/19172_13682776/fImage48562109358.png"/>
+          <p:cNvPr id="1210" name="Picture " descr="C:/Users/Admin1/AppData/Roaming/PolarisOffice/ETemp/17016_18079352/fImage48562109358.png"/>
           <p:cNvPicPr>
             <a:picLocks noChangeAspect="1"/>
           </p:cNvPicPr>
@@ -9844,8 +10007,8 @@
         </p:blipFill>
         <p:spPr>
           <a:xfrm rot="0">
-            <a:off x="8334375" y="1304925"/>
-            <a:ext cx="2674620" cy="1416050"/>
+            <a:off x="8334375" y="1313180"/>
+            <a:ext cx="2623185" cy="1447165"/>
           </a:xfrm>
           <a:prstGeom prst="roundRect"/>
           <a:solidFill>
@@ -9855,14 +10018,14 @@
       </p:pic>
       <p:pic>
         <p:nvPicPr>
-          <p:cNvPr id="1213" name="Picture " descr="C:/Users/Admin1/AppData/Roaming/PolarisOffice/ETemp/19172_13682776/fImage81242175705.png"/>
+          <p:cNvPr id="1215" name="그림 15" descr="C:/Users/Admin1/AppData/Roaming/PolarisOffice/ETemp/17016_18079352/fImage51932856500.png"/>
           <p:cNvPicPr>
             <a:picLocks noChangeAspect="1"/>
           </p:cNvPicPr>
           <p:nvPr/>
         </p:nvPicPr>
         <p:blipFill rotWithShape="1">
-          <a:blip r:embed="rId3" cstate="hqprint">
+          <a:blip r:embed="rId5" cstate="hqprint">
             <a:extLst>
               <a:ext uri="{28A0092B-C50C-407E-A947-70E740481C1C}">
                 <a14:useLocalDpi xmlns:a14="http://schemas.microsoft.com/office/drawing/2010/main"/>
@@ -9875,8 +10038,8 @@
         </p:blipFill>
         <p:spPr>
           <a:xfrm rot="0">
-            <a:off x="8346440" y="3691255"/>
-            <a:ext cx="2680335" cy="1303020"/>
+            <a:off x="6825615" y="1313180"/>
+            <a:ext cx="1405255" cy="1427480"/>
           </a:xfrm>
           <a:prstGeom prst="roundRect"/>
           <a:solidFill>
@@ -9886,14 +10049,14 @@
       </p:pic>
       <p:pic>
         <p:nvPicPr>
-          <p:cNvPr id="1214" name="Picture " descr="C:/Users/Admin1/AppData/Roaming/PolarisOffice/ETemp/19172_13682776/fImage2758820941.png"/>
+          <p:cNvPr id="1216" name="그림 16" descr="C:/Users/Admin1/AppData/Roaming/PolarisOffice/ETemp/17016_18079352/fImage51932869169.png"/>
           <p:cNvPicPr>
             <a:picLocks noChangeAspect="1"/>
           </p:cNvPicPr>
           <p:nvPr/>
         </p:nvPicPr>
         <p:blipFill rotWithShape="1">
-          <a:blip r:embed="rId4" cstate="hqprint">
+          <a:blip r:embed="rId6" cstate="hqprint">
             <a:extLst>
               <a:ext uri="{28A0092B-C50C-407E-A947-70E740481C1C}">
                 <a14:useLocalDpi xmlns:a14="http://schemas.microsoft.com/office/drawing/2010/main"/>
@@ -9906,8 +10069,8 @@
         </p:blipFill>
         <p:spPr>
           <a:xfrm rot="0">
-            <a:off x="2910205" y="3787140"/>
-            <a:ext cx="2552065" cy="1201420"/>
+            <a:off x="6822440" y="3683635"/>
+            <a:ext cx="1191895" cy="1303020"/>
           </a:xfrm>
           <a:prstGeom prst="roundRect"/>
           <a:solidFill>
@@ -9917,14 +10080,45 @@
       </p:pic>
       <p:pic>
         <p:nvPicPr>
-          <p:cNvPr id="1215" name="그림 15" descr="C:/Users/Admin1/AppData/Roaming/PolarisOffice/ETemp/19172_13682776/fImage51932856500.png"/>
+          <p:cNvPr id="1217" name="그림 17" descr="C:/Users/Admin1/AppData/Roaming/PolarisOffice/ETemp/17016_18079352/fImage51932875724.png"/>
           <p:cNvPicPr>
             <a:picLocks noChangeAspect="1"/>
           </p:cNvPicPr>
           <p:nvPr/>
         </p:nvPicPr>
         <p:blipFill rotWithShape="1">
-          <a:blip r:embed="rId5" cstate="print">
+          <a:blip r:embed="rId7" cstate="hqprint">
+            <a:extLst>
+              <a:ext uri="{28A0092B-C50C-407E-A947-70E740481C1C}">
+                <a14:useLocalDpi xmlns:a14="http://schemas.microsoft.com/office/drawing/2010/main"/>
+              </a:ext>
+            </a:extLst>
+          </a:blip>
+          <a:stretch>
+            <a:fillRect/>
+          </a:stretch>
+        </p:blipFill>
+        <p:spPr>
+          <a:xfrm rot="0">
+            <a:off x="1230630" y="1296670"/>
+            <a:ext cx="1305560" cy="1191895"/>
+          </a:xfrm>
+          <a:prstGeom prst="roundRect"/>
+          <a:solidFill>
+            <a:srgbClr val="EDEDED"/>
+          </a:solidFill>
+        </p:spPr>
+      </p:pic>
+      <p:pic>
+        <p:nvPicPr>
+          <p:cNvPr id="1218" name="그림 1" descr="C:/Users/Admin1/AppData/Roaming/PolarisOffice/ETemp/17016_18079352/fImage362491946500.png"/>
+          <p:cNvPicPr>
+            <a:picLocks noChangeAspect="1"/>
+          </p:cNvPicPr>
+          <p:nvPr/>
+        </p:nvPicPr>
+        <p:blipFill rotWithShape="1">
+          <a:blip r:embed="rId9" cstate="print">
             <a:extLst>
               <a:ext uri="{28A0092B-C50C-407E-A947-70E740481C1C}">
                 <a14:useLocalDpi xmlns:a14="http://schemas.microsoft.com/office/drawing/2010/main" val="0"/>
@@ -9937,70 +10131,8 @@
         </p:blipFill>
         <p:spPr>
           <a:xfrm rot="0">
-            <a:off x="6825615" y="1296670"/>
-            <a:ext cx="1405255" cy="1414145"/>
-          </a:xfrm>
-          <a:prstGeom prst="roundRect"/>
-          <a:solidFill>
-            <a:srgbClr val="EDEDED"/>
-          </a:solidFill>
-        </p:spPr>
-      </p:pic>
-      <p:pic>
-        <p:nvPicPr>
-          <p:cNvPr id="1216" name="그림 16" descr="C:/Users/Admin1/AppData/Roaming/PolarisOffice/ETemp/19172_13682776/fImage51932869169.png"/>
-          <p:cNvPicPr>
-            <a:picLocks noChangeAspect="1"/>
-          </p:cNvPicPr>
-          <p:nvPr/>
-        </p:nvPicPr>
-        <p:blipFill rotWithShape="1">
-          <a:blip r:embed="rId6" cstate="print">
-            <a:extLst>
-              <a:ext uri="{28A0092B-C50C-407E-A947-70E740481C1C}">
-                <a14:useLocalDpi xmlns:a14="http://schemas.microsoft.com/office/drawing/2010/main" val="0"/>
-              </a:ext>
-            </a:extLst>
-          </a:blip>
-          <a:stretch>
-            <a:fillRect/>
-          </a:stretch>
-        </p:blipFill>
-        <p:spPr>
-          <a:xfrm rot="0">
-            <a:off x="6822440" y="3683635"/>
-            <a:ext cx="1405255" cy="1302385"/>
-          </a:xfrm>
-          <a:prstGeom prst="roundRect"/>
-          <a:solidFill>
-            <a:srgbClr val="EDEDED"/>
-          </a:solidFill>
-        </p:spPr>
-      </p:pic>
-      <p:pic>
-        <p:nvPicPr>
-          <p:cNvPr id="1217" name="그림 17" descr="C:/Users/Admin1/AppData/Roaming/PolarisOffice/ETemp/19172_13682776/fImage51932875724.png"/>
-          <p:cNvPicPr>
-            <a:picLocks noChangeAspect="1"/>
-          </p:cNvPicPr>
-          <p:nvPr/>
-        </p:nvPicPr>
-        <p:blipFill rotWithShape="1">
-          <a:blip r:embed="rId7" cstate="print">
-            <a:extLst>
-              <a:ext uri="{28A0092B-C50C-407E-A947-70E740481C1C}">
-                <a14:useLocalDpi xmlns:a14="http://schemas.microsoft.com/office/drawing/2010/main" val="0"/>
-              </a:ext>
-            </a:extLst>
-          </a:blip>
-          <a:stretch>
-            <a:fillRect/>
-          </a:stretch>
-        </p:blipFill>
-        <p:spPr>
-          <a:xfrm rot="0">
-            <a:off x="1349375" y="3787775"/>
-            <a:ext cx="1405255" cy="1210310"/>
+            <a:off x="2618740" y="1313180"/>
+            <a:ext cx="2760345" cy="1164590"/>
           </a:xfrm>
           <a:prstGeom prst="roundRect"/>
           <a:solidFill>
@@ -10016,8 +10148,8 @@
         </p:nvCxnSpPr>
         <p:spPr>
           <a:xfrm rot="0" flipH="1">
-            <a:off x="2402840" y="4430395"/>
-            <a:ext cx="582295" cy="408305"/>
+            <a:off x="2202815" y="1945005"/>
+            <a:ext cx="2768600" cy="325120"/>
           </a:xfrm>
           <a:prstGeom prst="straightConnector1"/>
           <a:ln w="6350" cap="flat" cmpd="sng">
@@ -10040,6 +10172,37 @@
           </a:fontRef>
         </p:style>
       </p:cxnSp>
+      <p:pic>
+        <p:nvPicPr>
+          <p:cNvPr id="1219" name="그림 14" descr="C:/Users/Admin1/AppData/Roaming/PolarisOffice/ETemp/17016_18079352/fImage135361999169.png"/>
+          <p:cNvPicPr>
+            <a:picLocks noChangeAspect="1"/>
+          </p:cNvPicPr>
+          <p:nvPr/>
+        </p:nvPicPr>
+        <p:blipFill rotWithShape="1">
+          <a:blip r:embed="rId10" cstate="print">
+            <a:extLst>
+              <a:ext uri="{28A0092B-C50C-407E-A947-70E740481C1C}">
+                <a14:useLocalDpi xmlns:a14="http://schemas.microsoft.com/office/drawing/2010/main" val="0"/>
+              </a:ext>
+            </a:extLst>
+          </a:blip>
+          <a:stretch>
+            <a:fillRect/>
+          </a:stretch>
+        </p:blipFill>
+        <p:spPr>
+          <a:xfrm rot="0">
+            <a:off x="8131810" y="3683635"/>
+            <a:ext cx="2834005" cy="1304925"/>
+          </a:xfrm>
+          <a:prstGeom prst="roundRect"/>
+          <a:solidFill>
+            <a:srgbClr val="EDEDED"/>
+          </a:solidFill>
+        </p:spPr>
+      </p:pic>
     </p:spTree>
   </p:cSld>
   <p:clrMapOvr>
@@ -12148,7 +12311,7 @@
       </p:sp>
       <p:sp>
         <p:nvSpPr>
-          <p:cNvPr id="1194" name="Rect 0"/>
+          <p:cNvPr id="1198" name="Rect 0"/>
           <p:cNvSpPr txBox="1">
             <a:spLocks/>
           </p:cNvSpPr>
@@ -12156,8 +12319,8 @@
         </p:nvSpPr>
         <p:spPr>
           <a:xfrm rot="0">
-            <a:off x="6805295" y="4004310"/>
-            <a:ext cx="4350385" cy="2308225"/>
+            <a:off x="1219835" y="2821940"/>
+            <a:ext cx="4126230" cy="923925"/>
           </a:xfrm>
           <a:prstGeom prst="rect"/>
           <a:noFill/>
@@ -12194,7 +12357,7 @@
                 <a:latin typeface="맑은 고딕" charset="0"/>
                 <a:ea typeface="맑은 고딕" charset="0"/>
               </a:rPr>
-              <a:t>7</a:t>
+              <a:t>6</a:t>
             </a:r>
             <a:r>
               <a:rPr sz="1800" b="1">
@@ -12218,45 +12381,25 @@
                 <a:latin typeface="맑은 고딕" charset="0"/>
                 <a:ea typeface="맑은 고딕" charset="0"/>
               </a:rPr>
-              <a:t>그런 다음 SoundCall( ) 함수를 생성하고 매개변수로 string 변수를 설정합니다.</a:t>
+              <a:t>그다음 SoundManager 스크립트에서 AudioClip을 배열로 설정</a:t>
+            </a:r>
+            <a:r>
+              <a:rPr lang="ko-KR" sz="1800">
+                <a:latin typeface="맑은 고딕" charset="0"/>
+                <a:ea typeface="맑은 고딕" charset="0"/>
+              </a:rPr>
+              <a:t>합니다.</a:t>
             </a:r>
             <a:endParaRPr lang="ko-KR" altLang="en-US" sz="1800">
               <a:latin typeface="맑은 고딕" charset="0"/>
               <a:ea typeface="맑은 고딕" charset="0"/>
             </a:endParaRPr>
           </a:p>
-          <a:p>
-            <a:pPr marL="0" indent="0" rtl="0" algn="l" defTabSz="914400" eaLnBrk="1" latinLnBrk="0" hangingPunct="1">
-              <a:buFontTx/>
-              <a:buNone/>
-            </a:pPr>
-            <a:endParaRPr lang="ko-KR" altLang="en-US" sz="1800">
-              <a:latin typeface="맑은 고딕" charset="0"/>
-              <a:ea typeface="맑은 고딕" charset="0"/>
-            </a:endParaRPr>
-          </a:p>
-          <a:p>
-            <a:pPr marL="0" indent="0" rtl="0" algn="l" defTabSz="914400" eaLnBrk="1" latinLnBrk="0" hangingPunct="1">
-              <a:buFontTx/>
-              <a:buNone/>
-            </a:pPr>
-            <a:r>
-              <a:rPr lang="ko-KR" sz="1800">
-                <a:latin typeface="맑은 고딕" charset="0"/>
-                <a:ea typeface="맑은 고딕" charset="0"/>
-              </a:rPr>
-              <a:t>그리고 조건문을 통해 해당 string 변수의 이름이 일치하면 원하는 오디오 클립을 오디오 소스에 넣고 소리를 호출할 수 있도록 설정합니다.</a:t>
-            </a:r>
-            <a:endParaRPr lang="ko-KR" altLang="en-US" sz="1800">
-              <a:latin typeface="맑은 고딕" charset="0"/>
-              <a:ea typeface="맑은 고딕" charset="0"/>
-            </a:endParaRPr>
-          </a:p>
-        </p:txBody>
-      </p:sp>
-      <p:sp>
-        <p:nvSpPr>
-          <p:cNvPr id="1198" name="Rect 0"/>
+        </p:txBody>
+      </p:sp>
+      <p:sp>
+        <p:nvSpPr>
+          <p:cNvPr id="1216" name="Rect 0"/>
           <p:cNvSpPr txBox="1">
             <a:spLocks/>
           </p:cNvSpPr>
@@ -12264,8 +12407,8 @@
         </p:nvSpPr>
         <p:spPr>
           <a:xfrm rot="0">
-            <a:off x="1303020" y="2522855"/>
-            <a:ext cx="4051300" cy="1754505"/>
+            <a:off x="6819265" y="4172585"/>
+            <a:ext cx="4129405" cy="923925"/>
           </a:xfrm>
           <a:prstGeom prst="rect"/>
           <a:noFill/>
@@ -12302,7 +12445,7 @@
                 <a:latin typeface="맑은 고딕" charset="0"/>
                 <a:ea typeface="맑은 고딕" charset="0"/>
               </a:rPr>
-              <a:t>6</a:t>
+              <a:t>7</a:t>
             </a:r>
             <a:r>
               <a:rPr sz="1800" b="1">
@@ -12326,52 +12469,25 @@
                 <a:latin typeface="맑은 고딕" charset="0"/>
                 <a:ea typeface="맑은 고딕" charset="0"/>
               </a:rPr>
-              <a:t>그다음 SoundManager 스크립트에서 AudioSource 컴포넌트를 가져옵니다.</a:t>
+              <a:t>이제 Volume( ) 함수를 생성하고 매개변수에 float 변수로 오디오 소스의 볼륨 값으로 설정합니다.</a:t>
             </a:r>
             <a:endParaRPr lang="ko-KR" altLang="en-US" sz="1800">
               <a:latin typeface="맑은 고딕" charset="0"/>
               <a:ea typeface="맑은 고딕" charset="0"/>
             </a:endParaRPr>
           </a:p>
-          <a:p>
-            <a:pPr marL="0" indent="0" rtl="0" algn="l" defTabSz="914400" eaLnBrk="1" latinLnBrk="0" hangingPunct="1">
-              <a:buFontTx/>
-              <a:buNone/>
-            </a:pPr>
-            <a:endParaRPr lang="ko-KR" altLang="en-US" sz="1800">
-              <a:latin typeface="맑은 고딕" charset="0"/>
-              <a:ea typeface="맑은 고딕" charset="0"/>
-            </a:endParaRPr>
-          </a:p>
-          <a:p>
-            <a:pPr marL="0" indent="0" rtl="0" algn="l" defTabSz="914400" eaLnBrk="1" latinLnBrk="0" hangingPunct="1">
-              <a:buFontTx/>
-              <a:buNone/>
-            </a:pPr>
-            <a:r>
-              <a:rPr lang="ko-KR" sz="1800">
-                <a:latin typeface="맑은 고딕" charset="0"/>
-                <a:ea typeface="맑은 고딕" charset="0"/>
-              </a:rPr>
-              <a:t>그리고 여러 개의 사운드를 저장하기 위해 AudioClip을 배열로 설정합니다.</a:t>
-            </a:r>
-            <a:endParaRPr lang="ko-KR" altLang="en-US" sz="1800">
-              <a:latin typeface="맑은 고딕" charset="0"/>
-              <a:ea typeface="맑은 고딕" charset="0"/>
-            </a:endParaRPr>
-          </a:p>
         </p:txBody>
       </p:sp>
       <p:pic>
         <p:nvPicPr>
-          <p:cNvPr id="1213" name="Picture "/>
+          <p:cNvPr id="1217" name="그림 28" descr="C:/Users/Admin1/AppData/Roaming/PolarisOffice/ETemp/17016_18079352/fImage202152045724.png"/>
           <p:cNvPicPr>
             <a:picLocks noChangeAspect="1"/>
           </p:cNvPicPr>
           <p:nvPr/>
         </p:nvPicPr>
         <p:blipFill rotWithShape="1">
-          <a:blip r:embed="rId2" cstate="print">
+          <a:blip r:embed="rId6" cstate="print">
             <a:extLst>
               <a:ext uri="{28A0092B-C50C-407E-A947-70E740481C1C}">
                 <a14:useLocalDpi xmlns:a14="http://schemas.microsoft.com/office/drawing/2010/main" val="0"/>
@@ -12384,23 +12500,25 @@
         </p:blipFill>
         <p:spPr>
           <a:xfrm rot="0">
-            <a:off x="1301750" y="1265555"/>
-            <a:ext cx="4043680" cy="1158240"/>
-          </a:xfrm>
-          <a:prstGeom prst="rect"/>
-          <a:noFill/>
+            <a:off x="1222375" y="1434465"/>
+            <a:ext cx="4123690" cy="1242695"/>
+          </a:xfrm>
+          <a:prstGeom prst="roundRect"/>
+          <a:solidFill>
+            <a:srgbClr val="EDEDED"/>
+          </a:solidFill>
         </p:spPr>
       </p:pic>
       <p:pic>
         <p:nvPicPr>
-          <p:cNvPr id="1214" name="Picture "/>
+          <p:cNvPr id="1218" name="그림 38" descr="C:/Users/Admin1/AppData/Roaming/PolarisOffice/ETemp/17016_18079352/fImage278162061478.png"/>
           <p:cNvPicPr>
             <a:picLocks noChangeAspect="1"/>
           </p:cNvPicPr>
           <p:nvPr/>
         </p:nvPicPr>
         <p:blipFill rotWithShape="1">
-          <a:blip r:embed="rId3" cstate="print">
+          <a:blip r:embed="rId7" cstate="print">
             <a:extLst>
               <a:ext uri="{28A0092B-C50C-407E-A947-70E740481C1C}">
                 <a14:useLocalDpi xmlns:a14="http://schemas.microsoft.com/office/drawing/2010/main" val="0"/>
@@ -12413,123 +12531,15 @@
         </p:blipFill>
         <p:spPr>
           <a:xfrm rot="0">
-            <a:off x="6803390" y="1270000"/>
-            <a:ext cx="4352290" cy="2498090"/>
-          </a:xfrm>
-          <a:prstGeom prst="rect"/>
-          <a:noFill/>
+            <a:off x="6808470" y="1430020"/>
+            <a:ext cx="4140200" cy="2618740"/>
+          </a:xfrm>
+          <a:prstGeom prst="roundRect"/>
+          <a:solidFill>
+            <a:srgbClr val="EDEDED"/>
+          </a:solidFill>
         </p:spPr>
       </p:pic>
-      <p:pic>
-        <p:nvPicPr>
-          <p:cNvPr id="1215" name="Picture "/>
-          <p:cNvPicPr>
-            <a:picLocks noChangeAspect="1"/>
-          </p:cNvPicPr>
-          <p:nvPr/>
-        </p:nvPicPr>
-        <p:blipFill rotWithShape="1">
-          <a:blip r:embed="rId4" cstate="hqprint">
-            <a:extLst>
-              <a:ext uri="{28A0092B-C50C-407E-A947-70E740481C1C}">
-                <a14:useLocalDpi xmlns:a14="http://schemas.microsoft.com/office/drawing/2010/main"/>
-              </a:ext>
-            </a:extLst>
-          </a:blip>
-          <a:stretch>
-            <a:fillRect/>
-          </a:stretch>
-        </p:blipFill>
-        <p:spPr>
-          <a:xfrm rot="0">
-            <a:off x="1296670" y="4425950"/>
-            <a:ext cx="4049395" cy="801370"/>
-          </a:xfrm>
-          <a:prstGeom prst="rect"/>
-          <a:noFill/>
-        </p:spPr>
-      </p:pic>
-      <p:sp>
-        <p:nvSpPr>
-          <p:cNvPr id="1216" name="Rect 0"/>
-          <p:cNvSpPr txBox="1">
-            <a:spLocks/>
-          </p:cNvSpPr>
-          <p:nvPr/>
-        </p:nvSpPr>
-        <p:spPr>
-          <a:xfrm rot="0">
-            <a:off x="1299210" y="5377815"/>
-            <a:ext cx="4204970" cy="923925"/>
-          </a:xfrm>
-          <a:prstGeom prst="rect"/>
-          <a:noFill/>
-          <a:ln w="0">
-            <a:noFill/>
-            <a:prstDash/>
-          </a:ln>
-        </p:spPr>
-        <p:txBody>
-          <a:bodyPr wrap="square" lIns="89535" tIns="46355" rIns="89535" bIns="46355" numCol="1" vert="horz" anchor="t">
-            <a:spAutoFit/>
-          </a:bodyPr>
-          <a:lstStyle/>
-          <a:p>
-            <a:pPr marL="0" indent="0" rtl="0" algn="l" defTabSz="914400" eaLnBrk="1" latinLnBrk="0" hangingPunct="1">
-              <a:buFontTx/>
-              <a:buNone/>
-            </a:pPr>
-            <a:r>
-              <a:rPr sz="1800" b="1">
-                <a:solidFill>
-                  <a:srgbClr val="0611F2"/>
-                </a:solidFill>
-                <a:latin typeface="맑은 고딕" charset="0"/>
-                <a:ea typeface="맑은 고딕" charset="0"/>
-              </a:rPr>
-              <a:t>1</a:t>
-            </a:r>
-            <a:r>
-              <a:rPr lang="ko-KR" sz="1800" b="1">
-                <a:solidFill>
-                  <a:srgbClr val="0611F2"/>
-                </a:solidFill>
-                <a:latin typeface="맑은 고딕" charset="0"/>
-                <a:ea typeface="맑은 고딕" charset="0"/>
-              </a:rPr>
-              <a:t>7</a:t>
-            </a:r>
-            <a:r>
-              <a:rPr sz="1800" b="1">
-                <a:solidFill>
-                  <a:srgbClr val="0611F2"/>
-                </a:solidFill>
-                <a:latin typeface="맑은 고딕" charset="0"/>
-                <a:ea typeface="맑은 고딕" charset="0"/>
-              </a:rPr>
-              <a:t>.</a:t>
-            </a:r>
-            <a:r>
-              <a:rPr sz="1800">
-                <a:latin typeface="맑은 고딕" charset="0"/>
-                <a:ea typeface="맑은 고딕" charset="0"/>
-              </a:rPr>
-              <a:t> </a:t>
-            </a:r>
-            <a:r>
-              <a:rPr lang="ko-KR" sz="1800">
-                <a:latin typeface="맑은 고딕" charset="0"/>
-                <a:ea typeface="맑은 고딕" charset="0"/>
-              </a:rPr>
-              <a:t>이제 VolumeControl( ) 함수를 생성하고 매개변수에 float 변수로 오디오 소스의 볼륨 값으로 설정합니다.</a:t>
-            </a:r>
-            <a:endParaRPr lang="ko-KR" altLang="en-US" sz="1800">
-              <a:latin typeface="맑은 고딕" charset="0"/>
-              <a:ea typeface="맑은 고딕" charset="0"/>
-            </a:endParaRPr>
-          </a:p>
-        </p:txBody>
-      </p:sp>
     </p:spTree>
   </p:cSld>
   <p:clrMapOvr>

--- a/Assets/Class/Sound/PPT Data/Sound Example.pptx
+++ b/Assets/Class/Sound/PPT Data/Sound Example.pptx
@@ -2,7 +2,7 @@
 <file path=ppt/presentation.xml><?xml version="1.0" encoding="utf-8"?>
 <p:presentation xmlns:a="http://schemas.openxmlformats.org/drawingml/2006/main" xmlns:r="http://schemas.openxmlformats.org/officeDocument/2006/relationships" xmlns:p="http://schemas.openxmlformats.org/presentationml/2006/main" xmlns:p14="http://schemas.microsoft.com/office/powerpoint/2010/main" saveSubsetFonts="1" firstSlideNum="0">
   <p:sldMasterIdLst>
-    <p:sldMasterId id="2147486303" r:id="rId12"/>
+    <p:sldMasterId id="2147486311" r:id="rId12"/>
   </p:sldMasterIdLst>
   <p:notesMasterIdLst>
     <p:notesMasterId r:id="rId14"/>
@@ -12,14 +12,14 @@
     <p:sldId id="300" r:id="rId17"/>
     <p:sldId id="312" r:id="rId18"/>
     <p:sldId id="304" r:id="rId19"/>
-    <p:sldId id="301" r:id="rId21"/>
-    <p:sldId id="302" r:id="rId23"/>
-    <p:sldId id="305" r:id="rId25"/>
-    <p:sldId id="307" r:id="rId27"/>
-    <p:sldId id="308" r:id="rId28"/>
-    <p:sldId id="309" r:id="rId30"/>
-    <p:sldId id="310" r:id="rId32"/>
-    <p:sldId id="311" r:id="rId34"/>
+    <p:sldId id="301" r:id="rId20"/>
+    <p:sldId id="302" r:id="rId21"/>
+    <p:sldId id="305" r:id="rId22"/>
+    <p:sldId id="307" r:id="rId23"/>
+    <p:sldId id="308" r:id="rId24"/>
+    <p:sldId id="309" r:id="rId26"/>
+    <p:sldId id="310" r:id="rId28"/>
+    <p:sldId id="311" r:id="rId30"/>
   </p:sldIdLst>
   <p:sldSz cx="12192000" cy="6858000"/>
   <p:notesSz cx="6858000" cy="9144000"/>
@@ -7094,8 +7094,8 @@
         </p:nvSpPr>
         <p:spPr>
           <a:xfrm rot="0">
-            <a:off x="4801870" y="363220"/>
-            <a:ext cx="2580640" cy="478155"/>
+            <a:off x="4718685" y="379730"/>
+            <a:ext cx="2755265" cy="478155"/>
           </a:xfrm>
           <a:prstGeom prst="rect"/>
           <a:noFill/>
@@ -7122,7 +7122,47 @@
                 <a:latin typeface="나눔바른고딕" charset="0"/>
                 <a:ea typeface="나눔바른고딕" charset="0"/>
               </a:rPr>
-              <a:t>첫 번째 튜토리얼</a:t>
+              <a:t>첫</a:t>
+            </a:r>
+            <a:r>
+              <a:rPr lang="ko-KR" altLang="en-US" sz="2500" b="1">
+                <a:solidFill>
+                  <a:schemeClr val="tx1"/>
+                </a:solidFill>
+                <a:latin typeface="나눔바른고딕" charset="0"/>
+                <a:ea typeface="나눔바른고딕" charset="0"/>
+              </a:rPr>
+              <a:t> </a:t>
+            </a:r>
+            <a:r>
+              <a:rPr lang="ko-KR" altLang="en-US" sz="2500" b="1">
+                <a:solidFill>
+                  <a:schemeClr val="tx1"/>
+                </a:solidFill>
+                <a:latin typeface="나눔바른고딕" charset="0"/>
+                <a:ea typeface="나눔바른고딕" charset="0"/>
+              </a:rPr>
+              <a:t>번째</a:t>
+            </a:r>
+            <a:r>
+              <a:rPr lang="ko-KR" altLang="en-US" sz="2500" b="1">
+                <a:solidFill>
+                  <a:schemeClr val="tx1"/>
+                </a:solidFill>
+                <a:latin typeface="나눔바른고딕" charset="0"/>
+                <a:ea typeface="나눔바른고딕" charset="0"/>
+              </a:rPr>
+              <a:t> </a:t>
+            </a:r>
+            <a:r>
+              <a:rPr lang="ko-KR" altLang="en-US" sz="2500" b="1">
+                <a:solidFill>
+                  <a:schemeClr val="tx1"/>
+                </a:solidFill>
+                <a:latin typeface="나눔바른고딕" charset="0"/>
+                <a:ea typeface="나눔바른고딕" charset="0"/>
+              </a:rPr>
+              <a:t>튜토리얼</a:t>
             </a:r>
             <a:endParaRPr lang="ko-KR" altLang="en-US" sz="2500" b="1">
               <a:solidFill>
@@ -7487,7 +7527,7 @@
       </p:pic>
       <p:pic>
         <p:nvPicPr>
-          <p:cNvPr id="1198" name="그림 48" descr="C:/Users/Admin1/AppData/Roaming/PolarisOffice/ETemp/17016_18079352/fImage145732189169.png"/>
+          <p:cNvPr id="1198" name="그림 48"/>
           <p:cNvPicPr>
             <a:picLocks noChangeAspect="1"/>
           </p:cNvPicPr>
@@ -7518,7 +7558,7 @@
       </p:pic>
       <p:pic>
         <p:nvPicPr>
-          <p:cNvPr id="1199" name="그림 3" descr="C:/Users/Admin1/AppData/Roaming/PolarisOffice/ETemp/17016_18079352/fImage1826219141.png"/>
+          <p:cNvPr id="1199" name="그림 3"/>
           <p:cNvPicPr>
             <a:picLocks noChangeAspect="1"/>
           </p:cNvPicPr>
@@ -7549,7 +7589,7 @@
       </p:pic>
       <p:pic>
         <p:nvPicPr>
-          <p:cNvPr id="1200" name="그림 6" descr="C:/Users/Admin1/AppData/Roaming/PolarisOffice/ETemp/17016_18079352/fImage44511928467.png"/>
+          <p:cNvPr id="1200" name="그림 6"/>
           <p:cNvPicPr>
             <a:picLocks noChangeAspect="1"/>
           </p:cNvPicPr>
@@ -7580,7 +7620,7 @@
       </p:pic>
       <p:pic>
         <p:nvPicPr>
-          <p:cNvPr id="1201" name="그림 19" descr="C:/Users/Admin1/AppData/Roaming/PolarisOffice/ETemp/17016_18079352/fImage20092905436.png"/>
+          <p:cNvPr id="1201" name="그림 19"/>
           <p:cNvPicPr>
             <a:picLocks noChangeAspect="1"/>
           </p:cNvPicPr>
@@ -8819,9 +8859,9 @@
           <p:nvPr/>
         </p:nvSpPr>
         <p:spPr>
-          <a:xfrm>
-            <a:off x="4819015" y="346075"/>
-            <a:ext cx="2862580" cy="478155"/>
+          <a:xfrm rot="0">
+            <a:off x="4547870" y="354330"/>
+            <a:ext cx="3101340" cy="478155"/>
           </a:xfrm>
           <a:prstGeom prst="rect"/>
           <a:noFill/>
@@ -8836,7 +8876,7 @@
           </a:bodyPr>
           <a:lstStyle/>
           <a:p>
-            <a:pPr marL="0" indent="0" algn="l" latinLnBrk="0">
+            <a:pPr marL="0" indent="0" algn="ctr" latinLnBrk="0">
               <a:buFontTx/>
               <a:buNone/>
             </a:pPr>
@@ -8848,27 +8888,7 @@
                 <a:latin typeface="나눔바른고딕" charset="0"/>
                 <a:ea typeface="나눔바른고딕" charset="0"/>
               </a:rPr>
-              <a:t>열</a:t>
-            </a:r>
-            <a:r>
-              <a:rPr lang="ko-KR" altLang="en-US" sz="2500" b="1">
-                <a:solidFill>
-                  <a:schemeClr val="tx1"/>
-                </a:solidFill>
-                <a:latin typeface="나눔바른고딕" charset="0"/>
-                <a:ea typeface="나눔바른고딕" charset="0"/>
-              </a:rPr>
-              <a:t>한</a:t>
-            </a:r>
-            <a:r>
-              <a:rPr lang="ko-KR" altLang="en-US" sz="2500" b="1">
-                <a:solidFill>
-                  <a:schemeClr val="tx1"/>
-                </a:solidFill>
-                <a:latin typeface="나눔바른고딕" charset="0"/>
-                <a:ea typeface="나눔바른고딕" charset="0"/>
-              </a:rPr>
-              <a:t> 번째 튜토리얼</a:t>
+              <a:t>열한 번째 튜토리얼</a:t>
             </a:r>
             <a:endParaRPr lang="ko-KR" altLang="en-US" sz="2500" b="1">
               <a:solidFill>
@@ -8990,7 +9010,7 @@
       </p:sp>
       <p:pic>
         <p:nvPicPr>
-          <p:cNvPr id="1245" name="그림 79" descr="C:/Users/Admin1/AppData/Roaming/PolarisOffice/ETemp/17016_18079352/fImage53592952391.png"/>
+          <p:cNvPr id="1245" name="그림 79"/>
           <p:cNvPicPr>
             <a:picLocks noChangeAspect="1"/>
           </p:cNvPicPr>
@@ -9127,7 +9147,7 @@
       </p:sp>
       <p:pic>
         <p:nvPicPr>
-          <p:cNvPr id="1247" name="그림 83" descr="C:/Users/Admin1/AppData/Roaming/PolarisOffice/ETemp/17016_18079352/fImage70672974604.png"/>
+          <p:cNvPr id="1247" name="그림 83"/>
           <p:cNvPicPr>
             <a:picLocks noChangeAspect="1"/>
           </p:cNvPicPr>
@@ -9204,8 +9224,8 @@
         </p:nvSpPr>
         <p:spPr>
           <a:xfrm rot="0">
-            <a:off x="4805045" y="387350"/>
-            <a:ext cx="2585720" cy="478155"/>
+            <a:off x="4688840" y="412115"/>
+            <a:ext cx="2818765" cy="478155"/>
           </a:xfrm>
           <a:prstGeom prst="rect"/>
           <a:noFill/>
@@ -9454,7 +9474,7 @@
       </p:pic>
       <p:pic>
         <p:nvPicPr>
-          <p:cNvPr id="1215" name="그림 4" descr="C:/Users/Admin1/AppData/Roaming/PolarisOffice/ETemp/17016_18079352/fImage1163019541.png"/>
+          <p:cNvPr id="1215" name="그림 4"/>
           <p:cNvPicPr>
             <a:picLocks noChangeAspect="1"/>
           </p:cNvPicPr>
@@ -9577,7 +9597,7 @@
       </p:sp>
       <p:pic>
         <p:nvPicPr>
-          <p:cNvPr id="1217" name="그림 8" descr="C:/Users/Admin1/AppData/Roaming/PolarisOffice/ETemp/17016_18079352/fImage52551978467.png"/>
+          <p:cNvPr id="1217" name="그림 8"/>
           <p:cNvPicPr>
             <a:picLocks noChangeAspect="1"/>
           </p:cNvPicPr>
@@ -9608,7 +9628,7 @@
       </p:pic>
       <p:pic>
         <p:nvPicPr>
-          <p:cNvPr id="1218" name="그림 11" descr="C:/Users/Admin1/AppData/Roaming/PolarisOffice/ETemp/17016_18079352/fImage52371986334.png"/>
+          <p:cNvPr id="1218" name="그림 11"/>
           <p:cNvPicPr>
             <a:picLocks noChangeAspect="1"/>
           </p:cNvPicPr>
@@ -9747,8 +9767,8 @@
         </p:nvSpPr>
         <p:spPr>
           <a:xfrm rot="0">
-            <a:off x="1230630" y="2581275"/>
-            <a:ext cx="4148455" cy="923925"/>
+            <a:off x="1230630" y="2655570"/>
+            <a:ext cx="4149090" cy="924560"/>
           </a:xfrm>
           <a:prstGeom prst="rect"/>
           <a:noFill/>
@@ -9775,17 +9795,7 @@
                 <a:latin typeface="맑은 고딕" charset="0"/>
                 <a:ea typeface="맑은 고딕" charset="0"/>
               </a:rPr>
-              <a:t>7</a:t>
-            </a:r>
-            <a:r>
-              <a:rPr sz="1800" b="1">
-                <a:solidFill>
-                  <a:srgbClr val="0611F2"/>
-                </a:solidFill>
-                <a:latin typeface="맑은 고딕" charset="0"/>
-                <a:ea typeface="맑은 고딕" charset="0"/>
-              </a:rPr>
-              <a:t>.</a:t>
+              <a:t>7.</a:t>
             </a:r>
             <a:r>
               <a:rPr sz="1800">
@@ -9799,42 +9809,7 @@
                 <a:latin typeface="맑은 고딕" charset="0"/>
                 <a:ea typeface="맑은 고딕" charset="0"/>
               </a:rPr>
-              <a:t>그리고</a:t>
-            </a:r>
-            <a:r>
-              <a:rPr lang="ko-KR" sz="1800">
-                <a:latin typeface="맑은 고딕" charset="0"/>
-                <a:ea typeface="맑은 고딕" charset="0"/>
-              </a:rPr>
-              <a:t> Project 폴더에서 Texture에 </a:t>
-            </a:r>
-            <a:r>
-              <a:rPr lang="ko-KR" sz="1800">
-                <a:latin typeface="맑은 고딕" charset="0"/>
-                <a:ea typeface="맑은 고딕" charset="0"/>
-              </a:rPr>
-              <a:t>Speaker </a:t>
-            </a:r>
-            <a:r>
-              <a:rPr lang="ko-KR" sz="1800">
-                <a:latin typeface="맑은 고딕" charset="0"/>
-                <a:ea typeface="맑은 고딕" charset="0"/>
-              </a:rPr>
-              <a:t>텍스처를 선택하고 Sound Box</a:t>
-            </a:r>
-            <a:r>
-              <a:rPr lang="ko-KR" sz="1800">
-                <a:latin typeface="맑은 고딕" charset="0"/>
-                <a:ea typeface="맑은 고딕" charset="0"/>
-              </a:rPr>
-              <a:t> 오브젝트</a:t>
-            </a:r>
-            <a:r>
-              <a:rPr lang="ko-KR" sz="1800">
-                <a:latin typeface="맑은 고딕" charset="0"/>
-                <a:ea typeface="맑은 고딕" charset="0"/>
-              </a:rPr>
-              <a:t>에 넣어줍니다.</a:t>
+              <a:t>그리고 Project 폴더에서 Texture에 Speaker 텍스처를 선택하고 Sound Box 오브젝트에 넣어줍니다.</a:t>
             </a:r>
             <a:endParaRPr lang="ko-KR" altLang="en-US" sz="1800">
               <a:latin typeface="맑은 고딕" charset="0"/>
@@ -9853,8 +9828,8 @@
         </p:nvSpPr>
         <p:spPr>
           <a:xfrm rot="0">
-            <a:off x="6806565" y="2863850"/>
-            <a:ext cx="4134485" cy="647065"/>
+            <a:off x="6806565" y="2888615"/>
+            <a:ext cx="4135120" cy="647700"/>
           </a:xfrm>
           <a:prstGeom prst="rect"/>
           <a:noFill/>
@@ -9923,9 +9898,9 @@
           <p:nvPr/>
         </p:nvSpPr>
         <p:spPr>
-          <a:xfrm>
-            <a:off x="6831965" y="5161915"/>
-            <a:ext cx="4195445" cy="923925"/>
+          <a:xfrm rot="0">
+            <a:off x="6823710" y="5269865"/>
+            <a:ext cx="4142105" cy="923925"/>
           </a:xfrm>
           <a:prstGeom prst="rect"/>
           <a:noFill/>
@@ -9952,17 +9927,7 @@
                 <a:latin typeface="맑은 고딕" charset="0"/>
                 <a:ea typeface="맑은 고딕" charset="0"/>
               </a:rPr>
-              <a:t>10</a:t>
-            </a:r>
-            <a:r>
-              <a:rPr sz="1800" b="1">
-                <a:solidFill>
-                  <a:srgbClr val="0611F2"/>
-                </a:solidFill>
-                <a:latin typeface="맑은 고딕" charset="0"/>
-                <a:ea typeface="맑은 고딕" charset="0"/>
-              </a:rPr>
-              <a:t>.</a:t>
+              <a:t>10.</a:t>
             </a:r>
             <a:r>
               <a:rPr sz="1800">
@@ -9987,7 +9952,7 @@
       </p:sp>
       <p:pic>
         <p:nvPicPr>
-          <p:cNvPr id="1210" name="Picture " descr="C:/Users/Admin1/AppData/Roaming/PolarisOffice/ETemp/17016_18079352/fImage48562109358.png"/>
+          <p:cNvPr id="1210" name="Picture "/>
           <p:cNvPicPr>
             <a:picLocks noChangeAspect="1"/>
           </p:cNvPicPr>
@@ -10018,7 +9983,7 @@
       </p:pic>
       <p:pic>
         <p:nvPicPr>
-          <p:cNvPr id="1215" name="그림 15" descr="C:/Users/Admin1/AppData/Roaming/PolarisOffice/ETemp/17016_18079352/fImage51932856500.png"/>
+          <p:cNvPr id="1215" name="그림 15"/>
           <p:cNvPicPr>
             <a:picLocks noChangeAspect="1"/>
           </p:cNvPicPr>
@@ -10049,7 +10014,7 @@
       </p:pic>
       <p:pic>
         <p:nvPicPr>
-          <p:cNvPr id="1216" name="그림 16" descr="C:/Users/Admin1/AppData/Roaming/PolarisOffice/ETemp/17016_18079352/fImage51932869169.png"/>
+          <p:cNvPr id="1216" name="그림 16" descr="C:/Users/Admin1/AppData/Roaming/PolarisOffice/ETemp/20124_21682544/fImage51932869169.png"/>
           <p:cNvPicPr>
             <a:picLocks noChangeAspect="1"/>
           </p:cNvPicPr>
@@ -10070,7 +10035,7 @@
         <p:spPr>
           <a:xfrm rot="0">
             <a:off x="6822440" y="3683635"/>
-            <a:ext cx="1191895" cy="1303020"/>
+            <a:ext cx="1192530" cy="1468755"/>
           </a:xfrm>
           <a:prstGeom prst="roundRect"/>
           <a:solidFill>
@@ -10080,7 +10045,7 @@
       </p:pic>
       <p:pic>
         <p:nvPicPr>
-          <p:cNvPr id="1217" name="그림 17" descr="C:/Users/Admin1/AppData/Roaming/PolarisOffice/ETemp/17016_18079352/fImage51932875724.png"/>
+          <p:cNvPr id="1217" name="그림 17" descr="C:/Users/Admin1/AppData/Roaming/PolarisOffice/ETemp/20124_21682544/fImage51932875724.png"/>
           <p:cNvPicPr>
             <a:picLocks noChangeAspect="1"/>
           </p:cNvPicPr>
@@ -10101,7 +10066,7 @@
         <p:spPr>
           <a:xfrm rot="0">
             <a:off x="1230630" y="1296670"/>
-            <a:ext cx="1305560" cy="1191895"/>
+            <a:ext cx="1306195" cy="1192530"/>
           </a:xfrm>
           <a:prstGeom prst="roundRect"/>
           <a:solidFill>
@@ -10111,7 +10076,7 @@
       </p:pic>
       <p:pic>
         <p:nvPicPr>
-          <p:cNvPr id="1218" name="그림 1" descr="C:/Users/Admin1/AppData/Roaming/PolarisOffice/ETemp/17016_18079352/fImage362491946500.png"/>
+          <p:cNvPr id="1218" name="그림 1"/>
           <p:cNvPicPr>
             <a:picLocks noChangeAspect="1"/>
           </p:cNvPicPr>
@@ -10174,14 +10139,45 @@
       </p:cxnSp>
       <p:pic>
         <p:nvPicPr>
-          <p:cNvPr id="1219" name="그림 14" descr="C:/Users/Admin1/AppData/Roaming/PolarisOffice/ETemp/17016_18079352/fImage135361999169.png"/>
+          <p:cNvPr id="1219" name="그림 14" descr="C:/Users/Admin1/AppData/Roaming/PolarisOffice/ETemp/20124_21682544/fImage135361999169.png"/>
           <p:cNvPicPr>
             <a:picLocks noChangeAspect="1"/>
           </p:cNvPicPr>
           <p:nvPr/>
         </p:nvPicPr>
         <p:blipFill rotWithShape="1">
-          <a:blip r:embed="rId10" cstate="print">
+          <a:blip r:embed="rId10" cstate="hqprint">
+            <a:extLst>
+              <a:ext uri="{28A0092B-C50C-407E-A947-70E740481C1C}">
+                <a14:useLocalDpi xmlns:a14="http://schemas.microsoft.com/office/drawing/2010/main"/>
+              </a:ext>
+            </a:extLst>
+          </a:blip>
+          <a:stretch>
+            <a:fillRect/>
+          </a:stretch>
+        </p:blipFill>
+        <p:spPr>
+          <a:xfrm rot="0">
+            <a:off x="8131810" y="3683635"/>
+            <a:ext cx="2834640" cy="1471295"/>
+          </a:xfrm>
+          <a:prstGeom prst="roundRect"/>
+          <a:solidFill>
+            <a:srgbClr val="EDEDED"/>
+          </a:solidFill>
+        </p:spPr>
+      </p:pic>
+      <p:pic>
+        <p:nvPicPr>
+          <p:cNvPr id="1220" name="그림 1" descr="C:/Users/Admin1/AppData/Roaming/PolarisOffice/ETemp/20124_21682544/fImage1163219441.png"/>
+          <p:cNvPicPr>
+            <a:picLocks noChangeAspect="1"/>
+          </p:cNvPicPr>
+          <p:nvPr/>
+        </p:nvPicPr>
+        <p:blipFill rotWithShape="1">
+          <a:blip r:embed="rId11" cstate="print">
             <a:extLst>
               <a:ext uri="{28A0092B-C50C-407E-A947-70E740481C1C}">
                 <a14:useLocalDpi xmlns:a14="http://schemas.microsoft.com/office/drawing/2010/main" val="0"/>
@@ -10194,8 +10190,8 @@
         </p:blipFill>
         <p:spPr>
           <a:xfrm rot="0">
-            <a:off x="8131810" y="3683635"/>
-            <a:ext cx="2834005" cy="1304925"/>
+            <a:off x="1231265" y="3689985"/>
+            <a:ext cx="4139565" cy="1738630"/>
           </a:xfrm>
           <a:prstGeom prst="roundRect"/>
           <a:solidFill>
@@ -10203,6 +10199,98 @@
           </a:solidFill>
         </p:spPr>
       </p:pic>
+      <p:sp>
+        <p:nvSpPr>
+          <p:cNvPr id="1221" name="텍스트 상자 4"/>
+          <p:cNvSpPr txBox="1">
+            <a:spLocks/>
+          </p:cNvSpPr>
+          <p:nvPr/>
+        </p:nvSpPr>
+        <p:spPr>
+          <a:xfrm rot="0">
+            <a:off x="1227455" y="5554345"/>
+            <a:ext cx="4149090" cy="647065"/>
+          </a:xfrm>
+          <a:prstGeom prst="rect"/>
+          <a:noFill/>
+          <a:ln w="0">
+            <a:noFill/>
+            <a:prstDash/>
+          </a:ln>
+        </p:spPr>
+        <p:txBody>
+          <a:bodyPr wrap="square" lIns="89535" tIns="46355" rIns="89535" bIns="46355" numCol="1" vert="horz" anchor="t">
+            <a:spAutoFit/>
+          </a:bodyPr>
+          <a:lstStyle/>
+          <a:p>
+            <a:pPr marL="0" indent="0" rtl="0" algn="l" defTabSz="914400" eaLnBrk="1" latinLnBrk="0" hangingPunct="1">
+              <a:buFontTx/>
+              <a:buNone/>
+            </a:pPr>
+            <a:r>
+              <a:rPr sz="1800" b="1">
+                <a:solidFill>
+                  <a:srgbClr val="0611F2"/>
+                </a:solidFill>
+                <a:latin typeface="맑은 고딕" charset="0"/>
+                <a:ea typeface="맑은 고딕" charset="0"/>
+              </a:rPr>
+              <a:t>8</a:t>
+            </a:r>
+            <a:r>
+              <a:rPr sz="1800" b="1">
+                <a:solidFill>
+                  <a:srgbClr val="0611F2"/>
+                </a:solidFill>
+                <a:latin typeface="맑은 고딕" charset="0"/>
+                <a:ea typeface="맑은 고딕" charset="0"/>
+              </a:rPr>
+              <a:t>.</a:t>
+            </a:r>
+            <a:r>
+              <a:rPr sz="1800">
+                <a:latin typeface="맑은 고딕" charset="0"/>
+                <a:ea typeface="맑은 고딕" charset="0"/>
+              </a:rPr>
+              <a:t> </a:t>
+            </a:r>
+            <a:r>
+              <a:rPr lang="ko-KR" sz="1800">
+                <a:latin typeface="맑은 고딕" charset="0"/>
+                <a:ea typeface="맑은 고딕" charset="0"/>
+              </a:rPr>
+              <a:t>그</a:t>
+            </a:r>
+            <a:r>
+              <a:rPr lang="ko-KR" sz="1800">
+                <a:latin typeface="맑은 고딕" charset="0"/>
+                <a:ea typeface="맑은 고딕" charset="0"/>
+              </a:rPr>
+              <a:t>러고 나서</a:t>
+            </a:r>
+            <a:r>
+              <a:rPr lang="ko-KR" sz="1800">
+                <a:latin typeface="맑은 고딕" charset="0"/>
+                <a:ea typeface="맑은 고딕" charset="0"/>
+              </a:rPr>
+              <a:t> </a:t>
+            </a:r>
+            <a:r>
+              <a:rPr lang="ko-KR" sz="1800">
+                <a:latin typeface="맑은 고딕" charset="0"/>
+                <a:ea typeface="맑은 고딕" charset="0"/>
+              </a:rPr>
+              <a:t>Character 오브젝트의 위치를 설정합니다.</a:t>
+            </a:r>
+            <a:endParaRPr lang="ko-KR" altLang="en-US" sz="1800">
+              <a:latin typeface="맑은 고딕" charset="0"/>
+              <a:ea typeface="맑은 고딕" charset="0"/>
+            </a:endParaRPr>
+          </a:p>
+        </p:txBody>
+      </p:sp>
     </p:spTree>
   </p:cSld>
   <p:clrMapOvr>
@@ -10303,8 +10391,8 @@
         </p:nvSpPr>
         <p:spPr>
           <a:xfrm rot="0">
-            <a:off x="7233285" y="4172585"/>
-            <a:ext cx="4041775" cy="1754505"/>
+            <a:off x="7233285" y="4446905"/>
+            <a:ext cx="4042410" cy="1755140"/>
           </a:xfrm>
           <a:prstGeom prst="rect"/>
           <a:noFill/>
@@ -10374,8 +10462,8 @@
         </p:nvSpPr>
         <p:spPr>
           <a:xfrm rot="0">
-            <a:off x="1203960" y="3890645"/>
-            <a:ext cx="4151630" cy="2031365"/>
+            <a:off x="1212215" y="4173220"/>
+            <a:ext cx="4152265" cy="2032000"/>
           </a:xfrm>
           <a:prstGeom prst="rect"/>
           <a:noFill/>
@@ -10385,7 +10473,7 @@
           </a:ln>
         </p:spPr>
         <p:txBody>
-          <a:bodyPr wrap="square" lIns="89535" tIns="46355" rIns="89535" bIns="46355" vert="horz" anchor="t">
+          <a:bodyPr wrap="square" lIns="89535" tIns="46355" rIns="89535" bIns="46355" numCol="1" vert="horz" anchor="t">
             <a:spAutoFit/>
           </a:bodyPr>
           <a:lstStyle/>
@@ -10440,14 +10528,7 @@
                 <a:latin typeface="맑은 고딕" charset="0"/>
                 <a:ea typeface="맑은 고딕" charset="0"/>
               </a:rPr>
-              <a:t> 오디오 리스너가 이동하면 거리에 따라 소리의 크기나 방향이 </a:t>
-            </a:r>
-            <a:r>
-              <a:rPr sz="1800">
-                <a:latin typeface="맑은 고딕" charset="0"/>
-                <a:ea typeface="맑은 고딕" charset="0"/>
-              </a:rPr>
-              <a:t>달라집니</a:t>
+              <a:t> 오디오 리스너가 이동하면 거리에 따라 소리의 크기나 방향이 달라집니</a:t>
             </a:r>
             <a:r>
               <a:rPr lang="ko-KR" sz="1800">
@@ -10465,17 +10546,17 @@
       </p:sp>
       <p:pic>
         <p:nvPicPr>
-          <p:cNvPr id="6" name="그림 66"/>
+          <p:cNvPr id="6" name="그림 66" descr="C:/Users/Admin1/AppData/Roaming/PolarisOffice/ETemp/20124_21682544/fImage276312243281.png"/>
           <p:cNvPicPr>
             <a:picLocks noChangeAspect="1"/>
           </p:cNvPicPr>
           <p:nvPr/>
         </p:nvPicPr>
         <p:blipFill rotWithShape="1">
-          <a:blip r:embed="rId13" cstate="print">
+          <a:blip r:embed="rId13" cstate="hqprint">
             <a:extLst>
               <a:ext uri="{28A0092B-C50C-407E-A947-70E740481C1C}">
-                <a14:useLocalDpi xmlns:a14="http://schemas.microsoft.com/office/drawing/2010/main" val="0"/>
+                <a14:useLocalDpi xmlns:a14="http://schemas.microsoft.com/office/drawing/2010/main"/>
               </a:ext>
             </a:extLst>
           </a:blip>
@@ -10485,8 +10566,8 @@
         </p:blipFill>
         <p:spPr>
           <a:xfrm rot="0">
-            <a:off x="1195705" y="1238250"/>
-            <a:ext cx="4170680" cy="2466340"/>
+            <a:off x="1222375" y="1238250"/>
+            <a:ext cx="4144645" cy="2744470"/>
           </a:xfrm>
           <a:prstGeom prst="roundRect"/>
           <a:solidFill>
@@ -10496,17 +10577,17 @@
       </p:pic>
       <p:pic>
         <p:nvPicPr>
-          <p:cNvPr id="7" name="그림 35"/>
+          <p:cNvPr id="7" name="그림 35" descr="C:/Users/Admin1/AppData/Roaming/PolarisOffice/ETemp/20124_21682544/fImage438352088467.png"/>
           <p:cNvPicPr>
             <a:picLocks noChangeAspect="1"/>
           </p:cNvPicPr>
           <p:nvPr/>
         </p:nvPicPr>
         <p:blipFill rotWithShape="1">
-          <a:blip r:embed="rId14" cstate="print">
+          <a:blip r:embed="rId14" cstate="hqprint">
             <a:extLst>
               <a:ext uri="{28A0092B-C50C-407E-A947-70E740481C1C}">
-                <a14:useLocalDpi xmlns:a14="http://schemas.microsoft.com/office/drawing/2010/main" val="0"/>
+                <a14:useLocalDpi xmlns:a14="http://schemas.microsoft.com/office/drawing/2010/main"/>
               </a:ext>
             </a:extLst>
           </a:blip>
@@ -10517,7 +10598,7 @@
         <p:spPr>
           <a:xfrm rot="0">
             <a:off x="7232015" y="1229995"/>
-            <a:ext cx="4043045" cy="2753360"/>
+            <a:ext cx="4043680" cy="2985135"/>
           </a:xfrm>
           <a:prstGeom prst="roundRect"/>
           <a:solidFill>
@@ -10627,7 +10708,7 @@
       </p:sp>
       <p:pic>
         <p:nvPicPr>
-          <p:cNvPr id="1193" name="그림 41"/>
+          <p:cNvPr id="1193" name="그림 41" descr="C:/Users/Admin1/AppData/Roaming/PolarisOffice/ETemp/20124_21682544/fImage85062125705.png"/>
           <p:cNvPicPr>
             <a:picLocks noChangeAspect="1"/>
           </p:cNvPicPr>
@@ -10647,8 +10728,8 @@
         </p:blipFill>
         <p:spPr>
           <a:xfrm rot="0">
-            <a:off x="1350645" y="1254760"/>
-            <a:ext cx="2322195" cy="2756535"/>
+            <a:off x="1238250" y="1254760"/>
+            <a:ext cx="2519680" cy="2785745"/>
           </a:xfrm>
           <a:prstGeom prst="roundRect"/>
           <a:solidFill>
@@ -10666,8 +10747,8 @@
         </p:nvSpPr>
         <p:spPr>
           <a:xfrm rot="0">
-            <a:off x="1352550" y="4194175"/>
-            <a:ext cx="3968115" cy="2031365"/>
+            <a:off x="1238885" y="4235450"/>
+            <a:ext cx="4090670" cy="2031365"/>
           </a:xfrm>
           <a:prstGeom prst="rect"/>
           <a:noFill/>
@@ -10694,7 +10775,7 @@
                 <a:latin typeface="맑은 고딕" charset="0"/>
                 <a:ea typeface="맑은 고딕" charset="0"/>
               </a:rPr>
-              <a:t>9</a:t>
+              <a:t>11</a:t>
             </a:r>
             <a:r>
               <a:rPr sz="1800" b="1">
@@ -10718,21 +10799,7 @@
                 <a:latin typeface="맑은 고딕" charset="0"/>
                 <a:ea typeface="맑은 고딕" charset="0"/>
               </a:rPr>
-              <a:t>제 빈 게임 오브젝트를 생성한 다음 </a:t>
-            </a:r>
-            <a:r>
-              <a:rPr lang="ko-KR" sz="1800">
-                <a:latin typeface="맑은 고딕" charset="0"/>
-                <a:ea typeface="맑은 고딕" charset="0"/>
-              </a:rPr>
-              <a:t>Sound Manager</a:t>
-            </a:r>
-            <a:r>
-              <a:rPr lang="ko-KR" sz="1800">
-                <a:latin typeface="맑은 고딕" charset="0"/>
-                <a:ea typeface="맑은 고딕" charset="0"/>
-              </a:rPr>
-              <a:t>로 이름을 정의합니다.</a:t>
+              <a:t>제 빈 게임 오브젝트를 생성한 다음 Sound Manager로 이름을 정의합니다.</a:t>
             </a:r>
             <a:endParaRPr lang="ko-KR" altLang="en-US" sz="1800">
               <a:latin typeface="맑은 고딕" charset="0"/>
@@ -10779,7 +10846,7 @@
         <p:spPr>
           <a:xfrm rot="0">
             <a:off x="6810375" y="5293360"/>
-            <a:ext cx="4271010" cy="923925"/>
+            <a:ext cx="4147185" cy="923925"/>
           </a:xfrm>
           <a:prstGeom prst="rect"/>
           <a:noFill/>
@@ -10816,7 +10883,7 @@
                 <a:latin typeface="맑은 고딕" charset="0"/>
                 <a:ea typeface="맑은 고딕" charset="0"/>
               </a:rPr>
-              <a:t>0</a:t>
+              <a:t>2</a:t>
             </a:r>
             <a:r>
               <a:rPr sz="1800" b="1">
@@ -10840,28 +10907,7 @@
                 <a:latin typeface="맑은 고딕" charset="0"/>
                 <a:ea typeface="맑은 고딕" charset="0"/>
               </a:rPr>
-              <a:t>그다음으로 </a:t>
-            </a:r>
-            <a:r>
-              <a:rPr lang="ko-KR" sz="1800">
-                <a:latin typeface="맑은 고딕" charset="0"/>
-                <a:ea typeface="맑은 고딕" charset="0"/>
-              </a:rPr>
-              <a:t>Character 오브젝트</a:t>
-            </a:r>
-            <a:r>
-              <a:rPr lang="ko-KR" sz="1800">
-                <a:latin typeface="맑은 고딕" charset="0"/>
-                <a:ea typeface="맑은 고딕" charset="0"/>
-              </a:rPr>
-              <a:t>에서 </a:t>
-            </a:r>
-            <a:r>
-              <a:rPr lang="ko-KR" sz="1800">
-                <a:latin typeface="맑은 고딕" charset="0"/>
-                <a:ea typeface="맑은 고딕" charset="0"/>
-              </a:rPr>
-              <a:t>Capsule Collider 컴포넌트를 삭제합니다.</a:t>
+              <a:t>그다음으로 Character 오브젝트에서 Capsule Collider 컴포넌트를 삭제합니다.</a:t>
             </a:r>
             <a:endParaRPr lang="ko-KR" altLang="en-US" sz="1800">
               <a:latin typeface="맑은 고딕" charset="0"/>
@@ -10872,17 +10918,17 @@
       </p:sp>
       <p:pic>
         <p:nvPicPr>
-          <p:cNvPr id="1198" name="그림 51"/>
+          <p:cNvPr id="1199" name="그림 57" descr="C:/Users/Admin1/AppData/Roaming/PolarisOffice/ETemp/20124_21682544/fImage329752219961.png"/>
           <p:cNvPicPr>
             <a:picLocks noChangeAspect="1"/>
           </p:cNvPicPr>
           <p:nvPr/>
         </p:nvPicPr>
         <p:blipFill rotWithShape="1">
-          <a:blip r:embed="rId14" cstate="print">
+          <a:blip r:embed="rId15" cstate="hqprint">
             <a:extLst>
               <a:ext uri="{28A0092B-C50C-407E-A947-70E740481C1C}">
-                <a14:useLocalDpi xmlns:a14="http://schemas.microsoft.com/office/drawing/2010/main" val="0"/>
+                <a14:useLocalDpi xmlns:a14="http://schemas.microsoft.com/office/drawing/2010/main"/>
               </a:ext>
             </a:extLst>
           </a:blip>
@@ -10892,28 +10938,26 @@
         </p:blipFill>
         <p:spPr>
           <a:xfrm rot="0">
-            <a:off x="3989705" y="1396365"/>
-            <a:ext cx="1340485" cy="1238885"/>
-          </a:xfrm>
-          <a:prstGeom prst="roundRect"/>
-          <a:solidFill>
-            <a:srgbClr val="EDEDED"/>
-          </a:solidFill>
+            <a:off x="6805295" y="1256030"/>
+            <a:ext cx="4152265" cy="3898900"/>
+          </a:xfrm>
+          <a:prstGeom prst="rect"/>
+          <a:noFill/>
         </p:spPr>
       </p:pic>
       <p:pic>
         <p:nvPicPr>
-          <p:cNvPr id="1199" name="그림 57"/>
+          <p:cNvPr id="1200" name="그림 62" descr="C:/Users/Admin1/AppData/Roaming/PolarisOffice/ETemp/20124_21682544/fImage2297222491.png"/>
           <p:cNvPicPr>
             <a:picLocks noChangeAspect="1"/>
           </p:cNvPicPr>
           <p:nvPr/>
         </p:nvPicPr>
         <p:blipFill rotWithShape="1">
-          <a:blip r:embed="rId15" cstate="print">
+          <a:blip r:embed="rId16" cstate="hqprint">
             <a:extLst>
               <a:ext uri="{28A0092B-C50C-407E-A947-70E740481C1C}">
-                <a14:useLocalDpi xmlns:a14="http://schemas.microsoft.com/office/drawing/2010/main" val="0"/>
+                <a14:useLocalDpi xmlns:a14="http://schemas.microsoft.com/office/drawing/2010/main"/>
               </a:ext>
             </a:extLst>
           </a:blip>
@@ -10923,37 +10967,8 @@
         </p:blipFill>
         <p:spPr>
           <a:xfrm rot="0">
-            <a:off x="6805295" y="1256030"/>
-            <a:ext cx="4276090" cy="3898265"/>
-          </a:xfrm>
-          <a:prstGeom prst="rect"/>
-          <a:noFill/>
-        </p:spPr>
-      </p:pic>
-      <p:pic>
-        <p:nvPicPr>
-          <p:cNvPr id="1200" name="그림 62"/>
-          <p:cNvPicPr>
-            <a:picLocks noChangeAspect="1"/>
-          </p:cNvPicPr>
-          <p:nvPr/>
-        </p:nvPicPr>
-        <p:blipFill rotWithShape="1">
-          <a:blip r:embed="rId16" cstate="print">
-            <a:extLst>
-              <a:ext uri="{28A0092B-C50C-407E-A947-70E740481C1C}">
-                <a14:useLocalDpi xmlns:a14="http://schemas.microsoft.com/office/drawing/2010/main" val="0"/>
-              </a:ext>
-            </a:extLst>
-          </a:blip>
-          <a:stretch>
-            <a:fillRect/>
-          </a:stretch>
-        </p:blipFill>
-        <p:spPr>
-          <a:xfrm rot="0">
-            <a:off x="4243705" y="3098800"/>
-            <a:ext cx="828040" cy="915035"/>
+            <a:off x="4314825" y="3234055"/>
+            <a:ext cx="690245" cy="789940"/>
           </a:xfrm>
           <a:prstGeom prst="roundRect"/>
           <a:solidFill>
@@ -10966,14 +10981,14 @@
           <p:cNvPr id="1201" name="도형 65"/>
           <p:cNvCxnSpPr>
             <a:stCxn id="1200" idx="0"/>
-            <a:endCxn id="1198" idx="2"/>
+            <a:endCxn id="1202" idx="2"/>
           </p:cNvCxnSpPr>
           <p:nvPr/>
         </p:nvCxnSpPr>
         <p:spPr>
           <a:xfrm rot="0" flipV="1">
-            <a:off x="4657090" y="2634615"/>
-            <a:ext cx="3175" cy="464820"/>
+            <a:off x="4659630" y="2901315"/>
+            <a:ext cx="6350" cy="333375"/>
           </a:xfrm>
           <a:prstGeom prst="straightConnector1"/>
           <a:ln w="6350" cap="flat" cmpd="sng">
@@ -10996,6 +11011,37 @@
           </a:fontRef>
         </p:style>
       </p:cxnSp>
+      <p:pic>
+        <p:nvPicPr>
+          <p:cNvPr id="1202" name="그림 5" descr="C:/Users/Admin1/AppData/Roaming/PolarisOffice/ETemp/20124_21682544/fImage57511968467.png"/>
+          <p:cNvPicPr>
+            <a:picLocks noChangeAspect="1"/>
+          </p:cNvPicPr>
+          <p:nvPr/>
+        </p:nvPicPr>
+        <p:blipFill rotWithShape="1">
+          <a:blip r:embed="rId17" cstate="print">
+            <a:extLst>
+              <a:ext uri="{28A0092B-C50C-407E-A947-70E740481C1C}">
+                <a14:useLocalDpi xmlns:a14="http://schemas.microsoft.com/office/drawing/2010/main" val="0"/>
+              </a:ext>
+            </a:extLst>
+          </a:blip>
+          <a:stretch>
+            <a:fillRect/>
+          </a:stretch>
+        </p:blipFill>
+        <p:spPr>
+          <a:xfrm rot="0">
+            <a:off x="4006850" y="1371600"/>
+            <a:ext cx="1318260" cy="1530350"/>
+          </a:xfrm>
+          <a:prstGeom prst="roundRect"/>
+          <a:solidFill>
+            <a:srgbClr val="EDEDED"/>
+          </a:solidFill>
+        </p:spPr>
+      </p:pic>
     </p:spTree>
   </p:cSld>
   <p:clrMapOvr>
@@ -11045,9 +11091,9 @@
           <p:nvPr/>
         </p:nvSpPr>
         <p:spPr>
-          <a:xfrm>
-            <a:off x="4813935" y="354965"/>
-            <a:ext cx="2893695" cy="478155"/>
+          <a:xfrm rot="0">
+            <a:off x="4538980" y="354965"/>
+            <a:ext cx="3119120" cy="478155"/>
           </a:xfrm>
           <a:prstGeom prst="rect"/>
           <a:noFill/>
@@ -11062,7 +11108,7 @@
           </a:bodyPr>
           <a:lstStyle/>
           <a:p>
-            <a:pPr marL="0" indent="0" algn="l" latinLnBrk="0">
+            <a:pPr marL="0" indent="0" algn="ctr" latinLnBrk="0">
               <a:buFontTx/>
               <a:buNone/>
             </a:pPr>
@@ -11074,17 +11120,7 @@
                 <a:latin typeface="나눔바른고딕" charset="0"/>
                 <a:ea typeface="나눔바른고딕" charset="0"/>
               </a:rPr>
-              <a:t>다섯</a:t>
-            </a:r>
-            <a:r>
-              <a:rPr lang="ko-KR" altLang="en-US" sz="2500" b="1">
-                <a:solidFill>
-                  <a:schemeClr val="tx1"/>
-                </a:solidFill>
-                <a:latin typeface="나눔바른고딕" charset="0"/>
-                <a:ea typeface="나눔바른고딕" charset="0"/>
-              </a:rPr>
-              <a:t> 번째 튜토리얼</a:t>
+              <a:t>다섯 번째 튜토리얼</a:t>
             </a:r>
             <a:endParaRPr lang="ko-KR" altLang="en-US" sz="2500" b="1">
               <a:solidFill>
@@ -11107,7 +11143,7 @@
         <p:spPr>
           <a:xfrm rot="0">
             <a:off x="6890385" y="4819015"/>
-            <a:ext cx="4124960" cy="1477645"/>
+            <a:ext cx="4091940" cy="1477645"/>
           </a:xfrm>
           <a:prstGeom prst="rect"/>
           <a:noFill/>
@@ -11168,28 +11204,7 @@
                 <a:latin typeface="맑은 고딕" charset="0"/>
                 <a:ea typeface="맑은 고딕" charset="0"/>
               </a:rPr>
-              <a:t>그다음</a:t>
-            </a:r>
-            <a:r>
-              <a:rPr lang="ko-KR" sz="1800">
-                <a:latin typeface="맑은 고딕" charset="0"/>
-                <a:ea typeface="맑은 고딕" charset="0"/>
-              </a:rPr>
-              <a:t>으로</a:t>
-            </a:r>
-            <a:r>
-              <a:rPr lang="ko-KR" sz="1800">
-                <a:latin typeface="맑은 고딕" charset="0"/>
-                <a:ea typeface="맑은 고딕" charset="0"/>
-              </a:rPr>
-              <a:t> </a:t>
-            </a:r>
-            <a:r>
-              <a:rPr lang="ko-KR" sz="1800">
-                <a:latin typeface="맑은 고딕" charset="0"/>
-                <a:ea typeface="맑은 고딕" charset="0"/>
-              </a:rPr>
-              <a:t>UI를 선택하고 Slider를 생성합니다.</a:t>
+              <a:t>그다음으로 UI를 선택하고 Slider를 생성합니다.</a:t>
             </a:r>
             <a:endParaRPr lang="ko-KR" altLang="en-US" sz="1800">
               <a:latin typeface="맑은 고딕" charset="0"/>
@@ -11235,8 +11250,8 @@
         </p:nvSpPr>
         <p:spPr>
           <a:xfrm rot="0">
-            <a:off x="1303020" y="2498090"/>
-            <a:ext cx="4067810" cy="923925"/>
+            <a:off x="1294765" y="2597785"/>
+            <a:ext cx="4068445" cy="923925"/>
           </a:xfrm>
           <a:prstGeom prst="rect"/>
           <a:noFill/>
@@ -11263,7 +11278,17 @@
                 <a:latin typeface="맑은 고딕" charset="0"/>
                 <a:ea typeface="맑은 고딕" charset="0"/>
               </a:rPr>
-              <a:t>11</a:t>
+              <a:t>1</a:t>
+            </a:r>
+            <a:r>
+              <a:rPr lang="ko-KR" sz="1800" b="1">
+                <a:solidFill>
+                  <a:srgbClr val="0611F2"/>
+                </a:solidFill>
+                <a:latin typeface="맑은 고딕" charset="0"/>
+                <a:ea typeface="맑은 고딕" charset="0"/>
+              </a:rPr>
+              <a:t>3</a:t>
             </a:r>
             <a:r>
               <a:rPr sz="1800" b="1">
@@ -11287,35 +11312,7 @@
                 <a:latin typeface="맑은 고딕" charset="0"/>
                 <a:ea typeface="맑은 고딕" charset="0"/>
               </a:rPr>
-              <a:t>그</a:t>
-            </a:r>
-            <a:r>
-              <a:rPr lang="ko-KR" sz="1800">
-                <a:latin typeface="맑은 고딕" charset="0"/>
-                <a:ea typeface="맑은 고딕" charset="0"/>
-              </a:rPr>
-              <a:t>런 다음</a:t>
-            </a:r>
-            <a:r>
-              <a:rPr lang="ko-KR" sz="1800">
-                <a:latin typeface="맑은 고딕" charset="0"/>
-                <a:ea typeface="맑은 고딕" charset="0"/>
-              </a:rPr>
-              <a:t> Sound </a:t>
-            </a:r>
-            <a:r>
-              <a:rPr lang="ko-KR" sz="1800">
-                <a:latin typeface="맑은 고딕" charset="0"/>
-                <a:ea typeface="맑은 고딕" charset="0"/>
-              </a:rPr>
-              <a:t>Manager</a:t>
-            </a:r>
-            <a:r>
-              <a:rPr lang="ko-KR" sz="1800">
-                <a:latin typeface="맑은 고딕" charset="0"/>
-                <a:ea typeface="맑은 고딕" charset="0"/>
-              </a:rPr>
-              <a:t> 오브젝트에 Audio Source 컴포넌트를 추가합니다.</a:t>
+              <a:t>그런 다음 Sound Manager 오브젝트에 Audio Source 컴포넌트를 추가합니다.</a:t>
             </a:r>
             <a:endParaRPr lang="ko-KR" altLang="en-US" sz="1800">
               <a:latin typeface="맑은 고딕" charset="0"/>
@@ -11326,7 +11323,7 @@
       </p:sp>
       <p:pic>
         <p:nvPicPr>
-          <p:cNvPr id="1196" name="그림 2"/>
+          <p:cNvPr id="1196" name="그림 2" descr="C:/Users/Admin1/AppData/Roaming/PolarisOffice/ETemp/20124_21682544/fImage48562109358.png"/>
           <p:cNvPicPr>
             <a:picLocks noChangeAspect="1"/>
           </p:cNvPicPr>
@@ -11346,8 +11343,8 @@
         </p:blipFill>
         <p:spPr>
           <a:xfrm rot="0">
-            <a:off x="2814320" y="1149350"/>
-            <a:ext cx="2548255" cy="1228725"/>
+            <a:off x="2635250" y="1247140"/>
+            <a:ext cx="2727960" cy="1214120"/>
           </a:xfrm>
           <a:prstGeom prst="roundRect"/>
           <a:solidFill>
@@ -11357,14 +11354,14 @@
       </p:pic>
       <p:pic>
         <p:nvPicPr>
-          <p:cNvPr id="1197" name="그림 4"/>
+          <p:cNvPr id="1201" name="그림 11" descr="C:/Users/Admin1/AppData/Roaming/PolarisOffice/ETemp/20124_21682544/fImage220051176334.png"/>
           <p:cNvPicPr>
             <a:picLocks noChangeAspect="1"/>
           </p:cNvPicPr>
           <p:nvPr/>
         </p:nvPicPr>
         <p:blipFill rotWithShape="1">
-          <a:blip r:embed="rId11" cstate="hqprint">
+          <a:blip r:embed="rId12" cstate="hqprint">
             <a:extLst>
               <a:ext uri="{28A0092B-C50C-407E-A947-70E740481C1C}">
                 <a14:useLocalDpi xmlns:a14="http://schemas.microsoft.com/office/drawing/2010/main"/>
@@ -11377,8 +11374,8 @@
         </p:blipFill>
         <p:spPr>
           <a:xfrm rot="0">
-            <a:off x="1304925" y="1288415"/>
-            <a:ext cx="1341120" cy="973455"/>
+            <a:off x="6833235" y="1247140"/>
+            <a:ext cx="2835275" cy="3403600"/>
           </a:xfrm>
           <a:prstGeom prst="roundRect"/>
           <a:solidFill>
@@ -11386,122 +11383,47 @@
           </a:solidFill>
         </p:spPr>
       </p:pic>
-      <p:sp>
-        <p:nvSpPr>
-          <p:cNvPr id="1198" name="텍스트 상자 5"/>
-          <p:cNvSpPr txBox="1">
-            <a:spLocks/>
-          </p:cNvSpPr>
-          <p:nvPr/>
-        </p:nvSpPr>
-        <p:spPr>
-          <a:xfrm rot="0">
-            <a:off x="1303020" y="5370830"/>
-            <a:ext cx="4055110" cy="923925"/>
-          </a:xfrm>
-          <a:prstGeom prst="rect"/>
-          <a:noFill/>
-          <a:ln w="0">
-            <a:noFill/>
-            <a:prstDash/>
-          </a:ln>
-        </p:spPr>
-        <p:txBody>
-          <a:bodyPr wrap="square" lIns="89535" tIns="46355" rIns="89535" bIns="46355" vert="horz" anchor="t">
-            <a:spAutoFit/>
-          </a:bodyPr>
-          <a:lstStyle/>
-          <a:p>
-            <a:pPr marL="0" indent="0" rtl="0" algn="l" defTabSz="914400" eaLnBrk="1" latinLnBrk="0" hangingPunct="1">
-              <a:buFontTx/>
-              <a:buNone/>
-            </a:pPr>
-            <a:r>
-              <a:rPr sz="1800" b="1">
-                <a:solidFill>
-                  <a:srgbClr val="0611F2"/>
-                </a:solidFill>
-                <a:latin typeface="맑은 고딕" charset="0"/>
-                <a:ea typeface="맑은 고딕" charset="0"/>
-              </a:rPr>
-              <a:t>12</a:t>
-            </a:r>
-            <a:r>
-              <a:rPr sz="1800" b="1">
-                <a:solidFill>
-                  <a:srgbClr val="0611F2"/>
-                </a:solidFill>
-                <a:latin typeface="맑은 고딕" charset="0"/>
-                <a:ea typeface="맑은 고딕" charset="0"/>
-              </a:rPr>
-              <a:t>.</a:t>
-            </a:r>
-            <a:r>
-              <a:rPr sz="1800">
-                <a:latin typeface="맑은 고딕" charset="0"/>
-                <a:ea typeface="맑은 고딕" charset="0"/>
-              </a:rPr>
-              <a:t> </a:t>
-            </a:r>
-            <a:r>
-              <a:rPr sz="1800">
-                <a:latin typeface="맑은 고딕" charset="0"/>
-                <a:ea typeface="맑은 고딕" charset="0"/>
-              </a:rPr>
-              <a:t>이</a:t>
-            </a:r>
-            <a:r>
-              <a:rPr lang="ko-KR" sz="1800">
-                <a:latin typeface="맑은 고딕" charset="0"/>
-                <a:ea typeface="맑은 고딕" charset="0"/>
-              </a:rPr>
-              <a:t>제</a:t>
-            </a:r>
-            <a:r>
-              <a:rPr sz="1800">
-                <a:latin typeface="맑은 고딕" charset="0"/>
-                <a:ea typeface="맑은 고딕" charset="0"/>
-              </a:rPr>
-              <a:t> </a:t>
-            </a:r>
-            <a:r>
-              <a:rPr lang="ko-KR" sz="1800">
-                <a:latin typeface="맑은 고딕" charset="0"/>
-                <a:ea typeface="맑은 고딕" charset="0"/>
-              </a:rPr>
-              <a:t>Sound Box오브젝트에 있는 Audio Source 컴포넌트에 Spatial Blend를 </a:t>
-            </a:r>
-            <a:r>
-              <a:rPr sz="1800">
-                <a:latin typeface="맑은 고딕" charset="0"/>
-                <a:ea typeface="맑은 고딕" charset="0"/>
-              </a:rPr>
-              <a:t>1</a:t>
-            </a:r>
-            <a:r>
-              <a:rPr lang="ko-KR" sz="1800">
-                <a:latin typeface="맑은 고딕" charset="0"/>
-                <a:ea typeface="맑은 고딕" charset="0"/>
-              </a:rPr>
-              <a:t>로 설정합니다.</a:t>
-            </a:r>
-            <a:endParaRPr lang="ko-KR" altLang="en-US" sz="1800">
-              <a:latin typeface="맑은 고딕" charset="0"/>
-              <a:ea typeface="맑은 고딕" charset="0"/>
-            </a:endParaRPr>
-          </a:p>
-        </p:txBody>
-      </p:sp>
       <p:pic>
         <p:nvPicPr>
-          <p:cNvPr id="1201" name="그림 11"/>
+          <p:cNvPr id="1205" name="그림 29" descr="C:/Users/Admin1/AppData/Roaming/PolarisOffice/ETemp/20124_21682544/fImage52761215724.png"/>
           <p:cNvPicPr>
             <a:picLocks noChangeAspect="1"/>
           </p:cNvPicPr>
           <p:nvPr/>
         </p:nvPicPr>
         <p:blipFill rotWithShape="1">
-          <a:blip r:embed="rId12" cstate="print">
+          <a:blip r:embed="rId15" cstate="hqprint">
+            <a:extLst>
+              <a:ext uri="{28A0092B-C50C-407E-A947-70E740481C1C}">
+                <a14:useLocalDpi xmlns:a14="http://schemas.microsoft.com/office/drawing/2010/main"/>
+              </a:ext>
+            </a:extLst>
+          </a:blip>
+          <a:stretch>
+            <a:fillRect/>
+          </a:stretch>
+        </p:blipFill>
+        <p:spPr>
+          <a:xfrm rot="0">
+            <a:off x="9809480" y="2018030"/>
+            <a:ext cx="1164590" cy="1879600"/>
+          </a:xfrm>
+          <a:prstGeom prst="roundRect"/>
+          <a:solidFill>
+            <a:srgbClr val="EDEDED"/>
+          </a:solidFill>
+        </p:spPr>
+      </p:pic>
+      <p:pic>
+        <p:nvPicPr>
+          <p:cNvPr id="1206" name="그림 8" descr="C:/Users/Admin1/AppData/Roaming/PolarisOffice/ETemp/20124_21682544/fImage57511976334.png"/>
+          <p:cNvPicPr>
+            <a:picLocks noChangeAspect="1"/>
+          </p:cNvPicPr>
+          <p:nvPr/>
+        </p:nvPicPr>
+        <p:blipFill rotWithShape="1">
+          <a:blip r:embed="rId16" cstate="print">
             <a:extLst>
               <a:ext uri="{28A0092B-C50C-407E-A947-70E740481C1C}">
                 <a14:useLocalDpi xmlns:a14="http://schemas.microsoft.com/office/drawing/2010/main" val="0"/>
@@ -11514,99 +11436,8 @@
         </p:blipFill>
         <p:spPr>
           <a:xfrm rot="0">
-            <a:off x="6891655" y="1147445"/>
-            <a:ext cx="2495550" cy="3486150"/>
-          </a:xfrm>
-          <a:prstGeom prst="roundRect"/>
-          <a:solidFill>
-            <a:srgbClr val="EDEDED"/>
-          </a:solidFill>
-        </p:spPr>
-      </p:pic>
-      <p:pic>
-        <p:nvPicPr>
-          <p:cNvPr id="1203" name="그림 19"/>
-          <p:cNvPicPr>
-            <a:picLocks noChangeAspect="1"/>
-          </p:cNvPicPr>
-          <p:nvPr/>
-        </p:nvPicPr>
-        <p:blipFill rotWithShape="1">
-          <a:blip r:embed="rId13" cstate="print">
-            <a:extLst>
-              <a:ext uri="{28A0092B-C50C-407E-A947-70E740481C1C}">
-                <a14:useLocalDpi xmlns:a14="http://schemas.microsoft.com/office/drawing/2010/main" val="0"/>
-              </a:ext>
-            </a:extLst>
-          </a:blip>
-          <a:stretch>
-            <a:fillRect/>
-          </a:stretch>
-        </p:blipFill>
-        <p:spPr>
-          <a:xfrm rot="0">
-            <a:off x="1291590" y="3854450"/>
-            <a:ext cx="1340485" cy="1106170"/>
-          </a:xfrm>
-          <a:prstGeom prst="roundRect"/>
-          <a:solidFill>
-            <a:srgbClr val="EDEDED"/>
-          </a:solidFill>
-        </p:spPr>
-      </p:pic>
-      <p:pic>
-        <p:nvPicPr>
-          <p:cNvPr id="1204" name="그림 24"/>
-          <p:cNvPicPr>
-            <a:picLocks noChangeAspect="1"/>
-          </p:cNvPicPr>
-          <p:nvPr/>
-        </p:nvPicPr>
-        <p:blipFill rotWithShape="1">
-          <a:blip r:embed="rId14" cstate="print">
-            <a:extLst>
-              <a:ext uri="{28A0092B-C50C-407E-A947-70E740481C1C}">
-                <a14:useLocalDpi xmlns:a14="http://schemas.microsoft.com/office/drawing/2010/main" val="0"/>
-              </a:ext>
-            </a:extLst>
-          </a:blip>
-          <a:stretch>
-            <a:fillRect/>
-          </a:stretch>
-        </p:blipFill>
-        <p:spPr>
-          <a:xfrm rot="0">
-            <a:off x="2814320" y="3559175"/>
-            <a:ext cx="2538095" cy="1706245"/>
-          </a:xfrm>
-          <a:prstGeom prst="rect"/>
-          <a:noFill/>
-        </p:spPr>
-      </p:pic>
-      <p:pic>
-        <p:nvPicPr>
-          <p:cNvPr id="1205" name="그림 29"/>
-          <p:cNvPicPr>
-            <a:picLocks noChangeAspect="1"/>
-          </p:cNvPicPr>
-          <p:nvPr/>
-        </p:nvPicPr>
-        <p:blipFill rotWithShape="1">
-          <a:blip r:embed="rId15" cstate="print">
-            <a:extLst>
-              <a:ext uri="{28A0092B-C50C-407E-A947-70E740481C1C}">
-                <a14:useLocalDpi xmlns:a14="http://schemas.microsoft.com/office/drawing/2010/main" val="0"/>
-              </a:ext>
-            </a:extLst>
-          </a:blip>
-          <a:stretch>
-            <a:fillRect/>
-          </a:stretch>
-        </p:blipFill>
-        <p:spPr>
-          <a:xfrm rot="0">
-            <a:off x="9655175" y="2018030"/>
-            <a:ext cx="1360805" cy="1878965"/>
+            <a:off x="1238885" y="1238885"/>
+            <a:ext cx="1272540" cy="1222375"/>
           </a:xfrm>
           <a:prstGeom prst="roundRect"/>
           <a:solidFill>
@@ -11888,8 +11719,8 @@
         </p:nvSpPr>
         <p:spPr>
           <a:xfrm rot="0">
-            <a:off x="1303020" y="5370830"/>
-            <a:ext cx="4055110" cy="923925"/>
+            <a:off x="1238885" y="5370830"/>
+            <a:ext cx="4119880" cy="923925"/>
           </a:xfrm>
           <a:prstGeom prst="rect"/>
           <a:noFill/>
@@ -11899,7 +11730,7 @@
           </a:ln>
         </p:spPr>
         <p:txBody>
-          <a:bodyPr wrap="square" lIns="89535" tIns="46355" rIns="89535" bIns="46355" vert="horz" anchor="t">
+          <a:bodyPr wrap="square" lIns="89535" tIns="46355" rIns="89535" bIns="46355" numCol="1" vert="horz" anchor="t">
             <a:spAutoFit/>
           </a:bodyPr>
           <a:lstStyle/>
@@ -11961,17 +11792,17 @@
       </p:sp>
       <p:pic>
         <p:nvPicPr>
-          <p:cNvPr id="1206" name="그림 41"/>
+          <p:cNvPr id="1206" name="그림 41" descr="C:/Users/Admin1/AppData/Roaming/PolarisOffice/ETemp/20124_21682544/fImage472422101478.png"/>
           <p:cNvPicPr>
             <a:picLocks noChangeAspect="1"/>
           </p:cNvPicPr>
           <p:nvPr/>
         </p:nvPicPr>
         <p:blipFill rotWithShape="1">
-          <a:blip r:embed="rId2" cstate="print">
+          <a:blip r:embed="rId2" cstate="hqprint">
             <a:extLst>
               <a:ext uri="{28A0092B-C50C-407E-A947-70E740481C1C}">
-                <a14:useLocalDpi xmlns:a14="http://schemas.microsoft.com/office/drawing/2010/main" val="0"/>
+                <a14:useLocalDpi xmlns:a14="http://schemas.microsoft.com/office/drawing/2010/main"/>
               </a:ext>
             </a:extLst>
           </a:blip>
@@ -11981,37 +11812,8 @@
         </p:blipFill>
         <p:spPr>
           <a:xfrm rot="0">
-            <a:off x="1305560" y="1259205"/>
-            <a:ext cx="2600325" cy="3931285"/>
-          </a:xfrm>
-          <a:prstGeom prst="rect"/>
-          <a:noFill/>
-        </p:spPr>
-      </p:pic>
-      <p:pic>
-        <p:nvPicPr>
-          <p:cNvPr id="1207" name="그림 45"/>
-          <p:cNvPicPr>
-            <a:picLocks noChangeAspect="1"/>
-          </p:cNvPicPr>
-          <p:nvPr/>
-        </p:nvPicPr>
-        <p:blipFill rotWithShape="1">
-          <a:blip r:embed="rId3" cstate="print">
-            <a:extLst>
-              <a:ext uri="{28A0092B-C50C-407E-A947-70E740481C1C}">
-                <a14:useLocalDpi xmlns:a14="http://schemas.microsoft.com/office/drawing/2010/main" val="0"/>
-              </a:ext>
-            </a:extLst>
-          </a:blip>
-          <a:stretch>
-            <a:fillRect/>
-          </a:stretch>
-        </p:blipFill>
-        <p:spPr>
-          <a:xfrm rot="0">
-            <a:off x="4106545" y="2211070"/>
-            <a:ext cx="1248410" cy="1779270"/>
+            <a:off x="1238885" y="1259205"/>
+            <a:ext cx="2667635" cy="3931920"/>
           </a:xfrm>
           <a:prstGeom prst="roundRect"/>
           <a:solidFill>
@@ -12177,6 +11979,37 @@
           </a:fontRef>
         </p:style>
       </p:cxnSp>
+      <p:pic>
+        <p:nvPicPr>
+          <p:cNvPr id="1214" name="그림 11" descr="C:/Users/Admin1/AppData/Roaming/PolarisOffice/ETemp/20124_21682544/fImage74722006500.png"/>
+          <p:cNvPicPr>
+            <a:picLocks noChangeAspect="1"/>
+          </p:cNvPicPr>
+          <p:nvPr/>
+        </p:nvPicPr>
+        <p:blipFill rotWithShape="1">
+          <a:blip r:embed="rId7" cstate="print">
+            <a:extLst>
+              <a:ext uri="{28A0092B-C50C-407E-A947-70E740481C1C}">
+                <a14:useLocalDpi xmlns:a14="http://schemas.microsoft.com/office/drawing/2010/main" val="0"/>
+              </a:ext>
+            </a:extLst>
+          </a:blip>
+          <a:stretch>
+            <a:fillRect/>
+          </a:stretch>
+        </p:blipFill>
+        <p:spPr>
+          <a:xfrm rot="0">
+            <a:off x="4029075" y="2194560"/>
+            <a:ext cx="1333500" cy="2062480"/>
+          </a:xfrm>
+          <a:prstGeom prst="roundRect"/>
+          <a:solidFill>
+            <a:srgbClr val="EDEDED"/>
+          </a:solidFill>
+        </p:spPr>
+      </p:pic>
       <p:cxnSp>
         <p:nvCxnSpPr>
           <p:cNvPr id="1213" name="도형 11"/>
@@ -12185,8 +12018,8 @@
         </p:nvCxnSpPr>
         <p:spPr>
           <a:xfrm rot="0" flipH="1">
-            <a:off x="2112645" y="3184525"/>
-            <a:ext cx="2133600" cy="1709420"/>
+            <a:off x="2078355" y="3433445"/>
+            <a:ext cx="2178685" cy="1447165"/>
           </a:xfrm>
           <a:prstGeom prst="straightConnector1"/>
           <a:ln w="6350" cap="flat" cmpd="sng">
@@ -12407,8 +12240,8 @@
         </p:nvSpPr>
         <p:spPr>
           <a:xfrm rot="0">
-            <a:off x="6819265" y="4172585"/>
-            <a:ext cx="4129405" cy="923925"/>
+            <a:off x="6819265" y="4139565"/>
+            <a:ext cx="4129405" cy="2308225"/>
           </a:xfrm>
           <a:prstGeom prst="rect"/>
           <a:noFill/>
@@ -12469,18 +12302,66 @@
                 <a:latin typeface="맑은 고딕" charset="0"/>
                 <a:ea typeface="맑은 고딕" charset="0"/>
               </a:rPr>
-              <a:t>이제 Volume( ) 함수를 생성하고 매개변수에 float 변수로 오디오 소스의 볼륨 값으로 설정합니다.</a:t>
+              <a:t>이제 </a:t>
+            </a:r>
+            <a:r>
+              <a:rPr lang="ko-KR" sz="1800">
+                <a:latin typeface="맑은 고딕" charset="0"/>
+                <a:ea typeface="맑은 고딕" charset="0"/>
+              </a:rPr>
+              <a:t>SoundCall(int) 함수를 선언하고 오디오 소스의 PlayOneShot 함수에 오디오 클립의 인덱스에 매개변수를 선언합니다.</a:t>
             </a:r>
             <a:endParaRPr lang="ko-KR" altLang="en-US" sz="1800">
               <a:latin typeface="맑은 고딕" charset="0"/>
               <a:ea typeface="맑은 고딕" charset="0"/>
             </a:endParaRPr>
           </a:p>
+          <a:p>
+            <a:pPr marL="0" indent="0" rtl="0" algn="l" defTabSz="914400" eaLnBrk="1" latinLnBrk="0" hangingPunct="1">
+              <a:buFontTx/>
+              <a:buNone/>
+            </a:pPr>
+            <a:endParaRPr lang="ko-KR" altLang="en-US" sz="1800">
+              <a:latin typeface="맑은 고딕" charset="0"/>
+              <a:ea typeface="맑은 고딕" charset="0"/>
+            </a:endParaRPr>
+          </a:p>
+          <a:p>
+            <a:pPr marL="0" indent="0" rtl="0" algn="l" defTabSz="914400" eaLnBrk="1" latinLnBrk="0" hangingPunct="1">
+              <a:buFontTx/>
+              <a:buNone/>
+            </a:pPr>
+            <a:r>
+              <a:rPr lang="ko-KR" sz="1800">
+                <a:latin typeface="맑은 고딕" charset="0"/>
+                <a:ea typeface="맑은 고딕" charset="0"/>
+              </a:rPr>
+              <a:t>Volume(</a:t>
+            </a:r>
+            <a:r>
+              <a:rPr lang="ko-KR" sz="1800">
+                <a:latin typeface="맑은 고딕" charset="0"/>
+                <a:ea typeface="맑은 고딕" charset="0"/>
+              </a:rPr>
+              <a:t>float</a:t>
+            </a:r>
+            <a:r>
+              <a:rPr lang="ko-KR" sz="1800">
+                <a:latin typeface="맑은 고딕" charset="0"/>
+                <a:ea typeface="맑은 고딕" charset="0"/>
+              </a:rPr>
+              <a:t>) 함수를 생성하고 매개변수에 float 변수로 오디오 소스의 볼륨 값으로 설정합니다.</a:t>
+            </a:r>
+            <a:endParaRPr lang="ko-KR" altLang="en-US" sz="1800">
+              <a:latin typeface="맑은 고딕" charset="0"/>
+              <a:ea typeface="맑은 고딕" charset="0"/>
+            </a:endParaRPr>
+          </a:p>
         </p:txBody>
       </p:sp>
       <p:pic>
         <p:nvPicPr>
-          <p:cNvPr id="1217" name="그림 28" descr="C:/Users/Admin1/AppData/Roaming/PolarisOffice/ETemp/17016_18079352/fImage202152045724.png"/>
+          <p:cNvPr id="1217" name="그림 28"/>
           <p:cNvPicPr>
             <a:picLocks noChangeAspect="1"/>
           </p:cNvPicPr>
@@ -12511,17 +12392,17 @@
       </p:pic>
       <p:pic>
         <p:nvPicPr>
-          <p:cNvPr id="1218" name="그림 38" descr="C:/Users/Admin1/AppData/Roaming/PolarisOffice/ETemp/17016_18079352/fImage278162061478.png"/>
+          <p:cNvPr id="1218" name="그림 38" descr="C:/Users/Admin1/AppData/Roaming/PolarisOffice/ETemp/20124_21682544/fImage278162061478.png"/>
           <p:cNvPicPr>
             <a:picLocks noChangeAspect="1"/>
           </p:cNvPicPr>
           <p:nvPr/>
         </p:nvPicPr>
         <p:blipFill rotWithShape="1">
-          <a:blip r:embed="rId7" cstate="print">
+          <a:blip r:embed="rId7" cstate="hqprint">
             <a:extLst>
               <a:ext uri="{28A0092B-C50C-407E-A947-70E740481C1C}">
-                <a14:useLocalDpi xmlns:a14="http://schemas.microsoft.com/office/drawing/2010/main" val="0"/>
+                <a14:useLocalDpi xmlns:a14="http://schemas.microsoft.com/office/drawing/2010/main"/>
               </a:ext>
             </a:extLst>
           </a:blip>
@@ -12531,8 +12412,8 @@
         </p:blipFill>
         <p:spPr>
           <a:xfrm rot="0">
-            <a:off x="6808470" y="1430020"/>
-            <a:ext cx="4140200" cy="2618740"/>
+            <a:off x="6816725" y="1430020"/>
+            <a:ext cx="4132580" cy="2544445"/>
           </a:xfrm>
           <a:prstGeom prst="roundRect"/>
           <a:solidFill>

--- a/Assets/Class/Sound/PPT Data/Sound Example.pptx
+++ b/Assets/Class/Sound/PPT Data/Sound Example.pptx
@@ -2,7 +2,7 @@
 <file path=ppt/presentation.xml><?xml version="1.0" encoding="utf-8"?>
 <p:presentation xmlns:a="http://schemas.openxmlformats.org/drawingml/2006/main" xmlns:r="http://schemas.openxmlformats.org/officeDocument/2006/relationships" xmlns:p="http://schemas.openxmlformats.org/presentationml/2006/main" xmlns:p14="http://schemas.microsoft.com/office/powerpoint/2010/main" saveSubsetFonts="1" firstSlideNum="0">
   <p:sldMasterIdLst>
-    <p:sldMasterId id="2147486311" r:id="rId12"/>
+    <p:sldMasterId id="2147486326" r:id="rId12"/>
   </p:sldMasterIdLst>
   <p:notesMasterIdLst>
     <p:notesMasterId r:id="rId14"/>
@@ -10,16 +10,16 @@
   <p:sldIdLst>
     <p:sldId id="287" r:id="rId16"/>
     <p:sldId id="300" r:id="rId17"/>
-    <p:sldId id="312" r:id="rId18"/>
-    <p:sldId id="304" r:id="rId19"/>
-    <p:sldId id="301" r:id="rId20"/>
-    <p:sldId id="302" r:id="rId21"/>
-    <p:sldId id="305" r:id="rId22"/>
-    <p:sldId id="307" r:id="rId23"/>
-    <p:sldId id="308" r:id="rId24"/>
-    <p:sldId id="309" r:id="rId26"/>
-    <p:sldId id="310" r:id="rId28"/>
-    <p:sldId id="311" r:id="rId30"/>
+    <p:sldId id="312" r:id="rId19"/>
+    <p:sldId id="304" r:id="rId21"/>
+    <p:sldId id="301" r:id="rId23"/>
+    <p:sldId id="302" r:id="rId25"/>
+    <p:sldId id="305" r:id="rId26"/>
+    <p:sldId id="307" r:id="rId27"/>
+    <p:sldId id="308" r:id="rId28"/>
+    <p:sldId id="309" r:id="rId29"/>
+    <p:sldId id="310" r:id="rId30"/>
+    <p:sldId id="311" r:id="rId32"/>
   </p:sldIdLst>
   <p:sldSz cx="12192000" cy="6858000"/>
   <p:notesSz cx="6858000" cy="9144000"/>
@@ -7351,8 +7351,8 @@
         </p:nvSpPr>
         <p:spPr>
           <a:xfrm rot="0">
-            <a:off x="6734810" y="2578100"/>
-            <a:ext cx="4223385" cy="1201420"/>
+            <a:off x="6816725" y="2611120"/>
+            <a:ext cx="4142105" cy="1200785"/>
           </a:xfrm>
           <a:prstGeom prst="rect"/>
           <a:noFill/>
@@ -7413,7 +7413,7 @@
         <p:spPr>
           <a:xfrm rot="0">
             <a:off x="6816725" y="5494655"/>
-            <a:ext cx="4152900" cy="647065"/>
+            <a:ext cx="4153535" cy="647065"/>
           </a:xfrm>
           <a:prstGeom prst="rect"/>
           <a:noFill/>
@@ -7496,7 +7496,7 @@
       </p:pic>
       <p:pic>
         <p:nvPicPr>
-          <p:cNvPr id="1194" name="그림 2"/>
+          <p:cNvPr id="1194" name="그림 2" descr="C:/Users/Admin1/AppData/Roaming/PolarisOffice/ETemp/19344_21804320/fImage44751988467.png"/>
           <p:cNvPicPr>
             <a:picLocks noChangeAspect="1"/>
           </p:cNvPicPr>
@@ -7516,8 +7516,8 @@
         </p:blipFill>
         <p:spPr>
           <a:xfrm rot="0">
-            <a:off x="6736080" y="1413510"/>
-            <a:ext cx="1744345" cy="1040130"/>
+            <a:off x="6824980" y="1413510"/>
+            <a:ext cx="1656080" cy="1040765"/>
           </a:xfrm>
           <a:prstGeom prst="roundRect"/>
           <a:solidFill>
@@ -7527,7 +7527,7 @@
       </p:pic>
       <p:pic>
         <p:nvPicPr>
-          <p:cNvPr id="1198" name="그림 48"/>
+          <p:cNvPr id="1198" name="그림 48" descr="C:/Users/Admin1/AppData/Roaming/PolarisOffice/ETemp/19344_21804320/fImage145732189169.png"/>
           <p:cNvPicPr>
             <a:picLocks noChangeAspect="1"/>
           </p:cNvPicPr>
@@ -7547,8 +7547,8 @@
         </p:blipFill>
         <p:spPr>
           <a:xfrm rot="0">
-            <a:off x="6808470" y="3949065"/>
-            <a:ext cx="4149725" cy="1442085"/>
+            <a:off x="6824980" y="3949065"/>
+            <a:ext cx="4123690" cy="1442720"/>
           </a:xfrm>
           <a:prstGeom prst="roundRect"/>
           <a:solidFill>
@@ -8027,17 +8027,17 @@
       </p:pic>
       <p:pic>
         <p:nvPicPr>
-          <p:cNvPr id="1226" name="그림 22"/>
+          <p:cNvPr id="1226" name="그림 22" descr="C:/Users/Admin1/AppData/Roaming/PolarisOffice/ETemp/19344_21804320/fImage146852469358.png"/>
           <p:cNvPicPr>
             <a:picLocks noChangeAspect="1"/>
           </p:cNvPicPr>
           <p:nvPr/>
         </p:nvPicPr>
         <p:blipFill rotWithShape="1">
-          <a:blip r:embed="rId4" cstate="print">
+          <a:blip r:embed="rId4" cstate="hqprint">
             <a:extLst>
               <a:ext uri="{28A0092B-C50C-407E-A947-70E740481C1C}">
-                <a14:useLocalDpi xmlns:a14="http://schemas.microsoft.com/office/drawing/2010/main" val="0"/>
+                <a14:useLocalDpi xmlns:a14="http://schemas.microsoft.com/office/drawing/2010/main"/>
               </a:ext>
             </a:extLst>
           </a:blip>
@@ -8048,7 +8048,7 @@
         <p:spPr>
           <a:xfrm rot="0">
             <a:off x="1172210" y="3616325"/>
-            <a:ext cx="4190365" cy="1047115"/>
+            <a:ext cx="4191000" cy="1047750"/>
           </a:xfrm>
           <a:prstGeom prst="roundRect"/>
           <a:solidFill>
@@ -8910,8 +8910,8 @@
         </p:nvSpPr>
         <p:spPr>
           <a:xfrm rot="0">
-            <a:off x="6845300" y="4281170"/>
-            <a:ext cx="4245610" cy="2031365"/>
+            <a:off x="6816725" y="4297680"/>
+            <a:ext cx="4165600" cy="2031365"/>
           </a:xfrm>
           <a:prstGeom prst="rect"/>
           <a:noFill/>
@@ -9147,17 +9147,17 @@
       </p:sp>
       <p:pic>
         <p:nvPicPr>
-          <p:cNvPr id="1247" name="그림 83"/>
+          <p:cNvPr id="1247" name="그림 9" descr="C:/Users/Admin1/AppData/Roaming/PolarisOffice/ETemp/19344_21804320/fImage353911971478.png"/>
           <p:cNvPicPr>
             <a:picLocks noChangeAspect="1"/>
           </p:cNvPicPr>
           <p:nvPr/>
         </p:nvPicPr>
         <p:blipFill rotWithShape="1">
-          <a:blip r:embed="rId5" cstate="hqprint">
+          <a:blip r:embed="rId7" cstate="print">
             <a:extLst>
               <a:ext uri="{28A0092B-C50C-407E-A947-70E740481C1C}">
-                <a14:useLocalDpi xmlns:a14="http://schemas.microsoft.com/office/drawing/2010/main"/>
+                <a14:useLocalDpi xmlns:a14="http://schemas.microsoft.com/office/drawing/2010/main" val="0"/>
               </a:ext>
             </a:extLst>
           </a:blip>
@@ -9167,11 +9167,13 @@
         </p:blipFill>
         <p:spPr>
           <a:xfrm rot="0">
-            <a:off x="6858000" y="1338580"/>
-            <a:ext cx="4233545" cy="2758440"/>
-          </a:xfrm>
-          <a:prstGeom prst="rect"/>
-          <a:noFill/>
+            <a:off x="6824980" y="1338580"/>
+            <a:ext cx="4149090" cy="2810510"/>
+          </a:xfrm>
+          <a:prstGeom prst="roundRect"/>
+          <a:solidFill>
+            <a:srgbClr val="EDEDED"/>
+          </a:solidFill>
         </p:spPr>
       </p:pic>
     </p:spTree>
@@ -11142,8 +11144,8 @@
         </p:nvSpPr>
         <p:spPr>
           <a:xfrm rot="0">
-            <a:off x="6890385" y="4819015"/>
-            <a:ext cx="4091940" cy="1477645"/>
+            <a:off x="6816725" y="4819015"/>
+            <a:ext cx="4149090" cy="1477645"/>
           </a:xfrm>
           <a:prstGeom prst="rect"/>
           <a:noFill/>
@@ -11180,7 +11182,7 @@
                 <a:latin typeface="맑은 고딕" charset="0"/>
                 <a:ea typeface="맑은 고딕" charset="0"/>
               </a:rPr>
-              <a:t>3</a:t>
+              <a:t>5</a:t>
             </a:r>
             <a:r>
               <a:rPr sz="1800" b="1">
@@ -11204,7 +11206,14 @@
                 <a:latin typeface="맑은 고딕" charset="0"/>
                 <a:ea typeface="맑은 고딕" charset="0"/>
               </a:rPr>
-              <a:t>그다음으로 UI를 선택하고 Slider를 생성합니다.</a:t>
+              <a:t>이제</a:t>
+            </a:r>
+            <a:r>
+              <a:rPr lang="ko-KR" sz="1800">
+                <a:latin typeface="맑은 고딕" charset="0"/>
+                <a:ea typeface="맑은 고딕" charset="0"/>
+              </a:rPr>
+              <a:t> UI를 선택하고 Slider를 생성합니다.</a:t>
             </a:r>
             <a:endParaRPr lang="ko-KR" altLang="en-US" sz="1800">
               <a:latin typeface="맑은 고딕" charset="0"/>
@@ -11323,7 +11332,7 @@
       </p:sp>
       <p:pic>
         <p:nvPicPr>
-          <p:cNvPr id="1196" name="그림 2" descr="C:/Users/Admin1/AppData/Roaming/PolarisOffice/ETemp/20124_21682544/fImage48562109358.png"/>
+          <p:cNvPr id="1196" name="그림 2"/>
           <p:cNvPicPr>
             <a:picLocks noChangeAspect="1"/>
           </p:cNvPicPr>
@@ -11354,7 +11363,7 @@
       </p:pic>
       <p:pic>
         <p:nvPicPr>
-          <p:cNvPr id="1201" name="그림 11" descr="C:/Users/Admin1/AppData/Roaming/PolarisOffice/ETemp/20124_21682544/fImage220051176334.png"/>
+          <p:cNvPr id="1201" name="그림 11" descr="C:/Users/Admin1/AppData/Roaming/PolarisOffice/ETemp/19344_21804320/fImage220051176334.png"/>
           <p:cNvPicPr>
             <a:picLocks noChangeAspect="1"/>
           </p:cNvPicPr>
@@ -11374,8 +11383,8 @@
         </p:blipFill>
         <p:spPr>
           <a:xfrm rot="0">
-            <a:off x="6833235" y="1247140"/>
-            <a:ext cx="2835275" cy="3403600"/>
+            <a:off x="6824980" y="1247140"/>
+            <a:ext cx="2777490" cy="3404235"/>
           </a:xfrm>
           <a:prstGeom prst="roundRect"/>
           <a:solidFill>
@@ -11385,38 +11394,7 @@
       </p:pic>
       <p:pic>
         <p:nvPicPr>
-          <p:cNvPr id="1205" name="그림 29" descr="C:/Users/Admin1/AppData/Roaming/PolarisOffice/ETemp/20124_21682544/fImage52761215724.png"/>
-          <p:cNvPicPr>
-            <a:picLocks noChangeAspect="1"/>
-          </p:cNvPicPr>
-          <p:nvPr/>
-        </p:nvPicPr>
-        <p:blipFill rotWithShape="1">
-          <a:blip r:embed="rId15" cstate="hqprint">
-            <a:extLst>
-              <a:ext uri="{28A0092B-C50C-407E-A947-70E740481C1C}">
-                <a14:useLocalDpi xmlns:a14="http://schemas.microsoft.com/office/drawing/2010/main"/>
-              </a:ext>
-            </a:extLst>
-          </a:blip>
-          <a:stretch>
-            <a:fillRect/>
-          </a:stretch>
-        </p:blipFill>
-        <p:spPr>
-          <a:xfrm rot="0">
-            <a:off x="9809480" y="2018030"/>
-            <a:ext cx="1164590" cy="1879600"/>
-          </a:xfrm>
-          <a:prstGeom prst="roundRect"/>
-          <a:solidFill>
-            <a:srgbClr val="EDEDED"/>
-          </a:solidFill>
-        </p:spPr>
-      </p:pic>
-      <p:pic>
-        <p:nvPicPr>
-          <p:cNvPr id="1206" name="그림 8" descr="C:/Users/Admin1/AppData/Roaming/PolarisOffice/ETemp/20124_21682544/fImage57511976334.png"/>
+          <p:cNvPr id="1206" name="그림 8"/>
           <p:cNvPicPr>
             <a:picLocks noChangeAspect="1"/>
           </p:cNvPicPr>
@@ -11438,6 +11416,174 @@
           <a:xfrm rot="0">
             <a:off x="1238885" y="1238885"/>
             <a:ext cx="1272540" cy="1222375"/>
+          </a:xfrm>
+          <a:prstGeom prst="roundRect"/>
+          <a:solidFill>
+            <a:srgbClr val="EDEDED"/>
+          </a:solidFill>
+        </p:spPr>
+      </p:pic>
+      <p:sp>
+        <p:nvSpPr>
+          <p:cNvPr id="1207" name="텍스트 상자 4"/>
+          <p:cNvSpPr txBox="1">
+            <a:spLocks/>
+          </p:cNvSpPr>
+          <p:nvPr/>
+        </p:nvSpPr>
+        <p:spPr>
+          <a:xfrm rot="0">
+            <a:off x="1236345" y="5090795"/>
+            <a:ext cx="4126865" cy="1200785"/>
+          </a:xfrm>
+          <a:prstGeom prst="rect"/>
+          <a:noFill/>
+          <a:ln w="0">
+            <a:noFill/>
+            <a:prstDash/>
+          </a:ln>
+        </p:spPr>
+        <p:txBody>
+          <a:bodyPr wrap="square" lIns="89535" tIns="46355" rIns="89535" bIns="46355" numCol="1" vert="horz" anchor="t">
+            <a:spAutoFit/>
+          </a:bodyPr>
+          <a:lstStyle/>
+          <a:p>
+            <a:pPr marL="0" indent="0" rtl="0" algn="l" defTabSz="914400" eaLnBrk="1" latinLnBrk="0" hangingPunct="1">
+              <a:buFontTx/>
+              <a:buNone/>
+            </a:pPr>
+            <a:r>
+              <a:rPr sz="1800" b="1">
+                <a:solidFill>
+                  <a:srgbClr val="0611F2"/>
+                </a:solidFill>
+                <a:latin typeface="맑은 고딕" charset="0"/>
+                <a:ea typeface="맑은 고딕" charset="0"/>
+              </a:rPr>
+              <a:t>1</a:t>
+            </a:r>
+            <a:r>
+              <a:rPr lang="ko-KR" sz="1800" b="1">
+                <a:solidFill>
+                  <a:srgbClr val="0611F2"/>
+                </a:solidFill>
+                <a:latin typeface="맑은 고딕" charset="0"/>
+                <a:ea typeface="맑은 고딕" charset="0"/>
+              </a:rPr>
+              <a:t>4.</a:t>
+            </a:r>
+            <a:r>
+              <a:rPr sz="1800">
+                <a:latin typeface="맑은 고딕" charset="0"/>
+                <a:ea typeface="맑은 고딕" charset="0"/>
+              </a:rPr>
+              <a:t> </a:t>
+            </a:r>
+            <a:r>
+              <a:rPr lang="ko-KR" sz="1800">
+                <a:latin typeface="맑은 고딕" charset="0"/>
+                <a:ea typeface="맑은 고딕" charset="0"/>
+              </a:rPr>
+              <a:t>마지막으로 </a:t>
+            </a:r>
+            <a:r>
+              <a:rPr lang="ko-KR" sz="1800">
+                <a:latin typeface="맑은 고딕" charset="0"/>
+                <a:ea typeface="맑은 고딕" charset="0"/>
+              </a:rPr>
+              <a:t>SoundManager 스크립트에서 AudioClip</a:t>
+            </a:r>
+            <a:r>
+              <a:rPr lang="ko-KR" sz="1800">
+                <a:latin typeface="맑은 고딕" charset="0"/>
+                <a:ea typeface="맑은 고딕" charset="0"/>
+              </a:rPr>
+              <a:t> 변수를</a:t>
+            </a:r>
+            <a:r>
+              <a:rPr lang="ko-KR" sz="1800">
+                <a:latin typeface="맑은 고딕" charset="0"/>
+                <a:ea typeface="맑은 고딕" charset="0"/>
+              </a:rPr>
+              <a:t> </a:t>
+            </a:r>
+            <a:r>
+              <a:rPr lang="ko-KR" sz="1800">
+                <a:latin typeface="맑은 고딕" charset="0"/>
+                <a:ea typeface="맑은 고딕" charset="0"/>
+              </a:rPr>
+              <a:t>배열로 선언하고 AudioSource 변수를 2개 선언합니다</a:t>
+            </a:r>
+            <a:r>
+              <a:rPr lang="ko-KR" sz="1800">
+                <a:latin typeface="맑은 고딕" charset="0"/>
+                <a:ea typeface="맑은 고딕" charset="0"/>
+              </a:rPr>
+              <a:t>.</a:t>
+            </a:r>
+            <a:endParaRPr lang="ko-KR" altLang="en-US" sz="1800">
+              <a:latin typeface="맑은 고딕" charset="0"/>
+              <a:ea typeface="맑은 고딕" charset="0"/>
+            </a:endParaRPr>
+          </a:p>
+        </p:txBody>
+      </p:sp>
+      <p:pic>
+        <p:nvPicPr>
+          <p:cNvPr id="1208" name="그림 5" descr="C:/Users/Admin1/AppData/Roaming/PolarisOffice/ETemp/19344_21804320/fImage3254219541.png"/>
+          <p:cNvPicPr>
+            <a:picLocks noChangeAspect="1"/>
+          </p:cNvPicPr>
+          <p:nvPr/>
+        </p:nvPicPr>
+        <p:blipFill rotWithShape="1">
+          <a:blip r:embed="rId17" cstate="print">
+            <a:extLst>
+              <a:ext uri="{28A0092B-C50C-407E-A947-70E740481C1C}">
+                <a14:useLocalDpi xmlns:a14="http://schemas.microsoft.com/office/drawing/2010/main" val="0"/>
+              </a:ext>
+            </a:extLst>
+          </a:blip>
+          <a:stretch>
+            <a:fillRect/>
+          </a:stretch>
+        </p:blipFill>
+        <p:spPr>
+          <a:xfrm rot="0">
+            <a:off x="1230630" y="3604260"/>
+            <a:ext cx="4131945" cy="1433830"/>
+          </a:xfrm>
+          <a:prstGeom prst="roundRect"/>
+          <a:solidFill>
+            <a:srgbClr val="EDEDED"/>
+          </a:solidFill>
+        </p:spPr>
+      </p:pic>
+      <p:pic>
+        <p:nvPicPr>
+          <p:cNvPr id="1209" name="그림 6" descr="C:/Users/Admin1/AppData/Roaming/PolarisOffice/ETemp/19344_21804320/fImage68551968467.png"/>
+          <p:cNvPicPr>
+            <a:picLocks noChangeAspect="1"/>
+          </p:cNvPicPr>
+          <p:nvPr/>
+        </p:nvPicPr>
+        <p:blipFill rotWithShape="1">
+          <a:blip r:embed="rId18" cstate="print">
+            <a:extLst>
+              <a:ext uri="{28A0092B-C50C-407E-A947-70E740481C1C}">
+                <a14:useLocalDpi xmlns:a14="http://schemas.microsoft.com/office/drawing/2010/main" val="0"/>
+              </a:ext>
+            </a:extLst>
+          </a:blip>
+          <a:stretch>
+            <a:fillRect/>
+          </a:stretch>
+        </p:blipFill>
+        <p:spPr>
+          <a:xfrm rot="0">
+            <a:off x="9744710" y="1953895"/>
+            <a:ext cx="1229360" cy="2004060"/>
           </a:xfrm>
           <a:prstGeom prst="roundRect"/>
           <a:solidFill>
@@ -11555,8 +11701,8 @@
         </p:nvSpPr>
         <p:spPr>
           <a:xfrm rot="0">
-            <a:off x="6805295" y="4544060"/>
-            <a:ext cx="4189095" cy="1754505"/>
+            <a:off x="6813550" y="4535805"/>
+            <a:ext cx="4189730" cy="1754505"/>
           </a:xfrm>
           <a:prstGeom prst="rect"/>
           <a:noFill/>
@@ -11593,7 +11739,7 @@
                 <a:latin typeface="맑은 고딕" charset="0"/>
                 <a:ea typeface="맑은 고딕" charset="0"/>
               </a:rPr>
-              <a:t>5</a:t>
+              <a:t>7</a:t>
             </a:r>
             <a:r>
               <a:rPr sz="1800" b="1">
@@ -11617,20 +11763,41 @@
                 <a:latin typeface="맑은 고딕" charset="0"/>
                 <a:ea typeface="맑은 고딕" charset="0"/>
               </a:rPr>
-              <a:t>이제 Project 폴더에서 </a:t>
+              <a:t>그다음으로</a:t>
             </a:r>
             <a:r>
               <a:rPr lang="ko-KR" sz="1800">
                 <a:latin typeface="맑은 고딕" charset="0"/>
                 <a:ea typeface="맑은 고딕" charset="0"/>
               </a:rPr>
-              <a:t>Sound</a:t>
+              <a:t> Project 폴더</a:t>
             </a:r>
             <a:r>
               <a:rPr lang="ko-KR" sz="1800">
                 <a:latin typeface="맑은 고딕" charset="0"/>
                 <a:ea typeface="맑은 고딕" charset="0"/>
               </a:rPr>
+              <a:t> 아래에</a:t>
+            </a:r>
+            <a:r>
+              <a:rPr lang="ko-KR" sz="1800">
+                <a:latin typeface="맑은 고딕" charset="0"/>
+                <a:ea typeface="맑은 고딕" charset="0"/>
+              </a:rPr>
+              <a:t> Sound</a:t>
+            </a:r>
+            <a:r>
+              <a:rPr lang="ko-KR" sz="1800">
+                <a:latin typeface="맑은 고딕" charset="0"/>
+                <a:ea typeface="맑은 고딕" charset="0"/>
+              </a:rPr>
+              <a:t> 폴더</a:t>
+            </a:r>
+            <a:r>
+              <a:rPr lang="ko-KR" sz="1800">
+                <a:latin typeface="맑은 고딕" charset="0"/>
+                <a:ea typeface="맑은 고딕" charset="0"/>
+              </a:rPr>
               <a:t>에 </a:t>
             </a:r>
             <a:r>
@@ -11638,21 +11805,14 @@
                 <a:latin typeface="맑은 고딕" charset="0"/>
                 <a:ea typeface="맑은 고딕" charset="0"/>
               </a:rPr>
-              <a:t>Explosion과 Magic 그리고 Siren 사운드</a:t>
+              <a:t>있는 </a:t>
             </a:r>
             <a:r>
               <a:rPr lang="ko-KR" sz="1800">
                 <a:latin typeface="맑은 고딕" charset="0"/>
                 <a:ea typeface="맑은 고딕" charset="0"/>
               </a:rPr>
-              <a:t>를 선택</a:t>
-            </a:r>
-            <a:r>
-              <a:rPr lang="ko-KR" sz="1800">
-                <a:latin typeface="맑은 고딕" charset="0"/>
-                <a:ea typeface="맑은 고딕" charset="0"/>
-              </a:rPr>
-              <a:t>합니다.</a:t>
+              <a:t>Explosion과 Magic 그리고 Siren 사운드를 선택합니다.</a:t>
             </a:r>
             <a:endParaRPr lang="ko-KR" altLang="en-US" sz="1800">
               <a:latin typeface="맑은 고딕" charset="0"/>
@@ -11679,28 +11839,14 @@
                 <a:latin typeface="맑은 고딕" charset="0"/>
                 <a:ea typeface="맑은 고딕" charset="0"/>
               </a:rPr>
-              <a:t>그리고</a:t>
+              <a:t>그런 다음</a:t>
             </a:r>
             <a:r>
               <a:rPr lang="ko-KR" sz="1800">
                 <a:latin typeface="맑은 고딕" charset="0"/>
                 <a:ea typeface="맑은 고딕" charset="0"/>
               </a:rPr>
-              <a:t> Sound</a:t>
-            </a:r>
-            <a:r>
-              <a:rPr lang="ko-KR" sz="1800">
-                <a:latin typeface="맑은 고딕" charset="0"/>
-                <a:ea typeface="맑은 고딕" charset="0"/>
-              </a:rPr>
-              <a:t> Manager 오브젝트의 배열에 순서대로 넣어줍니다</a:t>
-            </a:r>
-            <a:r>
-              <a:rPr lang="ko-KR" sz="1800">
-                <a:latin typeface="맑은 고딕" charset="0"/>
-                <a:ea typeface="맑은 고딕" charset="0"/>
-              </a:rPr>
-              <a:t>.</a:t>
+              <a:t> Sound Manager 오브젝트의 배열에 순서대로 넣어줍니다.</a:t>
             </a:r>
             <a:endParaRPr lang="ko-KR" altLang="en-US" sz="1800">
               <a:latin typeface="맑은 고딕" charset="0"/>
@@ -11718,9 +11864,9 @@
           <p:nvPr/>
         </p:nvSpPr>
         <p:spPr>
-          <a:xfrm rot="0">
+          <a:xfrm>
             <a:off x="1238885" y="5370830"/>
-            <a:ext cx="4119880" cy="923925"/>
+            <a:ext cx="4120515" cy="923925"/>
           </a:xfrm>
           <a:prstGeom prst="rect"/>
           <a:noFill/>
@@ -11747,17 +11893,7 @@
                 <a:latin typeface="맑은 고딕" charset="0"/>
                 <a:ea typeface="맑은 고딕" charset="0"/>
               </a:rPr>
-              <a:t>1</a:t>
-            </a:r>
-            <a:r>
-              <a:rPr lang="ko-KR" sz="1800" b="1">
-                <a:solidFill>
-                  <a:srgbClr val="0611F2"/>
-                </a:solidFill>
-                <a:latin typeface="맑은 고딕" charset="0"/>
-                <a:ea typeface="맑은 고딕" charset="0"/>
-              </a:rPr>
-              <a:t>4</a:t>
+              <a:t>16</a:t>
             </a:r>
             <a:r>
               <a:rPr sz="1800" b="1">
@@ -11781,7 +11917,21 @@
                 <a:latin typeface="맑은 고딕" charset="0"/>
                 <a:ea typeface="맑은 고딕" charset="0"/>
               </a:rPr>
-              <a:t>그런 다음 Volume 오브젝트의 On Value Changed에 Sound Manager를 선택하여 넣어줍니다.</a:t>
+              <a:t>그</a:t>
+            </a:r>
+            <a:r>
+              <a:rPr lang="ko-KR" sz="1800">
+                <a:latin typeface="맑은 고딕" charset="0"/>
+                <a:ea typeface="맑은 고딕" charset="0"/>
+              </a:rPr>
+              <a:t>러고 나서</a:t>
+            </a:r>
+            <a:r>
+              <a:rPr lang="ko-KR" sz="1800">
+                <a:latin typeface="맑은 고딕" charset="0"/>
+                <a:ea typeface="맑은 고딕" charset="0"/>
+              </a:rPr>
+              <a:t> Volume 오브젝트의 On Value Changed에 Sound Manager를 선택하여 넣어줍니다.</a:t>
             </a:r>
             <a:endParaRPr lang="ko-KR" altLang="en-US" sz="1800">
               <a:latin typeface="맑은 고딕" charset="0"/>
@@ -11792,7 +11942,7 @@
       </p:sp>
       <p:pic>
         <p:nvPicPr>
-          <p:cNvPr id="1206" name="그림 41" descr="C:/Users/Admin1/AppData/Roaming/PolarisOffice/ETemp/20124_21682544/fImage472422101478.png"/>
+          <p:cNvPr id="1206" name="그림 41"/>
           <p:cNvPicPr>
             <a:picLocks noChangeAspect="1"/>
           </p:cNvPicPr>
@@ -11823,17 +11973,17 @@
       </p:pic>
       <p:pic>
         <p:nvPicPr>
-          <p:cNvPr id="1208" name="그림 48"/>
+          <p:cNvPr id="1208" name="그림 48" descr="C:/Users/Admin1/AppData/Roaming/PolarisOffice/ETemp/19344_21804320/fImage213922146962.png"/>
           <p:cNvPicPr>
             <a:picLocks noChangeAspect="1"/>
           </p:cNvPicPr>
           <p:nvPr/>
         </p:nvPicPr>
         <p:blipFill rotWithShape="1">
-          <a:blip r:embed="rId4" cstate="print">
+          <a:blip r:embed="rId4" cstate="hqprint">
             <a:extLst>
               <a:ext uri="{28A0092B-C50C-407E-A947-70E740481C1C}">
-                <a14:useLocalDpi xmlns:a14="http://schemas.microsoft.com/office/drawing/2010/main" val="0"/>
+                <a14:useLocalDpi xmlns:a14="http://schemas.microsoft.com/office/drawing/2010/main"/>
               </a:ext>
             </a:extLst>
           </a:blip>
@@ -11843,8 +11993,8 @@
         </p:blipFill>
         <p:spPr>
           <a:xfrm rot="0">
-            <a:off x="6815455" y="1256030"/>
-            <a:ext cx="4202430" cy="2025015"/>
+            <a:off x="6816725" y="1256030"/>
+            <a:ext cx="4201795" cy="2025650"/>
           </a:xfrm>
           <a:prstGeom prst="roundRect"/>
           <a:solidFill>
@@ -11854,17 +12004,17 @@
       </p:pic>
       <p:pic>
         <p:nvPicPr>
-          <p:cNvPr id="1209" name="그림 51"/>
+          <p:cNvPr id="1209" name="그림 51" descr="C:/Users/Admin1/AppData/Roaming/PolarisOffice/ETemp/19344_21804320/fImage136862154464.png"/>
           <p:cNvPicPr>
             <a:picLocks noChangeAspect="1"/>
           </p:cNvPicPr>
           <p:nvPr/>
         </p:nvPicPr>
         <p:blipFill rotWithShape="1">
-          <a:blip r:embed="rId5" cstate="print">
+          <a:blip r:embed="rId5" cstate="hqprint">
             <a:extLst>
               <a:ext uri="{28A0092B-C50C-407E-A947-70E740481C1C}">
-                <a14:useLocalDpi xmlns:a14="http://schemas.microsoft.com/office/drawing/2010/main" val="0"/>
+                <a14:useLocalDpi xmlns:a14="http://schemas.microsoft.com/office/drawing/2010/main"/>
               </a:ext>
             </a:extLst>
           </a:blip>
@@ -11875,7 +12025,7 @@
         <p:spPr>
           <a:xfrm rot="0">
             <a:off x="6803390" y="3544570"/>
-            <a:ext cx="4203700" cy="996315"/>
+            <a:ext cx="4204335" cy="961390"/>
           </a:xfrm>
           <a:prstGeom prst="roundRect"/>
           <a:solidFill>
@@ -11981,7 +12131,7 @@
       </p:cxnSp>
       <p:pic>
         <p:nvPicPr>
-          <p:cNvPr id="1214" name="그림 11" descr="C:/Users/Admin1/AppData/Roaming/PolarisOffice/ETemp/20124_21682544/fImage74722006500.png"/>
+          <p:cNvPr id="1214" name="그림 11"/>
           <p:cNvPicPr>
             <a:picLocks noChangeAspect="1"/>
           </p:cNvPicPr>
@@ -12144,7 +12294,7 @@
       </p:sp>
       <p:sp>
         <p:nvSpPr>
-          <p:cNvPr id="1198" name="Rect 0"/>
+          <p:cNvPr id="1216" name="Rect 0"/>
           <p:cNvSpPr txBox="1">
             <a:spLocks/>
           </p:cNvSpPr>
@@ -12152,8 +12302,8 @@
         </p:nvSpPr>
         <p:spPr>
           <a:xfrm rot="0">
-            <a:off x="1219835" y="2821940"/>
-            <a:ext cx="4126230" cy="923925"/>
+            <a:off x="6808470" y="3856990"/>
+            <a:ext cx="4140835" cy="2585085"/>
           </a:xfrm>
           <a:prstGeom prst="rect"/>
           <a:noFill/>
@@ -12180,17 +12330,7 @@
                 <a:latin typeface="맑은 고딕" charset="0"/>
                 <a:ea typeface="맑은 고딕" charset="0"/>
               </a:rPr>
-              <a:t>1</a:t>
-            </a:r>
-            <a:r>
-              <a:rPr lang="ko-KR" sz="1800" b="1">
-                <a:solidFill>
-                  <a:srgbClr val="0611F2"/>
-                </a:solidFill>
-                <a:latin typeface="맑은 고딕" charset="0"/>
-                <a:ea typeface="맑은 고딕" charset="0"/>
-              </a:rPr>
-              <a:t>6</a:t>
+              <a:t>20</a:t>
             </a:r>
             <a:r>
               <a:rPr sz="1800" b="1">
@@ -12214,103 +12354,46 @@
                 <a:latin typeface="맑은 고딕" charset="0"/>
                 <a:ea typeface="맑은 고딕" charset="0"/>
               </a:rPr>
-              <a:t>그다음 SoundManager 스크립트에서 AudioClip을 배열로 설정</a:t>
+              <a:t>그런 다음</a:t>
             </a:r>
             <a:r>
               <a:rPr lang="ko-KR" sz="1800">
                 <a:latin typeface="맑은 고딕" charset="0"/>
                 <a:ea typeface="맑은 고딕" charset="0"/>
               </a:rPr>
-              <a:t>합니다.</a:t>
+              <a:t> SoundCall(int) 함수를 선언하고 오디오 소스의 PlayOneShot 함수에 오디오 클립의 인덱</a:t>
+            </a:r>
+            <a:r>
+              <a:rPr lang="ko-KR" sz="1800">
+                <a:latin typeface="맑은 고딕" charset="0"/>
+                <a:ea typeface="맑은 고딕" charset="0"/>
+              </a:rPr>
+              <a:t>스로</a:t>
+            </a:r>
+            <a:r>
+              <a:rPr lang="ko-KR" sz="1800">
+                <a:latin typeface="맑은 고딕" charset="0"/>
+                <a:ea typeface="맑은 고딕" charset="0"/>
+              </a:rPr>
+              <a:t> 매개변수를 </a:t>
+            </a:r>
+            <a:r>
+              <a:rPr lang="ko-KR" sz="1800">
+                <a:latin typeface="맑은 고딕" charset="0"/>
+                <a:ea typeface="맑은 고딕" charset="0"/>
+              </a:rPr>
+              <a:t>넣어줍니다.</a:t>
             </a:r>
             <a:endParaRPr lang="ko-KR" altLang="en-US" sz="1800">
               <a:latin typeface="맑은 고딕" charset="0"/>
               <a:ea typeface="맑은 고딕" charset="0"/>
             </a:endParaRPr>
           </a:p>
-        </p:txBody>
-      </p:sp>
-      <p:sp>
-        <p:nvSpPr>
-          <p:cNvPr id="1216" name="Rect 0"/>
-          <p:cNvSpPr txBox="1">
-            <a:spLocks/>
-          </p:cNvSpPr>
-          <p:nvPr/>
-        </p:nvSpPr>
-        <p:spPr>
-          <a:xfrm rot="0">
-            <a:off x="6819265" y="4139565"/>
-            <a:ext cx="4129405" cy="2308225"/>
-          </a:xfrm>
-          <a:prstGeom prst="rect"/>
-          <a:noFill/>
-          <a:ln w="0">
-            <a:noFill/>
-            <a:prstDash/>
-          </a:ln>
-        </p:spPr>
-        <p:txBody>
-          <a:bodyPr wrap="square" lIns="89535" tIns="46355" rIns="89535" bIns="46355" numCol="1" vert="horz" anchor="t">
-            <a:spAutoFit/>
-          </a:bodyPr>
-          <a:lstStyle/>
           <a:p>
             <a:pPr marL="0" indent="0" rtl="0" algn="l" defTabSz="914400" eaLnBrk="1" latinLnBrk="0" hangingPunct="1">
               <a:buFontTx/>
               <a:buNone/>
             </a:pPr>
-            <a:r>
-              <a:rPr sz="1800" b="1">
-                <a:solidFill>
-                  <a:srgbClr val="0611F2"/>
-                </a:solidFill>
-                <a:latin typeface="맑은 고딕" charset="0"/>
-                <a:ea typeface="맑은 고딕" charset="0"/>
-              </a:rPr>
-              <a:t>1</a:t>
-            </a:r>
-            <a:r>
-              <a:rPr lang="ko-KR" sz="1800" b="1">
-                <a:solidFill>
-                  <a:srgbClr val="0611F2"/>
-                </a:solidFill>
-                <a:latin typeface="맑은 고딕" charset="0"/>
-                <a:ea typeface="맑은 고딕" charset="0"/>
-              </a:rPr>
-              <a:t>7</a:t>
-            </a:r>
-            <a:r>
-              <a:rPr sz="1800" b="1">
-                <a:solidFill>
-                  <a:srgbClr val="0611F2"/>
-                </a:solidFill>
-                <a:latin typeface="맑은 고딕" charset="0"/>
-                <a:ea typeface="맑은 고딕" charset="0"/>
-              </a:rPr>
-              <a:t>.</a:t>
-            </a:r>
-            <a:r>
-              <a:rPr sz="1800">
-                <a:latin typeface="맑은 고딕" charset="0"/>
-                <a:ea typeface="맑은 고딕" charset="0"/>
-              </a:rPr>
-              <a:t> </a:t>
-            </a:r>
-            <a:r>
-              <a:rPr lang="ko-KR" sz="1800">
-                <a:latin typeface="맑은 고딕" charset="0"/>
-                <a:ea typeface="맑은 고딕" charset="0"/>
-              </a:rPr>
-              <a:t>이제 </a:t>
-            </a:r>
-            <a:r>
-              <a:rPr lang="ko-KR" sz="1800">
-                <a:latin typeface="맑은 고딕" charset="0"/>
-                <a:ea typeface="맑은 고딕" charset="0"/>
-              </a:rPr>
-              <a:t>SoundCall(int) 함수를 선언하고 오디오 소스의 PlayOneShot 함수에 오디오 클립의 인덱스에 매개변수를 선언합니다.</a:t>
-            </a:r>
             <a:endParaRPr lang="ko-KR" altLang="en-US" sz="1800">
               <a:latin typeface="맑은 고딕" charset="0"/>
               <a:ea typeface="맑은 고딕" charset="0"/>
@@ -12321,78 +12404,51 @@
               <a:buFontTx/>
               <a:buNone/>
             </a:pPr>
+            <a:r>
+              <a:rPr lang="ko-KR" sz="1800">
+                <a:latin typeface="맑은 고딕" charset="0"/>
+                <a:ea typeface="맑은 고딕" charset="0"/>
+              </a:rPr>
+              <a:t>그리고 </a:t>
+            </a:r>
+            <a:r>
+              <a:rPr lang="ko-KR" sz="1800">
+                <a:latin typeface="맑은 고딕" charset="0"/>
+                <a:ea typeface="맑은 고딕" charset="0"/>
+              </a:rPr>
+              <a:t>Volume(float) 함수를 생성하고 매개변수에 float 변수로 오디오 소스의 볼륨 값</a:t>
+            </a:r>
+            <a:r>
+              <a:rPr lang="ko-KR" sz="1800">
+                <a:latin typeface="맑은 고딕" charset="0"/>
+                <a:ea typeface="맑은 고딕" charset="0"/>
+              </a:rPr>
+              <a:t>이</a:t>
+            </a:r>
+            <a:r>
+              <a:rPr lang="ko-KR" sz="1800">
+                <a:latin typeface="맑은 고딕" charset="0"/>
+                <a:ea typeface="맑은 고딕" charset="0"/>
+              </a:rPr>
+              <a:t> 설정</a:t>
+            </a:r>
+            <a:r>
+              <a:rPr lang="ko-KR" sz="1800">
+                <a:latin typeface="맑은 고딕" charset="0"/>
+                <a:ea typeface="맑은 고딕" charset="0"/>
+              </a:rPr>
+              <a:t>될 수 있도록 선언합니다.</a:t>
+            </a:r>
             <a:endParaRPr lang="ko-KR" altLang="en-US" sz="1800">
               <a:latin typeface="맑은 고딕" charset="0"/>
               <a:ea typeface="맑은 고딕" charset="0"/>
             </a:endParaRPr>
           </a:p>
-          <a:p>
-            <a:pPr marL="0" indent="0" rtl="0" algn="l" defTabSz="914400" eaLnBrk="1" latinLnBrk="0" hangingPunct="1">
-              <a:buFontTx/>
-              <a:buNone/>
-            </a:pPr>
-            <a:r>
-              <a:rPr lang="ko-KR" sz="1800">
-                <a:latin typeface="맑은 고딕" charset="0"/>
-                <a:ea typeface="맑은 고딕" charset="0"/>
-              </a:rPr>
-              <a:t>Volume(</a:t>
-            </a:r>
-            <a:r>
-              <a:rPr lang="ko-KR" sz="1800">
-                <a:latin typeface="맑은 고딕" charset="0"/>
-                <a:ea typeface="맑은 고딕" charset="0"/>
-              </a:rPr>
-              <a:t>float</a:t>
-            </a:r>
-            <a:r>
-              <a:rPr lang="ko-KR" sz="1800">
-                <a:latin typeface="맑은 고딕" charset="0"/>
-                <a:ea typeface="맑은 고딕" charset="0"/>
-              </a:rPr>
-              <a:t>) 함수를 생성하고 매개변수에 float 변수로 오디오 소스의 볼륨 값으로 설정합니다.</a:t>
-            </a:r>
-            <a:endParaRPr lang="ko-KR" altLang="en-US" sz="1800">
-              <a:latin typeface="맑은 고딕" charset="0"/>
-              <a:ea typeface="맑은 고딕" charset="0"/>
-            </a:endParaRPr>
-          </a:p>
         </p:txBody>
       </p:sp>
       <p:pic>
         <p:nvPicPr>
-          <p:cNvPr id="1217" name="그림 28"/>
-          <p:cNvPicPr>
-            <a:picLocks noChangeAspect="1"/>
-          </p:cNvPicPr>
-          <p:nvPr/>
-        </p:nvPicPr>
-        <p:blipFill rotWithShape="1">
-          <a:blip r:embed="rId6" cstate="print">
-            <a:extLst>
-              <a:ext uri="{28A0092B-C50C-407E-A947-70E740481C1C}">
-                <a14:useLocalDpi xmlns:a14="http://schemas.microsoft.com/office/drawing/2010/main" val="0"/>
-              </a:ext>
-            </a:extLst>
-          </a:blip>
-          <a:stretch>
-            <a:fillRect/>
-          </a:stretch>
-        </p:blipFill>
-        <p:spPr>
-          <a:xfrm rot="0">
-            <a:off x="1222375" y="1434465"/>
-            <a:ext cx="4123690" cy="1242695"/>
-          </a:xfrm>
-          <a:prstGeom prst="roundRect"/>
-          <a:solidFill>
-            <a:srgbClr val="EDEDED"/>
-          </a:solidFill>
-        </p:spPr>
-      </p:pic>
-      <p:pic>
-        <p:nvPicPr>
-          <p:cNvPr id="1218" name="그림 38" descr="C:/Users/Admin1/AppData/Roaming/PolarisOffice/ETemp/20124_21682544/fImage278162061478.png"/>
+          <p:cNvPr id="1218" name="그림 38" descr="C:/Users/Admin1/AppData/Roaming/PolarisOffice/ETemp/19344_21804320/fImage278162061478.png"/>
           <p:cNvPicPr>
             <a:picLocks noChangeAspect="1"/>
           </p:cNvPicPr>
@@ -12412,8 +12468,8 @@
         </p:blipFill>
         <p:spPr>
           <a:xfrm rot="0">
-            <a:off x="6816725" y="1430020"/>
-            <a:ext cx="4132580" cy="2544445"/>
+            <a:off x="6816725" y="1355090"/>
+            <a:ext cx="4133215" cy="2336800"/>
           </a:xfrm>
           <a:prstGeom prst="roundRect"/>
           <a:solidFill>
@@ -12421,6 +12477,324 @@
           </a:solidFill>
         </p:spPr>
       </p:pic>
+      <p:pic>
+        <p:nvPicPr>
+          <p:cNvPr id="1219" name="그림 14" descr="C:/Users/Admin1/AppData/Roaming/PolarisOffice/ETemp/19344_21804320/fImage188971996334.png"/>
+          <p:cNvPicPr>
+            <a:picLocks noChangeAspect="1"/>
+          </p:cNvPicPr>
+          <p:nvPr/>
+        </p:nvPicPr>
+        <p:blipFill rotWithShape="1">
+          <a:blip r:embed="rId8" cstate="print">
+            <a:extLst>
+              <a:ext uri="{28A0092B-C50C-407E-A947-70E740481C1C}">
+                <a14:useLocalDpi xmlns:a14="http://schemas.microsoft.com/office/drawing/2010/main" val="0"/>
+              </a:ext>
+            </a:extLst>
+          </a:blip>
+          <a:stretch>
+            <a:fillRect/>
+          </a:stretch>
+        </p:blipFill>
+        <p:spPr>
+          <a:xfrm rot="0">
+            <a:off x="2452370" y="1346835"/>
+            <a:ext cx="2918460" cy="1388745"/>
+          </a:xfrm>
+          <a:prstGeom prst="roundRect"/>
+          <a:solidFill>
+            <a:srgbClr val="EDEDED"/>
+          </a:solidFill>
+        </p:spPr>
+      </p:pic>
+      <p:pic>
+        <p:nvPicPr>
+          <p:cNvPr id="1220" name="그림 17" descr="C:/Users/Admin1/AppData/Roaming/PolarisOffice/ETemp/19344_21804320/fImage67852006500.png"/>
+          <p:cNvPicPr>
+            <a:picLocks noChangeAspect="1"/>
+          </p:cNvPicPr>
+          <p:nvPr/>
+        </p:nvPicPr>
+        <p:blipFill rotWithShape="1">
+          <a:blip r:embed="rId9" cstate="print">
+            <a:extLst>
+              <a:ext uri="{28A0092B-C50C-407E-A947-70E740481C1C}">
+                <a14:useLocalDpi xmlns:a14="http://schemas.microsoft.com/office/drawing/2010/main" val="0"/>
+              </a:ext>
+            </a:extLst>
+          </a:blip>
+          <a:stretch>
+            <a:fillRect/>
+          </a:stretch>
+        </p:blipFill>
+        <p:spPr>
+          <a:xfrm rot="0">
+            <a:off x="1238885" y="1339215"/>
+            <a:ext cx="1130935" cy="1403350"/>
+          </a:xfrm>
+          <a:prstGeom prst="roundRect"/>
+          <a:solidFill>
+            <a:srgbClr val="EDEDED"/>
+          </a:solidFill>
+        </p:spPr>
+      </p:pic>
+      <p:sp>
+        <p:nvSpPr>
+          <p:cNvPr id="1221" name="텍스트 상자 20"/>
+          <p:cNvSpPr txBox="1">
+            <a:spLocks/>
+          </p:cNvSpPr>
+          <p:nvPr/>
+        </p:nvSpPr>
+        <p:spPr>
+          <a:xfrm rot="0">
+            <a:off x="1229995" y="2806700"/>
+            <a:ext cx="4138295" cy="1200785"/>
+          </a:xfrm>
+          <a:prstGeom prst="rect"/>
+          <a:noFill/>
+          <a:ln w="0">
+            <a:noFill/>
+            <a:prstDash/>
+          </a:ln>
+        </p:spPr>
+        <p:txBody>
+          <a:bodyPr wrap="square" lIns="89535" tIns="46355" rIns="89535" bIns="46355" numCol="1" vert="horz" anchor="t">
+            <a:spAutoFit/>
+          </a:bodyPr>
+          <a:lstStyle/>
+          <a:p>
+            <a:pPr marL="0" indent="0" rtl="0" algn="l" defTabSz="914400" eaLnBrk="1" latinLnBrk="0" hangingPunct="1">
+              <a:buFontTx/>
+              <a:buNone/>
+            </a:pPr>
+            <a:r>
+              <a:rPr sz="1800" b="1">
+                <a:solidFill>
+                  <a:srgbClr val="0611F2"/>
+                </a:solidFill>
+                <a:latin typeface="맑은 고딕" charset="0"/>
+                <a:ea typeface="맑은 고딕" charset="0"/>
+              </a:rPr>
+              <a:t>1</a:t>
+            </a:r>
+            <a:r>
+              <a:rPr lang="ko-KR" sz="1800" b="1">
+                <a:solidFill>
+                  <a:srgbClr val="0611F2"/>
+                </a:solidFill>
+                <a:latin typeface="맑은 고딕" charset="0"/>
+                <a:ea typeface="맑은 고딕" charset="0"/>
+              </a:rPr>
+              <a:t>8</a:t>
+            </a:r>
+            <a:r>
+              <a:rPr sz="1800" b="1">
+                <a:solidFill>
+                  <a:srgbClr val="0611F2"/>
+                </a:solidFill>
+                <a:latin typeface="맑은 고딕" charset="0"/>
+                <a:ea typeface="맑은 고딕" charset="0"/>
+              </a:rPr>
+              <a:t>.</a:t>
+            </a:r>
+            <a:r>
+              <a:rPr sz="1800">
+                <a:latin typeface="맑은 고딕" charset="0"/>
+                <a:ea typeface="맑은 고딕" charset="0"/>
+              </a:rPr>
+              <a:t> </a:t>
+            </a:r>
+            <a:r>
+              <a:rPr lang="ko-KR" sz="1800">
+                <a:latin typeface="맑은 고딕" charset="0"/>
+                <a:ea typeface="맑은 고딕" charset="0"/>
+              </a:rPr>
+              <a:t>이제 Sou</a:t>
+            </a:r>
+            <a:r>
+              <a:rPr lang="ko-KR" sz="1800">
+                <a:latin typeface="맑은 고딕" charset="0"/>
+                <a:ea typeface="맑은 고딕" charset="0"/>
+              </a:rPr>
+              <a:t>nd Manager 오브젝트의 AudioSource 변수에 Sound Box 오브젝트와 Sound Manager 오브젝트를 넣어줍니다.</a:t>
+            </a:r>
+            <a:endParaRPr lang="ko-KR" altLang="en-US" sz="1800">
+              <a:latin typeface="맑은 고딕" charset="0"/>
+              <a:ea typeface="맑은 고딕" charset="0"/>
+            </a:endParaRPr>
+          </a:p>
+        </p:txBody>
+      </p:sp>
+      <p:cxnSp>
+        <p:nvCxnSpPr>
+          <p:cNvPr id="1222" name="도형 22"/>
+          <p:cNvCxnSpPr/>
+          <p:nvPr/>
+        </p:nvCxnSpPr>
+        <p:spPr>
+          <a:xfrm rot="0">
+            <a:off x="2103120" y="1936750"/>
+            <a:ext cx="3176270" cy="541020"/>
+          </a:xfrm>
+          <a:prstGeom prst="straightConnector1"/>
+          <a:ln w="6350" cap="flat" cmpd="sng">
+            <a:prstDash/>
+            <a:headEnd type="none" w="med" len="med"/>
+            <a:tailEnd type="triangle" w="med" len="med"/>
+          </a:ln>
+        </p:spPr>
+        <p:style>
+          <a:lnRef idx="1">
+            <a:schemeClr val="accent1"/>
+          </a:lnRef>
+          <a:fillRef idx="0">
+            <a:schemeClr val="accent1"/>
+          </a:fillRef>
+          <a:effectRef idx="0">
+            <a:schemeClr val="accent1"/>
+          </a:effectRef>
+          <a:fontRef idx="minor">
+            <a:schemeClr val="tx1"/>
+          </a:fontRef>
+        </p:style>
+      </p:cxnSp>
+      <p:cxnSp>
+        <p:nvCxnSpPr>
+          <p:cNvPr id="1223" name="도형 23"/>
+          <p:cNvCxnSpPr/>
+          <p:nvPr/>
+        </p:nvCxnSpPr>
+        <p:spPr>
+          <a:xfrm rot="0">
+            <a:off x="2319655" y="2136140"/>
+            <a:ext cx="2951480" cy="474980"/>
+          </a:xfrm>
+          <a:prstGeom prst="straightConnector1"/>
+          <a:ln w="6350" cap="flat" cmpd="sng">
+            <a:prstDash/>
+            <a:headEnd type="none" w="med" len="med"/>
+            <a:tailEnd type="triangle" w="med" len="med"/>
+          </a:ln>
+        </p:spPr>
+        <p:style>
+          <a:lnRef idx="1">
+            <a:schemeClr val="accent1"/>
+          </a:lnRef>
+          <a:fillRef idx="0">
+            <a:schemeClr val="accent1"/>
+          </a:fillRef>
+          <a:effectRef idx="0">
+            <a:schemeClr val="accent1"/>
+          </a:effectRef>
+          <a:fontRef idx="minor">
+            <a:schemeClr val="tx1"/>
+          </a:fontRef>
+        </p:style>
+      </p:cxnSp>
+      <p:pic>
+        <p:nvPicPr>
+          <p:cNvPr id="1224" name="그림 24" descr="C:/Users/Admin1/AppData/Roaming/PolarisOffice/ETemp/19344_21804320/fImage118112059169.png"/>
+          <p:cNvPicPr>
+            <a:picLocks noChangeAspect="1"/>
+          </p:cNvPicPr>
+          <p:nvPr/>
+        </p:nvPicPr>
+        <p:blipFill rotWithShape="1">
+          <a:blip r:embed="rId10" cstate="print">
+            <a:extLst>
+              <a:ext uri="{28A0092B-C50C-407E-A947-70E740481C1C}">
+                <a14:useLocalDpi xmlns:a14="http://schemas.microsoft.com/office/drawing/2010/main" val="0"/>
+              </a:ext>
+            </a:extLst>
+          </a:blip>
+          <a:stretch>
+            <a:fillRect/>
+          </a:stretch>
+        </p:blipFill>
+        <p:spPr>
+          <a:xfrm rot="0">
+            <a:off x="1231265" y="4090670"/>
+            <a:ext cx="4139565" cy="1379855"/>
+          </a:xfrm>
+          <a:prstGeom prst="roundRect"/>
+          <a:solidFill>
+            <a:srgbClr val="EDEDED"/>
+          </a:solidFill>
+        </p:spPr>
+      </p:pic>
+      <p:sp>
+        <p:nvSpPr>
+          <p:cNvPr id="1225" name="텍스트 상자 27"/>
+          <p:cNvSpPr txBox="1">
+            <a:spLocks/>
+          </p:cNvSpPr>
+          <p:nvPr/>
+        </p:nvSpPr>
+        <p:spPr>
+          <a:xfrm rot="0">
+            <a:off x="1243330" y="5529580"/>
+            <a:ext cx="4130040" cy="923925"/>
+          </a:xfrm>
+          <a:prstGeom prst="rect"/>
+          <a:noFill/>
+          <a:ln w="0">
+            <a:noFill/>
+            <a:prstDash/>
+          </a:ln>
+        </p:spPr>
+        <p:txBody>
+          <a:bodyPr wrap="square" lIns="89535" tIns="46355" rIns="89535" bIns="46355" numCol="1" vert="horz" anchor="t">
+            <a:spAutoFit/>
+          </a:bodyPr>
+          <a:lstStyle/>
+          <a:p>
+            <a:pPr marL="0" indent="0" rtl="0" algn="l" defTabSz="914400" eaLnBrk="1" latinLnBrk="0" hangingPunct="1">
+              <a:buFontTx/>
+              <a:buNone/>
+            </a:pPr>
+            <a:r>
+              <a:rPr lang="ko-KR" sz="1800" b="1">
+                <a:solidFill>
+                  <a:srgbClr val="0611F2"/>
+                </a:solidFill>
+                <a:latin typeface="맑은 고딕" charset="0"/>
+                <a:ea typeface="맑은 고딕" charset="0"/>
+              </a:rPr>
+              <a:t>19</a:t>
+            </a:r>
+            <a:r>
+              <a:rPr sz="1800" b="1">
+                <a:solidFill>
+                  <a:srgbClr val="0611F2"/>
+                </a:solidFill>
+                <a:latin typeface="맑은 고딕" charset="0"/>
+                <a:ea typeface="맑은 고딕" charset="0"/>
+              </a:rPr>
+              <a:t>.</a:t>
+            </a:r>
+            <a:r>
+              <a:rPr sz="1800">
+                <a:latin typeface="맑은 고딕" charset="0"/>
+                <a:ea typeface="맑은 고딕" charset="0"/>
+              </a:rPr>
+              <a:t> </a:t>
+            </a:r>
+            <a:r>
+              <a:rPr lang="ko-KR" sz="1800">
+                <a:latin typeface="맑은 고딕" charset="0"/>
+                <a:ea typeface="맑은 고딕" charset="0"/>
+              </a:rPr>
+              <a:t>그러고 나서 Sound Manager 오브젝트의 위치와 회전 값을 초기화합니다.</a:t>
+            </a:r>
+            <a:endParaRPr lang="ko-KR" altLang="en-US" sz="1800">
+              <a:latin typeface="맑은 고딕" charset="0"/>
+              <a:ea typeface="맑은 고딕" charset="0"/>
+            </a:endParaRPr>
+          </a:p>
+        </p:txBody>
+      </p:sp>
     </p:spTree>
   </p:cSld>
   <p:clrMapOvr>
@@ -12531,8 +12905,8 @@
         </p:nvSpPr>
         <p:spPr>
           <a:xfrm rot="0">
-            <a:off x="1212850" y="2642870"/>
-            <a:ext cx="4147820" cy="1477645"/>
+            <a:off x="1212850" y="2693035"/>
+            <a:ext cx="4148455" cy="1200785"/>
           </a:xfrm>
           <a:prstGeom prst="rect"/>
           <a:noFill/>
@@ -12559,17 +12933,7 @@
                 <a:latin typeface="맑은 고딕" charset="0"/>
                 <a:ea typeface="맑은 고딕" charset="0"/>
               </a:rPr>
-              <a:t>1</a:t>
-            </a:r>
-            <a:r>
-              <a:rPr lang="ko-KR" sz="1800" b="1">
-                <a:solidFill>
-                  <a:srgbClr val="0611F2"/>
-                </a:solidFill>
-                <a:latin typeface="맑은 고딕" charset="0"/>
-                <a:ea typeface="맑은 고딕" charset="0"/>
-              </a:rPr>
-              <a:t>8</a:t>
+              <a:t>21</a:t>
             </a:r>
             <a:r>
               <a:rPr sz="1800" b="1">
@@ -12593,55 +12957,84 @@
                 <a:latin typeface="맑은 고딕" charset="0"/>
                 <a:ea typeface="맑은 고딕" charset="0"/>
               </a:rPr>
-              <a:t>그다음 Project 폴더에서 Texture에 Noodle 스프라이트 이미지를 선택합니다.</a:t>
+              <a:t>그다음</a:t>
+            </a:r>
+            <a:r>
+              <a:rPr lang="ko-KR" sz="1800">
+                <a:latin typeface="맑은 고딕" charset="0"/>
+                <a:ea typeface="맑은 고딕" charset="0"/>
+              </a:rPr>
+              <a:t>으로</a:t>
+            </a:r>
+            <a:r>
+              <a:rPr lang="ko-KR" sz="1800">
+                <a:latin typeface="맑은 고딕" charset="0"/>
+                <a:ea typeface="맑은 고딕" charset="0"/>
+              </a:rPr>
+              <a:t> Project 폴더에서 Texture</a:t>
+            </a:r>
+            <a:r>
+              <a:rPr lang="ko-KR" sz="1800">
+                <a:latin typeface="맑은 고딕" charset="0"/>
+                <a:ea typeface="맑은 고딕" charset="0"/>
+              </a:rPr>
+              <a:t> 폴더</a:t>
+            </a:r>
+            <a:r>
+              <a:rPr lang="ko-KR" sz="1800">
+                <a:latin typeface="맑은 고딕" charset="0"/>
+                <a:ea typeface="맑은 고딕" charset="0"/>
+              </a:rPr>
+              <a:t>에 </a:t>
+            </a:r>
+            <a:r>
+              <a:rPr lang="ko-KR" sz="1800">
+                <a:latin typeface="맑은 고딕" charset="0"/>
+                <a:ea typeface="맑은 고딕" charset="0"/>
+              </a:rPr>
+              <a:t>있는 </a:t>
+            </a:r>
+            <a:r>
+              <a:rPr lang="ko-KR" sz="1800">
+                <a:latin typeface="맑은 고딕" charset="0"/>
+                <a:ea typeface="맑은 고딕" charset="0"/>
+              </a:rPr>
+              <a:t>Noodle 스프라이트 이미지를 선택</a:t>
+            </a:r>
+            <a:r>
+              <a:rPr lang="ko-KR" sz="1800">
+                <a:latin typeface="맑은 고딕" charset="0"/>
+                <a:ea typeface="맑은 고딕" charset="0"/>
+              </a:rPr>
+              <a:t>하고</a:t>
+            </a:r>
+            <a:r>
+              <a:rPr lang="ko-KR" sz="1800">
+                <a:latin typeface="맑은 고딕" charset="0"/>
+                <a:ea typeface="맑은 고딕" charset="0"/>
+              </a:rPr>
+              <a:t> Handle 오브젝트에 넣어줍니다.</a:t>
             </a:r>
             <a:endParaRPr lang="ko-KR" altLang="en-US" sz="1800">
               <a:latin typeface="맑은 고딕" charset="0"/>
               <a:ea typeface="맑은 고딕" charset="0"/>
             </a:endParaRPr>
           </a:p>
-          <a:p>
-            <a:pPr marL="0" indent="0" rtl="0" algn="l" defTabSz="914400" eaLnBrk="1" latinLnBrk="0" hangingPunct="1">
-              <a:buFontTx/>
-              <a:buNone/>
-            </a:pPr>
-            <a:endParaRPr lang="ko-KR" altLang="en-US" sz="1800">
-              <a:latin typeface="맑은 고딕" charset="0"/>
-              <a:ea typeface="맑은 고딕" charset="0"/>
-            </a:endParaRPr>
-          </a:p>
-          <a:p>
-            <a:pPr marL="0" indent="0" rtl="0" algn="l" defTabSz="914400" eaLnBrk="1" latinLnBrk="0" hangingPunct="1">
-              <a:buFontTx/>
-              <a:buNone/>
-            </a:pPr>
-            <a:r>
-              <a:rPr lang="ko-KR" sz="1800">
-                <a:latin typeface="맑은 고딕" charset="0"/>
-                <a:ea typeface="맑은 고딕" charset="0"/>
-              </a:rPr>
-              <a:t>그리고 Handle 오브젝트에 넣어줍니다.</a:t>
-            </a:r>
-            <a:endParaRPr lang="ko-KR" altLang="en-US" sz="1800">
-              <a:latin typeface="맑은 고딕" charset="0"/>
-              <a:ea typeface="맑은 고딕" charset="0"/>
-            </a:endParaRPr>
-          </a:p>
         </p:txBody>
       </p:sp>
       <p:pic>
         <p:nvPicPr>
-          <p:cNvPr id="1217" name="그림 1"/>
+          <p:cNvPr id="1218" name="그림 4" descr="C:/Users/Admin1/AppData/Roaming/PolarisOffice/ETemp/19344_21804320/fImage276392248467.png"/>
           <p:cNvPicPr>
             <a:picLocks noChangeAspect="1"/>
           </p:cNvPicPr>
           <p:nvPr/>
         </p:nvPicPr>
         <p:blipFill rotWithShape="1">
-          <a:blip r:embed="rId2" cstate="print">
+          <a:blip r:embed="rId3" cstate="hqprint">
             <a:extLst>
               <a:ext uri="{28A0092B-C50C-407E-A947-70E740481C1C}">
-                <a14:useLocalDpi xmlns:a14="http://schemas.microsoft.com/office/drawing/2010/main" val="0"/>
+                <a14:useLocalDpi xmlns:a14="http://schemas.microsoft.com/office/drawing/2010/main"/>
               </a:ext>
             </a:extLst>
           </a:blip>
@@ -12651,8 +13044,8 @@
         </p:blipFill>
         <p:spPr>
           <a:xfrm rot="0">
-            <a:off x="1213485" y="1271905"/>
-            <a:ext cx="1294130" cy="1207135"/>
+            <a:off x="2648585" y="1271905"/>
+            <a:ext cx="2710815" cy="1322070"/>
           </a:xfrm>
           <a:prstGeom prst="roundRect"/>
           <a:solidFill>
@@ -12662,17 +13055,17 @@
       </p:pic>
       <p:pic>
         <p:nvPicPr>
-          <p:cNvPr id="1218" name="그림 4"/>
+          <p:cNvPr id="1219" name="그림 7" descr="C:/Users/Admin1/AppData/Roaming/PolarisOffice/ETemp/19344_21804320/fImage75182256334.png"/>
           <p:cNvPicPr>
             <a:picLocks noChangeAspect="1"/>
           </p:cNvPicPr>
           <p:nvPr/>
         </p:nvPicPr>
         <p:blipFill rotWithShape="1">
-          <a:blip r:embed="rId3" cstate="print">
+          <a:blip r:embed="rId4" cstate="hqprint">
             <a:extLst>
               <a:ext uri="{28A0092B-C50C-407E-A947-70E740481C1C}">
-                <a14:useLocalDpi xmlns:a14="http://schemas.microsoft.com/office/drawing/2010/main" val="0"/>
+                <a14:useLocalDpi xmlns:a14="http://schemas.microsoft.com/office/drawing/2010/main"/>
               </a:ext>
             </a:extLst>
           </a:blip>
@@ -12682,8 +13075,8 @@
         </p:blipFill>
         <p:spPr>
           <a:xfrm rot="0">
-            <a:off x="2648585" y="1271905"/>
-            <a:ext cx="2710180" cy="1216025"/>
+            <a:off x="1211580" y="4006850"/>
+            <a:ext cx="4137660" cy="1122680"/>
           </a:xfrm>
           <a:prstGeom prst="roundRect"/>
           <a:solidFill>
@@ -12691,37 +13084,6 @@
           </a:solidFill>
         </p:spPr>
       </p:pic>
-      <p:pic>
-        <p:nvPicPr>
-          <p:cNvPr id="1219" name="그림 7"/>
-          <p:cNvPicPr>
-            <a:picLocks noChangeAspect="1"/>
-          </p:cNvPicPr>
-          <p:nvPr/>
-        </p:nvPicPr>
-        <p:blipFill rotWithShape="1">
-          <a:blip r:embed="rId4" cstate="print">
-            <a:extLst>
-              <a:ext uri="{28A0092B-C50C-407E-A947-70E740481C1C}">
-                <a14:useLocalDpi xmlns:a14="http://schemas.microsoft.com/office/drawing/2010/main" val="0"/>
-              </a:ext>
-            </a:extLst>
-          </a:blip>
-          <a:stretch>
-            <a:fillRect/>
-          </a:stretch>
-        </p:blipFill>
-        <p:spPr>
-          <a:xfrm rot="0">
-            <a:off x="1211580" y="4239260"/>
-            <a:ext cx="4137025" cy="906780"/>
-          </a:xfrm>
-          <a:prstGeom prst="roundRect"/>
-          <a:solidFill>
-            <a:srgbClr val="EDEDED"/>
-          </a:solidFill>
-        </p:spPr>
-      </p:pic>
       <p:sp>
         <p:nvSpPr>
           <p:cNvPr id="1220" name="텍스트 상자 10"/>
@@ -12731,9 +13093,9 @@
           <p:nvPr/>
         </p:nvSpPr>
         <p:spPr>
-          <a:xfrm rot="0">
+          <a:xfrm>
             <a:off x="1216025" y="5248910"/>
-            <a:ext cx="4132580" cy="923925"/>
+            <a:ext cx="4133215" cy="923925"/>
           </a:xfrm>
           <a:prstGeom prst="rect"/>
           <a:noFill/>
@@ -12760,17 +13122,7 @@
                 <a:latin typeface="맑은 고딕" charset="0"/>
                 <a:ea typeface="맑은 고딕" charset="0"/>
               </a:rPr>
-              <a:t>1</a:t>
-            </a:r>
-            <a:r>
-              <a:rPr lang="ko-KR" sz="1800" b="1">
-                <a:solidFill>
-                  <a:srgbClr val="0611F2"/>
-                </a:solidFill>
-                <a:latin typeface="맑은 고딕" charset="0"/>
-                <a:ea typeface="맑은 고딕" charset="0"/>
-              </a:rPr>
-              <a:t>9</a:t>
+              <a:t>22</a:t>
             </a:r>
             <a:r>
               <a:rPr sz="1800" b="1">
@@ -12794,35 +13146,7 @@
                 <a:latin typeface="맑은 고딕" charset="0"/>
                 <a:ea typeface="맑은 고딕" charset="0"/>
               </a:rPr>
-              <a:t>이제</a:t>
-            </a:r>
-            <a:r>
-              <a:rPr lang="ko-KR" sz="1800">
-                <a:latin typeface="맑은 고딕" charset="0"/>
-                <a:ea typeface="맑은 고딕" charset="0"/>
-              </a:rPr>
-              <a:t> </a:t>
-            </a:r>
-            <a:r>
-              <a:rPr lang="ko-KR" sz="1800">
-                <a:latin typeface="맑은 고딕" charset="0"/>
-                <a:ea typeface="맑은 고딕" charset="0"/>
-              </a:rPr>
-              <a:t>Volume 오브젝트의 </a:t>
-            </a:r>
-            <a:r>
-              <a:rPr lang="ko-KR" sz="1800">
-                <a:latin typeface="맑은 고딕" charset="0"/>
-                <a:ea typeface="맑은 고딕" charset="0"/>
-              </a:rPr>
-              <a:t>On Value Changed에 </a:t>
-            </a:r>
-            <a:r>
-              <a:rPr lang="ko-KR" sz="1800">
-                <a:latin typeface="맑은 고딕" charset="0"/>
-                <a:ea typeface="맑은 고딕" charset="0"/>
-              </a:rPr>
-              <a:t>VolumeControl( ) 함수를 설정합니다. </a:t>
+              <a:t>이제 Volume 오브젝트의 On Value Changed에 VolumeControl( ) 함수를 설정합니다. </a:t>
             </a:r>
             <a:endParaRPr lang="ko-KR" altLang="en-US" sz="1800">
               <a:latin typeface="맑은 고딕" charset="0"/>
@@ -12902,9 +13226,9 @@
           <p:nvPr/>
         </p:nvSpPr>
         <p:spPr>
-          <a:xfrm rot="0">
+          <a:xfrm>
             <a:off x="6837680" y="4119880"/>
-            <a:ext cx="4147820" cy="2031365"/>
+            <a:ext cx="4148455" cy="2031365"/>
           </a:xfrm>
           <a:prstGeom prst="rect"/>
           <a:noFill/>
@@ -12931,7 +13255,7 @@
                 <a:latin typeface="맑은 고딕" charset="0"/>
                 <a:ea typeface="맑은 고딕" charset="0"/>
               </a:rPr>
-              <a:t>20</a:t>
+              <a:t>23</a:t>
             </a:r>
             <a:r>
               <a:rPr sz="1800" b="1">
@@ -12991,6 +13315,37 @@
           </a:p>
         </p:txBody>
       </p:sp>
+      <p:pic>
+        <p:nvPicPr>
+          <p:cNvPr id="1224" name="그림 28" descr="C:/Users/Admin1/AppData/Roaming/PolarisOffice/ETemp/19344_21804320/fImage95762075724.png"/>
+          <p:cNvPicPr>
+            <a:picLocks noChangeAspect="1"/>
+          </p:cNvPicPr>
+          <p:nvPr/>
+        </p:nvPicPr>
+        <p:blipFill rotWithShape="1">
+          <a:blip r:embed="rId8" cstate="print">
+            <a:extLst>
+              <a:ext uri="{28A0092B-C50C-407E-A947-70E740481C1C}">
+                <a14:useLocalDpi xmlns:a14="http://schemas.microsoft.com/office/drawing/2010/main" val="0"/>
+              </a:ext>
+            </a:extLst>
+          </a:blip>
+          <a:stretch>
+            <a:fillRect/>
+          </a:stretch>
+        </p:blipFill>
+        <p:spPr>
+          <a:xfrm rot="0">
+            <a:off x="1214120" y="1278890"/>
+            <a:ext cx="1280795" cy="1315085"/>
+          </a:xfrm>
+          <a:prstGeom prst="roundRect"/>
+          <a:solidFill>
+            <a:srgbClr val="EDEDED"/>
+          </a:solidFill>
+        </p:spPr>
+      </p:pic>
     </p:spTree>
   </p:cSld>
   <p:clrMapOvr>

--- a/Assets/Class/Sound/PPT Data/Sound Example.pptx
+++ b/Assets/Class/Sound/PPT Data/Sound Example.pptx
@@ -2,7 +2,7 @@
 <file path=ppt/presentation.xml><?xml version="1.0" encoding="utf-8"?>
 <p:presentation xmlns:a="http://schemas.openxmlformats.org/drawingml/2006/main" xmlns:r="http://schemas.openxmlformats.org/officeDocument/2006/relationships" xmlns:p="http://schemas.openxmlformats.org/presentationml/2006/main" xmlns:p14="http://schemas.microsoft.com/office/powerpoint/2010/main" saveSubsetFonts="1" firstSlideNum="0">
   <p:sldMasterIdLst>
-    <p:sldMasterId id="2147486326" r:id="rId12"/>
+    <p:sldMasterId id="2147486338" r:id="rId12"/>
   </p:sldMasterIdLst>
   <p:notesMasterIdLst>
     <p:notesMasterId r:id="rId14"/>
@@ -10,16 +10,17 @@
   <p:sldIdLst>
     <p:sldId id="287" r:id="rId16"/>
     <p:sldId id="300" r:id="rId17"/>
-    <p:sldId id="312" r:id="rId19"/>
-    <p:sldId id="304" r:id="rId21"/>
-    <p:sldId id="301" r:id="rId23"/>
-    <p:sldId id="302" r:id="rId25"/>
-    <p:sldId id="305" r:id="rId26"/>
-    <p:sldId id="307" r:id="rId27"/>
-    <p:sldId id="308" r:id="rId28"/>
-    <p:sldId id="309" r:id="rId29"/>
-    <p:sldId id="310" r:id="rId30"/>
-    <p:sldId id="311" r:id="rId32"/>
+    <p:sldId id="312" r:id="rId18"/>
+    <p:sldId id="304" r:id="rId19"/>
+    <p:sldId id="301" r:id="rId20"/>
+    <p:sldId id="302" r:id="rId21"/>
+    <p:sldId id="305" r:id="rId22"/>
+    <p:sldId id="307" r:id="rId23"/>
+    <p:sldId id="308" r:id="rId24"/>
+    <p:sldId id="309" r:id="rId25"/>
+    <p:sldId id="313" r:id="rId26"/>
+    <p:sldId id="310" r:id="rId27"/>
+    <p:sldId id="311" r:id="rId28"/>
   </p:sldIdLst>
   <p:sldSz cx="12192000" cy="6858000"/>
   <p:notesSz cx="6858000" cy="9144000"/>
@@ -792,7 +793,7 @@
         <p:spPr>
           <a:xfrm rot="0">
             <a:off x="685800" y="1143000"/>
-            <a:ext cx="5491480" cy="3091180"/>
+            <a:ext cx="5492115" cy="3091815"/>
           </a:xfrm>
           <a:prstGeom prst="rect"/>
           <a:noFill/>
@@ -831,7 +832,7 @@
         <p:spPr>
           <a:xfrm rot="0">
             <a:off x="685800" y="4400550"/>
-            <a:ext cx="5491480" cy="3605530"/>
+            <a:ext cx="5492115" cy="3606165"/>
           </a:xfrm>
           <a:prstGeom prst="rect"/>
         </p:spPr>
@@ -861,7 +862,7 @@
         <p:spPr>
           <a:xfrm rot="0">
             <a:off x="3884930" y="8685530"/>
-            <a:ext cx="2976880" cy="463550"/>
+            <a:ext cx="2977515" cy="464185"/>
           </a:xfrm>
           <a:prstGeom prst="rect"/>
         </p:spPr>
@@ -905,6 +906,148 @@
 </file>
 
 <file path=ppt/notesSlides/notesSlide12.xml><?xml version="1.0" encoding="utf-8"?>
+<p:notes xmlns:a="http://schemas.openxmlformats.org/drawingml/2006/main" xmlns:r="http://schemas.openxmlformats.org/officeDocument/2006/relationships" xmlns:p="http://schemas.openxmlformats.org/presentationml/2006/main">
+  <p:cSld>
+    <p:spTree>
+      <p:nvGrpSpPr>
+        <p:cNvPr id="1" name=""/>
+        <p:cNvGrpSpPr/>
+        <p:nvPr/>
+      </p:nvGrpSpPr>
+      <p:grpSpPr>
+        <a:xfrm>
+          <a:off x="0" y="0"/>
+          <a:ext cx="0" cy="0"/>
+          <a:chOff x="0" y="0"/>
+          <a:chExt cx="0" cy="0"/>
+        </a:xfrm>
+      </p:grpSpPr>
+      <p:sp>
+        <p:nvSpPr>
+          <p:cNvPr id="2" name="슬라이드 이미지 개체 틀 3"/>
+          <p:cNvSpPr>
+            <a:spLocks noChangeAspect="1"/>
+          </p:cNvSpPr>
+          <p:nvPr>
+            <p:ph type="sldImg" idx="2"/>
+          </p:nvPr>
+        </p:nvSpPr>
+        <p:spPr>
+          <a:xfrm rot="0">
+            <a:off x="685800" y="1143000"/>
+            <a:ext cx="5491480" cy="3091180"/>
+          </a:xfrm>
+          <a:prstGeom prst="rect"/>
+          <a:noFill/>
+          <a:ln w="12700" cap="flat" cmpd="sng">
+            <a:solidFill>
+              <a:srgbClr val="000000">
+                <a:alpha val="100000"/>
+              </a:srgbClr>
+            </a:solidFill>
+            <a:prstDash val="solid"/>
+          </a:ln>
+        </p:spPr>
+        <p:txBody>
+          <a:bodyPr wrap="square" lIns="91440" tIns="45720" rIns="91440" bIns="45720" numCol="1" vert="horz" anchor="ctr">
+            <a:noAutofit/>
+          </a:bodyPr>
+          <a:lstStyle/>
+          <a:p>
+            <a:pPr marL="0" indent="0" latinLnBrk="0">
+              <a:buFontTx/>
+              <a:buNone/>
+            </a:pPr>
+          </a:p>
+        </p:txBody>
+      </p:sp>
+      <p:sp>
+        <p:nvSpPr>
+          <p:cNvPr id="3" name="슬라이드 노트 개체 틀 4"/>
+          <p:cNvSpPr txBox="1">
+            <a:spLocks/>
+          </p:cNvSpPr>
+          <p:nvPr>
+            <p:ph type="body" idx="3"/>
+          </p:nvPr>
+        </p:nvSpPr>
+        <p:spPr>
+          <a:xfrm rot="0">
+            <a:off x="685800" y="4400550"/>
+            <a:ext cx="5491480" cy="3605530"/>
+          </a:xfrm>
+          <a:prstGeom prst="rect"/>
+        </p:spPr>
+        <p:txBody>
+          <a:bodyPr wrap="square" lIns="91440" tIns="45720" rIns="91440" bIns="45720" numCol="1" vert="horz" anchor="t">
+            <a:noAutofit/>
+          </a:bodyPr>
+          <a:lstStyle/>
+          <a:p>
+            <a:pPr marL="0" indent="0" latinLnBrk="0">
+              <a:buFontTx/>
+              <a:buNone/>
+            </a:pPr>
+          </a:p>
+        </p:txBody>
+      </p:sp>
+      <p:sp>
+        <p:nvSpPr>
+          <p:cNvPr id="4" name="슬라이드 번호 개체 틀 6"/>
+          <p:cNvSpPr txBox="1">
+            <a:spLocks/>
+          </p:cNvSpPr>
+          <p:nvPr>
+            <p:ph type="sldNum" idx="5"/>
+          </p:nvPr>
+        </p:nvSpPr>
+        <p:spPr>
+          <a:xfrm rot="0">
+            <a:off x="3884930" y="8685530"/>
+            <a:ext cx="2976880" cy="463550"/>
+          </a:xfrm>
+          <a:prstGeom prst="rect"/>
+        </p:spPr>
+        <p:txBody>
+          <a:bodyPr wrap="square" lIns="91440" tIns="45720" rIns="91440" bIns="45720" numCol="1" vert="horz" anchor="b">
+            <a:noAutofit/>
+          </a:bodyPr>
+          <a:lstStyle>
+            <a:lvl1pPr marL="0" indent="0" algn="r" latinLnBrk="0">
+              <a:buFontTx/>
+              <a:buNone/>
+              <a:defRPr lang="en-GB" altLang="en-US" sz="1200"/>
+            </a:lvl1pPr>
+          </a:lstStyle>
+          <a:p>
+            <a:pPr marL="0" indent="0" latinLnBrk="0">
+              <a:buFontTx/>
+              <a:buNone/>
+            </a:pPr>
+            <a:fld id="{B9320F77-B9A0-41C5-862A-B4B631284C64}" type="slidenum">
+              <a:rPr lang="ko-KR" altLang="en-US"/>
+              <a:t>‹#›</a:t>
+            </a:fld>
+          </a:p>
+        </p:txBody>
+      </p:sp>
+    </p:spTree>
+  </p:cSld>
+  <p:clrMapOvr>
+    <a:masterClrMapping/>
+  </p:clrMapOvr>
+  <mc:AlternateContent xmlns:mc="http://schemas.openxmlformats.org/markup-compatibility/2006">
+    <mc:Choice xmlns:p14="http://schemas.microsoft.com/office/powerpoint/2010/main" Requires="p14">
+      <p:transition spd="slow" p14:dur="0"/>
+    </mc:Choice>
+    <mc:Fallback>
+      <p:transition spd="slow"/>
+    </mc:Fallback>
+  </mc:AlternateContent>
+</p:notes>
+</file>
+
+<file path=ppt/notesSlides/notesSlide13.xml><?xml version="1.0" encoding="utf-8"?>
 <p:notes xmlns:a="http://schemas.openxmlformats.org/drawingml/2006/main" xmlns:r="http://schemas.openxmlformats.org/officeDocument/2006/relationships" xmlns:p="http://schemas.openxmlformats.org/presentationml/2006/main">
   <p:cSld>
     <p:spTree>
@@ -7496,7 +7639,7 @@
       </p:pic>
       <p:pic>
         <p:nvPicPr>
-          <p:cNvPr id="1194" name="그림 2" descr="C:/Users/Admin1/AppData/Roaming/PolarisOffice/ETemp/19344_21804320/fImage44751988467.png"/>
+          <p:cNvPr id="1194" name="그림 2"/>
           <p:cNvPicPr>
             <a:picLocks noChangeAspect="1"/>
           </p:cNvPicPr>
@@ -7527,7 +7670,7 @@
       </p:pic>
       <p:pic>
         <p:nvPicPr>
-          <p:cNvPr id="1198" name="그림 48" descr="C:/Users/Admin1/AppData/Roaming/PolarisOffice/ETemp/19344_21804320/fImage145732189169.png"/>
+          <p:cNvPr id="1198" name="그림 48"/>
           <p:cNvPicPr>
             <a:picLocks noChangeAspect="1"/>
           </p:cNvPicPr>
@@ -7793,9 +7936,9 @@
           <p:nvPr/>
         </p:nvSpPr>
         <p:spPr>
-          <a:xfrm rot="0">
+          <a:xfrm>
             <a:off x="1163320" y="4771390"/>
-            <a:ext cx="4205605" cy="1477645"/>
+            <a:ext cx="4206240" cy="1477645"/>
           </a:xfrm>
           <a:prstGeom prst="rect"/>
           <a:noFill/>
@@ -7822,7 +7965,7 @@
                 <a:latin typeface="맑은 고딕" charset="0"/>
                 <a:ea typeface="맑은 고딕" charset="0"/>
               </a:rPr>
-              <a:t>21</a:t>
+              <a:t>2</a:t>
             </a:r>
             <a:r>
               <a:rPr sz="1800" b="1">
@@ -7832,6 +7975,16 @@
                 <a:latin typeface="맑은 고딕" charset="0"/>
                 <a:ea typeface="맑은 고딕" charset="0"/>
               </a:rPr>
+              <a:t>3</a:t>
+            </a:r>
+            <a:r>
+              <a:rPr sz="1800" b="1">
+                <a:solidFill>
+                  <a:srgbClr val="0611F2"/>
+                </a:solidFill>
+                <a:latin typeface="맑은 고딕" charset="0"/>
+                <a:ea typeface="맑은 고딕" charset="0"/>
+              </a:rPr>
               <a:t>.</a:t>
             </a:r>
             <a:r>
@@ -7846,7 +7999,14 @@
                 <a:latin typeface="맑은 고딕" charset="0"/>
                 <a:ea typeface="맑은 고딕" charset="0"/>
               </a:rPr>
-              <a:t>이제 버튼의 앵커를 화면 좌측 상단으로 고정합니다.</a:t>
+              <a:t>그다음으로</a:t>
+            </a:r>
+            <a:r>
+              <a:rPr lang="ko-KR" sz="1800">
+                <a:latin typeface="맑은 고딕" charset="0"/>
+                <a:ea typeface="맑은 고딕" charset="0"/>
+              </a:rPr>
+              <a:t> 버튼의 앵커를 화면 좌측 상단으로 고정합니다.</a:t>
             </a:r>
             <a:endParaRPr lang="ko-KR" altLang="en-US" sz="1800">
               <a:latin typeface="맑은 고딕" charset="0"/>
@@ -7873,7 +8033,14 @@
                 <a:latin typeface="맑은 고딕" charset="0"/>
                 <a:ea typeface="맑은 고딕" charset="0"/>
               </a:rPr>
-              <a:t>그런 다음 각각의 버튼의 위치를 설정합니다.</a:t>
+              <a:t>마지막으로</a:t>
+            </a:r>
+            <a:r>
+              <a:rPr lang="ko-KR" sz="1800">
+                <a:latin typeface="맑은 고딕" charset="0"/>
+                <a:ea typeface="맑은 고딕" charset="0"/>
+              </a:rPr>
+              <a:t> 각각의 버튼의 위치를 설정합니다.</a:t>
             </a:r>
             <a:endParaRPr lang="ko-KR" altLang="en-US" sz="1800">
               <a:latin typeface="맑은 고딕" charset="0"/>
@@ -7892,8 +8059,8 @@
         </p:nvSpPr>
         <p:spPr>
           <a:xfrm rot="0">
-            <a:off x="6845935" y="5050790"/>
-            <a:ext cx="4136390" cy="1200785"/>
+            <a:off x="6805930" y="4219575"/>
+            <a:ext cx="4174490" cy="2031365"/>
           </a:xfrm>
           <a:prstGeom prst="rect"/>
           <a:noFill/>
@@ -7930,7 +8097,7 @@
                 <a:latin typeface="맑은 고딕" charset="0"/>
                 <a:ea typeface="맑은 고딕" charset="0"/>
               </a:rPr>
-              <a:t>2</a:t>
+              <a:t>4</a:t>
             </a:r>
             <a:r>
               <a:rPr sz="1800" b="1">
@@ -7950,11 +8117,87 @@
               <a:t> </a:t>
             </a:r>
             <a:r>
+              <a:rPr sz="1800">
+                <a:latin typeface="맑은 고딕" charset="0"/>
+                <a:ea typeface="맑은 고딕" charset="0"/>
+              </a:rPr>
+              <a:t>이</a:t>
+            </a:r>
+            <a:r>
               <a:rPr lang="ko-KR" sz="1800">
                 <a:latin typeface="맑은 고딕" charset="0"/>
                 <a:ea typeface="맑은 고딕" charset="0"/>
               </a:rPr>
-              <a:t>이제 Project 폴더에서 Texture에 Explosion과 Magic 그리고 Siren 이미지를 각각의 버튼 이미지에 넣어줍니다.</a:t>
+              <a:t>제</a:t>
+            </a:r>
+            <a:r>
+              <a:rPr lang="ko-KR" sz="1800">
+                <a:latin typeface="맑은 고딕" charset="0"/>
+                <a:ea typeface="맑은 고딕" charset="0"/>
+              </a:rPr>
+              <a:t> Project 폴더</a:t>
+            </a:r>
+            <a:r>
+              <a:rPr lang="ko-KR" sz="1800">
+                <a:latin typeface="맑은 고딕" charset="0"/>
+                <a:ea typeface="맑은 고딕" charset="0"/>
+              </a:rPr>
+              <a:t> 아래에 있는</a:t>
+            </a:r>
+            <a:r>
+              <a:rPr lang="ko-KR" sz="1800">
+                <a:latin typeface="맑은 고딕" charset="0"/>
+                <a:ea typeface="맑은 고딕" charset="0"/>
+              </a:rPr>
+              <a:t> Texture</a:t>
+            </a:r>
+            <a:r>
+              <a:rPr lang="ko-KR" sz="1800">
+                <a:latin typeface="맑은 고딕" charset="0"/>
+                <a:ea typeface="맑은 고딕" charset="0"/>
+              </a:rPr>
+              <a:t> 폴더</a:t>
+            </a:r>
+            <a:r>
+              <a:rPr lang="ko-KR" sz="1800">
+                <a:latin typeface="맑은 고딕" charset="0"/>
+                <a:ea typeface="맑은 고딕" charset="0"/>
+              </a:rPr>
+              <a:t>에 Siren 이미지</a:t>
+            </a:r>
+            <a:r>
+              <a:rPr lang="ko-KR" sz="1800">
+                <a:latin typeface="맑은 고딕" charset="0"/>
+                <a:ea typeface="맑은 고딕" charset="0"/>
+              </a:rPr>
+              <a:t>를 선택합니다.</a:t>
+            </a:r>
+            <a:endParaRPr lang="ko-KR" altLang="en-US" sz="1800">
+              <a:latin typeface="맑은 고딕" charset="0"/>
+              <a:ea typeface="맑은 고딕" charset="0"/>
+            </a:endParaRPr>
+          </a:p>
+          <a:p>
+            <a:pPr marL="0" indent="0" rtl="0" algn="l" defTabSz="914400" eaLnBrk="1" latinLnBrk="0" hangingPunct="1">
+              <a:buFontTx/>
+              <a:buNone/>
+            </a:pPr>
+            <a:endParaRPr lang="ko-KR" altLang="en-US" sz="1800">
+              <a:latin typeface="맑은 고딕" charset="0"/>
+              <a:ea typeface="맑은 고딕" charset="0"/>
+            </a:endParaRPr>
+          </a:p>
+          <a:p>
+            <a:pPr marL="0" indent="0" rtl="0" algn="l" defTabSz="914400" eaLnBrk="1" latinLnBrk="0" hangingPunct="1">
+              <a:buFontTx/>
+              <a:buNone/>
+            </a:pPr>
+            <a:r>
+              <a:rPr lang="ko-KR" sz="1800">
+                <a:latin typeface="맑은 고딕" charset="0"/>
+                <a:ea typeface="맑은 고딕" charset="0"/>
+              </a:rPr>
+              <a:t>그런 다음 Siren Button 오브젝트의 Source Image에 Siren 이미지를 넣어줍니다.</a:t>
             </a:r>
             <a:endParaRPr lang="ko-KR" altLang="en-US" sz="1800">
               <a:latin typeface="맑은 고딕" charset="0"/>
@@ -8027,7 +8270,7 @@
       </p:pic>
       <p:pic>
         <p:nvPicPr>
-          <p:cNvPr id="1226" name="그림 22" descr="C:/Users/Admin1/AppData/Roaming/PolarisOffice/ETemp/19344_21804320/fImage146852469358.png"/>
+          <p:cNvPr id="1226" name="그림 22"/>
           <p:cNvPicPr>
             <a:picLocks noChangeAspect="1"/>
           </p:cNvPicPr>
@@ -8058,14 +8301,45 @@
       </p:pic>
       <p:pic>
         <p:nvPicPr>
-          <p:cNvPr id="1227" name="그림 29"/>
+          <p:cNvPr id="1230" name="그림 39" descr="C:/Users/Admin1/AppData/Roaming/PolarisOffice/ETemp/12684_13172512/fImage167032518145.png"/>
           <p:cNvPicPr>
             <a:picLocks noChangeAspect="1"/>
           </p:cNvPicPr>
           <p:nvPr/>
         </p:nvPicPr>
         <p:blipFill rotWithShape="1">
-          <a:blip r:embed="rId5" cstate="print">
+          <a:blip r:embed="rId8" cstate="hqprint">
+            <a:extLst>
+              <a:ext uri="{28A0092B-C50C-407E-A947-70E740481C1C}">
+                <a14:useLocalDpi xmlns:a14="http://schemas.microsoft.com/office/drawing/2010/main"/>
+              </a:ext>
+            </a:extLst>
+          </a:blip>
+          <a:stretch>
+            <a:fillRect/>
+          </a:stretch>
+        </p:blipFill>
+        <p:spPr>
+          <a:xfrm rot="0">
+            <a:off x="6805930" y="2563495"/>
+            <a:ext cx="4158615" cy="1524635"/>
+          </a:xfrm>
+          <a:prstGeom prst="roundRect"/>
+          <a:solidFill>
+            <a:srgbClr val="EDEDED"/>
+          </a:solidFill>
+        </p:spPr>
+      </p:pic>
+      <p:pic>
+        <p:nvPicPr>
+          <p:cNvPr id="1231" name="그림 26" descr="C:/Users/Admin1/AppData/Roaming/PolarisOffice/ETemp/12684_13172512/fImage362473029169.png"/>
+          <p:cNvPicPr>
+            <a:picLocks noChangeAspect="1"/>
+          </p:cNvPicPr>
+          <p:nvPr/>
+        </p:nvPicPr>
+        <p:blipFill rotWithShape="1">
+          <a:blip r:embed="rId10" cstate="print">
             <a:extLst>
               <a:ext uri="{28A0092B-C50C-407E-A947-70E740481C1C}">
                 <a14:useLocalDpi xmlns:a14="http://schemas.microsoft.com/office/drawing/2010/main" val="0"/>
@@ -8078,8 +8352,8 @@
         </p:blipFill>
         <p:spPr>
           <a:xfrm rot="0">
-            <a:off x="6837680" y="1263650"/>
-            <a:ext cx="4136390" cy="815340"/>
+            <a:off x="6814820" y="1264285"/>
+            <a:ext cx="4157345" cy="1143635"/>
           </a:xfrm>
           <a:prstGeom prst="roundRect"/>
           <a:solidFill>
@@ -8087,177 +8361,21 @@
           </a:solidFill>
         </p:spPr>
       </p:pic>
-      <p:pic>
-        <p:nvPicPr>
-          <p:cNvPr id="1228" name="그림 32"/>
-          <p:cNvPicPr>
-            <a:picLocks noChangeAspect="1"/>
-          </p:cNvPicPr>
-          <p:nvPr/>
-        </p:nvPicPr>
-        <p:blipFill rotWithShape="1">
-          <a:blip r:embed="rId6" cstate="print">
-            <a:extLst>
-              <a:ext uri="{28A0092B-C50C-407E-A947-70E740481C1C}">
-                <a14:useLocalDpi xmlns:a14="http://schemas.microsoft.com/office/drawing/2010/main" val="0"/>
-              </a:ext>
-            </a:extLst>
-          </a:blip>
-          <a:stretch>
-            <a:fillRect/>
-          </a:stretch>
-        </p:blipFill>
-        <p:spPr>
-          <a:xfrm rot="0">
-            <a:off x="6830060" y="2231390"/>
-            <a:ext cx="1974215" cy="1369060"/>
-          </a:xfrm>
-          <a:prstGeom prst="roundRect"/>
-          <a:solidFill>
-            <a:srgbClr val="EDEDED"/>
-          </a:solidFill>
-        </p:spPr>
-      </p:pic>
-      <p:pic>
-        <p:nvPicPr>
-          <p:cNvPr id="1229" name="그림 35"/>
-          <p:cNvPicPr>
-            <a:picLocks noChangeAspect="1"/>
-          </p:cNvPicPr>
-          <p:nvPr/>
-        </p:nvPicPr>
-        <p:blipFill rotWithShape="1">
-          <a:blip r:embed="rId7" cstate="print">
-            <a:extLst>
-              <a:ext uri="{28A0092B-C50C-407E-A947-70E740481C1C}">
-                <a14:useLocalDpi xmlns:a14="http://schemas.microsoft.com/office/drawing/2010/main" val="0"/>
-              </a:ext>
-            </a:extLst>
-          </a:blip>
-          <a:stretch>
-            <a:fillRect/>
-          </a:stretch>
-        </p:blipFill>
-        <p:spPr>
-          <a:xfrm rot="0">
-            <a:off x="9003030" y="2218690"/>
-            <a:ext cx="1971040" cy="1398270"/>
-          </a:xfrm>
-          <a:prstGeom prst="roundRect"/>
-          <a:solidFill>
-            <a:srgbClr val="EDEDED"/>
-          </a:solidFill>
-        </p:spPr>
-      </p:pic>
-      <p:pic>
-        <p:nvPicPr>
-          <p:cNvPr id="1230" name="그림 39"/>
-          <p:cNvPicPr>
-            <a:picLocks noChangeAspect="1"/>
-          </p:cNvPicPr>
-          <p:nvPr/>
-        </p:nvPicPr>
-        <p:blipFill rotWithShape="1">
-          <a:blip r:embed="rId8" cstate="print">
-            <a:extLst>
-              <a:ext uri="{28A0092B-C50C-407E-A947-70E740481C1C}">
-                <a14:useLocalDpi xmlns:a14="http://schemas.microsoft.com/office/drawing/2010/main" val="0"/>
-              </a:ext>
-            </a:extLst>
-          </a:blip>
-          <a:stretch>
-            <a:fillRect/>
-          </a:stretch>
-        </p:blipFill>
-        <p:spPr>
-          <a:xfrm rot="0">
-            <a:off x="6846570" y="3757930"/>
-            <a:ext cx="4152265" cy="1155700"/>
-          </a:xfrm>
-          <a:prstGeom prst="roundRect"/>
-          <a:solidFill>
-            <a:srgbClr val="EDEDED"/>
-          </a:solidFill>
-        </p:spPr>
-      </p:pic>
       <p:cxnSp>
         <p:nvCxnSpPr>
-          <p:cNvPr id="1231" name="도형 42"/>
+          <p:cNvPr id="1232" name="도형 29"/>
           <p:cNvCxnSpPr/>
           <p:nvPr/>
         </p:nvCxnSpPr>
         <p:spPr>
           <a:xfrm rot="0">
-            <a:off x="8496300" y="1903730"/>
-            <a:ext cx="2431415" cy="1068705"/>
+            <a:off x="10053320" y="2320925"/>
+            <a:ext cx="788670" cy="1082675"/>
           </a:xfrm>
           <a:prstGeom prst="straightConnector1"/>
           <a:ln w="6350" cap="flat" cmpd="sng">
             <a:prstDash/>
-            <a:tailEnd type="triangle" w="med" len="med"/>
-          </a:ln>
-        </p:spPr>
-        <p:style>
-          <a:lnRef idx="1">
-            <a:schemeClr val="accent1"/>
-          </a:lnRef>
-          <a:fillRef idx="0">
-            <a:schemeClr val="accent1"/>
-          </a:fillRef>
-          <a:effectRef idx="0">
-            <a:schemeClr val="accent1"/>
-          </a:effectRef>
-          <a:fontRef idx="minor">
-            <a:schemeClr val="tx1"/>
-          </a:fontRef>
-        </p:style>
-      </p:cxnSp>
-      <p:cxnSp>
-        <p:nvCxnSpPr>
-          <p:cNvPr id="1232" name="도형 43"/>
-          <p:cNvCxnSpPr/>
-          <p:nvPr/>
-        </p:nvCxnSpPr>
-        <p:spPr>
-          <a:xfrm rot="0">
-            <a:off x="8601075" y="1900555"/>
-            <a:ext cx="148590" cy="1062990"/>
-          </a:xfrm>
-          <a:prstGeom prst="straightConnector1"/>
-          <a:ln w="6350" cap="flat" cmpd="sng">
-            <a:prstDash/>
-            <a:tailEnd type="triangle" w="med" len="med"/>
-          </a:ln>
-        </p:spPr>
-        <p:style>
-          <a:lnRef idx="1">
-            <a:schemeClr val="accent1"/>
-          </a:lnRef>
-          <a:fillRef idx="0">
-            <a:schemeClr val="accent1"/>
-          </a:fillRef>
-          <a:effectRef idx="0">
-            <a:schemeClr val="accent1"/>
-          </a:effectRef>
-          <a:fontRef idx="minor">
-            <a:schemeClr val="tx1"/>
-          </a:fontRef>
-        </p:style>
-      </p:cxnSp>
-      <p:cxnSp>
-        <p:nvCxnSpPr>
-          <p:cNvPr id="1233" name="도형 44"/>
-          <p:cNvCxnSpPr/>
-          <p:nvPr/>
-        </p:nvCxnSpPr>
-        <p:spPr>
-          <a:xfrm rot="0">
-            <a:off x="10763250" y="1909445"/>
-            <a:ext cx="113665" cy="2472690"/>
-          </a:xfrm>
-          <a:prstGeom prst="straightConnector1"/>
-          <a:ln w="6350" cap="flat" cmpd="sng">
-            <a:prstDash/>
+            <a:headEnd type="none" w="med" len="med"/>
             <a:tailEnd type="triangle" w="med" len="med"/>
           </a:ln>
         </p:spPr>
@@ -8300,7 +8418,7 @@
 </file>
 
 <file path=ppt/slides/slide11.xml><?xml version="1.0" encoding="utf-8"?>
-<p:sld xmlns:a="http://schemas.openxmlformats.org/drawingml/2006/main" xmlns:r="http://schemas.openxmlformats.org/officeDocument/2006/relationships" xmlns:p="http://schemas.openxmlformats.org/presentationml/2006/main" xmlns:p14="http://schemas.microsoft.com/office/powerpoint/2010/main">
+<p:sld xmlns:a="http://schemas.openxmlformats.org/drawingml/2006/main" xmlns:r="http://schemas.openxmlformats.org/officeDocument/2006/relationships" xmlns:p="http://schemas.openxmlformats.org/presentationml/2006/main">
   <p:cSld>
     <p:spTree>
       <p:nvGrpSpPr>
@@ -8325,9 +8443,9 @@
           <p:nvPr/>
         </p:nvSpPr>
         <p:spPr>
-          <a:xfrm>
-            <a:off x="4730750" y="346075"/>
-            <a:ext cx="2924810" cy="478155"/>
+          <a:xfrm rot="0">
+            <a:off x="4632325" y="354965"/>
+            <a:ext cx="2936875" cy="478155"/>
           </a:xfrm>
           <a:prstGeom prst="rect"/>
           <a:noFill/>
@@ -8342,7 +8460,7 @@
           </a:bodyPr>
           <a:lstStyle/>
           <a:p>
-            <a:pPr marL="0" indent="0" algn="l" latinLnBrk="0">
+            <a:pPr marL="0" indent="0" algn="ctr" latinLnBrk="0">
               <a:buFontTx/>
               <a:buNone/>
             </a:pPr>
@@ -8354,7 +8472,7 @@
                 <a:latin typeface="나눔바른고딕" charset="0"/>
                 <a:ea typeface="나눔바른고딕" charset="0"/>
               </a:rPr>
-              <a:t>열</a:t>
+              <a:t>열 </a:t>
             </a:r>
             <a:r>
               <a:rPr lang="ko-KR" altLang="en-US" sz="2500" b="1">
@@ -8386,8 +8504,8 @@
         </p:nvSpPr>
         <p:spPr>
           <a:xfrm rot="0">
-            <a:off x="1163320" y="3914140"/>
-            <a:ext cx="4218940" cy="2031365"/>
+            <a:off x="1238250" y="4217035"/>
+            <a:ext cx="4131310" cy="2031365"/>
           </a:xfrm>
           <a:prstGeom prst="rect"/>
           <a:noFill/>
@@ -8424,7 +8542,7 @@
                 <a:latin typeface="맑은 고딕" charset="0"/>
                 <a:ea typeface="맑은 고딕" charset="0"/>
               </a:rPr>
-              <a:t>3</a:t>
+              <a:t>5</a:t>
             </a:r>
             <a:r>
               <a:rPr sz="1800" b="1">
@@ -8448,7 +8566,63 @@
                 <a:latin typeface="맑은 고딕" charset="0"/>
                 <a:ea typeface="맑은 고딕" charset="0"/>
               </a:rPr>
-              <a:t>그다음으로 Siren Button과 Explosion Button 그리고 Magic 버튼의 On Click( ) 함수를 생성합니다.</a:t>
+              <a:t>그리고</a:t>
+            </a:r>
+            <a:r>
+              <a:rPr lang="ko-KR" sz="1800">
+                <a:latin typeface="맑은 고딕" charset="0"/>
+                <a:ea typeface="맑은 고딕" charset="0"/>
+              </a:rPr>
+              <a:t> Project 폴더</a:t>
+            </a:r>
+            <a:r>
+              <a:rPr lang="ko-KR" sz="1800">
+                <a:latin typeface="맑은 고딕" charset="0"/>
+                <a:ea typeface="맑은 고딕" charset="0"/>
+              </a:rPr>
+              <a:t> 아래에 있는</a:t>
+            </a:r>
+            <a:r>
+              <a:rPr lang="ko-KR" sz="1800">
+                <a:latin typeface="맑은 고딕" charset="0"/>
+                <a:ea typeface="맑은 고딕" charset="0"/>
+              </a:rPr>
+              <a:t> Texture</a:t>
+            </a:r>
+            <a:r>
+              <a:rPr lang="ko-KR" sz="1800">
+                <a:latin typeface="맑은 고딕" charset="0"/>
+                <a:ea typeface="맑은 고딕" charset="0"/>
+              </a:rPr>
+              <a:t> 폴더</a:t>
+            </a:r>
+            <a:r>
+              <a:rPr lang="ko-KR" sz="1800">
+                <a:latin typeface="맑은 고딕" charset="0"/>
+                <a:ea typeface="맑은 고딕" charset="0"/>
+              </a:rPr>
+              <a:t>에 </a:t>
+            </a:r>
+            <a:r>
+              <a:rPr lang="ko-KR" sz="1800">
+                <a:latin typeface="맑은 고딕" charset="0"/>
+                <a:ea typeface="맑은 고딕" charset="0"/>
+              </a:rPr>
+              <a:t>Magic</a:t>
+            </a:r>
+            <a:r>
+              <a:rPr lang="ko-KR" sz="1800">
+                <a:latin typeface="맑은 고딕" charset="0"/>
+                <a:ea typeface="맑은 고딕" charset="0"/>
+              </a:rPr>
+              <a:t> 이미지</a:t>
+            </a:r>
+            <a:r>
+              <a:rPr lang="ko-KR" sz="1800">
+                <a:latin typeface="맑은 고딕" charset="0"/>
+                <a:ea typeface="맑은 고딕" charset="0"/>
+              </a:rPr>
+              <a:t>를 선택합니다.</a:t>
             </a:r>
             <a:endParaRPr lang="ko-KR" altLang="en-US" sz="1800">
               <a:latin typeface="맑은 고딕" charset="0"/>
@@ -8475,7 +8649,7 @@
                 <a:latin typeface="맑은 고딕" charset="0"/>
                 <a:ea typeface="맑은 고딕" charset="0"/>
               </a:rPr>
-              <a:t>그런 다음 각각의 버튼에 있는 On Click( ) 함수에 Sound Manager 오브젝트를 넣어줍니다.</a:t>
+              <a:t>그다음 Magic Button 오브젝트의 Source Image에 Magic 이미지를 넣어줍니다.</a:t>
             </a:r>
             <a:endParaRPr lang="ko-KR" altLang="en-US" sz="1800">
               <a:latin typeface="맑은 고딕" charset="0"/>
@@ -8494,8 +8668,8 @@
         </p:nvSpPr>
         <p:spPr>
           <a:xfrm rot="0">
-            <a:off x="6845935" y="4469765"/>
-            <a:ext cx="4136390" cy="1477645"/>
+            <a:off x="6814820" y="4219575"/>
+            <a:ext cx="4122420" cy="2031365"/>
           </a:xfrm>
           <a:prstGeom prst="rect"/>
           <a:noFill/>
@@ -8532,7 +8706,7 @@
                 <a:latin typeface="맑은 고딕" charset="0"/>
                 <a:ea typeface="맑은 고딕" charset="0"/>
               </a:rPr>
-              <a:t>4</a:t>
+              <a:t>6</a:t>
             </a:r>
             <a:r>
               <a:rPr sz="1800" b="1">
@@ -8556,7 +8730,63 @@
                 <a:latin typeface="맑은 고딕" charset="0"/>
                 <a:ea typeface="맑은 고딕" charset="0"/>
               </a:rPr>
-              <a:t>이제 SoundManager 스크립트에 있는 SoundCall( ) 함수를 선택합니다.</a:t>
+              <a:t>그러고 나서</a:t>
+            </a:r>
+            <a:r>
+              <a:rPr lang="ko-KR" sz="1800">
+                <a:latin typeface="맑은 고딕" charset="0"/>
+                <a:ea typeface="맑은 고딕" charset="0"/>
+              </a:rPr>
+              <a:t> Project 폴더</a:t>
+            </a:r>
+            <a:r>
+              <a:rPr lang="ko-KR" sz="1800">
+                <a:latin typeface="맑은 고딕" charset="0"/>
+                <a:ea typeface="맑은 고딕" charset="0"/>
+              </a:rPr>
+              <a:t> 아래에 있는</a:t>
+            </a:r>
+            <a:r>
+              <a:rPr lang="ko-KR" sz="1800">
+                <a:latin typeface="맑은 고딕" charset="0"/>
+                <a:ea typeface="맑은 고딕" charset="0"/>
+              </a:rPr>
+              <a:t> Texture</a:t>
+            </a:r>
+            <a:r>
+              <a:rPr lang="ko-KR" sz="1800">
+                <a:latin typeface="맑은 고딕" charset="0"/>
+                <a:ea typeface="맑은 고딕" charset="0"/>
+              </a:rPr>
+              <a:t> 폴더</a:t>
+            </a:r>
+            <a:r>
+              <a:rPr lang="ko-KR" sz="1800">
+                <a:latin typeface="맑은 고딕" charset="0"/>
+                <a:ea typeface="맑은 고딕" charset="0"/>
+              </a:rPr>
+              <a:t>에 </a:t>
+            </a:r>
+            <a:r>
+              <a:rPr lang="ko-KR" sz="1800">
+                <a:latin typeface="맑은 고딕" charset="0"/>
+                <a:ea typeface="맑은 고딕" charset="0"/>
+              </a:rPr>
+              <a:t>Explosion</a:t>
+            </a:r>
+            <a:r>
+              <a:rPr lang="ko-KR" sz="1800">
+                <a:latin typeface="맑은 고딕" charset="0"/>
+                <a:ea typeface="맑은 고딕" charset="0"/>
+              </a:rPr>
+              <a:t> 이미지</a:t>
+            </a:r>
+            <a:r>
+              <a:rPr lang="ko-KR" sz="1800">
+                <a:latin typeface="맑은 고딕" charset="0"/>
+                <a:ea typeface="맑은 고딕" charset="0"/>
+              </a:rPr>
+              <a:t>를 선택합니다.</a:t>
             </a:r>
             <a:endParaRPr lang="ko-KR" altLang="en-US" sz="1800">
               <a:latin typeface="맑은 고딕" charset="0"/>
@@ -8583,7 +8813,7 @@
                 <a:latin typeface="맑은 고딕" charset="0"/>
                 <a:ea typeface="맑은 고딕" charset="0"/>
               </a:rPr>
-              <a:t>그다음 각각의 버튼에 원하는 소리의 이름을 정의합니다.</a:t>
+              <a:t>마지막으로 Explosion Button 오브젝트의 Source Image에 Explosion 이미지를 넣어줍니다.</a:t>
             </a:r>
             <a:endParaRPr lang="ko-KR" altLang="en-US" sz="1800">
               <a:latin typeface="맑은 고딕" charset="0"/>
@@ -8594,17 +8824,17 @@
       </p:sp>
       <p:pic>
         <p:nvPicPr>
-          <p:cNvPr id="1232" name="그림 46"/>
+          <p:cNvPr id="1228" name="Picture " descr="C:/Users/Admin1/AppData/Roaming/PolarisOffice/ETemp/12684_13172512/fImage168742484464.png"/>
           <p:cNvPicPr>
             <a:picLocks noChangeAspect="1"/>
           </p:cNvPicPr>
           <p:nvPr/>
         </p:nvPicPr>
         <p:blipFill rotWithShape="1">
-          <a:blip r:embed="rId2" cstate="print">
+          <a:blip r:embed="rId2" cstate="hqprint">
             <a:extLst>
               <a:ext uri="{28A0092B-C50C-407E-A947-70E740481C1C}">
-                <a14:useLocalDpi xmlns:a14="http://schemas.microsoft.com/office/drawing/2010/main" val="0"/>
+                <a14:useLocalDpi xmlns:a14="http://schemas.microsoft.com/office/drawing/2010/main"/>
               </a:ext>
             </a:extLst>
           </a:blip>
@@ -8614,8 +8844,8 @@
         </p:blipFill>
         <p:spPr>
           <a:xfrm rot="0">
-            <a:off x="2552700" y="1266825"/>
-            <a:ext cx="2820035" cy="1134110"/>
+            <a:off x="1238250" y="2620645"/>
+            <a:ext cx="4131310" cy="1492885"/>
           </a:xfrm>
           <a:prstGeom prst="roundRect"/>
           <a:solidFill>
@@ -8625,17 +8855,17 @@
       </p:pic>
       <p:pic>
         <p:nvPicPr>
-          <p:cNvPr id="1233" name="그림 49"/>
+          <p:cNvPr id="1229" name="Picture " descr="C:/Users/Admin1/AppData/Roaming/PolarisOffice/ETemp/12684_13172512/fImage168452495705.png"/>
           <p:cNvPicPr>
             <a:picLocks noChangeAspect="1"/>
           </p:cNvPicPr>
           <p:nvPr/>
         </p:nvPicPr>
         <p:blipFill rotWithShape="1">
-          <a:blip r:embed="rId3" cstate="print">
+          <a:blip r:embed="rId3" cstate="hqprint">
             <a:extLst>
               <a:ext uri="{28A0092B-C50C-407E-A947-70E740481C1C}">
-                <a14:useLocalDpi xmlns:a14="http://schemas.microsoft.com/office/drawing/2010/main" val="0"/>
+                <a14:useLocalDpi xmlns:a14="http://schemas.microsoft.com/office/drawing/2010/main"/>
               </a:ext>
             </a:extLst>
           </a:blip>
@@ -8645,8 +8875,8 @@
         </p:blipFill>
         <p:spPr>
           <a:xfrm rot="0">
-            <a:off x="2552700" y="2619375"/>
-            <a:ext cx="2810510" cy="1096010"/>
+            <a:off x="6814820" y="2623820"/>
+            <a:ext cx="4122420" cy="1481455"/>
           </a:xfrm>
           <a:prstGeom prst="roundRect"/>
           <a:solidFill>
@@ -8656,7 +8886,7 @@
       </p:pic>
       <p:pic>
         <p:nvPicPr>
-          <p:cNvPr id="1234" name="그림 52"/>
+          <p:cNvPr id="1230" name="그림 31" descr="C:/Users/Admin1/AppData/Roaming/PolarisOffice/ETemp/12684_13172512/fImage362533055724.png"/>
           <p:cNvPicPr>
             <a:picLocks noChangeAspect="1"/>
           </p:cNvPicPr>
@@ -8676,8 +8906,8 @@
         </p:blipFill>
         <p:spPr>
           <a:xfrm rot="0">
-            <a:off x="1152525" y="1276350"/>
-            <a:ext cx="1219835" cy="2439035"/>
+            <a:off x="1241425" y="1376680"/>
+            <a:ext cx="4128135" cy="1074420"/>
           </a:xfrm>
           <a:prstGeom prst="roundRect"/>
           <a:solidFill>
@@ -8687,18 +8917,19 @@
       </p:pic>
       <p:cxnSp>
         <p:nvCxnSpPr>
-          <p:cNvPr id="1235" name="도형 55"/>
+          <p:cNvPr id="1231" name="도형 34"/>
           <p:cNvCxnSpPr/>
           <p:nvPr/>
         </p:nvCxnSpPr>
         <p:spPr>
           <a:xfrm rot="0">
-            <a:off x="2219325" y="2257425"/>
-            <a:ext cx="1124585" cy="1019810"/>
+            <a:off x="3351530" y="2398395"/>
+            <a:ext cx="1896745" cy="1040130"/>
           </a:xfrm>
           <a:prstGeom prst="straightConnector1"/>
           <a:ln w="6350" cap="flat" cmpd="sng">
             <a:prstDash/>
+            <a:headEnd type="none" w="med" len="med"/>
             <a:tailEnd type="triangle" w="med" len="med"/>
           </a:ln>
         </p:spPr>
@@ -8719,7 +8950,7 @@
       </p:cxnSp>
       <p:pic>
         <p:nvPicPr>
-          <p:cNvPr id="1236" name="그림 56"/>
+          <p:cNvPr id="1232" name="그림 35" descr="C:/Users/Admin1/AppData/Roaming/PolarisOffice/ETemp/12684_13172512/fImage361973071478.png"/>
           <p:cNvPicPr>
             <a:picLocks noChangeAspect="1"/>
           </p:cNvPicPr>
@@ -8739,8 +8970,8 @@
         </p:blipFill>
         <p:spPr>
           <a:xfrm rot="0">
-            <a:off x="6862445" y="3352800"/>
-            <a:ext cx="4120515" cy="991235"/>
+            <a:off x="6817995" y="1368425"/>
+            <a:ext cx="4119245" cy="1074420"/>
           </a:xfrm>
           <a:prstGeom prst="roundRect"/>
           <a:solidFill>
@@ -8748,68 +8979,39 @@
           </a:solidFill>
         </p:spPr>
       </p:pic>
-      <p:pic>
-        <p:nvPicPr>
-          <p:cNvPr id="1237" name="그림 57"/>
-          <p:cNvPicPr>
-            <a:picLocks noChangeAspect="1"/>
-          </p:cNvPicPr>
+      <p:cxnSp>
+        <p:nvCxnSpPr>
+          <p:cNvPr id="1233" name="도형 39"/>
+          <p:cNvCxnSpPr/>
           <p:nvPr/>
-        </p:nvPicPr>
-        <p:blipFill rotWithShape="1">
-          <a:blip r:embed="rId6" cstate="print">
-            <a:extLst>
-              <a:ext uri="{28A0092B-C50C-407E-A947-70E740481C1C}">
-                <a14:useLocalDpi xmlns:a14="http://schemas.microsoft.com/office/drawing/2010/main" val="0"/>
-              </a:ext>
-            </a:extLst>
-          </a:blip>
-          <a:stretch>
-            <a:fillRect/>
-          </a:stretch>
-        </p:blipFill>
-        <p:spPr>
-          <a:xfrm rot="0">
-            <a:off x="6862445" y="2280920"/>
-            <a:ext cx="4120515" cy="981710"/>
-          </a:xfrm>
-          <a:prstGeom prst="roundRect"/>
-          <a:solidFill>
-            <a:srgbClr val="EDEDED"/>
-          </a:solidFill>
-        </p:spPr>
-      </p:pic>
-      <p:pic>
-        <p:nvPicPr>
-          <p:cNvPr id="1238" name="그림 58"/>
-          <p:cNvPicPr>
-            <a:picLocks noChangeAspect="1"/>
-          </p:cNvPicPr>
-          <p:nvPr/>
-        </p:nvPicPr>
-        <p:blipFill rotWithShape="1">
-          <a:blip r:embed="rId7" cstate="print">
-            <a:extLst>
-              <a:ext uri="{28A0092B-C50C-407E-A947-70E740481C1C}">
-                <a14:useLocalDpi xmlns:a14="http://schemas.microsoft.com/office/drawing/2010/main" val="0"/>
-              </a:ext>
-            </a:extLst>
-          </a:blip>
-          <a:stretch>
-            <a:fillRect/>
-          </a:stretch>
-        </p:blipFill>
-        <p:spPr>
-          <a:xfrm rot="0">
-            <a:off x="6852920" y="1242695"/>
-            <a:ext cx="4120515" cy="962660"/>
-          </a:xfrm>
-          <a:prstGeom prst="roundRect"/>
-          <a:solidFill>
-            <a:srgbClr val="EDEDED"/>
-          </a:solidFill>
-        </p:spPr>
-      </p:pic>
+        </p:nvCxnSpPr>
+        <p:spPr>
+          <a:xfrm rot="0">
+            <a:off x="8252460" y="2372995"/>
+            <a:ext cx="2563495" cy="1056640"/>
+          </a:xfrm>
+          <a:prstGeom prst="straightConnector1"/>
+          <a:ln w="6350" cap="flat" cmpd="sng">
+            <a:prstDash/>
+            <a:headEnd type="none" w="med" len="med"/>
+            <a:tailEnd type="triangle" w="med" len="med"/>
+          </a:ln>
+        </p:spPr>
+        <p:style>
+          <a:lnRef idx="1">
+            <a:schemeClr val="accent1"/>
+          </a:lnRef>
+          <a:fillRef idx="0">
+            <a:schemeClr val="accent1"/>
+          </a:fillRef>
+          <a:effectRef idx="0">
+            <a:schemeClr val="accent1"/>
+          </a:effectRef>
+          <a:fontRef idx="minor">
+            <a:schemeClr val="tx1"/>
+          </a:fontRef>
+        </p:style>
+      </p:cxnSp>
     </p:spTree>
   </p:cSld>
   <p:clrMapOvr>
@@ -8860,8 +9062,8 @@
         </p:nvSpPr>
         <p:spPr>
           <a:xfrm rot="0">
-            <a:off x="4547870" y="354330"/>
-            <a:ext cx="3101340" cy="478155"/>
+            <a:off x="4660900" y="346075"/>
+            <a:ext cx="2873375" cy="478155"/>
           </a:xfrm>
           <a:prstGeom prst="rect"/>
           <a:noFill/>
@@ -8888,7 +9090,27 @@
                 <a:latin typeface="나눔바른고딕" charset="0"/>
                 <a:ea typeface="나눔바른고딕" charset="0"/>
               </a:rPr>
-              <a:t>열한 번째 튜토리얼</a:t>
+              <a:t>열</a:t>
+            </a:r>
+            <a:r>
+              <a:rPr lang="ko-KR" altLang="en-US" sz="2500" b="1">
+                <a:solidFill>
+                  <a:schemeClr val="tx1"/>
+                </a:solidFill>
+                <a:latin typeface="나눔바른고딕" charset="0"/>
+                <a:ea typeface="나눔바른고딕" charset="0"/>
+              </a:rPr>
+              <a:t>한</a:t>
+            </a:r>
+            <a:r>
+              <a:rPr lang="ko-KR" altLang="en-US" sz="2500" b="1">
+                <a:solidFill>
+                  <a:schemeClr val="tx1"/>
+                </a:solidFill>
+                <a:latin typeface="나눔바른고딕" charset="0"/>
+                <a:ea typeface="나눔바른고딕" charset="0"/>
+              </a:rPr>
+              <a:t> 번째 튜토리얼</a:t>
             </a:r>
             <a:endParaRPr lang="ko-KR" altLang="en-US" sz="2500" b="1">
               <a:solidFill>
@@ -8902,7 +9124,7 @@
       </p:sp>
       <p:sp>
         <p:nvSpPr>
-          <p:cNvPr id="1243" name="텍스트 상자 75"/>
+          <p:cNvPr id="1216" name="Rect 0"/>
           <p:cNvSpPr txBox="1">
             <a:spLocks/>
           </p:cNvSpPr>
@@ -8910,8 +9132,8 @@
         </p:nvSpPr>
         <p:spPr>
           <a:xfrm rot="0">
-            <a:off x="6816725" y="4297680"/>
-            <a:ext cx="4165600" cy="2031365"/>
+            <a:off x="1247140" y="4094480"/>
+            <a:ext cx="4135755" cy="2031365"/>
           </a:xfrm>
           <a:prstGeom prst="rect"/>
           <a:noFill/>
@@ -8972,7 +9194,28 @@
                 <a:latin typeface="맑은 고딕" charset="0"/>
                 <a:ea typeface="맑은 고딕" charset="0"/>
               </a:rPr>
-              <a:t>마지막으로 키 입력을 했을 때 변화되는 정보를 일반 float 변수에 저장합니다. </a:t>
+              <a:t>이제</a:t>
+            </a:r>
+            <a:r>
+              <a:rPr lang="ko-KR" sz="1800">
+                <a:latin typeface="맑은 고딕" charset="0"/>
+                <a:ea typeface="맑은 고딕" charset="0"/>
+              </a:rPr>
+              <a:t> Siren Button과 Explosion Button 그리고 Magic </a:t>
+            </a:r>
+            <a:r>
+              <a:rPr lang="ko-KR" sz="1800">
+                <a:latin typeface="맑은 고딕" charset="0"/>
+                <a:ea typeface="맑은 고딕" charset="0"/>
+              </a:rPr>
+              <a:t>Button</a:t>
+            </a:r>
+            <a:r>
+              <a:rPr lang="ko-KR" sz="1800">
+                <a:latin typeface="맑은 고딕" charset="0"/>
+                <a:ea typeface="맑은 고딕" charset="0"/>
+              </a:rPr>
+              <a:t>의 On Click( ) 함수를 생성합니다.</a:t>
             </a:r>
             <a:endParaRPr lang="ko-KR" altLang="en-US" sz="1800">
               <a:latin typeface="맑은 고딕" charset="0"/>
@@ -8999,7 +9242,7 @@
                 <a:latin typeface="맑은 고딕" charset="0"/>
                 <a:ea typeface="맑은 고딕" charset="0"/>
               </a:rPr>
-              <a:t>최종적으로 CharacterController에 있는 Move 함수에 방향 정보와 속도를 설정합니다.</a:t>
+              <a:t>그런 다음 각각의 버튼에 있는 On Click( ) 함수에 Sound Manager 오브젝트를 넣어줍니다.</a:t>
             </a:r>
             <a:endParaRPr lang="ko-KR" altLang="en-US" sz="1800">
               <a:latin typeface="맑은 고딕" charset="0"/>
@@ -9008,16 +9251,131 @@
           </a:p>
         </p:txBody>
       </p:sp>
+      <p:sp>
+        <p:nvSpPr>
+          <p:cNvPr id="1223" name="Rect 0"/>
+          <p:cNvSpPr txBox="1">
+            <a:spLocks/>
+          </p:cNvSpPr>
+          <p:nvPr/>
+        </p:nvSpPr>
+        <p:spPr>
+          <a:xfrm rot="0">
+            <a:off x="6854825" y="4364990"/>
+            <a:ext cx="4125595" cy="1754505"/>
+          </a:xfrm>
+          <a:prstGeom prst="rect"/>
+          <a:noFill/>
+          <a:ln w="0">
+            <a:noFill/>
+            <a:prstDash/>
+          </a:ln>
+        </p:spPr>
+        <p:txBody>
+          <a:bodyPr wrap="square" lIns="89535" tIns="46355" rIns="89535" bIns="46355" numCol="1" vert="horz" anchor="t">
+            <a:spAutoFit/>
+          </a:bodyPr>
+          <a:lstStyle/>
+          <a:p>
+            <a:pPr marL="0" indent="0" rtl="0" algn="l" defTabSz="914400" eaLnBrk="1" latinLnBrk="0" hangingPunct="1">
+              <a:buFontTx/>
+              <a:buNone/>
+            </a:pPr>
+            <a:r>
+              <a:rPr sz="1800" b="1">
+                <a:solidFill>
+                  <a:srgbClr val="0611F2"/>
+                </a:solidFill>
+                <a:latin typeface="맑은 고딕" charset="0"/>
+                <a:ea typeface="맑은 고딕" charset="0"/>
+              </a:rPr>
+              <a:t>2</a:t>
+            </a:r>
+            <a:r>
+              <a:rPr lang="ko-KR" sz="1800" b="1">
+                <a:solidFill>
+                  <a:srgbClr val="0611F2"/>
+                </a:solidFill>
+                <a:latin typeface="맑은 고딕" charset="0"/>
+                <a:ea typeface="맑은 고딕" charset="0"/>
+              </a:rPr>
+              <a:t>8</a:t>
+            </a:r>
+            <a:r>
+              <a:rPr sz="1800" b="1">
+                <a:solidFill>
+                  <a:srgbClr val="0611F2"/>
+                </a:solidFill>
+                <a:latin typeface="맑은 고딕" charset="0"/>
+                <a:ea typeface="맑은 고딕" charset="0"/>
+              </a:rPr>
+              <a:t>.</a:t>
+            </a:r>
+            <a:r>
+              <a:rPr sz="1800">
+                <a:latin typeface="맑은 고딕" charset="0"/>
+                <a:ea typeface="맑은 고딕" charset="0"/>
+              </a:rPr>
+              <a:t> </a:t>
+            </a:r>
+            <a:r>
+              <a:rPr lang="ko-KR" sz="1800">
+                <a:latin typeface="맑은 고딕" charset="0"/>
+                <a:ea typeface="맑은 고딕" charset="0"/>
+              </a:rPr>
+              <a:t>그리고</a:t>
+            </a:r>
+            <a:r>
+              <a:rPr lang="ko-KR" sz="1800">
+                <a:latin typeface="맑은 고딕" charset="0"/>
+                <a:ea typeface="맑은 고딕" charset="0"/>
+              </a:rPr>
+              <a:t> SoundManager 스크립트에 있는 SoundCall( ) 함수를 선택합니다.</a:t>
+            </a:r>
+            <a:endParaRPr lang="ko-KR" altLang="en-US" sz="1800">
+              <a:latin typeface="맑은 고딕" charset="0"/>
+              <a:ea typeface="맑은 고딕" charset="0"/>
+            </a:endParaRPr>
+          </a:p>
+          <a:p>
+            <a:pPr marL="0" indent="0" rtl="0" algn="l" defTabSz="914400" eaLnBrk="1" latinLnBrk="0" hangingPunct="1">
+              <a:buFontTx/>
+              <a:buNone/>
+            </a:pPr>
+            <a:endParaRPr lang="ko-KR" altLang="en-US" sz="1800">
+              <a:latin typeface="맑은 고딕" charset="0"/>
+              <a:ea typeface="맑은 고딕" charset="0"/>
+            </a:endParaRPr>
+          </a:p>
+          <a:p>
+            <a:pPr marL="0" indent="0" rtl="0" algn="l" defTabSz="914400" eaLnBrk="1" latinLnBrk="0" hangingPunct="1">
+              <a:buFontTx/>
+              <a:buNone/>
+            </a:pPr>
+            <a:r>
+              <a:rPr lang="ko-KR" sz="1800">
+                <a:latin typeface="맑은 고딕" charset="0"/>
+                <a:ea typeface="맑은 고딕" charset="0"/>
+              </a:rPr>
+              <a:t>그다음 각각의 버튼에 원하는 소리의 이름을 정의합니다.</a:t>
+            </a:r>
+            <a:endParaRPr lang="ko-KR" altLang="en-US" sz="1800">
+              <a:latin typeface="맑은 고딕" charset="0"/>
+              <a:ea typeface="맑은 고딕" charset="0"/>
+            </a:endParaRPr>
+          </a:p>
+        </p:txBody>
+      </p:sp>
       <p:pic>
         <p:nvPicPr>
-          <p:cNvPr id="1245" name="그림 79"/>
+          <p:cNvPr id="1232" name="그림 46" descr="C:/Users/Admin1/AppData/Roaming/PolarisOffice/ETemp/12684_13172512/fImage30172693281.png"/>
           <p:cNvPicPr>
             <a:picLocks noChangeAspect="1"/>
           </p:cNvPicPr>
           <p:nvPr/>
         </p:nvPicPr>
         <p:blipFill rotWithShape="1">
-          <a:blip r:embed="rId4" cstate="hqprint">
+          <a:blip r:embed="rId2" cstate="hqprint">
             <a:extLst>
               <a:ext uri="{28A0092B-C50C-407E-A947-70E740481C1C}">
                 <a14:useLocalDpi xmlns:a14="http://schemas.microsoft.com/office/drawing/2010/main"/>
@@ -9030,131 +9388,149 @@
         </p:blipFill>
         <p:spPr>
           <a:xfrm rot="0">
-            <a:off x="1247140" y="1338580"/>
-            <a:ext cx="4108450" cy="2860040"/>
-          </a:xfrm>
-          <a:prstGeom prst="rect"/>
-          <a:noFill/>
+            <a:off x="2684780" y="1238250"/>
+            <a:ext cx="2693670" cy="1109345"/>
+          </a:xfrm>
+          <a:prstGeom prst="roundRect"/>
+          <a:solidFill>
+            <a:srgbClr val="EDEDED"/>
+          </a:solidFill>
         </p:spPr>
       </p:pic>
-      <p:sp>
-        <p:nvSpPr>
-          <p:cNvPr id="1246" name="텍스트 상자 82"/>
-          <p:cNvSpPr txBox="1">
-            <a:spLocks/>
-          </p:cNvSpPr>
-          <p:nvPr/>
-        </p:nvSpPr>
-        <p:spPr>
-          <a:xfrm rot="0">
-            <a:off x="1371600" y="4565015"/>
-            <a:ext cx="4004310" cy="1754505"/>
-          </a:xfrm>
-          <a:prstGeom prst="rect"/>
-          <a:noFill/>
-          <a:ln w="0">
-            <a:noFill/>
-            <a:prstDash/>
-          </a:ln>
-        </p:spPr>
-        <p:txBody>
-          <a:bodyPr wrap="square" lIns="89535" tIns="46355" rIns="89535" bIns="46355" numCol="1" vert="horz" anchor="t">
-            <a:spAutoFit/>
-          </a:bodyPr>
-          <a:lstStyle/>
-          <a:p>
-            <a:pPr marL="0" indent="0" rtl="0" algn="l" defTabSz="914400" eaLnBrk="1" latinLnBrk="0" hangingPunct="1">
-              <a:buFontTx/>
-              <a:buNone/>
-            </a:pPr>
-            <a:r>
-              <a:rPr sz="1800" b="1">
-                <a:solidFill>
-                  <a:srgbClr val="0611F2"/>
-                </a:solidFill>
-                <a:latin typeface="맑은 고딕" charset="0"/>
-                <a:ea typeface="맑은 고딕" charset="0"/>
-              </a:rPr>
-              <a:t>2</a:t>
-            </a:r>
-            <a:r>
-              <a:rPr lang="ko-KR" sz="1800" b="1">
-                <a:solidFill>
-                  <a:srgbClr val="0611F2"/>
-                </a:solidFill>
-                <a:latin typeface="맑은 고딕" charset="0"/>
-                <a:ea typeface="맑은 고딕" charset="0"/>
-              </a:rPr>
-              <a:t>6</a:t>
-            </a:r>
-            <a:r>
-              <a:rPr sz="1800" b="1">
-                <a:solidFill>
-                  <a:srgbClr val="0611F2"/>
-                </a:solidFill>
-                <a:latin typeface="맑은 고딕" charset="0"/>
-                <a:ea typeface="맑은 고딕" charset="0"/>
-              </a:rPr>
-              <a:t>.</a:t>
-            </a:r>
-            <a:r>
-              <a:rPr sz="1800">
-                <a:latin typeface="맑은 고딕" charset="0"/>
-                <a:ea typeface="맑은 고딕" charset="0"/>
-              </a:rPr>
-              <a:t> </a:t>
-            </a:r>
-            <a:r>
-              <a:rPr lang="ko-KR" sz="1800">
-                <a:latin typeface="맑은 고딕" charset="0"/>
-                <a:ea typeface="맑은 고딕" charset="0"/>
-              </a:rPr>
-              <a:t>그런 다음 속도를 지정할 float 변수와 CharacterController 변수를 선언합니다.</a:t>
-            </a:r>
-            <a:endParaRPr lang="ko-KR" altLang="en-US" sz="1800">
-              <a:latin typeface="맑은 고딕" charset="0"/>
-              <a:ea typeface="맑은 고딕" charset="0"/>
-            </a:endParaRPr>
-          </a:p>
-          <a:p>
-            <a:pPr marL="0" indent="0" rtl="0" algn="l" defTabSz="914400" eaLnBrk="1" latinLnBrk="0" hangingPunct="1">
-              <a:buFontTx/>
-              <a:buNone/>
-            </a:pPr>
-            <a:endParaRPr lang="ko-KR" altLang="en-US" sz="1800">
-              <a:latin typeface="맑은 고딕" charset="0"/>
-              <a:ea typeface="맑은 고딕" charset="0"/>
-            </a:endParaRPr>
-          </a:p>
-          <a:p>
-            <a:pPr marL="0" indent="0" rtl="0" algn="l" defTabSz="914400" eaLnBrk="1" latinLnBrk="0" hangingPunct="1">
-              <a:buFontTx/>
-              <a:buNone/>
-            </a:pPr>
-            <a:r>
-              <a:rPr lang="ko-KR" sz="1800">
-                <a:latin typeface="맑은 고딕" charset="0"/>
-                <a:ea typeface="맑은 고딕" charset="0"/>
-              </a:rPr>
-              <a:t>그다음 CharacterController 컴포넌트를 가져옵니다.</a:t>
-            </a:r>
-            <a:endParaRPr lang="ko-KR" altLang="en-US" sz="1800">
-              <a:latin typeface="맑은 고딕" charset="0"/>
-              <a:ea typeface="맑은 고딕" charset="0"/>
-            </a:endParaRPr>
-          </a:p>
-        </p:txBody>
-      </p:sp>
       <p:pic>
         <p:nvPicPr>
-          <p:cNvPr id="1247" name="그림 9" descr="C:/Users/Admin1/AppData/Roaming/PolarisOffice/ETemp/19344_21804320/fImage353911971478.png"/>
+          <p:cNvPr id="1233" name="그림 49" descr="C:/Users/Admin1/AppData/Roaming/PolarisOffice/ETemp/12684_13172512/fImage55662706827.png"/>
           <p:cNvPicPr>
             <a:picLocks noChangeAspect="1"/>
           </p:cNvPicPr>
           <p:nvPr/>
         </p:nvPicPr>
         <p:blipFill rotWithShape="1">
-          <a:blip r:embed="rId7" cstate="print">
+          <a:blip r:embed="rId3" cstate="hqprint">
+            <a:extLst>
+              <a:ext uri="{28A0092B-C50C-407E-A947-70E740481C1C}">
+                <a14:useLocalDpi xmlns:a14="http://schemas.microsoft.com/office/drawing/2010/main"/>
+              </a:ext>
+            </a:extLst>
+          </a:blip>
+          <a:stretch>
+            <a:fillRect/>
+          </a:stretch>
+        </p:blipFill>
+        <p:spPr>
+          <a:xfrm rot="0">
+            <a:off x="2710815" y="2528570"/>
+            <a:ext cx="2679065" cy="1395095"/>
+          </a:xfrm>
+          <a:prstGeom prst="roundRect"/>
+          <a:solidFill>
+            <a:srgbClr val="EDEDED"/>
+          </a:solidFill>
+        </p:spPr>
+      </p:pic>
+      <p:pic>
+        <p:nvPicPr>
+          <p:cNvPr id="1236" name="그림 56" descr="C:/Users/Admin1/AppData/Roaming/PolarisOffice/ETemp/12684_13172512/fImage7035273491.png"/>
+          <p:cNvPicPr>
+            <a:picLocks noChangeAspect="1"/>
+          </p:cNvPicPr>
+          <p:nvPr/>
+        </p:nvPicPr>
+        <p:blipFill rotWithShape="1">
+          <a:blip r:embed="rId5" cstate="hqprint">
+            <a:extLst>
+              <a:ext uri="{28A0092B-C50C-407E-A947-70E740481C1C}">
+                <a14:useLocalDpi xmlns:a14="http://schemas.microsoft.com/office/drawing/2010/main"/>
+              </a:ext>
+            </a:extLst>
+          </a:blip>
+          <a:stretch>
+            <a:fillRect/>
+          </a:stretch>
+        </p:blipFill>
+        <p:spPr>
+          <a:xfrm rot="0">
+            <a:off x="6862445" y="3300730"/>
+            <a:ext cx="4121150" cy="873125"/>
+          </a:xfrm>
+          <a:prstGeom prst="roundRect"/>
+          <a:solidFill>
+            <a:srgbClr val="EDEDED"/>
+          </a:solidFill>
+        </p:spPr>
+      </p:pic>
+      <p:pic>
+        <p:nvPicPr>
+          <p:cNvPr id="1237" name="그림 57" descr="C:/Users/Admin1/AppData/Roaming/PolarisOffice/ETemp/12684_13172512/fImage71522742995.png"/>
+          <p:cNvPicPr>
+            <a:picLocks noChangeAspect="1"/>
+          </p:cNvPicPr>
+          <p:nvPr/>
+        </p:nvPicPr>
+        <p:blipFill rotWithShape="1">
+          <a:blip r:embed="rId6" cstate="hqprint">
+            <a:extLst>
+              <a:ext uri="{28A0092B-C50C-407E-A947-70E740481C1C}">
+                <a14:useLocalDpi xmlns:a14="http://schemas.microsoft.com/office/drawing/2010/main"/>
+              </a:ext>
+            </a:extLst>
+          </a:blip>
+          <a:stretch>
+            <a:fillRect/>
+          </a:stretch>
+        </p:blipFill>
+        <p:spPr>
+          <a:xfrm rot="0">
+            <a:off x="6862445" y="2281555"/>
+            <a:ext cx="4121150" cy="862965"/>
+          </a:xfrm>
+          <a:prstGeom prst="roundRect"/>
+          <a:solidFill>
+            <a:srgbClr val="EDEDED"/>
+          </a:solidFill>
+        </p:spPr>
+      </p:pic>
+      <p:pic>
+        <p:nvPicPr>
+          <p:cNvPr id="1238" name="그림 58" descr="C:/Users/Admin1/AppData/Roaming/PolarisOffice/ETemp/12684_13172512/fImage69422751942.png"/>
+          <p:cNvPicPr>
+            <a:picLocks noChangeAspect="1"/>
+          </p:cNvPicPr>
+          <p:nvPr/>
+        </p:nvPicPr>
+        <p:blipFill rotWithShape="1">
+          <a:blip r:embed="rId7" cstate="hqprint">
+            <a:extLst>
+              <a:ext uri="{28A0092B-C50C-407E-A947-70E740481C1C}">
+                <a14:useLocalDpi xmlns:a14="http://schemas.microsoft.com/office/drawing/2010/main"/>
+              </a:ext>
+            </a:extLst>
+          </a:blip>
+          <a:stretch>
+            <a:fillRect/>
+          </a:stretch>
+        </p:blipFill>
+        <p:spPr>
+          <a:xfrm rot="0">
+            <a:off x="6852920" y="1229360"/>
+            <a:ext cx="4121150" cy="883920"/>
+          </a:xfrm>
+          <a:prstGeom prst="roundRect"/>
+          <a:solidFill>
+            <a:srgbClr val="EDEDED"/>
+          </a:solidFill>
+        </p:spPr>
+      </p:pic>
+      <p:pic>
+        <p:nvPicPr>
+          <p:cNvPr id="1239" name="그림 42" descr="C:/Users/Admin1/AppData/Roaming/PolarisOffice/ETemp/12684_13172512/fImage89733119358.png"/>
+          <p:cNvPicPr>
+            <a:picLocks noChangeAspect="1"/>
+          </p:cNvPicPr>
+          <p:nvPr/>
+        </p:nvPicPr>
+        <p:blipFill rotWithShape="1">
+          <a:blip r:embed="rId9" cstate="print">
             <a:extLst>
               <a:ext uri="{28A0092B-C50C-407E-A947-70E740481C1C}">
                 <a14:useLocalDpi xmlns:a14="http://schemas.microsoft.com/office/drawing/2010/main" val="0"/>
@@ -9167,8 +9543,8 @@
         </p:blipFill>
         <p:spPr>
           <a:xfrm rot="0">
-            <a:off x="6824980" y="1338580"/>
-            <a:ext cx="4149090" cy="2810510"/>
+            <a:off x="1247140" y="1238250"/>
+            <a:ext cx="1343025" cy="2694940"/>
           </a:xfrm>
           <a:prstGeom prst="roundRect"/>
           <a:solidFill>
@@ -9176,6 +9552,554 @@
           </a:solidFill>
         </p:spPr>
       </p:pic>
+      <p:cxnSp>
+        <p:nvCxnSpPr>
+          <p:cNvPr id="1235" name="도형 55"/>
+          <p:cNvCxnSpPr/>
+          <p:nvPr/>
+        </p:nvCxnSpPr>
+        <p:spPr>
+          <a:xfrm rot="0">
+            <a:off x="2381250" y="2390140"/>
+            <a:ext cx="1092200" cy="979170"/>
+          </a:xfrm>
+          <a:prstGeom prst="straightConnector1"/>
+          <a:ln w="6350" cap="flat" cmpd="sng">
+            <a:prstDash/>
+            <a:tailEnd type="triangle" w="med" len="med"/>
+          </a:ln>
+        </p:spPr>
+        <p:style>
+          <a:lnRef idx="1">
+            <a:schemeClr val="accent1"/>
+          </a:lnRef>
+          <a:fillRef idx="0">
+            <a:schemeClr val="accent1"/>
+          </a:fillRef>
+          <a:effectRef idx="0">
+            <a:schemeClr val="accent1"/>
+          </a:effectRef>
+          <a:fontRef idx="minor">
+            <a:schemeClr val="tx1"/>
+          </a:fontRef>
+        </p:style>
+      </p:cxnSp>
+    </p:spTree>
+  </p:cSld>
+  <p:clrMapOvr>
+    <a:masterClrMapping/>
+  </p:clrMapOvr>
+  <mc:AlternateContent xmlns:mc="http://schemas.openxmlformats.org/markup-compatibility/2006">
+    <mc:Choice xmlns:p14="http://schemas.microsoft.com/office/powerpoint/2010/main" Requires="p14">
+      <p:transition spd="slow" p14:dur="2000"/>
+    </mc:Choice>
+    <mc:Fallback>
+      <p:transition spd="slow"/>
+    </mc:Fallback>
+  </mc:AlternateContent>
+  <p:timing>
+    <p:tnLst>
+      <p:par>
+        <p:cTn id="1" dur="indefinite" restart="never" nodeType="tmRoot"/>
+      </p:par>
+    </p:tnLst>
+  </p:timing>
+</p:sld>
+</file>
+
+<file path=ppt/slides/slide13.xml><?xml version="1.0" encoding="utf-8"?>
+<p:sld xmlns:a="http://schemas.openxmlformats.org/drawingml/2006/main" xmlns:r="http://schemas.openxmlformats.org/officeDocument/2006/relationships" xmlns:p="http://schemas.openxmlformats.org/presentationml/2006/main" xmlns:p14="http://schemas.microsoft.com/office/powerpoint/2010/main">
+  <p:cSld>
+    <p:spTree>
+      <p:nvGrpSpPr>
+        <p:cNvPr id="1" name=""/>
+        <p:cNvGrpSpPr/>
+        <p:nvPr/>
+      </p:nvGrpSpPr>
+      <p:grpSpPr>
+        <a:xfrm>
+          <a:off x="0" y="0"/>
+          <a:ext cx="0" cy="0"/>
+          <a:chOff x="0" y="0"/>
+          <a:chExt cx="0" cy="0"/>
+        </a:xfrm>
+      </p:grpSpPr>
+      <p:sp>
+        <p:nvSpPr>
+          <p:cNvPr id="1031" name="Rect 0"/>
+          <p:cNvSpPr txBox="1">
+            <a:spLocks/>
+          </p:cNvSpPr>
+          <p:nvPr/>
+        </p:nvSpPr>
+        <p:spPr>
+          <a:xfrm rot="0">
+            <a:off x="4573905" y="354330"/>
+            <a:ext cx="3055620" cy="478155"/>
+          </a:xfrm>
+          <a:prstGeom prst="rect"/>
+          <a:noFill/>
+          <a:ln w="0">
+            <a:noFill/>
+            <a:prstDash/>
+          </a:ln>
+        </p:spPr>
+        <p:txBody>
+          <a:bodyPr wrap="square" lIns="89535" tIns="46355" rIns="89535" bIns="46355" numCol="1" vert="horz" anchor="t">
+            <a:spAutoFit/>
+          </a:bodyPr>
+          <a:lstStyle/>
+          <a:p>
+            <a:pPr marL="0" indent="0" algn="ctr" latinLnBrk="0">
+              <a:buFontTx/>
+              <a:buNone/>
+            </a:pPr>
+            <a:r>
+              <a:rPr lang="ko-KR" altLang="en-US" sz="2500" b="1">
+                <a:solidFill>
+                  <a:schemeClr val="tx1"/>
+                </a:solidFill>
+                <a:latin typeface="나눔바른고딕" charset="0"/>
+                <a:ea typeface="나눔바른고딕" charset="0"/>
+              </a:rPr>
+              <a:t>열</a:t>
+            </a:r>
+            <a:r>
+              <a:rPr lang="ko-KR" altLang="en-US" sz="2500" b="1">
+                <a:solidFill>
+                  <a:schemeClr val="tx1"/>
+                </a:solidFill>
+                <a:latin typeface="나눔바른고딕" charset="0"/>
+                <a:ea typeface="나눔바른고딕" charset="0"/>
+              </a:rPr>
+              <a:t>두</a:t>
+            </a:r>
+            <a:r>
+              <a:rPr lang="ko-KR" altLang="en-US" sz="2500" b="1">
+                <a:solidFill>
+                  <a:schemeClr val="tx1"/>
+                </a:solidFill>
+                <a:latin typeface="나눔바른고딕" charset="0"/>
+                <a:ea typeface="나눔바른고딕" charset="0"/>
+              </a:rPr>
+              <a:t> 번째 튜토리얼</a:t>
+            </a:r>
+            <a:endParaRPr lang="ko-KR" altLang="en-US" sz="2500" b="1">
+              <a:solidFill>
+                <a:schemeClr val="tx1"/>
+              </a:solidFill>
+              <a:latin typeface="나눔바른고딕" charset="0"/>
+              <a:ea typeface="나눔바른고딕" charset="0"/>
+            </a:endParaRPr>
+          </a:p>
+        </p:txBody>
+      </p:sp>
+      <p:sp>
+        <p:nvSpPr>
+          <p:cNvPr id="1243" name="텍스트 상자 75"/>
+          <p:cNvSpPr txBox="1">
+            <a:spLocks/>
+          </p:cNvSpPr>
+          <p:nvPr/>
+        </p:nvSpPr>
+        <p:spPr>
+          <a:xfrm rot="0">
+            <a:off x="6824980" y="4289425"/>
+            <a:ext cx="4146550" cy="2031365"/>
+          </a:xfrm>
+          <a:prstGeom prst="rect"/>
+          <a:noFill/>
+          <a:ln w="0">
+            <a:noFill/>
+            <a:prstDash/>
+          </a:ln>
+        </p:spPr>
+        <p:txBody>
+          <a:bodyPr wrap="square" lIns="89535" tIns="46355" rIns="89535" bIns="46355" numCol="1" vert="horz" anchor="t">
+            <a:spAutoFit/>
+          </a:bodyPr>
+          <a:lstStyle/>
+          <a:p>
+            <a:pPr marL="0" indent="0" rtl="0" algn="l" defTabSz="914400" eaLnBrk="1" latinLnBrk="0" hangingPunct="1">
+              <a:buFontTx/>
+              <a:buNone/>
+            </a:pPr>
+            <a:r>
+              <a:rPr sz="1800" b="1">
+                <a:solidFill>
+                  <a:srgbClr val="0611F2"/>
+                </a:solidFill>
+                <a:latin typeface="맑은 고딕" charset="0"/>
+                <a:ea typeface="맑은 고딕" charset="0"/>
+              </a:rPr>
+              <a:t>2</a:t>
+            </a:r>
+            <a:r>
+              <a:rPr lang="ko-KR" sz="1800" b="1">
+                <a:solidFill>
+                  <a:srgbClr val="0611F2"/>
+                </a:solidFill>
+                <a:latin typeface="맑은 고딕" charset="0"/>
+                <a:ea typeface="맑은 고딕" charset="0"/>
+              </a:rPr>
+              <a:t>7</a:t>
+            </a:r>
+            <a:r>
+              <a:rPr sz="1800" b="1">
+                <a:solidFill>
+                  <a:srgbClr val="0611F2"/>
+                </a:solidFill>
+                <a:latin typeface="맑은 고딕" charset="0"/>
+                <a:ea typeface="맑은 고딕" charset="0"/>
+              </a:rPr>
+              <a:t>.</a:t>
+            </a:r>
+            <a:r>
+              <a:rPr sz="1800">
+                <a:latin typeface="맑은 고딕" charset="0"/>
+                <a:ea typeface="맑은 고딕" charset="0"/>
+              </a:rPr>
+              <a:t> </a:t>
+            </a:r>
+            <a:r>
+              <a:rPr lang="ko-KR" sz="1800">
+                <a:latin typeface="맑은 고딕" charset="0"/>
+                <a:ea typeface="맑은 고딕" charset="0"/>
+              </a:rPr>
+              <a:t>그러고 나서</a:t>
+            </a:r>
+            <a:r>
+              <a:rPr lang="ko-KR" sz="1800">
+                <a:latin typeface="맑은 고딕" charset="0"/>
+                <a:ea typeface="맑은 고딕" charset="0"/>
+              </a:rPr>
+              <a:t> 입력을 했을 때 변화되는 정보를 float 변수에 저장합니다. </a:t>
+            </a:r>
+            <a:endParaRPr lang="ko-KR" altLang="en-US" sz="1800">
+              <a:latin typeface="맑은 고딕" charset="0"/>
+              <a:ea typeface="맑은 고딕" charset="0"/>
+            </a:endParaRPr>
+          </a:p>
+          <a:p>
+            <a:pPr marL="0" indent="0" rtl="0" algn="l" defTabSz="914400" eaLnBrk="1" latinLnBrk="0" hangingPunct="1">
+              <a:buFontTx/>
+              <a:buNone/>
+            </a:pPr>
+            <a:endParaRPr lang="ko-KR" altLang="en-US" sz="1800">
+              <a:latin typeface="맑은 고딕" charset="0"/>
+              <a:ea typeface="맑은 고딕" charset="0"/>
+            </a:endParaRPr>
+          </a:p>
+          <a:p>
+            <a:pPr marL="0" indent="0" rtl="0" algn="l" defTabSz="914400" eaLnBrk="1" latinLnBrk="0" hangingPunct="1">
+              <a:buFontTx/>
+              <a:buNone/>
+            </a:pPr>
+            <a:r>
+              <a:rPr lang="ko-KR" sz="1800">
+                <a:latin typeface="맑은 고딕" charset="0"/>
+                <a:ea typeface="맑은 고딕" charset="0"/>
+              </a:rPr>
+              <a:t>마지막으로</a:t>
+            </a:r>
+            <a:r>
+              <a:rPr lang="ko-KR" sz="1800">
+                <a:latin typeface="맑은 고딕" charset="0"/>
+                <a:ea typeface="맑은 고딕" charset="0"/>
+              </a:rPr>
+              <a:t> CharacterController에 있는 </a:t>
+            </a:r>
+            <a:r>
+              <a:rPr lang="ko-KR" sz="1800">
+                <a:latin typeface="맑은 고딕" charset="0"/>
+                <a:ea typeface="맑은 고딕" charset="0"/>
+              </a:rPr>
+              <a:t>Simple</a:t>
+            </a:r>
+            <a:r>
+              <a:rPr lang="ko-KR" sz="1800">
+                <a:latin typeface="맑은 고딕" charset="0"/>
+                <a:ea typeface="맑은 고딕" charset="0"/>
+              </a:rPr>
+              <a:t>Move</a:t>
+            </a:r>
+            <a:r>
+              <a:rPr lang="ko-KR" sz="1800">
+                <a:latin typeface="맑은 고딕" charset="0"/>
+                <a:ea typeface="맑은 고딕" charset="0"/>
+              </a:rPr>
+              <a:t>( )</a:t>
+            </a:r>
+            <a:r>
+              <a:rPr lang="ko-KR" sz="1800">
+                <a:latin typeface="맑은 고딕" charset="0"/>
+                <a:ea typeface="맑은 고딕" charset="0"/>
+              </a:rPr>
+              <a:t>함수에 방향 정보와 속도를 설정합니다.</a:t>
+            </a:r>
+            <a:endParaRPr lang="ko-KR" altLang="en-US" sz="1800">
+              <a:latin typeface="맑은 고딕" charset="0"/>
+              <a:ea typeface="맑은 고딕" charset="0"/>
+            </a:endParaRPr>
+          </a:p>
+        </p:txBody>
+      </p:sp>
+      <p:sp>
+        <p:nvSpPr>
+          <p:cNvPr id="1246" name="텍스트 상자 82"/>
+          <p:cNvSpPr txBox="1">
+            <a:spLocks/>
+          </p:cNvSpPr>
+          <p:nvPr/>
+        </p:nvSpPr>
+        <p:spPr>
+          <a:xfrm rot="0">
+            <a:off x="1222375" y="5113655"/>
+            <a:ext cx="4148455" cy="1200785"/>
+          </a:xfrm>
+          <a:prstGeom prst="rect"/>
+          <a:noFill/>
+          <a:ln w="0">
+            <a:noFill/>
+            <a:prstDash/>
+          </a:ln>
+        </p:spPr>
+        <p:txBody>
+          <a:bodyPr wrap="square" lIns="89535" tIns="46355" rIns="89535" bIns="46355" numCol="1" vert="horz" anchor="t">
+            <a:spAutoFit/>
+          </a:bodyPr>
+          <a:lstStyle/>
+          <a:p>
+            <a:pPr marL="0" indent="0" rtl="0" algn="l" defTabSz="914400" eaLnBrk="1" latinLnBrk="0" hangingPunct="1">
+              <a:buFontTx/>
+              <a:buNone/>
+            </a:pPr>
+            <a:r>
+              <a:rPr sz="1800" b="1">
+                <a:solidFill>
+                  <a:srgbClr val="0611F2"/>
+                </a:solidFill>
+                <a:latin typeface="맑은 고딕" charset="0"/>
+                <a:ea typeface="맑은 고딕" charset="0"/>
+              </a:rPr>
+              <a:t>2</a:t>
+            </a:r>
+            <a:r>
+              <a:rPr lang="ko-KR" sz="1800" b="1">
+                <a:solidFill>
+                  <a:srgbClr val="0611F2"/>
+                </a:solidFill>
+                <a:latin typeface="맑은 고딕" charset="0"/>
+                <a:ea typeface="맑은 고딕" charset="0"/>
+              </a:rPr>
+              <a:t>6</a:t>
+            </a:r>
+            <a:r>
+              <a:rPr sz="1800" b="1">
+                <a:solidFill>
+                  <a:srgbClr val="0611F2"/>
+                </a:solidFill>
+                <a:latin typeface="맑은 고딕" charset="0"/>
+                <a:ea typeface="맑은 고딕" charset="0"/>
+              </a:rPr>
+              <a:t>.</a:t>
+            </a:r>
+            <a:r>
+              <a:rPr sz="1800">
+                <a:latin typeface="맑은 고딕" charset="0"/>
+                <a:ea typeface="맑은 고딕" charset="0"/>
+              </a:rPr>
+              <a:t> </a:t>
+            </a:r>
+            <a:r>
+              <a:rPr lang="ko-KR" sz="1800">
+                <a:latin typeface="맑은 고딕" charset="0"/>
+                <a:ea typeface="맑은 고딕" charset="0"/>
+              </a:rPr>
+              <a:t>그런 다음 속도를 지정할 float 변수와 CharacterController 변수를 선언</a:t>
+            </a:r>
+            <a:r>
+              <a:rPr lang="ko-KR" sz="1800">
+                <a:latin typeface="맑은 고딕" charset="0"/>
+                <a:ea typeface="맑은 고딕" charset="0"/>
+              </a:rPr>
+              <a:t>한 다음</a:t>
+            </a:r>
+            <a:r>
+              <a:rPr lang="ko-KR" sz="1800">
+                <a:latin typeface="맑은 고딕" charset="0"/>
+                <a:ea typeface="맑은 고딕" charset="0"/>
+              </a:rPr>
+              <a:t> CharacterController 컴포넌트를 가져옵니다.</a:t>
+            </a:r>
+            <a:endParaRPr lang="ko-KR" altLang="en-US" sz="1800">
+              <a:latin typeface="맑은 고딕" charset="0"/>
+              <a:ea typeface="맑은 고딕" charset="0"/>
+            </a:endParaRPr>
+          </a:p>
+        </p:txBody>
+      </p:sp>
+      <p:pic>
+        <p:nvPicPr>
+          <p:cNvPr id="1247" name="그림 9" descr="C:/Users/Admin1/AppData/Roaming/PolarisOffice/ETemp/12684_13172512/fImage353911971478.png"/>
+          <p:cNvPicPr>
+            <a:picLocks noChangeAspect="1"/>
+          </p:cNvPicPr>
+          <p:nvPr/>
+        </p:nvPicPr>
+        <p:blipFill rotWithShape="1">
+          <a:blip r:embed="rId7" cstate="hqprint">
+            <a:extLst>
+              <a:ext uri="{28A0092B-C50C-407E-A947-70E740481C1C}">
+                <a14:useLocalDpi xmlns:a14="http://schemas.microsoft.com/office/drawing/2010/main"/>
+              </a:ext>
+            </a:extLst>
+          </a:blip>
+          <a:stretch>
+            <a:fillRect/>
+          </a:stretch>
+        </p:blipFill>
+        <p:spPr>
+          <a:xfrm rot="0">
+            <a:off x="6824980" y="1330325"/>
+            <a:ext cx="4149725" cy="2819400"/>
+          </a:xfrm>
+          <a:prstGeom prst="roundRect"/>
+          <a:solidFill>
+            <a:srgbClr val="EDEDED"/>
+          </a:solidFill>
+        </p:spPr>
+      </p:pic>
+      <p:pic>
+        <p:nvPicPr>
+          <p:cNvPr id="1248" name="그림 1" descr="C:/Users/Admin1/AppData/Roaming/PolarisOffice/ETemp/12684_13172512/fImage243752006962.png"/>
+          <p:cNvPicPr>
+            <a:picLocks noChangeAspect="1"/>
+          </p:cNvPicPr>
+          <p:nvPr/>
+        </p:nvPicPr>
+        <p:blipFill rotWithShape="1">
+          <a:blip r:embed="rId8" cstate="print">
+            <a:extLst>
+              <a:ext uri="{28A0092B-C50C-407E-A947-70E740481C1C}">
+                <a14:useLocalDpi xmlns:a14="http://schemas.microsoft.com/office/drawing/2010/main" val="0"/>
+              </a:ext>
+            </a:extLst>
+          </a:blip>
+          <a:stretch>
+            <a:fillRect/>
+          </a:stretch>
+        </p:blipFill>
+        <p:spPr>
+          <a:xfrm rot="0">
+            <a:off x="1230630" y="3517900"/>
+            <a:ext cx="4140200" cy="1504315"/>
+          </a:xfrm>
+          <a:prstGeom prst="roundRect"/>
+          <a:solidFill>
+            <a:srgbClr val="EDEDED"/>
+          </a:solidFill>
+        </p:spPr>
+      </p:pic>
+      <p:pic>
+        <p:nvPicPr>
+          <p:cNvPr id="1249" name="그림 4" descr="C:/Users/Admin1/AppData/Roaming/PolarisOffice/ETemp/12684_13172512/fImage75182256334.png"/>
+          <p:cNvPicPr>
+            <a:picLocks noChangeAspect="1"/>
+          </p:cNvPicPr>
+          <p:nvPr/>
+        </p:nvPicPr>
+        <p:blipFill rotWithShape="1">
+          <a:blip r:embed="rId9" cstate="hqprint">
+            <a:extLst>
+              <a:ext uri="{28A0092B-C50C-407E-A947-70E740481C1C}">
+                <a14:useLocalDpi xmlns:a14="http://schemas.microsoft.com/office/drawing/2010/main"/>
+              </a:ext>
+            </a:extLst>
+          </a:blip>
+          <a:stretch>
+            <a:fillRect/>
+          </a:stretch>
+        </p:blipFill>
+        <p:spPr>
+          <a:xfrm rot="0">
+            <a:off x="1286510" y="1322070"/>
+            <a:ext cx="4092575" cy="1085850"/>
+          </a:xfrm>
+          <a:prstGeom prst="roundRect"/>
+          <a:solidFill>
+            <a:srgbClr val="EDEDED"/>
+          </a:solidFill>
+        </p:spPr>
+      </p:pic>
+      <p:sp>
+        <p:nvSpPr>
+          <p:cNvPr id="1250" name="텍스트 상자 5"/>
+          <p:cNvSpPr txBox="1">
+            <a:spLocks/>
+          </p:cNvSpPr>
+          <p:nvPr/>
+        </p:nvSpPr>
+        <p:spPr>
+          <a:xfrm rot="0">
+            <a:off x="1290955" y="2481580"/>
+            <a:ext cx="4071620" cy="923925"/>
+          </a:xfrm>
+          <a:prstGeom prst="rect"/>
+          <a:noFill/>
+          <a:ln w="0">
+            <a:noFill/>
+            <a:prstDash/>
+          </a:ln>
+        </p:spPr>
+        <p:txBody>
+          <a:bodyPr wrap="square" lIns="89535" tIns="46355" rIns="89535" bIns="46355" numCol="1" vert="horz" anchor="t">
+            <a:spAutoFit/>
+          </a:bodyPr>
+          <a:lstStyle/>
+          <a:p>
+            <a:pPr marL="0" indent="0" rtl="0" algn="l" defTabSz="914400" eaLnBrk="1" latinLnBrk="0" hangingPunct="1">
+              <a:buFontTx/>
+              <a:buNone/>
+            </a:pPr>
+            <a:r>
+              <a:rPr sz="1800" b="1">
+                <a:solidFill>
+                  <a:srgbClr val="0611F2"/>
+                </a:solidFill>
+                <a:latin typeface="맑은 고딕" charset="0"/>
+                <a:ea typeface="맑은 고딕" charset="0"/>
+              </a:rPr>
+              <a:t>22.</a:t>
+            </a:r>
+            <a:r>
+              <a:rPr sz="1800">
+                <a:latin typeface="맑은 고딕" charset="0"/>
+                <a:ea typeface="맑은 고딕" charset="0"/>
+              </a:rPr>
+              <a:t> 그리</a:t>
+            </a:r>
+            <a:r>
+              <a:rPr lang="ko-KR" sz="1800">
+                <a:latin typeface="맑은 고딕" charset="0"/>
+                <a:ea typeface="맑은 고딕" charset="0"/>
+              </a:rPr>
+              <a:t>고</a:t>
+            </a:r>
+            <a:r>
+              <a:rPr lang="ko-KR" sz="1800">
+                <a:latin typeface="맑은 고딕" charset="0"/>
+                <a:ea typeface="맑은 고딕" charset="0"/>
+              </a:rPr>
+              <a:t> Volume 오브젝트의 On Value Changed에 VolumeControl( ) 함수를 설정합니다. </a:t>
+            </a:r>
+            <a:endParaRPr lang="ko-KR" altLang="en-US" sz="1800">
+              <a:latin typeface="맑은 고딕" charset="0"/>
+              <a:ea typeface="맑은 고딕" charset="0"/>
+            </a:endParaRPr>
+          </a:p>
+        </p:txBody>
+      </p:sp>
     </p:spTree>
   </p:cSld>
   <p:clrMapOvr>
@@ -10016,7 +10940,7 @@
       </p:pic>
       <p:pic>
         <p:nvPicPr>
-          <p:cNvPr id="1216" name="그림 16" descr="C:/Users/Admin1/AppData/Roaming/PolarisOffice/ETemp/20124_21682544/fImage51932869169.png"/>
+          <p:cNvPr id="1216" name="그림 16"/>
           <p:cNvPicPr>
             <a:picLocks noChangeAspect="1"/>
           </p:cNvPicPr>
@@ -10047,7 +10971,7 @@
       </p:pic>
       <p:pic>
         <p:nvPicPr>
-          <p:cNvPr id="1217" name="그림 17" descr="C:/Users/Admin1/AppData/Roaming/PolarisOffice/ETemp/20124_21682544/fImage51932875724.png"/>
+          <p:cNvPr id="1217" name="그림 17"/>
           <p:cNvPicPr>
             <a:picLocks noChangeAspect="1"/>
           </p:cNvPicPr>
@@ -10141,7 +11065,7 @@
       </p:cxnSp>
       <p:pic>
         <p:nvPicPr>
-          <p:cNvPr id="1219" name="그림 14" descr="C:/Users/Admin1/AppData/Roaming/PolarisOffice/ETemp/20124_21682544/fImage135361999169.png"/>
+          <p:cNvPr id="1219" name="그림 14"/>
           <p:cNvPicPr>
             <a:picLocks noChangeAspect="1"/>
           </p:cNvPicPr>
@@ -10172,7 +11096,7 @@
       </p:pic>
       <p:pic>
         <p:nvPicPr>
-          <p:cNvPr id="1220" name="그림 1" descr="C:/Users/Admin1/AppData/Roaming/PolarisOffice/ETemp/20124_21682544/fImage1163219441.png"/>
+          <p:cNvPr id="1220" name="그림 1"/>
           <p:cNvPicPr>
             <a:picLocks noChangeAspect="1"/>
           </p:cNvPicPr>
@@ -10548,7 +11472,7 @@
       </p:sp>
       <p:pic>
         <p:nvPicPr>
-          <p:cNvPr id="6" name="그림 66" descr="C:/Users/Admin1/AppData/Roaming/PolarisOffice/ETemp/20124_21682544/fImage276312243281.png"/>
+          <p:cNvPr id="6" name="그림 66"/>
           <p:cNvPicPr>
             <a:picLocks noChangeAspect="1"/>
           </p:cNvPicPr>
@@ -10579,7 +11503,7 @@
       </p:pic>
       <p:pic>
         <p:nvPicPr>
-          <p:cNvPr id="7" name="그림 35" descr="C:/Users/Admin1/AppData/Roaming/PolarisOffice/ETemp/20124_21682544/fImage438352088467.png"/>
+          <p:cNvPr id="7" name="그림 35"/>
           <p:cNvPicPr>
             <a:picLocks noChangeAspect="1"/>
           </p:cNvPicPr>
@@ -10710,7 +11634,7 @@
       </p:sp>
       <p:pic>
         <p:nvPicPr>
-          <p:cNvPr id="1193" name="그림 41" descr="C:/Users/Admin1/AppData/Roaming/PolarisOffice/ETemp/20124_21682544/fImage85062125705.png"/>
+          <p:cNvPr id="1193" name="그림 41"/>
           <p:cNvPicPr>
             <a:picLocks noChangeAspect="1"/>
           </p:cNvPicPr>
@@ -10920,7 +11844,7 @@
       </p:sp>
       <p:pic>
         <p:nvPicPr>
-          <p:cNvPr id="1199" name="그림 57" descr="C:/Users/Admin1/AppData/Roaming/PolarisOffice/ETemp/20124_21682544/fImage329752219961.png"/>
+          <p:cNvPr id="1199" name="그림 57"/>
           <p:cNvPicPr>
             <a:picLocks noChangeAspect="1"/>
           </p:cNvPicPr>
@@ -10949,7 +11873,7 @@
       </p:pic>
       <p:pic>
         <p:nvPicPr>
-          <p:cNvPr id="1200" name="그림 62" descr="C:/Users/Admin1/AppData/Roaming/PolarisOffice/ETemp/20124_21682544/fImage2297222491.png"/>
+          <p:cNvPr id="1200" name="그림 62"/>
           <p:cNvPicPr>
             <a:picLocks noChangeAspect="1"/>
           </p:cNvPicPr>
@@ -11015,7 +11939,7 @@
       </p:cxnSp>
       <p:pic>
         <p:nvPicPr>
-          <p:cNvPr id="1202" name="그림 5" descr="C:/Users/Admin1/AppData/Roaming/PolarisOffice/ETemp/20124_21682544/fImage57511968467.png"/>
+          <p:cNvPr id="1202" name="그림 5"/>
           <p:cNvPicPr>
             <a:picLocks noChangeAspect="1"/>
           </p:cNvPicPr>
@@ -11363,7 +12287,7 @@
       </p:pic>
       <p:pic>
         <p:nvPicPr>
-          <p:cNvPr id="1201" name="그림 11" descr="C:/Users/Admin1/AppData/Roaming/PolarisOffice/ETemp/19344_21804320/fImage220051176334.png"/>
+          <p:cNvPr id="1201" name="그림 11"/>
           <p:cNvPicPr>
             <a:picLocks noChangeAspect="1"/>
           </p:cNvPicPr>
@@ -11531,7 +12455,7 @@
       </p:sp>
       <p:pic>
         <p:nvPicPr>
-          <p:cNvPr id="1208" name="그림 5" descr="C:/Users/Admin1/AppData/Roaming/PolarisOffice/ETemp/19344_21804320/fImage3254219541.png"/>
+          <p:cNvPr id="1208" name="그림 5"/>
           <p:cNvPicPr>
             <a:picLocks noChangeAspect="1"/>
           </p:cNvPicPr>
@@ -11562,7 +12486,7 @@
       </p:pic>
       <p:pic>
         <p:nvPicPr>
-          <p:cNvPr id="1209" name="그림 6" descr="C:/Users/Admin1/AppData/Roaming/PolarisOffice/ETemp/19344_21804320/fImage68551968467.png"/>
+          <p:cNvPr id="1209" name="그림 6"/>
           <p:cNvPicPr>
             <a:picLocks noChangeAspect="1"/>
           </p:cNvPicPr>
@@ -11973,7 +12897,7 @@
       </p:pic>
       <p:pic>
         <p:nvPicPr>
-          <p:cNvPr id="1208" name="그림 48" descr="C:/Users/Admin1/AppData/Roaming/PolarisOffice/ETemp/19344_21804320/fImage213922146962.png"/>
+          <p:cNvPr id="1208" name="그림 48"/>
           <p:cNvPicPr>
             <a:picLocks noChangeAspect="1"/>
           </p:cNvPicPr>
@@ -12004,7 +12928,7 @@
       </p:pic>
       <p:pic>
         <p:nvPicPr>
-          <p:cNvPr id="1209" name="그림 51" descr="C:/Users/Admin1/AppData/Roaming/PolarisOffice/ETemp/19344_21804320/fImage136862154464.png"/>
+          <p:cNvPr id="1209" name="그림 51"/>
           <p:cNvPicPr>
             <a:picLocks noChangeAspect="1"/>
           </p:cNvPicPr>
@@ -12302,8 +13226,8 @@
         </p:nvSpPr>
         <p:spPr>
           <a:xfrm rot="0">
-            <a:off x="6808470" y="3856990"/>
-            <a:ext cx="4140835" cy="2585085"/>
+            <a:off x="6808470" y="3788410"/>
+            <a:ext cx="4141470" cy="2585720"/>
           </a:xfrm>
           <a:prstGeom prst="rect"/>
           <a:noFill/>
@@ -12330,17 +13254,7 @@
                 <a:latin typeface="맑은 고딕" charset="0"/>
                 <a:ea typeface="맑은 고딕" charset="0"/>
               </a:rPr>
-              <a:t>20</a:t>
-            </a:r>
-            <a:r>
-              <a:rPr sz="1800" b="1">
-                <a:solidFill>
-                  <a:srgbClr val="0611F2"/>
-                </a:solidFill>
-                <a:latin typeface="맑은 고딕" charset="0"/>
-                <a:ea typeface="맑은 고딕" charset="0"/>
-              </a:rPr>
-              <a:t>.</a:t>
+              <a:t>20.</a:t>
             </a:r>
             <a:r>
               <a:rPr sz="1800">
@@ -12354,35 +13268,7 @@
                 <a:latin typeface="맑은 고딕" charset="0"/>
                 <a:ea typeface="맑은 고딕" charset="0"/>
               </a:rPr>
-              <a:t>그런 다음</a:t>
-            </a:r>
-            <a:r>
-              <a:rPr lang="ko-KR" sz="1800">
-                <a:latin typeface="맑은 고딕" charset="0"/>
-                <a:ea typeface="맑은 고딕" charset="0"/>
-              </a:rPr>
-              <a:t> SoundCall(int) 함수를 선언하고 오디오 소스의 PlayOneShot 함수에 오디오 클립의 인덱</a:t>
-            </a:r>
-            <a:r>
-              <a:rPr lang="ko-KR" sz="1800">
-                <a:latin typeface="맑은 고딕" charset="0"/>
-                <a:ea typeface="맑은 고딕" charset="0"/>
-              </a:rPr>
-              <a:t>스로</a:t>
-            </a:r>
-            <a:r>
-              <a:rPr lang="ko-KR" sz="1800">
-                <a:latin typeface="맑은 고딕" charset="0"/>
-                <a:ea typeface="맑은 고딕" charset="0"/>
-              </a:rPr>
-              <a:t> 매개변수를 </a:t>
-            </a:r>
-            <a:r>
-              <a:rPr lang="ko-KR" sz="1800">
-                <a:latin typeface="맑은 고딕" charset="0"/>
-                <a:ea typeface="맑은 고딕" charset="0"/>
-              </a:rPr>
-              <a:t>넣어줍니다.</a:t>
+              <a:t>그런 다음 SoundCall(int) 함수를 선언하고 오디오 소스의 PlayOneShot 함수에 오디오 클립의 인덱스로 매개변수를 넣어줍니다.</a:t>
             </a:r>
             <a:endParaRPr lang="ko-KR" altLang="en-US" sz="1800">
               <a:latin typeface="맑은 고딕" charset="0"/>
@@ -12409,35 +13295,7 @@
                 <a:latin typeface="맑은 고딕" charset="0"/>
                 <a:ea typeface="맑은 고딕" charset="0"/>
               </a:rPr>
-              <a:t>그리고 </a:t>
-            </a:r>
-            <a:r>
-              <a:rPr lang="ko-KR" sz="1800">
-                <a:latin typeface="맑은 고딕" charset="0"/>
-                <a:ea typeface="맑은 고딕" charset="0"/>
-              </a:rPr>
-              <a:t>Volume(float) 함수를 생성하고 매개변수에 float 변수로 오디오 소스의 볼륨 값</a:t>
-            </a:r>
-            <a:r>
-              <a:rPr lang="ko-KR" sz="1800">
-                <a:latin typeface="맑은 고딕" charset="0"/>
-                <a:ea typeface="맑은 고딕" charset="0"/>
-              </a:rPr>
-              <a:t>이</a:t>
-            </a:r>
-            <a:r>
-              <a:rPr lang="ko-KR" sz="1800">
-                <a:latin typeface="맑은 고딕" charset="0"/>
-                <a:ea typeface="맑은 고딕" charset="0"/>
-              </a:rPr>
-              <a:t> 설정</a:t>
-            </a:r>
-            <a:r>
-              <a:rPr lang="ko-KR" sz="1800">
-                <a:latin typeface="맑은 고딕" charset="0"/>
-                <a:ea typeface="맑은 고딕" charset="0"/>
-              </a:rPr>
-              <a:t>될 수 있도록 선언합니다.</a:t>
+              <a:t>그리고 Volume(float) 함수를 생성하고 매개변수에 float 변수로 오디오 소스의 볼륨 값이 설정될 수 있도록 선언합니다.</a:t>
             </a:r>
             <a:endParaRPr lang="ko-KR" altLang="en-US" sz="1800">
               <a:latin typeface="맑은 고딕" charset="0"/>
@@ -12448,7 +13306,7 @@
       </p:sp>
       <p:pic>
         <p:nvPicPr>
-          <p:cNvPr id="1218" name="그림 38" descr="C:/Users/Admin1/AppData/Roaming/PolarisOffice/ETemp/19344_21804320/fImage278162061478.png"/>
+          <p:cNvPr id="1218" name="그림 38" descr="C:/Users/Admin1/AppData/Roaming/PolarisOffice/ETemp/12684_13172512/fImage278162061478.png"/>
           <p:cNvPicPr>
             <a:picLocks noChangeAspect="1"/>
           </p:cNvPicPr>
@@ -12468,8 +13326,8 @@
         </p:blipFill>
         <p:spPr>
           <a:xfrm rot="0">
-            <a:off x="6816725" y="1355090"/>
-            <a:ext cx="4133215" cy="2336800"/>
+            <a:off x="6816725" y="1273175"/>
+            <a:ext cx="4133850" cy="2350770"/>
           </a:xfrm>
           <a:prstGeom prst="roundRect"/>
           <a:solidFill>
@@ -12479,17 +13337,17 @@
       </p:pic>
       <p:pic>
         <p:nvPicPr>
-          <p:cNvPr id="1219" name="그림 14" descr="C:/Users/Admin1/AppData/Roaming/PolarisOffice/ETemp/19344_21804320/fImage188971996334.png"/>
+          <p:cNvPr id="1219" name="그림 14" descr="C:/Users/Admin1/AppData/Roaming/PolarisOffice/ETemp/12684_13172512/fImage188971996334.png"/>
           <p:cNvPicPr>
             <a:picLocks noChangeAspect="1"/>
           </p:cNvPicPr>
           <p:nvPr/>
         </p:nvPicPr>
         <p:blipFill rotWithShape="1">
-          <a:blip r:embed="rId8" cstate="print">
+          <a:blip r:embed="rId8" cstate="hqprint">
             <a:extLst>
               <a:ext uri="{28A0092B-C50C-407E-A947-70E740481C1C}">
-                <a14:useLocalDpi xmlns:a14="http://schemas.microsoft.com/office/drawing/2010/main" val="0"/>
+                <a14:useLocalDpi xmlns:a14="http://schemas.microsoft.com/office/drawing/2010/main"/>
               </a:ext>
             </a:extLst>
           </a:blip>
@@ -12499,8 +13357,8 @@
         </p:blipFill>
         <p:spPr>
           <a:xfrm rot="0">
-            <a:off x="2452370" y="1346835"/>
-            <a:ext cx="2918460" cy="1388745"/>
+            <a:off x="2452370" y="1278255"/>
+            <a:ext cx="2919095" cy="1389380"/>
           </a:xfrm>
           <a:prstGeom prst="roundRect"/>
           <a:solidFill>
@@ -12510,17 +13368,17 @@
       </p:pic>
       <p:pic>
         <p:nvPicPr>
-          <p:cNvPr id="1220" name="그림 17" descr="C:/Users/Admin1/AppData/Roaming/PolarisOffice/ETemp/19344_21804320/fImage67852006500.png"/>
+          <p:cNvPr id="1220" name="그림 17" descr="C:/Users/Admin1/AppData/Roaming/PolarisOffice/ETemp/12684_13172512/fImage67852006500.png"/>
           <p:cNvPicPr>
             <a:picLocks noChangeAspect="1"/>
           </p:cNvPicPr>
           <p:nvPr/>
         </p:nvPicPr>
         <p:blipFill rotWithShape="1">
-          <a:blip r:embed="rId9" cstate="print">
+          <a:blip r:embed="rId9" cstate="hqprint">
             <a:extLst>
               <a:ext uri="{28A0092B-C50C-407E-A947-70E740481C1C}">
-                <a14:useLocalDpi xmlns:a14="http://schemas.microsoft.com/office/drawing/2010/main" val="0"/>
+                <a14:useLocalDpi xmlns:a14="http://schemas.microsoft.com/office/drawing/2010/main"/>
               </a:ext>
             </a:extLst>
           </a:blip>
@@ -12530,8 +13388,8 @@
         </p:blipFill>
         <p:spPr>
           <a:xfrm rot="0">
-            <a:off x="1238885" y="1339215"/>
-            <a:ext cx="1130935" cy="1403350"/>
+            <a:off x="1238885" y="1270635"/>
+            <a:ext cx="1131570" cy="1403985"/>
           </a:xfrm>
           <a:prstGeom prst="roundRect"/>
           <a:solidFill>
@@ -12549,8 +13407,8 @@
         </p:nvSpPr>
         <p:spPr>
           <a:xfrm rot="0">
-            <a:off x="1229995" y="2806700"/>
-            <a:ext cx="4138295" cy="1200785"/>
+            <a:off x="1229995" y="2738120"/>
+            <a:ext cx="4138930" cy="1201420"/>
           </a:xfrm>
           <a:prstGeom prst="rect"/>
           <a:noFill/>
@@ -12611,14 +13469,7 @@
                 <a:latin typeface="맑은 고딕" charset="0"/>
                 <a:ea typeface="맑은 고딕" charset="0"/>
               </a:rPr>
-              <a:t>이제 Sou</a:t>
-            </a:r>
-            <a:r>
-              <a:rPr lang="ko-KR" sz="1800">
-                <a:latin typeface="맑은 고딕" charset="0"/>
-                <a:ea typeface="맑은 고딕" charset="0"/>
-              </a:rPr>
-              <a:t>nd Manager 오브젝트의 AudioSource 변수에 Sound Box 오브젝트와 Sound Manager 오브젝트를 넣어줍니다.</a:t>
+              <a:t>이제 Sound Manager 오브젝트의 AudioSource 변수에 Sound Box 오브젝트와 Sound Manager 오브젝트를 넣어줍니다.</a:t>
             </a:r>
             <a:endParaRPr lang="ko-KR" altLang="en-US" sz="1800">
               <a:latin typeface="맑은 고딕" charset="0"/>
@@ -12635,13 +13486,12 @@
         </p:nvCxnSpPr>
         <p:spPr>
           <a:xfrm rot="0">
-            <a:off x="2103120" y="1936750"/>
-            <a:ext cx="3176270" cy="541020"/>
+            <a:off x="2103120" y="1868170"/>
+            <a:ext cx="3176905" cy="541655"/>
           </a:xfrm>
           <a:prstGeom prst="straightConnector1"/>
           <a:ln w="6350" cap="flat" cmpd="sng">
             <a:prstDash/>
-            <a:headEnd type="none" w="med" len="med"/>
             <a:tailEnd type="triangle" w="med" len="med"/>
           </a:ln>
         </p:spPr>
@@ -12668,13 +13518,12 @@
         </p:nvCxnSpPr>
         <p:spPr>
           <a:xfrm rot="0">
-            <a:off x="2319655" y="2136140"/>
-            <a:ext cx="2951480" cy="474980"/>
+            <a:off x="2319655" y="2067560"/>
+            <a:ext cx="2952115" cy="475615"/>
           </a:xfrm>
           <a:prstGeom prst="straightConnector1"/>
           <a:ln w="6350" cap="flat" cmpd="sng">
             <a:prstDash/>
-            <a:headEnd type="none" w="med" len="med"/>
             <a:tailEnd type="triangle" w="med" len="med"/>
           </a:ln>
         </p:spPr>
@@ -12695,17 +13544,17 @@
       </p:cxnSp>
       <p:pic>
         <p:nvPicPr>
-          <p:cNvPr id="1224" name="그림 24" descr="C:/Users/Admin1/AppData/Roaming/PolarisOffice/ETemp/19344_21804320/fImage118112059169.png"/>
+          <p:cNvPr id="1224" name="그림 24" descr="C:/Users/Admin1/AppData/Roaming/PolarisOffice/ETemp/12684_13172512/fImage118112059169.png"/>
           <p:cNvPicPr>
             <a:picLocks noChangeAspect="1"/>
           </p:cNvPicPr>
           <p:nvPr/>
         </p:nvPicPr>
         <p:blipFill rotWithShape="1">
-          <a:blip r:embed="rId10" cstate="print">
+          <a:blip r:embed="rId10" cstate="hqprint">
             <a:extLst>
               <a:ext uri="{28A0092B-C50C-407E-A947-70E740481C1C}">
-                <a14:useLocalDpi xmlns:a14="http://schemas.microsoft.com/office/drawing/2010/main" val="0"/>
+                <a14:useLocalDpi xmlns:a14="http://schemas.microsoft.com/office/drawing/2010/main"/>
               </a:ext>
             </a:extLst>
           </a:blip>
@@ -12715,8 +13564,8 @@
         </p:blipFill>
         <p:spPr>
           <a:xfrm rot="0">
-            <a:off x="1231265" y="4090670"/>
-            <a:ext cx="4139565" cy="1379855"/>
+            <a:off x="1231265" y="4022090"/>
+            <a:ext cx="4140200" cy="1380490"/>
           </a:xfrm>
           <a:prstGeom prst="roundRect"/>
           <a:solidFill>
@@ -12734,8 +13583,8 @@
         </p:nvSpPr>
         <p:spPr>
           <a:xfrm rot="0">
-            <a:off x="1243330" y="5529580"/>
-            <a:ext cx="4130040" cy="923925"/>
+            <a:off x="1243330" y="5461000"/>
+            <a:ext cx="4130675" cy="924560"/>
           </a:xfrm>
           <a:prstGeom prst="rect"/>
           <a:noFill/>
@@ -12905,8 +13754,8 @@
         </p:nvSpPr>
         <p:spPr>
           <a:xfrm rot="0">
-            <a:off x="1212850" y="2693035"/>
-            <a:ext cx="4148455" cy="1200785"/>
+            <a:off x="1245870" y="4429125"/>
+            <a:ext cx="4140835" cy="1754505"/>
           </a:xfrm>
           <a:prstGeom prst="rect"/>
           <a:noFill/>
@@ -12933,17 +13782,7 @@
                 <a:latin typeface="맑은 고딕" charset="0"/>
                 <a:ea typeface="맑은 고딕" charset="0"/>
               </a:rPr>
-              <a:t>21</a:t>
-            </a:r>
-            <a:r>
-              <a:rPr sz="1800" b="1">
-                <a:solidFill>
-                  <a:srgbClr val="0611F2"/>
-                </a:solidFill>
-                <a:latin typeface="맑은 고딕" charset="0"/>
-                <a:ea typeface="맑은 고딕" charset="0"/>
-              </a:rPr>
-              <a:t>.</a:t>
+              <a:t>21.</a:t>
             </a:r>
             <a:r>
               <a:rPr sz="1800">
@@ -12957,81 +13796,73 @@
                 <a:latin typeface="맑은 고딕" charset="0"/>
                 <a:ea typeface="맑은 고딕" charset="0"/>
               </a:rPr>
-              <a:t>그다음</a:t>
+              <a:t>그다음으로 Project 폴더</a:t>
             </a:r>
             <a:r>
               <a:rPr lang="ko-KR" sz="1800">
                 <a:latin typeface="맑은 고딕" charset="0"/>
                 <a:ea typeface="맑은 고딕" charset="0"/>
               </a:rPr>
-              <a:t>으로</a:t>
+              <a:t> 아래에 있 </a:t>
             </a:r>
             <a:r>
               <a:rPr lang="ko-KR" sz="1800">
                 <a:latin typeface="맑은 고딕" charset="0"/>
                 <a:ea typeface="맑은 고딕" charset="0"/>
               </a:rPr>
-              <a:t> Project 폴더에서 Texture</a:t>
+              <a:t>Texture 폴더에 Noodle 스프라이트 이미지를 선택</a:t>
             </a:r>
             <a:r>
               <a:rPr lang="ko-KR" sz="1800">
                 <a:latin typeface="맑은 고딕" charset="0"/>
                 <a:ea typeface="맑은 고딕" charset="0"/>
               </a:rPr>
-              <a:t> 폴더</a:t>
-            </a:r>
-            <a:r>
-              <a:rPr lang="ko-KR" sz="1800">
-                <a:latin typeface="맑은 고딕" charset="0"/>
-                <a:ea typeface="맑은 고딕" charset="0"/>
-              </a:rPr>
-              <a:t>에 </a:t>
-            </a:r>
-            <a:r>
-              <a:rPr lang="ko-KR" sz="1800">
-                <a:latin typeface="맑은 고딕" charset="0"/>
-                <a:ea typeface="맑은 고딕" charset="0"/>
-              </a:rPr>
-              <a:t>있는 </a:t>
-            </a:r>
-            <a:r>
-              <a:rPr lang="ko-KR" sz="1800">
-                <a:latin typeface="맑은 고딕" charset="0"/>
-                <a:ea typeface="맑은 고딕" charset="0"/>
-              </a:rPr>
-              <a:t>Noodle 스프라이트 이미지를 선택</a:t>
-            </a:r>
-            <a:r>
-              <a:rPr lang="ko-KR" sz="1800">
-                <a:latin typeface="맑은 고딕" charset="0"/>
-                <a:ea typeface="맑은 고딕" charset="0"/>
-              </a:rPr>
-              <a:t>하고</a:t>
-            </a:r>
-            <a:r>
-              <a:rPr lang="ko-KR" sz="1800">
-                <a:latin typeface="맑은 고딕" charset="0"/>
-                <a:ea typeface="맑은 고딕" charset="0"/>
-              </a:rPr>
-              <a:t> Handle 오브젝트에 넣어줍니다.</a:t>
+              <a:t>합니다.</a:t>
             </a:r>
             <a:endParaRPr lang="ko-KR" altLang="en-US" sz="1800">
               <a:latin typeface="맑은 고딕" charset="0"/>
               <a:ea typeface="맑은 고딕" charset="0"/>
             </a:endParaRPr>
           </a:p>
+          <a:p>
+            <a:pPr marL="0" indent="0" rtl="0" algn="l" defTabSz="914400" eaLnBrk="1" latinLnBrk="0" hangingPunct="1">
+              <a:buFontTx/>
+              <a:buNone/>
+            </a:pPr>
+            <a:endParaRPr lang="ko-KR" altLang="en-US" sz="1800">
+              <a:latin typeface="맑은 고딕" charset="0"/>
+              <a:ea typeface="맑은 고딕" charset="0"/>
+            </a:endParaRPr>
+          </a:p>
+          <a:p>
+            <a:pPr marL="0" indent="0" rtl="0" algn="l" defTabSz="914400" eaLnBrk="1" latinLnBrk="0" hangingPunct="1">
+              <a:buFontTx/>
+              <a:buNone/>
+            </a:pPr>
+            <a:r>
+              <a:rPr lang="ko-KR" sz="1800">
+                <a:latin typeface="맑은 고딕" charset="0"/>
+                <a:ea typeface="맑은 고딕" charset="0"/>
+              </a:rPr>
+              <a:t>마지막으로 Handle 오브젝트의 Source Image에 Noodle 이미지를 넣어줍니다.</a:t>
+            </a:r>
+            <a:endParaRPr lang="ko-KR" altLang="en-US" sz="1800">
+              <a:latin typeface="맑은 고딕" charset="0"/>
+              <a:ea typeface="맑은 고딕" charset="0"/>
+            </a:endParaRPr>
+          </a:p>
         </p:txBody>
       </p:sp>
       <p:pic>
         <p:nvPicPr>
-          <p:cNvPr id="1218" name="그림 4" descr="C:/Users/Admin1/AppData/Roaming/PolarisOffice/ETemp/19344_21804320/fImage276392248467.png"/>
+          <p:cNvPr id="1222" name="그림 16" descr="C:/Users/Admin1/AppData/Roaming/PolarisOffice/ETemp/12684_13172512/fImage191382309169.png"/>
           <p:cNvPicPr>
             <a:picLocks noChangeAspect="1"/>
           </p:cNvPicPr>
           <p:nvPr/>
         </p:nvPicPr>
         <p:blipFill rotWithShape="1">
-          <a:blip r:embed="rId3" cstate="hqprint">
+          <a:blip r:embed="rId6" cstate="hqprint">
             <a:extLst>
               <a:ext uri="{28A0092B-C50C-407E-A947-70E740481C1C}">
                 <a14:useLocalDpi xmlns:a14="http://schemas.microsoft.com/office/drawing/2010/main"/>
@@ -13044,8 +13875,8 @@
         </p:blipFill>
         <p:spPr>
           <a:xfrm rot="0">
-            <a:off x="2648585" y="1271905"/>
-            <a:ext cx="2710815" cy="1322070"/>
+            <a:off x="8313420" y="1307465"/>
+            <a:ext cx="2669540" cy="2717165"/>
           </a:xfrm>
           <a:prstGeom prst="roundRect"/>
           <a:solidFill>
@@ -13053,118 +13884,145 @@
           </a:solidFill>
         </p:spPr>
       </p:pic>
+      <p:sp>
+        <p:nvSpPr>
+          <p:cNvPr id="1223" name="텍스트 상자 19"/>
+          <p:cNvSpPr txBox="1">
+            <a:spLocks/>
+          </p:cNvSpPr>
+          <p:nvPr/>
+        </p:nvSpPr>
+        <p:spPr>
+          <a:xfrm rot="0">
+            <a:off x="6814820" y="4154170"/>
+            <a:ext cx="4171950" cy="2031365"/>
+          </a:xfrm>
+          <a:prstGeom prst="rect"/>
+          <a:noFill/>
+          <a:ln w="0">
+            <a:noFill/>
+            <a:prstDash/>
+          </a:ln>
+        </p:spPr>
+        <p:txBody>
+          <a:bodyPr wrap="square" lIns="89535" tIns="46355" rIns="89535" bIns="46355" numCol="1" vert="horz" anchor="t">
+            <a:spAutoFit/>
+          </a:bodyPr>
+          <a:lstStyle/>
+          <a:p>
+            <a:pPr marL="0" indent="0" rtl="0" algn="l" defTabSz="914400" eaLnBrk="1" latinLnBrk="0" hangingPunct="1">
+              <a:buFontTx/>
+              <a:buNone/>
+            </a:pPr>
+            <a:r>
+              <a:rPr sz="1800" b="1">
+                <a:solidFill>
+                  <a:srgbClr val="0611F2"/>
+                </a:solidFill>
+                <a:latin typeface="맑은 고딕" charset="0"/>
+                <a:ea typeface="맑은 고딕" charset="0"/>
+              </a:rPr>
+              <a:t>2</a:t>
+            </a:r>
+            <a:r>
+              <a:rPr sz="1800" b="1">
+                <a:solidFill>
+                  <a:srgbClr val="0611F2"/>
+                </a:solidFill>
+                <a:latin typeface="맑은 고딕" charset="0"/>
+                <a:ea typeface="맑은 고딕" charset="0"/>
+              </a:rPr>
+              <a:t>2</a:t>
+            </a:r>
+            <a:r>
+              <a:rPr sz="1800" b="1">
+                <a:solidFill>
+                  <a:srgbClr val="0611F2"/>
+                </a:solidFill>
+                <a:latin typeface="맑은 고딕" charset="0"/>
+                <a:ea typeface="맑은 고딕" charset="0"/>
+              </a:rPr>
+              <a:t>.</a:t>
+            </a:r>
+            <a:r>
+              <a:rPr sz="1800">
+                <a:latin typeface="맑은 고딕" charset="0"/>
+                <a:ea typeface="맑은 고딕" charset="0"/>
+              </a:rPr>
+              <a:t> </a:t>
+            </a:r>
+            <a:r>
+              <a:rPr lang="ko-KR" sz="1800">
+                <a:latin typeface="맑은 고딕" charset="0"/>
+                <a:ea typeface="맑은 고딕" charset="0"/>
+              </a:rPr>
+              <a:t>이제</a:t>
+            </a:r>
+            <a:r>
+              <a:rPr lang="ko-KR" sz="1800">
+                <a:latin typeface="맑은 고딕" charset="0"/>
+                <a:ea typeface="맑은 고딕" charset="0"/>
+              </a:rPr>
+              <a:t> UI에 Button 오브젝트 3개 생성합니다.</a:t>
+            </a:r>
+            <a:endParaRPr lang="ko-KR" altLang="en-US" sz="1800">
+              <a:latin typeface="맑은 고딕" charset="0"/>
+              <a:ea typeface="맑은 고딕" charset="0"/>
+            </a:endParaRPr>
+          </a:p>
+          <a:p>
+            <a:pPr marL="0" indent="0" rtl="0" algn="l" defTabSz="914400" eaLnBrk="1" latinLnBrk="0" hangingPunct="1">
+              <a:buFontTx/>
+              <a:buNone/>
+            </a:pPr>
+            <a:endParaRPr lang="ko-KR" altLang="en-US" sz="1800">
+              <a:latin typeface="맑은 고딕" charset="0"/>
+              <a:ea typeface="맑은 고딕" charset="0"/>
+            </a:endParaRPr>
+          </a:p>
+          <a:p>
+            <a:pPr marL="0" indent="0" rtl="0" algn="l" defTabSz="914400" eaLnBrk="1" latinLnBrk="0" hangingPunct="1">
+              <a:buFontTx/>
+              <a:buNone/>
+            </a:pPr>
+            <a:r>
+              <a:rPr lang="ko-KR" sz="1800">
+                <a:latin typeface="맑은 고딕" charset="0"/>
+                <a:ea typeface="맑은 고딕" charset="0"/>
+              </a:rPr>
+              <a:t>그</a:t>
+            </a:r>
+            <a:r>
+              <a:rPr lang="ko-KR" sz="1800">
+                <a:latin typeface="맑은 고딕" charset="0"/>
+                <a:ea typeface="맑은 고딕" charset="0"/>
+              </a:rPr>
+              <a:t>런 다음</a:t>
+            </a:r>
+            <a:r>
+              <a:rPr lang="ko-KR" sz="1800">
+                <a:latin typeface="맑은 고딕" charset="0"/>
+                <a:ea typeface="맑은 고딕" charset="0"/>
+              </a:rPr>
+              <a:t> Siren Button과 Explosion Button 그리고 Magic Button으로 각각의 Button 오브젝트의 이름을 정의합니다. </a:t>
+            </a:r>
+            <a:endParaRPr lang="ko-KR" altLang="en-US" sz="1800">
+              <a:latin typeface="맑은 고딕" charset="0"/>
+              <a:ea typeface="맑은 고딕" charset="0"/>
+            </a:endParaRPr>
+          </a:p>
+        </p:txBody>
+      </p:sp>
       <p:pic>
         <p:nvPicPr>
-          <p:cNvPr id="1219" name="그림 7" descr="C:/Users/Admin1/AppData/Roaming/PolarisOffice/ETemp/19344_21804320/fImage75182256334.png"/>
+          <p:cNvPr id="1224" name="그림 6" descr="C:/Users/Admin1/AppData/Roaming/PolarisOffice/ETemp/12684_13172512/fImage1635020341.png"/>
           <p:cNvPicPr>
             <a:picLocks noChangeAspect="1"/>
           </p:cNvPicPr>
           <p:nvPr/>
         </p:nvPicPr>
         <p:blipFill rotWithShape="1">
-          <a:blip r:embed="rId4" cstate="hqprint">
-            <a:extLst>
-              <a:ext uri="{28A0092B-C50C-407E-A947-70E740481C1C}">
-                <a14:useLocalDpi xmlns:a14="http://schemas.microsoft.com/office/drawing/2010/main"/>
-              </a:ext>
-            </a:extLst>
-          </a:blip>
-          <a:stretch>
-            <a:fillRect/>
-          </a:stretch>
-        </p:blipFill>
-        <p:spPr>
-          <a:xfrm rot="0">
-            <a:off x="1211580" y="4006850"/>
-            <a:ext cx="4137660" cy="1122680"/>
-          </a:xfrm>
-          <a:prstGeom prst="roundRect"/>
-          <a:solidFill>
-            <a:srgbClr val="EDEDED"/>
-          </a:solidFill>
-        </p:spPr>
-      </p:pic>
-      <p:sp>
-        <p:nvSpPr>
-          <p:cNvPr id="1220" name="텍스트 상자 10"/>
-          <p:cNvSpPr txBox="1">
-            <a:spLocks/>
-          </p:cNvSpPr>
-          <p:nvPr/>
-        </p:nvSpPr>
-        <p:spPr>
-          <a:xfrm>
-            <a:off x="1216025" y="5248910"/>
-            <a:ext cx="4133215" cy="923925"/>
-          </a:xfrm>
-          <a:prstGeom prst="rect"/>
-          <a:noFill/>
-          <a:ln w="0">
-            <a:noFill/>
-            <a:prstDash/>
-          </a:ln>
-        </p:spPr>
-        <p:txBody>
-          <a:bodyPr wrap="square" lIns="89535" tIns="46355" rIns="89535" bIns="46355" numCol="1" vert="horz" anchor="t">
-            <a:spAutoFit/>
-          </a:bodyPr>
-          <a:lstStyle/>
-          <a:p>
-            <a:pPr marL="0" indent="0" rtl="0" algn="l" defTabSz="914400" eaLnBrk="1" latinLnBrk="0" hangingPunct="1">
-              <a:buFontTx/>
-              <a:buNone/>
-            </a:pPr>
-            <a:r>
-              <a:rPr sz="1800" b="1">
-                <a:solidFill>
-                  <a:srgbClr val="0611F2"/>
-                </a:solidFill>
-                <a:latin typeface="맑은 고딕" charset="0"/>
-                <a:ea typeface="맑은 고딕" charset="0"/>
-              </a:rPr>
-              <a:t>22</a:t>
-            </a:r>
-            <a:r>
-              <a:rPr sz="1800" b="1">
-                <a:solidFill>
-                  <a:srgbClr val="0611F2"/>
-                </a:solidFill>
-                <a:latin typeface="맑은 고딕" charset="0"/>
-                <a:ea typeface="맑은 고딕" charset="0"/>
-              </a:rPr>
-              <a:t>.</a:t>
-            </a:r>
-            <a:r>
-              <a:rPr sz="1800">
-                <a:latin typeface="맑은 고딕" charset="0"/>
-                <a:ea typeface="맑은 고딕" charset="0"/>
-              </a:rPr>
-              <a:t> </a:t>
-            </a:r>
-            <a:r>
-              <a:rPr lang="ko-KR" sz="1800">
-                <a:latin typeface="맑은 고딕" charset="0"/>
-                <a:ea typeface="맑은 고딕" charset="0"/>
-              </a:rPr>
-              <a:t>이제 Volume 오브젝트의 On Value Changed에 VolumeControl( ) 함수를 설정합니다. </a:t>
-            </a:r>
-            <a:endParaRPr lang="ko-KR" altLang="en-US" sz="1800">
-              <a:latin typeface="맑은 고딕" charset="0"/>
-              <a:ea typeface="맑은 고딕" charset="0"/>
-            </a:endParaRPr>
-          </a:p>
-        </p:txBody>
-      </p:sp>
-      <p:pic>
-        <p:nvPicPr>
-          <p:cNvPr id="1221" name="그림 13"/>
-          <p:cNvPicPr>
-            <a:picLocks noChangeAspect="1"/>
-          </p:cNvPicPr>
-          <p:nvPr/>
-        </p:nvPicPr>
-        <p:blipFill rotWithShape="1">
-          <a:blip r:embed="rId5" cstate="print">
+          <a:blip r:embed="rId9" cstate="print">
             <a:extLst>
               <a:ext uri="{28A0092B-C50C-407E-A947-70E740481C1C}">
                 <a14:useLocalDpi xmlns:a14="http://schemas.microsoft.com/office/drawing/2010/main" val="0"/>
@@ -13177,8 +14035,8 @@
         </p:blipFill>
         <p:spPr>
           <a:xfrm rot="0">
-            <a:off x="6849745" y="1671955"/>
-            <a:ext cx="1239520" cy="1878330"/>
+            <a:off x="2619375" y="1316355"/>
+            <a:ext cx="2767330" cy="1767205"/>
           </a:xfrm>
           <a:prstGeom prst="roundRect"/>
           <a:solidFill>
@@ -13188,14 +14046,14 @@
       </p:pic>
       <p:pic>
         <p:nvPicPr>
-          <p:cNvPr id="1222" name="그림 16"/>
+          <p:cNvPr id="1225" name="그림 9" descr="C:/Users/Admin1/AppData/Roaming/PolarisOffice/ETemp/12684_13172512/fImage95762048467.png"/>
           <p:cNvPicPr>
             <a:picLocks noChangeAspect="1"/>
           </p:cNvPicPr>
           <p:nvPr/>
         </p:nvPicPr>
         <p:blipFill rotWithShape="1">
-          <a:blip r:embed="rId6" cstate="print">
+          <a:blip r:embed="rId10" cstate="print">
             <a:extLst>
               <a:ext uri="{28A0092B-C50C-407E-A947-70E740481C1C}">
                 <a14:useLocalDpi xmlns:a14="http://schemas.microsoft.com/office/drawing/2010/main" val="0"/>
@@ -13208,8 +14066,8 @@
         </p:blipFill>
         <p:spPr>
           <a:xfrm rot="0">
-            <a:off x="8313420" y="1271905"/>
-            <a:ext cx="2668905" cy="2752090"/>
+            <a:off x="1238250" y="1314450"/>
+            <a:ext cx="1302385" cy="1761490"/>
           </a:xfrm>
           <a:prstGeom prst="roundRect"/>
           <a:solidFill>
@@ -13217,114 +14075,16 @@
           </a:solidFill>
         </p:spPr>
       </p:pic>
-      <p:sp>
-        <p:nvSpPr>
-          <p:cNvPr id="1223" name="텍스트 상자 19"/>
-          <p:cNvSpPr txBox="1">
-            <a:spLocks/>
-          </p:cNvSpPr>
-          <p:nvPr/>
-        </p:nvSpPr>
-        <p:spPr>
-          <a:xfrm>
-            <a:off x="6837680" y="4119880"/>
-            <a:ext cx="4148455" cy="2031365"/>
-          </a:xfrm>
-          <a:prstGeom prst="rect"/>
-          <a:noFill/>
-          <a:ln w="0">
-            <a:noFill/>
-            <a:prstDash/>
-          </a:ln>
-        </p:spPr>
-        <p:txBody>
-          <a:bodyPr wrap="square" lIns="89535" tIns="46355" rIns="89535" bIns="46355" numCol="1" vert="horz" anchor="t">
-            <a:spAutoFit/>
-          </a:bodyPr>
-          <a:lstStyle/>
-          <a:p>
-            <a:pPr marL="0" indent="0" rtl="0" algn="l" defTabSz="914400" eaLnBrk="1" latinLnBrk="0" hangingPunct="1">
-              <a:buFontTx/>
-              <a:buNone/>
-            </a:pPr>
-            <a:r>
-              <a:rPr sz="1800" b="1">
-                <a:solidFill>
-                  <a:srgbClr val="0611F2"/>
-                </a:solidFill>
-                <a:latin typeface="맑은 고딕" charset="0"/>
-                <a:ea typeface="맑은 고딕" charset="0"/>
-              </a:rPr>
-              <a:t>23</a:t>
-            </a:r>
-            <a:r>
-              <a:rPr sz="1800" b="1">
-                <a:solidFill>
-                  <a:srgbClr val="0611F2"/>
-                </a:solidFill>
-                <a:latin typeface="맑은 고딕" charset="0"/>
-                <a:ea typeface="맑은 고딕" charset="0"/>
-              </a:rPr>
-              <a:t>.</a:t>
-            </a:r>
-            <a:r>
-              <a:rPr sz="1800">
-                <a:latin typeface="맑은 고딕" charset="0"/>
-                <a:ea typeface="맑은 고딕" charset="0"/>
-              </a:rPr>
-              <a:t> </a:t>
-            </a:r>
-            <a:r>
-              <a:rPr lang="ko-KR" sz="1800">
-                <a:latin typeface="맑은 고딕" charset="0"/>
-                <a:ea typeface="맑은 고딕" charset="0"/>
-              </a:rPr>
-              <a:t>그런 다음 UI에 Button 오브젝트 3개 생성합니다.</a:t>
-            </a:r>
-            <a:endParaRPr lang="ko-KR" altLang="en-US" sz="1800">
-              <a:latin typeface="맑은 고딕" charset="0"/>
-              <a:ea typeface="맑은 고딕" charset="0"/>
-            </a:endParaRPr>
-          </a:p>
-          <a:p>
-            <a:pPr marL="0" indent="0" rtl="0" algn="l" defTabSz="914400" eaLnBrk="1" latinLnBrk="0" hangingPunct="1">
-              <a:buFontTx/>
-              <a:buNone/>
-            </a:pPr>
-            <a:endParaRPr lang="ko-KR" altLang="en-US" sz="1800">
-              <a:latin typeface="맑은 고딕" charset="0"/>
-              <a:ea typeface="맑은 고딕" charset="0"/>
-            </a:endParaRPr>
-          </a:p>
-          <a:p>
-            <a:pPr marL="0" indent="0" rtl="0" algn="l" defTabSz="914400" eaLnBrk="1" latinLnBrk="0" hangingPunct="1">
-              <a:buFontTx/>
-              <a:buNone/>
-            </a:pPr>
-            <a:r>
-              <a:rPr lang="ko-KR" sz="1800">
-                <a:latin typeface="맑은 고딕" charset="0"/>
-                <a:ea typeface="맑은 고딕" charset="0"/>
-              </a:rPr>
-              <a:t>그다음으로 Siren Button과 Explosion Button 그리고 Magic Button으로 각각의 Button 오브젝트의 이름을 정의합니다. </a:t>
-            </a:r>
-            <a:endParaRPr lang="ko-KR" altLang="en-US" sz="1800">
-              <a:latin typeface="맑은 고딕" charset="0"/>
-              <a:ea typeface="맑은 고딕" charset="0"/>
-            </a:endParaRPr>
-          </a:p>
-        </p:txBody>
-      </p:sp>
       <p:pic>
         <p:nvPicPr>
-          <p:cNvPr id="1224" name="그림 28" descr="C:/Users/Admin1/AppData/Roaming/PolarisOffice/ETemp/19344_21804320/fImage95762075724.png"/>
+          <p:cNvPr id="1226" name="그림 12" descr="C:/Users/Admin1/AppData/Roaming/PolarisOffice/ETemp/12684_13172512/fImage363622056334.png"/>
           <p:cNvPicPr>
             <a:picLocks noChangeAspect="1"/>
           </p:cNvPicPr>
           <p:nvPr/>
         </p:nvPicPr>
         <p:blipFill rotWithShape="1">
-          <a:blip r:embed="rId8" cstate="print">
+          <a:blip r:embed="rId11" cstate="print">
             <a:extLst>
               <a:ext uri="{28A0092B-C50C-407E-A947-70E740481C1C}">
                 <a14:useLocalDpi xmlns:a14="http://schemas.microsoft.com/office/drawing/2010/main" val="0"/>
@@ -13337,8 +14097,72 @@
         </p:blipFill>
         <p:spPr>
           <a:xfrm rot="0">
-            <a:off x="1214120" y="1278890"/>
-            <a:ext cx="1280795" cy="1315085"/>
+            <a:off x="1257300" y="3246755"/>
+            <a:ext cx="4133215" cy="1031240"/>
+          </a:xfrm>
+          <a:prstGeom prst="roundRect"/>
+          <a:solidFill>
+            <a:srgbClr val="EDEDED"/>
+          </a:solidFill>
+        </p:spPr>
+      </p:pic>
+      <p:cxnSp>
+        <p:nvCxnSpPr>
+          <p:cNvPr id="1227" name="도형 20"/>
+          <p:cNvCxnSpPr/>
+          <p:nvPr/>
+        </p:nvCxnSpPr>
+        <p:spPr>
+          <a:xfrm rot="0" flipV="1">
+            <a:off x="3966210" y="1576070"/>
+            <a:ext cx="1325245" cy="1905635"/>
+          </a:xfrm>
+          <a:prstGeom prst="straightConnector1"/>
+          <a:ln w="6350" cap="flat" cmpd="sng">
+            <a:prstDash/>
+            <a:headEnd type="none" w="med" len="med"/>
+            <a:tailEnd type="triangle" w="med" len="med"/>
+          </a:ln>
+        </p:spPr>
+        <p:style>
+          <a:lnRef idx="1">
+            <a:schemeClr val="accent1"/>
+          </a:lnRef>
+          <a:fillRef idx="0">
+            <a:schemeClr val="accent1"/>
+          </a:fillRef>
+          <a:effectRef idx="0">
+            <a:schemeClr val="accent1"/>
+          </a:effectRef>
+          <a:fontRef idx="minor">
+            <a:schemeClr val="tx1"/>
+          </a:fontRef>
+        </p:style>
+      </p:cxnSp>
+      <p:pic>
+        <p:nvPicPr>
+          <p:cNvPr id="1228" name="그림 21" descr="C:/Users/Admin1/AppData/Roaming/PolarisOffice/ETemp/12684_13172512/fImage93492126500.png"/>
+          <p:cNvPicPr>
+            <a:picLocks noChangeAspect="1"/>
+          </p:cNvPicPr>
+          <p:nvPr/>
+        </p:nvPicPr>
+        <p:blipFill rotWithShape="1">
+          <a:blip r:embed="rId12" cstate="print">
+            <a:extLst>
+              <a:ext uri="{28A0092B-C50C-407E-A947-70E740481C1C}">
+                <a14:useLocalDpi xmlns:a14="http://schemas.microsoft.com/office/drawing/2010/main" val="0"/>
+              </a:ext>
+            </a:extLst>
+          </a:blip>
+          <a:stretch>
+            <a:fillRect/>
+          </a:stretch>
+        </p:blipFill>
+        <p:spPr>
+          <a:xfrm rot="0">
+            <a:off x="6823710" y="1671320"/>
+            <a:ext cx="1316990" cy="1991995"/>
           </a:xfrm>
           <a:prstGeom prst="roundRect"/>
           <a:solidFill>

--- a/Assets/Class/Sound/PPT Data/Sound Example.pptx
+++ b/Assets/Class/Sound/PPT Data/Sound Example.pptx
@@ -2,7 +2,7 @@
 <file path=ppt/presentation.xml><?xml version="1.0" encoding="utf-8"?>
 <p:presentation xmlns:a="http://schemas.openxmlformats.org/drawingml/2006/main" xmlns:r="http://schemas.openxmlformats.org/officeDocument/2006/relationships" xmlns:p="http://schemas.openxmlformats.org/presentationml/2006/main" xmlns:p14="http://schemas.microsoft.com/office/powerpoint/2010/main" saveSubsetFonts="1" firstSlideNum="0">
   <p:sldMasterIdLst>
-    <p:sldMasterId id="2147486338" r:id="rId12"/>
+    <p:sldMasterId id="2147486359" r:id="rId12"/>
   </p:sldMasterIdLst>
   <p:notesMasterIdLst>
     <p:notesMasterId r:id="rId14"/>
@@ -20,7 +20,10 @@
     <p:sldId id="309" r:id="rId25"/>
     <p:sldId id="313" r:id="rId26"/>
     <p:sldId id="310" r:id="rId27"/>
-    <p:sldId id="311" r:id="rId28"/>
+    <p:sldId id="314" r:id="rId28"/>
+    <p:sldId id="311" r:id="rId29"/>
+    <p:sldId id="315" r:id="rId30"/>
+    <p:sldId id="316" r:id="rId31"/>
   </p:sldIdLst>
   <p:sldSz cx="12192000" cy="6858000"/>
   <p:notesSz cx="6858000" cy="9144000"/>
@@ -1077,7 +1080,7 @@
         <p:spPr>
           <a:xfrm rot="0">
             <a:off x="685800" y="1143000"/>
-            <a:ext cx="5491480" cy="3091180"/>
+            <a:ext cx="5492115" cy="3091815"/>
           </a:xfrm>
           <a:prstGeom prst="rect"/>
           <a:noFill/>
@@ -1116,7 +1119,7 @@
         <p:spPr>
           <a:xfrm rot="0">
             <a:off x="685800" y="4400550"/>
-            <a:ext cx="5491480" cy="3605530"/>
+            <a:ext cx="5492115" cy="3606165"/>
           </a:xfrm>
           <a:prstGeom prst="rect"/>
         </p:spPr>
@@ -1146,7 +1149,433 @@
         <p:spPr>
           <a:xfrm rot="0">
             <a:off x="3884930" y="8685530"/>
+            <a:ext cx="2977515" cy="464185"/>
+          </a:xfrm>
+          <a:prstGeom prst="rect"/>
+        </p:spPr>
+        <p:txBody>
+          <a:bodyPr wrap="square" lIns="91440" tIns="45720" rIns="91440" bIns="45720" numCol="1" vert="horz" anchor="b">
+            <a:noAutofit/>
+          </a:bodyPr>
+          <a:lstStyle>
+            <a:lvl1pPr marL="0" indent="0" algn="r" latinLnBrk="0">
+              <a:buFontTx/>
+              <a:buNone/>
+              <a:defRPr lang="en-GB" altLang="en-US" sz="1200"/>
+            </a:lvl1pPr>
+          </a:lstStyle>
+          <a:p>
+            <a:pPr marL="0" indent="0" latinLnBrk="0">
+              <a:buFontTx/>
+              <a:buNone/>
+            </a:pPr>
+            <a:fld id="{B9320F77-B9A0-41C5-862A-B4B631284C64}" type="slidenum">
+              <a:rPr lang="ko-KR" altLang="en-US"/>
+              <a:t>‹#›</a:t>
+            </a:fld>
+          </a:p>
+        </p:txBody>
+      </p:sp>
+    </p:spTree>
+  </p:cSld>
+  <p:clrMapOvr>
+    <a:masterClrMapping/>
+  </p:clrMapOvr>
+  <mc:AlternateContent xmlns:mc="http://schemas.openxmlformats.org/markup-compatibility/2006">
+    <mc:Choice xmlns:p14="http://schemas.microsoft.com/office/powerpoint/2010/main" Requires="p14">
+      <p:transition spd="slow" p14:dur="0"/>
+    </mc:Choice>
+    <mc:Fallback>
+      <p:transition spd="slow"/>
+    </mc:Fallback>
+  </mc:AlternateContent>
+</p:notes>
+</file>
+
+<file path=ppt/notesSlides/notesSlide14.xml><?xml version="1.0" encoding="utf-8"?>
+<p:notes xmlns:a="http://schemas.openxmlformats.org/drawingml/2006/main" xmlns:r="http://schemas.openxmlformats.org/officeDocument/2006/relationships" xmlns:p="http://schemas.openxmlformats.org/presentationml/2006/main">
+  <p:cSld>
+    <p:spTree>
+      <p:nvGrpSpPr>
+        <p:cNvPr id="1" name=""/>
+        <p:cNvGrpSpPr/>
+        <p:nvPr/>
+      </p:nvGrpSpPr>
+      <p:grpSpPr>
+        <a:xfrm>
+          <a:off x="0" y="0"/>
+          <a:ext cx="0" cy="0"/>
+          <a:chOff x="0" y="0"/>
+          <a:chExt cx="0" cy="0"/>
+        </a:xfrm>
+      </p:grpSpPr>
+      <p:sp>
+        <p:nvSpPr>
+          <p:cNvPr id="2" name="슬라이드 이미지 개체 틀 3"/>
+          <p:cNvSpPr>
+            <a:spLocks noChangeAspect="1"/>
+          </p:cNvSpPr>
+          <p:nvPr>
+            <p:ph type="sldImg" idx="2"/>
+          </p:nvPr>
+        </p:nvSpPr>
+        <p:spPr>
+          <a:xfrm rot="0">
+            <a:off x="685800" y="1143000"/>
+            <a:ext cx="5491480" cy="3091180"/>
+          </a:xfrm>
+          <a:prstGeom prst="rect"/>
+          <a:noFill/>
+          <a:ln w="12700" cap="flat" cmpd="sng">
+            <a:solidFill>
+              <a:srgbClr val="000000">
+                <a:alpha val="100000"/>
+              </a:srgbClr>
+            </a:solidFill>
+            <a:prstDash val="solid"/>
+          </a:ln>
+        </p:spPr>
+        <p:txBody>
+          <a:bodyPr wrap="square" lIns="91440" tIns="45720" rIns="91440" bIns="45720" numCol="1" vert="horz" anchor="ctr">
+            <a:noAutofit/>
+          </a:bodyPr>
+          <a:lstStyle/>
+          <a:p>
+            <a:pPr marL="0" indent="0" latinLnBrk="0">
+              <a:buFontTx/>
+              <a:buNone/>
+            </a:pPr>
+          </a:p>
+        </p:txBody>
+      </p:sp>
+      <p:sp>
+        <p:nvSpPr>
+          <p:cNvPr id="3" name="슬라이드 노트 개체 틀 4"/>
+          <p:cNvSpPr txBox="1">
+            <a:spLocks/>
+          </p:cNvSpPr>
+          <p:nvPr>
+            <p:ph type="body" idx="3"/>
+          </p:nvPr>
+        </p:nvSpPr>
+        <p:spPr>
+          <a:xfrm rot="0">
+            <a:off x="685800" y="4400550"/>
+            <a:ext cx="5491480" cy="3605530"/>
+          </a:xfrm>
+          <a:prstGeom prst="rect"/>
+        </p:spPr>
+        <p:txBody>
+          <a:bodyPr wrap="square" lIns="91440" tIns="45720" rIns="91440" bIns="45720" numCol="1" vert="horz" anchor="t">
+            <a:noAutofit/>
+          </a:bodyPr>
+          <a:lstStyle/>
+          <a:p>
+            <a:pPr marL="0" indent="0" latinLnBrk="0">
+              <a:buFontTx/>
+              <a:buNone/>
+            </a:pPr>
+          </a:p>
+        </p:txBody>
+      </p:sp>
+      <p:sp>
+        <p:nvSpPr>
+          <p:cNvPr id="4" name="슬라이드 번호 개체 틀 6"/>
+          <p:cNvSpPr txBox="1">
+            <a:spLocks/>
+          </p:cNvSpPr>
+          <p:nvPr>
+            <p:ph type="sldNum" idx="5"/>
+          </p:nvPr>
+        </p:nvSpPr>
+        <p:spPr>
+          <a:xfrm rot="0">
+            <a:off x="3884930" y="8685530"/>
             <a:ext cx="2976880" cy="463550"/>
+          </a:xfrm>
+          <a:prstGeom prst="rect"/>
+        </p:spPr>
+        <p:txBody>
+          <a:bodyPr wrap="square" lIns="91440" tIns="45720" rIns="91440" bIns="45720" numCol="1" vert="horz" anchor="b">
+            <a:noAutofit/>
+          </a:bodyPr>
+          <a:lstStyle>
+            <a:lvl1pPr marL="0" indent="0" algn="r" latinLnBrk="0">
+              <a:buFontTx/>
+              <a:buNone/>
+              <a:defRPr lang="en-GB" altLang="en-US" sz="1200"/>
+            </a:lvl1pPr>
+          </a:lstStyle>
+          <a:p>
+            <a:pPr marL="0" indent="0" latinLnBrk="0">
+              <a:buFontTx/>
+              <a:buNone/>
+            </a:pPr>
+            <a:fld id="{B9320F77-B9A0-41C5-862A-B4B631284C64}" type="slidenum">
+              <a:rPr lang="ko-KR" altLang="en-US"/>
+              <a:t>‹#›</a:t>
+            </a:fld>
+          </a:p>
+        </p:txBody>
+      </p:sp>
+    </p:spTree>
+  </p:cSld>
+  <p:clrMapOvr>
+    <a:masterClrMapping/>
+  </p:clrMapOvr>
+  <mc:AlternateContent xmlns:mc="http://schemas.openxmlformats.org/markup-compatibility/2006">
+    <mc:Choice xmlns:p14="http://schemas.microsoft.com/office/powerpoint/2010/main" Requires="p14">
+      <p:transition spd="slow" p14:dur="0"/>
+    </mc:Choice>
+    <mc:Fallback>
+      <p:transition spd="slow"/>
+    </mc:Fallback>
+  </mc:AlternateContent>
+</p:notes>
+</file>
+
+<file path=ppt/notesSlides/notesSlide15.xml><?xml version="1.0" encoding="utf-8"?>
+<p:notes xmlns:a="http://schemas.openxmlformats.org/drawingml/2006/main" xmlns:r="http://schemas.openxmlformats.org/officeDocument/2006/relationships" xmlns:p="http://schemas.openxmlformats.org/presentationml/2006/main">
+  <p:cSld>
+    <p:spTree>
+      <p:nvGrpSpPr>
+        <p:cNvPr id="1" name=""/>
+        <p:cNvGrpSpPr/>
+        <p:nvPr/>
+      </p:nvGrpSpPr>
+      <p:grpSpPr>
+        <a:xfrm>
+          <a:off x="0" y="0"/>
+          <a:ext cx="0" cy="0"/>
+          <a:chOff x="0" y="0"/>
+          <a:chExt cx="0" cy="0"/>
+        </a:xfrm>
+      </p:grpSpPr>
+      <p:sp>
+        <p:nvSpPr>
+          <p:cNvPr id="2" name="슬라이드 이미지 개체 틀 3"/>
+          <p:cNvSpPr>
+            <a:spLocks noChangeAspect="1"/>
+          </p:cNvSpPr>
+          <p:nvPr>
+            <p:ph type="sldImg" idx="2"/>
+          </p:nvPr>
+        </p:nvSpPr>
+        <p:spPr>
+          <a:xfrm rot="0">
+            <a:off x="685800" y="1143000"/>
+            <a:ext cx="5492115" cy="3091815"/>
+          </a:xfrm>
+          <a:prstGeom prst="rect"/>
+          <a:noFill/>
+          <a:ln w="12700" cap="flat" cmpd="sng">
+            <a:solidFill>
+              <a:srgbClr val="000000">
+                <a:alpha val="100000"/>
+              </a:srgbClr>
+            </a:solidFill>
+            <a:prstDash val="solid"/>
+          </a:ln>
+        </p:spPr>
+        <p:txBody>
+          <a:bodyPr wrap="square" lIns="91440" tIns="45720" rIns="91440" bIns="45720" numCol="1" vert="horz" anchor="ctr">
+            <a:noAutofit/>
+          </a:bodyPr>
+          <a:lstStyle/>
+          <a:p>
+            <a:pPr marL="0" indent="0" latinLnBrk="0">
+              <a:buFontTx/>
+              <a:buNone/>
+            </a:pPr>
+          </a:p>
+        </p:txBody>
+      </p:sp>
+      <p:sp>
+        <p:nvSpPr>
+          <p:cNvPr id="3" name="슬라이드 노트 개체 틀 4"/>
+          <p:cNvSpPr txBox="1">
+            <a:spLocks/>
+          </p:cNvSpPr>
+          <p:nvPr>
+            <p:ph type="body" idx="3"/>
+          </p:nvPr>
+        </p:nvSpPr>
+        <p:spPr>
+          <a:xfrm rot="0">
+            <a:off x="685800" y="4400550"/>
+            <a:ext cx="5492115" cy="3606165"/>
+          </a:xfrm>
+          <a:prstGeom prst="rect"/>
+        </p:spPr>
+        <p:txBody>
+          <a:bodyPr wrap="square" lIns="91440" tIns="45720" rIns="91440" bIns="45720" numCol="1" vert="horz" anchor="t">
+            <a:noAutofit/>
+          </a:bodyPr>
+          <a:lstStyle/>
+          <a:p>
+            <a:pPr marL="0" indent="0" latinLnBrk="0">
+              <a:buFontTx/>
+              <a:buNone/>
+            </a:pPr>
+          </a:p>
+        </p:txBody>
+      </p:sp>
+      <p:sp>
+        <p:nvSpPr>
+          <p:cNvPr id="4" name="슬라이드 번호 개체 틀 6"/>
+          <p:cNvSpPr txBox="1">
+            <a:spLocks/>
+          </p:cNvSpPr>
+          <p:nvPr>
+            <p:ph type="sldNum" idx="5"/>
+          </p:nvPr>
+        </p:nvSpPr>
+        <p:spPr>
+          <a:xfrm rot="0">
+            <a:off x="3884930" y="8685530"/>
+            <a:ext cx="2977515" cy="464185"/>
+          </a:xfrm>
+          <a:prstGeom prst="rect"/>
+        </p:spPr>
+        <p:txBody>
+          <a:bodyPr wrap="square" lIns="91440" tIns="45720" rIns="91440" bIns="45720" numCol="1" vert="horz" anchor="b">
+            <a:noAutofit/>
+          </a:bodyPr>
+          <a:lstStyle>
+            <a:lvl1pPr marL="0" indent="0" algn="r" latinLnBrk="0">
+              <a:buFontTx/>
+              <a:buNone/>
+              <a:defRPr lang="en-GB" altLang="en-US" sz="1200"/>
+            </a:lvl1pPr>
+          </a:lstStyle>
+          <a:p>
+            <a:pPr marL="0" indent="0" latinLnBrk="0">
+              <a:buFontTx/>
+              <a:buNone/>
+            </a:pPr>
+            <a:fld id="{B9320F77-B9A0-41C5-862A-B4B631284C64}" type="slidenum">
+              <a:rPr lang="ko-KR" altLang="en-US"/>
+              <a:t>‹#›</a:t>
+            </a:fld>
+          </a:p>
+        </p:txBody>
+      </p:sp>
+    </p:spTree>
+  </p:cSld>
+  <p:clrMapOvr>
+    <a:masterClrMapping/>
+  </p:clrMapOvr>
+  <mc:AlternateContent xmlns:mc="http://schemas.openxmlformats.org/markup-compatibility/2006">
+    <mc:Choice xmlns:p14="http://schemas.microsoft.com/office/powerpoint/2010/main" Requires="p14">
+      <p:transition spd="slow" p14:dur="0"/>
+    </mc:Choice>
+    <mc:Fallback>
+      <p:transition spd="slow"/>
+    </mc:Fallback>
+  </mc:AlternateContent>
+</p:notes>
+</file>
+
+<file path=ppt/notesSlides/notesSlide16.xml><?xml version="1.0" encoding="utf-8"?>
+<p:notes xmlns:a="http://schemas.openxmlformats.org/drawingml/2006/main" xmlns:r="http://schemas.openxmlformats.org/officeDocument/2006/relationships" xmlns:p="http://schemas.openxmlformats.org/presentationml/2006/main">
+  <p:cSld>
+    <p:spTree>
+      <p:nvGrpSpPr>
+        <p:cNvPr id="1" name=""/>
+        <p:cNvGrpSpPr/>
+        <p:nvPr/>
+      </p:nvGrpSpPr>
+      <p:grpSpPr>
+        <a:xfrm>
+          <a:off x="0" y="0"/>
+          <a:ext cx="0" cy="0"/>
+          <a:chOff x="0" y="0"/>
+          <a:chExt cx="0" cy="0"/>
+        </a:xfrm>
+      </p:grpSpPr>
+      <p:sp>
+        <p:nvSpPr>
+          <p:cNvPr id="2" name="슬라이드 이미지 개체 틀 3"/>
+          <p:cNvSpPr>
+            <a:spLocks noChangeAspect="1"/>
+          </p:cNvSpPr>
+          <p:nvPr>
+            <p:ph type="sldImg" idx="2"/>
+          </p:nvPr>
+        </p:nvSpPr>
+        <p:spPr>
+          <a:xfrm rot="0">
+            <a:off x="685800" y="1143000"/>
+            <a:ext cx="5492750" cy="3092450"/>
+          </a:xfrm>
+          <a:prstGeom prst="rect"/>
+          <a:noFill/>
+          <a:ln w="12700" cap="flat" cmpd="sng">
+            <a:solidFill>
+              <a:srgbClr val="000000">
+                <a:alpha val="100000"/>
+              </a:srgbClr>
+            </a:solidFill>
+            <a:prstDash val="solid"/>
+          </a:ln>
+        </p:spPr>
+        <p:txBody>
+          <a:bodyPr wrap="square" lIns="91440" tIns="45720" rIns="91440" bIns="45720" numCol="1" vert="horz" anchor="ctr">
+            <a:noAutofit/>
+          </a:bodyPr>
+          <a:lstStyle/>
+          <a:p>
+            <a:pPr marL="0" indent="0" latinLnBrk="0">
+              <a:buFontTx/>
+              <a:buNone/>
+            </a:pPr>
+          </a:p>
+        </p:txBody>
+      </p:sp>
+      <p:sp>
+        <p:nvSpPr>
+          <p:cNvPr id="3" name="슬라이드 노트 개체 틀 4"/>
+          <p:cNvSpPr txBox="1">
+            <a:spLocks/>
+          </p:cNvSpPr>
+          <p:nvPr>
+            <p:ph type="body" idx="3"/>
+          </p:nvPr>
+        </p:nvSpPr>
+        <p:spPr>
+          <a:xfrm rot="0">
+            <a:off x="685800" y="4400550"/>
+            <a:ext cx="5492750" cy="3606800"/>
+          </a:xfrm>
+          <a:prstGeom prst="rect"/>
+        </p:spPr>
+        <p:txBody>
+          <a:bodyPr wrap="square" lIns="91440" tIns="45720" rIns="91440" bIns="45720" numCol="1" vert="horz" anchor="t">
+            <a:noAutofit/>
+          </a:bodyPr>
+          <a:lstStyle/>
+          <a:p>
+            <a:pPr marL="0" indent="0" latinLnBrk="0">
+              <a:buFontTx/>
+              <a:buNone/>
+            </a:pPr>
+          </a:p>
+        </p:txBody>
+      </p:sp>
+      <p:sp>
+        <p:nvSpPr>
+          <p:cNvPr id="4" name="슬라이드 번호 개체 틀 6"/>
+          <p:cNvSpPr txBox="1">
+            <a:spLocks/>
+          </p:cNvSpPr>
+          <p:nvPr>
+            <p:ph type="sldNum" idx="5"/>
+          </p:nvPr>
+        </p:nvSpPr>
+        <p:spPr>
+          <a:xfrm rot="0">
+            <a:off x="3884930" y="8685530"/>
+            <a:ext cx="2978150" cy="464820"/>
           </a:xfrm>
           <a:prstGeom prst="rect"/>
         </p:spPr>
@@ -8301,7 +8730,7 @@
       </p:pic>
       <p:pic>
         <p:nvPicPr>
-          <p:cNvPr id="1230" name="그림 39" descr="C:/Users/Admin1/AppData/Roaming/PolarisOffice/ETemp/12684_13172512/fImage167032518145.png"/>
+          <p:cNvPr id="1230" name="그림 39"/>
           <p:cNvPicPr>
             <a:picLocks noChangeAspect="1"/>
           </p:cNvPicPr>
@@ -8332,7 +8761,7 @@
       </p:pic>
       <p:pic>
         <p:nvPicPr>
-          <p:cNvPr id="1231" name="그림 26" descr="C:/Users/Admin1/AppData/Roaming/PolarisOffice/ETemp/12684_13172512/fImage362473029169.png"/>
+          <p:cNvPr id="1231" name="그림 26"/>
           <p:cNvPicPr>
             <a:picLocks noChangeAspect="1"/>
           </p:cNvPicPr>
@@ -8418,7 +8847,7 @@
 </file>
 
 <file path=ppt/slides/slide11.xml><?xml version="1.0" encoding="utf-8"?>
-<p:sld xmlns:a="http://schemas.openxmlformats.org/drawingml/2006/main" xmlns:r="http://schemas.openxmlformats.org/officeDocument/2006/relationships" xmlns:p="http://schemas.openxmlformats.org/presentationml/2006/main">
+<p:sld xmlns:a="http://schemas.openxmlformats.org/drawingml/2006/main" xmlns:r="http://schemas.openxmlformats.org/officeDocument/2006/relationships" xmlns:p="http://schemas.openxmlformats.org/presentationml/2006/main" xmlns:p14="http://schemas.microsoft.com/office/powerpoint/2010/main">
   <p:cSld>
     <p:spTree>
       <p:nvGrpSpPr>
@@ -8824,7 +9253,7 @@
       </p:sp>
       <p:pic>
         <p:nvPicPr>
-          <p:cNvPr id="1228" name="Picture " descr="C:/Users/Admin1/AppData/Roaming/PolarisOffice/ETemp/12684_13172512/fImage168742484464.png"/>
+          <p:cNvPr id="1228" name="Picture "/>
           <p:cNvPicPr>
             <a:picLocks noChangeAspect="1"/>
           </p:cNvPicPr>
@@ -8855,7 +9284,7 @@
       </p:pic>
       <p:pic>
         <p:nvPicPr>
-          <p:cNvPr id="1229" name="Picture " descr="C:/Users/Admin1/AppData/Roaming/PolarisOffice/ETemp/12684_13172512/fImage168452495705.png"/>
+          <p:cNvPr id="1229" name="Picture "/>
           <p:cNvPicPr>
             <a:picLocks noChangeAspect="1"/>
           </p:cNvPicPr>
@@ -8886,7 +9315,7 @@
       </p:pic>
       <p:pic>
         <p:nvPicPr>
-          <p:cNvPr id="1230" name="그림 31" descr="C:/Users/Admin1/AppData/Roaming/PolarisOffice/ETemp/12684_13172512/fImage362533055724.png"/>
+          <p:cNvPr id="1230" name="그림 31"/>
           <p:cNvPicPr>
             <a:picLocks noChangeAspect="1"/>
           </p:cNvPicPr>
@@ -8950,7 +9379,7 @@
       </p:cxnSp>
       <p:pic>
         <p:nvPicPr>
-          <p:cNvPr id="1232" name="그림 35" descr="C:/Users/Admin1/AppData/Roaming/PolarisOffice/ETemp/12684_13172512/fImage361973071478.png"/>
+          <p:cNvPr id="1232" name="그림 35"/>
           <p:cNvPicPr>
             <a:picLocks noChangeAspect="1"/>
           </p:cNvPicPr>
@@ -9062,8 +9491,8 @@
         </p:nvSpPr>
         <p:spPr>
           <a:xfrm rot="0">
-            <a:off x="4660900" y="346075"/>
-            <a:ext cx="2873375" cy="478155"/>
+            <a:off x="4605655" y="337820"/>
+            <a:ext cx="2979420" cy="478155"/>
           </a:xfrm>
           <a:prstGeom prst="rect"/>
           <a:noFill/>
@@ -9090,27 +9519,7 @@
                 <a:latin typeface="나눔바른고딕" charset="0"/>
                 <a:ea typeface="나눔바른고딕" charset="0"/>
               </a:rPr>
-              <a:t>열</a:t>
-            </a:r>
-            <a:r>
-              <a:rPr lang="ko-KR" altLang="en-US" sz="2500" b="1">
-                <a:solidFill>
-                  <a:schemeClr val="tx1"/>
-                </a:solidFill>
-                <a:latin typeface="나눔바른고딕" charset="0"/>
-                <a:ea typeface="나눔바른고딕" charset="0"/>
-              </a:rPr>
-              <a:t>한</a:t>
-            </a:r>
-            <a:r>
-              <a:rPr lang="ko-KR" altLang="en-US" sz="2500" b="1">
-                <a:solidFill>
-                  <a:schemeClr val="tx1"/>
-                </a:solidFill>
-                <a:latin typeface="나눔바른고딕" charset="0"/>
-                <a:ea typeface="나눔바른고딕" charset="0"/>
-              </a:rPr>
-              <a:t> 번째 튜토리얼</a:t>
+              <a:t>열한 번째 튜토리얼</a:t>
             </a:r>
             <a:endParaRPr lang="ko-KR" altLang="en-US" sz="2500" b="1">
               <a:solidFill>
@@ -9261,8 +9670,8 @@
         </p:nvSpPr>
         <p:spPr>
           <a:xfrm rot="0">
-            <a:off x="6854825" y="4364990"/>
-            <a:ext cx="4125595" cy="1754505"/>
+            <a:off x="6816725" y="4647565"/>
+            <a:ext cx="4157345" cy="1477645"/>
           </a:xfrm>
           <a:prstGeom prst="rect"/>
           <a:noFill/>
@@ -9323,14 +9732,7 @@
                 <a:latin typeface="맑은 고딕" charset="0"/>
                 <a:ea typeface="맑은 고딕" charset="0"/>
               </a:rPr>
-              <a:t>그리고</a:t>
-            </a:r>
-            <a:r>
-              <a:rPr lang="ko-KR" sz="1800">
-                <a:latin typeface="맑은 고딕" charset="0"/>
-                <a:ea typeface="맑은 고딕" charset="0"/>
-              </a:rPr>
-              <a:t> SoundManager 스크립트에 있는 SoundCall( ) 함수를 선택합니다.</a:t>
+              <a:t>그리고 SoundManager 스크립트에 있는 SoundCall( ) 함수를 선택합니다.</a:t>
             </a:r>
             <a:endParaRPr lang="ko-KR" altLang="en-US" sz="1800">
               <a:latin typeface="맑은 고딕" charset="0"/>
@@ -9357,7 +9759,35 @@
                 <a:latin typeface="맑은 고딕" charset="0"/>
                 <a:ea typeface="맑은 고딕" charset="0"/>
               </a:rPr>
-              <a:t>그다음 각각의 버튼에 원하는 소리의 이름을 정의합니다.</a:t>
+              <a:t>그다음 각각의 버튼에 원하는 소리의 </a:t>
+            </a:r>
+            <a:r>
+              <a:rPr lang="ko-KR" sz="1800">
+                <a:latin typeface="맑은 고딕" charset="0"/>
+                <a:ea typeface="맑은 고딕" charset="0"/>
+              </a:rPr>
+              <a:t>번호를</a:t>
+            </a:r>
+            <a:r>
+              <a:rPr lang="ko-KR" sz="1800">
+                <a:latin typeface="맑은 고딕" charset="0"/>
+                <a:ea typeface="맑은 고딕" charset="0"/>
+              </a:rPr>
+              <a:t> </a:t>
+            </a:r>
+            <a:r>
+              <a:rPr lang="ko-KR" sz="1800">
+                <a:latin typeface="맑은 고딕" charset="0"/>
+                <a:ea typeface="맑은 고딕" charset="0"/>
+              </a:rPr>
+              <a:t>지정</a:t>
+            </a:r>
+            <a:r>
+              <a:rPr lang="ko-KR" sz="1800">
+                <a:latin typeface="맑은 고딕" charset="0"/>
+                <a:ea typeface="맑은 고딕" charset="0"/>
+              </a:rPr>
+              <a:t>합니다.</a:t>
             </a:r>
             <a:endParaRPr lang="ko-KR" altLang="en-US" sz="1800">
               <a:latin typeface="맑은 고딕" charset="0"/>
@@ -9368,7 +9798,7 @@
       </p:sp>
       <p:pic>
         <p:nvPicPr>
-          <p:cNvPr id="1232" name="그림 46" descr="C:/Users/Admin1/AppData/Roaming/PolarisOffice/ETemp/12684_13172512/fImage30172693281.png"/>
+          <p:cNvPr id="1232" name="그림 46"/>
           <p:cNvPicPr>
             <a:picLocks noChangeAspect="1"/>
           </p:cNvPicPr>
@@ -9399,7 +9829,7 @@
       </p:pic>
       <p:pic>
         <p:nvPicPr>
-          <p:cNvPr id="1233" name="그림 49" descr="C:/Users/Admin1/AppData/Roaming/PolarisOffice/ETemp/12684_13172512/fImage55662706827.png"/>
+          <p:cNvPr id="1233" name="그림 49"/>
           <p:cNvPicPr>
             <a:picLocks noChangeAspect="1"/>
           </p:cNvPicPr>
@@ -9430,100 +9860,7 @@
       </p:pic>
       <p:pic>
         <p:nvPicPr>
-          <p:cNvPr id="1236" name="그림 56" descr="C:/Users/Admin1/AppData/Roaming/PolarisOffice/ETemp/12684_13172512/fImage7035273491.png"/>
-          <p:cNvPicPr>
-            <a:picLocks noChangeAspect="1"/>
-          </p:cNvPicPr>
-          <p:nvPr/>
-        </p:nvPicPr>
-        <p:blipFill rotWithShape="1">
-          <a:blip r:embed="rId5" cstate="hqprint">
-            <a:extLst>
-              <a:ext uri="{28A0092B-C50C-407E-A947-70E740481C1C}">
-                <a14:useLocalDpi xmlns:a14="http://schemas.microsoft.com/office/drawing/2010/main"/>
-              </a:ext>
-            </a:extLst>
-          </a:blip>
-          <a:stretch>
-            <a:fillRect/>
-          </a:stretch>
-        </p:blipFill>
-        <p:spPr>
-          <a:xfrm rot="0">
-            <a:off x="6862445" y="3300730"/>
-            <a:ext cx="4121150" cy="873125"/>
-          </a:xfrm>
-          <a:prstGeom prst="roundRect"/>
-          <a:solidFill>
-            <a:srgbClr val="EDEDED"/>
-          </a:solidFill>
-        </p:spPr>
-      </p:pic>
-      <p:pic>
-        <p:nvPicPr>
-          <p:cNvPr id="1237" name="그림 57" descr="C:/Users/Admin1/AppData/Roaming/PolarisOffice/ETemp/12684_13172512/fImage71522742995.png"/>
-          <p:cNvPicPr>
-            <a:picLocks noChangeAspect="1"/>
-          </p:cNvPicPr>
-          <p:nvPr/>
-        </p:nvPicPr>
-        <p:blipFill rotWithShape="1">
-          <a:blip r:embed="rId6" cstate="hqprint">
-            <a:extLst>
-              <a:ext uri="{28A0092B-C50C-407E-A947-70E740481C1C}">
-                <a14:useLocalDpi xmlns:a14="http://schemas.microsoft.com/office/drawing/2010/main"/>
-              </a:ext>
-            </a:extLst>
-          </a:blip>
-          <a:stretch>
-            <a:fillRect/>
-          </a:stretch>
-        </p:blipFill>
-        <p:spPr>
-          <a:xfrm rot="0">
-            <a:off x="6862445" y="2281555"/>
-            <a:ext cx="4121150" cy="862965"/>
-          </a:xfrm>
-          <a:prstGeom prst="roundRect"/>
-          <a:solidFill>
-            <a:srgbClr val="EDEDED"/>
-          </a:solidFill>
-        </p:spPr>
-      </p:pic>
-      <p:pic>
-        <p:nvPicPr>
-          <p:cNvPr id="1238" name="그림 58" descr="C:/Users/Admin1/AppData/Roaming/PolarisOffice/ETemp/12684_13172512/fImage69422751942.png"/>
-          <p:cNvPicPr>
-            <a:picLocks noChangeAspect="1"/>
-          </p:cNvPicPr>
-          <p:nvPr/>
-        </p:nvPicPr>
-        <p:blipFill rotWithShape="1">
-          <a:blip r:embed="rId7" cstate="hqprint">
-            <a:extLst>
-              <a:ext uri="{28A0092B-C50C-407E-A947-70E740481C1C}">
-                <a14:useLocalDpi xmlns:a14="http://schemas.microsoft.com/office/drawing/2010/main"/>
-              </a:ext>
-            </a:extLst>
-          </a:blip>
-          <a:stretch>
-            <a:fillRect/>
-          </a:stretch>
-        </p:blipFill>
-        <p:spPr>
-          <a:xfrm rot="0">
-            <a:off x="6852920" y="1229360"/>
-            <a:ext cx="4121150" cy="883920"/>
-          </a:xfrm>
-          <a:prstGeom prst="roundRect"/>
-          <a:solidFill>
-            <a:srgbClr val="EDEDED"/>
-          </a:solidFill>
-        </p:spPr>
-      </p:pic>
-      <p:pic>
-        <p:nvPicPr>
-          <p:cNvPr id="1239" name="그림 42" descr="C:/Users/Admin1/AppData/Roaming/PolarisOffice/ETemp/12684_13172512/fImage89733119358.png"/>
+          <p:cNvPr id="1239" name="그림 42"/>
           <p:cNvPicPr>
             <a:picLocks noChangeAspect="1"/>
           </p:cNvPicPr>
@@ -9584,6 +9921,99 @@
           </a:fontRef>
         </p:style>
       </p:cxnSp>
+      <p:pic>
+        <p:nvPicPr>
+          <p:cNvPr id="1240" name="그림 11"/>
+          <p:cNvPicPr>
+            <a:picLocks noChangeAspect="1"/>
+          </p:cNvPicPr>
+          <p:nvPr/>
+        </p:nvPicPr>
+        <p:blipFill rotWithShape="1">
+          <a:blip r:embed="rId10" cstate="print">
+            <a:extLst>
+              <a:ext uri="{28A0092B-C50C-407E-A947-70E740481C1C}">
+                <a14:useLocalDpi xmlns:a14="http://schemas.microsoft.com/office/drawing/2010/main" val="0"/>
+              </a:ext>
+            </a:extLst>
+          </a:blip>
+          <a:stretch>
+            <a:fillRect/>
+          </a:stretch>
+        </p:blipFill>
+        <p:spPr>
+          <a:xfrm rot="0">
+            <a:off x="6810375" y="3556000"/>
+            <a:ext cx="4155440" cy="942340"/>
+          </a:xfrm>
+          <a:prstGeom prst="roundRect"/>
+          <a:solidFill>
+            <a:srgbClr val="EDEDED"/>
+          </a:solidFill>
+        </p:spPr>
+      </p:pic>
+      <p:pic>
+        <p:nvPicPr>
+          <p:cNvPr id="1241" name="그림 12"/>
+          <p:cNvPicPr>
+            <a:picLocks noChangeAspect="1"/>
+          </p:cNvPicPr>
+          <p:nvPr/>
+        </p:nvPicPr>
+        <p:blipFill rotWithShape="1">
+          <a:blip r:embed="rId11" cstate="print">
+            <a:extLst>
+              <a:ext uri="{28A0092B-C50C-407E-A947-70E740481C1C}">
+                <a14:useLocalDpi xmlns:a14="http://schemas.microsoft.com/office/drawing/2010/main" val="0"/>
+              </a:ext>
+            </a:extLst>
+          </a:blip>
+          <a:stretch>
+            <a:fillRect/>
+          </a:stretch>
+        </p:blipFill>
+        <p:spPr>
+          <a:xfrm rot="0">
+            <a:off x="6809740" y="2411095"/>
+            <a:ext cx="4156075" cy="939800"/>
+          </a:xfrm>
+          <a:prstGeom prst="roundRect"/>
+          <a:solidFill>
+            <a:srgbClr val="EDEDED"/>
+          </a:solidFill>
+        </p:spPr>
+      </p:pic>
+      <p:pic>
+        <p:nvPicPr>
+          <p:cNvPr id="1242" name="그림 13"/>
+          <p:cNvPicPr>
+            <a:picLocks noChangeAspect="1"/>
+          </p:cNvPicPr>
+          <p:nvPr/>
+        </p:nvPicPr>
+        <p:blipFill rotWithShape="1">
+          <a:blip r:embed="rId12" cstate="print">
+            <a:extLst>
+              <a:ext uri="{28A0092B-C50C-407E-A947-70E740481C1C}">
+                <a14:useLocalDpi xmlns:a14="http://schemas.microsoft.com/office/drawing/2010/main" val="0"/>
+              </a:ext>
+            </a:extLst>
+          </a:blip>
+          <a:stretch>
+            <a:fillRect/>
+          </a:stretch>
+        </p:blipFill>
+        <p:spPr>
+          <a:xfrm rot="0">
+            <a:off x="6808470" y="1243965"/>
+            <a:ext cx="4157345" cy="951230"/>
+          </a:xfrm>
+          <a:prstGeom prst="roundRect"/>
+          <a:solidFill>
+            <a:srgbClr val="EDEDED"/>
+          </a:solidFill>
+        </p:spPr>
+      </p:pic>
     </p:spTree>
   </p:cSld>
   <p:clrMapOvr>
@@ -9634,8 +10064,8 @@
         </p:nvSpPr>
         <p:spPr>
           <a:xfrm rot="0">
-            <a:off x="4573905" y="354330"/>
-            <a:ext cx="3055620" cy="478155"/>
+            <a:off x="4660900" y="346075"/>
+            <a:ext cx="2874010" cy="478155"/>
           </a:xfrm>
           <a:prstGeom prst="rect"/>
           <a:noFill/>
@@ -9696,7 +10126,7 @@
       </p:sp>
       <p:sp>
         <p:nvSpPr>
-          <p:cNvPr id="1243" name="텍스트 상자 75"/>
+          <p:cNvPr id="1216" name="Rect 0"/>
           <p:cNvSpPr txBox="1">
             <a:spLocks/>
           </p:cNvSpPr>
@@ -9704,8 +10134,8 @@
         </p:nvSpPr>
         <p:spPr>
           <a:xfrm rot="0">
-            <a:off x="6824980" y="4289425"/>
-            <a:ext cx="4146550" cy="2031365"/>
+            <a:off x="1230630" y="2665095"/>
+            <a:ext cx="4165600" cy="923925"/>
           </a:xfrm>
           <a:prstGeom prst="rect"/>
           <a:noFill/>
@@ -9742,7 +10172,7 @@
                 <a:latin typeface="맑은 고딕" charset="0"/>
                 <a:ea typeface="맑은 고딕" charset="0"/>
               </a:rPr>
-              <a:t>7</a:t>
+              <a:t>9</a:t>
             </a:r>
             <a:r>
               <a:rPr sz="1800" b="1">
@@ -9766,87 +10196,125 @@
                 <a:latin typeface="맑은 고딕" charset="0"/>
                 <a:ea typeface="맑은 고딕" charset="0"/>
               </a:rPr>
-              <a:t>그러고 나서</a:t>
+              <a:t>마지막으로</a:t>
             </a:r>
             <a:r>
               <a:rPr lang="ko-KR" sz="1800">
                 <a:latin typeface="맑은 고딕" charset="0"/>
                 <a:ea typeface="맑은 고딕" charset="0"/>
               </a:rPr>
-              <a:t> 입력을 했을 때 변화되는 정보를 float 변수에 저장합니다. </a:t>
+              <a:t> </a:t>
+            </a:r>
+            <a:r>
+              <a:rPr lang="ko-KR" sz="1800">
+                <a:latin typeface="맑은 고딕" charset="0"/>
+                <a:ea typeface="맑은 고딕" charset="0"/>
+              </a:rPr>
+              <a:t>Volume 오브젝트를 선택하고 On Value Changed(Single) 함수를 생성합니다. </a:t>
             </a:r>
             <a:endParaRPr lang="ko-KR" altLang="en-US" sz="1800">
               <a:latin typeface="맑은 고딕" charset="0"/>
               <a:ea typeface="맑은 고딕" charset="0"/>
             </a:endParaRPr>
           </a:p>
-          <a:p>
-            <a:pPr marL="0" indent="0" rtl="0" algn="l" defTabSz="914400" eaLnBrk="1" latinLnBrk="0" hangingPunct="1">
-              <a:buFontTx/>
-              <a:buNone/>
-            </a:pPr>
-            <a:endParaRPr lang="ko-KR" altLang="en-US" sz="1800">
-              <a:latin typeface="맑은 고딕" charset="0"/>
-              <a:ea typeface="맑은 고딕" charset="0"/>
-            </a:endParaRPr>
-          </a:p>
-          <a:p>
-            <a:pPr marL="0" indent="0" rtl="0" algn="l" defTabSz="914400" eaLnBrk="1" latinLnBrk="0" hangingPunct="1">
-              <a:buFontTx/>
-              <a:buNone/>
-            </a:pPr>
-            <a:r>
-              <a:rPr lang="ko-KR" sz="1800">
-                <a:latin typeface="맑은 고딕" charset="0"/>
-                <a:ea typeface="맑은 고딕" charset="0"/>
-              </a:rPr>
-              <a:t>마지막으로</a:t>
-            </a:r>
-            <a:r>
-              <a:rPr lang="ko-KR" sz="1800">
-                <a:latin typeface="맑은 고딕" charset="0"/>
-                <a:ea typeface="맑은 고딕" charset="0"/>
-              </a:rPr>
-              <a:t> CharacterController에 있는 </a:t>
-            </a:r>
-            <a:r>
-              <a:rPr lang="ko-KR" sz="1800">
-                <a:latin typeface="맑은 고딕" charset="0"/>
-                <a:ea typeface="맑은 고딕" charset="0"/>
-              </a:rPr>
-              <a:t>Simple</a:t>
-            </a:r>
-            <a:r>
-              <a:rPr lang="ko-KR" sz="1800">
-                <a:latin typeface="맑은 고딕" charset="0"/>
-                <a:ea typeface="맑은 고딕" charset="0"/>
-              </a:rPr>
-              <a:t>Move</a:t>
-            </a:r>
-            <a:r>
-              <a:rPr lang="ko-KR" sz="1800">
-                <a:latin typeface="맑은 고딕" charset="0"/>
-                <a:ea typeface="맑은 고딕" charset="0"/>
-              </a:rPr>
-              <a:t>( )</a:t>
-            </a:r>
-            <a:r>
-              <a:rPr lang="ko-KR" sz="1800">
-                <a:latin typeface="맑은 고딕" charset="0"/>
-                <a:ea typeface="맑은 고딕" charset="0"/>
-              </a:rPr>
-              <a:t>함수에 방향 정보와 속도를 설정합니다.</a:t>
-            </a:r>
-            <a:endParaRPr lang="ko-KR" altLang="en-US" sz="1800">
-              <a:latin typeface="맑은 고딕" charset="0"/>
-              <a:ea typeface="맑은 고딕" charset="0"/>
-            </a:endParaRPr>
-          </a:p>
-        </p:txBody>
-      </p:sp>
-      <p:sp>
-        <p:nvSpPr>
-          <p:cNvPr id="1246" name="텍스트 상자 82"/>
+        </p:txBody>
+      </p:sp>
+      <p:pic>
+        <p:nvPicPr>
+          <p:cNvPr id="1239" name="그림 1"/>
+          <p:cNvPicPr>
+            <a:picLocks noChangeAspect="1"/>
+          </p:cNvPicPr>
+          <p:nvPr/>
+        </p:nvPicPr>
+        <p:blipFill rotWithShape="1">
+          <a:blip r:embed="rId2" cstate="print">
+            <a:extLst>
+              <a:ext uri="{28A0092B-C50C-407E-A947-70E740481C1C}">
+                <a14:useLocalDpi xmlns:a14="http://schemas.microsoft.com/office/drawing/2010/main" val="0"/>
+              </a:ext>
+            </a:extLst>
+          </a:blip>
+          <a:stretch>
+            <a:fillRect/>
+          </a:stretch>
+        </p:blipFill>
+        <p:spPr>
+          <a:xfrm rot="0">
+            <a:off x="1238885" y="1238250"/>
+            <a:ext cx="1189355" cy="1273175"/>
+          </a:xfrm>
+          <a:prstGeom prst="roundRect"/>
+          <a:solidFill>
+            <a:srgbClr val="EDEDED"/>
+          </a:solidFill>
+        </p:spPr>
+      </p:pic>
+      <p:pic>
+        <p:nvPicPr>
+          <p:cNvPr id="1240" name="그림 4"/>
+          <p:cNvPicPr>
+            <a:picLocks noChangeAspect="1"/>
+          </p:cNvPicPr>
+          <p:nvPr/>
+        </p:nvPicPr>
+        <p:blipFill rotWithShape="1">
+          <a:blip r:embed="rId3" cstate="print">
+            <a:extLst>
+              <a:ext uri="{28A0092B-C50C-407E-A947-70E740481C1C}">
+                <a14:useLocalDpi xmlns:a14="http://schemas.microsoft.com/office/drawing/2010/main" val="0"/>
+              </a:ext>
+            </a:extLst>
+          </a:blip>
+          <a:stretch>
+            <a:fillRect/>
+          </a:stretch>
+        </p:blipFill>
+        <p:spPr>
+          <a:xfrm rot="0">
+            <a:off x="2543810" y="1229360"/>
+            <a:ext cx="2851785" cy="1290320"/>
+          </a:xfrm>
+          <a:prstGeom prst="roundRect"/>
+          <a:solidFill>
+            <a:srgbClr val="EDEDED"/>
+          </a:solidFill>
+        </p:spPr>
+      </p:pic>
+      <p:pic>
+        <p:nvPicPr>
+          <p:cNvPr id="1241" name="그림 9"/>
+          <p:cNvPicPr>
+            <a:picLocks noChangeAspect="1"/>
+          </p:cNvPicPr>
+          <p:nvPr/>
+        </p:nvPicPr>
+        <p:blipFill rotWithShape="1">
+          <a:blip r:embed="rId4" cstate="hqprint">
+            <a:extLst>
+              <a:ext uri="{28A0092B-C50C-407E-A947-70E740481C1C}">
+                <a14:useLocalDpi xmlns:a14="http://schemas.microsoft.com/office/drawing/2010/main"/>
+              </a:ext>
+            </a:extLst>
+          </a:blip>
+          <a:stretch>
+            <a:fillRect/>
+          </a:stretch>
+        </p:blipFill>
+        <p:spPr>
+          <a:xfrm rot="0">
+            <a:off x="6816725" y="1221740"/>
+            <a:ext cx="4149090" cy="1223010"/>
+          </a:xfrm>
+          <a:prstGeom prst="roundRect"/>
+          <a:solidFill>
+            <a:srgbClr val="EDEDED"/>
+          </a:solidFill>
+        </p:spPr>
+      </p:pic>
+      <p:sp>
+        <p:nvSpPr>
+          <p:cNvPr id="1242" name="텍스트 상자 10"/>
           <p:cNvSpPr txBox="1">
             <a:spLocks/>
           </p:cNvSpPr>
@@ -9854,8 +10322,8 @@
         </p:nvSpPr>
         <p:spPr>
           <a:xfrm rot="0">
-            <a:off x="1222375" y="5113655"/>
-            <a:ext cx="4148455" cy="1200785"/>
+            <a:off x="6816725" y="2564130"/>
+            <a:ext cx="4157345" cy="923925"/>
           </a:xfrm>
           <a:prstGeom prst="rect"/>
           <a:noFill/>
@@ -9882,7 +10350,7 @@
                 <a:latin typeface="맑은 고딕" charset="0"/>
                 <a:ea typeface="맑은 고딕" charset="0"/>
               </a:rPr>
-              <a:t>2</a:t>
+              <a:t>3</a:t>
             </a:r>
             <a:r>
               <a:rPr lang="ko-KR" sz="1800" b="1">
@@ -9892,7 +10360,7 @@
                 <a:latin typeface="맑은 고딕" charset="0"/>
                 <a:ea typeface="맑은 고딕" charset="0"/>
               </a:rPr>
-              <a:t>6</a:t>
+              <a:t>1</a:t>
             </a:r>
             <a:r>
               <a:rPr sz="1800" b="1">
@@ -9916,21 +10384,14 @@
                 <a:latin typeface="맑은 고딕" charset="0"/>
                 <a:ea typeface="맑은 고딕" charset="0"/>
               </a:rPr>
-              <a:t>그런 다음 속도를 지정할 float 변수와 CharacterController 변수를 선언</a:t>
+              <a:t>그리고 </a:t>
             </a:r>
             <a:r>
               <a:rPr lang="ko-KR" sz="1800">
                 <a:latin typeface="맑은 고딕" charset="0"/>
                 <a:ea typeface="맑은 고딕" charset="0"/>
               </a:rPr>
-              <a:t>한 다음</a:t>
-            </a:r>
-            <a:r>
-              <a:rPr lang="ko-KR" sz="1800">
-                <a:latin typeface="맑은 고딕" charset="0"/>
-                <a:ea typeface="맑은 고딕" charset="0"/>
-              </a:rPr>
-              <a:t> CharacterController 컴포넌트를 가져옵니다.</a:t>
+              <a:t>Volume 오브젝트의 On Value Changed에 VolumeControl( ) 함수를 설정합니다. </a:t>
             </a:r>
             <a:endParaRPr lang="ko-KR" altLang="en-US" sz="1800">
               <a:latin typeface="맑은 고딕" charset="0"/>
@@ -9941,7 +10402,279 @@
       </p:sp>
       <p:pic>
         <p:nvPicPr>
-          <p:cNvPr id="1247" name="그림 9" descr="C:/Users/Admin1/AppData/Roaming/PolarisOffice/ETemp/12684_13172512/fImage353911971478.png"/>
+          <p:cNvPr id="1243" name="그림 20"/>
+          <p:cNvPicPr>
+            <a:picLocks noChangeAspect="1"/>
+          </p:cNvPicPr>
+          <p:nvPr/>
+        </p:nvPicPr>
+        <p:blipFill rotWithShape="1">
+          <a:blip r:embed="rId5" cstate="print">
+            <a:extLst>
+              <a:ext uri="{28A0092B-C50C-407E-A947-70E740481C1C}">
+                <a14:useLocalDpi xmlns:a14="http://schemas.microsoft.com/office/drawing/2010/main" val="0"/>
+              </a:ext>
+            </a:extLst>
+          </a:blip>
+          <a:stretch>
+            <a:fillRect/>
+          </a:stretch>
+        </p:blipFill>
+        <p:spPr>
+          <a:xfrm rot="0">
+            <a:off x="1234440" y="3749040"/>
+            <a:ext cx="1185545" cy="1456055"/>
+          </a:xfrm>
+          <a:prstGeom prst="roundRect"/>
+          <a:solidFill>
+            <a:srgbClr val="EDEDED"/>
+          </a:solidFill>
+        </p:spPr>
+      </p:pic>
+      <p:pic>
+        <p:nvPicPr>
+          <p:cNvPr id="1244" name="그림 21"/>
+          <p:cNvPicPr>
+            <a:picLocks noChangeAspect="1"/>
+          </p:cNvPicPr>
+          <p:nvPr/>
+        </p:nvPicPr>
+        <p:blipFill rotWithShape="1">
+          <a:blip r:embed="rId6" cstate="print">
+            <a:extLst>
+              <a:ext uri="{28A0092B-C50C-407E-A947-70E740481C1C}">
+                <a14:useLocalDpi xmlns:a14="http://schemas.microsoft.com/office/drawing/2010/main" val="0"/>
+              </a:ext>
+            </a:extLst>
+          </a:blip>
+          <a:stretch>
+            <a:fillRect/>
+          </a:stretch>
+        </p:blipFill>
+        <p:spPr>
+          <a:xfrm rot="0">
+            <a:off x="2547620" y="3754120"/>
+            <a:ext cx="2847975" cy="1450340"/>
+          </a:xfrm>
+          <a:prstGeom prst="roundRect"/>
+          <a:solidFill>
+            <a:srgbClr val="EDEDED"/>
+          </a:solidFill>
+        </p:spPr>
+      </p:pic>
+      <p:sp>
+        <p:nvSpPr>
+          <p:cNvPr id="1245" name="텍스트 상자 26"/>
+          <p:cNvSpPr txBox="1">
+            <a:spLocks/>
+          </p:cNvSpPr>
+          <p:nvPr/>
+        </p:nvSpPr>
+        <p:spPr>
+          <a:xfrm rot="0">
+            <a:off x="1227455" y="5321935"/>
+            <a:ext cx="4165600" cy="923925"/>
+          </a:xfrm>
+          <a:prstGeom prst="rect"/>
+          <a:noFill/>
+          <a:ln w="0">
+            <a:noFill/>
+            <a:prstDash/>
+          </a:ln>
+        </p:spPr>
+        <p:txBody>
+          <a:bodyPr wrap="square" lIns="89535" tIns="46355" rIns="89535" bIns="46355" numCol="1" vert="horz" anchor="t">
+            <a:spAutoFit/>
+          </a:bodyPr>
+          <a:lstStyle/>
+          <a:p>
+            <a:pPr marL="0" indent="0" rtl="0" algn="l" defTabSz="914400" eaLnBrk="1" latinLnBrk="0" hangingPunct="1">
+              <a:buFontTx/>
+              <a:buNone/>
+            </a:pPr>
+            <a:r>
+              <a:rPr sz="1800" b="1">
+                <a:solidFill>
+                  <a:srgbClr val="0611F2"/>
+                </a:solidFill>
+                <a:latin typeface="맑은 고딕" charset="0"/>
+                <a:ea typeface="맑은 고딕" charset="0"/>
+              </a:rPr>
+              <a:t>30</a:t>
+            </a:r>
+            <a:r>
+              <a:rPr sz="1800" b="1">
+                <a:solidFill>
+                  <a:srgbClr val="0611F2"/>
+                </a:solidFill>
+                <a:latin typeface="맑은 고딕" charset="0"/>
+                <a:ea typeface="맑은 고딕" charset="0"/>
+              </a:rPr>
+              <a:t>.</a:t>
+            </a:r>
+            <a:r>
+              <a:rPr sz="1800">
+                <a:latin typeface="맑은 고딕" charset="0"/>
+                <a:ea typeface="맑은 고딕" charset="0"/>
+              </a:rPr>
+              <a:t> </a:t>
+            </a:r>
+            <a:r>
+              <a:rPr lang="ko-KR" sz="1800">
+                <a:latin typeface="맑은 고딕" charset="0"/>
+                <a:ea typeface="맑은 고딕" charset="0"/>
+              </a:rPr>
+              <a:t>이제</a:t>
+            </a:r>
+            <a:r>
+              <a:rPr lang="ko-KR" sz="1800">
+                <a:latin typeface="맑은 고딕" charset="0"/>
+                <a:ea typeface="맑은 고딕" charset="0"/>
+              </a:rPr>
+              <a:t> </a:t>
+            </a:r>
+            <a:r>
+              <a:rPr lang="ko-KR" sz="1800">
+                <a:latin typeface="맑은 고딕" charset="0"/>
+                <a:ea typeface="맑은 고딕" charset="0"/>
+              </a:rPr>
+              <a:t>Volume 오브젝트의 On Value Changed(Single)에 Sound Manager 오브젝트를 넣어줍니다. </a:t>
+            </a:r>
+            <a:endParaRPr lang="ko-KR" altLang="en-US" sz="1800">
+              <a:latin typeface="맑은 고딕" charset="0"/>
+              <a:ea typeface="맑은 고딕" charset="0"/>
+            </a:endParaRPr>
+          </a:p>
+        </p:txBody>
+      </p:sp>
+      <p:cxnSp>
+        <p:nvCxnSpPr>
+          <p:cNvPr id="1246" name="도형 27"/>
+          <p:cNvCxnSpPr/>
+          <p:nvPr/>
+        </p:nvCxnSpPr>
+        <p:spPr>
+          <a:xfrm rot="0">
+            <a:off x="2252980" y="4314190"/>
+            <a:ext cx="1172845" cy="258445"/>
+          </a:xfrm>
+          <a:prstGeom prst="straightConnector1"/>
+          <a:ln w="6350" cap="flat" cmpd="sng">
+            <a:prstDash/>
+            <a:headEnd type="none" w="med" len="med"/>
+            <a:tailEnd type="triangle" w="med" len="med"/>
+          </a:ln>
+        </p:spPr>
+        <p:style>
+          <a:lnRef idx="1">
+            <a:schemeClr val="accent1"/>
+          </a:lnRef>
+          <a:fillRef idx="0">
+            <a:schemeClr val="accent1"/>
+          </a:fillRef>
+          <a:effectRef idx="0">
+            <a:schemeClr val="accent1"/>
+          </a:effectRef>
+          <a:fontRef idx="minor">
+            <a:schemeClr val="tx1"/>
+          </a:fontRef>
+        </p:style>
+      </p:cxnSp>
+      <p:sp>
+        <p:nvSpPr>
+          <p:cNvPr id="1247" name="텍스트 상자 28"/>
+          <p:cNvSpPr txBox="1">
+            <a:spLocks/>
+          </p:cNvSpPr>
+          <p:nvPr/>
+        </p:nvSpPr>
+        <p:spPr>
+          <a:xfrm rot="0">
+            <a:off x="6816725" y="5329555"/>
+            <a:ext cx="4149725" cy="923925"/>
+          </a:xfrm>
+          <a:prstGeom prst="rect"/>
+          <a:noFill/>
+          <a:ln w="0">
+            <a:noFill/>
+            <a:prstDash/>
+          </a:ln>
+        </p:spPr>
+        <p:txBody>
+          <a:bodyPr wrap="square" lIns="89535" tIns="46355" rIns="89535" bIns="46355" numCol="1" vert="horz" anchor="t">
+            <a:spAutoFit/>
+          </a:bodyPr>
+          <a:lstStyle/>
+          <a:p>
+            <a:pPr marL="0" indent="0" rtl="0" algn="l" defTabSz="914400" eaLnBrk="1" latinLnBrk="0" hangingPunct="1">
+              <a:buFontTx/>
+              <a:buNone/>
+            </a:pPr>
+            <a:r>
+              <a:rPr sz="1800" b="1">
+                <a:solidFill>
+                  <a:srgbClr val="0611F2"/>
+                </a:solidFill>
+                <a:latin typeface="맑은 고딕" charset="0"/>
+                <a:ea typeface="맑은 고딕" charset="0"/>
+              </a:rPr>
+              <a:t>32</a:t>
+            </a:r>
+            <a:r>
+              <a:rPr sz="1800" b="1">
+                <a:solidFill>
+                  <a:srgbClr val="0611F2"/>
+                </a:solidFill>
+                <a:latin typeface="맑은 고딕" charset="0"/>
+                <a:ea typeface="맑은 고딕" charset="0"/>
+              </a:rPr>
+              <a:t>.</a:t>
+            </a:r>
+            <a:r>
+              <a:rPr sz="1800">
+                <a:latin typeface="맑은 고딕" charset="0"/>
+                <a:ea typeface="맑은 고딕" charset="0"/>
+              </a:rPr>
+              <a:t> </a:t>
+            </a:r>
+            <a:r>
+              <a:rPr lang="ko-KR" sz="1800">
+                <a:latin typeface="맑은 고딕" charset="0"/>
+                <a:ea typeface="맑은 고딕" charset="0"/>
+              </a:rPr>
+              <a:t>그런 다음 </a:t>
+            </a:r>
+            <a:r>
+              <a:rPr lang="ko-KR" sz="1800">
+                <a:latin typeface="맑은 고딕" charset="0"/>
+                <a:ea typeface="맑은 고딕" charset="0"/>
+              </a:rPr>
+              <a:t>Control 스크립트에서 </a:t>
+            </a:r>
+            <a:r>
+              <a:rPr lang="ko-KR" sz="1800">
+                <a:latin typeface="맑은 고딕" charset="0"/>
+                <a:ea typeface="맑은 고딕" charset="0"/>
+              </a:rPr>
+              <a:t> float 변수와 CharacterController 변수를 선언</a:t>
+            </a:r>
+            <a:r>
+              <a:rPr lang="ko-KR" sz="1800">
+                <a:latin typeface="맑은 고딕" charset="0"/>
+                <a:ea typeface="맑은 고딕" charset="0"/>
+              </a:rPr>
+              <a:t>합니다. </a:t>
+            </a:r>
+            <a:endParaRPr lang="ko-KR" altLang="en-US" sz="1800">
+              <a:latin typeface="맑은 고딕" charset="0"/>
+              <a:ea typeface="맑은 고딕" charset="0"/>
+            </a:endParaRPr>
+          </a:p>
+        </p:txBody>
+      </p:sp>
+      <p:pic>
+        <p:nvPicPr>
+          <p:cNvPr id="1248" name="그림 29"/>
           <p:cNvPicPr>
             <a:picLocks noChangeAspect="1"/>
           </p:cNvPicPr>
@@ -9961,8 +10694,8 @@
         </p:blipFill>
         <p:spPr>
           <a:xfrm rot="0">
-            <a:off x="6824980" y="1330325"/>
-            <a:ext cx="4149725" cy="2819400"/>
+            <a:off x="6816725" y="3624580"/>
+            <a:ext cx="4157345" cy="1612900"/>
           </a:xfrm>
           <a:prstGeom prst="roundRect"/>
           <a:solidFill>
@@ -9970,16 +10703,262 @@
           </a:solidFill>
         </p:spPr>
       </p:pic>
+    </p:spTree>
+  </p:cSld>
+  <p:clrMapOvr>
+    <a:masterClrMapping/>
+  </p:clrMapOvr>
+  <mc:AlternateContent xmlns:mc="http://schemas.openxmlformats.org/markup-compatibility/2006">
+    <mc:Choice xmlns:p14="http://schemas.microsoft.com/office/powerpoint/2010/main" Requires="p14">
+      <p:transition spd="slow" p14:dur="2000"/>
+    </mc:Choice>
+    <mc:Fallback>
+      <p:transition spd="slow"/>
+    </mc:Fallback>
+  </mc:AlternateContent>
+  <p:timing>
+    <p:tnLst>
+      <p:par>
+        <p:cTn id="1" dur="indefinite" restart="never" nodeType="tmRoot"/>
+      </p:par>
+    </p:tnLst>
+  </p:timing>
+</p:sld>
+</file>
+
+<file path=ppt/slides/slide14.xml><?xml version="1.0" encoding="utf-8"?>
+<p:sld xmlns:a="http://schemas.openxmlformats.org/drawingml/2006/main" xmlns:r="http://schemas.openxmlformats.org/officeDocument/2006/relationships" xmlns:p="http://schemas.openxmlformats.org/presentationml/2006/main" xmlns:p14="http://schemas.microsoft.com/office/powerpoint/2010/main">
+  <p:cSld>
+    <p:spTree>
+      <p:nvGrpSpPr>
+        <p:cNvPr id="1" name=""/>
+        <p:cNvGrpSpPr/>
+        <p:nvPr/>
+      </p:nvGrpSpPr>
+      <p:grpSpPr>
+        <a:xfrm>
+          <a:off x="0" y="0"/>
+          <a:ext cx="0" cy="0"/>
+          <a:chOff x="0" y="0"/>
+          <a:chExt cx="0" cy="0"/>
+        </a:xfrm>
+      </p:grpSpPr>
+      <p:sp>
+        <p:nvSpPr>
+          <p:cNvPr id="1031" name="Rect 0"/>
+          <p:cNvSpPr txBox="1">
+            <a:spLocks/>
+          </p:cNvSpPr>
+          <p:nvPr/>
+        </p:nvSpPr>
+        <p:spPr>
+          <a:xfrm>
+            <a:off x="4573905" y="354330"/>
+            <a:ext cx="3056255" cy="478155"/>
+          </a:xfrm>
+          <a:prstGeom prst="rect"/>
+          <a:noFill/>
+          <a:ln w="0">
+            <a:noFill/>
+            <a:prstDash/>
+          </a:ln>
+        </p:spPr>
+        <p:txBody>
+          <a:bodyPr wrap="square" lIns="89535" tIns="46355" rIns="89535" bIns="46355" numCol="1" vert="horz" anchor="t">
+            <a:spAutoFit/>
+          </a:bodyPr>
+          <a:lstStyle/>
+          <a:p>
+            <a:pPr marL="0" indent="0" algn="ctr" latinLnBrk="0">
+              <a:buFontTx/>
+              <a:buNone/>
+            </a:pPr>
+            <a:r>
+              <a:rPr lang="ko-KR" altLang="en-US" sz="2500" b="1">
+                <a:solidFill>
+                  <a:schemeClr val="tx1"/>
+                </a:solidFill>
+                <a:latin typeface="나눔바른고딕" charset="0"/>
+                <a:ea typeface="나눔바른고딕" charset="0"/>
+              </a:rPr>
+              <a:t>열</a:t>
+            </a:r>
+            <a:r>
+              <a:rPr lang="ko-KR" altLang="en-US" sz="2500" b="1">
+                <a:solidFill>
+                  <a:schemeClr val="tx1"/>
+                </a:solidFill>
+                <a:latin typeface="나눔바른고딕" charset="0"/>
+                <a:ea typeface="나눔바른고딕" charset="0"/>
+              </a:rPr>
+              <a:t>세</a:t>
+            </a:r>
+            <a:r>
+              <a:rPr lang="ko-KR" altLang="en-US" sz="2500" b="1">
+                <a:solidFill>
+                  <a:schemeClr val="tx1"/>
+                </a:solidFill>
+                <a:latin typeface="나눔바른고딕" charset="0"/>
+                <a:ea typeface="나눔바른고딕" charset="0"/>
+              </a:rPr>
+              <a:t> 번째 튜토리얼</a:t>
+            </a:r>
+            <a:endParaRPr lang="ko-KR" altLang="en-US" sz="2500" b="1">
+              <a:solidFill>
+                <a:schemeClr val="tx1"/>
+              </a:solidFill>
+              <a:latin typeface="나눔바른고딕" charset="0"/>
+              <a:ea typeface="나눔바른고딕" charset="0"/>
+            </a:endParaRPr>
+          </a:p>
+        </p:txBody>
+      </p:sp>
+      <p:sp>
+        <p:nvSpPr>
+          <p:cNvPr id="1243" name="텍스트 상자 75"/>
+          <p:cNvSpPr txBox="1">
+            <a:spLocks/>
+          </p:cNvSpPr>
+          <p:nvPr/>
+        </p:nvSpPr>
+        <p:spPr>
+          <a:xfrm rot="0">
+            <a:off x="1230630" y="4248150"/>
+            <a:ext cx="4131945" cy="2031365"/>
+          </a:xfrm>
+          <a:prstGeom prst="rect"/>
+          <a:noFill/>
+          <a:ln w="0">
+            <a:noFill/>
+            <a:prstDash/>
+          </a:ln>
+        </p:spPr>
+        <p:txBody>
+          <a:bodyPr wrap="square" lIns="89535" tIns="46355" rIns="89535" bIns="46355" numCol="1" vert="horz" anchor="t">
+            <a:spAutoFit/>
+          </a:bodyPr>
+          <a:lstStyle/>
+          <a:p>
+            <a:pPr marL="0" indent="0" rtl="0" algn="l" defTabSz="914400" eaLnBrk="1" latinLnBrk="0" hangingPunct="1">
+              <a:buFontTx/>
+              <a:buNone/>
+            </a:pPr>
+            <a:r>
+              <a:rPr sz="1800" b="1">
+                <a:solidFill>
+                  <a:srgbClr val="0611F2"/>
+                </a:solidFill>
+                <a:latin typeface="맑은 고딕" charset="0"/>
+                <a:ea typeface="맑은 고딕" charset="0"/>
+              </a:rPr>
+              <a:t>33</a:t>
+            </a:r>
+            <a:r>
+              <a:rPr sz="1800" b="1">
+                <a:solidFill>
+                  <a:srgbClr val="0611F2"/>
+                </a:solidFill>
+                <a:latin typeface="맑은 고딕" charset="0"/>
+                <a:ea typeface="맑은 고딕" charset="0"/>
+              </a:rPr>
+              <a:t>.</a:t>
+            </a:r>
+            <a:r>
+              <a:rPr sz="1800">
+                <a:latin typeface="맑은 고딕" charset="0"/>
+                <a:ea typeface="맑은 고딕" charset="0"/>
+              </a:rPr>
+              <a:t> </a:t>
+            </a:r>
+            <a:r>
+              <a:rPr lang="ko-KR" sz="1800">
+                <a:latin typeface="맑은 고딕" charset="0"/>
+                <a:ea typeface="맑은 고딕" charset="0"/>
+              </a:rPr>
+              <a:t>그러고 나서 입력을 했을 때 변화되는 정보를 float 변수에 저장합니다. </a:t>
+            </a:r>
+            <a:endParaRPr lang="ko-KR" altLang="en-US" sz="1800">
+              <a:latin typeface="맑은 고딕" charset="0"/>
+              <a:ea typeface="맑은 고딕" charset="0"/>
+            </a:endParaRPr>
+          </a:p>
+          <a:p>
+            <a:pPr marL="0" indent="0" rtl="0" algn="l" defTabSz="914400" eaLnBrk="1" latinLnBrk="0" hangingPunct="1">
+              <a:buFontTx/>
+              <a:buNone/>
+            </a:pPr>
+            <a:endParaRPr lang="ko-KR" altLang="en-US" sz="1800">
+              <a:latin typeface="맑은 고딕" charset="0"/>
+              <a:ea typeface="맑은 고딕" charset="0"/>
+            </a:endParaRPr>
+          </a:p>
+          <a:p>
+            <a:pPr marL="0" indent="0" rtl="0" algn="l" defTabSz="914400" eaLnBrk="1" latinLnBrk="0" hangingPunct="1">
+              <a:buFontTx/>
+              <a:buNone/>
+            </a:pPr>
+            <a:r>
+              <a:rPr lang="ko-KR" sz="1800">
+                <a:latin typeface="맑은 고딕" charset="0"/>
+                <a:ea typeface="맑은 고딕" charset="0"/>
+              </a:rPr>
+              <a:t>그다음으로</a:t>
+            </a:r>
+            <a:r>
+              <a:rPr lang="ko-KR" sz="1800">
+                <a:latin typeface="맑은 고딕" charset="0"/>
+                <a:ea typeface="맑은 고딕" charset="0"/>
+              </a:rPr>
+              <a:t> CharacterController에 있는 SimpleMove( )함수에 방향 정보와 속도를 설정합니다.</a:t>
+            </a:r>
+            <a:endParaRPr lang="ko-KR" altLang="en-US" sz="1800">
+              <a:latin typeface="맑은 고딕" charset="0"/>
+              <a:ea typeface="맑은 고딕" charset="0"/>
+            </a:endParaRPr>
+          </a:p>
+        </p:txBody>
+      </p:sp>
       <p:pic>
         <p:nvPicPr>
-          <p:cNvPr id="1248" name="그림 1" descr="C:/Users/Admin1/AppData/Roaming/PolarisOffice/ETemp/12684_13172512/fImage243752006962.png"/>
+          <p:cNvPr id="1247" name="그림 9"/>
           <p:cNvPicPr>
             <a:picLocks noChangeAspect="1"/>
           </p:cNvPicPr>
           <p:nvPr/>
         </p:nvPicPr>
         <p:blipFill rotWithShape="1">
-          <a:blip r:embed="rId8" cstate="print">
+          <a:blip r:embed="rId7" cstate="hqprint">
+            <a:extLst>
+              <a:ext uri="{28A0092B-C50C-407E-A947-70E740481C1C}">
+                <a14:useLocalDpi xmlns:a14="http://schemas.microsoft.com/office/drawing/2010/main"/>
+              </a:ext>
+            </a:extLst>
+          </a:blip>
+          <a:stretch>
+            <a:fillRect/>
+          </a:stretch>
+        </p:blipFill>
+        <p:spPr>
+          <a:xfrm rot="0">
+            <a:off x="1230630" y="1289050"/>
+            <a:ext cx="4140200" cy="2820035"/>
+          </a:xfrm>
+          <a:prstGeom prst="roundRect"/>
+          <a:solidFill>
+            <a:srgbClr val="EDEDED"/>
+          </a:solidFill>
+        </p:spPr>
+      </p:pic>
+      <p:pic>
+        <p:nvPicPr>
+          <p:cNvPr id="1248" name="그림 30"/>
+          <p:cNvPicPr>
+            <a:picLocks noChangeAspect="1"/>
+          </p:cNvPicPr>
+          <p:nvPr/>
+        </p:nvPicPr>
+        <p:blipFill rotWithShape="1">
+          <a:blip r:embed="rId10" cstate="print">
             <a:extLst>
               <a:ext uri="{28A0092B-C50C-407E-A947-70E740481C1C}">
                 <a14:useLocalDpi xmlns:a14="http://schemas.microsoft.com/office/drawing/2010/main" val="0"/>
@@ -9992,8 +10971,8 @@
         </p:blipFill>
         <p:spPr>
           <a:xfrm rot="0">
-            <a:off x="1230630" y="3517900"/>
-            <a:ext cx="4140200" cy="1504315"/>
+            <a:off x="6824980" y="1288415"/>
+            <a:ext cx="2611120" cy="3849370"/>
           </a:xfrm>
           <a:prstGeom prst="roundRect"/>
           <a:solidFill>
@@ -10003,14 +10982,545 @@
       </p:pic>
       <p:pic>
         <p:nvPicPr>
-          <p:cNvPr id="1249" name="그림 4" descr="C:/Users/Admin1/AppData/Roaming/PolarisOffice/ETemp/12684_13172512/fImage75182256334.png"/>
+          <p:cNvPr id="1249" name="그림 33"/>
           <p:cNvPicPr>
             <a:picLocks noChangeAspect="1"/>
           </p:cNvPicPr>
           <p:nvPr/>
         </p:nvPicPr>
         <p:blipFill rotWithShape="1">
-          <a:blip r:embed="rId9" cstate="hqprint">
+          <a:blip r:embed="rId11" cstate="print">
+            <a:extLst>
+              <a:ext uri="{28A0092B-C50C-407E-A947-70E740481C1C}">
+                <a14:useLocalDpi xmlns:a14="http://schemas.microsoft.com/office/drawing/2010/main" val="0"/>
+              </a:ext>
+            </a:extLst>
+          </a:blip>
+          <a:stretch>
+            <a:fillRect/>
+          </a:stretch>
+        </p:blipFill>
+        <p:spPr>
+          <a:xfrm rot="0">
+            <a:off x="9593580" y="2012315"/>
+            <a:ext cx="1372235" cy="2402840"/>
+          </a:xfrm>
+          <a:prstGeom prst="roundRect"/>
+          <a:solidFill>
+            <a:srgbClr val="EDEDED"/>
+          </a:solidFill>
+        </p:spPr>
+      </p:pic>
+      <p:sp>
+        <p:nvSpPr>
+          <p:cNvPr id="1250" name="텍스트 상자 36"/>
+          <p:cNvSpPr txBox="1">
+            <a:spLocks/>
+          </p:cNvSpPr>
+          <p:nvPr/>
+        </p:nvSpPr>
+        <p:spPr>
+          <a:xfrm rot="0">
+            <a:off x="6822440" y="5350510"/>
+            <a:ext cx="4131945" cy="923925"/>
+          </a:xfrm>
+          <a:prstGeom prst="rect"/>
+          <a:noFill/>
+          <a:ln w="0">
+            <a:noFill/>
+            <a:prstDash/>
+          </a:ln>
+        </p:spPr>
+        <p:txBody>
+          <a:bodyPr wrap="square" lIns="89535" tIns="46355" rIns="89535" bIns="46355" numCol="1" vert="horz" anchor="t">
+            <a:spAutoFit/>
+          </a:bodyPr>
+          <a:lstStyle/>
+          <a:p>
+            <a:pPr marL="0" indent="0" rtl="0" algn="l" defTabSz="914400" eaLnBrk="1" latinLnBrk="0" hangingPunct="1">
+              <a:buFontTx/>
+              <a:buNone/>
+            </a:pPr>
+            <a:r>
+              <a:rPr sz="1800" b="1">
+                <a:solidFill>
+                  <a:srgbClr val="0611F2"/>
+                </a:solidFill>
+                <a:latin typeface="맑은 고딕" charset="0"/>
+                <a:ea typeface="맑은 고딕" charset="0"/>
+              </a:rPr>
+              <a:t>3</a:t>
+            </a:r>
+            <a:r>
+              <a:rPr lang="ko-KR" sz="1800" b="1">
+                <a:solidFill>
+                  <a:srgbClr val="0611F2"/>
+                </a:solidFill>
+                <a:latin typeface="맑은 고딕" charset="0"/>
+                <a:ea typeface="맑은 고딕" charset="0"/>
+              </a:rPr>
+              <a:t>4</a:t>
+            </a:r>
+            <a:r>
+              <a:rPr sz="1800" b="1">
+                <a:solidFill>
+                  <a:srgbClr val="0611F2"/>
+                </a:solidFill>
+                <a:latin typeface="맑은 고딕" charset="0"/>
+                <a:ea typeface="맑은 고딕" charset="0"/>
+              </a:rPr>
+              <a:t>.</a:t>
+            </a:r>
+            <a:r>
+              <a:rPr sz="1800">
+                <a:latin typeface="맑은 고딕" charset="0"/>
+                <a:ea typeface="맑은 고딕" charset="0"/>
+              </a:rPr>
+              <a:t> </a:t>
+            </a:r>
+            <a:r>
+              <a:rPr lang="ko-KR" sz="1800">
+                <a:latin typeface="맑은 고딕" charset="0"/>
+                <a:ea typeface="맑은 고딕" charset="0"/>
+              </a:rPr>
+              <a:t>이제 3D Object에서 Quad를 생성하고 Ground라는 이름으로 정의합니다.</a:t>
+            </a:r>
+            <a:endParaRPr lang="ko-KR" altLang="en-US" sz="1800">
+              <a:latin typeface="맑은 고딕" charset="0"/>
+              <a:ea typeface="맑은 고딕" charset="0"/>
+            </a:endParaRPr>
+          </a:p>
+        </p:txBody>
+      </p:sp>
+    </p:spTree>
+  </p:cSld>
+  <p:clrMapOvr>
+    <a:masterClrMapping/>
+  </p:clrMapOvr>
+  <mc:AlternateContent xmlns:mc="http://schemas.openxmlformats.org/markup-compatibility/2006">
+    <mc:Choice xmlns:p14="http://schemas.microsoft.com/office/powerpoint/2010/main" Requires="p14">
+      <p:transition spd="slow" p14:dur="2000"/>
+    </mc:Choice>
+    <mc:Fallback>
+      <p:transition spd="slow"/>
+    </mc:Fallback>
+  </mc:AlternateContent>
+  <p:timing>
+    <p:tnLst>
+      <p:par>
+        <p:cTn id="1" dur="indefinite" restart="never" nodeType="tmRoot"/>
+      </p:par>
+    </p:tnLst>
+  </p:timing>
+</p:sld>
+</file>
+
+<file path=ppt/slides/slide15.xml><?xml version="1.0" encoding="utf-8"?>
+<p:sld xmlns:a="http://schemas.openxmlformats.org/drawingml/2006/main" xmlns:r="http://schemas.openxmlformats.org/officeDocument/2006/relationships" xmlns:p="http://schemas.openxmlformats.org/presentationml/2006/main" xmlns:p14="http://schemas.microsoft.com/office/powerpoint/2010/main">
+  <p:cSld>
+    <p:spTree>
+      <p:nvGrpSpPr>
+        <p:cNvPr id="1" name=""/>
+        <p:cNvGrpSpPr/>
+        <p:nvPr/>
+      </p:nvGrpSpPr>
+      <p:grpSpPr>
+        <a:xfrm>
+          <a:off x="0" y="0"/>
+          <a:ext cx="0" cy="0"/>
+          <a:chOff x="0" y="0"/>
+          <a:chExt cx="0" cy="0"/>
+        </a:xfrm>
+      </p:grpSpPr>
+      <p:sp>
+        <p:nvSpPr>
+          <p:cNvPr id="1031" name="Rect 0"/>
+          <p:cNvSpPr txBox="1">
+            <a:spLocks/>
+          </p:cNvSpPr>
+          <p:nvPr/>
+        </p:nvSpPr>
+        <p:spPr>
+          <a:xfrm rot="0">
+            <a:off x="4573905" y="354330"/>
+            <a:ext cx="3056255" cy="478155"/>
+          </a:xfrm>
+          <a:prstGeom prst="rect"/>
+          <a:noFill/>
+          <a:ln w="0">
+            <a:noFill/>
+            <a:prstDash/>
+          </a:ln>
+        </p:spPr>
+        <p:txBody>
+          <a:bodyPr wrap="square" lIns="89535" tIns="46355" rIns="89535" bIns="46355" numCol="1" vert="horz" anchor="t">
+            <a:spAutoFit/>
+          </a:bodyPr>
+          <a:lstStyle/>
+          <a:p>
+            <a:pPr marL="0" indent="0" algn="ctr" latinLnBrk="0">
+              <a:buFontTx/>
+              <a:buNone/>
+            </a:pPr>
+            <a:r>
+              <a:rPr lang="ko-KR" altLang="en-US" sz="2500" b="1">
+                <a:solidFill>
+                  <a:schemeClr val="tx1"/>
+                </a:solidFill>
+                <a:latin typeface="나눔바른고딕" charset="0"/>
+                <a:ea typeface="나눔바른고딕" charset="0"/>
+              </a:rPr>
+              <a:t>열</a:t>
+            </a:r>
+            <a:r>
+              <a:rPr lang="ko-KR" altLang="en-US" sz="2500" b="1">
+                <a:solidFill>
+                  <a:schemeClr val="tx1"/>
+                </a:solidFill>
+                <a:latin typeface="나눔바른고딕" charset="0"/>
+                <a:ea typeface="나눔바른고딕" charset="0"/>
+              </a:rPr>
+              <a:t>네</a:t>
+            </a:r>
+            <a:r>
+              <a:rPr lang="ko-KR" altLang="en-US" sz="2500" b="1">
+                <a:solidFill>
+                  <a:schemeClr val="tx1"/>
+                </a:solidFill>
+                <a:latin typeface="나눔바른고딕" charset="0"/>
+                <a:ea typeface="나눔바른고딕" charset="0"/>
+              </a:rPr>
+              <a:t> 번째 튜토리얼</a:t>
+            </a:r>
+            <a:endParaRPr lang="ko-KR" altLang="en-US" sz="2500" b="1">
+              <a:solidFill>
+                <a:schemeClr val="tx1"/>
+              </a:solidFill>
+              <a:latin typeface="나눔바른고딕" charset="0"/>
+              <a:ea typeface="나눔바른고딕" charset="0"/>
+            </a:endParaRPr>
+          </a:p>
+        </p:txBody>
+      </p:sp>
+      <p:sp>
+        <p:nvSpPr>
+          <p:cNvPr id="1243" name="Rect 0"/>
+          <p:cNvSpPr txBox="1">
+            <a:spLocks/>
+          </p:cNvSpPr>
+          <p:nvPr/>
+        </p:nvSpPr>
+        <p:spPr>
+          <a:xfrm rot="0">
+            <a:off x="1230630" y="2785110"/>
+            <a:ext cx="4124325" cy="924560"/>
+          </a:xfrm>
+          <a:prstGeom prst="rect"/>
+          <a:noFill/>
+          <a:ln w="0">
+            <a:noFill/>
+            <a:prstDash/>
+          </a:ln>
+        </p:spPr>
+        <p:txBody>
+          <a:bodyPr wrap="square" lIns="89535" tIns="46355" rIns="89535" bIns="46355" numCol="1" vert="horz" anchor="t">
+            <a:spAutoFit/>
+          </a:bodyPr>
+          <a:lstStyle/>
+          <a:p>
+            <a:pPr marL="0" indent="0" rtl="0" algn="l" defTabSz="914400" eaLnBrk="1" latinLnBrk="0" hangingPunct="1">
+              <a:buFontTx/>
+              <a:buNone/>
+            </a:pPr>
+            <a:r>
+              <a:rPr sz="1800" b="1">
+                <a:solidFill>
+                  <a:srgbClr val="0611F2"/>
+                </a:solidFill>
+                <a:latin typeface="맑은 고딕" charset="0"/>
+                <a:ea typeface="맑은 고딕" charset="0"/>
+              </a:rPr>
+              <a:t>3</a:t>
+            </a:r>
+            <a:r>
+              <a:rPr lang="ko-KR" sz="1800" b="1">
+                <a:solidFill>
+                  <a:srgbClr val="0611F2"/>
+                </a:solidFill>
+                <a:latin typeface="맑은 고딕" charset="0"/>
+                <a:ea typeface="맑은 고딕" charset="0"/>
+              </a:rPr>
+              <a:t>5</a:t>
+            </a:r>
+            <a:r>
+              <a:rPr sz="1800" b="1">
+                <a:solidFill>
+                  <a:srgbClr val="0611F2"/>
+                </a:solidFill>
+                <a:latin typeface="맑은 고딕" charset="0"/>
+                <a:ea typeface="맑은 고딕" charset="0"/>
+              </a:rPr>
+              <a:t>.</a:t>
+            </a:r>
+            <a:r>
+              <a:rPr sz="1800">
+                <a:latin typeface="맑은 고딕" charset="0"/>
+                <a:ea typeface="맑은 고딕" charset="0"/>
+              </a:rPr>
+              <a:t> </a:t>
+            </a:r>
+            <a:r>
+              <a:rPr lang="ko-KR" sz="1800">
+                <a:latin typeface="맑은 고딕" charset="0"/>
+                <a:ea typeface="맑은 고딕" charset="0"/>
+              </a:rPr>
+              <a:t>그리고 Project 폴더 아래에 있는 Texture 폴더에 Diffuse 텍스처를 Ground 오브젝트에 넣어줍니다. </a:t>
+            </a:r>
+            <a:endParaRPr lang="ko-KR" altLang="en-US" sz="1800">
+              <a:latin typeface="맑은 고딕" charset="0"/>
+              <a:ea typeface="맑은 고딕" charset="0"/>
+            </a:endParaRPr>
+          </a:p>
+        </p:txBody>
+      </p:sp>
+      <p:sp>
+        <p:nvSpPr>
+          <p:cNvPr id="1250" name="Rect 0"/>
+          <p:cNvSpPr txBox="1">
+            <a:spLocks/>
+          </p:cNvSpPr>
+          <p:nvPr/>
+        </p:nvSpPr>
+        <p:spPr>
+          <a:xfrm rot="0">
+            <a:off x="1219835" y="5600065"/>
+            <a:ext cx="4131945" cy="647065"/>
+          </a:xfrm>
+          <a:prstGeom prst="rect"/>
+          <a:noFill/>
+          <a:ln w="0">
+            <a:noFill/>
+            <a:prstDash/>
+          </a:ln>
+        </p:spPr>
+        <p:txBody>
+          <a:bodyPr wrap="square" lIns="89535" tIns="46355" rIns="89535" bIns="46355" numCol="1" vert="horz" anchor="t">
+            <a:spAutoFit/>
+          </a:bodyPr>
+          <a:lstStyle/>
+          <a:p>
+            <a:pPr marL="0" indent="0" rtl="0" algn="l" defTabSz="914400" eaLnBrk="1" latinLnBrk="0" hangingPunct="1">
+              <a:buFontTx/>
+              <a:buNone/>
+            </a:pPr>
+            <a:r>
+              <a:rPr lang="ko-KR" sz="1800" b="1">
+                <a:solidFill>
+                  <a:srgbClr val="0611F2"/>
+                </a:solidFill>
+                <a:latin typeface="맑은 고딕" charset="0"/>
+                <a:ea typeface="맑은 고딕" charset="0"/>
+              </a:rPr>
+              <a:t>36</a:t>
+            </a:r>
+            <a:r>
+              <a:rPr sz="1800" b="1">
+                <a:solidFill>
+                  <a:srgbClr val="0611F2"/>
+                </a:solidFill>
+                <a:latin typeface="맑은 고딕" charset="0"/>
+                <a:ea typeface="맑은 고딕" charset="0"/>
+              </a:rPr>
+              <a:t>.</a:t>
+            </a:r>
+            <a:r>
+              <a:rPr sz="1800">
+                <a:latin typeface="맑은 고딕" charset="0"/>
+                <a:ea typeface="맑은 고딕" charset="0"/>
+              </a:rPr>
+              <a:t> </a:t>
+            </a:r>
+            <a:r>
+              <a:rPr lang="ko-KR" sz="1800">
+                <a:latin typeface="맑은 고딕" charset="0"/>
+                <a:ea typeface="맑은 고딕" charset="0"/>
+              </a:rPr>
+              <a:t>그다음 Ground 오브젝트의 크기와 회전 값을 설정합니다.</a:t>
+            </a:r>
+            <a:endParaRPr lang="ko-KR" altLang="en-US" sz="1800">
+              <a:latin typeface="맑은 고딕" charset="0"/>
+              <a:ea typeface="맑은 고딕" charset="0"/>
+            </a:endParaRPr>
+          </a:p>
+        </p:txBody>
+      </p:sp>
+      <p:pic>
+        <p:nvPicPr>
+          <p:cNvPr id="1251" name="그림 37"/>
+          <p:cNvPicPr>
+            <a:picLocks noChangeAspect="1"/>
+          </p:cNvPicPr>
+          <p:nvPr/>
+        </p:nvPicPr>
+        <p:blipFill rotWithShape="1">
+          <a:blip r:embed="rId2" cstate="print">
+            <a:extLst>
+              <a:ext uri="{28A0092B-C50C-407E-A947-70E740481C1C}">
+                <a14:useLocalDpi xmlns:a14="http://schemas.microsoft.com/office/drawing/2010/main" val="0"/>
+              </a:ext>
+            </a:extLst>
+          </a:blip>
+          <a:stretch>
+            <a:fillRect/>
+          </a:stretch>
+        </p:blipFill>
+        <p:spPr>
+          <a:xfrm rot="0">
+            <a:off x="2527300" y="1288415"/>
+            <a:ext cx="2835275" cy="1380490"/>
+          </a:xfrm>
+          <a:prstGeom prst="roundRect"/>
+          <a:solidFill>
+            <a:srgbClr val="EDEDED"/>
+          </a:solidFill>
+        </p:spPr>
+      </p:pic>
+      <p:pic>
+        <p:nvPicPr>
+          <p:cNvPr id="1252" name="그림 40"/>
+          <p:cNvPicPr>
+            <a:picLocks noChangeAspect="1"/>
+          </p:cNvPicPr>
+          <p:nvPr/>
+        </p:nvPicPr>
+        <p:blipFill rotWithShape="1">
+          <a:blip r:embed="rId3" cstate="print">
+            <a:extLst>
+              <a:ext uri="{28A0092B-C50C-407E-A947-70E740481C1C}">
+                <a14:useLocalDpi xmlns:a14="http://schemas.microsoft.com/office/drawing/2010/main" val="0"/>
+              </a:ext>
+            </a:extLst>
+          </a:blip>
+          <a:stretch>
+            <a:fillRect/>
+          </a:stretch>
+        </p:blipFill>
+        <p:spPr>
+          <a:xfrm rot="0">
+            <a:off x="1228725" y="1288415"/>
+            <a:ext cx="1183005" cy="1388110"/>
+          </a:xfrm>
+          <a:prstGeom prst="roundRect"/>
+          <a:solidFill>
+            <a:srgbClr val="EDEDED"/>
+          </a:solidFill>
+        </p:spPr>
+      </p:pic>
+      <p:cxnSp>
+        <p:nvCxnSpPr>
+          <p:cNvPr id="1253" name="도형 43"/>
+          <p:cNvCxnSpPr/>
+          <p:nvPr/>
+        </p:nvCxnSpPr>
+        <p:spPr>
+          <a:xfrm rot="0" flipH="1">
+            <a:off x="1962150" y="2153285"/>
+            <a:ext cx="632460" cy="358140"/>
+          </a:xfrm>
+          <a:prstGeom prst="straightConnector1"/>
+          <a:ln w="6350" cap="flat" cmpd="sng">
+            <a:prstDash/>
+            <a:headEnd type="none" w="med" len="med"/>
+            <a:tailEnd type="triangle" w="med" len="med"/>
+          </a:ln>
+        </p:spPr>
+        <p:style>
+          <a:lnRef idx="1">
+            <a:schemeClr val="accent1"/>
+          </a:lnRef>
+          <a:fillRef idx="0">
+            <a:schemeClr val="accent1"/>
+          </a:fillRef>
+          <a:effectRef idx="0">
+            <a:schemeClr val="accent1"/>
+          </a:effectRef>
+          <a:fontRef idx="minor">
+            <a:schemeClr val="tx1"/>
+          </a:fontRef>
+        </p:style>
+      </p:cxnSp>
+      <p:pic>
+        <p:nvPicPr>
+          <p:cNvPr id="1254" name="그림 44"/>
+          <p:cNvPicPr>
+            <a:picLocks noChangeAspect="1"/>
+          </p:cNvPicPr>
+          <p:nvPr/>
+        </p:nvPicPr>
+        <p:blipFill rotWithShape="1">
+          <a:blip r:embed="rId4" cstate="print">
+            <a:extLst>
+              <a:ext uri="{28A0092B-C50C-407E-A947-70E740481C1C}">
+                <a14:useLocalDpi xmlns:a14="http://schemas.microsoft.com/office/drawing/2010/main" val="0"/>
+              </a:ext>
+            </a:extLst>
+          </a:blip>
+          <a:stretch>
+            <a:fillRect/>
+          </a:stretch>
+        </p:blipFill>
+        <p:spPr>
+          <a:xfrm rot="0">
+            <a:off x="1231265" y="3817620"/>
+            <a:ext cx="4131310" cy="1694815"/>
+          </a:xfrm>
+          <a:prstGeom prst="roundRect"/>
+          <a:solidFill>
+            <a:srgbClr val="EDEDED"/>
+          </a:solidFill>
+        </p:spPr>
+      </p:pic>
+      <p:pic>
+        <p:nvPicPr>
+          <p:cNvPr id="1255" name="그림 1" descr="C:/Users/Admin1/AppData/Roaming/PolarisOffice/ETemp/18400_8582216/fImage992424041.png"/>
+          <p:cNvPicPr>
+            <a:picLocks noChangeAspect="1"/>
+          </p:cNvPicPr>
+          <p:nvPr/>
+        </p:nvPicPr>
+        <p:blipFill rotWithShape="1">
+          <a:blip r:embed="rId6" cstate="print">
+            <a:extLst>
+              <a:ext uri="{28A0092B-C50C-407E-A947-70E740481C1C}">
+                <a14:useLocalDpi xmlns:a14="http://schemas.microsoft.com/office/drawing/2010/main" val="0"/>
+              </a:ext>
+            </a:extLst>
+          </a:blip>
+          <a:stretch>
+            <a:fillRect/>
+          </a:stretch>
+        </p:blipFill>
+        <p:spPr>
+          <a:xfrm rot="0">
+            <a:off x="9593580" y="1978660"/>
+            <a:ext cx="1372235" cy="2469515"/>
+          </a:xfrm>
+          <a:prstGeom prst="roundRect"/>
+          <a:solidFill>
+            <a:srgbClr val="EDEDED"/>
+          </a:solidFill>
+        </p:spPr>
+      </p:pic>
+      <p:pic>
+        <p:nvPicPr>
+          <p:cNvPr id="1256" name="그림 2" descr="C:/Users/Admin1/AppData/Roaming/PolarisOffice/ETemp/18400_8582216/fImage161052209961.png"/>
+          <p:cNvPicPr>
+            <a:picLocks noChangeAspect="1"/>
+          </p:cNvPicPr>
+          <p:nvPr/>
+        </p:nvPicPr>
+        <p:blipFill rotWithShape="1">
+          <a:blip r:embed="rId7" cstate="hqprint">
             <a:extLst>
               <a:ext uri="{28A0092B-C50C-407E-A947-70E740481C1C}">
                 <a14:useLocalDpi xmlns:a14="http://schemas.microsoft.com/office/drawing/2010/main"/>
@@ -10023,8 +11533,8 @@
         </p:blipFill>
         <p:spPr>
           <a:xfrm rot="0">
-            <a:off x="1286510" y="1322070"/>
-            <a:ext cx="4092575" cy="1085850"/>
+            <a:off x="6816725" y="1280160"/>
+            <a:ext cx="2594610" cy="3841115"/>
           </a:xfrm>
           <a:prstGeom prst="roundRect"/>
           <a:solidFill>
@@ -10034,7 +11544,7 @@
       </p:pic>
       <p:sp>
         <p:nvSpPr>
-          <p:cNvPr id="1250" name="텍스트 상자 5"/>
+          <p:cNvPr id="1257" name="텍스트 상자 5"/>
           <p:cNvSpPr txBox="1">
             <a:spLocks/>
           </p:cNvSpPr>
@@ -10042,8 +11552,8 @@
         </p:nvSpPr>
         <p:spPr>
           <a:xfrm rot="0">
-            <a:off x="1290955" y="2481580"/>
-            <a:ext cx="4071620" cy="923925"/>
+            <a:off x="6808470" y="5322570"/>
+            <a:ext cx="4165600" cy="923925"/>
           </a:xfrm>
           <a:prstGeom prst="rect"/>
           <a:noFill/>
@@ -10063,6 +11573,26 @@
               <a:buNone/>
             </a:pPr>
             <a:r>
+              <a:rPr lang="ko-KR" sz="1800" b="1">
+                <a:solidFill>
+                  <a:srgbClr val="0611F2"/>
+                </a:solidFill>
+                <a:latin typeface="맑은 고딕" charset="0"/>
+                <a:ea typeface="맑은 고딕" charset="0"/>
+              </a:rPr>
+              <a:t>3</a:t>
+            </a:r>
+            <a:r>
+              <a:rPr lang="ko-KR" sz="1800" b="1">
+                <a:solidFill>
+                  <a:srgbClr val="0611F2"/>
+                </a:solidFill>
+                <a:latin typeface="맑은 고딕" charset="0"/>
+                <a:ea typeface="맑은 고딕" charset="0"/>
+              </a:rPr>
+              <a:t>7</a:t>
+            </a:r>
+            <a:r>
               <a:rPr sz="1800" b="1">
                 <a:solidFill>
                   <a:srgbClr val="0611F2"/>
@@ -10070,28 +11600,530 @@
                 <a:latin typeface="맑은 고딕" charset="0"/>
                 <a:ea typeface="맑은 고딕" charset="0"/>
               </a:rPr>
-              <a:t>22.</a:t>
+              <a:t>.</a:t>
             </a:r>
             <a:r>
               <a:rPr sz="1800">
                 <a:latin typeface="맑은 고딕" charset="0"/>
                 <a:ea typeface="맑은 고딕" charset="0"/>
               </a:rPr>
-              <a:t> 그리</a:t>
+              <a:t> </a:t>
             </a:r>
             <a:r>
               <a:rPr lang="ko-KR" sz="1800">
                 <a:latin typeface="맑은 고딕" charset="0"/>
                 <a:ea typeface="맑은 고딕" charset="0"/>
               </a:rPr>
-              <a:t>고</a:t>
+              <a:t>그</a:t>
             </a:r>
             <a:r>
               <a:rPr lang="ko-KR" sz="1800">
                 <a:latin typeface="맑은 고딕" charset="0"/>
                 <a:ea typeface="맑은 고딕" charset="0"/>
               </a:rPr>
-              <a:t> Volume 오브젝트의 On Value Changed에 VolumeControl( ) 함수를 설정합니다. </a:t>
+              <a:t>런 다음</a:t>
+            </a:r>
+            <a:r>
+              <a:rPr lang="ko-KR" sz="1800">
+                <a:latin typeface="맑은 고딕" charset="0"/>
+                <a:ea typeface="맑은 고딕" charset="0"/>
+              </a:rPr>
+              <a:t> </a:t>
+            </a:r>
+            <a:r>
+              <a:rPr lang="ko-KR" sz="1800">
+                <a:latin typeface="맑은 고딕" charset="0"/>
+                <a:ea typeface="맑은 고딕" charset="0"/>
+              </a:rPr>
+              <a:t>3D Object에서 Cube를 선택하고 Concrete라는 이름으로 정의합니다.</a:t>
+            </a:r>
+            <a:endParaRPr lang="ko-KR" altLang="en-US" sz="1800">
+              <a:latin typeface="맑은 고딕" charset="0"/>
+              <a:ea typeface="맑은 고딕" charset="0"/>
+            </a:endParaRPr>
+          </a:p>
+        </p:txBody>
+      </p:sp>
+    </p:spTree>
+  </p:cSld>
+  <p:clrMapOvr>
+    <a:masterClrMapping/>
+  </p:clrMapOvr>
+  <mc:AlternateContent xmlns:mc="http://schemas.openxmlformats.org/markup-compatibility/2006">
+    <mc:Choice xmlns:p14="http://schemas.microsoft.com/office/powerpoint/2010/main" Requires="p14">
+      <p:transition spd="slow" p14:dur="2000"/>
+    </mc:Choice>
+    <mc:Fallback>
+      <p:transition spd="slow"/>
+    </mc:Fallback>
+  </mc:AlternateContent>
+  <p:timing>
+    <p:tnLst>
+      <p:par>
+        <p:cTn id="1" dur="indefinite" restart="never" nodeType="tmRoot"/>
+      </p:par>
+    </p:tnLst>
+  </p:timing>
+</p:sld>
+</file>
+
+<file path=ppt/slides/slide16.xml><?xml version="1.0" encoding="utf-8"?>
+<p:sld xmlns:a="http://schemas.openxmlformats.org/drawingml/2006/main" xmlns:r="http://schemas.openxmlformats.org/officeDocument/2006/relationships" xmlns:p="http://schemas.openxmlformats.org/presentationml/2006/main">
+  <p:cSld>
+    <p:spTree>
+      <p:nvGrpSpPr>
+        <p:cNvPr id="1" name=""/>
+        <p:cNvGrpSpPr/>
+        <p:nvPr/>
+      </p:nvGrpSpPr>
+      <p:grpSpPr>
+        <a:xfrm>
+          <a:off x="0" y="0"/>
+          <a:ext cx="0" cy="0"/>
+          <a:chOff x="0" y="0"/>
+          <a:chExt cx="0" cy="0"/>
+        </a:xfrm>
+      </p:grpSpPr>
+      <p:sp>
+        <p:nvSpPr>
+          <p:cNvPr id="1031" name="Rect 0"/>
+          <p:cNvSpPr txBox="1">
+            <a:spLocks/>
+          </p:cNvSpPr>
+          <p:nvPr/>
+        </p:nvSpPr>
+        <p:spPr>
+          <a:xfrm rot="0">
+            <a:off x="4573905" y="354330"/>
+            <a:ext cx="3056890" cy="478155"/>
+          </a:xfrm>
+          <a:prstGeom prst="rect"/>
+          <a:noFill/>
+          <a:ln w="0">
+            <a:noFill/>
+            <a:prstDash/>
+          </a:ln>
+        </p:spPr>
+        <p:txBody>
+          <a:bodyPr wrap="square" lIns="89535" tIns="46355" rIns="89535" bIns="46355" numCol="1" vert="horz" anchor="t">
+            <a:spAutoFit/>
+          </a:bodyPr>
+          <a:lstStyle/>
+          <a:p>
+            <a:pPr marL="0" indent="0" algn="ctr" latinLnBrk="0">
+              <a:buFontTx/>
+              <a:buNone/>
+            </a:pPr>
+            <a:r>
+              <a:rPr lang="ko-KR" altLang="en-US" sz="2500" b="1">
+                <a:solidFill>
+                  <a:schemeClr val="tx1"/>
+                </a:solidFill>
+                <a:latin typeface="나눔바른고딕" charset="0"/>
+                <a:ea typeface="나눔바른고딕" charset="0"/>
+              </a:rPr>
+              <a:t>열</a:t>
+            </a:r>
+            <a:r>
+              <a:rPr lang="ko-KR" altLang="en-US" sz="2500" b="1">
+                <a:solidFill>
+                  <a:schemeClr val="tx1"/>
+                </a:solidFill>
+                <a:latin typeface="나눔바른고딕" charset="0"/>
+                <a:ea typeface="나눔바른고딕" charset="0"/>
+              </a:rPr>
+              <a:t>다섯</a:t>
+            </a:r>
+            <a:r>
+              <a:rPr lang="ko-KR" altLang="en-US" sz="2500" b="1">
+                <a:solidFill>
+                  <a:schemeClr val="tx1"/>
+                </a:solidFill>
+                <a:latin typeface="나눔바른고딕" charset="0"/>
+                <a:ea typeface="나눔바른고딕" charset="0"/>
+              </a:rPr>
+              <a:t> 번째 튜토리얼</a:t>
+            </a:r>
+            <a:endParaRPr lang="ko-KR" altLang="en-US" sz="2500" b="1">
+              <a:solidFill>
+                <a:schemeClr val="tx1"/>
+              </a:solidFill>
+              <a:latin typeface="나눔바른고딕" charset="0"/>
+              <a:ea typeface="나눔바른고딕" charset="0"/>
+            </a:endParaRPr>
+          </a:p>
+        </p:txBody>
+      </p:sp>
+      <p:sp>
+        <p:nvSpPr>
+          <p:cNvPr id="1250" name="Rect 0"/>
+          <p:cNvSpPr txBox="1">
+            <a:spLocks/>
+          </p:cNvSpPr>
+          <p:nvPr/>
+        </p:nvSpPr>
+        <p:spPr>
+          <a:xfrm rot="0">
+            <a:off x="1211580" y="5317490"/>
+            <a:ext cx="4167505" cy="923925"/>
+          </a:xfrm>
+          <a:prstGeom prst="rect"/>
+          <a:noFill/>
+          <a:ln w="0">
+            <a:noFill/>
+            <a:prstDash/>
+          </a:ln>
+        </p:spPr>
+        <p:txBody>
+          <a:bodyPr wrap="square" lIns="89535" tIns="46355" rIns="89535" bIns="46355" numCol="1" vert="horz" anchor="t">
+            <a:spAutoFit/>
+          </a:bodyPr>
+          <a:lstStyle/>
+          <a:p>
+            <a:pPr marL="0" indent="0" rtl="0" algn="l" defTabSz="914400" eaLnBrk="1" latinLnBrk="0" hangingPunct="1">
+              <a:buFontTx/>
+              <a:buNone/>
+            </a:pPr>
+            <a:r>
+              <a:rPr lang="ko-KR" sz="1800" b="1">
+                <a:solidFill>
+                  <a:srgbClr val="0611F2"/>
+                </a:solidFill>
+                <a:latin typeface="맑은 고딕" charset="0"/>
+                <a:ea typeface="맑은 고딕" charset="0"/>
+              </a:rPr>
+              <a:t>3</a:t>
+            </a:r>
+            <a:r>
+              <a:rPr lang="ko-KR" sz="1800" b="1">
+                <a:solidFill>
+                  <a:srgbClr val="0611F2"/>
+                </a:solidFill>
+                <a:latin typeface="맑은 고딕" charset="0"/>
+                <a:ea typeface="맑은 고딕" charset="0"/>
+              </a:rPr>
+              <a:t>8</a:t>
+            </a:r>
+            <a:r>
+              <a:rPr sz="1800" b="1">
+                <a:solidFill>
+                  <a:srgbClr val="0611F2"/>
+                </a:solidFill>
+                <a:latin typeface="맑은 고딕" charset="0"/>
+                <a:ea typeface="맑은 고딕" charset="0"/>
+              </a:rPr>
+              <a:t>.</a:t>
+            </a:r>
+            <a:r>
+              <a:rPr sz="1800">
+                <a:latin typeface="맑은 고딕" charset="0"/>
+                <a:ea typeface="맑은 고딕" charset="0"/>
+              </a:rPr>
+              <a:t> </a:t>
+            </a:r>
+            <a:r>
+              <a:rPr lang="ko-KR" sz="1800">
+                <a:latin typeface="맑은 고딕" charset="0"/>
+                <a:ea typeface="맑은 고딕" charset="0"/>
+              </a:rPr>
+              <a:t>그</a:t>
+            </a:r>
+            <a:r>
+              <a:rPr lang="ko-KR" sz="1800">
+                <a:latin typeface="맑은 고딕" charset="0"/>
+                <a:ea typeface="맑은 고딕" charset="0"/>
+              </a:rPr>
+              <a:t>러고 나서</a:t>
+            </a:r>
+            <a:r>
+              <a:rPr lang="ko-KR" sz="1800">
+                <a:latin typeface="맑은 고딕" charset="0"/>
+                <a:ea typeface="맑은 고딕" charset="0"/>
+              </a:rPr>
+              <a:t> </a:t>
+            </a:r>
+            <a:r>
+              <a:rPr lang="ko-KR" sz="1800">
+                <a:latin typeface="맑은 고딕" charset="0"/>
+                <a:ea typeface="맑은 고딕" charset="0"/>
+              </a:rPr>
+              <a:t>Volume 오브젝트의 Slider 컴포넌트에 있는 Navigation을 None으로 설정합니다.</a:t>
+            </a:r>
+            <a:endParaRPr lang="ko-KR" altLang="en-US" sz="1800">
+              <a:latin typeface="맑은 고딕" charset="0"/>
+              <a:ea typeface="맑은 고딕" charset="0"/>
+            </a:endParaRPr>
+          </a:p>
+        </p:txBody>
+      </p:sp>
+      <p:pic>
+        <p:nvPicPr>
+          <p:cNvPr id="1258" name="그림 6" descr="C:/Users/Admin1/AppData/Roaming/PolarisOffice/ETemp/18400_8582216/fImage267223288467.png"/>
+          <p:cNvPicPr>
+            <a:picLocks noChangeAspect="1"/>
+          </p:cNvPicPr>
+          <p:nvPr/>
+        </p:nvPicPr>
+        <p:blipFill rotWithShape="1">
+          <a:blip r:embed="rId2" cstate="print">
+            <a:extLst>
+              <a:ext uri="{28A0092B-C50C-407E-A947-70E740481C1C}">
+                <a14:useLocalDpi xmlns:a14="http://schemas.microsoft.com/office/drawing/2010/main" val="0"/>
+              </a:ext>
+            </a:extLst>
+          </a:blip>
+          <a:stretch>
+            <a:fillRect/>
+          </a:stretch>
+        </p:blipFill>
+        <p:spPr>
+          <a:xfrm rot="0">
+            <a:off x="2660015" y="1314450"/>
+            <a:ext cx="2727325" cy="3798570"/>
+          </a:xfrm>
+          <a:prstGeom prst="roundRect"/>
+          <a:solidFill>
+            <a:srgbClr val="EDEDED"/>
+          </a:solidFill>
+        </p:spPr>
+      </p:pic>
+      <p:pic>
+        <p:nvPicPr>
+          <p:cNvPr id="1259" name="그림 9" descr="C:/Users/Admin1/AppData/Roaming/PolarisOffice/ETemp/18400_8582216/fImage97763296334.png"/>
+          <p:cNvPicPr>
+            <a:picLocks noChangeAspect="1"/>
+          </p:cNvPicPr>
+          <p:nvPr/>
+        </p:nvPicPr>
+        <p:blipFill rotWithShape="1">
+          <a:blip r:embed="rId3" cstate="print">
+            <a:extLst>
+              <a:ext uri="{28A0092B-C50C-407E-A947-70E740481C1C}">
+                <a14:useLocalDpi xmlns:a14="http://schemas.microsoft.com/office/drawing/2010/main" val="0"/>
+              </a:ext>
+            </a:extLst>
+          </a:blip>
+          <a:stretch>
+            <a:fillRect/>
+          </a:stretch>
+        </p:blipFill>
+        <p:spPr>
+          <a:xfrm rot="0">
+            <a:off x="1214120" y="2094865"/>
+            <a:ext cx="1346835" cy="2228215"/>
+          </a:xfrm>
+          <a:prstGeom prst="roundRect"/>
+          <a:solidFill>
+            <a:srgbClr val="EDEDED"/>
+          </a:solidFill>
+        </p:spPr>
+      </p:pic>
+      <p:pic>
+        <p:nvPicPr>
+          <p:cNvPr id="1260" name="그림 12" descr="C:/Users/Admin1/AppData/Roaming/PolarisOffice/ETemp/18400_8582216/fImage120123306500.png"/>
+          <p:cNvPicPr>
+            <a:picLocks noChangeAspect="1"/>
+          </p:cNvPicPr>
+          <p:nvPr/>
+        </p:nvPicPr>
+        <p:blipFill rotWithShape="1">
+          <a:blip r:embed="rId4" cstate="print">
+            <a:extLst>
+              <a:ext uri="{28A0092B-C50C-407E-A947-70E740481C1C}">
+                <a14:useLocalDpi xmlns:a14="http://schemas.microsoft.com/office/drawing/2010/main" val="0"/>
+              </a:ext>
+            </a:extLst>
+          </a:blip>
+          <a:stretch>
+            <a:fillRect/>
+          </a:stretch>
+        </p:blipFill>
+        <p:spPr>
+          <a:xfrm rot="0">
+            <a:off x="6824980" y="1313180"/>
+            <a:ext cx="4149090" cy="1638300"/>
+          </a:xfrm>
+          <a:prstGeom prst="roundRect"/>
+          <a:solidFill>
+            <a:srgbClr val="EDEDED"/>
+          </a:solidFill>
+        </p:spPr>
+      </p:pic>
+      <p:sp>
+        <p:nvSpPr>
+          <p:cNvPr id="1261" name="텍스트 상자 15"/>
+          <p:cNvSpPr txBox="1">
+            <a:spLocks/>
+          </p:cNvSpPr>
+          <p:nvPr/>
+        </p:nvSpPr>
+        <p:spPr>
+          <a:xfrm rot="0">
+            <a:off x="6828155" y="3070225"/>
+            <a:ext cx="4145915" cy="647065"/>
+          </a:xfrm>
+          <a:prstGeom prst="rect"/>
+          <a:noFill/>
+          <a:ln w="0">
+            <a:noFill/>
+            <a:prstDash/>
+          </a:ln>
+        </p:spPr>
+        <p:txBody>
+          <a:bodyPr wrap="square" lIns="89535" tIns="46355" rIns="89535" bIns="46355" numCol="1" vert="horz" anchor="t">
+            <a:spAutoFit/>
+          </a:bodyPr>
+          <a:lstStyle/>
+          <a:p>
+            <a:pPr marL="0" indent="0" rtl="0" algn="l" defTabSz="914400" eaLnBrk="1" latinLnBrk="0" hangingPunct="1">
+              <a:buFontTx/>
+              <a:buNone/>
+            </a:pPr>
+            <a:r>
+              <a:rPr lang="ko-KR" sz="1800" b="1">
+                <a:solidFill>
+                  <a:srgbClr val="0611F2"/>
+                </a:solidFill>
+                <a:latin typeface="맑은 고딕" charset="0"/>
+                <a:ea typeface="맑은 고딕" charset="0"/>
+              </a:rPr>
+              <a:t>3</a:t>
+            </a:r>
+            <a:r>
+              <a:rPr lang="ko-KR" sz="1800" b="1">
+                <a:solidFill>
+                  <a:srgbClr val="0611F2"/>
+                </a:solidFill>
+                <a:latin typeface="맑은 고딕" charset="0"/>
+                <a:ea typeface="맑은 고딕" charset="0"/>
+              </a:rPr>
+              <a:t>9</a:t>
+            </a:r>
+            <a:r>
+              <a:rPr sz="1800" b="1">
+                <a:solidFill>
+                  <a:srgbClr val="0611F2"/>
+                </a:solidFill>
+                <a:latin typeface="맑은 고딕" charset="0"/>
+                <a:ea typeface="맑은 고딕" charset="0"/>
+              </a:rPr>
+              <a:t>.</a:t>
+            </a:r>
+            <a:r>
+              <a:rPr sz="1800">
+                <a:latin typeface="맑은 고딕" charset="0"/>
+                <a:ea typeface="맑은 고딕" charset="0"/>
+              </a:rPr>
+              <a:t> </a:t>
+            </a:r>
+            <a:r>
+              <a:rPr lang="ko-KR" sz="1800">
+                <a:latin typeface="맑은 고딕" charset="0"/>
+                <a:ea typeface="맑은 고딕" charset="0"/>
+              </a:rPr>
+              <a:t>마지막으로 Concrete 오브젝트의 위치를 설정합니다.</a:t>
+            </a:r>
+            <a:endParaRPr lang="ko-KR" altLang="en-US" sz="1800">
+              <a:latin typeface="맑은 고딕" charset="0"/>
+              <a:ea typeface="맑은 고딕" charset="0"/>
+            </a:endParaRPr>
+          </a:p>
+        </p:txBody>
+      </p:sp>
+      <p:pic>
+        <p:nvPicPr>
+          <p:cNvPr id="1262" name="그림 16" descr="C:/Users/Admin1/AppData/Roaming/PolarisOffice/ETemp/18400_8582216/fImage115703329169.png"/>
+          <p:cNvPicPr>
+            <a:picLocks noChangeAspect="1"/>
+          </p:cNvPicPr>
+          <p:nvPr/>
+        </p:nvPicPr>
+        <p:blipFill rotWithShape="1">
+          <a:blip r:embed="rId5" cstate="print">
+            <a:extLst>
+              <a:ext uri="{28A0092B-C50C-407E-A947-70E740481C1C}">
+                <a14:useLocalDpi xmlns:a14="http://schemas.microsoft.com/office/drawing/2010/main" val="0"/>
+              </a:ext>
+            </a:extLst>
+          </a:blip>
+          <a:stretch>
+            <a:fillRect/>
+          </a:stretch>
+        </p:blipFill>
+        <p:spPr>
+          <a:xfrm rot="0">
+            <a:off x="6824345" y="3840480"/>
+            <a:ext cx="4141470" cy="1663065"/>
+          </a:xfrm>
+          <a:prstGeom prst="roundRect"/>
+          <a:solidFill>
+            <a:srgbClr val="EDEDED"/>
+          </a:solidFill>
+        </p:spPr>
+      </p:pic>
+      <p:sp>
+        <p:nvSpPr>
+          <p:cNvPr id="1263" name="텍스트 상자 19"/>
+          <p:cNvSpPr txBox="1">
+            <a:spLocks/>
+          </p:cNvSpPr>
+          <p:nvPr/>
+        </p:nvSpPr>
+        <p:spPr>
+          <a:xfrm rot="0">
+            <a:off x="6816725" y="5594350"/>
+            <a:ext cx="4145915" cy="647065"/>
+          </a:xfrm>
+          <a:prstGeom prst="rect"/>
+          <a:noFill/>
+          <a:ln w="0">
+            <a:noFill/>
+            <a:prstDash/>
+          </a:ln>
+        </p:spPr>
+        <p:txBody>
+          <a:bodyPr wrap="square" lIns="89535" tIns="46355" rIns="89535" bIns="46355" numCol="1" vert="horz" anchor="t">
+            <a:spAutoFit/>
+          </a:bodyPr>
+          <a:lstStyle/>
+          <a:p>
+            <a:pPr marL="0" indent="0" rtl="0" algn="l" defTabSz="914400" eaLnBrk="1" latinLnBrk="0" hangingPunct="1">
+              <a:buFontTx/>
+              <a:buNone/>
+            </a:pPr>
+            <a:r>
+              <a:rPr lang="ko-KR" sz="1800" b="1">
+                <a:solidFill>
+                  <a:srgbClr val="0611F2"/>
+                </a:solidFill>
+                <a:latin typeface="맑은 고딕" charset="0"/>
+                <a:ea typeface="맑은 고딕" charset="0"/>
+              </a:rPr>
+              <a:t>40</a:t>
+            </a:r>
+            <a:r>
+              <a:rPr sz="1800" b="1">
+                <a:solidFill>
+                  <a:srgbClr val="0611F2"/>
+                </a:solidFill>
+                <a:latin typeface="맑은 고딕" charset="0"/>
+                <a:ea typeface="맑은 고딕" charset="0"/>
+              </a:rPr>
+              <a:t>.</a:t>
+            </a:r>
+            <a:r>
+              <a:rPr sz="1800">
+                <a:latin typeface="맑은 고딕" charset="0"/>
+                <a:ea typeface="맑은 고딕" charset="0"/>
+              </a:rPr>
+              <a:t> </a:t>
+            </a:r>
+            <a:r>
+              <a:rPr lang="ko-KR" sz="1800">
+                <a:latin typeface="맑은 고딕" charset="0"/>
+                <a:ea typeface="맑은 고딕" charset="0"/>
+              </a:rPr>
+              <a:t>이제 Volume 오브젝트의 앵커를 지정하고 위치와 크기를 지정합니다.</a:t>
             </a:r>
             <a:endParaRPr lang="ko-KR" altLang="en-US" sz="1800">
               <a:latin typeface="맑은 고딕" charset="0"/>
@@ -10633,8 +12665,8 @@
         </p:nvSpPr>
         <p:spPr>
           <a:xfrm rot="0">
-            <a:off x="4805045" y="387350"/>
-            <a:ext cx="2585720" cy="478155"/>
+            <a:off x="4721860" y="379095"/>
+            <a:ext cx="2744470" cy="478155"/>
           </a:xfrm>
           <a:prstGeom prst="rect"/>
           <a:noFill/>
@@ -10661,17 +12693,7 @@
                 <a:latin typeface="나눔바른고딕" charset="0"/>
                 <a:ea typeface="나눔바른고딕" charset="0"/>
               </a:rPr>
-              <a:t>세 </a:t>
-            </a:r>
-            <a:r>
-              <a:rPr lang="ko-KR" altLang="en-US" sz="2500" b="1">
-                <a:solidFill>
-                  <a:schemeClr val="tx1"/>
-                </a:solidFill>
-                <a:latin typeface="나눔바른고딕" charset="0"/>
-                <a:ea typeface="나눔바른고딕" charset="0"/>
-              </a:rPr>
-              <a:t> 번째 튜토리얼</a:t>
+              <a:t>세  번째 튜토리얼</a:t>
             </a:r>
             <a:endParaRPr lang="ko-KR" altLang="en-US" sz="2500" b="1">
               <a:solidFill>
@@ -11316,9 +13338,9 @@
           <p:nvPr/>
         </p:nvSpPr>
         <p:spPr>
-          <a:xfrm rot="0">
+          <a:xfrm>
             <a:off x="7233285" y="4446905"/>
-            <a:ext cx="4042410" cy="1755140"/>
+            <a:ext cx="4043045" cy="1754505"/>
           </a:xfrm>
           <a:prstGeom prst="rect"/>
           <a:noFill/>
@@ -11369,7 +13391,21 @@
                 <a:latin typeface="맑은 고딕" charset="0"/>
                 <a:ea typeface="맑은 고딕" charset="0"/>
               </a:rPr>
-              <a:t>그리고 오디오 리스너는 게임 공간 안에서 하나만 존재해야 합니다.</a:t>
+              <a:t>그리고 오디오 리스너는 </a:t>
+            </a:r>
+            <a:r>
+              <a:rPr lang="ko-KR" sz="1800">
+                <a:latin typeface="맑은 고딕" charset="0"/>
+                <a:ea typeface="맑은 고딕" charset="0"/>
+              </a:rPr>
+              <a:t>월드</a:t>
+            </a:r>
+            <a:r>
+              <a:rPr lang="ko-KR" sz="1800">
+                <a:latin typeface="맑은 고딕" charset="0"/>
+                <a:ea typeface="맑은 고딕" charset="0"/>
+              </a:rPr>
+              <a:t> 공간 안에서 하나만 존재해야 합니다.</a:t>
             </a:r>
             <a:endParaRPr lang="ko-KR" altLang="en-US" sz="1800">
               <a:latin typeface="맑은 고딕" charset="0"/>
@@ -13306,7 +15342,7 @@
       </p:sp>
       <p:pic>
         <p:nvPicPr>
-          <p:cNvPr id="1218" name="그림 38" descr="C:/Users/Admin1/AppData/Roaming/PolarisOffice/ETemp/12684_13172512/fImage278162061478.png"/>
+          <p:cNvPr id="1218" name="그림 38"/>
           <p:cNvPicPr>
             <a:picLocks noChangeAspect="1"/>
           </p:cNvPicPr>
@@ -13337,7 +15373,7 @@
       </p:pic>
       <p:pic>
         <p:nvPicPr>
-          <p:cNvPr id="1219" name="그림 14" descr="C:/Users/Admin1/AppData/Roaming/PolarisOffice/ETemp/12684_13172512/fImage188971996334.png"/>
+          <p:cNvPr id="1219" name="그림 14"/>
           <p:cNvPicPr>
             <a:picLocks noChangeAspect="1"/>
           </p:cNvPicPr>
@@ -13368,7 +15404,7 @@
       </p:pic>
       <p:pic>
         <p:nvPicPr>
-          <p:cNvPr id="1220" name="그림 17" descr="C:/Users/Admin1/AppData/Roaming/PolarisOffice/ETemp/12684_13172512/fImage67852006500.png"/>
+          <p:cNvPr id="1220" name="그림 17"/>
           <p:cNvPicPr>
             <a:picLocks noChangeAspect="1"/>
           </p:cNvPicPr>
@@ -13544,7 +15580,7 @@
       </p:cxnSp>
       <p:pic>
         <p:nvPicPr>
-          <p:cNvPr id="1224" name="그림 24" descr="C:/Users/Admin1/AppData/Roaming/PolarisOffice/ETemp/12684_13172512/fImage118112059169.png"/>
+          <p:cNvPr id="1224" name="그림 24"/>
           <p:cNvPicPr>
             <a:picLocks noChangeAspect="1"/>
           </p:cNvPicPr>
@@ -13855,7 +15891,7 @@
       </p:sp>
       <p:pic>
         <p:nvPicPr>
-          <p:cNvPr id="1222" name="그림 16" descr="C:/Users/Admin1/AppData/Roaming/PolarisOffice/ETemp/12684_13172512/fImage191382309169.png"/>
+          <p:cNvPr id="1222" name="그림 16"/>
           <p:cNvPicPr>
             <a:picLocks noChangeAspect="1"/>
           </p:cNvPicPr>
@@ -14015,7 +16051,7 @@
       </p:sp>
       <p:pic>
         <p:nvPicPr>
-          <p:cNvPr id="1224" name="그림 6" descr="C:/Users/Admin1/AppData/Roaming/PolarisOffice/ETemp/12684_13172512/fImage1635020341.png"/>
+          <p:cNvPr id="1224" name="그림 6"/>
           <p:cNvPicPr>
             <a:picLocks noChangeAspect="1"/>
           </p:cNvPicPr>
@@ -14046,7 +16082,7 @@
       </p:pic>
       <p:pic>
         <p:nvPicPr>
-          <p:cNvPr id="1225" name="그림 9" descr="C:/Users/Admin1/AppData/Roaming/PolarisOffice/ETemp/12684_13172512/fImage95762048467.png"/>
+          <p:cNvPr id="1225" name="그림 9"/>
           <p:cNvPicPr>
             <a:picLocks noChangeAspect="1"/>
           </p:cNvPicPr>
@@ -14077,7 +16113,7 @@
       </p:pic>
       <p:pic>
         <p:nvPicPr>
-          <p:cNvPr id="1226" name="그림 12" descr="C:/Users/Admin1/AppData/Roaming/PolarisOffice/ETemp/12684_13172512/fImage363622056334.png"/>
+          <p:cNvPr id="1226" name="그림 12"/>
           <p:cNvPicPr>
             <a:picLocks noChangeAspect="1"/>
           </p:cNvPicPr>
@@ -14141,7 +16177,7 @@
       </p:cxnSp>
       <p:pic>
         <p:nvPicPr>
-          <p:cNvPr id="1228" name="그림 21" descr="C:/Users/Admin1/AppData/Roaming/PolarisOffice/ETemp/12684_13172512/fImage93492126500.png"/>
+          <p:cNvPr id="1228" name="그림 21"/>
           <p:cNvPicPr>
             <a:picLocks noChangeAspect="1"/>
           </p:cNvPicPr>

--- a/Assets/Class/Sound/PPT Data/Sound Example.pptx
+++ b/Assets/Class/Sound/PPT Data/Sound Example.pptx
@@ -2,28 +2,28 @@
 <file path=ppt/presentation.xml><?xml version="1.0" encoding="utf-8"?>
 <p:presentation xmlns:a="http://schemas.openxmlformats.org/drawingml/2006/main" xmlns:r="http://schemas.openxmlformats.org/officeDocument/2006/relationships" xmlns:p="http://schemas.openxmlformats.org/presentationml/2006/main" xmlns:p14="http://schemas.microsoft.com/office/powerpoint/2010/main" saveSubsetFonts="1" firstSlideNum="0">
   <p:sldMasterIdLst>
-    <p:sldMasterId id="2147486359" r:id="rId12"/>
+    <p:sldMasterId id="2147486364" r:id="rId12"/>
   </p:sldMasterIdLst>
   <p:notesMasterIdLst>
     <p:notesMasterId r:id="rId14"/>
   </p:notesMasterIdLst>
   <p:sldIdLst>
     <p:sldId id="287" r:id="rId16"/>
-    <p:sldId id="300" r:id="rId17"/>
-    <p:sldId id="312" r:id="rId18"/>
-    <p:sldId id="304" r:id="rId19"/>
-    <p:sldId id="301" r:id="rId20"/>
-    <p:sldId id="302" r:id="rId21"/>
-    <p:sldId id="305" r:id="rId22"/>
-    <p:sldId id="307" r:id="rId23"/>
-    <p:sldId id="308" r:id="rId24"/>
-    <p:sldId id="309" r:id="rId25"/>
-    <p:sldId id="313" r:id="rId26"/>
-    <p:sldId id="310" r:id="rId27"/>
-    <p:sldId id="314" r:id="rId28"/>
-    <p:sldId id="311" r:id="rId29"/>
-    <p:sldId id="315" r:id="rId30"/>
-    <p:sldId id="316" r:id="rId31"/>
+    <p:sldId id="300" r:id="rId18"/>
+    <p:sldId id="312" r:id="rId20"/>
+    <p:sldId id="304" r:id="rId22"/>
+    <p:sldId id="301" r:id="rId24"/>
+    <p:sldId id="302" r:id="rId26"/>
+    <p:sldId id="305" r:id="rId28"/>
+    <p:sldId id="307" r:id="rId29"/>
+    <p:sldId id="308" r:id="rId30"/>
+    <p:sldId id="309" r:id="rId32"/>
+    <p:sldId id="313" r:id="rId34"/>
+    <p:sldId id="310" r:id="rId36"/>
+    <p:sldId id="314" r:id="rId38"/>
+    <p:sldId id="311" r:id="rId39"/>
+    <p:sldId id="315" r:id="rId41"/>
+    <p:sldId id="316" r:id="rId43"/>
   </p:sldIdLst>
   <p:sldSz cx="12192000" cy="6858000"/>
   <p:notesSz cx="6858000" cy="9144000"/>
@@ -10064,8 +10064,8 @@
         </p:nvSpPr>
         <p:spPr>
           <a:xfrm rot="0">
-            <a:off x="4660900" y="346075"/>
-            <a:ext cx="2874010" cy="478155"/>
+            <a:off x="4529455" y="328930"/>
+            <a:ext cx="3136265" cy="478155"/>
           </a:xfrm>
           <a:prstGeom prst="rect"/>
           <a:noFill/>
@@ -10092,27 +10092,7 @@
                 <a:latin typeface="나눔바른고딕" charset="0"/>
                 <a:ea typeface="나눔바른고딕" charset="0"/>
               </a:rPr>
-              <a:t>열</a:t>
-            </a:r>
-            <a:r>
-              <a:rPr lang="ko-KR" altLang="en-US" sz="2500" b="1">
-                <a:solidFill>
-                  <a:schemeClr val="tx1"/>
-                </a:solidFill>
-                <a:latin typeface="나눔바른고딕" charset="0"/>
-                <a:ea typeface="나눔바른고딕" charset="0"/>
-              </a:rPr>
-              <a:t>두</a:t>
-            </a:r>
-            <a:r>
-              <a:rPr lang="ko-KR" altLang="en-US" sz="2500" b="1">
-                <a:solidFill>
-                  <a:schemeClr val="tx1"/>
-                </a:solidFill>
-                <a:latin typeface="나눔바른고딕" charset="0"/>
-                <a:ea typeface="나눔바른고딕" charset="0"/>
-              </a:rPr>
-              <a:t> 번째 튜토리얼</a:t>
+              <a:t>열두 번째 튜토리얼</a:t>
             </a:r>
             <a:endParaRPr lang="ko-KR" altLang="en-US" sz="2500" b="1">
               <a:solidFill>
@@ -11668,7 +11648,7 @@
 </file>
 
 <file path=ppt/slides/slide16.xml><?xml version="1.0" encoding="utf-8"?>
-<p:sld xmlns:a="http://schemas.openxmlformats.org/drawingml/2006/main" xmlns:r="http://schemas.openxmlformats.org/officeDocument/2006/relationships" xmlns:p="http://schemas.openxmlformats.org/presentationml/2006/main">
+<p:sld xmlns:a="http://schemas.openxmlformats.org/drawingml/2006/main" xmlns:r="http://schemas.openxmlformats.org/officeDocument/2006/relationships" xmlns:p="http://schemas.openxmlformats.org/presentationml/2006/main" xmlns:p14="http://schemas.microsoft.com/office/powerpoint/2010/main">
   <p:cSld>
     <p:spTree>
       <p:nvGrpSpPr>
@@ -11694,8 +11674,8 @@
         </p:nvSpPr>
         <p:spPr>
           <a:xfrm rot="0">
-            <a:off x="4573905" y="354330"/>
-            <a:ext cx="3056890" cy="478155"/>
+            <a:off x="4485640" y="371475"/>
+            <a:ext cx="3232150" cy="478155"/>
           </a:xfrm>
           <a:prstGeom prst="rect"/>
           <a:noFill/>
@@ -11722,27 +11702,7 @@
                 <a:latin typeface="나눔바른고딕" charset="0"/>
                 <a:ea typeface="나눔바른고딕" charset="0"/>
               </a:rPr>
-              <a:t>열</a:t>
-            </a:r>
-            <a:r>
-              <a:rPr lang="ko-KR" altLang="en-US" sz="2500" b="1">
-                <a:solidFill>
-                  <a:schemeClr val="tx1"/>
-                </a:solidFill>
-                <a:latin typeface="나눔바른고딕" charset="0"/>
-                <a:ea typeface="나눔바른고딕" charset="0"/>
-              </a:rPr>
-              <a:t>다섯</a:t>
-            </a:r>
-            <a:r>
-              <a:rPr lang="ko-KR" altLang="en-US" sz="2500" b="1">
-                <a:solidFill>
-                  <a:schemeClr val="tx1"/>
-                </a:solidFill>
-                <a:latin typeface="나눔바른고딕" charset="0"/>
-                <a:ea typeface="나눔바른고딕" charset="0"/>
-              </a:rPr>
-              <a:t> 번째 튜토리얼</a:t>
+              <a:t>열다섯 번째 튜토리얼</a:t>
             </a:r>
             <a:endParaRPr lang="ko-KR" altLang="en-US" sz="2500" b="1">
               <a:solidFill>
@@ -11858,7 +11818,7 @@
       </p:sp>
       <p:pic>
         <p:nvPicPr>
-          <p:cNvPr id="1258" name="그림 6" descr="C:/Users/Admin1/AppData/Roaming/PolarisOffice/ETemp/18400_8582216/fImage267223288467.png"/>
+          <p:cNvPr id="1258" name="그림 6"/>
           <p:cNvPicPr>
             <a:picLocks noChangeAspect="1"/>
           </p:cNvPicPr>
@@ -11889,7 +11849,7 @@
       </p:pic>
       <p:pic>
         <p:nvPicPr>
-          <p:cNvPr id="1259" name="그림 9" descr="C:/Users/Admin1/AppData/Roaming/PolarisOffice/ETemp/18400_8582216/fImage97763296334.png"/>
+          <p:cNvPr id="1259" name="그림 9"/>
           <p:cNvPicPr>
             <a:picLocks noChangeAspect="1"/>
           </p:cNvPicPr>
@@ -11920,7 +11880,7 @@
       </p:pic>
       <p:pic>
         <p:nvPicPr>
-          <p:cNvPr id="1260" name="그림 12" descr="C:/Users/Admin1/AppData/Roaming/PolarisOffice/ETemp/18400_8582216/fImage120123306500.png"/>
+          <p:cNvPr id="1260" name="그림 12"/>
           <p:cNvPicPr>
             <a:picLocks noChangeAspect="1"/>
           </p:cNvPicPr>
@@ -12032,7 +11992,7 @@
       </p:sp>
       <p:pic>
         <p:nvPicPr>
-          <p:cNvPr id="1262" name="그림 16" descr="C:/Users/Admin1/AppData/Roaming/PolarisOffice/ETemp/18400_8582216/fImage115703329169.png"/>
+          <p:cNvPr id="1262" name="그림 16"/>
           <p:cNvPicPr>
             <a:picLocks noChangeAspect="1"/>
           </p:cNvPicPr>
@@ -14824,9 +14784,9 @@
           <p:nvPr/>
         </p:nvSpPr>
         <p:spPr>
-          <a:xfrm>
-            <a:off x="1238885" y="5370830"/>
-            <a:ext cx="4120515" cy="923925"/>
+          <a:xfrm rot="0">
+            <a:off x="1238885" y="5645150"/>
+            <a:ext cx="4121150" cy="647065"/>
           </a:xfrm>
           <a:prstGeom prst="rect"/>
           <a:noFill/>
@@ -14853,17 +14813,7 @@
                 <a:latin typeface="맑은 고딕" charset="0"/>
                 <a:ea typeface="맑은 고딕" charset="0"/>
               </a:rPr>
-              <a:t>16</a:t>
-            </a:r>
-            <a:r>
-              <a:rPr sz="1800" b="1">
-                <a:solidFill>
-                  <a:srgbClr val="0611F2"/>
-                </a:solidFill>
-                <a:latin typeface="맑은 고딕" charset="0"/>
-                <a:ea typeface="맑은 고딕" charset="0"/>
-              </a:rPr>
-              <a:t>.</a:t>
+              <a:t>16.</a:t>
             </a:r>
             <a:r>
               <a:rPr sz="1800">
@@ -14877,21 +14827,14 @@
                 <a:latin typeface="맑은 고딕" charset="0"/>
                 <a:ea typeface="맑은 고딕" charset="0"/>
               </a:rPr>
-              <a:t>그</a:t>
+              <a:t>그러고 나서 Volume 오브젝트의 </a:t>
             </a:r>
             <a:r>
               <a:rPr lang="ko-KR" sz="1800">
                 <a:latin typeface="맑은 고딕" charset="0"/>
                 <a:ea typeface="맑은 고딕" charset="0"/>
               </a:rPr>
-              <a:t>러고 나서</a:t>
-            </a:r>
-            <a:r>
-              <a:rPr lang="ko-KR" sz="1800">
-                <a:latin typeface="맑은 고딕" charset="0"/>
-                <a:ea typeface="맑은 고딕" charset="0"/>
-              </a:rPr>
-              <a:t> Volume 오브젝트의 On Value Changed에 Sound Manager를 선택하여 넣어줍니다.</a:t>
+              <a:t>Value 값을 1로 설장합니다.</a:t>
             </a:r>
             <a:endParaRPr lang="ko-KR" altLang="en-US" sz="1800">
               <a:latin typeface="맑은 고딕" charset="0"/>
@@ -14900,37 +14843,6 @@
           </a:p>
         </p:txBody>
       </p:sp>
-      <p:pic>
-        <p:nvPicPr>
-          <p:cNvPr id="1206" name="그림 41"/>
-          <p:cNvPicPr>
-            <a:picLocks noChangeAspect="1"/>
-          </p:cNvPicPr>
-          <p:nvPr/>
-        </p:nvPicPr>
-        <p:blipFill rotWithShape="1">
-          <a:blip r:embed="rId2" cstate="hqprint">
-            <a:extLst>
-              <a:ext uri="{28A0092B-C50C-407E-A947-70E740481C1C}">
-                <a14:useLocalDpi xmlns:a14="http://schemas.microsoft.com/office/drawing/2010/main"/>
-              </a:ext>
-            </a:extLst>
-          </a:blip>
-          <a:stretch>
-            <a:fillRect/>
-          </a:stretch>
-        </p:blipFill>
-        <p:spPr>
-          <a:xfrm rot="0">
-            <a:off x="1238885" y="1259205"/>
-            <a:ext cx="2667635" cy="3931920"/>
-          </a:xfrm>
-          <a:prstGeom prst="roundRect"/>
-          <a:solidFill>
-            <a:srgbClr val="EDEDED"/>
-          </a:solidFill>
-        </p:spPr>
-      </p:pic>
       <p:pic>
         <p:nvPicPr>
           <p:cNvPr id="1208" name="그림 48"/>
@@ -15091,14 +15003,14 @@
       </p:cxnSp>
       <p:pic>
         <p:nvPicPr>
-          <p:cNvPr id="1214" name="그림 11"/>
+          <p:cNvPr id="1213" name="그림 2" descr="C:/Users/Admin1/AppData/Roaming/PolarisOffice/ETemp/10012_18855016/fImage2909925741.png"/>
           <p:cNvPicPr>
             <a:picLocks noChangeAspect="1"/>
           </p:cNvPicPr>
           <p:nvPr/>
         </p:nvPicPr>
         <p:blipFill rotWithShape="1">
-          <a:blip r:embed="rId7" cstate="print">
+          <a:blip r:embed="rId8" cstate="print">
             <a:extLst>
               <a:ext uri="{28A0092B-C50C-407E-A947-70E740481C1C}">
                 <a14:useLocalDpi xmlns:a14="http://schemas.microsoft.com/office/drawing/2010/main" val="0"/>
@@ -15111,8 +15023,8 @@
         </p:blipFill>
         <p:spPr>
           <a:xfrm rot="0">
-            <a:off x="4029075" y="2194560"/>
-            <a:ext cx="1333500" cy="2062480"/>
+            <a:off x="2610485" y="1255395"/>
+            <a:ext cx="2760345" cy="4248150"/>
           </a:xfrm>
           <a:prstGeom prst="roundRect"/>
           <a:solidFill>
@@ -15120,38 +15032,37 @@
           </a:solidFill>
         </p:spPr>
       </p:pic>
-      <p:cxnSp>
-        <p:nvCxnSpPr>
-          <p:cNvPr id="1213" name="도형 11"/>
-          <p:cNvCxnSpPr/>
-          <p:nvPr/>
-        </p:nvCxnSpPr>
-        <p:spPr>
-          <a:xfrm rot="0" flipH="1">
-            <a:off x="2078355" y="3433445"/>
-            <a:ext cx="2178685" cy="1447165"/>
-          </a:xfrm>
-          <a:prstGeom prst="straightConnector1"/>
-          <a:ln w="6350" cap="flat" cmpd="sng">
-            <a:prstDash/>
-            <a:tailEnd type="triangle" w="med" len="med"/>
-          </a:ln>
-        </p:spPr>
-        <p:style>
-          <a:lnRef idx="1">
-            <a:schemeClr val="accent1"/>
-          </a:lnRef>
-          <a:fillRef idx="0">
-            <a:schemeClr val="accent1"/>
-          </a:fillRef>
-          <a:effectRef idx="0">
-            <a:schemeClr val="accent1"/>
-          </a:effectRef>
-          <a:fontRef idx="minor">
-            <a:schemeClr val="tx1"/>
-          </a:fontRef>
-        </p:style>
-      </p:cxnSp>
+      <p:pic>
+        <p:nvPicPr>
+          <p:cNvPr id="1214" name="그림 5" descr="C:/Users/Admin1/AppData/Roaming/PolarisOffice/ETemp/10012_18855016/fImage68551968467.png"/>
+          <p:cNvPicPr>
+            <a:picLocks noChangeAspect="1"/>
+          </p:cNvPicPr>
+          <p:nvPr/>
+        </p:nvPicPr>
+        <p:blipFill rotWithShape="1">
+          <a:blip r:embed="rId9" cstate="hqprint">
+            <a:extLst>
+              <a:ext uri="{28A0092B-C50C-407E-A947-70E740481C1C}">
+                <a14:useLocalDpi xmlns:a14="http://schemas.microsoft.com/office/drawing/2010/main"/>
+              </a:ext>
+            </a:extLst>
+          </a:blip>
+          <a:stretch>
+            <a:fillRect/>
+          </a:stretch>
+        </p:blipFill>
+        <p:spPr>
+          <a:xfrm rot="0">
+            <a:off x="1240790" y="2236470"/>
+            <a:ext cx="1229995" cy="2378075"/>
+          </a:xfrm>
+          <a:prstGeom prst="roundRect"/>
+          <a:solidFill>
+            <a:srgbClr val="EDEDED"/>
+          </a:solidFill>
+        </p:spPr>
+      </p:pic>
     </p:spTree>
   </p:cSld>
   <p:clrMapOvr>
@@ -15342,37 +15253,6 @@
       </p:sp>
       <p:pic>
         <p:nvPicPr>
-          <p:cNvPr id="1218" name="그림 38"/>
-          <p:cNvPicPr>
-            <a:picLocks noChangeAspect="1"/>
-          </p:cNvPicPr>
-          <p:nvPr/>
-        </p:nvPicPr>
-        <p:blipFill rotWithShape="1">
-          <a:blip r:embed="rId7" cstate="hqprint">
-            <a:extLst>
-              <a:ext uri="{28A0092B-C50C-407E-A947-70E740481C1C}">
-                <a14:useLocalDpi xmlns:a14="http://schemas.microsoft.com/office/drawing/2010/main"/>
-              </a:ext>
-            </a:extLst>
-          </a:blip>
-          <a:stretch>
-            <a:fillRect/>
-          </a:stretch>
-        </p:blipFill>
-        <p:spPr>
-          <a:xfrm rot="0">
-            <a:off x="6816725" y="1273175"/>
-            <a:ext cx="4133850" cy="2350770"/>
-          </a:xfrm>
-          <a:prstGeom prst="roundRect"/>
-          <a:solidFill>
-            <a:srgbClr val="EDEDED"/>
-          </a:solidFill>
-        </p:spPr>
-      </p:pic>
-      <p:pic>
-        <p:nvPicPr>
           <p:cNvPr id="1219" name="그림 14"/>
           <p:cNvPicPr>
             <a:picLocks noChangeAspect="1"/>
@@ -15443,8 +15323,8 @@
         </p:nvSpPr>
         <p:spPr>
           <a:xfrm rot="0">
-            <a:off x="1229995" y="2738120"/>
-            <a:ext cx="4138930" cy="1201420"/>
+            <a:off x="1229995" y="2771140"/>
+            <a:ext cx="4139565" cy="1202055"/>
           </a:xfrm>
           <a:prstGeom prst="rect"/>
           <a:noFill/>
@@ -15580,7 +15460,7 @@
       </p:cxnSp>
       <p:pic>
         <p:nvPicPr>
-          <p:cNvPr id="1224" name="그림 24"/>
+          <p:cNvPr id="1224" name="그림 24" descr="C:/Users/Admin1/AppData/Roaming/PolarisOffice/ETemp/10012_18855016/fImage118112059169.png"/>
           <p:cNvPicPr>
             <a:picLocks noChangeAspect="1"/>
           </p:cNvPicPr>
@@ -15600,8 +15480,8 @@
         </p:blipFill>
         <p:spPr>
           <a:xfrm rot="0">
-            <a:off x="1231265" y="4022090"/>
-            <a:ext cx="4140200" cy="1380490"/>
+            <a:off x="1231265" y="4056380"/>
+            <a:ext cx="4140835" cy="1346835"/>
           </a:xfrm>
           <a:prstGeom prst="roundRect"/>
           <a:solidFill>
@@ -15680,6 +15560,37 @@
           </a:p>
         </p:txBody>
       </p:sp>
+      <p:pic>
+        <p:nvPicPr>
+          <p:cNvPr id="1226" name="그림 7" descr="C:/Users/Admin1/AppData/Roaming/PolarisOffice/ETemp/10012_18855016/fImage274222608467.png"/>
+          <p:cNvPicPr>
+            <a:picLocks noChangeAspect="1"/>
+          </p:cNvPicPr>
+          <p:nvPr/>
+        </p:nvPicPr>
+        <p:blipFill rotWithShape="1">
+          <a:blip r:embed="rId11" cstate="print">
+            <a:extLst>
+              <a:ext uri="{28A0092B-C50C-407E-A947-70E740481C1C}">
+                <a14:useLocalDpi xmlns:a14="http://schemas.microsoft.com/office/drawing/2010/main" val="0"/>
+              </a:ext>
+            </a:extLst>
+          </a:blip>
+          <a:stretch>
+            <a:fillRect/>
+          </a:stretch>
+        </p:blipFill>
+        <p:spPr>
+          <a:xfrm rot="0">
+            <a:off x="6808470" y="1255395"/>
+            <a:ext cx="4131945" cy="2436495"/>
+          </a:xfrm>
+          <a:prstGeom prst="roundRect"/>
+          <a:solidFill>
+            <a:srgbClr val="EDEDED"/>
+          </a:solidFill>
+        </p:spPr>
+      </p:pic>
     </p:spTree>
   </p:cSld>
   <p:clrMapOvr>

--- a/Assets/Class/Sound/PPT Data/Sound Example.pptx
+++ b/Assets/Class/Sound/PPT Data/Sound Example.pptx
@@ -2,7 +2,7 @@
 <file path=ppt/presentation.xml><?xml version="1.0" encoding="utf-8"?>
 <p:presentation xmlns:a="http://schemas.openxmlformats.org/drawingml/2006/main" xmlns:r="http://schemas.openxmlformats.org/officeDocument/2006/relationships" xmlns:p="http://schemas.openxmlformats.org/presentationml/2006/main" xmlns:p14="http://schemas.microsoft.com/office/powerpoint/2010/main" saveSubsetFonts="1" firstSlideNum="0">
   <p:sldMasterIdLst>
-    <p:sldMasterId id="2147486364" r:id="rId12"/>
+    <p:sldMasterId id="2147486366" r:id="rId12"/>
   </p:sldMasterIdLst>
   <p:notesMasterIdLst>
     <p:notesMasterId r:id="rId14"/>
@@ -15,15 +15,15 @@
     <p:sldId id="301" r:id="rId24"/>
     <p:sldId id="302" r:id="rId26"/>
     <p:sldId id="305" r:id="rId28"/>
-    <p:sldId id="307" r:id="rId29"/>
-    <p:sldId id="308" r:id="rId30"/>
-    <p:sldId id="309" r:id="rId32"/>
-    <p:sldId id="313" r:id="rId34"/>
-    <p:sldId id="310" r:id="rId36"/>
-    <p:sldId id="314" r:id="rId38"/>
-    <p:sldId id="311" r:id="rId39"/>
-    <p:sldId id="315" r:id="rId41"/>
-    <p:sldId id="316" r:id="rId43"/>
+    <p:sldId id="307" r:id="rId30"/>
+    <p:sldId id="308" r:id="rId32"/>
+    <p:sldId id="309" r:id="rId34"/>
+    <p:sldId id="313" r:id="rId36"/>
+    <p:sldId id="310" r:id="rId38"/>
+    <p:sldId id="314" r:id="rId40"/>
+    <p:sldId id="311" r:id="rId41"/>
+    <p:sldId id="315" r:id="rId43"/>
+    <p:sldId id="316" r:id="rId45"/>
   </p:sldIdLst>
   <p:sldSz cx="12192000" cy="6858000"/>
   <p:notesSz cx="6858000" cy="9144000"/>
@@ -10261,37 +10261,6 @@
           </a:solidFill>
         </p:spPr>
       </p:pic>
-      <p:pic>
-        <p:nvPicPr>
-          <p:cNvPr id="1241" name="그림 9"/>
-          <p:cNvPicPr>
-            <a:picLocks noChangeAspect="1"/>
-          </p:cNvPicPr>
-          <p:nvPr/>
-        </p:nvPicPr>
-        <p:blipFill rotWithShape="1">
-          <a:blip r:embed="rId4" cstate="hqprint">
-            <a:extLst>
-              <a:ext uri="{28A0092B-C50C-407E-A947-70E740481C1C}">
-                <a14:useLocalDpi xmlns:a14="http://schemas.microsoft.com/office/drawing/2010/main"/>
-              </a:ext>
-            </a:extLst>
-          </a:blip>
-          <a:stretch>
-            <a:fillRect/>
-          </a:stretch>
-        </p:blipFill>
-        <p:spPr>
-          <a:xfrm rot="0">
-            <a:off x="6816725" y="1221740"/>
-            <a:ext cx="4149090" cy="1223010"/>
-          </a:xfrm>
-          <a:prstGeom prst="roundRect"/>
-          <a:solidFill>
-            <a:srgbClr val="EDEDED"/>
-          </a:solidFill>
-        </p:spPr>
-      </p:pic>
       <p:sp>
         <p:nvSpPr>
           <p:cNvPr id="1242" name="텍스트 상자 10"/>
@@ -10301,9 +10270,9 @@
           <p:nvPr/>
         </p:nvSpPr>
         <p:spPr>
-          <a:xfrm rot="0">
+          <a:xfrm>
             <a:off x="6816725" y="2564130"/>
-            <a:ext cx="4157345" cy="923925"/>
+            <a:ext cx="4157980" cy="923925"/>
           </a:xfrm>
           <a:prstGeom prst="rect"/>
           <a:noFill/>
@@ -10364,14 +10333,7 @@
                 <a:latin typeface="맑은 고딕" charset="0"/>
                 <a:ea typeface="맑은 고딕" charset="0"/>
               </a:rPr>
-              <a:t>그리고 </a:t>
-            </a:r>
-            <a:r>
-              <a:rPr lang="ko-KR" sz="1800">
-                <a:latin typeface="맑은 고딕" charset="0"/>
-                <a:ea typeface="맑은 고딕" charset="0"/>
-              </a:rPr>
-              <a:t>Volume 오브젝트의 On Value Changed에 VolumeControl( ) 함수를 설정합니다. </a:t>
+              <a:t>그리고 Volume 오브젝트의 On Value Changed에 Volume( ) 함수를 설정합니다. </a:t>
             </a:r>
             <a:endParaRPr lang="ko-KR" altLang="en-US" sz="1800">
               <a:latin typeface="맑은 고딕" charset="0"/>
@@ -10676,6 +10638,37 @@
           <a:xfrm rot="0">
             <a:off x="6816725" y="3624580"/>
             <a:ext cx="4157345" cy="1612900"/>
+          </a:xfrm>
+          <a:prstGeom prst="roundRect"/>
+          <a:solidFill>
+            <a:srgbClr val="EDEDED"/>
+          </a:solidFill>
+        </p:spPr>
+      </p:pic>
+      <p:pic>
+        <p:nvPicPr>
+          <p:cNvPr id="1249" name="그림 1" descr="C:/Users/Admin1/AppData/Roaming/PolarisOffice/ETemp/9796_14990624/fImage674525541.png"/>
+          <p:cNvPicPr>
+            <a:picLocks noChangeAspect="1"/>
+          </p:cNvPicPr>
+          <p:nvPr/>
+        </p:nvPicPr>
+        <p:blipFill rotWithShape="1">
+          <a:blip r:embed="rId9" cstate="print">
+            <a:extLst>
+              <a:ext uri="{28A0092B-C50C-407E-A947-70E740481C1C}">
+                <a14:useLocalDpi xmlns:a14="http://schemas.microsoft.com/office/drawing/2010/main" val="0"/>
+              </a:ext>
+            </a:extLst>
+          </a:blip>
+          <a:stretch>
+            <a:fillRect/>
+          </a:stretch>
+        </p:blipFill>
+        <p:spPr>
+          <a:xfrm rot="0">
+            <a:off x="6816725" y="1235710"/>
+            <a:ext cx="4149090" cy="1184275"/>
           </a:xfrm>
           <a:prstGeom prst="roundRect"/>
           <a:solidFill>

--- a/Assets/Class/Sound/PPT Data/Sound Example.pptx
+++ b/Assets/Class/Sound/PPT Data/Sound Example.pptx
@@ -2,7 +2,7 @@
 <file path=ppt/presentation.xml><?xml version="1.0" encoding="utf-8"?>
 <p:presentation xmlns:a="http://schemas.openxmlformats.org/drawingml/2006/main" xmlns:r="http://schemas.openxmlformats.org/officeDocument/2006/relationships" xmlns:p="http://schemas.openxmlformats.org/presentationml/2006/main" xmlns:p14="http://schemas.microsoft.com/office/powerpoint/2010/main" saveSubsetFonts="1" firstSlideNum="0">
   <p:sldMasterIdLst>
-    <p:sldMasterId id="2147486366" r:id="rId12"/>
+    <p:sldMasterId id="2147486376" r:id="rId12"/>
   </p:sldMasterIdLst>
   <p:notesMasterIdLst>
     <p:notesMasterId r:id="rId14"/>
@@ -10,20 +10,20 @@
   <p:sldIdLst>
     <p:sldId id="287" r:id="rId16"/>
     <p:sldId id="300" r:id="rId18"/>
-    <p:sldId id="312" r:id="rId20"/>
-    <p:sldId id="304" r:id="rId22"/>
-    <p:sldId id="301" r:id="rId24"/>
-    <p:sldId id="302" r:id="rId26"/>
-    <p:sldId id="305" r:id="rId28"/>
-    <p:sldId id="307" r:id="rId30"/>
-    <p:sldId id="308" r:id="rId32"/>
-    <p:sldId id="309" r:id="rId34"/>
-    <p:sldId id="313" r:id="rId36"/>
-    <p:sldId id="310" r:id="rId38"/>
-    <p:sldId id="314" r:id="rId40"/>
-    <p:sldId id="311" r:id="rId41"/>
-    <p:sldId id="315" r:id="rId43"/>
-    <p:sldId id="316" r:id="rId45"/>
+    <p:sldId id="312" r:id="rId19"/>
+    <p:sldId id="304" r:id="rId20"/>
+    <p:sldId id="301" r:id="rId21"/>
+    <p:sldId id="302" r:id="rId22"/>
+    <p:sldId id="305" r:id="rId23"/>
+    <p:sldId id="307" r:id="rId24"/>
+    <p:sldId id="308" r:id="rId25"/>
+    <p:sldId id="309" r:id="rId27"/>
+    <p:sldId id="313" r:id="rId29"/>
+    <p:sldId id="310" r:id="rId31"/>
+    <p:sldId id="314" r:id="rId33"/>
+    <p:sldId id="311" r:id="rId34"/>
+    <p:sldId id="315" r:id="rId35"/>
+    <p:sldId id="316" r:id="rId36"/>
   </p:sldIdLst>
   <p:sldSz cx="12192000" cy="6858000"/>
   <p:notesSz cx="6858000" cy="9144000"/>
@@ -10114,8 +10114,8 @@
         </p:nvSpPr>
         <p:spPr>
           <a:xfrm rot="0">
-            <a:off x="1230630" y="2665095"/>
-            <a:ext cx="4165600" cy="923925"/>
+            <a:off x="1238885" y="2856230"/>
+            <a:ext cx="4166235" cy="924560"/>
           </a:xfrm>
           <a:prstGeom prst="rect"/>
           <a:noFill/>
@@ -10176,21 +10176,7 @@
                 <a:latin typeface="맑은 고딕" charset="0"/>
                 <a:ea typeface="맑은 고딕" charset="0"/>
               </a:rPr>
-              <a:t>마지막으로</a:t>
-            </a:r>
-            <a:r>
-              <a:rPr lang="ko-KR" sz="1800">
-                <a:latin typeface="맑은 고딕" charset="0"/>
-                <a:ea typeface="맑은 고딕" charset="0"/>
-              </a:rPr>
-              <a:t> </a:t>
-            </a:r>
-            <a:r>
-              <a:rPr lang="ko-KR" sz="1800">
-                <a:latin typeface="맑은 고딕" charset="0"/>
-                <a:ea typeface="맑은 고딕" charset="0"/>
-              </a:rPr>
-              <a:t>Volume 오브젝트를 선택하고 On Value Changed(Single) 함수를 생성합니다. </a:t>
+              <a:t>마지막으로 Volume 오브젝트를 선택하고 On Value Changed(Single) 함수를 생성합니다. </a:t>
             </a:r>
             <a:endParaRPr lang="ko-KR" altLang="en-US" sz="1800">
               <a:latin typeface="맑은 고딕" charset="0"/>
@@ -10201,17 +10187,17 @@
       </p:sp>
       <p:pic>
         <p:nvPicPr>
-          <p:cNvPr id="1239" name="그림 1"/>
+          <p:cNvPr id="1239" name="그림 1" descr="C:/Users/Admin1/AppData/Roaming/PolarisOffice/ETemp/18416_12904952/fImage87332976500.png"/>
           <p:cNvPicPr>
             <a:picLocks noChangeAspect="1"/>
           </p:cNvPicPr>
           <p:nvPr/>
         </p:nvPicPr>
         <p:blipFill rotWithShape="1">
-          <a:blip r:embed="rId2" cstate="print">
+          <a:blip r:embed="rId2" cstate="hqprint">
             <a:extLst>
               <a:ext uri="{28A0092B-C50C-407E-A947-70E740481C1C}">
-                <a14:useLocalDpi xmlns:a14="http://schemas.microsoft.com/office/drawing/2010/main" val="0"/>
+                <a14:useLocalDpi xmlns:a14="http://schemas.microsoft.com/office/drawing/2010/main"/>
               </a:ext>
             </a:extLst>
           </a:blip>
@@ -10221,8 +10207,8 @@
         </p:blipFill>
         <p:spPr>
           <a:xfrm rot="0">
-            <a:off x="1238885" y="1238250"/>
-            <a:ext cx="1189355" cy="1273175"/>
+            <a:off x="1238885" y="1452245"/>
+            <a:ext cx="1189990" cy="1288415"/>
           </a:xfrm>
           <a:prstGeom prst="roundRect"/>
           <a:solidFill>
@@ -10232,17 +10218,17 @@
       </p:pic>
       <p:pic>
         <p:nvPicPr>
-          <p:cNvPr id="1240" name="그림 4"/>
+          <p:cNvPr id="1240" name="그림 4" descr="C:/Users/Admin1/AppData/Roaming/PolarisOffice/ETemp/18416_12904952/fImage38742989169.png"/>
           <p:cNvPicPr>
             <a:picLocks noChangeAspect="1"/>
           </p:cNvPicPr>
           <p:nvPr/>
         </p:nvPicPr>
         <p:blipFill rotWithShape="1">
-          <a:blip r:embed="rId3" cstate="print">
+          <a:blip r:embed="rId3" cstate="hqprint">
             <a:extLst>
               <a:ext uri="{28A0092B-C50C-407E-A947-70E740481C1C}">
-                <a14:useLocalDpi xmlns:a14="http://schemas.microsoft.com/office/drawing/2010/main" val="0"/>
+                <a14:useLocalDpi xmlns:a14="http://schemas.microsoft.com/office/drawing/2010/main"/>
               </a:ext>
             </a:extLst>
           </a:blip>
@@ -10252,8 +10238,8 @@
         </p:blipFill>
         <p:spPr>
           <a:xfrm rot="0">
-            <a:off x="2543810" y="1229360"/>
-            <a:ext cx="2851785" cy="1290320"/>
+            <a:off x="2543810" y="1446530"/>
+            <a:ext cx="2852420" cy="1305560"/>
           </a:xfrm>
           <a:prstGeom prst="roundRect"/>
           <a:solidFill>
@@ -10344,17 +10330,17 @@
       </p:sp>
       <p:pic>
         <p:nvPicPr>
-          <p:cNvPr id="1243" name="그림 20"/>
+          <p:cNvPr id="1243" name="그림 20" descr="C:/Users/Admin1/AppData/Roaming/PolarisOffice/ETemp/18416_12904952/fImage88043065724.png"/>
           <p:cNvPicPr>
             <a:picLocks noChangeAspect="1"/>
           </p:cNvPicPr>
           <p:nvPr/>
         </p:nvPicPr>
         <p:blipFill rotWithShape="1">
-          <a:blip r:embed="rId5" cstate="print">
+          <a:blip r:embed="rId5" cstate="hqprint">
             <a:extLst>
               <a:ext uri="{28A0092B-C50C-407E-A947-70E740481C1C}">
-                <a14:useLocalDpi xmlns:a14="http://schemas.microsoft.com/office/drawing/2010/main" val="0"/>
+                <a14:useLocalDpi xmlns:a14="http://schemas.microsoft.com/office/drawing/2010/main"/>
               </a:ext>
             </a:extLst>
           </a:blip>
@@ -10364,8 +10350,8 @@
         </p:blipFill>
         <p:spPr>
           <a:xfrm rot="0">
-            <a:off x="1234440" y="3749040"/>
-            <a:ext cx="1185545" cy="1456055"/>
+            <a:off x="1234440" y="3977640"/>
+            <a:ext cx="1186180" cy="1228090"/>
           </a:xfrm>
           <a:prstGeom prst="roundRect"/>
           <a:solidFill>
@@ -10375,17 +10361,17 @@
       </p:pic>
       <p:pic>
         <p:nvPicPr>
-          <p:cNvPr id="1244" name="그림 21"/>
+          <p:cNvPr id="1244" name="그림 21" descr="C:/Users/Admin1/AppData/Roaming/PolarisOffice/ETemp/18416_12904952/fImage61173071478.png"/>
           <p:cNvPicPr>
             <a:picLocks noChangeAspect="1"/>
           </p:cNvPicPr>
           <p:nvPr/>
         </p:nvPicPr>
         <p:blipFill rotWithShape="1">
-          <a:blip r:embed="rId6" cstate="print">
+          <a:blip r:embed="rId6" cstate="hqprint">
             <a:extLst>
               <a:ext uri="{28A0092B-C50C-407E-A947-70E740481C1C}">
-                <a14:useLocalDpi xmlns:a14="http://schemas.microsoft.com/office/drawing/2010/main" val="0"/>
+                <a14:useLocalDpi xmlns:a14="http://schemas.microsoft.com/office/drawing/2010/main"/>
               </a:ext>
             </a:extLst>
           </a:blip>
@@ -10395,8 +10381,8 @@
         </p:blipFill>
         <p:spPr>
           <a:xfrm rot="0">
-            <a:off x="2547620" y="3754120"/>
-            <a:ext cx="2847975" cy="1450340"/>
+            <a:off x="2555875" y="3982085"/>
+            <a:ext cx="2848610" cy="1223010"/>
           </a:xfrm>
           <a:prstGeom prst="roundRect"/>
           <a:solidFill>
@@ -10497,13 +10483,12 @@
         </p:nvCxnSpPr>
         <p:spPr>
           <a:xfrm rot="0">
-            <a:off x="2252980" y="4314190"/>
-            <a:ext cx="1172845" cy="258445"/>
+            <a:off x="2252980" y="4472305"/>
+            <a:ext cx="1197610" cy="208280"/>
           </a:xfrm>
           <a:prstGeom prst="straightConnector1"/>
           <a:ln w="6350" cap="flat" cmpd="sng">
             <a:prstDash/>
-            <a:headEnd type="none" w="med" len="med"/>
             <a:tailEnd type="triangle" w="med" len="med"/>
           </a:ln>
         </p:spPr>
@@ -10616,7 +10601,7 @@
       </p:sp>
       <p:pic>
         <p:nvPicPr>
-          <p:cNvPr id="1248" name="그림 29"/>
+          <p:cNvPr id="1248" name="그림 29" descr="C:/Users/Admin1/AppData/Roaming/PolarisOffice/ETemp/18416_12904952/fImage243752006962.png"/>
           <p:cNvPicPr>
             <a:picLocks noChangeAspect="1"/>
           </p:cNvPicPr>
@@ -10636,8 +10621,8 @@
         </p:blipFill>
         <p:spPr>
           <a:xfrm rot="0">
-            <a:off x="6816725" y="3624580"/>
-            <a:ext cx="4157345" cy="1612900"/>
+            <a:off x="6816725" y="3641090"/>
+            <a:ext cx="4157980" cy="1579880"/>
           </a:xfrm>
           <a:prstGeom prst="roundRect"/>
           <a:solidFill>
@@ -10647,17 +10632,17 @@
       </p:pic>
       <p:pic>
         <p:nvPicPr>
-          <p:cNvPr id="1249" name="그림 1" descr="C:/Users/Admin1/AppData/Roaming/PolarisOffice/ETemp/9796_14990624/fImage674525541.png"/>
+          <p:cNvPr id="1249" name="그림 1" descr="C:/Users/Admin1/AppData/Roaming/PolarisOffice/ETemp/18416_12904952/fImage674525541.png"/>
           <p:cNvPicPr>
             <a:picLocks noChangeAspect="1"/>
           </p:cNvPicPr>
           <p:nvPr/>
         </p:nvPicPr>
         <p:blipFill rotWithShape="1">
-          <a:blip r:embed="rId9" cstate="print">
+          <a:blip r:embed="rId9" cstate="hqprint">
             <a:extLst>
               <a:ext uri="{28A0092B-C50C-407E-A947-70E740481C1C}">
-                <a14:useLocalDpi xmlns:a14="http://schemas.microsoft.com/office/drawing/2010/main" val="0"/>
+                <a14:useLocalDpi xmlns:a14="http://schemas.microsoft.com/office/drawing/2010/main"/>
               </a:ext>
             </a:extLst>
           </a:blip>
@@ -10667,8 +10652,8 @@
         </p:blipFill>
         <p:spPr>
           <a:xfrm rot="0">
-            <a:off x="6816725" y="1235710"/>
-            <a:ext cx="4149090" cy="1184275"/>
+            <a:off x="6816725" y="1463040"/>
+            <a:ext cx="4149725" cy="957580"/>
           </a:xfrm>
           <a:prstGeom prst="roundRect"/>
           <a:solidFill>
@@ -10893,7 +10878,7 @@
       </p:sp>
       <p:pic>
         <p:nvPicPr>
-          <p:cNvPr id="1247" name="그림 9"/>
+          <p:cNvPr id="1247" name="그림 9" descr="C:/Users/Admin1/AppData/Roaming/PolarisOffice/ETemp/18416_12904952/fImage353911971478.png"/>
           <p:cNvPicPr>
             <a:picLocks noChangeAspect="1"/>
           </p:cNvPicPr>
@@ -10913,8 +10898,8 @@
         </p:blipFill>
         <p:spPr>
           <a:xfrm rot="0">
-            <a:off x="1230630" y="1289050"/>
-            <a:ext cx="4140200" cy="2820035"/>
+            <a:off x="1230630" y="1454785"/>
+            <a:ext cx="4140835" cy="2654935"/>
           </a:xfrm>
           <a:prstGeom prst="roundRect"/>
           <a:solidFill>
@@ -10924,17 +10909,17 @@
       </p:pic>
       <p:pic>
         <p:nvPicPr>
-          <p:cNvPr id="1248" name="그림 30"/>
+          <p:cNvPr id="1248" name="그림 30" descr="C:/Users/Admin1/AppData/Roaming/PolarisOffice/ETemp/18416_12904952/fImage188663129358.png"/>
           <p:cNvPicPr>
             <a:picLocks noChangeAspect="1"/>
           </p:cNvPicPr>
           <p:nvPr/>
         </p:nvPicPr>
         <p:blipFill rotWithShape="1">
-          <a:blip r:embed="rId10" cstate="print">
+          <a:blip r:embed="rId10" cstate="hqprint">
             <a:extLst>
               <a:ext uri="{28A0092B-C50C-407E-A947-70E740481C1C}">
-                <a14:useLocalDpi xmlns:a14="http://schemas.microsoft.com/office/drawing/2010/main" val="0"/>
+                <a14:useLocalDpi xmlns:a14="http://schemas.microsoft.com/office/drawing/2010/main"/>
               </a:ext>
             </a:extLst>
           </a:blip>
@@ -10944,8 +10929,8 @@
         </p:blipFill>
         <p:spPr>
           <a:xfrm rot="0">
-            <a:off x="6824980" y="1288415"/>
-            <a:ext cx="2611120" cy="3849370"/>
+            <a:off x="6824980" y="1454785"/>
+            <a:ext cx="2611755" cy="3683635"/>
           </a:xfrm>
           <a:prstGeom prst="roundRect"/>
           <a:solidFill>
@@ -10955,17 +10940,17 @@
       </p:pic>
       <p:pic>
         <p:nvPicPr>
-          <p:cNvPr id="1249" name="그림 33"/>
+          <p:cNvPr id="1249" name="그림 33" descr="C:/Users/Admin1/AppData/Roaming/PolarisOffice/ETemp/18416_12904952/fImage92723136962.png"/>
           <p:cNvPicPr>
             <a:picLocks noChangeAspect="1"/>
           </p:cNvPicPr>
           <p:nvPr/>
         </p:nvPicPr>
         <p:blipFill rotWithShape="1">
-          <a:blip r:embed="rId11" cstate="print">
+          <a:blip r:embed="rId11" cstate="hqprint">
             <a:extLst>
               <a:ext uri="{28A0092B-C50C-407E-A947-70E740481C1C}">
-                <a14:useLocalDpi xmlns:a14="http://schemas.microsoft.com/office/drawing/2010/main" val="0"/>
+                <a14:useLocalDpi xmlns:a14="http://schemas.microsoft.com/office/drawing/2010/main"/>
               </a:ext>
             </a:extLst>
           </a:blip>
@@ -10975,8 +10960,8 @@
         </p:blipFill>
         <p:spPr>
           <a:xfrm rot="0">
-            <a:off x="9593580" y="2012315"/>
-            <a:ext cx="1372235" cy="2402840"/>
+            <a:off x="9585325" y="2161540"/>
+            <a:ext cx="1372870" cy="2254250"/>
           </a:xfrm>
           <a:prstGeom prst="roundRect"/>
           <a:solidFill>
@@ -11329,17 +11314,17 @@
       </p:sp>
       <p:pic>
         <p:nvPicPr>
-          <p:cNvPr id="1251" name="그림 37"/>
+          <p:cNvPr id="1251" name="그림 37" descr="C:/Users/Admin1/AppData/Roaming/PolarisOffice/ETemp/18416_12904952/fImage364243244464.png"/>
           <p:cNvPicPr>
             <a:picLocks noChangeAspect="1"/>
           </p:cNvPicPr>
           <p:nvPr/>
         </p:nvPicPr>
         <p:blipFill rotWithShape="1">
-          <a:blip r:embed="rId2" cstate="print">
+          <a:blip r:embed="rId2" cstate="hqprint">
             <a:extLst>
               <a:ext uri="{28A0092B-C50C-407E-A947-70E740481C1C}">
-                <a14:useLocalDpi xmlns:a14="http://schemas.microsoft.com/office/drawing/2010/main" val="0"/>
+                <a14:useLocalDpi xmlns:a14="http://schemas.microsoft.com/office/drawing/2010/main"/>
               </a:ext>
             </a:extLst>
           </a:blip>
@@ -11349,8 +11334,8 @@
         </p:blipFill>
         <p:spPr>
           <a:xfrm rot="0">
-            <a:off x="2527300" y="1288415"/>
-            <a:ext cx="2835275" cy="1380490"/>
+            <a:off x="2527300" y="1446530"/>
+            <a:ext cx="2835910" cy="1223010"/>
           </a:xfrm>
           <a:prstGeom prst="roundRect"/>
           <a:solidFill>
@@ -11360,17 +11345,17 @@
       </p:pic>
       <p:pic>
         <p:nvPicPr>
-          <p:cNvPr id="1252" name="그림 40"/>
+          <p:cNvPr id="1252" name="그림 40" descr="C:/Users/Admin1/AppData/Roaming/PolarisOffice/ETemp/18416_12904952/fImage67243255705.png"/>
           <p:cNvPicPr>
             <a:picLocks noChangeAspect="1"/>
           </p:cNvPicPr>
           <p:nvPr/>
         </p:nvPicPr>
         <p:blipFill rotWithShape="1">
-          <a:blip r:embed="rId3" cstate="print">
+          <a:blip r:embed="rId3" cstate="hqprint">
             <a:extLst>
               <a:ext uri="{28A0092B-C50C-407E-A947-70E740481C1C}">
-                <a14:useLocalDpi xmlns:a14="http://schemas.microsoft.com/office/drawing/2010/main" val="0"/>
+                <a14:useLocalDpi xmlns:a14="http://schemas.microsoft.com/office/drawing/2010/main"/>
               </a:ext>
             </a:extLst>
           </a:blip>
@@ -11380,8 +11365,8 @@
         </p:blipFill>
         <p:spPr>
           <a:xfrm rot="0">
-            <a:off x="1228725" y="1288415"/>
-            <a:ext cx="1183005" cy="1388110"/>
+            <a:off x="1228725" y="1447165"/>
+            <a:ext cx="1183640" cy="1229995"/>
           </a:xfrm>
           <a:prstGeom prst="roundRect"/>
           <a:solidFill>
@@ -11455,17 +11440,17 @@
       </p:pic>
       <p:pic>
         <p:nvPicPr>
-          <p:cNvPr id="1255" name="그림 1" descr="C:/Users/Admin1/AppData/Roaming/PolarisOffice/ETemp/18400_8582216/fImage992424041.png"/>
+          <p:cNvPr id="1255" name="그림 1" descr="C:/Users/Admin1/AppData/Roaming/PolarisOffice/ETemp/18416_12904952/fImage992424041.png"/>
           <p:cNvPicPr>
             <a:picLocks noChangeAspect="1"/>
           </p:cNvPicPr>
           <p:nvPr/>
         </p:nvPicPr>
         <p:blipFill rotWithShape="1">
-          <a:blip r:embed="rId6" cstate="print">
+          <a:blip r:embed="rId6" cstate="hqprint">
             <a:extLst>
               <a:ext uri="{28A0092B-C50C-407E-A947-70E740481C1C}">
-                <a14:useLocalDpi xmlns:a14="http://schemas.microsoft.com/office/drawing/2010/main" val="0"/>
+                <a14:useLocalDpi xmlns:a14="http://schemas.microsoft.com/office/drawing/2010/main"/>
               </a:ext>
             </a:extLst>
           </a:blip>
@@ -11475,8 +11460,8 @@
         </p:blipFill>
         <p:spPr>
           <a:xfrm rot="0">
-            <a:off x="9593580" y="1978660"/>
-            <a:ext cx="1372235" cy="2469515"/>
+            <a:off x="9593580" y="2127885"/>
+            <a:ext cx="1372870" cy="2320925"/>
           </a:xfrm>
           <a:prstGeom prst="roundRect"/>
           <a:solidFill>
@@ -11486,7 +11471,7 @@
       </p:pic>
       <p:pic>
         <p:nvPicPr>
-          <p:cNvPr id="1256" name="그림 2" descr="C:/Users/Admin1/AppData/Roaming/PolarisOffice/ETemp/18400_8582216/fImage161052209961.png"/>
+          <p:cNvPr id="1256" name="그림 2" descr="C:/Users/Admin1/AppData/Roaming/PolarisOffice/ETemp/18416_12904952/fImage161052209961.png"/>
           <p:cNvPicPr>
             <a:picLocks noChangeAspect="1"/>
           </p:cNvPicPr>
@@ -11506,8 +11491,8 @@
         </p:blipFill>
         <p:spPr>
           <a:xfrm rot="0">
-            <a:off x="6816725" y="1280160"/>
-            <a:ext cx="2594610" cy="3841115"/>
+            <a:off x="6816725" y="1446530"/>
+            <a:ext cx="2595245" cy="3675380"/>
           </a:xfrm>
           <a:prstGeom prst="roundRect"/>
           <a:solidFill>
@@ -11811,17 +11796,17 @@
       </p:sp>
       <p:pic>
         <p:nvPicPr>
-          <p:cNvPr id="1258" name="그림 6"/>
+          <p:cNvPr id="1258" name="그림 6" descr="C:/Users/Admin1/AppData/Roaming/PolarisOffice/ETemp/18416_12904952/fImage267223288467.png"/>
           <p:cNvPicPr>
             <a:picLocks noChangeAspect="1"/>
           </p:cNvPicPr>
           <p:nvPr/>
         </p:nvPicPr>
         <p:blipFill rotWithShape="1">
-          <a:blip r:embed="rId2" cstate="print">
+          <a:blip r:embed="rId2" cstate="hqprint">
             <a:extLst>
               <a:ext uri="{28A0092B-C50C-407E-A947-70E740481C1C}">
-                <a14:useLocalDpi xmlns:a14="http://schemas.microsoft.com/office/drawing/2010/main" val="0"/>
+                <a14:useLocalDpi xmlns:a14="http://schemas.microsoft.com/office/drawing/2010/main"/>
               </a:ext>
             </a:extLst>
           </a:blip>
@@ -11831,8 +11816,8 @@
         </p:blipFill>
         <p:spPr>
           <a:xfrm rot="0">
-            <a:off x="2660015" y="1314450"/>
-            <a:ext cx="2727325" cy="3798570"/>
+            <a:off x="2660015" y="1454785"/>
+            <a:ext cx="2727960" cy="3658870"/>
           </a:xfrm>
           <a:prstGeom prst="roundRect"/>
           <a:solidFill>
@@ -11842,17 +11827,17 @@
       </p:pic>
       <p:pic>
         <p:nvPicPr>
-          <p:cNvPr id="1259" name="그림 9"/>
+          <p:cNvPr id="1259" name="그림 9" descr="C:/Users/Admin1/AppData/Roaming/PolarisOffice/ETemp/18416_12904952/fImage97763296334.png"/>
           <p:cNvPicPr>
             <a:picLocks noChangeAspect="1"/>
           </p:cNvPicPr>
           <p:nvPr/>
         </p:nvPicPr>
         <p:blipFill rotWithShape="1">
-          <a:blip r:embed="rId3" cstate="print">
+          <a:blip r:embed="rId3" cstate="hqprint">
             <a:extLst>
               <a:ext uri="{28A0092B-C50C-407E-A947-70E740481C1C}">
-                <a14:useLocalDpi xmlns:a14="http://schemas.microsoft.com/office/drawing/2010/main" val="0"/>
+                <a14:useLocalDpi xmlns:a14="http://schemas.microsoft.com/office/drawing/2010/main"/>
               </a:ext>
             </a:extLst>
           </a:blip>
@@ -11862,8 +11847,8 @@
         </p:blipFill>
         <p:spPr>
           <a:xfrm rot="0">
-            <a:off x="1214120" y="2094865"/>
-            <a:ext cx="1346835" cy="2228215"/>
+            <a:off x="1214120" y="2244725"/>
+            <a:ext cx="1347470" cy="2078990"/>
           </a:xfrm>
           <a:prstGeom prst="roundRect"/>
           <a:solidFill>
@@ -11873,17 +11858,17 @@
       </p:pic>
       <p:pic>
         <p:nvPicPr>
-          <p:cNvPr id="1260" name="그림 12"/>
+          <p:cNvPr id="1260" name="그림 12" descr="C:/Users/Admin1/AppData/Roaming/PolarisOffice/ETemp/18416_12904952/fImage120123306500.png"/>
           <p:cNvPicPr>
             <a:picLocks noChangeAspect="1"/>
           </p:cNvPicPr>
           <p:nvPr/>
         </p:nvPicPr>
         <p:blipFill rotWithShape="1">
-          <a:blip r:embed="rId4" cstate="print">
+          <a:blip r:embed="rId4" cstate="hqprint">
             <a:extLst>
               <a:ext uri="{28A0092B-C50C-407E-A947-70E740481C1C}">
-                <a14:useLocalDpi xmlns:a14="http://schemas.microsoft.com/office/drawing/2010/main" val="0"/>
+                <a14:useLocalDpi xmlns:a14="http://schemas.microsoft.com/office/drawing/2010/main"/>
               </a:ext>
             </a:extLst>
           </a:blip>
@@ -11893,8 +11878,8 @@
         </p:blipFill>
         <p:spPr>
           <a:xfrm rot="0">
-            <a:off x="6824980" y="1313180"/>
-            <a:ext cx="4149090" cy="1638300"/>
+            <a:off x="6824980" y="1446530"/>
+            <a:ext cx="4149725" cy="1505585"/>
           </a:xfrm>
           <a:prstGeom prst="roundRect"/>
           <a:solidFill>
@@ -12323,7 +12308,7 @@
       </p:sp>
       <p:pic>
         <p:nvPicPr>
-          <p:cNvPr id="1205" name="그림 20"/>
+          <p:cNvPr id="1205" name="그림 20" descr="C:/Users/Admin1/AppData/Roaming/PolarisOffice/ETemp/18416_12904952/fImage161052209961.png"/>
           <p:cNvPicPr>
             <a:picLocks noChangeAspect="1"/>
           </p:cNvPicPr>
@@ -12343,8 +12328,8 @@
         </p:blipFill>
         <p:spPr>
           <a:xfrm rot="0">
-            <a:off x="1230630" y="1346835"/>
-            <a:ext cx="2602230" cy="3899535"/>
+            <a:off x="1230630" y="1438275"/>
+            <a:ext cx="2602865" cy="3808730"/>
           </a:xfrm>
           <a:prstGeom prst="roundRect"/>
           <a:solidFill>
@@ -12385,17 +12370,17 @@
       </p:pic>
       <p:pic>
         <p:nvPicPr>
-          <p:cNvPr id="1215" name="그림 4"/>
+          <p:cNvPr id="1215" name="그림 4" descr="C:/Users/Admin1/AppData/Roaming/PolarisOffice/ETemp/18416_12904952/fImage1163019541.png"/>
           <p:cNvPicPr>
             <a:picLocks noChangeAspect="1"/>
           </p:cNvPicPr>
           <p:nvPr/>
         </p:nvPicPr>
         <p:blipFill rotWithShape="1">
-          <a:blip r:embed="rId23" cstate="print">
+          <a:blip r:embed="rId23" cstate="hqprint">
             <a:extLst>
               <a:ext uri="{28A0092B-C50C-407E-A947-70E740481C1C}">
-                <a14:useLocalDpi xmlns:a14="http://schemas.microsoft.com/office/drawing/2010/main" val="0"/>
+                <a14:useLocalDpi xmlns:a14="http://schemas.microsoft.com/office/drawing/2010/main"/>
               </a:ext>
             </a:extLst>
           </a:blip>
@@ -12405,8 +12390,8 @@
         </p:blipFill>
         <p:spPr>
           <a:xfrm rot="0">
-            <a:off x="6824345" y="1346835"/>
-            <a:ext cx="4149725" cy="1488440"/>
+            <a:off x="6824345" y="1438275"/>
+            <a:ext cx="4150360" cy="1397635"/>
           </a:xfrm>
           <a:prstGeom prst="roundRect"/>
           <a:solidFill>
@@ -12853,7 +12838,7 @@
       </p:sp>
       <p:pic>
         <p:nvPicPr>
-          <p:cNvPr id="1210" name="Picture "/>
+          <p:cNvPr id="1210" name="Picture " descr="C:/Users/Admin1/AppData/Roaming/PolarisOffice/ETemp/18416_12904952/fImage48562109358.png"/>
           <p:cNvPicPr>
             <a:picLocks noChangeAspect="1"/>
           </p:cNvPicPr>
@@ -12873,8 +12858,8 @@
         </p:blipFill>
         <p:spPr>
           <a:xfrm rot="0">
-            <a:off x="8334375" y="1313180"/>
-            <a:ext cx="2623185" cy="1447165"/>
+            <a:off x="8334375" y="1446530"/>
+            <a:ext cx="2623820" cy="1314450"/>
           </a:xfrm>
           <a:prstGeom prst="roundRect"/>
           <a:solidFill>
@@ -12884,7 +12869,7 @@
       </p:pic>
       <p:pic>
         <p:nvPicPr>
-          <p:cNvPr id="1215" name="그림 15"/>
+          <p:cNvPr id="1215" name="그림 15" descr="C:/Users/Admin1/AppData/Roaming/PolarisOffice/ETemp/18416_12904952/fImage51932856500.png"/>
           <p:cNvPicPr>
             <a:picLocks noChangeAspect="1"/>
           </p:cNvPicPr>
@@ -12904,8 +12889,8 @@
         </p:blipFill>
         <p:spPr>
           <a:xfrm rot="0">
-            <a:off x="6825615" y="1313180"/>
-            <a:ext cx="1405255" cy="1427480"/>
+            <a:off x="6825615" y="1446530"/>
+            <a:ext cx="1405890" cy="1294765"/>
           </a:xfrm>
           <a:prstGeom prst="roundRect"/>
           <a:solidFill>
@@ -12946,7 +12931,7 @@
       </p:pic>
       <p:pic>
         <p:nvPicPr>
-          <p:cNvPr id="1217" name="그림 17"/>
+          <p:cNvPr id="1217" name="그림 17" descr="C:/Users/Admin1/AppData/Roaming/PolarisOffice/ETemp/18416_12904952/fImage51932875724.png"/>
           <p:cNvPicPr>
             <a:picLocks noChangeAspect="1"/>
           </p:cNvPicPr>
@@ -12966,8 +12951,8 @@
         </p:blipFill>
         <p:spPr>
           <a:xfrm rot="0">
-            <a:off x="1230630" y="1296670"/>
-            <a:ext cx="1306195" cy="1192530"/>
+            <a:off x="1230630" y="1438275"/>
+            <a:ext cx="1306830" cy="1051560"/>
           </a:xfrm>
           <a:prstGeom prst="roundRect"/>
           <a:solidFill>
@@ -12977,17 +12962,17 @@
       </p:pic>
       <p:pic>
         <p:nvPicPr>
-          <p:cNvPr id="1218" name="그림 1"/>
+          <p:cNvPr id="1218" name="그림 1" descr="C:/Users/Admin1/AppData/Roaming/PolarisOffice/ETemp/18416_12904952/fImage362491946500.png"/>
           <p:cNvPicPr>
             <a:picLocks noChangeAspect="1"/>
           </p:cNvPicPr>
           <p:nvPr/>
         </p:nvPicPr>
         <p:blipFill rotWithShape="1">
-          <a:blip r:embed="rId9" cstate="print">
+          <a:blip r:embed="rId9" cstate="hqprint">
             <a:extLst>
               <a:ext uri="{28A0092B-C50C-407E-A947-70E740481C1C}">
-                <a14:useLocalDpi xmlns:a14="http://schemas.microsoft.com/office/drawing/2010/main" val="0"/>
+                <a14:useLocalDpi xmlns:a14="http://schemas.microsoft.com/office/drawing/2010/main"/>
               </a:ext>
             </a:extLst>
           </a:blip>
@@ -12997,8 +12982,8 @@
         </p:blipFill>
         <p:spPr>
           <a:xfrm rot="0">
-            <a:off x="2618740" y="1313180"/>
-            <a:ext cx="2760345" cy="1164590"/>
+            <a:off x="2618740" y="1446530"/>
+            <a:ext cx="2760980" cy="1031875"/>
           </a:xfrm>
           <a:prstGeom prst="roundRect"/>
           <a:solidFill>
@@ -13014,8 +12999,8 @@
         </p:nvCxnSpPr>
         <p:spPr>
           <a:xfrm rot="0" flipH="1">
-            <a:off x="2202815" y="1945005"/>
-            <a:ext cx="2768600" cy="325120"/>
+            <a:off x="2211070" y="1945005"/>
+            <a:ext cx="2760980" cy="400050"/>
           </a:xfrm>
           <a:prstGeom prst="straightConnector1"/>
           <a:ln w="6350" cap="flat" cmpd="sng">
@@ -13071,17 +13056,17 @@
       </p:pic>
       <p:pic>
         <p:nvPicPr>
-          <p:cNvPr id="1220" name="그림 1"/>
+          <p:cNvPr id="1220" name="그림 1" descr="C:/Users/Admin1/AppData/Roaming/PolarisOffice/ETemp/18416_12904952/fImage1163219441.png"/>
           <p:cNvPicPr>
             <a:picLocks noChangeAspect="1"/>
           </p:cNvPicPr>
           <p:nvPr/>
         </p:nvPicPr>
         <p:blipFill rotWithShape="1">
-          <a:blip r:embed="rId11" cstate="print">
+          <a:blip r:embed="rId11" cstate="hqprint">
             <a:extLst>
               <a:ext uri="{28A0092B-C50C-407E-A947-70E740481C1C}">
-                <a14:useLocalDpi xmlns:a14="http://schemas.microsoft.com/office/drawing/2010/main" val="0"/>
+                <a14:useLocalDpi xmlns:a14="http://schemas.microsoft.com/office/drawing/2010/main"/>
               </a:ext>
             </a:extLst>
           </a:blip>
@@ -13091,8 +13076,8 @@
         </p:blipFill>
         <p:spPr>
           <a:xfrm rot="0">
-            <a:off x="1231265" y="3689985"/>
-            <a:ext cx="4139565" cy="1738630"/>
+            <a:off x="1231265" y="3707765"/>
+            <a:ext cx="4140200" cy="1721485"/>
           </a:xfrm>
           <a:prstGeom prst="roundRect"/>
           <a:solidFill>
@@ -13461,7 +13446,7 @@
       </p:sp>
       <p:pic>
         <p:nvPicPr>
-          <p:cNvPr id="6" name="그림 66"/>
+          <p:cNvPr id="6" name="그림 66" descr="C:/Users/Admin1/AppData/Roaming/PolarisOffice/ETemp/18416_12904952/fImage276312243281.png"/>
           <p:cNvPicPr>
             <a:picLocks noChangeAspect="1"/>
           </p:cNvPicPr>
@@ -13481,8 +13466,8 @@
         </p:blipFill>
         <p:spPr>
           <a:xfrm rot="0">
-            <a:off x="1222375" y="1238250"/>
-            <a:ext cx="4144645" cy="2744470"/>
+            <a:off x="1222375" y="1438275"/>
+            <a:ext cx="4145280" cy="2545080"/>
           </a:xfrm>
           <a:prstGeom prst="roundRect"/>
           <a:solidFill>
@@ -13492,7 +13477,7 @@
       </p:pic>
       <p:pic>
         <p:nvPicPr>
-          <p:cNvPr id="7" name="그림 35"/>
+          <p:cNvPr id="7" name="그림 35" descr="C:/Users/Admin1/AppData/Roaming/PolarisOffice/ETemp/18416_12904952/fImage438352088467.png"/>
           <p:cNvPicPr>
             <a:picLocks noChangeAspect="1"/>
           </p:cNvPicPr>
@@ -13512,8 +13497,8 @@
         </p:blipFill>
         <p:spPr>
           <a:xfrm rot="0">
-            <a:off x="7232015" y="1229995"/>
-            <a:ext cx="4043680" cy="2985135"/>
+            <a:off x="7232015" y="1438275"/>
+            <a:ext cx="4044315" cy="2777490"/>
           </a:xfrm>
           <a:prstGeom prst="roundRect"/>
           <a:solidFill>
@@ -13623,7 +13608,7 @@
       </p:sp>
       <p:pic>
         <p:nvPicPr>
-          <p:cNvPr id="1193" name="그림 41"/>
+          <p:cNvPr id="1193" name="그림 41" descr="C:/Users/Admin1/AppData/Roaming/PolarisOffice/ETemp/18416_12904952/fImage85062125705.png"/>
           <p:cNvPicPr>
             <a:picLocks noChangeAspect="1"/>
           </p:cNvPicPr>
@@ -13643,8 +13628,8 @@
         </p:blipFill>
         <p:spPr>
           <a:xfrm rot="0">
-            <a:off x="1238250" y="1254760"/>
-            <a:ext cx="2519680" cy="2785745"/>
+            <a:off x="1238250" y="1446530"/>
+            <a:ext cx="2520315" cy="2594610"/>
           </a:xfrm>
           <a:prstGeom prst="roundRect"/>
           <a:solidFill>
@@ -13833,7 +13818,7 @@
       </p:sp>
       <p:pic>
         <p:nvPicPr>
-          <p:cNvPr id="1199" name="그림 57"/>
+          <p:cNvPr id="1199" name="그림 57" descr="C:/Users/Admin1/AppData/Roaming/PolarisOffice/ETemp/18416_12904952/fImage329752219961.png"/>
           <p:cNvPicPr>
             <a:picLocks noChangeAspect="1"/>
           </p:cNvPicPr>
@@ -13853,8 +13838,8 @@
         </p:blipFill>
         <p:spPr>
           <a:xfrm rot="0">
-            <a:off x="6805295" y="1256030"/>
-            <a:ext cx="4152265" cy="3898900"/>
+            <a:off x="6805295" y="1446530"/>
+            <a:ext cx="4152900" cy="3709035"/>
           </a:xfrm>
           <a:prstGeom prst="rect"/>
           <a:noFill/>
@@ -13902,8 +13887,8 @@
         </p:nvCxnSpPr>
         <p:spPr>
           <a:xfrm rot="0" flipV="1">
-            <a:off x="4659630" y="2901315"/>
-            <a:ext cx="6350" cy="333375"/>
+            <a:off x="4659630" y="2901950"/>
+            <a:ext cx="6985" cy="332740"/>
           </a:xfrm>
           <a:prstGeom prst="straightConnector1"/>
           <a:ln w="6350" cap="flat" cmpd="sng">
@@ -13928,17 +13913,17 @@
       </p:cxnSp>
       <p:pic>
         <p:nvPicPr>
-          <p:cNvPr id="1202" name="그림 5"/>
+          <p:cNvPr id="1202" name="그림 5" descr="C:/Users/Admin1/AppData/Roaming/PolarisOffice/ETemp/18416_12904952/fImage57511968467.png"/>
           <p:cNvPicPr>
             <a:picLocks noChangeAspect="1"/>
           </p:cNvPicPr>
           <p:nvPr/>
         </p:nvPicPr>
         <p:blipFill rotWithShape="1">
-          <a:blip r:embed="rId17" cstate="print">
+          <a:blip r:embed="rId17" cstate="hqprint">
             <a:extLst>
               <a:ext uri="{28A0092B-C50C-407E-A947-70E740481C1C}">
-                <a14:useLocalDpi xmlns:a14="http://schemas.microsoft.com/office/drawing/2010/main" val="0"/>
+                <a14:useLocalDpi xmlns:a14="http://schemas.microsoft.com/office/drawing/2010/main"/>
               </a:ext>
             </a:extLst>
           </a:blip>
@@ -13948,8 +13933,8 @@
         </p:blipFill>
         <p:spPr>
           <a:xfrm rot="0">
-            <a:off x="4006850" y="1371600"/>
-            <a:ext cx="1318260" cy="1530350"/>
+            <a:off x="4006850" y="1446530"/>
+            <a:ext cx="1318895" cy="1456055"/>
           </a:xfrm>
           <a:prstGeom prst="roundRect"/>
           <a:solidFill>
@@ -14245,7 +14230,7 @@
       </p:sp>
       <p:pic>
         <p:nvPicPr>
-          <p:cNvPr id="1196" name="그림 2"/>
+          <p:cNvPr id="1196" name="그림 2" descr="C:/Users/Admin1/AppData/Roaming/PolarisOffice/ETemp/18416_12904952/fImage48562109358.png"/>
           <p:cNvPicPr>
             <a:picLocks noChangeAspect="1"/>
           </p:cNvPicPr>
@@ -14265,8 +14250,8 @@
         </p:blipFill>
         <p:spPr>
           <a:xfrm rot="0">
-            <a:off x="2635250" y="1247140"/>
-            <a:ext cx="2727960" cy="1214120"/>
+            <a:off x="2635250" y="1421765"/>
+            <a:ext cx="2728595" cy="1040130"/>
           </a:xfrm>
           <a:prstGeom prst="roundRect"/>
           <a:solidFill>
@@ -14276,7 +14261,7 @@
       </p:pic>
       <p:pic>
         <p:nvPicPr>
-          <p:cNvPr id="1201" name="그림 11"/>
+          <p:cNvPr id="1201" name="그림 11" descr="C:/Users/Admin1/AppData/Roaming/PolarisOffice/ETemp/18416_12904952/fImage220051176334.png"/>
           <p:cNvPicPr>
             <a:picLocks noChangeAspect="1"/>
           </p:cNvPicPr>
@@ -14296,8 +14281,8 @@
         </p:blipFill>
         <p:spPr>
           <a:xfrm rot="0">
-            <a:off x="6824980" y="1247140"/>
-            <a:ext cx="2777490" cy="3404235"/>
+            <a:off x="6824980" y="1421765"/>
+            <a:ext cx="2778125" cy="3242310"/>
           </a:xfrm>
           <a:prstGeom prst="roundRect"/>
           <a:solidFill>
@@ -14307,17 +14292,17 @@
       </p:pic>
       <p:pic>
         <p:nvPicPr>
-          <p:cNvPr id="1206" name="그림 8"/>
+          <p:cNvPr id="1206" name="그림 8" descr="C:/Users/Admin1/AppData/Roaming/PolarisOffice/ETemp/18416_12904952/fImage57511976334.png"/>
           <p:cNvPicPr>
             <a:picLocks noChangeAspect="1"/>
           </p:cNvPicPr>
           <p:nvPr/>
         </p:nvPicPr>
         <p:blipFill rotWithShape="1">
-          <a:blip r:embed="rId16" cstate="print">
+          <a:blip r:embed="rId16" cstate="hqprint">
             <a:extLst>
               <a:ext uri="{28A0092B-C50C-407E-A947-70E740481C1C}">
-                <a14:useLocalDpi xmlns:a14="http://schemas.microsoft.com/office/drawing/2010/main" val="0"/>
+                <a14:useLocalDpi xmlns:a14="http://schemas.microsoft.com/office/drawing/2010/main"/>
               </a:ext>
             </a:extLst>
           </a:blip>
@@ -14327,8 +14312,8 @@
         </p:blipFill>
         <p:spPr>
           <a:xfrm rot="0">
-            <a:off x="1238885" y="1238885"/>
-            <a:ext cx="1272540" cy="1222375"/>
+            <a:off x="1238885" y="1430020"/>
+            <a:ext cx="1273175" cy="1031875"/>
           </a:xfrm>
           <a:prstGeom prst="roundRect"/>
           <a:solidFill>
@@ -14475,17 +14460,17 @@
       </p:pic>
       <p:pic>
         <p:nvPicPr>
-          <p:cNvPr id="1209" name="그림 6"/>
+          <p:cNvPr id="1209" name="그림 6" descr="C:/Users/Admin1/AppData/Roaming/PolarisOffice/ETemp/18416_12904952/fImage68551968467.png"/>
           <p:cNvPicPr>
             <a:picLocks noChangeAspect="1"/>
           </p:cNvPicPr>
           <p:nvPr/>
         </p:nvPicPr>
         <p:blipFill rotWithShape="1">
-          <a:blip r:embed="rId18" cstate="print">
+          <a:blip r:embed="rId18" cstate="hqprint">
             <a:extLst>
               <a:ext uri="{28A0092B-C50C-407E-A947-70E740481C1C}">
-                <a14:useLocalDpi xmlns:a14="http://schemas.microsoft.com/office/drawing/2010/main" val="0"/>
+                <a14:useLocalDpi xmlns:a14="http://schemas.microsoft.com/office/drawing/2010/main"/>
               </a:ext>
             </a:extLst>
           </a:blip>
@@ -14495,8 +14480,8 @@
         </p:blipFill>
         <p:spPr>
           <a:xfrm rot="0">
-            <a:off x="9744710" y="1953895"/>
-            <a:ext cx="1229360" cy="2004060"/>
+            <a:off x="9736455" y="2053590"/>
+            <a:ext cx="1229995" cy="2004695"/>
           </a:xfrm>
           <a:prstGeom prst="roundRect"/>
           <a:solidFill>
@@ -14838,7 +14823,7 @@
       </p:sp>
       <p:pic>
         <p:nvPicPr>
-          <p:cNvPr id="1208" name="그림 48"/>
+          <p:cNvPr id="1208" name="그림 48" descr="C:/Users/Admin1/AppData/Roaming/PolarisOffice/ETemp/18416_12904952/fImage213922146962.png"/>
           <p:cNvPicPr>
             <a:picLocks noChangeAspect="1"/>
           </p:cNvPicPr>
@@ -14858,8 +14843,8 @@
         </p:blipFill>
         <p:spPr>
           <a:xfrm rot="0">
-            <a:off x="6816725" y="1256030"/>
-            <a:ext cx="4201795" cy="2025650"/>
+            <a:off x="6816725" y="1446530"/>
+            <a:ext cx="4202430" cy="1835785"/>
           </a:xfrm>
           <a:prstGeom prst="roundRect"/>
           <a:solidFill>
@@ -14869,7 +14854,7 @@
       </p:pic>
       <p:pic>
         <p:nvPicPr>
-          <p:cNvPr id="1209" name="그림 51"/>
+          <p:cNvPr id="1209" name="그림 51" descr="C:/Users/Admin1/AppData/Roaming/PolarisOffice/ETemp/18416_12904952/fImage136862154464.png"/>
           <p:cNvPicPr>
             <a:picLocks noChangeAspect="1"/>
           </p:cNvPicPr>
@@ -14889,8 +14874,8 @@
         </p:blipFill>
         <p:spPr>
           <a:xfrm rot="0">
-            <a:off x="6803390" y="3544570"/>
-            <a:ext cx="4204335" cy="961390"/>
+            <a:off x="6819900" y="3444875"/>
+            <a:ext cx="4204970" cy="962025"/>
           </a:xfrm>
           <a:prstGeom prst="roundRect"/>
           <a:solidFill>
@@ -14906,8 +14891,8 @@
         </p:nvCxnSpPr>
         <p:spPr>
           <a:xfrm rot="0" flipV="1">
-            <a:off x="7853045" y="3079750"/>
-            <a:ext cx="2974340" cy="699135"/>
+            <a:off x="7872730" y="3108960"/>
+            <a:ext cx="2967990" cy="615950"/>
           </a:xfrm>
           <a:prstGeom prst="straightConnector1"/>
           <a:ln w="6350" cap="flat" cmpd="sng">
@@ -14938,8 +14923,8 @@
         </p:nvCxnSpPr>
         <p:spPr>
           <a:xfrm rot="0" flipV="1">
-            <a:off x="10815955" y="2962910"/>
-            <a:ext cx="11430" cy="805180"/>
+            <a:off x="10125075" y="2976245"/>
+            <a:ext cx="699135" cy="681990"/>
           </a:xfrm>
           <a:prstGeom prst="straightConnector1"/>
           <a:ln w="6350" cap="flat" cmpd="sng">
@@ -14996,17 +14981,17 @@
       </p:cxnSp>
       <p:pic>
         <p:nvPicPr>
-          <p:cNvPr id="1213" name="그림 2" descr="C:/Users/Admin1/AppData/Roaming/PolarisOffice/ETemp/10012_18855016/fImage2909925741.png"/>
+          <p:cNvPr id="1213" name="그림 2" descr="C:/Users/Admin1/AppData/Roaming/PolarisOffice/ETemp/18416_12904952/fImage2909925741.png"/>
           <p:cNvPicPr>
             <a:picLocks noChangeAspect="1"/>
           </p:cNvPicPr>
           <p:nvPr/>
         </p:nvPicPr>
         <p:blipFill rotWithShape="1">
-          <a:blip r:embed="rId8" cstate="print">
+          <a:blip r:embed="rId8" cstate="hqprint">
             <a:extLst>
               <a:ext uri="{28A0092B-C50C-407E-A947-70E740481C1C}">
-                <a14:useLocalDpi xmlns:a14="http://schemas.microsoft.com/office/drawing/2010/main" val="0"/>
+                <a14:useLocalDpi xmlns:a14="http://schemas.microsoft.com/office/drawing/2010/main"/>
               </a:ext>
             </a:extLst>
           </a:blip>
@@ -15016,8 +15001,8 @@
         </p:blipFill>
         <p:spPr>
           <a:xfrm rot="0">
-            <a:off x="2610485" y="1255395"/>
-            <a:ext cx="2760345" cy="4248150"/>
+            <a:off x="2610485" y="1446530"/>
+            <a:ext cx="2760980" cy="4057650"/>
           </a:xfrm>
           <a:prstGeom prst="roundRect"/>
           <a:solidFill>
@@ -15027,7 +15012,7 @@
       </p:pic>
       <p:pic>
         <p:nvPicPr>
-          <p:cNvPr id="1214" name="그림 5" descr="C:/Users/Admin1/AppData/Roaming/PolarisOffice/ETemp/10012_18855016/fImage68551968467.png"/>
+          <p:cNvPr id="1214" name="그림 5" descr="C:/Users/Admin1/AppData/Roaming/PolarisOffice/ETemp/18416_12904952/fImage68551968467.png"/>
           <p:cNvPicPr>
             <a:picLocks noChangeAspect="1"/>
           </p:cNvPicPr>
@@ -15047,8 +15032,8 @@
         </p:blipFill>
         <p:spPr>
           <a:xfrm rot="0">
-            <a:off x="1240790" y="2236470"/>
-            <a:ext cx="1229995" cy="2378075"/>
+            <a:off x="1247140" y="2319655"/>
+            <a:ext cx="1224280" cy="2219960"/>
           </a:xfrm>
           <a:prstGeom prst="roundRect"/>
           <a:solidFill>
@@ -15246,7 +15231,7 @@
       </p:sp>
       <p:pic>
         <p:nvPicPr>
-          <p:cNvPr id="1219" name="그림 14"/>
+          <p:cNvPr id="1219" name="그림 14" descr="C:/Users/Admin1/AppData/Roaming/PolarisOffice/ETemp/18416_12904952/fImage188971996334.png"/>
           <p:cNvPicPr>
             <a:picLocks noChangeAspect="1"/>
           </p:cNvPicPr>
@@ -15266,8 +15251,8 @@
         </p:blipFill>
         <p:spPr>
           <a:xfrm rot="0">
-            <a:off x="2452370" y="1278255"/>
-            <a:ext cx="2919095" cy="1389380"/>
+            <a:off x="2452370" y="1454785"/>
+            <a:ext cx="2919730" cy="1213485"/>
           </a:xfrm>
           <a:prstGeom prst="roundRect"/>
           <a:solidFill>
@@ -15277,7 +15262,7 @@
       </p:pic>
       <p:pic>
         <p:nvPicPr>
-          <p:cNvPr id="1220" name="그림 17"/>
+          <p:cNvPr id="1220" name="그림 17" descr="C:/Users/Admin1/AppData/Roaming/PolarisOffice/ETemp/18416_12904952/fImage67852006500.png"/>
           <p:cNvPicPr>
             <a:picLocks noChangeAspect="1"/>
           </p:cNvPicPr>
@@ -15297,8 +15282,8 @@
         </p:blipFill>
         <p:spPr>
           <a:xfrm rot="0">
-            <a:off x="1238885" y="1270635"/>
-            <a:ext cx="1131570" cy="1403985"/>
+            <a:off x="1238885" y="1448435"/>
+            <a:ext cx="1132205" cy="1226820"/>
           </a:xfrm>
           <a:prstGeom prst="roundRect"/>
           <a:solidFill>
@@ -15316,8 +15301,8 @@
         </p:nvSpPr>
         <p:spPr>
           <a:xfrm rot="0">
-            <a:off x="1229995" y="2771140"/>
-            <a:ext cx="4139565" cy="1202055"/>
+            <a:off x="1229995" y="2787650"/>
+            <a:ext cx="4140200" cy="1202690"/>
           </a:xfrm>
           <a:prstGeom prst="rect"/>
           <a:noFill/>
@@ -15395,8 +15380,8 @@
         </p:nvCxnSpPr>
         <p:spPr>
           <a:xfrm rot="0">
-            <a:off x="2103120" y="1868170"/>
-            <a:ext cx="3176905" cy="541655"/>
+            <a:off x="2103120" y="1953260"/>
+            <a:ext cx="3176270" cy="499745"/>
           </a:xfrm>
           <a:prstGeom prst="straightConnector1"/>
           <a:ln w="6350" cap="flat" cmpd="sng">
@@ -15427,8 +15412,8 @@
         </p:nvCxnSpPr>
         <p:spPr>
           <a:xfrm rot="0">
-            <a:off x="2319655" y="2067560"/>
-            <a:ext cx="2952115" cy="475615"/>
+            <a:off x="2327910" y="2119630"/>
+            <a:ext cx="2951480" cy="457835"/>
           </a:xfrm>
           <a:prstGeom prst="straightConnector1"/>
           <a:ln w="6350" cap="flat" cmpd="sng">
@@ -15453,7 +15438,7 @@
       </p:cxnSp>
       <p:pic>
         <p:nvPicPr>
-          <p:cNvPr id="1224" name="그림 24" descr="C:/Users/Admin1/AppData/Roaming/PolarisOffice/ETemp/10012_18855016/fImage118112059169.png"/>
+          <p:cNvPr id="1224" name="그림 24" descr="C:/Users/Admin1/AppData/Roaming/PolarisOffice/ETemp/18416_12904952/fImage118112059169.png"/>
           <p:cNvPicPr>
             <a:picLocks noChangeAspect="1"/>
           </p:cNvPicPr>
@@ -15473,8 +15458,8 @@
         </p:blipFill>
         <p:spPr>
           <a:xfrm rot="0">
-            <a:off x="1231265" y="4056380"/>
-            <a:ext cx="4140835" cy="1346835"/>
+            <a:off x="1231265" y="4073525"/>
+            <a:ext cx="4141470" cy="1330325"/>
           </a:xfrm>
           <a:prstGeom prst="roundRect"/>
           <a:solidFill>
@@ -15555,17 +15540,17 @@
       </p:sp>
       <p:pic>
         <p:nvPicPr>
-          <p:cNvPr id="1226" name="그림 7" descr="C:/Users/Admin1/AppData/Roaming/PolarisOffice/ETemp/10012_18855016/fImage274222608467.png"/>
+          <p:cNvPr id="1226" name="그림 7" descr="C:/Users/Admin1/AppData/Roaming/PolarisOffice/ETemp/18416_12904952/fImage274222608467.png"/>
           <p:cNvPicPr>
             <a:picLocks noChangeAspect="1"/>
           </p:cNvPicPr>
           <p:nvPr/>
         </p:nvPicPr>
         <p:blipFill rotWithShape="1">
-          <a:blip r:embed="rId11" cstate="print">
+          <a:blip r:embed="rId11" cstate="hqprint">
             <a:extLst>
               <a:ext uri="{28A0092B-C50C-407E-A947-70E740481C1C}">
-                <a14:useLocalDpi xmlns:a14="http://schemas.microsoft.com/office/drawing/2010/main" val="0"/>
+                <a14:useLocalDpi xmlns:a14="http://schemas.microsoft.com/office/drawing/2010/main"/>
               </a:ext>
             </a:extLst>
           </a:blip>
@@ -15575,8 +15560,8 @@
         </p:blipFill>
         <p:spPr>
           <a:xfrm rot="0">
-            <a:off x="6808470" y="1255395"/>
-            <a:ext cx="4131945" cy="2436495"/>
+            <a:off x="6808470" y="1438275"/>
+            <a:ext cx="4132580" cy="2254250"/>
           </a:xfrm>
           <a:prstGeom prst="roundRect"/>
           <a:solidFill>
